--- a/php-fw4/lesson4.pptx
+++ b/php-fw4/lesson4.pptx
@@ -5,10 +5,10 @@
     <p:sldMasterId id="2147484302" r:id="rId1"/>
   </p:sldMasterIdLst>
   <p:notesMasterIdLst>
-    <p:notesMasterId r:id="rId41"/>
+    <p:notesMasterId r:id="rId44"/>
   </p:notesMasterIdLst>
   <p:handoutMasterIdLst>
-    <p:handoutMasterId r:id="rId42"/>
+    <p:handoutMasterId r:id="rId45"/>
   </p:handoutMasterIdLst>
   <p:sldIdLst>
     <p:sldId id="256" r:id="rId2"/>
@@ -16,40 +16,43 @@
     <p:sldId id="414" r:id="rId4"/>
     <p:sldId id="415" r:id="rId5"/>
     <p:sldId id="416" r:id="rId6"/>
-    <p:sldId id="417" r:id="rId7"/>
-    <p:sldId id="450" r:id="rId8"/>
-    <p:sldId id="418" r:id="rId9"/>
-    <p:sldId id="419" r:id="rId10"/>
-    <p:sldId id="420" r:id="rId11"/>
-    <p:sldId id="421" r:id="rId12"/>
-    <p:sldId id="422" r:id="rId13"/>
-    <p:sldId id="423" r:id="rId14"/>
-    <p:sldId id="424" r:id="rId15"/>
-    <p:sldId id="425" r:id="rId16"/>
-    <p:sldId id="426" r:id="rId17"/>
-    <p:sldId id="427" r:id="rId18"/>
-    <p:sldId id="428" r:id="rId19"/>
-    <p:sldId id="429" r:id="rId20"/>
-    <p:sldId id="430" r:id="rId21"/>
-    <p:sldId id="431" r:id="rId22"/>
-    <p:sldId id="432" r:id="rId23"/>
-    <p:sldId id="433" r:id="rId24"/>
-    <p:sldId id="434" r:id="rId25"/>
-    <p:sldId id="435" r:id="rId26"/>
-    <p:sldId id="436" r:id="rId27"/>
-    <p:sldId id="437" r:id="rId28"/>
-    <p:sldId id="438" r:id="rId29"/>
-    <p:sldId id="439" r:id="rId30"/>
-    <p:sldId id="440" r:id="rId31"/>
-    <p:sldId id="441" r:id="rId32"/>
-    <p:sldId id="442" r:id="rId33"/>
-    <p:sldId id="444" r:id="rId34"/>
-    <p:sldId id="445" r:id="rId35"/>
-    <p:sldId id="446" r:id="rId36"/>
-    <p:sldId id="447" r:id="rId37"/>
-    <p:sldId id="448" r:id="rId38"/>
-    <p:sldId id="449" r:id="rId39"/>
-    <p:sldId id="398" r:id="rId40"/>
+    <p:sldId id="451" r:id="rId7"/>
+    <p:sldId id="452" r:id="rId8"/>
+    <p:sldId id="453" r:id="rId9"/>
+    <p:sldId id="417" r:id="rId10"/>
+    <p:sldId id="450" r:id="rId11"/>
+    <p:sldId id="418" r:id="rId12"/>
+    <p:sldId id="419" r:id="rId13"/>
+    <p:sldId id="420" r:id="rId14"/>
+    <p:sldId id="421" r:id="rId15"/>
+    <p:sldId id="422" r:id="rId16"/>
+    <p:sldId id="423" r:id="rId17"/>
+    <p:sldId id="424" r:id="rId18"/>
+    <p:sldId id="425" r:id="rId19"/>
+    <p:sldId id="426" r:id="rId20"/>
+    <p:sldId id="427" r:id="rId21"/>
+    <p:sldId id="428" r:id="rId22"/>
+    <p:sldId id="429" r:id="rId23"/>
+    <p:sldId id="430" r:id="rId24"/>
+    <p:sldId id="431" r:id="rId25"/>
+    <p:sldId id="432" r:id="rId26"/>
+    <p:sldId id="433" r:id="rId27"/>
+    <p:sldId id="434" r:id="rId28"/>
+    <p:sldId id="435" r:id="rId29"/>
+    <p:sldId id="436" r:id="rId30"/>
+    <p:sldId id="437" r:id="rId31"/>
+    <p:sldId id="438" r:id="rId32"/>
+    <p:sldId id="439" r:id="rId33"/>
+    <p:sldId id="440" r:id="rId34"/>
+    <p:sldId id="441" r:id="rId35"/>
+    <p:sldId id="442" r:id="rId36"/>
+    <p:sldId id="444" r:id="rId37"/>
+    <p:sldId id="445" r:id="rId38"/>
+    <p:sldId id="446" r:id="rId39"/>
+    <p:sldId id="447" r:id="rId40"/>
+    <p:sldId id="448" r:id="rId41"/>
+    <p:sldId id="449" r:id="rId42"/>
+    <p:sldId id="398" r:id="rId43"/>
   </p:sldIdLst>
   <p:sldSz cx="9144000" cy="6858000" type="screen4x3"/>
   <p:notesSz cx="6858000" cy="9144000"/>
@@ -180,7 +183,7 @@
   </p:defaultTextStyle>
   <p:extLst>
     <p:ext uri="{EFAFB233-063F-42B5-8137-9DF3F51BA10A}">
-      <p15:sldGuideLst xmlns:p15="http://schemas.microsoft.com/office/powerpoint/2012/main">
+      <p15:sldGuideLst xmlns:p15="http://schemas.microsoft.com/office/powerpoint/2012/main" xmlns="">
         <p15:guide id="1" orient="horz" pos="2160">
           <p15:clr>
             <a:srgbClr val="A4A3A4"/>
@@ -194,7 +197,7 @@
       </p15:sldGuideLst>
     </p:ext>
     <p:ext uri="{2D200454-40CA-4A62-9FC3-DE9A4176ACB9}">
-      <p15:notesGuideLst xmlns:p15="http://schemas.microsoft.com/office/powerpoint/2012/main">
+      <p15:notesGuideLst xmlns:p15="http://schemas.microsoft.com/office/powerpoint/2012/main" xmlns="">
         <p15:guide id="1" orient="horz" pos="2880">
           <p15:clr>
             <a:srgbClr val="A4A3A4"/>
@@ -436,6 +439,11 @@
         </p:txBody>
       </p:sp>
     </p:spTree>
+    <p:extLst>
+      <p:ext uri="{BB962C8B-B14F-4D97-AF65-F5344CB8AC3E}">
+        <p14:creationId xmlns:p14="http://schemas.microsoft.com/office/powerpoint/2010/main" val="2384583694"/>
+      </p:ext>
+    </p:extLst>
   </p:cSld>
   <p:clrMap bg1="lt1" tx1="dk1" bg2="lt2" tx2="dk2" accent1="accent1" accent2="accent2" accent3="accent3" accent4="accent4" accent5="accent5" accent6="accent6" hlink="hlink" folHlink="folHlink"/>
 </p:handoutMaster>
@@ -598,7 +606,7 @@
               </a14:hiddenFill>
             </a:ext>
             <a:ext uri="{FAA26D3D-D897-4be2-8F04-BA451C77F1D7}">
-              <ma14:placeholderFlag xmlns:ma14="http://schemas.microsoft.com/office/mac/drawingml/2011/main" val="1"/>
+              <ma14:placeholderFlag xmlns:ma14="http://schemas.microsoft.com/office/mac/drawingml/2011/main" xmlns="" val="1"/>
             </a:ext>
           </a:extLst>
         </p:spPr>
@@ -778,6 +786,11 @@
         </p:txBody>
       </p:sp>
     </p:spTree>
+    <p:extLst>
+      <p:ext uri="{BB962C8B-B14F-4D97-AF65-F5344CB8AC3E}">
+        <p14:creationId xmlns:p14="http://schemas.microsoft.com/office/powerpoint/2010/main" val="2901817435"/>
+      </p:ext>
+    </p:extLst>
   </p:cSld>
   <p:clrMap bg1="lt1" tx1="dk1" bg2="lt2" tx2="dk2" accent1="accent1" accent2="accent2" accent3="accent3" accent4="accent4" accent5="accent5" accent6="accent6" hlink="hlink" folHlink="folHlink"/>
   <p:notesStyle>
@@ -1135,7 +1148,7 @@
               </a14:hiddenLine>
             </a:ext>
             <a:ext uri="{FAA26D3D-D897-4be2-8F04-BA451C77F1D7}">
-              <ma14:placeholderFlag xmlns:ma14="http://schemas.microsoft.com/office/mac/drawingml/2011/main" val="1"/>
+              <ma14:placeholderFlag xmlns:ma14="http://schemas.microsoft.com/office/mac/drawingml/2011/main" xmlns="" val="1"/>
             </a:ext>
           </a:extLst>
         </p:spPr>
@@ -1309,7 +1322,7 @@
             <a:fld id="{C798A4D9-DBE8-4D12-9BD0-33B8FD344B2A}" type="slidenum">
               <a:rPr lang="en-US" altLang="zh-TW" sz="1200" smtClean="0"/>
               <a:pPr/>
-              <a:t>11</a:t>
+              <a:t>14</a:t>
             </a:fld>
             <a:endParaRPr lang="en-US" altLang="zh-TW" sz="1200" smtClean="0"/>
           </a:p>
@@ -1537,7 +1550,7 @@
             <a:fld id="{C798A4D9-DBE8-4D12-9BD0-33B8FD344B2A}" type="slidenum">
               <a:rPr lang="en-US" altLang="zh-TW" sz="1200" smtClean="0"/>
               <a:pPr/>
-              <a:t>12</a:t>
+              <a:t>15</a:t>
             </a:fld>
             <a:endParaRPr lang="en-US" altLang="zh-TW" sz="1200" smtClean="0"/>
           </a:p>
@@ -1765,7 +1778,7 @@
             <a:fld id="{4466EFF8-D89D-47A0-A4F7-035BC5BF484B}" type="slidenum">
               <a:rPr lang="en-US" altLang="zh-TW" sz="1200" smtClean="0"/>
               <a:pPr/>
-              <a:t>13</a:t>
+              <a:t>16</a:t>
             </a:fld>
             <a:endParaRPr lang="en-US" altLang="zh-TW" sz="1200" smtClean="0"/>
           </a:p>
@@ -1993,7 +2006,7 @@
             <a:fld id="{EBD8E7BB-8B6B-4756-8541-18828C8F2C3C}" type="slidenum">
               <a:rPr lang="en-US" altLang="zh-TW" sz="1200" smtClean="0"/>
               <a:pPr/>
-              <a:t>14</a:t>
+              <a:t>17</a:t>
             </a:fld>
             <a:endParaRPr lang="en-US" altLang="zh-TW" sz="1200" smtClean="0"/>
           </a:p>
@@ -2221,7 +2234,7 @@
             <a:fld id="{C4843C30-6C91-4E51-B4FA-3FCB7A2452D6}" type="slidenum">
               <a:rPr lang="en-US" altLang="zh-TW" sz="1200" smtClean="0"/>
               <a:pPr/>
-              <a:t>15</a:t>
+              <a:t>18</a:t>
             </a:fld>
             <a:endParaRPr lang="en-US" altLang="zh-TW" sz="1200" smtClean="0"/>
           </a:p>
@@ -2449,7 +2462,7 @@
             <a:fld id="{137C3665-F110-4139-8EF6-9F5D17D75F57}" type="slidenum">
               <a:rPr lang="en-US" altLang="zh-TW" sz="1200" smtClean="0"/>
               <a:pPr/>
-              <a:t>16</a:t>
+              <a:t>19</a:t>
             </a:fld>
             <a:endParaRPr lang="en-US" altLang="zh-TW" sz="1200" smtClean="0"/>
           </a:p>
@@ -2677,7 +2690,7 @@
             <a:fld id="{5981C463-1C54-413C-9707-4BEBBB4A8C0E}" type="slidenum">
               <a:rPr lang="en-US" altLang="zh-TW" sz="1200" smtClean="0"/>
               <a:pPr/>
-              <a:t>17</a:t>
+              <a:t>20</a:t>
             </a:fld>
             <a:endParaRPr lang="en-US" altLang="zh-TW" sz="1200" smtClean="0"/>
           </a:p>
@@ -2905,7 +2918,7 @@
             <a:fld id="{AD0C00DB-B5C2-4DCB-A579-964D5FD2A667}" type="slidenum">
               <a:rPr lang="en-US" altLang="zh-TW" sz="1200" smtClean="0"/>
               <a:pPr/>
-              <a:t>18</a:t>
+              <a:t>21</a:t>
             </a:fld>
             <a:endParaRPr lang="en-US" altLang="zh-TW" sz="1200" smtClean="0"/>
           </a:p>
@@ -3133,7 +3146,7 @@
             <a:fld id="{9AD8AB1C-2E44-4F16-9CEB-685F6C91727A}" type="slidenum">
               <a:rPr lang="en-US" altLang="zh-TW" sz="1200" smtClean="0"/>
               <a:pPr/>
-              <a:t>19</a:t>
+              <a:t>22</a:t>
             </a:fld>
             <a:endParaRPr lang="en-US" altLang="zh-TW" sz="1200" smtClean="0"/>
           </a:p>
@@ -3361,7 +3374,7 @@
             <a:fld id="{F831B8F5-25CE-42B3-B532-8937E8C9AB0E}" type="slidenum">
               <a:rPr lang="en-US" altLang="zh-TW" sz="1200" smtClean="0"/>
               <a:pPr/>
-              <a:t>20</a:t>
+              <a:t>23</a:t>
             </a:fld>
             <a:endParaRPr lang="en-US" altLang="zh-TW" sz="1200" smtClean="0"/>
           </a:p>
@@ -3820,7 +3833,7 @@
             <a:fld id="{7885406E-64C8-4A3E-A3F9-513573349CE5}" type="slidenum">
               <a:rPr lang="en-US" altLang="zh-TW" sz="1200" smtClean="0"/>
               <a:pPr/>
-              <a:t>21</a:t>
+              <a:t>24</a:t>
             </a:fld>
             <a:endParaRPr lang="en-US" altLang="zh-TW" sz="1200" smtClean="0"/>
           </a:p>
@@ -4048,7 +4061,7 @@
             <a:fld id="{21E1DAD6-CCC9-403A-953A-20DD3DA513AD}" type="slidenum">
               <a:rPr lang="en-US" altLang="zh-TW" sz="1200" smtClean="0"/>
               <a:pPr/>
-              <a:t>22</a:t>
+              <a:t>25</a:t>
             </a:fld>
             <a:endParaRPr lang="en-US" altLang="zh-TW" sz="1200" smtClean="0"/>
           </a:p>
@@ -4276,7 +4289,7 @@
             <a:fld id="{F3904D0D-1EB7-4C61-9672-22FD23B7A576}" type="slidenum">
               <a:rPr lang="en-US" altLang="zh-TW" sz="1200" smtClean="0"/>
               <a:pPr/>
-              <a:t>23</a:t>
+              <a:t>26</a:t>
             </a:fld>
             <a:endParaRPr lang="en-US" altLang="zh-TW" sz="1200" smtClean="0"/>
           </a:p>
@@ -4504,7 +4517,7 @@
             <a:fld id="{F3904D0D-1EB7-4C61-9672-22FD23B7A576}" type="slidenum">
               <a:rPr lang="en-US" altLang="zh-TW" sz="1200" smtClean="0"/>
               <a:pPr/>
-              <a:t>24</a:t>
+              <a:t>27</a:t>
             </a:fld>
             <a:endParaRPr lang="en-US" altLang="zh-TW" sz="1200" smtClean="0"/>
           </a:p>
@@ -4732,7 +4745,7 @@
             <a:fld id="{FB06BDF2-F1BE-403B-9551-E351F0386401}" type="slidenum">
               <a:rPr lang="zh-TW" altLang="en-US" sz="1200" smtClean="0"/>
               <a:pPr/>
-              <a:t>28</a:t>
+              <a:t>31</a:t>
             </a:fld>
             <a:endParaRPr lang="en-US" altLang="zh-TW" sz="1200" smtClean="0"/>
           </a:p>
@@ -4960,7 +4973,7 @@
             <a:fld id="{2178B81A-5FB4-4370-9C95-245F187ABDEE}" type="slidenum">
               <a:rPr lang="zh-TW" altLang="en-US" sz="1200" smtClean="0"/>
               <a:pPr/>
-              <a:t>29</a:t>
+              <a:t>32</a:t>
             </a:fld>
             <a:endParaRPr lang="en-US" altLang="zh-TW" sz="1200" smtClean="0"/>
           </a:p>
@@ -5212,7 +5225,7 @@
                   <a:spcPct val="0"/>
                 </a:spcBef>
               </a:pPr>
-              <a:t>39</a:t>
+              <a:t>42</a:t>
             </a:fld>
             <a:endParaRPr kumimoji="0" lang="en-US" altLang="zh-TW"/>
           </a:p>
@@ -5264,7 +5277,7 @@
               </a14:hiddenLine>
             </a:ext>
             <a:ext uri="{FAA26D3D-D897-4be2-8F04-BA451C77F1D7}">
-              <ma14:placeholderFlag xmlns:ma14="http://schemas.microsoft.com/office/mac/drawingml/2011/main" val="1"/>
+              <ma14:placeholderFlag xmlns:ma14="http://schemas.microsoft.com/office/mac/drawingml/2011/main" xmlns="" val="1"/>
             </a:ext>
           </a:extLst>
         </p:spPr>
@@ -5894,7 +5907,7 @@
             <a:fld id="{321EBE3E-B9FB-49AE-8E51-F019B1B77912}" type="slidenum">
               <a:rPr lang="en-US" altLang="zh-TW" sz="1200" smtClean="0"/>
               <a:pPr/>
-              <a:t>6</a:t>
+              <a:t>9</a:t>
             </a:fld>
             <a:endParaRPr lang="en-US" altLang="zh-TW" sz="1200" smtClean="0"/>
           </a:p>
@@ -6122,7 +6135,7 @@
             <a:fld id="{321EBE3E-B9FB-49AE-8E51-F019B1B77912}" type="slidenum">
               <a:rPr lang="en-US" altLang="zh-TW" sz="1200" smtClean="0"/>
               <a:pPr/>
-              <a:t>7</a:t>
+              <a:t>10</a:t>
             </a:fld>
             <a:endParaRPr lang="en-US" altLang="zh-TW" sz="1200" smtClean="0"/>
           </a:p>
@@ -6350,7 +6363,7 @@
             <a:fld id="{D071199D-A5EE-4300-B829-62DB88C8D299}" type="slidenum">
               <a:rPr lang="en-US" altLang="zh-TW" sz="1200" smtClean="0"/>
               <a:pPr/>
-              <a:t>8</a:t>
+              <a:t>11</a:t>
             </a:fld>
             <a:endParaRPr lang="en-US" altLang="zh-TW" sz="1200" smtClean="0"/>
           </a:p>
@@ -6578,7 +6591,7 @@
             <a:fld id="{E40FC351-8449-49DD-AB63-E6F8A600268E}" type="slidenum">
               <a:rPr lang="en-US" altLang="zh-TW" sz="1200" smtClean="0"/>
               <a:pPr/>
-              <a:t>9</a:t>
+              <a:t>12</a:t>
             </a:fld>
             <a:endParaRPr lang="en-US" altLang="zh-TW" sz="1200" smtClean="0"/>
           </a:p>
@@ -6806,7 +6819,7 @@
             <a:fld id="{A1DB4528-8FCB-413F-B4CD-D7724F684FDF}" type="slidenum">
               <a:rPr lang="en-US" altLang="zh-TW" sz="1200" smtClean="0"/>
               <a:pPr/>
-              <a:t>10</a:t>
+              <a:t>13</a:t>
             </a:fld>
             <a:endParaRPr lang="en-US" altLang="zh-TW" sz="1200" smtClean="0"/>
           </a:p>
@@ -12954,7 +12967,7 @@
               </a14:hiddenLine>
             </a:ext>
             <a:ext uri="{FAA26D3D-D897-4be2-8F04-BA451C77F1D7}">
-              <ma14:placeholderFlag xmlns:ma14="http://schemas.microsoft.com/office/mac/drawingml/2011/main" val="1"/>
+              <ma14:placeholderFlag xmlns:ma14="http://schemas.microsoft.com/office/mac/drawingml/2011/main" xmlns="" val="1"/>
             </a:ext>
           </a:extLst>
         </p:spPr>
@@ -13015,7 +13028,7 @@
               </a14:hiddenLine>
             </a:ext>
             <a:ext uri="{FAA26D3D-D897-4be2-8F04-BA451C77F1D7}">
-              <ma14:placeholderFlag xmlns:ma14="http://schemas.microsoft.com/office/mac/drawingml/2011/main" val="1"/>
+              <ma14:placeholderFlag xmlns:ma14="http://schemas.microsoft.com/office/mac/drawingml/2011/main" xmlns="" val="1"/>
             </a:ext>
           </a:extLst>
         </p:spPr>
@@ -13933,7 +13946,7 @@
       </p:grpSpPr>
       <p:sp>
         <p:nvSpPr>
-          <p:cNvPr id="13314" name="Rectangle 2"/>
+          <p:cNvPr id="10242" name="Rectangle 2"/>
           <p:cNvSpPr>
             <a:spLocks noGrp="1" noChangeArrowheads="1"/>
           </p:cNvSpPr>
@@ -13950,17 +13963,17 @@
               <a:defRPr/>
             </a:pPr>
             <a:r>
-              <a:rPr lang="en-US" altLang="zh-TW" smtClean="0">
-                <a:latin typeface="Times New Roman" pitchFamily="18" charset="0"/>
-              </a:rPr>
-              <a:t>The First Step</a:t>
-            </a:r>
-          </a:p>
-        </p:txBody>
-      </p:sp>
-      <p:sp>
-        <p:nvSpPr>
-          <p:cNvPr id="20483" name="Rectangle 3"/>
+              <a:rPr lang="en-US" altLang="zh-TW" dirty="0" smtClean="0">
+                <a:latin typeface="Times New Roman" pitchFamily="18" charset="0"/>
+              </a:rPr>
+              <a:t>Server side (PHP)</a:t>
+            </a:r>
+          </a:p>
+        </p:txBody>
+      </p:sp>
+      <p:sp>
+        <p:nvSpPr>
+          <p:cNvPr id="17411" name="Rectangle 3"/>
           <p:cNvSpPr>
             <a:spLocks noGrp="1" noChangeArrowheads="1"/>
           </p:cNvSpPr>
@@ -13977,7 +13990,7 @@
               <a:rPr lang="en-US" altLang="zh-TW" dirty="0" smtClean="0">
                 <a:ea typeface="新細明體" pitchFamily="18" charset="-120"/>
               </a:rPr>
-              <a:t>Tell your computer what to do with your form</a:t>
+              <a:t>Save data – server side</a:t>
             </a:r>
           </a:p>
           <a:p>
@@ -13985,29 +13998,41 @@
               <a:rPr lang="en-US" altLang="zh-TW" dirty="0" smtClean="0">
                 <a:ea typeface="新細明體" pitchFamily="18" charset="-120"/>
               </a:rPr>
-              <a:t>Insert -&gt; Form -&gt; Form</a:t>
-            </a:r>
-          </a:p>
-          <a:p>
-            <a:endParaRPr lang="en-US" altLang="zh-TW" dirty="0" smtClean="0">
-              <a:ea typeface="新細明體" pitchFamily="18" charset="-120"/>
-            </a:endParaRPr>
+              <a:t>Database (MySQL)</a:t>
+            </a:r>
+          </a:p>
+          <a:p>
+            <a:r>
+              <a:rPr lang="en-US" altLang="zh-TW" dirty="0" smtClean="0">
+                <a:ea typeface="新細明體" pitchFamily="18" charset="-120"/>
+              </a:rPr>
+              <a:t>?name=</a:t>
+            </a:r>
+            <a:r>
+              <a:rPr lang="en-US" altLang="zh-TW" dirty="0" err="1" smtClean="0">
+                <a:ea typeface="新細明體" pitchFamily="18" charset="-120"/>
+              </a:rPr>
+              <a:t>ray&amp;password</a:t>
+            </a:r>
+            <a:r>
+              <a:rPr lang="en-US" altLang="zh-TW" dirty="0" smtClean="0">
+                <a:ea typeface="新細明體" pitchFamily="18" charset="-120"/>
+              </a:rPr>
+              <a:t>=123</a:t>
+            </a:r>
           </a:p>
         </p:txBody>
       </p:sp>
     </p:spTree>
     <p:extLst>
       <p:ext uri="{BB962C8B-B14F-4D97-AF65-F5344CB8AC3E}">
-        <p14:creationId xmlns:p14="http://schemas.microsoft.com/office/powerpoint/2010/main" val="1977169055"/>
+        <p14:creationId xmlns:p14="http://schemas.microsoft.com/office/powerpoint/2010/main" val="970503919"/>
       </p:ext>
     </p:extLst>
   </p:cSld>
   <p:clrMapOvr>
     <a:masterClrMapping/>
   </p:clrMapOvr>
-  <p:transition>
-    <p:checker/>
-  </p:transition>
   <p:timing>
     <p:tnLst>
       <p:par>
@@ -14037,7 +14062,7 @@
       </p:grpSpPr>
       <p:sp>
         <p:nvSpPr>
-          <p:cNvPr id="14338" name="Rectangle 2"/>
+          <p:cNvPr id="12290" name="Rectangle 2050"/>
           <p:cNvSpPr>
             <a:spLocks noGrp="1" noChangeArrowheads="1"/>
           </p:cNvSpPr>
@@ -14054,20 +14079,17 @@
               <a:defRPr/>
             </a:pPr>
             <a:r>
-              <a:rPr lang="en-US" altLang="zh-TW" dirty="0" err="1" smtClean="0">
-                <a:latin typeface="Times New Roman" pitchFamily="18" charset="0"/>
-              </a:rPr>
-              <a:t>Fieldset</a:t>
-            </a:r>
-            <a:endParaRPr lang="en-US" altLang="zh-TW" dirty="0" smtClean="0">
-              <a:latin typeface="Times New Roman" pitchFamily="18" charset="0"/>
-            </a:endParaRPr>
-          </a:p>
-        </p:txBody>
-      </p:sp>
-      <p:sp>
-        <p:nvSpPr>
-          <p:cNvPr id="21507" name="Rectangle 3"/>
+              <a:rPr lang="en-US" altLang="zh-TW" smtClean="0">
+                <a:latin typeface="Times New Roman" pitchFamily="18" charset="0"/>
+              </a:rPr>
+              <a:t>Usage</a:t>
+            </a:r>
+          </a:p>
+        </p:txBody>
+      </p:sp>
+      <p:sp>
+        <p:nvSpPr>
+          <p:cNvPr id="19459" name="Rectangle 2051"/>
           <p:cNvSpPr>
             <a:spLocks noGrp="1" noChangeArrowheads="1"/>
           </p:cNvSpPr>
@@ -14077,84 +14099,62 @@
         </p:nvSpPr>
         <p:spPr/>
         <p:txBody>
-          <a:bodyPr>
-            <a:normAutofit/>
-          </a:bodyPr>
+          <a:bodyPr/>
           <a:lstStyle/>
           <a:p>
             <a:r>
-              <a:rPr lang="en-US" altLang="zh-TW" dirty="0">
-                <a:ea typeface="新細明體" pitchFamily="18" charset="-120"/>
-              </a:rPr>
-              <a:t>To group all our details of the form, we add a </a:t>
-            </a:r>
-            <a:r>
-              <a:rPr lang="en-US" altLang="zh-TW" dirty="0" err="1">
-                <a:ea typeface="新細明體" pitchFamily="18" charset="-120"/>
-              </a:rPr>
-              <a:t>fieldset</a:t>
-            </a:r>
-            <a:r>
-              <a:rPr lang="en-US" altLang="zh-TW" dirty="0">
-                <a:ea typeface="新細明體" pitchFamily="18" charset="-120"/>
-              </a:rPr>
-              <a:t> first.</a:t>
-            </a:r>
-          </a:p>
-          <a:p>
-            <a:r>
-              <a:rPr lang="en-US" altLang="zh-TW" dirty="0">
-                <a:ea typeface="新細明體" pitchFamily="18" charset="-120"/>
-              </a:rPr>
-              <a:t>Usually add a legend for this group.</a:t>
-            </a:r>
-          </a:p>
-          <a:p>
-            <a:r>
-              <a:rPr lang="en-US" altLang="zh-TW" dirty="0">
-                <a:ea typeface="新細明體" pitchFamily="18" charset="-120"/>
-              </a:rPr>
-              <a:t>&lt;</a:t>
-            </a:r>
-            <a:r>
-              <a:rPr lang="en-US" altLang="zh-TW" dirty="0" err="1">
-                <a:ea typeface="新細明體" pitchFamily="18" charset="-120"/>
-              </a:rPr>
-              <a:t>fieldset</a:t>
-            </a:r>
-            <a:r>
-              <a:rPr lang="en-US" altLang="zh-TW" dirty="0">
-                <a:ea typeface="新細明體" pitchFamily="18" charset="-120"/>
-              </a:rPr>
-              <a:t>&gt;</a:t>
-            </a:r>
-          </a:p>
-          <a:p>
-            <a:r>
-              <a:rPr lang="en-US" altLang="zh-TW" dirty="0">
-                <a:ea typeface="新細明體" pitchFamily="18" charset="-120"/>
-              </a:rPr>
-              <a:t>&lt;legend&gt;Form Title&lt;/legend&gt;</a:t>
-            </a:r>
-          </a:p>
-          <a:p>
-            <a:r>
-              <a:rPr lang="en-US" altLang="zh-TW" dirty="0">
-                <a:ea typeface="新細明體" pitchFamily="18" charset="-120"/>
-              </a:rPr>
-              <a:t>&lt;/</a:t>
-            </a:r>
-            <a:r>
-              <a:rPr lang="en-US" altLang="zh-TW" dirty="0" err="1">
-                <a:ea typeface="新細明體" pitchFamily="18" charset="-120"/>
-              </a:rPr>
-              <a:t>fieldset</a:t>
-            </a:r>
-            <a:r>
-              <a:rPr lang="en-US" altLang="zh-TW" dirty="0">
-                <a:ea typeface="新細明體" pitchFamily="18" charset="-120"/>
-              </a:rPr>
-              <a:t>&gt;</a:t>
+              <a:rPr lang="en-US" altLang="zh-TW" smtClean="0">
+                <a:ea typeface="新細明體" pitchFamily="18" charset="-120"/>
+              </a:rPr>
+              <a:t>Usually used for collecting data</a:t>
+            </a:r>
+          </a:p>
+          <a:p>
+            <a:r>
+              <a:rPr lang="en-US" altLang="zh-TW" smtClean="0">
+                <a:ea typeface="新細明體" pitchFamily="18" charset="-120"/>
+              </a:rPr>
+              <a:t>Registration</a:t>
+            </a:r>
+          </a:p>
+          <a:p>
+            <a:r>
+              <a:rPr lang="en-US" altLang="zh-TW" smtClean="0">
+                <a:ea typeface="新細明體" pitchFamily="18" charset="-120"/>
+              </a:rPr>
+              <a:t>Login</a:t>
+            </a:r>
+          </a:p>
+          <a:p>
+            <a:r>
+              <a:rPr lang="en-US" altLang="zh-TW" smtClean="0">
+                <a:ea typeface="新細明體" pitchFamily="18" charset="-120"/>
+              </a:rPr>
+              <a:t>Search</a:t>
+            </a:r>
+          </a:p>
+          <a:p>
+            <a:r>
+              <a:rPr lang="en-US" altLang="zh-TW" smtClean="0">
+                <a:ea typeface="新細明體" pitchFamily="18" charset="-120"/>
+              </a:rPr>
+              <a:t>Guest book</a:t>
+            </a:r>
+          </a:p>
+          <a:p>
+            <a:r>
+              <a:rPr lang="en-US" altLang="zh-TW" smtClean="0">
+                <a:ea typeface="新細明體" pitchFamily="18" charset="-120"/>
+              </a:rPr>
+              <a:t>Research</a:t>
+            </a:r>
+          </a:p>
+          <a:p>
+            <a:r>
+              <a:rPr lang="en-US" altLang="zh-TW" smtClean="0">
+                <a:ea typeface="新細明體" pitchFamily="18" charset="-120"/>
+              </a:rPr>
+              <a:t>Vote</a:t>
             </a:r>
           </a:p>
         </p:txBody>
@@ -14162,7 +14162,7 @@
     </p:spTree>
     <p:extLst>
       <p:ext uri="{BB962C8B-B14F-4D97-AF65-F5344CB8AC3E}">
-        <p14:creationId xmlns:p14="http://schemas.microsoft.com/office/powerpoint/2010/main" val="600896427"/>
+        <p14:creationId xmlns:p14="http://schemas.microsoft.com/office/powerpoint/2010/main" val="634802922"/>
       </p:ext>
     </p:extLst>
   </p:cSld>
@@ -14201,7 +14201,7 @@
       </p:grpSpPr>
       <p:sp>
         <p:nvSpPr>
-          <p:cNvPr id="14338" name="Rectangle 2"/>
+          <p:cNvPr id="11266" name="Rectangle 2"/>
           <p:cNvSpPr>
             <a:spLocks noGrp="1" noChangeArrowheads="1"/>
           </p:cNvSpPr>
@@ -14221,14 +14221,14 @@
               <a:rPr lang="en-US" altLang="zh-TW" smtClean="0">
                 <a:latin typeface="Times New Roman" pitchFamily="18" charset="0"/>
               </a:rPr>
-              <a:t>Text box</a:t>
-            </a:r>
-          </a:p>
-        </p:txBody>
-      </p:sp>
-      <p:sp>
-        <p:nvSpPr>
-          <p:cNvPr id="21507" name="Rectangle 3"/>
+              <a:t>Form components</a:t>
+            </a:r>
+          </a:p>
+        </p:txBody>
+      </p:sp>
+      <p:sp>
+        <p:nvSpPr>
+          <p:cNvPr id="18435" name="Rectangle 3"/>
           <p:cNvSpPr>
             <a:spLocks noGrp="1" noChangeArrowheads="1"/>
           </p:cNvSpPr>
@@ -14238,234 +14238,65 @@
         </p:nvSpPr>
         <p:spPr/>
         <p:txBody>
-          <a:bodyPr>
-            <a:normAutofit lnSpcReduction="10000"/>
-          </a:bodyPr>
+          <a:bodyPr/>
           <a:lstStyle/>
           <a:p>
             <a:r>
+              <a:rPr lang="en-US" altLang="zh-TW" dirty="0" err="1" smtClean="0">
+                <a:ea typeface="新細明體" pitchFamily="18" charset="-120"/>
+              </a:rPr>
+              <a:t>Fieldset</a:t>
+            </a:r>
+            <a:endParaRPr lang="en-US" altLang="zh-TW" dirty="0">
+              <a:ea typeface="新細明體" pitchFamily="18" charset="-120"/>
+            </a:endParaRPr>
+          </a:p>
+          <a:p>
+            <a:r>
               <a:rPr lang="en-US" altLang="zh-TW" dirty="0">
                 <a:ea typeface="新細明體" pitchFamily="18" charset="-120"/>
               </a:rPr>
-              <a:t>If we do not know what is the availability of the result, we insert a textbox for user to input the data. </a:t>
-            </a:r>
-          </a:p>
-          <a:p>
-            <a:r>
-              <a:rPr lang="en-US" altLang="zh-TW" dirty="0">
-                <a:ea typeface="新細明體" pitchFamily="18" charset="-120"/>
-              </a:rPr>
-              <a:t>EG. Username, Address, etc..</a:t>
-            </a:r>
-          </a:p>
-          <a:p>
-            <a:r>
-              <a:rPr lang="en-US" altLang="zh-TW" dirty="0">
-                <a:ea typeface="新細明體" pitchFamily="18" charset="-120"/>
-              </a:rPr>
-              <a:t>Insert -&gt; Form -&gt; Text box</a:t>
-            </a:r>
-          </a:p>
-          <a:p>
-            <a:r>
-              <a:rPr lang="en-US" altLang="zh-TW" dirty="0">
-                <a:ea typeface="新細明體" pitchFamily="18" charset="-120"/>
-              </a:rPr>
-              <a:t>Set the field name same as the left-hand-side.  EG. username   (lowercase</a:t>
-            </a:r>
+              <a:t>Fields</a:t>
+            </a:r>
+          </a:p>
+          <a:p>
             <a:r>
               <a:rPr lang="en-US" altLang="zh-TW" dirty="0" smtClean="0">
                 <a:ea typeface="新細明體" pitchFamily="18" charset="-120"/>
               </a:rPr>
-              <a:t>)</a:t>
-            </a:r>
-          </a:p>
-          <a:p>
-            <a:r>
-              <a:rPr lang="en-US" altLang="zh-TW" dirty="0">
-                <a:ea typeface="新細明體" pitchFamily="18" charset="-120"/>
-              </a:rPr>
-              <a:t>&lt;input name</a:t>
-            </a:r>
+              <a:t>Radio buttons</a:t>
+            </a:r>
+          </a:p>
+          <a:p>
             <a:r>
               <a:rPr lang="en-US" altLang="zh-TW" dirty="0" smtClean="0">
                 <a:ea typeface="新細明體" pitchFamily="18" charset="-120"/>
               </a:rPr>
-              <a:t>=</a:t>
-            </a:r>
-            <a:r>
-              <a:rPr lang="mr-IN" altLang="zh-TW" dirty="0" smtClean="0">
-                <a:ea typeface="新細明體" pitchFamily="18" charset="-120"/>
-              </a:rPr>
-              <a:t>"</a:t>
-            </a:r>
+              <a:t>Check boxes</a:t>
+            </a:r>
+          </a:p>
+          <a:p>
             <a:r>
               <a:rPr lang="en-US" altLang="zh-TW" dirty="0" smtClean="0">
                 <a:ea typeface="新細明體" pitchFamily="18" charset="-120"/>
               </a:rPr>
-              <a:t>username</a:t>
-            </a:r>
-            <a:r>
-              <a:rPr lang="mr-IN" altLang="zh-TW" dirty="0" smtClean="0">
-                <a:ea typeface="新細明體" pitchFamily="18" charset="-120"/>
-              </a:rPr>
-              <a:t>"</a:t>
-            </a:r>
+              <a:t>List/menus</a:t>
+            </a:r>
+          </a:p>
+          <a:p>
             <a:r>
               <a:rPr lang="en-US" altLang="zh-TW" dirty="0" smtClean="0">
                 <a:ea typeface="新細明體" pitchFamily="18" charset="-120"/>
               </a:rPr>
-              <a:t> </a:t>
-            </a:r>
-            <a:r>
-              <a:rPr lang="en-US" altLang="zh-TW" dirty="0">
-                <a:ea typeface="新細明體" pitchFamily="18" charset="-120"/>
-              </a:rPr>
-              <a:t>type</a:t>
-            </a:r>
+              <a:t>Buttons</a:t>
+            </a:r>
+          </a:p>
+          <a:p>
             <a:r>
               <a:rPr lang="en-US" altLang="zh-TW" dirty="0" smtClean="0">
                 <a:ea typeface="新細明體" pitchFamily="18" charset="-120"/>
               </a:rPr>
-              <a:t>=</a:t>
-            </a:r>
-            <a:r>
-              <a:rPr lang="mr-IN" altLang="zh-TW" dirty="0" smtClean="0">
-                <a:ea typeface="新細明體" pitchFamily="18" charset="-120"/>
-              </a:rPr>
-              <a:t>"</a:t>
-            </a:r>
-            <a:r>
-              <a:rPr lang="en-US" altLang="zh-TW" dirty="0" smtClean="0">
-                <a:ea typeface="新細明體" pitchFamily="18" charset="-120"/>
-              </a:rPr>
-              <a:t>text</a:t>
-            </a:r>
-            <a:r>
-              <a:rPr lang="mr-IN" altLang="zh-TW" dirty="0" smtClean="0">
-                <a:ea typeface="新細明體" pitchFamily="18" charset="-120"/>
-              </a:rPr>
-              <a:t>"</a:t>
-            </a:r>
-            <a:r>
-              <a:rPr lang="en-US" altLang="zh-TW" dirty="0" smtClean="0">
-                <a:ea typeface="新細明體" pitchFamily="18" charset="-120"/>
-              </a:rPr>
-              <a:t> </a:t>
-            </a:r>
-            <a:r>
-              <a:rPr lang="en-US" altLang="zh-TW" dirty="0">
-                <a:ea typeface="新細明體" pitchFamily="18" charset="-120"/>
-              </a:rPr>
-              <a:t>id</a:t>
-            </a:r>
-            <a:r>
-              <a:rPr lang="en-US" altLang="zh-TW" dirty="0" smtClean="0">
-                <a:ea typeface="新細明體" pitchFamily="18" charset="-120"/>
-              </a:rPr>
-              <a:t>=</a:t>
-            </a:r>
-            <a:r>
-              <a:rPr lang="mr-IN" altLang="zh-TW" dirty="0" smtClean="0">
-                <a:ea typeface="新細明體" pitchFamily="18" charset="-120"/>
-              </a:rPr>
-              <a:t>"</a:t>
-            </a:r>
-            <a:r>
-              <a:rPr lang="en-US" altLang="zh-TW" dirty="0" smtClean="0">
-                <a:ea typeface="新細明體" pitchFamily="18" charset="-120"/>
-              </a:rPr>
-              <a:t>username</a:t>
-            </a:r>
-            <a:r>
-              <a:rPr lang="mr-IN" altLang="zh-TW" dirty="0" smtClean="0">
-                <a:ea typeface="新細明體" pitchFamily="18" charset="-120"/>
-              </a:rPr>
-              <a:t>"</a:t>
-            </a:r>
-            <a:r>
-              <a:rPr lang="en-US" altLang="zh-TW" dirty="0" smtClean="0">
-                <a:ea typeface="新細明體" pitchFamily="18" charset="-120"/>
-              </a:rPr>
-              <a:t> </a:t>
-            </a:r>
-            <a:r>
-              <a:rPr lang="en-US" altLang="zh-TW" dirty="0">
-                <a:ea typeface="新細明體" pitchFamily="18" charset="-120"/>
-              </a:rPr>
-              <a:t>size</a:t>
-            </a:r>
-            <a:r>
-              <a:rPr lang="en-US" altLang="zh-TW" dirty="0" smtClean="0">
-                <a:ea typeface="新細明體" pitchFamily="18" charset="-120"/>
-              </a:rPr>
-              <a:t>=</a:t>
-            </a:r>
-            <a:r>
-              <a:rPr lang="mr-IN" altLang="zh-TW" dirty="0" smtClean="0">
-                <a:ea typeface="新細明體" pitchFamily="18" charset="-120"/>
-              </a:rPr>
-              <a:t>"</a:t>
-            </a:r>
-            <a:r>
-              <a:rPr lang="en-US" altLang="zh-TW" dirty="0" smtClean="0">
-                <a:ea typeface="新細明體" pitchFamily="18" charset="-120"/>
-              </a:rPr>
-              <a:t>20</a:t>
-            </a:r>
-            <a:r>
-              <a:rPr lang="mr-IN" altLang="zh-TW" dirty="0" smtClean="0">
-                <a:ea typeface="新細明體" pitchFamily="18" charset="-120"/>
-              </a:rPr>
-              <a:t>"</a:t>
-            </a:r>
-            <a:r>
-              <a:rPr lang="en-US" altLang="zh-TW" dirty="0" smtClean="0">
-                <a:ea typeface="新細明體" pitchFamily="18" charset="-120"/>
-              </a:rPr>
-              <a:t> </a:t>
-            </a:r>
-            <a:r>
-              <a:rPr lang="en-US" altLang="zh-TW" dirty="0" err="1">
-                <a:ea typeface="新細明體" pitchFamily="18" charset="-120"/>
-              </a:rPr>
-              <a:t>maxlength</a:t>
-            </a:r>
-            <a:r>
-              <a:rPr lang="en-US" altLang="zh-TW" dirty="0" smtClean="0">
-                <a:ea typeface="新細明體" pitchFamily="18" charset="-120"/>
-              </a:rPr>
-              <a:t>=</a:t>
-            </a:r>
-            <a:r>
-              <a:rPr lang="mr-IN" altLang="zh-TW" dirty="0" smtClean="0">
-                <a:ea typeface="新細明體" pitchFamily="18" charset="-120"/>
-              </a:rPr>
-              <a:t>"</a:t>
-            </a:r>
-            <a:r>
-              <a:rPr lang="en-US" altLang="zh-TW" dirty="0" smtClean="0">
-                <a:ea typeface="新細明體" pitchFamily="18" charset="-120"/>
-              </a:rPr>
-              <a:t>10</a:t>
-            </a:r>
-            <a:r>
-              <a:rPr lang="mr-IN" altLang="zh-TW" dirty="0" smtClean="0">
-                <a:ea typeface="新細明體" pitchFamily="18" charset="-120"/>
-              </a:rPr>
-              <a:t>"</a:t>
-            </a:r>
-            <a:r>
-              <a:rPr lang="en-US" altLang="zh-TW" dirty="0" smtClean="0">
-                <a:ea typeface="新細明體" pitchFamily="18" charset="-120"/>
-              </a:rPr>
-              <a:t> </a:t>
-            </a:r>
-            <a:r>
-              <a:rPr lang="en-US" altLang="zh-TW" dirty="0">
-                <a:ea typeface="新細明體" pitchFamily="18" charset="-120"/>
-              </a:rPr>
-              <a:t>/&gt;</a:t>
+              <a:t>Hidden</a:t>
             </a:r>
           </a:p>
         </p:txBody>
@@ -14473,16 +14304,13 @@
     </p:spTree>
     <p:extLst>
       <p:ext uri="{BB962C8B-B14F-4D97-AF65-F5344CB8AC3E}">
-        <p14:creationId xmlns:p14="http://schemas.microsoft.com/office/powerpoint/2010/main" val="1955738181"/>
+        <p14:creationId xmlns:p14="http://schemas.microsoft.com/office/powerpoint/2010/main" val="572731494"/>
       </p:ext>
     </p:extLst>
   </p:cSld>
   <p:clrMapOvr>
     <a:masterClrMapping/>
   </p:clrMapOvr>
-  <p:transition>
-    <p:checker/>
-  </p:transition>
   <p:timing>
     <p:tnLst>
       <p:par>
@@ -14512,7 +14340,7 @@
       </p:grpSpPr>
       <p:sp>
         <p:nvSpPr>
-          <p:cNvPr id="14338" name="Rectangle 2"/>
+          <p:cNvPr id="13314" name="Rectangle 2"/>
           <p:cNvSpPr>
             <a:spLocks noGrp="1" noChangeArrowheads="1"/>
           </p:cNvSpPr>
@@ -14529,293 +14357,55 @@
               <a:defRPr/>
             </a:pPr>
             <a:r>
+              <a:rPr lang="en-US" altLang="zh-TW" smtClean="0">
+                <a:latin typeface="Times New Roman" pitchFamily="18" charset="0"/>
+              </a:rPr>
+              <a:t>The First Step</a:t>
+            </a:r>
+          </a:p>
+        </p:txBody>
+      </p:sp>
+      <p:sp>
+        <p:nvSpPr>
+          <p:cNvPr id="20483" name="Rectangle 3"/>
+          <p:cNvSpPr>
+            <a:spLocks noGrp="1" noChangeArrowheads="1"/>
+          </p:cNvSpPr>
+          <p:nvPr>
+            <p:ph idx="1"/>
+          </p:nvPr>
+        </p:nvSpPr>
+        <p:spPr/>
+        <p:txBody>
+          <a:bodyPr/>
+          <a:lstStyle/>
+          <a:p>
+            <a:r>
               <a:rPr lang="en-US" altLang="zh-TW" dirty="0" smtClean="0">
-                <a:latin typeface="Times New Roman" pitchFamily="18" charset="0"/>
-              </a:rPr>
-              <a:t>Password</a:t>
-            </a:r>
-          </a:p>
-        </p:txBody>
-      </p:sp>
-      <p:sp>
-        <p:nvSpPr>
-          <p:cNvPr id="22531" name="Rectangle 3"/>
-          <p:cNvSpPr>
-            <a:spLocks noGrp="1" noChangeArrowheads="1"/>
-          </p:cNvSpPr>
-          <p:nvPr>
-            <p:ph idx="1"/>
-          </p:nvPr>
-        </p:nvSpPr>
-        <p:spPr/>
-        <p:txBody>
-          <a:bodyPr>
-            <a:normAutofit fontScale="92500" lnSpcReduction="20000"/>
-          </a:bodyPr>
-          <a:lstStyle/>
-          <a:p>
-            <a:r>
-              <a:rPr lang="en-US" altLang="zh-TW" dirty="0">
-                <a:ea typeface="新細明體" pitchFamily="18" charset="-120"/>
-              </a:rPr>
-              <a:t>Since what we typed will be shown on the screen, so we better hide the characters.</a:t>
-            </a:r>
-          </a:p>
-          <a:p>
-            <a:r>
-              <a:rPr lang="en-US" altLang="zh-TW" dirty="0">
-                <a:ea typeface="新細明體" pitchFamily="18" charset="-120"/>
-              </a:rPr>
-              <a:t>EG. Yahoo mail.</a:t>
-            </a:r>
-          </a:p>
-          <a:p>
-            <a:r>
-              <a:rPr lang="en-US" altLang="zh-TW" dirty="0">
-                <a:ea typeface="新細明體" pitchFamily="18" charset="-120"/>
-              </a:rPr>
-              <a:t>Insert -&gt; Form -&gt; Text box</a:t>
-            </a:r>
-          </a:p>
-          <a:p>
-            <a:r>
-              <a:rPr lang="en-US" altLang="zh-TW" dirty="0">
-                <a:ea typeface="新細明體" pitchFamily="18" charset="-120"/>
-              </a:rPr>
-              <a:t>Type: password</a:t>
-            </a:r>
-          </a:p>
-          <a:p>
-            <a:r>
-              <a:rPr lang="en-US" altLang="zh-TW" dirty="0">
-                <a:ea typeface="新細明體" pitchFamily="18" charset="-120"/>
-              </a:rPr>
-              <a:t>Set the field name same as the left-hand-side.  EG. password   (lowercase</a:t>
-            </a:r>
+                <a:ea typeface="新細明體" pitchFamily="18" charset="-120"/>
+              </a:rPr>
+              <a:t>Tell your computer what to do with your form</a:t>
+            </a:r>
+          </a:p>
+          <a:p>
             <a:r>
               <a:rPr lang="en-US" altLang="zh-TW" dirty="0" smtClean="0">
                 <a:ea typeface="新細明體" pitchFamily="18" charset="-120"/>
               </a:rPr>
-              <a:t>)</a:t>
-            </a:r>
-          </a:p>
-          <a:p>
-            <a:r>
-              <a:rPr lang="en-US" altLang="zh-TW" dirty="0">
-                <a:ea typeface="新細明體" pitchFamily="18" charset="-120"/>
-              </a:rPr>
-              <a:t>&lt;input name</a:t>
-            </a:r>
-            <a:r>
-              <a:rPr lang="en-US" altLang="zh-TW" dirty="0" smtClean="0">
-                <a:ea typeface="新細明體" pitchFamily="18" charset="-120"/>
-              </a:rPr>
-              <a:t>=</a:t>
-            </a:r>
-            <a:r>
-              <a:rPr lang="mr-IN" altLang="zh-TW" dirty="0" smtClean="0">
-                <a:ea typeface="新細明體" pitchFamily="18" charset="-120"/>
-              </a:rPr>
-              <a:t>"</a:t>
-            </a:r>
-            <a:r>
-              <a:rPr lang="en-US" altLang="zh-TW" dirty="0" smtClean="0">
-                <a:ea typeface="新細明體" pitchFamily="18" charset="-120"/>
-              </a:rPr>
-              <a:t>password</a:t>
-            </a:r>
-            <a:r>
-              <a:rPr lang="mr-IN" altLang="zh-TW" dirty="0" smtClean="0">
-                <a:ea typeface="新細明體" pitchFamily="18" charset="-120"/>
-              </a:rPr>
-              <a:t>"</a:t>
-            </a:r>
-            <a:r>
-              <a:rPr lang="en-US" altLang="zh-TW" dirty="0" smtClean="0">
-                <a:ea typeface="新細明體" pitchFamily="18" charset="-120"/>
-              </a:rPr>
-              <a:t> </a:t>
-            </a:r>
-            <a:r>
-              <a:rPr lang="en-US" altLang="zh-TW" dirty="0">
-                <a:ea typeface="新細明體" pitchFamily="18" charset="-120"/>
-              </a:rPr>
-              <a:t>type</a:t>
-            </a:r>
-            <a:r>
-              <a:rPr lang="en-US" altLang="zh-TW" dirty="0" smtClean="0">
-                <a:ea typeface="新細明體" pitchFamily="18" charset="-120"/>
-              </a:rPr>
-              <a:t>=</a:t>
-            </a:r>
-            <a:r>
-              <a:rPr lang="mr-IN" altLang="zh-TW" dirty="0" smtClean="0">
-                <a:ea typeface="新細明體" pitchFamily="18" charset="-120"/>
-              </a:rPr>
-              <a:t>"</a:t>
-            </a:r>
-            <a:r>
-              <a:rPr lang="en-US" altLang="zh-TW" dirty="0" smtClean="0">
-                <a:ea typeface="新細明體" pitchFamily="18" charset="-120"/>
-              </a:rPr>
-              <a:t>password</a:t>
-            </a:r>
-            <a:r>
-              <a:rPr lang="mr-IN" altLang="zh-TW" dirty="0" smtClean="0">
-                <a:ea typeface="新細明體" pitchFamily="18" charset="-120"/>
-              </a:rPr>
-              <a:t>"</a:t>
-            </a:r>
-            <a:r>
-              <a:rPr lang="en-US" altLang="zh-TW" dirty="0" smtClean="0">
-                <a:ea typeface="新細明體" pitchFamily="18" charset="-120"/>
-              </a:rPr>
-              <a:t> </a:t>
-            </a:r>
-            <a:r>
-              <a:rPr lang="en-US" altLang="zh-TW" dirty="0">
-                <a:ea typeface="新細明體" pitchFamily="18" charset="-120"/>
-              </a:rPr>
-              <a:t>id</a:t>
-            </a:r>
-            <a:r>
-              <a:rPr lang="en-US" altLang="zh-TW" dirty="0" smtClean="0">
-                <a:ea typeface="新細明體" pitchFamily="18" charset="-120"/>
-              </a:rPr>
-              <a:t>=</a:t>
-            </a:r>
-            <a:r>
-              <a:rPr lang="mr-IN" altLang="zh-TW" dirty="0" smtClean="0">
-                <a:ea typeface="新細明體" pitchFamily="18" charset="-120"/>
-              </a:rPr>
-              <a:t>"</a:t>
-            </a:r>
-            <a:r>
-              <a:rPr lang="en-US" altLang="zh-TW" dirty="0" smtClean="0">
-                <a:ea typeface="新細明體" pitchFamily="18" charset="-120"/>
-              </a:rPr>
-              <a:t>password</a:t>
-            </a:r>
-            <a:r>
-              <a:rPr lang="mr-IN" altLang="zh-TW" dirty="0" smtClean="0">
-                <a:ea typeface="新細明體" pitchFamily="18" charset="-120"/>
-              </a:rPr>
-              <a:t>"</a:t>
-            </a:r>
-            <a:r>
-              <a:rPr lang="en-US" altLang="zh-TW" dirty="0" smtClean="0">
-                <a:ea typeface="新細明體" pitchFamily="18" charset="-120"/>
-              </a:rPr>
-              <a:t> </a:t>
-            </a:r>
-            <a:r>
-              <a:rPr lang="en-US" altLang="zh-TW" dirty="0">
-                <a:ea typeface="新細明體" pitchFamily="18" charset="-120"/>
-              </a:rPr>
-              <a:t>size</a:t>
-            </a:r>
-            <a:r>
-              <a:rPr lang="en-US" altLang="zh-TW" dirty="0" smtClean="0">
-                <a:ea typeface="新細明體" pitchFamily="18" charset="-120"/>
-              </a:rPr>
-              <a:t>=</a:t>
-            </a:r>
-            <a:r>
-              <a:rPr lang="mr-IN" altLang="zh-TW" dirty="0" smtClean="0">
-                <a:ea typeface="新細明體" pitchFamily="18" charset="-120"/>
-              </a:rPr>
-              <a:t>"</a:t>
-            </a:r>
-            <a:r>
-              <a:rPr lang="en-US" altLang="zh-TW" dirty="0" smtClean="0">
-                <a:ea typeface="新細明體" pitchFamily="18" charset="-120"/>
-              </a:rPr>
-              <a:t>20</a:t>
-            </a:r>
-            <a:r>
-              <a:rPr lang="mr-IN" altLang="zh-TW" dirty="0" smtClean="0">
-                <a:ea typeface="新細明體" pitchFamily="18" charset="-120"/>
-              </a:rPr>
-              <a:t>"</a:t>
-            </a:r>
-            <a:r>
-              <a:rPr lang="en-US" altLang="zh-TW" dirty="0" smtClean="0">
-                <a:ea typeface="新細明體" pitchFamily="18" charset="-120"/>
-              </a:rPr>
-              <a:t> </a:t>
-            </a:r>
-            <a:r>
-              <a:rPr lang="en-US" altLang="zh-TW" dirty="0" err="1">
-                <a:ea typeface="新細明體" pitchFamily="18" charset="-120"/>
-              </a:rPr>
-              <a:t>maxlength</a:t>
-            </a:r>
-            <a:r>
-              <a:rPr lang="en-US" altLang="zh-TW" dirty="0" smtClean="0">
-                <a:ea typeface="新細明體" pitchFamily="18" charset="-120"/>
-              </a:rPr>
-              <a:t>=</a:t>
-            </a:r>
-            <a:r>
-              <a:rPr lang="mr-IN" altLang="zh-TW" dirty="0" smtClean="0">
-                <a:ea typeface="新細明體" pitchFamily="18" charset="-120"/>
-              </a:rPr>
-              <a:t>"</a:t>
-            </a:r>
-            <a:r>
-              <a:rPr lang="en-US" altLang="zh-TW" dirty="0" smtClean="0">
-                <a:ea typeface="新細明體" pitchFamily="18" charset="-120"/>
-              </a:rPr>
-              <a:t>10</a:t>
-            </a:r>
-            <a:r>
-              <a:rPr lang="mr-IN" altLang="zh-TW" dirty="0" smtClean="0">
-                <a:ea typeface="新細明體" pitchFamily="18" charset="-120"/>
-              </a:rPr>
-              <a:t>"</a:t>
-            </a:r>
-            <a:r>
-              <a:rPr lang="en-US" altLang="zh-TW" dirty="0" smtClean="0">
-                <a:ea typeface="新細明體" pitchFamily="18" charset="-120"/>
-              </a:rPr>
-              <a:t> </a:t>
-            </a:r>
-            <a:r>
-              <a:rPr lang="en-US" altLang="zh-TW" dirty="0">
-                <a:ea typeface="新細明體" pitchFamily="18" charset="-120"/>
-              </a:rPr>
-              <a:t>/&gt;</a:t>
-            </a:r>
+              <a:t>Insert -&gt; Form -&gt; Form</a:t>
+            </a:r>
+          </a:p>
+          <a:p>
             <a:endParaRPr lang="en-US" altLang="zh-TW" dirty="0" smtClean="0">
               <a:ea typeface="新細明體" pitchFamily="18" charset="-120"/>
             </a:endParaRPr>
           </a:p>
-          <a:p>
-            <a:endParaRPr lang="en-US" altLang="zh-TW" dirty="0" smtClean="0">
-              <a:ea typeface="新細明體" pitchFamily="18" charset="-120"/>
-            </a:endParaRPr>
-          </a:p>
-          <a:p>
-            <a:endParaRPr lang="en-US" altLang="zh-TW" dirty="0">
-              <a:ea typeface="新細明體" pitchFamily="18" charset="-120"/>
-            </a:endParaRPr>
-          </a:p>
-          <a:p>
-            <a:pPr>
-              <a:lnSpc>
-                <a:spcPct val="80000"/>
-              </a:lnSpc>
-            </a:pPr>
-            <a:endParaRPr lang="en-US" altLang="zh-TW" dirty="0" smtClean="0">
-              <a:ea typeface="新細明體" pitchFamily="18" charset="-120"/>
-            </a:endParaRPr>
-          </a:p>
         </p:txBody>
       </p:sp>
     </p:spTree>
     <p:extLst>
       <p:ext uri="{BB962C8B-B14F-4D97-AF65-F5344CB8AC3E}">
-        <p14:creationId xmlns:p14="http://schemas.microsoft.com/office/powerpoint/2010/main" val="1107842391"/>
+        <p14:creationId xmlns:p14="http://schemas.microsoft.com/office/powerpoint/2010/main" val="1977169055"/>
       </p:ext>
     </p:extLst>
   </p:cSld>
@@ -14871,17 +14461,20 @@
               <a:defRPr/>
             </a:pPr>
             <a:r>
-              <a:rPr lang="en-US" altLang="zh-TW" dirty="0" smtClean="0">
-                <a:latin typeface="Times New Roman" pitchFamily="18" charset="0"/>
-              </a:rPr>
-              <a:t>Text Area - comment</a:t>
-            </a:r>
-          </a:p>
-        </p:txBody>
-      </p:sp>
-      <p:sp>
-        <p:nvSpPr>
-          <p:cNvPr id="23555" name="Rectangle 3"/>
+              <a:rPr lang="en-US" altLang="zh-TW" dirty="0" err="1" smtClean="0">
+                <a:latin typeface="Times New Roman" pitchFamily="18" charset="0"/>
+              </a:rPr>
+              <a:t>Fieldset</a:t>
+            </a:r>
+            <a:endParaRPr lang="en-US" altLang="zh-TW" dirty="0" smtClean="0">
+              <a:latin typeface="Times New Roman" pitchFamily="18" charset="0"/>
+            </a:endParaRPr>
+          </a:p>
+        </p:txBody>
+      </p:sp>
+      <p:sp>
+        <p:nvSpPr>
+          <p:cNvPr id="21507" name="Rectangle 3"/>
           <p:cNvSpPr>
             <a:spLocks noGrp="1" noChangeArrowheads="1"/>
           </p:cNvSpPr>
@@ -14892,7 +14485,7 @@
         <p:spPr/>
         <p:txBody>
           <a:bodyPr>
-            <a:noAutofit/>
+            <a:normAutofit/>
           </a:bodyPr>
           <a:lstStyle/>
           <a:p>
@@ -14900,104 +14493,92 @@
               <a:rPr lang="en-US" altLang="zh-TW" dirty="0">
                 <a:ea typeface="新細明體" pitchFamily="18" charset="-120"/>
               </a:rPr>
-              <a:t>two types of controls that allow users to input text. INPUT element creates a single-line input control and the TEXTAREA element creates a multi-line input control</a:t>
-            </a:r>
-          </a:p>
-          <a:p>
-            <a:r>
-              <a:rPr lang="en-US" altLang="zh-TW" dirty="0" smtClean="0">
+              <a:t>To group all our details of the form, we add a </a:t>
+            </a:r>
+            <a:r>
+              <a:rPr lang="en-US" altLang="zh-TW" dirty="0" err="1">
+                <a:ea typeface="新細明體" pitchFamily="18" charset="-120"/>
+              </a:rPr>
+              <a:t>fieldset</a:t>
+            </a:r>
+            <a:r>
+              <a:rPr lang="en-US" altLang="zh-TW" dirty="0">
+                <a:ea typeface="新細明體" pitchFamily="18" charset="-120"/>
+              </a:rPr>
+              <a:t> first.</a:t>
+            </a:r>
+          </a:p>
+          <a:p>
+            <a:r>
+              <a:rPr lang="en-US" altLang="zh-TW" dirty="0">
+                <a:ea typeface="新細明體" pitchFamily="18" charset="-120"/>
+              </a:rPr>
+              <a:t>Usually add a legend for this group.</a:t>
+            </a:r>
+          </a:p>
+          <a:p>
+            <a:r>
+              <a:rPr lang="en-US" altLang="zh-TW" dirty="0">
                 <a:ea typeface="新細明體" pitchFamily="18" charset="-120"/>
               </a:rPr>
               <a:t>&lt;</a:t>
             </a:r>
             <a:r>
-              <a:rPr lang="en-US" altLang="zh-TW" dirty="0" err="1" smtClean="0">
-                <a:ea typeface="新細明體" pitchFamily="18" charset="-120"/>
-              </a:rPr>
-              <a:t>textarea</a:t>
-            </a:r>
-            <a:r>
-              <a:rPr lang="en-US" altLang="zh-TW" dirty="0" smtClean="0">
-                <a:ea typeface="新細明體" pitchFamily="18" charset="-120"/>
-              </a:rPr>
-              <a:t> name</a:t>
-            </a:r>
-            <a:r>
-              <a:rPr lang="en-US" altLang="zh-TW" dirty="0" smtClean="0">
-                <a:ea typeface="新細明體" pitchFamily="18" charset="-120"/>
-              </a:rPr>
-              <a:t>=</a:t>
-            </a:r>
-            <a:r>
-              <a:rPr lang="mr-IN" altLang="zh-TW" dirty="0" smtClean="0">
-                <a:ea typeface="新細明體" pitchFamily="18" charset="-120"/>
-              </a:rPr>
-              <a:t>"</a:t>
-            </a:r>
-            <a:r>
-              <a:rPr lang="en-US" altLang="zh-TW" dirty="0" smtClean="0">
-                <a:ea typeface="新細明體" pitchFamily="18" charset="-120"/>
-              </a:rPr>
-              <a:t>comment</a:t>
-            </a:r>
-            <a:r>
-              <a:rPr lang="mr-IN" altLang="zh-TW" dirty="0" smtClean="0">
-                <a:ea typeface="新細明體" pitchFamily="18" charset="-120"/>
-              </a:rPr>
-              <a:t>"</a:t>
-            </a:r>
-            <a:r>
-              <a:rPr lang="en-US" altLang="zh-TW" dirty="0" smtClean="0">
-                <a:ea typeface="新細明體" pitchFamily="18" charset="-120"/>
-              </a:rPr>
-              <a:t> </a:t>
-            </a:r>
-            <a:r>
-              <a:rPr lang="en-US" altLang="zh-TW" dirty="0" smtClean="0">
-                <a:ea typeface="新細明體" pitchFamily="18" charset="-120"/>
-              </a:rPr>
-              <a:t>rows=6 cols=40&gt;default words &lt;/</a:t>
-            </a:r>
-            <a:r>
-              <a:rPr lang="en-US" altLang="zh-TW" dirty="0" err="1" smtClean="0">
-                <a:ea typeface="新細明體" pitchFamily="18" charset="-120"/>
-              </a:rPr>
-              <a:t>textarea</a:t>
-            </a:r>
-            <a:r>
-              <a:rPr lang="en-US" altLang="zh-TW" dirty="0" smtClean="0">
+              <a:rPr lang="en-US" altLang="zh-TW" dirty="0" err="1">
+                <a:ea typeface="新細明體" pitchFamily="18" charset="-120"/>
+              </a:rPr>
+              <a:t>fieldset</a:t>
+            </a:r>
+            <a:r>
+              <a:rPr lang="en-US" altLang="zh-TW" dirty="0">
                 <a:ea typeface="新細明體" pitchFamily="18" charset="-120"/>
               </a:rPr>
               <a:t>&gt;</a:t>
             </a:r>
-            <a:endParaRPr lang="en-US" altLang="zh-TW" dirty="0">
-              <a:ea typeface="新細明體" pitchFamily="18" charset="-120"/>
-            </a:endParaRPr>
+          </a:p>
+          <a:p>
+            <a:r>
+              <a:rPr lang="en-US" altLang="zh-TW" dirty="0">
+                <a:ea typeface="新細明體" pitchFamily="18" charset="-120"/>
+              </a:rPr>
+              <a:t>&lt;legend&gt;Form Title&lt;/legend&gt;</a:t>
+            </a:r>
+          </a:p>
+          <a:p>
+            <a:r>
+              <a:rPr lang="en-US" altLang="zh-TW" dirty="0">
+                <a:ea typeface="新細明體" pitchFamily="18" charset="-120"/>
+              </a:rPr>
+              <a:t>&lt;/</a:t>
+            </a:r>
+            <a:r>
+              <a:rPr lang="en-US" altLang="zh-TW" dirty="0" err="1">
+                <a:ea typeface="新細明體" pitchFamily="18" charset="-120"/>
+              </a:rPr>
+              <a:t>fieldset</a:t>
+            </a:r>
+            <a:r>
+              <a:rPr lang="en-US" altLang="zh-TW" dirty="0">
+                <a:ea typeface="新細明體" pitchFamily="18" charset="-120"/>
+              </a:rPr>
+              <a:t>&gt;</a:t>
+            </a:r>
           </a:p>
         </p:txBody>
       </p:sp>
     </p:spTree>
     <p:extLst>
       <p:ext uri="{BB962C8B-B14F-4D97-AF65-F5344CB8AC3E}">
-        <p14:creationId xmlns:p14="http://schemas.microsoft.com/office/powerpoint/2010/main" val="1553439720"/>
+        <p14:creationId xmlns:p14="http://schemas.microsoft.com/office/powerpoint/2010/main" val="600896427"/>
       </p:ext>
     </p:extLst>
   </p:cSld>
   <p:clrMapOvr>
     <a:masterClrMapping/>
   </p:clrMapOvr>
-  <mc:AlternateContent xmlns:mc="http://schemas.openxmlformats.org/markup-compatibility/2006" xmlns:p14="http://schemas.microsoft.com/office/powerpoint/2010/main">
-    <mc:Choice Requires="p14">
-      <p:transition spd="slow" p14:dur="3900">
-        <p14:glitter pattern="hexagon"/>
-      </p:transition>
-    </mc:Choice>
-    <mc:Fallback xmlns="">
-      <p:transition spd="slow">
-        <p:fade/>
-      </p:transition>
-    </mc:Fallback>
-  </mc:AlternateContent>
+  <p:transition>
+    <p:checker/>
+  </p:transition>
   <p:timing>
     <p:tnLst>
       <p:par>
@@ -15027,7 +14608,7 @@
       </p:grpSpPr>
       <p:sp>
         <p:nvSpPr>
-          <p:cNvPr id="16386" name="Rectangle 2"/>
+          <p:cNvPr id="14338" name="Rectangle 2"/>
           <p:cNvSpPr>
             <a:spLocks noGrp="1" noChangeArrowheads="1"/>
           </p:cNvSpPr>
@@ -15047,14 +14628,14 @@
               <a:rPr lang="en-US" altLang="zh-TW" smtClean="0">
                 <a:latin typeface="Times New Roman" pitchFamily="18" charset="0"/>
               </a:rPr>
-              <a:t>Radio buttons</a:t>
-            </a:r>
-          </a:p>
-        </p:txBody>
-      </p:sp>
-      <p:sp>
-        <p:nvSpPr>
-          <p:cNvPr id="25603" name="Rectangle 3"/>
+              <a:t>Text box</a:t>
+            </a:r>
+          </a:p>
+        </p:txBody>
+      </p:sp>
+      <p:sp>
+        <p:nvSpPr>
+          <p:cNvPr id="21507" name="Rectangle 3"/>
           <p:cNvSpPr>
             <a:spLocks noGrp="1" noChangeArrowheads="1"/>
           </p:cNvSpPr>
@@ -15065,7 +14646,7 @@
         <p:spPr/>
         <p:txBody>
           <a:bodyPr>
-            <a:normAutofit/>
+            <a:normAutofit lnSpcReduction="10000"/>
           </a:bodyPr>
           <a:lstStyle/>
           <a:p>
@@ -15073,7 +14654,7 @@
               <a:rPr lang="en-US" altLang="zh-TW" dirty="0">
                 <a:ea typeface="新細明體" pitchFamily="18" charset="-120"/>
               </a:rPr>
-              <a:t>They are on/off circle switches that may be toggled by the user</a:t>
+              <a:t>If we do not know what is the availability of the result, we insert a textbox for user to input the data. </a:t>
             </a:r>
           </a:p>
           <a:p>
@@ -15081,7 +14662,43 @@
               <a:rPr lang="en-US" altLang="zh-TW" dirty="0">
                 <a:ea typeface="新細明體" pitchFamily="18" charset="-120"/>
               </a:rPr>
-              <a:t>They are mutually exclusive: when one is switched </a:t>
+              <a:t>EG. Username, Address, etc..</a:t>
+            </a:r>
+          </a:p>
+          <a:p>
+            <a:r>
+              <a:rPr lang="en-US" altLang="zh-TW" dirty="0">
+                <a:ea typeface="新細明體" pitchFamily="18" charset="-120"/>
+              </a:rPr>
+              <a:t>Insert -&gt; Form -&gt; Text box</a:t>
+            </a:r>
+          </a:p>
+          <a:p>
+            <a:r>
+              <a:rPr lang="en-US" altLang="zh-TW" dirty="0">
+                <a:ea typeface="新細明體" pitchFamily="18" charset="-120"/>
+              </a:rPr>
+              <a:t>Set the field name same as the left-hand-side.  EG. username   (lowercase</a:t>
+            </a:r>
+            <a:r>
+              <a:rPr lang="en-US" altLang="zh-TW" dirty="0" smtClean="0">
+                <a:ea typeface="新細明體" pitchFamily="18" charset="-120"/>
+              </a:rPr>
+              <a:t>)</a:t>
+            </a:r>
+          </a:p>
+          <a:p>
+            <a:r>
+              <a:rPr lang="en-US" altLang="zh-TW" dirty="0">
+                <a:ea typeface="新細明體" pitchFamily="18" charset="-120"/>
+              </a:rPr>
+              <a:t>&lt;input name</a:t>
+            </a:r>
+            <a:r>
+              <a:rPr lang="en-US" altLang="zh-TW" dirty="0" smtClean="0">
+                <a:ea typeface="新細明體" pitchFamily="18" charset="-120"/>
+              </a:rPr>
+              <a:t>=</a:t>
             </a:r>
             <a:r>
               <a:rPr lang="mr-IN" altLang="zh-TW" dirty="0" smtClean="0">
@@ -15093,7 +14710,7 @@
               <a:rPr lang="en-US" altLang="zh-TW" dirty="0" smtClean="0">
                 <a:ea typeface="新細明體" pitchFamily="18" charset="-120"/>
               </a:rPr>
-              <a:t>on</a:t>
+              <a:t>username</a:t>
             </a:r>
             <a:r>
               <a:rPr lang="mr-IN" altLang="zh-TW" dirty="0" smtClean="0">
@@ -15105,13 +14722,19 @@
               <a:rPr lang="en-US" altLang="zh-TW" dirty="0" smtClean="0">
                 <a:ea typeface="新細明體" pitchFamily="18" charset="-120"/>
               </a:rPr>
-              <a:t>, </a:t>
+              <a:t> </a:t>
             </a:r>
             <a:r>
               <a:rPr lang="en-US" altLang="zh-TW" dirty="0">
                 <a:ea typeface="新細明體" pitchFamily="18" charset="-120"/>
               </a:rPr>
-              <a:t>all others with the same name are switched </a:t>
+              <a:t>type</a:t>
+            </a:r>
+            <a:r>
+              <a:rPr lang="en-US" altLang="zh-TW" dirty="0" smtClean="0">
+                <a:ea typeface="新細明體" pitchFamily="18" charset="-120"/>
+              </a:rPr>
+              <a:t>=</a:t>
             </a:r>
             <a:r>
               <a:rPr lang="mr-IN" altLang="zh-TW" dirty="0" smtClean="0">
@@ -15123,7 +14746,7 @@
               <a:rPr lang="en-US" altLang="zh-TW" dirty="0" smtClean="0">
                 <a:ea typeface="新細明體" pitchFamily="18" charset="-120"/>
               </a:rPr>
-              <a:t>off</a:t>
+              <a:t>text</a:t>
             </a:r>
             <a:r>
               <a:rPr lang="mr-IN" altLang="zh-TW" dirty="0" smtClean="0">
@@ -15137,29 +14760,52 @@
               </a:rPr>
               <a:t> </a:t>
             </a:r>
-            <a:endParaRPr lang="en-US" altLang="zh-TW" dirty="0">
-              <a:ea typeface="新細明體" pitchFamily="18" charset="-120"/>
-            </a:endParaRPr>
-          </a:p>
-          <a:p>
             <a:r>
               <a:rPr lang="en-US" altLang="zh-TW" dirty="0">
                 <a:ea typeface="新細明體" pitchFamily="18" charset="-120"/>
               </a:rPr>
-              <a:t>Since user usually select from more than one, </a:t>
-            </a:r>
-          </a:p>
-          <a:p>
+              <a:t>id</a:t>
+            </a:r>
             <a:r>
               <a:rPr lang="en-US" altLang="zh-TW" dirty="0" smtClean="0">
                 <a:ea typeface="新細明體" pitchFamily="18" charset="-120"/>
               </a:rPr>
-              <a:t>&lt;input type</a:t>
+              <a:t>=</a:t>
+            </a:r>
+            <a:r>
+              <a:rPr lang="mr-IN" altLang="zh-TW" dirty="0" smtClean="0">
+                <a:ea typeface="新細明體" pitchFamily="18" charset="-120"/>
+              </a:rPr>
+              <a:t>"</a:t>
             </a:r>
             <a:r>
               <a:rPr lang="en-US" altLang="zh-TW" dirty="0" smtClean="0">
                 <a:ea typeface="新細明體" pitchFamily="18" charset="-120"/>
               </a:rPr>
+              <a:t>username</a:t>
+            </a:r>
+            <a:r>
+              <a:rPr lang="mr-IN" altLang="zh-TW" dirty="0" smtClean="0">
+                <a:ea typeface="新細明體" pitchFamily="18" charset="-120"/>
+              </a:rPr>
+              <a:t>"</a:t>
+            </a:r>
+            <a:r>
+              <a:rPr lang="en-US" altLang="zh-TW" dirty="0" smtClean="0">
+                <a:ea typeface="新細明體" pitchFamily="18" charset="-120"/>
+              </a:rPr>
+              <a:t> </a:t>
+            </a:r>
+            <a:r>
+              <a:rPr lang="en-US" altLang="zh-TW" dirty="0">
+                <a:ea typeface="新細明體" pitchFamily="18" charset="-120"/>
+              </a:rPr>
+              <a:t>size</a:t>
+            </a:r>
+            <a:r>
+              <a:rPr lang="en-US" altLang="zh-TW" dirty="0" smtClean="0">
+                <a:ea typeface="新細明體" pitchFamily="18" charset="-120"/>
+              </a:rPr>
               <a:t>=</a:t>
             </a:r>
             <a:r>
@@ -15172,7 +14818,7 @@
               <a:rPr lang="en-US" altLang="zh-TW" dirty="0" smtClean="0">
                 <a:ea typeface="新細明體" pitchFamily="18" charset="-120"/>
               </a:rPr>
-              <a:t>radio</a:t>
+              <a:t>20</a:t>
             </a:r>
             <a:r>
               <a:rPr lang="mr-IN" altLang="zh-TW" dirty="0" smtClean="0">
@@ -15187,16 +14833,28 @@
               <a:t> </a:t>
             </a:r>
             <a:r>
+              <a:rPr lang="en-US" altLang="zh-TW" dirty="0" err="1">
+                <a:ea typeface="新細明體" pitchFamily="18" charset="-120"/>
+              </a:rPr>
+              <a:t>maxlength</a:t>
+            </a:r>
+            <a:r>
               <a:rPr lang="en-US" altLang="zh-TW" dirty="0" smtClean="0">
                 <a:ea typeface="新細明體" pitchFamily="18" charset="-120"/>
               </a:rPr>
-              <a:t>name</a:t>
+              <a:t>=</a:t>
+            </a:r>
+            <a:r>
+              <a:rPr lang="mr-IN" altLang="zh-TW" dirty="0" smtClean="0">
+                <a:ea typeface="新細明體" pitchFamily="18" charset="-120"/>
+              </a:rPr>
+              <a:t>"</a:t>
             </a:r>
             <a:r>
               <a:rPr lang="en-US" altLang="zh-TW" dirty="0" smtClean="0">
                 <a:ea typeface="新細明體" pitchFamily="18" charset="-120"/>
               </a:rPr>
-              <a:t>=</a:t>
+              <a:t>10</a:t>
             </a:r>
             <a:r>
               <a:rPr lang="mr-IN" altLang="zh-TW" dirty="0" smtClean="0">
@@ -15208,78 +14866,21 @@
               <a:rPr lang="en-US" altLang="zh-TW" dirty="0" smtClean="0">
                 <a:ea typeface="新細明體" pitchFamily="18" charset="-120"/>
               </a:rPr>
-              <a:t>radio </a:t>
-            </a:r>
-            <a:r>
-              <a:rPr lang="en-US" altLang="zh-TW" dirty="0" smtClean="0">
-                <a:ea typeface="新細明體" pitchFamily="18" charset="-120"/>
-              </a:rPr>
-              <a:t>group </a:t>
-            </a:r>
-            <a:r>
-              <a:rPr lang="en-US" altLang="zh-TW" dirty="0" smtClean="0">
-                <a:ea typeface="新細明體" pitchFamily="18" charset="-120"/>
-              </a:rPr>
-              <a:t>name</a:t>
-            </a:r>
-            <a:r>
-              <a:rPr lang="mr-IN" altLang="zh-TW" dirty="0" smtClean="0">
-                <a:ea typeface="新細明體" pitchFamily="18" charset="-120"/>
-              </a:rPr>
-              <a:t>"</a:t>
-            </a:r>
-            <a:r>
-              <a:rPr lang="en-US" altLang="zh-TW" dirty="0" smtClean="0">
-                <a:ea typeface="新細明體" pitchFamily="18" charset="-120"/>
-              </a:rPr>
               <a:t> </a:t>
             </a:r>
             <a:r>
-              <a:rPr lang="en-US" altLang="zh-TW" dirty="0" smtClean="0">
-                <a:ea typeface="新細明體" pitchFamily="18" charset="-120"/>
-              </a:rPr>
-              <a:t>value</a:t>
-            </a:r>
-            <a:r>
-              <a:rPr lang="en-US" altLang="zh-TW" dirty="0" smtClean="0">
-                <a:ea typeface="新細明體" pitchFamily="18" charset="-120"/>
-              </a:rPr>
-              <a:t>=</a:t>
-            </a:r>
-            <a:r>
-              <a:rPr lang="mr-IN" altLang="zh-TW" dirty="0" smtClean="0">
-                <a:ea typeface="新細明體" pitchFamily="18" charset="-120"/>
-              </a:rPr>
-              <a:t>"</a:t>
-            </a:r>
-            <a:r>
-              <a:rPr lang="en-US" altLang="zh-TW" dirty="0" smtClean="0">
-                <a:ea typeface="新細明體" pitchFamily="18" charset="-120"/>
-              </a:rPr>
-              <a:t>button name</a:t>
-            </a:r>
-            <a:r>
-              <a:rPr lang="mr-IN" altLang="zh-TW" dirty="0" smtClean="0">
-                <a:ea typeface="新細明體" pitchFamily="18" charset="-120"/>
-              </a:rPr>
-              <a:t>"</a:t>
-            </a:r>
-            <a:r>
-              <a:rPr lang="en-US" altLang="zh-TW" dirty="0" smtClean="0">
-                <a:ea typeface="新細明體" pitchFamily="18" charset="-120"/>
-              </a:rPr>
-              <a:t>&gt;</a:t>
-            </a:r>
-            <a:endParaRPr lang="en-US" altLang="zh-TW" dirty="0">
-              <a:ea typeface="新細明體" pitchFamily="18" charset="-120"/>
-            </a:endParaRPr>
+              <a:rPr lang="en-US" altLang="zh-TW" dirty="0">
+                <a:ea typeface="新細明體" pitchFamily="18" charset="-120"/>
+              </a:rPr>
+              <a:t>/&gt;</a:t>
+            </a:r>
           </a:p>
         </p:txBody>
       </p:sp>
     </p:spTree>
     <p:extLst>
       <p:ext uri="{BB962C8B-B14F-4D97-AF65-F5344CB8AC3E}">
-        <p14:creationId xmlns:p14="http://schemas.microsoft.com/office/powerpoint/2010/main" val="1680490752"/>
+        <p14:creationId xmlns:p14="http://schemas.microsoft.com/office/powerpoint/2010/main" val="1955738181"/>
       </p:ext>
     </p:extLst>
   </p:cSld>
@@ -15318,7 +14919,7 @@
       </p:grpSpPr>
       <p:sp>
         <p:nvSpPr>
-          <p:cNvPr id="17410" name="Rectangle 2"/>
+          <p:cNvPr id="14338" name="Rectangle 2"/>
           <p:cNvSpPr>
             <a:spLocks noGrp="1" noChangeArrowheads="1"/>
           </p:cNvSpPr>
@@ -15335,17 +14936,17 @@
               <a:defRPr/>
             </a:pPr>
             <a:r>
-              <a:rPr lang="en-US" altLang="zh-TW" smtClean="0">
-                <a:latin typeface="Times New Roman" pitchFamily="18" charset="0"/>
-              </a:rPr>
-              <a:t>Radio buttons story</a:t>
-            </a:r>
-          </a:p>
-        </p:txBody>
-      </p:sp>
-      <p:sp>
-        <p:nvSpPr>
-          <p:cNvPr id="26627" name="Rectangle 3"/>
+              <a:rPr lang="en-US" altLang="zh-TW" dirty="0" smtClean="0">
+                <a:latin typeface="Times New Roman" pitchFamily="18" charset="0"/>
+              </a:rPr>
+              <a:t>Password</a:t>
+            </a:r>
+          </a:p>
+        </p:txBody>
+      </p:sp>
+      <p:sp>
+        <p:nvSpPr>
+          <p:cNvPr id="22531" name="Rectangle 3"/>
           <p:cNvSpPr>
             <a:spLocks noGrp="1" noChangeArrowheads="1"/>
           </p:cNvSpPr>
@@ -15356,7 +14957,7 @@
         <p:spPr/>
         <p:txBody>
           <a:bodyPr>
-            <a:normAutofit/>
+            <a:normAutofit fontScale="92500" lnSpcReduction="20000"/>
           </a:bodyPr>
           <a:lstStyle/>
           <a:p>
@@ -15364,7 +14965,7 @@
               <a:rPr lang="en-US" altLang="zh-TW" dirty="0">
                 <a:ea typeface="新細明體" pitchFamily="18" charset="-120"/>
               </a:rPr>
-              <a:t>But why are they called radio buttons?!</a:t>
+              <a:t>Since what we typed will be shown on the screen, so we better hide the characters.</a:t>
             </a:r>
           </a:p>
           <a:p>
@@ -15372,15 +14973,256 @@
               <a:rPr lang="en-US" altLang="zh-TW" dirty="0">
                 <a:ea typeface="新細明體" pitchFamily="18" charset="-120"/>
               </a:rPr>
-              <a:t>The reason is that they act as the radio buttons used in older car radios. When you pushed one, the dial moved. When you pushed another, the first choice was dropped and the dial moved again.</a:t>
-            </a:r>
+              <a:t>EG. Yahoo mail.</a:t>
+            </a:r>
+          </a:p>
+          <a:p>
+            <a:r>
+              <a:rPr lang="en-US" altLang="zh-TW" dirty="0">
+                <a:ea typeface="新細明體" pitchFamily="18" charset="-120"/>
+              </a:rPr>
+              <a:t>Insert -&gt; Form -&gt; Text box</a:t>
+            </a:r>
+          </a:p>
+          <a:p>
+            <a:r>
+              <a:rPr lang="en-US" altLang="zh-TW" dirty="0">
+                <a:ea typeface="新細明體" pitchFamily="18" charset="-120"/>
+              </a:rPr>
+              <a:t>Type: password</a:t>
+            </a:r>
+          </a:p>
+          <a:p>
+            <a:r>
+              <a:rPr lang="en-US" altLang="zh-TW" dirty="0">
+                <a:ea typeface="新細明體" pitchFamily="18" charset="-120"/>
+              </a:rPr>
+              <a:t>Set the field name same as the left-hand-side.  EG. password   (lowercase</a:t>
+            </a:r>
+            <a:r>
+              <a:rPr lang="en-US" altLang="zh-TW" dirty="0" smtClean="0">
+                <a:ea typeface="新細明體" pitchFamily="18" charset="-120"/>
+              </a:rPr>
+              <a:t>)</a:t>
+            </a:r>
+          </a:p>
+          <a:p>
+            <a:r>
+              <a:rPr lang="en-US" altLang="zh-TW" dirty="0">
+                <a:ea typeface="新細明體" pitchFamily="18" charset="-120"/>
+              </a:rPr>
+              <a:t>&lt;input name</a:t>
+            </a:r>
+            <a:r>
+              <a:rPr lang="en-US" altLang="zh-TW" dirty="0" smtClean="0">
+                <a:ea typeface="新細明體" pitchFamily="18" charset="-120"/>
+              </a:rPr>
+              <a:t>=</a:t>
+            </a:r>
+            <a:r>
+              <a:rPr lang="mr-IN" altLang="zh-TW" dirty="0" smtClean="0">
+                <a:ea typeface="新細明體" pitchFamily="18" charset="-120"/>
+              </a:rPr>
+              <a:t>"</a:t>
+            </a:r>
+            <a:r>
+              <a:rPr lang="en-US" altLang="zh-TW" dirty="0" smtClean="0">
+                <a:ea typeface="新細明體" pitchFamily="18" charset="-120"/>
+              </a:rPr>
+              <a:t>password</a:t>
+            </a:r>
+            <a:r>
+              <a:rPr lang="mr-IN" altLang="zh-TW" dirty="0" smtClean="0">
+                <a:ea typeface="新細明體" pitchFamily="18" charset="-120"/>
+              </a:rPr>
+              <a:t>"</a:t>
+            </a:r>
+            <a:r>
+              <a:rPr lang="en-US" altLang="zh-TW" dirty="0" smtClean="0">
+                <a:ea typeface="新細明體" pitchFamily="18" charset="-120"/>
+              </a:rPr>
+              <a:t> </a:t>
+            </a:r>
+            <a:r>
+              <a:rPr lang="en-US" altLang="zh-TW" dirty="0">
+                <a:ea typeface="新細明體" pitchFamily="18" charset="-120"/>
+              </a:rPr>
+              <a:t>type</a:t>
+            </a:r>
+            <a:r>
+              <a:rPr lang="en-US" altLang="zh-TW" dirty="0" smtClean="0">
+                <a:ea typeface="新細明體" pitchFamily="18" charset="-120"/>
+              </a:rPr>
+              <a:t>=</a:t>
+            </a:r>
+            <a:r>
+              <a:rPr lang="mr-IN" altLang="zh-TW" dirty="0" smtClean="0">
+                <a:ea typeface="新細明體" pitchFamily="18" charset="-120"/>
+              </a:rPr>
+              <a:t>"</a:t>
+            </a:r>
+            <a:r>
+              <a:rPr lang="en-US" altLang="zh-TW" dirty="0" smtClean="0">
+                <a:ea typeface="新細明體" pitchFamily="18" charset="-120"/>
+              </a:rPr>
+              <a:t>password</a:t>
+            </a:r>
+            <a:r>
+              <a:rPr lang="mr-IN" altLang="zh-TW" dirty="0" smtClean="0">
+                <a:ea typeface="新細明體" pitchFamily="18" charset="-120"/>
+              </a:rPr>
+              <a:t>"</a:t>
+            </a:r>
+            <a:r>
+              <a:rPr lang="en-US" altLang="zh-TW" dirty="0" smtClean="0">
+                <a:ea typeface="新細明體" pitchFamily="18" charset="-120"/>
+              </a:rPr>
+              <a:t> </a:t>
+            </a:r>
+            <a:r>
+              <a:rPr lang="en-US" altLang="zh-TW" dirty="0">
+                <a:ea typeface="新細明體" pitchFamily="18" charset="-120"/>
+              </a:rPr>
+              <a:t>id</a:t>
+            </a:r>
+            <a:r>
+              <a:rPr lang="en-US" altLang="zh-TW" dirty="0" smtClean="0">
+                <a:ea typeface="新細明體" pitchFamily="18" charset="-120"/>
+              </a:rPr>
+              <a:t>=</a:t>
+            </a:r>
+            <a:r>
+              <a:rPr lang="mr-IN" altLang="zh-TW" dirty="0" smtClean="0">
+                <a:ea typeface="新細明體" pitchFamily="18" charset="-120"/>
+              </a:rPr>
+              <a:t>"</a:t>
+            </a:r>
+            <a:r>
+              <a:rPr lang="en-US" altLang="zh-TW" dirty="0" smtClean="0">
+                <a:ea typeface="新細明體" pitchFamily="18" charset="-120"/>
+              </a:rPr>
+              <a:t>password</a:t>
+            </a:r>
+            <a:r>
+              <a:rPr lang="mr-IN" altLang="zh-TW" dirty="0" smtClean="0">
+                <a:ea typeface="新細明體" pitchFamily="18" charset="-120"/>
+              </a:rPr>
+              <a:t>"</a:t>
+            </a:r>
+            <a:r>
+              <a:rPr lang="en-US" altLang="zh-TW" dirty="0" smtClean="0">
+                <a:ea typeface="新細明體" pitchFamily="18" charset="-120"/>
+              </a:rPr>
+              <a:t> </a:t>
+            </a:r>
+            <a:r>
+              <a:rPr lang="en-US" altLang="zh-TW" dirty="0">
+                <a:ea typeface="新細明體" pitchFamily="18" charset="-120"/>
+              </a:rPr>
+              <a:t>size</a:t>
+            </a:r>
+            <a:r>
+              <a:rPr lang="en-US" altLang="zh-TW" dirty="0" smtClean="0">
+                <a:ea typeface="新細明體" pitchFamily="18" charset="-120"/>
+              </a:rPr>
+              <a:t>=</a:t>
+            </a:r>
+            <a:r>
+              <a:rPr lang="mr-IN" altLang="zh-TW" dirty="0" smtClean="0">
+                <a:ea typeface="新細明體" pitchFamily="18" charset="-120"/>
+              </a:rPr>
+              <a:t>"</a:t>
+            </a:r>
+            <a:r>
+              <a:rPr lang="en-US" altLang="zh-TW" dirty="0" smtClean="0">
+                <a:ea typeface="新細明體" pitchFamily="18" charset="-120"/>
+              </a:rPr>
+              <a:t>20</a:t>
+            </a:r>
+            <a:r>
+              <a:rPr lang="mr-IN" altLang="zh-TW" dirty="0" smtClean="0">
+                <a:ea typeface="新細明體" pitchFamily="18" charset="-120"/>
+              </a:rPr>
+              <a:t>"</a:t>
+            </a:r>
+            <a:r>
+              <a:rPr lang="en-US" altLang="zh-TW" dirty="0" smtClean="0">
+                <a:ea typeface="新細明體" pitchFamily="18" charset="-120"/>
+              </a:rPr>
+              <a:t> </a:t>
+            </a:r>
+            <a:r>
+              <a:rPr lang="en-US" altLang="zh-TW" dirty="0" err="1">
+                <a:ea typeface="新細明體" pitchFamily="18" charset="-120"/>
+              </a:rPr>
+              <a:t>maxlength</a:t>
+            </a:r>
+            <a:r>
+              <a:rPr lang="en-US" altLang="zh-TW" dirty="0" smtClean="0">
+                <a:ea typeface="新細明體" pitchFamily="18" charset="-120"/>
+              </a:rPr>
+              <a:t>=</a:t>
+            </a:r>
+            <a:r>
+              <a:rPr lang="mr-IN" altLang="zh-TW" dirty="0" smtClean="0">
+                <a:ea typeface="新細明體" pitchFamily="18" charset="-120"/>
+              </a:rPr>
+              <a:t>"</a:t>
+            </a:r>
+            <a:r>
+              <a:rPr lang="en-US" altLang="zh-TW" dirty="0" smtClean="0">
+                <a:ea typeface="新細明體" pitchFamily="18" charset="-120"/>
+              </a:rPr>
+              <a:t>10</a:t>
+            </a:r>
+            <a:r>
+              <a:rPr lang="mr-IN" altLang="zh-TW" dirty="0" smtClean="0">
+                <a:ea typeface="新細明體" pitchFamily="18" charset="-120"/>
+              </a:rPr>
+              <a:t>"</a:t>
+            </a:r>
+            <a:r>
+              <a:rPr lang="en-US" altLang="zh-TW" dirty="0" smtClean="0">
+                <a:ea typeface="新細明體" pitchFamily="18" charset="-120"/>
+              </a:rPr>
+              <a:t> </a:t>
+            </a:r>
+            <a:r>
+              <a:rPr lang="en-US" altLang="zh-TW" dirty="0">
+                <a:ea typeface="新細明體" pitchFamily="18" charset="-120"/>
+              </a:rPr>
+              <a:t>/&gt;</a:t>
+            </a:r>
+            <a:endParaRPr lang="en-US" altLang="zh-TW" dirty="0" smtClean="0">
+              <a:ea typeface="新細明體" pitchFamily="18" charset="-120"/>
+            </a:endParaRPr>
+          </a:p>
+          <a:p>
+            <a:endParaRPr lang="en-US" altLang="zh-TW" dirty="0" smtClean="0">
+              <a:ea typeface="新細明體" pitchFamily="18" charset="-120"/>
+            </a:endParaRPr>
+          </a:p>
+          <a:p>
+            <a:endParaRPr lang="en-US" altLang="zh-TW" dirty="0">
+              <a:ea typeface="新細明體" pitchFamily="18" charset="-120"/>
+            </a:endParaRPr>
+          </a:p>
+          <a:p>
+            <a:pPr>
+              <a:lnSpc>
+                <a:spcPct val="80000"/>
+              </a:lnSpc>
+            </a:pPr>
+            <a:endParaRPr lang="en-US" altLang="zh-TW" dirty="0" smtClean="0">
+              <a:ea typeface="新細明體" pitchFamily="18" charset="-120"/>
+            </a:endParaRPr>
           </a:p>
         </p:txBody>
       </p:sp>
     </p:spTree>
     <p:extLst>
       <p:ext uri="{BB962C8B-B14F-4D97-AF65-F5344CB8AC3E}">
-        <p14:creationId xmlns:p14="http://schemas.microsoft.com/office/powerpoint/2010/main" val="1101929956"/>
+        <p14:creationId xmlns:p14="http://schemas.microsoft.com/office/powerpoint/2010/main" val="1107842391"/>
       </p:ext>
     </p:extLst>
   </p:cSld>
@@ -15419,7 +15261,7 @@
       </p:grpSpPr>
       <p:sp>
         <p:nvSpPr>
-          <p:cNvPr id="15362" name="Rectangle 2"/>
+          <p:cNvPr id="14338" name="Rectangle 2"/>
           <p:cNvSpPr>
             <a:spLocks noGrp="1" noChangeArrowheads="1"/>
           </p:cNvSpPr>
@@ -15436,17 +15278,17 @@
               <a:defRPr/>
             </a:pPr>
             <a:r>
-              <a:rPr lang="en-US" altLang="zh-TW" smtClean="0">
-                <a:latin typeface="Times New Roman" pitchFamily="18" charset="0"/>
-              </a:rPr>
-              <a:t>Checkboxes</a:t>
-            </a:r>
-          </a:p>
-        </p:txBody>
-      </p:sp>
-      <p:sp>
-        <p:nvSpPr>
-          <p:cNvPr id="27651" name="Rectangle 3"/>
+              <a:rPr lang="en-US" altLang="zh-TW" dirty="0" smtClean="0">
+                <a:latin typeface="Times New Roman" pitchFamily="18" charset="0"/>
+              </a:rPr>
+              <a:t>Text Area - comment</a:t>
+            </a:r>
+          </a:p>
+        </p:txBody>
+      </p:sp>
+      <p:sp>
+        <p:nvSpPr>
+          <p:cNvPr id="23555" name="Rectangle 3"/>
           <p:cNvSpPr>
             <a:spLocks noGrp="1" noChangeArrowheads="1"/>
           </p:cNvSpPr>
@@ -15456,22 +15298,36 @@
         </p:nvSpPr>
         <p:spPr/>
         <p:txBody>
-          <a:bodyPr/>
+          <a:bodyPr>
+            <a:noAutofit/>
+          </a:bodyPr>
           <a:lstStyle/>
           <a:p>
             <a:r>
+              <a:rPr lang="en-US" altLang="zh-TW" dirty="0">
+                <a:ea typeface="新細明體" pitchFamily="18" charset="-120"/>
+              </a:rPr>
+              <a:t>two types of controls that allow users to input text. INPUT element creates a single-line input control and the TEXTAREA element creates a multi-line input control</a:t>
+            </a:r>
+          </a:p>
+          <a:p>
+            <a:r>
               <a:rPr lang="en-US" altLang="zh-TW" dirty="0" smtClean="0">
                 <a:ea typeface="新細明體" pitchFamily="18" charset="-120"/>
               </a:rPr>
-              <a:t>They are on/off square switches that may be toggled by the user</a:t>
-            </a:r>
-          </a:p>
-          <a:p>
+              <a:t>&lt;</a:t>
+            </a:r>
+            <a:r>
+              <a:rPr lang="en-US" altLang="zh-TW" dirty="0" err="1" smtClean="0">
+                <a:ea typeface="新細明體" pitchFamily="18" charset="-120"/>
+              </a:rPr>
+              <a:t>textarea</a:t>
+            </a:r>
             <a:r>
               <a:rPr lang="en-US" altLang="zh-TW" dirty="0" smtClean="0">
                 <a:ea typeface="新細明體" pitchFamily="18" charset="-120"/>
               </a:rPr>
-              <a:t>Only </a:t>
+              <a:t> name=</a:t>
             </a:r>
             <a:r>
               <a:rPr lang="mr-IN" altLang="zh-TW" dirty="0" smtClean="0">
@@ -15483,7 +15339,7 @@
               <a:rPr lang="en-US" altLang="zh-TW" dirty="0" smtClean="0">
                 <a:ea typeface="新細明體" pitchFamily="18" charset="-120"/>
               </a:rPr>
-              <a:t>on</a:t>
+              <a:t>comment</a:t>
             </a:r>
             <a:r>
               <a:rPr lang="mr-IN" altLang="zh-TW" dirty="0" smtClean="0">
@@ -15495,133 +15351,21 @@
               <a:rPr lang="en-US" altLang="zh-TW" dirty="0" smtClean="0">
                 <a:ea typeface="新細明體" pitchFamily="18" charset="-120"/>
               </a:rPr>
-              <a:t> </a:t>
+              <a:t> rows=6 cols=40&gt;default words &lt;/</a:t>
+            </a:r>
+            <a:r>
+              <a:rPr lang="en-US" altLang="zh-TW" dirty="0" err="1" smtClean="0">
+                <a:ea typeface="新細明體" pitchFamily="18" charset="-120"/>
+              </a:rPr>
+              <a:t>textarea</a:t>
             </a:r>
             <a:r>
               <a:rPr lang="en-US" altLang="zh-TW" dirty="0" smtClean="0">
                 <a:ea typeface="新細明體" pitchFamily="18" charset="-120"/>
               </a:rPr>
-              <a:t>checkbox controls can become successful</a:t>
-            </a:r>
-          </a:p>
-          <a:p>
-            <a:r>
-              <a:rPr lang="en-US" altLang="zh-TW" dirty="0" smtClean="0">
-                <a:ea typeface="新細明體" pitchFamily="18" charset="-120"/>
-              </a:rPr>
-              <a:t>Allow users to select several values for the same property</a:t>
-            </a:r>
-          </a:p>
-          <a:p>
-            <a:r>
-              <a:rPr lang="en-US" altLang="zh-TW" dirty="0" smtClean="0">
-                <a:ea typeface="新細明體" pitchFamily="18" charset="-120"/>
-              </a:rPr>
-              <a:t>&lt;input type</a:t>
-            </a:r>
-            <a:r>
-              <a:rPr lang="en-US" altLang="zh-TW" dirty="0" smtClean="0">
-                <a:ea typeface="新細明體" pitchFamily="18" charset="-120"/>
-              </a:rPr>
-              <a:t>=</a:t>
-            </a:r>
-            <a:r>
-              <a:rPr lang="mr-IN" altLang="zh-TW" dirty="0" smtClean="0">
-                <a:ea typeface="新細明體" pitchFamily="18" charset="-120"/>
-              </a:rPr>
-              <a:t>"</a:t>
-            </a:r>
-            <a:r>
-              <a:rPr lang="en-US" altLang="zh-TW" dirty="0" smtClean="0">
-                <a:ea typeface="新細明體" pitchFamily="18" charset="-120"/>
-              </a:rPr>
-              <a:t>checkbox</a:t>
-            </a:r>
-            <a:r>
-              <a:rPr lang="mr-IN" altLang="zh-TW" dirty="0" smtClean="0">
-                <a:ea typeface="新細明體" pitchFamily="18" charset="-120"/>
-              </a:rPr>
-              <a:t>"</a:t>
-            </a:r>
-            <a:r>
-              <a:rPr lang="en-US" altLang="zh-TW" dirty="0" smtClean="0">
-                <a:ea typeface="新細明體" pitchFamily="18" charset="-120"/>
-              </a:rPr>
-              <a:t> </a:t>
-            </a:r>
-            <a:r>
-              <a:rPr lang="en-US" altLang="zh-TW" dirty="0" smtClean="0">
-                <a:ea typeface="新細明體" pitchFamily="18" charset="-120"/>
-              </a:rPr>
-              <a:t>name</a:t>
-            </a:r>
-            <a:r>
-              <a:rPr lang="en-US" altLang="zh-TW" dirty="0" smtClean="0">
-                <a:ea typeface="新細明體" pitchFamily="18" charset="-120"/>
-              </a:rPr>
-              <a:t>=</a:t>
-            </a:r>
-            <a:r>
-              <a:rPr lang="mr-IN" altLang="zh-TW" dirty="0" smtClean="0">
-                <a:ea typeface="新細明體" pitchFamily="18" charset="-120"/>
-              </a:rPr>
-              <a:t>"</a:t>
-            </a:r>
-            <a:r>
-              <a:rPr lang="en-US" altLang="zh-TW" dirty="0" smtClean="0">
-                <a:ea typeface="新細明體" pitchFamily="18" charset="-120"/>
-              </a:rPr>
-              <a:t>name</a:t>
-            </a:r>
-            <a:r>
-              <a:rPr lang="mr-IN" altLang="zh-TW" dirty="0" smtClean="0">
-                <a:ea typeface="新細明體" pitchFamily="18" charset="-120"/>
-              </a:rPr>
-              <a:t>"</a:t>
-            </a:r>
-            <a:r>
-              <a:rPr lang="en-US" altLang="zh-TW" dirty="0" smtClean="0">
-                <a:ea typeface="新細明體" pitchFamily="18" charset="-120"/>
-              </a:rPr>
-              <a:t> </a:t>
-            </a:r>
-            <a:r>
-              <a:rPr lang="en-US" altLang="zh-TW" dirty="0" smtClean="0">
-                <a:ea typeface="新細明體" pitchFamily="18" charset="-120"/>
-              </a:rPr>
-              <a:t>value</a:t>
-            </a:r>
-            <a:r>
-              <a:rPr lang="en-US" altLang="zh-TW" dirty="0" smtClean="0">
-                <a:ea typeface="新細明體" pitchFamily="18" charset="-120"/>
-              </a:rPr>
-              <a:t>=</a:t>
-            </a:r>
-            <a:r>
-              <a:rPr lang="mr-IN" altLang="zh-TW" dirty="0" smtClean="0">
-                <a:ea typeface="新細明體" pitchFamily="18" charset="-120"/>
-              </a:rPr>
-              <a:t>"</a:t>
-            </a:r>
-            <a:r>
-              <a:rPr lang="en-US" altLang="zh-TW" dirty="0" smtClean="0">
-                <a:ea typeface="新細明體" pitchFamily="18" charset="-120"/>
-              </a:rPr>
-              <a:t>button name</a:t>
-            </a:r>
-            <a:r>
-              <a:rPr lang="mr-IN" altLang="zh-TW" dirty="0" smtClean="0">
-                <a:ea typeface="新細明體" pitchFamily="18" charset="-120"/>
-              </a:rPr>
-              <a:t>"</a:t>
-            </a:r>
-            <a:r>
-              <a:rPr lang="en-US" altLang="zh-TW" dirty="0" smtClean="0">
-                <a:ea typeface="新細明體" pitchFamily="18" charset="-120"/>
-              </a:rPr>
               <a:t>&gt;</a:t>
             </a:r>
-            <a:endParaRPr lang="en-US" altLang="zh-TW" dirty="0" smtClean="0">
+            <a:endParaRPr lang="en-US" altLang="zh-TW" dirty="0">
               <a:ea typeface="新細明體" pitchFamily="18" charset="-120"/>
             </a:endParaRPr>
           </a:p>
@@ -15630,16 +15374,25 @@
     </p:spTree>
     <p:extLst>
       <p:ext uri="{BB962C8B-B14F-4D97-AF65-F5344CB8AC3E}">
-        <p14:creationId xmlns:p14="http://schemas.microsoft.com/office/powerpoint/2010/main" val="216759481"/>
+        <p14:creationId xmlns:p14="http://schemas.microsoft.com/office/powerpoint/2010/main" val="1553439720"/>
       </p:ext>
     </p:extLst>
   </p:cSld>
   <p:clrMapOvr>
     <a:masterClrMapping/>
   </p:clrMapOvr>
-  <p:transition>
-    <p:checker/>
-  </p:transition>
+  <mc:AlternateContent xmlns:mc="http://schemas.openxmlformats.org/markup-compatibility/2006" xmlns:p14="http://schemas.microsoft.com/office/powerpoint/2010/main">
+    <mc:Choice Requires="p14">
+      <p:transition spd="slow" p14:dur="3900">
+        <p14:glitter pattern="hexagon"/>
+      </p:transition>
+    </mc:Choice>
+    <mc:Fallback xmlns="">
+      <p:transition spd="slow">
+        <p:fade/>
+      </p:transition>
+    </mc:Fallback>
+  </mc:AlternateContent>
   <p:timing>
     <p:tnLst>
       <p:par>
@@ -15669,7 +15422,7 @@
       </p:grpSpPr>
       <p:sp>
         <p:nvSpPr>
-          <p:cNvPr id="18434" name="Rectangle 2"/>
+          <p:cNvPr id="16386" name="Rectangle 2"/>
           <p:cNvSpPr>
             <a:spLocks noGrp="1" noChangeArrowheads="1"/>
           </p:cNvSpPr>
@@ -15686,86 +15439,200 @@
               <a:defRPr/>
             </a:pPr>
             <a:r>
+              <a:rPr lang="en-US" altLang="zh-TW" smtClean="0">
+                <a:latin typeface="Times New Roman" pitchFamily="18" charset="0"/>
+              </a:rPr>
+              <a:t>Radio buttons</a:t>
+            </a:r>
+          </a:p>
+        </p:txBody>
+      </p:sp>
+      <p:sp>
+        <p:nvSpPr>
+          <p:cNvPr id="25603" name="Rectangle 3"/>
+          <p:cNvSpPr>
+            <a:spLocks noGrp="1" noChangeArrowheads="1"/>
+          </p:cNvSpPr>
+          <p:nvPr>
+            <p:ph idx="1"/>
+          </p:nvPr>
+        </p:nvSpPr>
+        <p:spPr/>
+        <p:txBody>
+          <a:bodyPr>
+            <a:normAutofit/>
+          </a:bodyPr>
+          <a:lstStyle/>
+          <a:p>
+            <a:r>
+              <a:rPr lang="en-US" altLang="zh-TW" dirty="0">
+                <a:ea typeface="新細明體" pitchFamily="18" charset="-120"/>
+              </a:rPr>
+              <a:t>They are on/off circle switches that may be toggled by the user</a:t>
+            </a:r>
+          </a:p>
+          <a:p>
+            <a:r>
+              <a:rPr lang="en-US" altLang="zh-TW" dirty="0">
+                <a:ea typeface="新細明體" pitchFamily="18" charset="-120"/>
+              </a:rPr>
+              <a:t>They are mutually exclusive: when one is switched </a:t>
+            </a:r>
+            <a:r>
+              <a:rPr lang="mr-IN" altLang="zh-TW" dirty="0" smtClean="0">
+                <a:ea typeface="新細明體" pitchFamily="18" charset="-120"/>
+              </a:rPr>
+              <a:t>"</a:t>
+            </a:r>
+            <a:r>
               <a:rPr lang="en-US" altLang="zh-TW" dirty="0" smtClean="0">
-                <a:latin typeface="Times New Roman" pitchFamily="18" charset="0"/>
-              </a:rPr>
-              <a:t>Select (Menu/List)</a:t>
-            </a:r>
-          </a:p>
-        </p:txBody>
-      </p:sp>
-      <p:sp>
-        <p:nvSpPr>
-          <p:cNvPr id="28675" name="Rectangle 3"/>
-          <p:cNvSpPr>
-            <a:spLocks noGrp="1" noChangeArrowheads="1"/>
-          </p:cNvSpPr>
-          <p:nvPr>
-            <p:ph idx="1"/>
-          </p:nvPr>
-        </p:nvSpPr>
-        <p:spPr/>
-        <p:txBody>
-          <a:bodyPr/>
-          <a:lstStyle/>
-          <a:p>
-            <a:pPr>
-              <a:lnSpc>
-                <a:spcPct val="80000"/>
-              </a:lnSpc>
-            </a:pPr>
+                <a:ea typeface="新細明體" pitchFamily="18" charset="-120"/>
+              </a:rPr>
+              <a:t>on</a:t>
+            </a:r>
+            <a:r>
+              <a:rPr lang="mr-IN" altLang="zh-TW" dirty="0" smtClean="0">
+                <a:ea typeface="新細明體" pitchFamily="18" charset="-120"/>
+              </a:rPr>
+              <a:t>"</a:t>
+            </a:r>
             <a:r>
               <a:rPr lang="en-US" altLang="zh-TW" dirty="0" smtClean="0">
                 <a:ea typeface="新細明體" pitchFamily="18" charset="-120"/>
               </a:rPr>
-              <a:t>Menus offer users options from which to choose where the choices are too long to display in a browser</a:t>
-            </a:r>
-          </a:p>
-          <a:p>
-            <a:pPr>
-              <a:lnSpc>
-                <a:spcPct val="80000"/>
-              </a:lnSpc>
-            </a:pPr>
+              <a:t>, </a:t>
+            </a:r>
+            <a:r>
+              <a:rPr lang="en-US" altLang="zh-TW" dirty="0">
+                <a:ea typeface="新細明體" pitchFamily="18" charset="-120"/>
+              </a:rPr>
+              <a:t>all others with the same name are switched </a:t>
+            </a:r>
+            <a:r>
+              <a:rPr lang="mr-IN" altLang="zh-TW" dirty="0" smtClean="0">
+                <a:ea typeface="新細明體" pitchFamily="18" charset="-120"/>
+              </a:rPr>
+              <a:t>"</a:t>
+            </a:r>
             <a:r>
               <a:rPr lang="en-US" altLang="zh-TW" dirty="0" smtClean="0">
                 <a:ea typeface="新細明體" pitchFamily="18" charset="-120"/>
               </a:rPr>
-              <a:t>Two types of menus – pull down menu, list menu</a:t>
-            </a:r>
-          </a:p>
-          <a:p>
-            <a:pPr>
-              <a:lnSpc>
-                <a:spcPct val="80000"/>
-              </a:lnSpc>
-            </a:pPr>
+              <a:t>off</a:t>
+            </a:r>
+            <a:r>
+              <a:rPr lang="mr-IN" altLang="zh-TW" dirty="0" smtClean="0">
+                <a:ea typeface="新細明體" pitchFamily="18" charset="-120"/>
+              </a:rPr>
+              <a:t>"</a:t>
+            </a:r>
             <a:r>
               <a:rPr lang="en-US" altLang="zh-TW" dirty="0" smtClean="0">
                 <a:ea typeface="新細明體" pitchFamily="18" charset="-120"/>
               </a:rPr>
-              <a:t>Pull down menu – select one from a drop list</a:t>
-            </a:r>
-          </a:p>
-          <a:p>
-            <a:pPr>
-              <a:lnSpc>
-                <a:spcPct val="80000"/>
-              </a:lnSpc>
-            </a:pPr>
+              <a:t> </a:t>
+            </a:r>
+            <a:endParaRPr lang="en-US" altLang="zh-TW" dirty="0">
+              <a:ea typeface="新細明體" pitchFamily="18" charset="-120"/>
+            </a:endParaRPr>
+          </a:p>
+          <a:p>
+            <a:r>
+              <a:rPr lang="en-US" altLang="zh-TW" dirty="0">
+                <a:ea typeface="新細明體" pitchFamily="18" charset="-120"/>
+              </a:rPr>
+              <a:t>Since user usually select from more than one, </a:t>
+            </a:r>
+          </a:p>
+          <a:p>
             <a:r>
               <a:rPr lang="en-US" altLang="zh-TW" dirty="0" smtClean="0">
                 <a:ea typeface="新細明體" pitchFamily="18" charset="-120"/>
               </a:rPr>
-              <a:t>List menu – select one or multiple items from a list menu.  By pressing Ctrl key, you can select multiple selection</a:t>
-            </a:r>
+              <a:t>&lt;input type=</a:t>
+            </a:r>
+            <a:r>
+              <a:rPr lang="mr-IN" altLang="zh-TW" dirty="0" smtClean="0">
+                <a:ea typeface="新細明體" pitchFamily="18" charset="-120"/>
+              </a:rPr>
+              <a:t>"</a:t>
+            </a:r>
+            <a:r>
+              <a:rPr lang="en-US" altLang="zh-TW" dirty="0" smtClean="0">
+                <a:ea typeface="新細明體" pitchFamily="18" charset="-120"/>
+              </a:rPr>
+              <a:t>radio</a:t>
+            </a:r>
+            <a:r>
+              <a:rPr lang="mr-IN" altLang="zh-TW" dirty="0" smtClean="0">
+                <a:ea typeface="新細明體" pitchFamily="18" charset="-120"/>
+              </a:rPr>
+              <a:t>"</a:t>
+            </a:r>
+            <a:r>
+              <a:rPr lang="en-US" altLang="zh-TW" dirty="0" smtClean="0">
+                <a:ea typeface="新細明體" pitchFamily="18" charset="-120"/>
+              </a:rPr>
+              <a:t> name=</a:t>
+            </a:r>
+            <a:r>
+              <a:rPr lang="mr-IN" altLang="zh-TW" dirty="0" smtClean="0">
+                <a:ea typeface="新細明體" pitchFamily="18" charset="-120"/>
+              </a:rPr>
+              <a:t>"</a:t>
+            </a:r>
+            <a:r>
+              <a:rPr lang="en-US" altLang="zh-TW" dirty="0" smtClean="0">
+                <a:ea typeface="新細明體" pitchFamily="18" charset="-120"/>
+              </a:rPr>
+              <a:t>radio group name</a:t>
+            </a:r>
+            <a:r>
+              <a:rPr lang="mr-IN" altLang="zh-TW" dirty="0" smtClean="0">
+                <a:ea typeface="新細明體" pitchFamily="18" charset="-120"/>
+              </a:rPr>
+              <a:t>"</a:t>
+            </a:r>
+            <a:r>
+              <a:rPr lang="en-US" altLang="zh-TW" dirty="0" smtClean="0">
+                <a:ea typeface="新細明體" pitchFamily="18" charset="-120"/>
+              </a:rPr>
+              <a:t> value=</a:t>
+            </a:r>
+            <a:r>
+              <a:rPr lang="mr-IN" altLang="zh-TW" dirty="0" smtClean="0">
+                <a:ea typeface="新細明體" pitchFamily="18" charset="-120"/>
+              </a:rPr>
+              <a:t>"</a:t>
+            </a:r>
+            <a:r>
+              <a:rPr lang="en-US" altLang="zh-TW" dirty="0" smtClean="0">
+                <a:ea typeface="新細明體" pitchFamily="18" charset="-120"/>
+              </a:rPr>
+              <a:t>button name</a:t>
+            </a:r>
+            <a:r>
+              <a:rPr lang="mr-IN" altLang="zh-TW" dirty="0" smtClean="0">
+                <a:ea typeface="新細明體" pitchFamily="18" charset="-120"/>
+              </a:rPr>
+              <a:t>"</a:t>
+            </a:r>
+            <a:r>
+              <a:rPr lang="en-US" altLang="zh-TW" dirty="0" smtClean="0">
+                <a:ea typeface="新細明體" pitchFamily="18" charset="-120"/>
+              </a:rPr>
+              <a:t>&gt;</a:t>
+            </a:r>
+            <a:endParaRPr lang="en-US" altLang="zh-TW" dirty="0">
+              <a:ea typeface="新細明體" pitchFamily="18" charset="-120"/>
+            </a:endParaRPr>
           </a:p>
         </p:txBody>
       </p:sp>
     </p:spTree>
     <p:extLst>
       <p:ext uri="{BB962C8B-B14F-4D97-AF65-F5344CB8AC3E}">
-        <p14:creationId xmlns:p14="http://schemas.microsoft.com/office/powerpoint/2010/main" val="1481335655"/>
+        <p14:creationId xmlns:p14="http://schemas.microsoft.com/office/powerpoint/2010/main" val="1680490752"/>
       </p:ext>
     </p:extLst>
   </p:cSld>
@@ -15804,7 +15671,7 @@
       </p:grpSpPr>
       <p:sp>
         <p:nvSpPr>
-          <p:cNvPr id="19458" name="Rectangle 2"/>
+          <p:cNvPr id="17410" name="Rectangle 2"/>
           <p:cNvSpPr>
             <a:spLocks noGrp="1" noChangeArrowheads="1"/>
           </p:cNvSpPr>
@@ -15824,14 +15691,14 @@
               <a:rPr lang="en-US" altLang="zh-TW" smtClean="0">
                 <a:latin typeface="Times New Roman" pitchFamily="18" charset="0"/>
               </a:rPr>
-              <a:t>Menu example</a:t>
-            </a:r>
-          </a:p>
-        </p:txBody>
-      </p:sp>
-      <p:sp>
-        <p:nvSpPr>
-          <p:cNvPr id="29699" name="Rectangle 3"/>
+              <a:t>Radio buttons story</a:t>
+            </a:r>
+          </a:p>
+        </p:txBody>
+      </p:sp>
+      <p:sp>
+        <p:nvSpPr>
+          <p:cNvPr id="26627" name="Rectangle 3"/>
           <p:cNvSpPr>
             <a:spLocks noGrp="1" noChangeArrowheads="1"/>
           </p:cNvSpPr>
@@ -15841,504 +15708,32 @@
         </p:nvSpPr>
         <p:spPr/>
         <p:txBody>
-          <a:bodyPr/>
+          <a:bodyPr>
+            <a:normAutofit/>
+          </a:bodyPr>
           <a:lstStyle/>
           <a:p>
-            <a:pPr>
-              <a:lnSpc>
-                <a:spcPct val="80000"/>
-              </a:lnSpc>
-            </a:pPr>
-            <a:r>
-              <a:rPr lang="en-US" altLang="zh-TW" sz="2800" dirty="0">
-                <a:ea typeface="新細明體" pitchFamily="18" charset="-120"/>
-              </a:rPr>
-              <a:t>&lt;select name</a:t>
-            </a:r>
-            <a:r>
-              <a:rPr lang="en-US" altLang="zh-TW" sz="2800" dirty="0" smtClean="0">
-                <a:ea typeface="新細明體" pitchFamily="18" charset="-120"/>
-              </a:rPr>
-              <a:t>=</a:t>
-            </a:r>
-            <a:r>
-              <a:rPr lang="mr-IN" altLang="zh-TW" sz="2800" dirty="0" smtClean="0">
-                <a:ea typeface="新細明體" pitchFamily="18" charset="-120"/>
-              </a:rPr>
-              <a:t>"</a:t>
-            </a:r>
-            <a:r>
-              <a:rPr lang="en-US" altLang="zh-TW" sz="2800" dirty="0" smtClean="0">
-                <a:ea typeface="新細明體" pitchFamily="18" charset="-120"/>
-              </a:rPr>
-              <a:t>country</a:t>
-            </a:r>
-            <a:r>
-              <a:rPr lang="mr-IN" altLang="zh-TW" sz="2800" dirty="0" smtClean="0">
-                <a:ea typeface="新細明體" pitchFamily="18" charset="-120"/>
-              </a:rPr>
-              <a:t>"</a:t>
-            </a:r>
-            <a:r>
-              <a:rPr lang="en-US" altLang="zh-TW" sz="2800" dirty="0" smtClean="0">
-                <a:ea typeface="新細明體" pitchFamily="18" charset="-120"/>
-              </a:rPr>
-              <a:t> </a:t>
-            </a:r>
-            <a:r>
-              <a:rPr lang="en-US" altLang="zh-TW" sz="2800" dirty="0">
-                <a:ea typeface="新細明體" pitchFamily="18" charset="-120"/>
-              </a:rPr>
-              <a:t>id</a:t>
-            </a:r>
-            <a:r>
-              <a:rPr lang="en-US" altLang="zh-TW" sz="2800" dirty="0" smtClean="0">
-                <a:ea typeface="新細明體" pitchFamily="18" charset="-120"/>
-              </a:rPr>
-              <a:t>=</a:t>
-            </a:r>
-            <a:r>
-              <a:rPr lang="mr-IN" altLang="zh-TW" sz="2800" dirty="0" smtClean="0">
-                <a:ea typeface="新細明體" pitchFamily="18" charset="-120"/>
-              </a:rPr>
-              <a:t>"</a:t>
-            </a:r>
-            <a:r>
-              <a:rPr lang="en-US" altLang="zh-TW" sz="2800" dirty="0" smtClean="0">
-                <a:ea typeface="新細明體" pitchFamily="18" charset="-120"/>
-              </a:rPr>
-              <a:t>country</a:t>
-            </a:r>
-            <a:r>
-              <a:rPr lang="mr-IN" altLang="zh-TW" sz="2800" dirty="0" smtClean="0">
-                <a:ea typeface="新細明體" pitchFamily="18" charset="-120"/>
-              </a:rPr>
-              <a:t>"</a:t>
-            </a:r>
-            <a:r>
-              <a:rPr lang="en-US" altLang="zh-TW" sz="2800" dirty="0" smtClean="0">
-                <a:ea typeface="新細明體" pitchFamily="18" charset="-120"/>
-              </a:rPr>
-              <a:t>&gt;</a:t>
-            </a:r>
-            <a:endParaRPr lang="en-US" altLang="zh-TW" sz="2800" dirty="0">
-              <a:ea typeface="新細明體" pitchFamily="18" charset="-120"/>
-            </a:endParaRPr>
-          </a:p>
-          <a:p>
-            <a:pPr>
-              <a:lnSpc>
-                <a:spcPct val="80000"/>
-              </a:lnSpc>
-            </a:pPr>
-            <a:r>
-              <a:rPr lang="en-US" altLang="zh-TW" sz="2800" dirty="0">
-                <a:ea typeface="新細明體" pitchFamily="18" charset="-120"/>
-              </a:rPr>
-              <a:t>      &lt;option selected</a:t>
-            </a:r>
-            <a:r>
-              <a:rPr lang="en-US" altLang="zh-TW" sz="2800" dirty="0" smtClean="0">
-                <a:ea typeface="新細明體" pitchFamily="18" charset="-120"/>
-              </a:rPr>
-              <a:t>=</a:t>
-            </a:r>
-            <a:r>
-              <a:rPr lang="mr-IN" altLang="zh-TW" sz="2800" dirty="0" smtClean="0">
-                <a:ea typeface="新細明體" pitchFamily="18" charset="-120"/>
-              </a:rPr>
-              <a:t>"</a:t>
-            </a:r>
-            <a:r>
-              <a:rPr lang="en-US" altLang="zh-TW" sz="2800" dirty="0" smtClean="0">
-                <a:ea typeface="新細明體" pitchFamily="18" charset="-120"/>
-              </a:rPr>
-              <a:t>selected</a:t>
-            </a:r>
-            <a:r>
-              <a:rPr lang="mr-IN" altLang="zh-TW" sz="2800" dirty="0" smtClean="0">
-                <a:ea typeface="新細明體" pitchFamily="18" charset="-120"/>
-              </a:rPr>
-              <a:t>"</a:t>
-            </a:r>
-            <a:r>
-              <a:rPr lang="en-US" altLang="zh-TW" sz="2800" dirty="0" smtClean="0">
-                <a:ea typeface="新細明體" pitchFamily="18" charset="-120"/>
-              </a:rPr>
-              <a:t>&gt; </a:t>
-            </a:r>
-            <a:r>
-              <a:rPr lang="en-US" altLang="zh-TW" sz="2800" dirty="0">
-                <a:ea typeface="新細明體" pitchFamily="18" charset="-120"/>
-              </a:rPr>
-              <a:t>&lt;/option&gt;</a:t>
-            </a:r>
-          </a:p>
-          <a:p>
-            <a:pPr>
-              <a:lnSpc>
-                <a:spcPct val="80000"/>
-              </a:lnSpc>
-            </a:pPr>
-            <a:r>
-              <a:rPr lang="en-US" altLang="zh-TW" sz="2800" dirty="0">
-                <a:ea typeface="新細明體" pitchFamily="18" charset="-120"/>
-              </a:rPr>
-              <a:t>      &lt;option value</a:t>
-            </a:r>
-            <a:r>
-              <a:rPr lang="en-US" altLang="zh-TW" sz="2800" dirty="0" smtClean="0">
-                <a:ea typeface="新細明體" pitchFamily="18" charset="-120"/>
-              </a:rPr>
-              <a:t>=</a:t>
-            </a:r>
-            <a:r>
-              <a:rPr lang="mr-IN" altLang="zh-TW" sz="2800" dirty="0" smtClean="0">
-                <a:ea typeface="新細明體" pitchFamily="18" charset="-120"/>
-              </a:rPr>
-              <a:t>"</a:t>
-            </a:r>
-            <a:r>
-              <a:rPr lang="en-US" altLang="zh-TW" sz="2800" dirty="0" err="1" smtClean="0">
-                <a:ea typeface="新細明體" pitchFamily="18" charset="-120"/>
-              </a:rPr>
-              <a:t>hk</a:t>
-            </a:r>
-            <a:r>
-              <a:rPr lang="mr-IN" altLang="zh-TW" sz="2800" dirty="0" smtClean="0">
-                <a:ea typeface="新細明體" pitchFamily="18" charset="-120"/>
-              </a:rPr>
-              <a:t>"</a:t>
-            </a:r>
-            <a:r>
-              <a:rPr lang="en-US" altLang="zh-TW" sz="2800" dirty="0" smtClean="0">
-                <a:ea typeface="新細明體" pitchFamily="18" charset="-120"/>
-              </a:rPr>
-              <a:t>&gt;</a:t>
-            </a:r>
-            <a:r>
-              <a:rPr lang="en-US" altLang="zh-TW" sz="2800" dirty="0">
-                <a:ea typeface="新細明體" pitchFamily="18" charset="-120"/>
-              </a:rPr>
-              <a:t>Hong Kong&lt;/option&gt;</a:t>
-            </a:r>
-          </a:p>
-          <a:p>
-            <a:pPr>
-              <a:lnSpc>
-                <a:spcPct val="80000"/>
-              </a:lnSpc>
-            </a:pPr>
-            <a:r>
-              <a:rPr lang="en-US" altLang="zh-TW" sz="2800" dirty="0">
-                <a:ea typeface="新細明體" pitchFamily="18" charset="-120"/>
-              </a:rPr>
-              <a:t>      &lt;option value</a:t>
-            </a:r>
-            <a:r>
-              <a:rPr lang="en-US" altLang="zh-TW" sz="2800" dirty="0" smtClean="0">
-                <a:ea typeface="新細明體" pitchFamily="18" charset="-120"/>
-              </a:rPr>
-              <a:t>=</a:t>
-            </a:r>
-            <a:r>
-              <a:rPr lang="mr-IN" altLang="zh-TW" sz="2800" dirty="0" smtClean="0">
-                <a:ea typeface="新細明體" pitchFamily="18" charset="-120"/>
-              </a:rPr>
-              <a:t>"</a:t>
-            </a:r>
-            <a:r>
-              <a:rPr lang="en-US" altLang="zh-TW" sz="2800" dirty="0" smtClean="0">
-                <a:ea typeface="新細明體" pitchFamily="18" charset="-120"/>
-              </a:rPr>
-              <a:t>us</a:t>
-            </a:r>
-            <a:r>
-              <a:rPr lang="mr-IN" altLang="zh-TW" sz="2800" dirty="0" smtClean="0">
-                <a:ea typeface="新細明體" pitchFamily="18" charset="-120"/>
-              </a:rPr>
-              <a:t>"</a:t>
-            </a:r>
-            <a:r>
-              <a:rPr lang="en-US" altLang="zh-TW" sz="2800" dirty="0" smtClean="0">
-                <a:ea typeface="新細明體" pitchFamily="18" charset="-120"/>
-              </a:rPr>
-              <a:t>&gt;</a:t>
-            </a:r>
-            <a:r>
-              <a:rPr lang="en-US" altLang="zh-TW" sz="2800" dirty="0">
-                <a:ea typeface="新細明體" pitchFamily="18" charset="-120"/>
-              </a:rPr>
-              <a:t>United State&lt;/option&gt;</a:t>
-            </a:r>
-          </a:p>
-          <a:p>
-            <a:pPr>
-              <a:lnSpc>
-                <a:spcPct val="80000"/>
-              </a:lnSpc>
-            </a:pPr>
-            <a:r>
-              <a:rPr lang="en-US" altLang="zh-TW" sz="2800" dirty="0">
-                <a:ea typeface="新細明體" pitchFamily="18" charset="-120"/>
-              </a:rPr>
-              <a:t>      &lt;option value</a:t>
-            </a:r>
-            <a:r>
-              <a:rPr lang="en-US" altLang="zh-TW" sz="2800" dirty="0" smtClean="0">
-                <a:ea typeface="新細明體" pitchFamily="18" charset="-120"/>
-              </a:rPr>
-              <a:t>=</a:t>
-            </a:r>
-            <a:r>
-              <a:rPr lang="mr-IN" altLang="zh-TW" sz="2800" dirty="0" smtClean="0">
-                <a:ea typeface="新細明體" pitchFamily="18" charset="-120"/>
-              </a:rPr>
-              <a:t>"</a:t>
-            </a:r>
-            <a:r>
-              <a:rPr lang="en-US" altLang="zh-TW" sz="2800" dirty="0" err="1" smtClean="0">
-                <a:ea typeface="新細明體" pitchFamily="18" charset="-120"/>
-              </a:rPr>
-              <a:t>tw</a:t>
-            </a:r>
-            <a:r>
-              <a:rPr lang="mr-IN" altLang="zh-TW" sz="2800" dirty="0" smtClean="0">
-                <a:ea typeface="新細明體" pitchFamily="18" charset="-120"/>
-              </a:rPr>
-              <a:t>"</a:t>
-            </a:r>
-            <a:r>
-              <a:rPr lang="en-US" altLang="zh-TW" sz="2800" dirty="0" smtClean="0">
-                <a:ea typeface="新細明體" pitchFamily="18" charset="-120"/>
-              </a:rPr>
-              <a:t>&gt;</a:t>
-            </a:r>
-            <a:r>
-              <a:rPr lang="en-US" altLang="zh-TW" sz="2800" dirty="0">
-                <a:ea typeface="新細明體" pitchFamily="18" charset="-120"/>
-              </a:rPr>
-              <a:t>Taiwan&lt;/option&gt;</a:t>
-            </a:r>
-          </a:p>
-          <a:p>
-            <a:pPr>
-              <a:lnSpc>
-                <a:spcPct val="80000"/>
-              </a:lnSpc>
-            </a:pPr>
-            <a:r>
-              <a:rPr lang="en-US" altLang="zh-TW" sz="2800" dirty="0">
-                <a:ea typeface="新細明體" pitchFamily="18" charset="-120"/>
-              </a:rPr>
-              <a:t>      &lt;option value</a:t>
-            </a:r>
-            <a:r>
-              <a:rPr lang="en-US" altLang="zh-TW" sz="2800" dirty="0" smtClean="0">
-                <a:ea typeface="新細明體" pitchFamily="18" charset="-120"/>
-              </a:rPr>
-              <a:t>=</a:t>
-            </a:r>
-            <a:r>
-              <a:rPr lang="mr-IN" altLang="zh-TW" sz="2800" dirty="0" smtClean="0">
-                <a:ea typeface="新細明體" pitchFamily="18" charset="-120"/>
-              </a:rPr>
-              <a:t>"</a:t>
-            </a:r>
-            <a:r>
-              <a:rPr lang="en-US" altLang="zh-TW" sz="2800" dirty="0" err="1" smtClean="0">
-                <a:ea typeface="新細明體" pitchFamily="18" charset="-120"/>
-              </a:rPr>
-              <a:t>cn</a:t>
-            </a:r>
-            <a:r>
-              <a:rPr lang="mr-IN" altLang="zh-TW" sz="2800" dirty="0" smtClean="0">
-                <a:ea typeface="新細明體" pitchFamily="18" charset="-120"/>
-              </a:rPr>
-              <a:t>"</a:t>
-            </a:r>
-            <a:r>
-              <a:rPr lang="en-US" altLang="zh-TW" sz="2800" dirty="0" smtClean="0">
-                <a:ea typeface="新細明體" pitchFamily="18" charset="-120"/>
-              </a:rPr>
-              <a:t>&gt;</a:t>
-            </a:r>
-            <a:r>
-              <a:rPr lang="en-US" altLang="zh-TW" sz="2800" dirty="0">
-                <a:ea typeface="新細明體" pitchFamily="18" charset="-120"/>
-              </a:rPr>
-              <a:t>China&lt;/option&gt;</a:t>
-            </a:r>
-          </a:p>
-          <a:p>
-            <a:pPr>
-              <a:lnSpc>
-                <a:spcPct val="80000"/>
-              </a:lnSpc>
-            </a:pPr>
-            <a:r>
-              <a:rPr lang="en-US" altLang="zh-TW" sz="2800" dirty="0">
-                <a:ea typeface="新細明體" pitchFamily="18" charset="-120"/>
-              </a:rPr>
-              <a:t>      &lt;option value</a:t>
-            </a:r>
-            <a:r>
-              <a:rPr lang="en-US" altLang="zh-TW" sz="2800" dirty="0" smtClean="0">
-                <a:ea typeface="新細明體" pitchFamily="18" charset="-120"/>
-              </a:rPr>
-              <a:t>=</a:t>
-            </a:r>
-            <a:r>
-              <a:rPr lang="mr-IN" altLang="zh-TW" sz="2800" dirty="0" smtClean="0">
-                <a:ea typeface="新細明體" pitchFamily="18" charset="-120"/>
-              </a:rPr>
-              <a:t>"</a:t>
-            </a:r>
-            <a:r>
-              <a:rPr lang="en-US" altLang="zh-TW" sz="2800" dirty="0" err="1" smtClean="0">
-                <a:ea typeface="新細明體" pitchFamily="18" charset="-120"/>
-              </a:rPr>
-              <a:t>kr</a:t>
-            </a:r>
-            <a:r>
-              <a:rPr lang="mr-IN" altLang="zh-TW" sz="2800" dirty="0" smtClean="0">
-                <a:ea typeface="新細明體" pitchFamily="18" charset="-120"/>
-              </a:rPr>
-              <a:t>"</a:t>
-            </a:r>
-            <a:r>
-              <a:rPr lang="en-US" altLang="zh-TW" sz="2800" dirty="0" smtClean="0">
-                <a:ea typeface="新細明體" pitchFamily="18" charset="-120"/>
-              </a:rPr>
-              <a:t>&gt;</a:t>
-            </a:r>
-            <a:r>
-              <a:rPr lang="en-US" altLang="zh-TW" sz="2800" dirty="0">
-                <a:ea typeface="新細明體" pitchFamily="18" charset="-120"/>
-              </a:rPr>
-              <a:t>Korea&lt;/option&gt;</a:t>
-            </a:r>
-          </a:p>
-          <a:p>
-            <a:pPr>
-              <a:lnSpc>
-                <a:spcPct val="80000"/>
-              </a:lnSpc>
-            </a:pPr>
-            <a:r>
-              <a:rPr lang="en-US" altLang="zh-TW" sz="2800" dirty="0">
-                <a:ea typeface="新細明體" pitchFamily="18" charset="-120"/>
-              </a:rPr>
-              <a:t>      &lt;option value</a:t>
-            </a:r>
-            <a:r>
-              <a:rPr lang="en-US" altLang="zh-TW" sz="2800" dirty="0" smtClean="0">
-                <a:ea typeface="新細明體" pitchFamily="18" charset="-120"/>
-              </a:rPr>
-              <a:t>=</a:t>
-            </a:r>
-            <a:r>
-              <a:rPr lang="mr-IN" altLang="zh-TW" sz="2800" dirty="0" smtClean="0">
-                <a:ea typeface="新細明體" pitchFamily="18" charset="-120"/>
-              </a:rPr>
-              <a:t>"</a:t>
-            </a:r>
-            <a:r>
-              <a:rPr lang="en-US" altLang="zh-TW" sz="2800" dirty="0" err="1" smtClean="0">
-                <a:ea typeface="新細明體" pitchFamily="18" charset="-120"/>
-              </a:rPr>
-              <a:t>jp</a:t>
-            </a:r>
-            <a:r>
-              <a:rPr lang="mr-IN" altLang="zh-TW" sz="2800" dirty="0" smtClean="0">
-                <a:ea typeface="新細明體" pitchFamily="18" charset="-120"/>
-              </a:rPr>
-              <a:t>"</a:t>
-            </a:r>
-            <a:r>
-              <a:rPr lang="en-US" altLang="zh-TW" sz="2800" dirty="0" smtClean="0">
-                <a:ea typeface="新細明體" pitchFamily="18" charset="-120"/>
-              </a:rPr>
-              <a:t>&gt;</a:t>
-            </a:r>
-            <a:r>
-              <a:rPr lang="en-US" altLang="zh-TW" sz="2800" dirty="0">
-                <a:ea typeface="新細明體" pitchFamily="18" charset="-120"/>
-              </a:rPr>
-              <a:t>Japan&lt;/option&gt;</a:t>
-            </a:r>
-          </a:p>
-          <a:p>
-            <a:pPr>
-              <a:lnSpc>
-                <a:spcPct val="80000"/>
-              </a:lnSpc>
-            </a:pPr>
-            <a:r>
-              <a:rPr lang="en-US" altLang="zh-TW" sz="2800" dirty="0">
-                <a:ea typeface="新細明體" pitchFamily="18" charset="-120"/>
-              </a:rPr>
-              <a:t>      &lt;option value</a:t>
-            </a:r>
-            <a:r>
-              <a:rPr lang="en-US" altLang="zh-TW" sz="2800" dirty="0" smtClean="0">
-                <a:ea typeface="新細明體" pitchFamily="18" charset="-120"/>
-              </a:rPr>
-              <a:t>=</a:t>
-            </a:r>
-            <a:r>
-              <a:rPr lang="mr-IN" altLang="zh-TW" sz="2800" dirty="0" smtClean="0">
-                <a:ea typeface="新細明體" pitchFamily="18" charset="-120"/>
-              </a:rPr>
-              <a:t>"</a:t>
-            </a:r>
-            <a:r>
-              <a:rPr lang="en-US" altLang="zh-TW" sz="2800" dirty="0" err="1" smtClean="0">
-                <a:ea typeface="新細明體" pitchFamily="18" charset="-120"/>
-              </a:rPr>
-              <a:t>mo</a:t>
-            </a:r>
-            <a:r>
-              <a:rPr lang="mr-IN" altLang="zh-TW" sz="2800" dirty="0" smtClean="0">
-                <a:ea typeface="新細明體" pitchFamily="18" charset="-120"/>
-              </a:rPr>
-              <a:t>"</a:t>
-            </a:r>
-            <a:r>
-              <a:rPr lang="en-US" altLang="zh-TW" sz="2800" dirty="0" smtClean="0">
-                <a:ea typeface="新細明體" pitchFamily="18" charset="-120"/>
-              </a:rPr>
-              <a:t>&gt;</a:t>
-            </a:r>
-            <a:r>
-              <a:rPr lang="en-US" altLang="zh-TW" sz="2800" dirty="0">
-                <a:ea typeface="新細明體" pitchFamily="18" charset="-120"/>
-              </a:rPr>
-              <a:t>Macau&lt;/option&gt;</a:t>
-            </a:r>
-          </a:p>
-          <a:p>
-            <a:pPr>
-              <a:lnSpc>
-                <a:spcPct val="80000"/>
-              </a:lnSpc>
-            </a:pPr>
-            <a:r>
-              <a:rPr lang="en-US" altLang="zh-TW" sz="2800" dirty="0">
-                <a:ea typeface="新細明體" pitchFamily="18" charset="-120"/>
-              </a:rPr>
-              <a:t>    &lt;/select&gt;</a:t>
-            </a:r>
-            <a:endParaRPr lang="en-US" altLang="zh-TW" sz="2800" dirty="0" smtClean="0">
-              <a:ea typeface="新細明體" pitchFamily="18" charset="-120"/>
-            </a:endParaRPr>
+            <a:r>
+              <a:rPr lang="en-US" altLang="zh-TW" dirty="0">
+                <a:ea typeface="新細明體" pitchFamily="18" charset="-120"/>
+              </a:rPr>
+              <a:t>But why are they called radio buttons?!</a:t>
+            </a:r>
+          </a:p>
+          <a:p>
+            <a:r>
+              <a:rPr lang="en-US" altLang="zh-TW" dirty="0">
+                <a:ea typeface="新細明體" pitchFamily="18" charset="-120"/>
+              </a:rPr>
+              <a:t>The reason is that they act as the radio buttons used in older car radios. When you pushed one, the dial moved. When you pushed another, the first choice was dropped and the dial moved again.</a:t>
+            </a:r>
           </a:p>
         </p:txBody>
       </p:sp>
     </p:spTree>
     <p:extLst>
       <p:ext uri="{BB962C8B-B14F-4D97-AF65-F5344CB8AC3E}">
-        <p14:creationId xmlns:p14="http://schemas.microsoft.com/office/powerpoint/2010/main" val="1194663190"/>
+        <p14:creationId xmlns:p14="http://schemas.microsoft.com/office/powerpoint/2010/main" val="1101929956"/>
       </p:ext>
     </p:extLst>
   </p:cSld>
@@ -16493,7 +15888,7 @@
       </p:grpSpPr>
       <p:sp>
         <p:nvSpPr>
-          <p:cNvPr id="20482" name="Rectangle 2"/>
+          <p:cNvPr id="15362" name="Rectangle 2"/>
           <p:cNvSpPr>
             <a:spLocks noGrp="1" noChangeArrowheads="1"/>
           </p:cNvSpPr>
@@ -16513,14 +15908,14 @@
               <a:rPr lang="en-US" altLang="zh-TW" smtClean="0">
                 <a:latin typeface="Times New Roman" pitchFamily="18" charset="0"/>
               </a:rPr>
-              <a:t>Buttons</a:t>
-            </a:r>
-          </a:p>
-        </p:txBody>
-      </p:sp>
-      <p:sp>
-        <p:nvSpPr>
-          <p:cNvPr id="30723" name="Rectangle 3"/>
+              <a:t>Checkboxes</a:t>
+            </a:r>
+          </a:p>
+        </p:txBody>
+      </p:sp>
+      <p:sp>
+        <p:nvSpPr>
+          <p:cNvPr id="27651" name="Rectangle 3"/>
           <p:cNvSpPr>
             <a:spLocks noGrp="1" noChangeArrowheads="1"/>
           </p:cNvSpPr>
@@ -16534,34 +15929,130 @@
           <a:lstStyle/>
           <a:p>
             <a:r>
-              <a:rPr lang="en-US" altLang="zh-TW" smtClean="0">
-                <a:ea typeface="新細明體" pitchFamily="18" charset="-120"/>
-              </a:rPr>
-              <a:t>three types of buttons – submit, reset, push</a:t>
-            </a:r>
-          </a:p>
-          <a:p>
-            <a:r>
-              <a:rPr lang="en-US" altLang="zh-TW" smtClean="0">
-                <a:ea typeface="新細明體" pitchFamily="18" charset="-120"/>
-              </a:rPr>
-              <a:t>Submit button - when activated, it submits a form</a:t>
-            </a:r>
-          </a:p>
-          <a:p>
-            <a:r>
-              <a:rPr lang="en-US" altLang="zh-TW" smtClean="0">
-                <a:ea typeface="新細明體" pitchFamily="18" charset="-120"/>
-              </a:rPr>
-              <a:t>Reset button - when activated, it resets all controls to their initial values</a:t>
-            </a:r>
-          </a:p>
-          <a:p>
-            <a:r>
-              <a:rPr lang="en-US" altLang="zh-TW" smtClean="0">
-                <a:ea typeface="新細明體" pitchFamily="18" charset="-120"/>
-              </a:rPr>
-              <a:t>Push button - each push button may have client-side scripts associated with the element's event attributes</a:t>
+              <a:rPr lang="en-US" altLang="zh-TW" dirty="0" smtClean="0">
+                <a:ea typeface="新細明體" pitchFamily="18" charset="-120"/>
+              </a:rPr>
+              <a:t>They are on/off square switches that may be toggled by the user</a:t>
+            </a:r>
+          </a:p>
+          <a:p>
+            <a:r>
+              <a:rPr lang="en-US" altLang="zh-TW" dirty="0" smtClean="0">
+                <a:ea typeface="新細明體" pitchFamily="18" charset="-120"/>
+              </a:rPr>
+              <a:t>Only </a:t>
+            </a:r>
+            <a:r>
+              <a:rPr lang="mr-IN" altLang="zh-TW" dirty="0" smtClean="0">
+                <a:ea typeface="新細明體" pitchFamily="18" charset="-120"/>
+              </a:rPr>
+              <a:t>"</a:t>
+            </a:r>
+            <a:r>
+              <a:rPr lang="en-US" altLang="zh-TW" dirty="0" smtClean="0">
+                <a:ea typeface="新細明體" pitchFamily="18" charset="-120"/>
+              </a:rPr>
+              <a:t>on</a:t>
+            </a:r>
+            <a:r>
+              <a:rPr lang="mr-IN" altLang="zh-TW" dirty="0" smtClean="0">
+                <a:ea typeface="新細明體" pitchFamily="18" charset="-120"/>
+              </a:rPr>
+              <a:t>"</a:t>
+            </a:r>
+            <a:r>
+              <a:rPr lang="en-US" altLang="zh-TW" dirty="0" smtClean="0">
+                <a:ea typeface="新細明體" pitchFamily="18" charset="-120"/>
+              </a:rPr>
+              <a:t> checkbox controls can become successful</a:t>
+            </a:r>
+          </a:p>
+          <a:p>
+            <a:r>
+              <a:rPr lang="en-US" altLang="zh-TW" dirty="0" smtClean="0">
+                <a:ea typeface="新細明體" pitchFamily="18" charset="-120"/>
+              </a:rPr>
+              <a:t>Allow users to select several values for the same property</a:t>
+            </a:r>
+          </a:p>
+          <a:p>
+            <a:r>
+              <a:rPr lang="en-US" altLang="zh-TW" dirty="0" smtClean="0">
+                <a:ea typeface="新細明體" pitchFamily="18" charset="-120"/>
+              </a:rPr>
+              <a:t>&lt;input type=</a:t>
+            </a:r>
+            <a:r>
+              <a:rPr lang="mr-IN" altLang="zh-TW" dirty="0" smtClean="0">
+                <a:ea typeface="新細明體" pitchFamily="18" charset="-120"/>
+              </a:rPr>
+              <a:t>"</a:t>
+            </a:r>
+            <a:r>
+              <a:rPr lang="en-US" altLang="zh-TW" dirty="0" smtClean="0">
+                <a:ea typeface="新細明體" pitchFamily="18" charset="-120"/>
+              </a:rPr>
+              <a:t>checkbox</a:t>
+            </a:r>
+            <a:r>
+              <a:rPr lang="mr-IN" altLang="zh-TW" dirty="0" smtClean="0">
+                <a:ea typeface="新細明體" pitchFamily="18" charset="-120"/>
+              </a:rPr>
+              <a:t>"</a:t>
+            </a:r>
+            <a:r>
+              <a:rPr lang="en-US" altLang="zh-TW" dirty="0" smtClean="0">
+                <a:ea typeface="新細明體" pitchFamily="18" charset="-120"/>
+              </a:rPr>
+              <a:t> name=</a:t>
+            </a:r>
+            <a:r>
+              <a:rPr lang="mr-IN" altLang="zh-TW" dirty="0" smtClean="0">
+                <a:ea typeface="新細明體" pitchFamily="18" charset="-120"/>
+              </a:rPr>
+              <a:t>"</a:t>
+            </a:r>
+            <a:r>
+              <a:rPr lang="en-US" altLang="zh-TW" dirty="0" smtClean="0">
+                <a:ea typeface="新細明體" pitchFamily="18" charset="-120"/>
+              </a:rPr>
+              <a:t>name</a:t>
+            </a:r>
+            <a:r>
+              <a:rPr lang="mr-IN" altLang="zh-TW" dirty="0" smtClean="0">
+                <a:ea typeface="新細明體" pitchFamily="18" charset="-120"/>
+              </a:rPr>
+              <a:t>"</a:t>
+            </a:r>
+            <a:r>
+              <a:rPr lang="en-US" altLang="zh-TW" dirty="0" smtClean="0">
+                <a:ea typeface="新細明體" pitchFamily="18" charset="-120"/>
+              </a:rPr>
+              <a:t> value=</a:t>
+            </a:r>
+            <a:r>
+              <a:rPr lang="mr-IN" altLang="zh-TW" dirty="0" smtClean="0">
+                <a:ea typeface="新細明體" pitchFamily="18" charset="-120"/>
+              </a:rPr>
+              <a:t>"</a:t>
+            </a:r>
+            <a:r>
+              <a:rPr lang="en-US" altLang="zh-TW" dirty="0" smtClean="0">
+                <a:ea typeface="新細明體" pitchFamily="18" charset="-120"/>
+              </a:rPr>
+              <a:t>button name</a:t>
+            </a:r>
+            <a:r>
+              <a:rPr lang="mr-IN" altLang="zh-TW" dirty="0" smtClean="0">
+                <a:ea typeface="新細明體" pitchFamily="18" charset="-120"/>
+              </a:rPr>
+              <a:t>"</a:t>
+            </a:r>
+            <a:r>
+              <a:rPr lang="en-US" altLang="zh-TW" dirty="0" smtClean="0">
+                <a:ea typeface="新細明體" pitchFamily="18" charset="-120"/>
+              </a:rPr>
+              <a:t>&gt;</a:t>
             </a:r>
           </a:p>
         </p:txBody>
@@ -16569,7 +16060,7 @@
     </p:spTree>
     <p:extLst>
       <p:ext uri="{BB962C8B-B14F-4D97-AF65-F5344CB8AC3E}">
-        <p14:creationId xmlns:p14="http://schemas.microsoft.com/office/powerpoint/2010/main" val="1264135919"/>
+        <p14:creationId xmlns:p14="http://schemas.microsoft.com/office/powerpoint/2010/main" val="216759481"/>
       </p:ext>
     </p:extLst>
   </p:cSld>
@@ -16608,7 +16099,7 @@
       </p:grpSpPr>
       <p:sp>
         <p:nvSpPr>
-          <p:cNvPr id="21506" name="Rectangle 2"/>
+          <p:cNvPr id="18434" name="Rectangle 2"/>
           <p:cNvSpPr>
             <a:spLocks noGrp="1" noChangeArrowheads="1"/>
           </p:cNvSpPr>
@@ -16625,17 +16116,17 @@
               <a:defRPr/>
             </a:pPr>
             <a:r>
-              <a:rPr lang="en-US" altLang="zh-TW" smtClean="0">
-                <a:latin typeface="Times New Roman" pitchFamily="18" charset="0"/>
-              </a:rPr>
-              <a:t>Buttons example</a:t>
-            </a:r>
-          </a:p>
-        </p:txBody>
-      </p:sp>
-      <p:sp>
-        <p:nvSpPr>
-          <p:cNvPr id="31747" name="Rectangle 3"/>
+              <a:rPr lang="en-US" altLang="zh-TW" dirty="0" smtClean="0">
+                <a:latin typeface="Times New Roman" pitchFamily="18" charset="0"/>
+              </a:rPr>
+              <a:t>Select (Menu/List)</a:t>
+            </a:r>
+          </a:p>
+        </p:txBody>
+      </p:sp>
+      <p:sp>
+        <p:nvSpPr>
+          <p:cNvPr id="28675" name="Rectangle 3"/>
           <p:cNvSpPr>
             <a:spLocks noGrp="1" noChangeArrowheads="1"/>
           </p:cNvSpPr>
@@ -16648,324 +16139,63 @@
           <a:bodyPr/>
           <a:lstStyle/>
           <a:p>
-            <a:r>
-              <a:rPr lang="en-US" altLang="zh-TW" dirty="0">
-                <a:ea typeface="新細明體" pitchFamily="18" charset="-120"/>
-              </a:rPr>
-              <a:t>&lt;input type</a:t>
-            </a:r>
+            <a:pPr>
+              <a:lnSpc>
+                <a:spcPct val="80000"/>
+              </a:lnSpc>
+            </a:pPr>
             <a:r>
               <a:rPr lang="en-US" altLang="zh-TW" dirty="0" smtClean="0">
                 <a:ea typeface="新細明體" pitchFamily="18" charset="-120"/>
               </a:rPr>
-              <a:t>=</a:t>
-            </a:r>
-            <a:r>
-              <a:rPr lang="mr-IN" altLang="zh-TW" dirty="0" smtClean="0">
-                <a:ea typeface="新細明體" pitchFamily="18" charset="-120"/>
-              </a:rPr>
-              <a:t>"</a:t>
-            </a:r>
+              <a:t>Menus offer users options from which to choose where the choices are too long to display in a browser</a:t>
+            </a:r>
+          </a:p>
+          <a:p>
+            <a:pPr>
+              <a:lnSpc>
+                <a:spcPct val="80000"/>
+              </a:lnSpc>
+            </a:pPr>
             <a:r>
               <a:rPr lang="en-US" altLang="zh-TW" dirty="0" smtClean="0">
                 <a:ea typeface="新細明體" pitchFamily="18" charset="-120"/>
               </a:rPr>
-              <a:t>submit</a:t>
-            </a:r>
-            <a:r>
-              <a:rPr lang="mr-IN" altLang="zh-TW" dirty="0" smtClean="0">
-                <a:ea typeface="新細明體" pitchFamily="18" charset="-120"/>
-              </a:rPr>
-              <a:t>"</a:t>
-            </a:r>
+              <a:t>Two types of menus – pull down menu, list menu</a:t>
+            </a:r>
+          </a:p>
+          <a:p>
+            <a:pPr>
+              <a:lnSpc>
+                <a:spcPct val="80000"/>
+              </a:lnSpc>
+            </a:pPr>
             <a:r>
               <a:rPr lang="en-US" altLang="zh-TW" dirty="0" smtClean="0">
                 <a:ea typeface="新細明體" pitchFamily="18" charset="-120"/>
               </a:rPr>
-              <a:t> </a:t>
-            </a:r>
-            <a:r>
-              <a:rPr lang="en-US" altLang="zh-TW" dirty="0">
-                <a:ea typeface="新細明體" pitchFamily="18" charset="-120"/>
-              </a:rPr>
-              <a:t>name</a:t>
-            </a:r>
+              <a:t>Pull down menu – select one from a drop list</a:t>
+            </a:r>
+          </a:p>
+          <a:p>
+            <a:pPr>
+              <a:lnSpc>
+                <a:spcPct val="80000"/>
+              </a:lnSpc>
+            </a:pPr>
             <a:r>
               <a:rPr lang="en-US" altLang="zh-TW" dirty="0" smtClean="0">
                 <a:ea typeface="新細明體" pitchFamily="18" charset="-120"/>
               </a:rPr>
-              <a:t>=</a:t>
-            </a:r>
-            <a:r>
-              <a:rPr lang="mr-IN" altLang="zh-TW" dirty="0" smtClean="0">
-                <a:ea typeface="新細明體" pitchFamily="18" charset="-120"/>
-              </a:rPr>
-              <a:t>"</a:t>
-            </a:r>
-            <a:r>
-              <a:rPr lang="en-US" altLang="zh-TW" dirty="0" smtClean="0">
-                <a:ea typeface="新細明體" pitchFamily="18" charset="-120"/>
-              </a:rPr>
-              <a:t>submit</a:t>
-            </a:r>
-            <a:r>
-              <a:rPr lang="mr-IN" altLang="zh-TW" dirty="0" smtClean="0">
-                <a:ea typeface="新細明體" pitchFamily="18" charset="-120"/>
-              </a:rPr>
-              <a:t>"</a:t>
-            </a:r>
-            <a:r>
-              <a:rPr lang="en-US" altLang="zh-TW" dirty="0" smtClean="0">
-                <a:ea typeface="新細明體" pitchFamily="18" charset="-120"/>
-              </a:rPr>
-              <a:t> </a:t>
-            </a:r>
-            <a:r>
-              <a:rPr lang="en-US" altLang="zh-TW" dirty="0">
-                <a:ea typeface="新細明體" pitchFamily="18" charset="-120"/>
-              </a:rPr>
-              <a:t>id</a:t>
-            </a:r>
-            <a:r>
-              <a:rPr lang="en-US" altLang="zh-TW" dirty="0" smtClean="0">
-                <a:ea typeface="新細明體" pitchFamily="18" charset="-120"/>
-              </a:rPr>
-              <a:t>=</a:t>
-            </a:r>
-            <a:r>
-              <a:rPr lang="mr-IN" altLang="zh-TW" dirty="0" smtClean="0">
-                <a:ea typeface="新細明體" pitchFamily="18" charset="-120"/>
-              </a:rPr>
-              <a:t>"</a:t>
-            </a:r>
-            <a:r>
-              <a:rPr lang="en-US" altLang="zh-TW" dirty="0" smtClean="0">
-                <a:ea typeface="新細明體" pitchFamily="18" charset="-120"/>
-              </a:rPr>
-              <a:t>submit</a:t>
-            </a:r>
-            <a:r>
-              <a:rPr lang="mr-IN" altLang="zh-TW" dirty="0" smtClean="0">
-                <a:ea typeface="新細明體" pitchFamily="18" charset="-120"/>
-              </a:rPr>
-              <a:t>"</a:t>
-            </a:r>
-            <a:r>
-              <a:rPr lang="en-US" altLang="zh-TW" dirty="0" smtClean="0">
-                <a:ea typeface="新細明體" pitchFamily="18" charset="-120"/>
-              </a:rPr>
-              <a:t> </a:t>
-            </a:r>
-            <a:r>
-              <a:rPr lang="en-US" altLang="zh-TW" dirty="0">
-                <a:ea typeface="新細明體" pitchFamily="18" charset="-120"/>
-              </a:rPr>
-              <a:t>value</a:t>
-            </a:r>
-            <a:r>
-              <a:rPr lang="en-US" altLang="zh-TW" dirty="0" smtClean="0">
-                <a:ea typeface="新細明體" pitchFamily="18" charset="-120"/>
-              </a:rPr>
-              <a:t>=</a:t>
-            </a:r>
-            <a:r>
-              <a:rPr lang="mr-IN" altLang="zh-TW" dirty="0" smtClean="0">
-                <a:ea typeface="新細明體" pitchFamily="18" charset="-120"/>
-              </a:rPr>
-              <a:t>"</a:t>
-            </a:r>
-            <a:r>
-              <a:rPr lang="en-US" altLang="zh-TW" dirty="0" smtClean="0">
-                <a:ea typeface="新細明體" pitchFamily="18" charset="-120"/>
-              </a:rPr>
-              <a:t>Submit</a:t>
-            </a:r>
-            <a:r>
-              <a:rPr lang="mr-IN" altLang="zh-TW" dirty="0" smtClean="0">
-                <a:ea typeface="新細明體" pitchFamily="18" charset="-120"/>
-              </a:rPr>
-              <a:t>"</a:t>
-            </a:r>
-            <a:r>
-              <a:rPr lang="en-US" altLang="zh-TW" dirty="0" smtClean="0">
-                <a:ea typeface="新細明體" pitchFamily="18" charset="-120"/>
-              </a:rPr>
-              <a:t> </a:t>
-            </a:r>
-            <a:r>
-              <a:rPr lang="en-US" altLang="zh-TW" dirty="0">
-                <a:ea typeface="新細明體" pitchFamily="18" charset="-120"/>
-              </a:rPr>
-              <a:t>/&gt;</a:t>
-            </a:r>
-          </a:p>
-          <a:p>
-            <a:r>
-              <a:rPr lang="en-US" altLang="zh-TW" dirty="0" smtClean="0">
-                <a:ea typeface="新細明體" pitchFamily="18" charset="-120"/>
-              </a:rPr>
-              <a:t>&lt;</a:t>
-            </a:r>
-            <a:r>
-              <a:rPr lang="en-US" altLang="zh-TW" dirty="0">
-                <a:ea typeface="新細明體" pitchFamily="18" charset="-120"/>
-              </a:rPr>
-              <a:t>input type</a:t>
-            </a:r>
-            <a:r>
-              <a:rPr lang="en-US" altLang="zh-TW" dirty="0" smtClean="0">
-                <a:ea typeface="新細明體" pitchFamily="18" charset="-120"/>
-              </a:rPr>
-              <a:t>=</a:t>
-            </a:r>
-            <a:r>
-              <a:rPr lang="mr-IN" altLang="zh-TW" dirty="0" smtClean="0">
-                <a:ea typeface="新細明體" pitchFamily="18" charset="-120"/>
-              </a:rPr>
-              <a:t>"</a:t>
-            </a:r>
-            <a:r>
-              <a:rPr lang="en-US" altLang="zh-TW" dirty="0" smtClean="0">
-                <a:ea typeface="新細明體" pitchFamily="18" charset="-120"/>
-              </a:rPr>
-              <a:t>reset</a:t>
-            </a:r>
-            <a:r>
-              <a:rPr lang="mr-IN" altLang="zh-TW" dirty="0" smtClean="0">
-                <a:ea typeface="新細明體" pitchFamily="18" charset="-120"/>
-              </a:rPr>
-              <a:t>"</a:t>
-            </a:r>
-            <a:r>
-              <a:rPr lang="en-US" altLang="zh-TW" dirty="0" smtClean="0">
-                <a:ea typeface="新細明體" pitchFamily="18" charset="-120"/>
-              </a:rPr>
-              <a:t> </a:t>
-            </a:r>
-            <a:r>
-              <a:rPr lang="en-US" altLang="zh-TW" dirty="0">
-                <a:ea typeface="新細明體" pitchFamily="18" charset="-120"/>
-              </a:rPr>
-              <a:t>name</a:t>
-            </a:r>
-            <a:r>
-              <a:rPr lang="en-US" altLang="zh-TW" dirty="0" smtClean="0">
-                <a:ea typeface="新細明體" pitchFamily="18" charset="-120"/>
-              </a:rPr>
-              <a:t>=</a:t>
-            </a:r>
-            <a:r>
-              <a:rPr lang="mr-IN" altLang="zh-TW" dirty="0" smtClean="0">
-                <a:ea typeface="新細明體" pitchFamily="18" charset="-120"/>
-              </a:rPr>
-              <a:t>"</a:t>
-            </a:r>
-            <a:r>
-              <a:rPr lang="en-US" altLang="zh-TW" dirty="0" smtClean="0">
-                <a:ea typeface="新細明體" pitchFamily="18" charset="-120"/>
-              </a:rPr>
-              <a:t>reset</a:t>
-            </a:r>
-            <a:r>
-              <a:rPr lang="mr-IN" altLang="zh-TW" dirty="0" smtClean="0">
-                <a:ea typeface="新細明體" pitchFamily="18" charset="-120"/>
-              </a:rPr>
-              <a:t>"</a:t>
-            </a:r>
-            <a:r>
-              <a:rPr lang="en-US" altLang="zh-TW" dirty="0" smtClean="0">
-                <a:ea typeface="新細明體" pitchFamily="18" charset="-120"/>
-              </a:rPr>
-              <a:t> </a:t>
-            </a:r>
-            <a:r>
-              <a:rPr lang="en-US" altLang="zh-TW" dirty="0">
-                <a:ea typeface="新細明體" pitchFamily="18" charset="-120"/>
-              </a:rPr>
-              <a:t>id</a:t>
-            </a:r>
-            <a:r>
-              <a:rPr lang="en-US" altLang="zh-TW" dirty="0" smtClean="0">
-                <a:ea typeface="新細明體" pitchFamily="18" charset="-120"/>
-              </a:rPr>
-              <a:t>=</a:t>
-            </a:r>
-            <a:r>
-              <a:rPr lang="mr-IN" altLang="zh-TW" dirty="0" smtClean="0">
-                <a:ea typeface="新細明體" pitchFamily="18" charset="-120"/>
-              </a:rPr>
-              <a:t>"</a:t>
-            </a:r>
-            <a:r>
-              <a:rPr lang="en-US" altLang="zh-TW" dirty="0" smtClean="0">
-                <a:ea typeface="新細明體" pitchFamily="18" charset="-120"/>
-              </a:rPr>
-              <a:t>reset</a:t>
-            </a:r>
-            <a:r>
-              <a:rPr lang="mr-IN" altLang="zh-TW" dirty="0" smtClean="0">
-                <a:ea typeface="新細明體" pitchFamily="18" charset="-120"/>
-              </a:rPr>
-              <a:t>"</a:t>
-            </a:r>
-            <a:r>
-              <a:rPr lang="en-US" altLang="zh-TW" dirty="0" smtClean="0">
-                <a:ea typeface="新細明體" pitchFamily="18" charset="-120"/>
-              </a:rPr>
-              <a:t> </a:t>
-            </a:r>
-            <a:r>
-              <a:rPr lang="en-US" altLang="zh-TW" dirty="0">
-                <a:ea typeface="新細明體" pitchFamily="18" charset="-120"/>
-              </a:rPr>
-              <a:t>value</a:t>
-            </a:r>
-            <a:r>
-              <a:rPr lang="en-US" altLang="zh-TW" dirty="0" smtClean="0">
-                <a:ea typeface="新細明體" pitchFamily="18" charset="-120"/>
-              </a:rPr>
-              <a:t>=</a:t>
-            </a:r>
-            <a:r>
-              <a:rPr lang="mr-IN" altLang="zh-TW" dirty="0" smtClean="0">
-                <a:ea typeface="新細明體" pitchFamily="18" charset="-120"/>
-              </a:rPr>
-              <a:t>"</a:t>
-            </a:r>
-            <a:r>
-              <a:rPr lang="en-US" altLang="zh-TW" dirty="0" smtClean="0">
-                <a:ea typeface="新細明體" pitchFamily="18" charset="-120"/>
-              </a:rPr>
-              <a:t>Reset</a:t>
-            </a:r>
-            <a:r>
-              <a:rPr lang="mr-IN" altLang="zh-TW" dirty="0" smtClean="0">
-                <a:ea typeface="新細明體" pitchFamily="18" charset="-120"/>
-              </a:rPr>
-              <a:t>"</a:t>
-            </a:r>
-            <a:r>
-              <a:rPr lang="en-US" altLang="zh-TW" dirty="0" smtClean="0">
-                <a:ea typeface="新細明體" pitchFamily="18" charset="-120"/>
-              </a:rPr>
-              <a:t> </a:t>
-            </a:r>
-            <a:r>
-              <a:rPr lang="en-US" altLang="zh-TW" dirty="0">
-                <a:ea typeface="新細明體" pitchFamily="18" charset="-120"/>
-              </a:rPr>
-              <a:t>/&gt;</a:t>
-            </a:r>
-            <a:endParaRPr lang="en-US" altLang="zh-TW" dirty="0" smtClean="0">
-              <a:ea typeface="新細明體" pitchFamily="18" charset="-120"/>
-            </a:endParaRPr>
+              <a:t>List menu – select one or multiple items from a list menu.  By pressing Ctrl key, you can select multiple selection</a:t>
+            </a:r>
           </a:p>
         </p:txBody>
       </p:sp>
     </p:spTree>
     <p:extLst>
       <p:ext uri="{BB962C8B-B14F-4D97-AF65-F5344CB8AC3E}">
-        <p14:creationId xmlns:p14="http://schemas.microsoft.com/office/powerpoint/2010/main" val="1498060457"/>
+        <p14:creationId xmlns:p14="http://schemas.microsoft.com/office/powerpoint/2010/main" val="1481335655"/>
       </p:ext>
     </p:extLst>
   </p:cSld>
@@ -17004,7 +16234,7 @@
       </p:grpSpPr>
       <p:sp>
         <p:nvSpPr>
-          <p:cNvPr id="22530" name="Rectangle 2"/>
+          <p:cNvPr id="19458" name="Rectangle 2"/>
           <p:cNvSpPr>
             <a:spLocks noGrp="1" noChangeArrowheads="1"/>
           </p:cNvSpPr>
@@ -17024,14 +16254,14 @@
               <a:rPr lang="en-US" altLang="zh-TW" smtClean="0">
                 <a:latin typeface="Times New Roman" pitchFamily="18" charset="0"/>
               </a:rPr>
-              <a:t>Hidden controls</a:t>
-            </a:r>
-          </a:p>
-        </p:txBody>
-      </p:sp>
-      <p:sp>
-        <p:nvSpPr>
-          <p:cNvPr id="32771" name="Rectangle 3"/>
+              <a:t>Menu example</a:t>
+            </a:r>
+          </a:p>
+        </p:txBody>
+      </p:sp>
+      <p:sp>
+        <p:nvSpPr>
+          <p:cNvPr id="29699" name="Rectangle 3"/>
           <p:cNvSpPr>
             <a:spLocks noGrp="1" noChangeArrowheads="1"/>
           </p:cNvSpPr>
@@ -17044,129 +16274,492 @@
           <a:bodyPr/>
           <a:lstStyle/>
           <a:p>
-            <a:r>
-              <a:rPr lang="en-US" altLang="zh-TW" dirty="0" smtClean="0">
-                <a:ea typeface="新細明體" pitchFamily="18" charset="-120"/>
-              </a:rPr>
-              <a:t>controls that are not rendered but whose values are submitted with a form</a:t>
-            </a:r>
-          </a:p>
-          <a:p>
-            <a:r>
-              <a:rPr lang="en-US" altLang="zh-TW" dirty="0">
-                <a:ea typeface="新細明體" pitchFamily="18" charset="-120"/>
-              </a:rPr>
-              <a:t>&lt;input name</a:t>
-            </a:r>
-            <a:r>
-              <a:rPr lang="en-US" altLang="zh-TW" dirty="0" smtClean="0">
+            <a:pPr>
+              <a:lnSpc>
+                <a:spcPct val="80000"/>
+              </a:lnSpc>
+            </a:pPr>
+            <a:r>
+              <a:rPr lang="en-US" altLang="zh-TW" sz="2800" dirty="0">
+                <a:ea typeface="新細明體" pitchFamily="18" charset="-120"/>
+              </a:rPr>
+              <a:t>&lt;select name</a:t>
+            </a:r>
+            <a:r>
+              <a:rPr lang="en-US" altLang="zh-TW" sz="2800" dirty="0" smtClean="0">
                 <a:ea typeface="新細明體" pitchFamily="18" charset="-120"/>
               </a:rPr>
               <a:t>=</a:t>
             </a:r>
             <a:r>
-              <a:rPr lang="mr-IN" altLang="zh-TW" dirty="0" smtClean="0">
+              <a:rPr lang="mr-IN" altLang="zh-TW" sz="2800" dirty="0" smtClean="0">
                 <a:ea typeface="新細明體" pitchFamily="18" charset="-120"/>
               </a:rPr>
               <a:t>"</a:t>
             </a:r>
             <a:r>
-              <a:rPr lang="en-US" altLang="zh-TW" dirty="0" smtClean="0">
-                <a:ea typeface="新細明體" pitchFamily="18" charset="-120"/>
-              </a:rPr>
-              <a:t>from</a:t>
-            </a:r>
-            <a:r>
-              <a:rPr lang="mr-IN" altLang="zh-TW" dirty="0" smtClean="0">
+              <a:rPr lang="en-US" altLang="zh-TW" sz="2800" dirty="0" smtClean="0">
+                <a:ea typeface="新細明體" pitchFamily="18" charset="-120"/>
+              </a:rPr>
+              <a:t>country</a:t>
+            </a:r>
+            <a:r>
+              <a:rPr lang="mr-IN" altLang="zh-TW" sz="2800" dirty="0" smtClean="0">
                 <a:ea typeface="新細明體" pitchFamily="18" charset="-120"/>
               </a:rPr>
               <a:t>"</a:t>
             </a:r>
             <a:r>
-              <a:rPr lang="en-US" altLang="zh-TW" dirty="0" smtClean="0">
+              <a:rPr lang="en-US" altLang="zh-TW" sz="2800" dirty="0" smtClean="0">
                 <a:ea typeface="新細明體" pitchFamily="18" charset="-120"/>
               </a:rPr>
               <a:t> </a:t>
             </a:r>
             <a:r>
-              <a:rPr lang="en-US" altLang="zh-TW" dirty="0">
-                <a:ea typeface="新細明體" pitchFamily="18" charset="-120"/>
-              </a:rPr>
-              <a:t>type</a:t>
-            </a:r>
-            <a:r>
-              <a:rPr lang="en-US" altLang="zh-TW" dirty="0" smtClean="0">
+              <a:rPr lang="en-US" altLang="zh-TW" sz="2800" dirty="0">
+                <a:ea typeface="新細明體" pitchFamily="18" charset="-120"/>
+              </a:rPr>
+              <a:t>id</a:t>
+            </a:r>
+            <a:r>
+              <a:rPr lang="en-US" altLang="zh-TW" sz="2800" dirty="0" smtClean="0">
                 <a:ea typeface="新細明體" pitchFamily="18" charset="-120"/>
               </a:rPr>
               <a:t>=</a:t>
             </a:r>
             <a:r>
-              <a:rPr lang="mr-IN" altLang="zh-TW" dirty="0" smtClean="0">
+              <a:rPr lang="mr-IN" altLang="zh-TW" sz="2800" dirty="0" smtClean="0">
                 <a:ea typeface="新細明體" pitchFamily="18" charset="-120"/>
               </a:rPr>
               <a:t>"</a:t>
             </a:r>
             <a:r>
-              <a:rPr lang="en-US" altLang="zh-TW" dirty="0" smtClean="0">
-                <a:ea typeface="新細明體" pitchFamily="18" charset="-120"/>
-              </a:rPr>
-              <a:t>hidden</a:t>
-            </a:r>
-            <a:r>
-              <a:rPr lang="mr-IN" altLang="zh-TW" dirty="0" smtClean="0">
+              <a:rPr lang="en-US" altLang="zh-TW" sz="2800" dirty="0" smtClean="0">
+                <a:ea typeface="新細明體" pitchFamily="18" charset="-120"/>
+              </a:rPr>
+              <a:t>country</a:t>
+            </a:r>
+            <a:r>
+              <a:rPr lang="mr-IN" altLang="zh-TW" sz="2800" dirty="0" smtClean="0">
                 <a:ea typeface="新細明體" pitchFamily="18" charset="-120"/>
               </a:rPr>
               <a:t>"</a:t>
             </a:r>
             <a:r>
-              <a:rPr lang="en-US" altLang="zh-TW" dirty="0" smtClean="0">
-                <a:ea typeface="新細明體" pitchFamily="18" charset="-120"/>
-              </a:rPr>
-              <a:t> </a:t>
-            </a:r>
-            <a:r>
-              <a:rPr lang="en-US" altLang="zh-TW" dirty="0" smtClean="0">
-                <a:ea typeface="新細明體" pitchFamily="18" charset="-120"/>
-              </a:rPr>
-              <a:t>value</a:t>
-            </a:r>
-            <a:r>
-              <a:rPr lang="en-US" altLang="zh-TW" dirty="0" smtClean="0">
+              <a:rPr lang="en-US" altLang="zh-TW" sz="2800" dirty="0" smtClean="0">
+                <a:ea typeface="新細明體" pitchFamily="18" charset="-120"/>
+              </a:rPr>
+              <a:t>&gt;</a:t>
+            </a:r>
+            <a:endParaRPr lang="en-US" altLang="zh-TW" sz="2800" dirty="0">
+              <a:ea typeface="新細明體" pitchFamily="18" charset="-120"/>
+            </a:endParaRPr>
+          </a:p>
+          <a:p>
+            <a:pPr>
+              <a:lnSpc>
+                <a:spcPct val="80000"/>
+              </a:lnSpc>
+            </a:pPr>
+            <a:r>
+              <a:rPr lang="en-US" altLang="zh-TW" sz="2800" dirty="0">
+                <a:ea typeface="新細明體" pitchFamily="18" charset="-120"/>
+              </a:rPr>
+              <a:t>      &lt;option selected</a:t>
+            </a:r>
+            <a:r>
+              <a:rPr lang="en-US" altLang="zh-TW" sz="2800" dirty="0" smtClean="0">
                 <a:ea typeface="新細明體" pitchFamily="18" charset="-120"/>
               </a:rPr>
               <a:t>=</a:t>
             </a:r>
             <a:r>
-              <a:rPr lang="mr-IN" altLang="zh-TW" dirty="0" smtClean="0">
+              <a:rPr lang="mr-IN" altLang="zh-TW" sz="2800" dirty="0" smtClean="0">
                 <a:ea typeface="新細明體" pitchFamily="18" charset="-120"/>
               </a:rPr>
               <a:t>"</a:t>
             </a:r>
             <a:r>
-              <a:rPr lang="en-US" altLang="zh-TW" dirty="0" smtClean="0">
-                <a:ea typeface="新細明體" pitchFamily="18" charset="-120"/>
-              </a:rPr>
-              <a:t>web</a:t>
-            </a:r>
-            <a:r>
-              <a:rPr lang="mr-IN" altLang="zh-TW" dirty="0" smtClean="0">
+              <a:rPr lang="en-US" altLang="zh-TW" sz="2800" dirty="0" smtClean="0">
+                <a:ea typeface="新細明體" pitchFamily="18" charset="-120"/>
+              </a:rPr>
+              <a:t>selected</a:t>
+            </a:r>
+            <a:r>
+              <a:rPr lang="mr-IN" altLang="zh-TW" sz="2800" dirty="0" smtClean="0">
                 <a:ea typeface="新細明體" pitchFamily="18" charset="-120"/>
               </a:rPr>
               <a:t>"</a:t>
             </a:r>
             <a:r>
-              <a:rPr lang="en-US" altLang="zh-TW" dirty="0" smtClean="0">
-                <a:ea typeface="新細明體" pitchFamily="18" charset="-120"/>
-              </a:rPr>
-              <a:t> </a:t>
-            </a:r>
-            <a:r>
-              <a:rPr lang="en-US" altLang="zh-TW" dirty="0">
-                <a:ea typeface="新細明體" pitchFamily="18" charset="-120"/>
-              </a:rPr>
-              <a:t>/&gt;</a:t>
-            </a:r>
-            <a:endParaRPr lang="en-US" altLang="zh-TW" dirty="0" smtClean="0">
+              <a:rPr lang="en-US" altLang="zh-TW" sz="2800" dirty="0" smtClean="0">
+                <a:ea typeface="新細明體" pitchFamily="18" charset="-120"/>
+              </a:rPr>
+              <a:t>&gt; </a:t>
+            </a:r>
+            <a:r>
+              <a:rPr lang="en-US" altLang="zh-TW" sz="2800" dirty="0">
+                <a:ea typeface="新細明體" pitchFamily="18" charset="-120"/>
+              </a:rPr>
+              <a:t>&lt;/option&gt;</a:t>
+            </a:r>
+          </a:p>
+          <a:p>
+            <a:pPr>
+              <a:lnSpc>
+                <a:spcPct val="80000"/>
+              </a:lnSpc>
+            </a:pPr>
+            <a:r>
+              <a:rPr lang="en-US" altLang="zh-TW" sz="2800" dirty="0">
+                <a:ea typeface="新細明體" pitchFamily="18" charset="-120"/>
+              </a:rPr>
+              <a:t>      &lt;option value</a:t>
+            </a:r>
+            <a:r>
+              <a:rPr lang="en-US" altLang="zh-TW" sz="2800" dirty="0" smtClean="0">
+                <a:ea typeface="新細明體" pitchFamily="18" charset="-120"/>
+              </a:rPr>
+              <a:t>=</a:t>
+            </a:r>
+            <a:r>
+              <a:rPr lang="mr-IN" altLang="zh-TW" sz="2800" dirty="0" smtClean="0">
+                <a:ea typeface="新細明體" pitchFamily="18" charset="-120"/>
+              </a:rPr>
+              <a:t>"</a:t>
+            </a:r>
+            <a:r>
+              <a:rPr lang="en-US" altLang="zh-TW" sz="2800" dirty="0" err="1" smtClean="0">
+                <a:ea typeface="新細明體" pitchFamily="18" charset="-120"/>
+              </a:rPr>
+              <a:t>hk</a:t>
+            </a:r>
+            <a:r>
+              <a:rPr lang="mr-IN" altLang="zh-TW" sz="2800" dirty="0" smtClean="0">
+                <a:ea typeface="新細明體" pitchFamily="18" charset="-120"/>
+              </a:rPr>
+              <a:t>"</a:t>
+            </a:r>
+            <a:r>
+              <a:rPr lang="en-US" altLang="zh-TW" sz="2800" dirty="0" smtClean="0">
+                <a:ea typeface="新細明體" pitchFamily="18" charset="-120"/>
+              </a:rPr>
+              <a:t>&gt;</a:t>
+            </a:r>
+            <a:r>
+              <a:rPr lang="en-US" altLang="zh-TW" sz="2800" dirty="0">
+                <a:ea typeface="新細明體" pitchFamily="18" charset="-120"/>
+              </a:rPr>
+              <a:t>Hong Kong&lt;/option&gt;</a:t>
+            </a:r>
+          </a:p>
+          <a:p>
+            <a:pPr>
+              <a:lnSpc>
+                <a:spcPct val="80000"/>
+              </a:lnSpc>
+            </a:pPr>
+            <a:r>
+              <a:rPr lang="en-US" altLang="zh-TW" sz="2800" dirty="0">
+                <a:ea typeface="新細明體" pitchFamily="18" charset="-120"/>
+              </a:rPr>
+              <a:t>      &lt;option value</a:t>
+            </a:r>
+            <a:r>
+              <a:rPr lang="en-US" altLang="zh-TW" sz="2800" dirty="0" smtClean="0">
+                <a:ea typeface="新細明體" pitchFamily="18" charset="-120"/>
+              </a:rPr>
+              <a:t>=</a:t>
+            </a:r>
+            <a:r>
+              <a:rPr lang="mr-IN" altLang="zh-TW" sz="2800" dirty="0" smtClean="0">
+                <a:ea typeface="新細明體" pitchFamily="18" charset="-120"/>
+              </a:rPr>
+              <a:t>"</a:t>
+            </a:r>
+            <a:r>
+              <a:rPr lang="en-US" altLang="zh-TW" sz="2800" dirty="0" smtClean="0">
+                <a:ea typeface="新細明體" pitchFamily="18" charset="-120"/>
+              </a:rPr>
+              <a:t>us</a:t>
+            </a:r>
+            <a:r>
+              <a:rPr lang="mr-IN" altLang="zh-TW" sz="2800" dirty="0" smtClean="0">
+                <a:ea typeface="新細明體" pitchFamily="18" charset="-120"/>
+              </a:rPr>
+              <a:t>"</a:t>
+            </a:r>
+            <a:r>
+              <a:rPr lang="en-US" altLang="zh-TW" sz="2800" dirty="0" smtClean="0">
+                <a:ea typeface="新細明體" pitchFamily="18" charset="-120"/>
+              </a:rPr>
+              <a:t>&gt;</a:t>
+            </a:r>
+            <a:r>
+              <a:rPr lang="en-US" altLang="zh-TW" sz="2800" dirty="0">
+                <a:ea typeface="新細明體" pitchFamily="18" charset="-120"/>
+              </a:rPr>
+              <a:t>United State&lt;/option&gt;</a:t>
+            </a:r>
+          </a:p>
+          <a:p>
+            <a:pPr>
+              <a:lnSpc>
+                <a:spcPct val="80000"/>
+              </a:lnSpc>
+            </a:pPr>
+            <a:r>
+              <a:rPr lang="en-US" altLang="zh-TW" sz="2800" dirty="0">
+                <a:ea typeface="新細明體" pitchFamily="18" charset="-120"/>
+              </a:rPr>
+              <a:t>      &lt;option value</a:t>
+            </a:r>
+            <a:r>
+              <a:rPr lang="en-US" altLang="zh-TW" sz="2800" dirty="0" smtClean="0">
+                <a:ea typeface="新細明體" pitchFamily="18" charset="-120"/>
+              </a:rPr>
+              <a:t>=</a:t>
+            </a:r>
+            <a:r>
+              <a:rPr lang="mr-IN" altLang="zh-TW" sz="2800" dirty="0" smtClean="0">
+                <a:ea typeface="新細明體" pitchFamily="18" charset="-120"/>
+              </a:rPr>
+              <a:t>"</a:t>
+            </a:r>
+            <a:r>
+              <a:rPr lang="en-US" altLang="zh-TW" sz="2800" dirty="0" err="1" smtClean="0">
+                <a:ea typeface="新細明體" pitchFamily="18" charset="-120"/>
+              </a:rPr>
+              <a:t>tw</a:t>
+            </a:r>
+            <a:r>
+              <a:rPr lang="mr-IN" altLang="zh-TW" sz="2800" dirty="0" smtClean="0">
+                <a:ea typeface="新細明體" pitchFamily="18" charset="-120"/>
+              </a:rPr>
+              <a:t>"</a:t>
+            </a:r>
+            <a:r>
+              <a:rPr lang="en-US" altLang="zh-TW" sz="2800" dirty="0" smtClean="0">
+                <a:ea typeface="新細明體" pitchFamily="18" charset="-120"/>
+              </a:rPr>
+              <a:t>&gt;</a:t>
+            </a:r>
+            <a:r>
+              <a:rPr lang="en-US" altLang="zh-TW" sz="2800" dirty="0">
+                <a:ea typeface="新細明體" pitchFamily="18" charset="-120"/>
+              </a:rPr>
+              <a:t>Taiwan&lt;/option&gt;</a:t>
+            </a:r>
+          </a:p>
+          <a:p>
+            <a:pPr>
+              <a:lnSpc>
+                <a:spcPct val="80000"/>
+              </a:lnSpc>
+            </a:pPr>
+            <a:r>
+              <a:rPr lang="en-US" altLang="zh-TW" sz="2800" dirty="0">
+                <a:ea typeface="新細明體" pitchFamily="18" charset="-120"/>
+              </a:rPr>
+              <a:t>      &lt;option value</a:t>
+            </a:r>
+            <a:r>
+              <a:rPr lang="en-US" altLang="zh-TW" sz="2800" dirty="0" smtClean="0">
+                <a:ea typeface="新細明體" pitchFamily="18" charset="-120"/>
+              </a:rPr>
+              <a:t>=</a:t>
+            </a:r>
+            <a:r>
+              <a:rPr lang="mr-IN" altLang="zh-TW" sz="2800" dirty="0" smtClean="0">
+                <a:ea typeface="新細明體" pitchFamily="18" charset="-120"/>
+              </a:rPr>
+              <a:t>"</a:t>
+            </a:r>
+            <a:r>
+              <a:rPr lang="en-US" altLang="zh-TW" sz="2800" dirty="0" err="1" smtClean="0">
+                <a:ea typeface="新細明體" pitchFamily="18" charset="-120"/>
+              </a:rPr>
+              <a:t>cn</a:t>
+            </a:r>
+            <a:r>
+              <a:rPr lang="mr-IN" altLang="zh-TW" sz="2800" dirty="0" smtClean="0">
+                <a:ea typeface="新細明體" pitchFamily="18" charset="-120"/>
+              </a:rPr>
+              <a:t>"</a:t>
+            </a:r>
+            <a:r>
+              <a:rPr lang="en-US" altLang="zh-TW" sz="2800" dirty="0" smtClean="0">
+                <a:ea typeface="新細明體" pitchFamily="18" charset="-120"/>
+              </a:rPr>
+              <a:t>&gt;</a:t>
+            </a:r>
+            <a:r>
+              <a:rPr lang="en-US" altLang="zh-TW" sz="2800" dirty="0">
+                <a:ea typeface="新細明體" pitchFamily="18" charset="-120"/>
+              </a:rPr>
+              <a:t>China&lt;/option&gt;</a:t>
+            </a:r>
+          </a:p>
+          <a:p>
+            <a:pPr>
+              <a:lnSpc>
+                <a:spcPct val="80000"/>
+              </a:lnSpc>
+            </a:pPr>
+            <a:r>
+              <a:rPr lang="en-US" altLang="zh-TW" sz="2800" dirty="0">
+                <a:ea typeface="新細明體" pitchFamily="18" charset="-120"/>
+              </a:rPr>
+              <a:t>      &lt;option value</a:t>
+            </a:r>
+            <a:r>
+              <a:rPr lang="en-US" altLang="zh-TW" sz="2800" dirty="0" smtClean="0">
+                <a:ea typeface="新細明體" pitchFamily="18" charset="-120"/>
+              </a:rPr>
+              <a:t>=</a:t>
+            </a:r>
+            <a:r>
+              <a:rPr lang="mr-IN" altLang="zh-TW" sz="2800" dirty="0" smtClean="0">
+                <a:ea typeface="新細明體" pitchFamily="18" charset="-120"/>
+              </a:rPr>
+              <a:t>"</a:t>
+            </a:r>
+            <a:r>
+              <a:rPr lang="en-US" altLang="zh-TW" sz="2800" dirty="0" err="1" smtClean="0">
+                <a:ea typeface="新細明體" pitchFamily="18" charset="-120"/>
+              </a:rPr>
+              <a:t>kr</a:t>
+            </a:r>
+            <a:r>
+              <a:rPr lang="mr-IN" altLang="zh-TW" sz="2800" dirty="0" smtClean="0">
+                <a:ea typeface="新細明體" pitchFamily="18" charset="-120"/>
+              </a:rPr>
+              <a:t>"</a:t>
+            </a:r>
+            <a:r>
+              <a:rPr lang="en-US" altLang="zh-TW" sz="2800" dirty="0" smtClean="0">
+                <a:ea typeface="新細明體" pitchFamily="18" charset="-120"/>
+              </a:rPr>
+              <a:t>&gt;</a:t>
+            </a:r>
+            <a:r>
+              <a:rPr lang="en-US" altLang="zh-TW" sz="2800" dirty="0">
+                <a:ea typeface="新細明體" pitchFamily="18" charset="-120"/>
+              </a:rPr>
+              <a:t>Korea&lt;/option&gt;</a:t>
+            </a:r>
+          </a:p>
+          <a:p>
+            <a:pPr>
+              <a:lnSpc>
+                <a:spcPct val="80000"/>
+              </a:lnSpc>
+            </a:pPr>
+            <a:r>
+              <a:rPr lang="en-US" altLang="zh-TW" sz="2800" dirty="0">
+                <a:ea typeface="新細明體" pitchFamily="18" charset="-120"/>
+              </a:rPr>
+              <a:t>      &lt;option value</a:t>
+            </a:r>
+            <a:r>
+              <a:rPr lang="en-US" altLang="zh-TW" sz="2800" dirty="0" smtClean="0">
+                <a:ea typeface="新細明體" pitchFamily="18" charset="-120"/>
+              </a:rPr>
+              <a:t>=</a:t>
+            </a:r>
+            <a:r>
+              <a:rPr lang="mr-IN" altLang="zh-TW" sz="2800" dirty="0" smtClean="0">
+                <a:ea typeface="新細明體" pitchFamily="18" charset="-120"/>
+              </a:rPr>
+              <a:t>"</a:t>
+            </a:r>
+            <a:r>
+              <a:rPr lang="en-US" altLang="zh-TW" sz="2800" dirty="0" err="1" smtClean="0">
+                <a:ea typeface="新細明體" pitchFamily="18" charset="-120"/>
+              </a:rPr>
+              <a:t>jp</a:t>
+            </a:r>
+            <a:r>
+              <a:rPr lang="mr-IN" altLang="zh-TW" sz="2800" dirty="0" smtClean="0">
+                <a:ea typeface="新細明體" pitchFamily="18" charset="-120"/>
+              </a:rPr>
+              <a:t>"</a:t>
+            </a:r>
+            <a:r>
+              <a:rPr lang="en-US" altLang="zh-TW" sz="2800" dirty="0" smtClean="0">
+                <a:ea typeface="新細明體" pitchFamily="18" charset="-120"/>
+              </a:rPr>
+              <a:t>&gt;</a:t>
+            </a:r>
+            <a:r>
+              <a:rPr lang="en-US" altLang="zh-TW" sz="2800" dirty="0">
+                <a:ea typeface="新細明體" pitchFamily="18" charset="-120"/>
+              </a:rPr>
+              <a:t>Japan&lt;/option&gt;</a:t>
+            </a:r>
+          </a:p>
+          <a:p>
+            <a:pPr>
+              <a:lnSpc>
+                <a:spcPct val="80000"/>
+              </a:lnSpc>
+            </a:pPr>
+            <a:r>
+              <a:rPr lang="en-US" altLang="zh-TW" sz="2800" dirty="0">
+                <a:ea typeface="新細明體" pitchFamily="18" charset="-120"/>
+              </a:rPr>
+              <a:t>      &lt;option value</a:t>
+            </a:r>
+            <a:r>
+              <a:rPr lang="en-US" altLang="zh-TW" sz="2800" dirty="0" smtClean="0">
+                <a:ea typeface="新細明體" pitchFamily="18" charset="-120"/>
+              </a:rPr>
+              <a:t>=</a:t>
+            </a:r>
+            <a:r>
+              <a:rPr lang="mr-IN" altLang="zh-TW" sz="2800" dirty="0" smtClean="0">
+                <a:ea typeface="新細明體" pitchFamily="18" charset="-120"/>
+              </a:rPr>
+              <a:t>"</a:t>
+            </a:r>
+            <a:r>
+              <a:rPr lang="en-US" altLang="zh-TW" sz="2800" dirty="0" err="1" smtClean="0">
+                <a:ea typeface="新細明體" pitchFamily="18" charset="-120"/>
+              </a:rPr>
+              <a:t>mo</a:t>
+            </a:r>
+            <a:r>
+              <a:rPr lang="mr-IN" altLang="zh-TW" sz="2800" dirty="0" smtClean="0">
+                <a:ea typeface="新細明體" pitchFamily="18" charset="-120"/>
+              </a:rPr>
+              <a:t>"</a:t>
+            </a:r>
+            <a:r>
+              <a:rPr lang="en-US" altLang="zh-TW" sz="2800" dirty="0" smtClean="0">
+                <a:ea typeface="新細明體" pitchFamily="18" charset="-120"/>
+              </a:rPr>
+              <a:t>&gt;</a:t>
+            </a:r>
+            <a:r>
+              <a:rPr lang="en-US" altLang="zh-TW" sz="2800" dirty="0">
+                <a:ea typeface="新細明體" pitchFamily="18" charset="-120"/>
+              </a:rPr>
+              <a:t>Macau&lt;/option&gt;</a:t>
+            </a:r>
+          </a:p>
+          <a:p>
+            <a:pPr>
+              <a:lnSpc>
+                <a:spcPct val="80000"/>
+              </a:lnSpc>
+            </a:pPr>
+            <a:r>
+              <a:rPr lang="en-US" altLang="zh-TW" sz="2800" dirty="0">
+                <a:ea typeface="新細明體" pitchFamily="18" charset="-120"/>
+              </a:rPr>
+              <a:t>    &lt;/select&gt;</a:t>
+            </a:r>
+            <a:endParaRPr lang="en-US" altLang="zh-TW" sz="2800" dirty="0" smtClean="0">
               <a:ea typeface="新細明體" pitchFamily="18" charset="-120"/>
             </a:endParaRPr>
           </a:p>
@@ -17175,7 +16768,7 @@
     </p:spTree>
     <p:extLst>
       <p:ext uri="{BB962C8B-B14F-4D97-AF65-F5344CB8AC3E}">
-        <p14:creationId xmlns:p14="http://schemas.microsoft.com/office/powerpoint/2010/main" val="39773120"/>
+        <p14:creationId xmlns:p14="http://schemas.microsoft.com/office/powerpoint/2010/main" val="1194663190"/>
       </p:ext>
     </p:extLst>
   </p:cSld>
@@ -17214,7 +16807,7 @@
       </p:grpSpPr>
       <p:sp>
         <p:nvSpPr>
-          <p:cNvPr id="23554" name="Rectangle 2"/>
+          <p:cNvPr id="20482" name="Rectangle 2"/>
           <p:cNvSpPr>
             <a:spLocks noGrp="1" noChangeArrowheads="1"/>
           </p:cNvSpPr>
@@ -17234,14 +16827,14 @@
               <a:rPr lang="en-US" altLang="zh-TW" smtClean="0">
                 <a:latin typeface="Times New Roman" pitchFamily="18" charset="0"/>
               </a:rPr>
-              <a:t>Finally!</a:t>
-            </a:r>
-          </a:p>
-        </p:txBody>
-      </p:sp>
-      <p:sp>
-        <p:nvSpPr>
-          <p:cNvPr id="33795" name="Rectangle 3"/>
+              <a:t>Buttons</a:t>
+            </a:r>
+          </a:p>
+        </p:txBody>
+      </p:sp>
+      <p:sp>
+        <p:nvSpPr>
+          <p:cNvPr id="30723" name="Rectangle 3"/>
           <p:cNvSpPr>
             <a:spLocks noGrp="1" noChangeArrowheads="1"/>
           </p:cNvSpPr>
@@ -17255,73 +16848,34 @@
           <a:lstStyle/>
           <a:p>
             <a:r>
-              <a:rPr lang="en-US" altLang="zh-TW" dirty="0" smtClean="0">
-                <a:ea typeface="新細明體" pitchFamily="18" charset="-120"/>
-              </a:rPr>
-              <a:t>To send the input data back to server, make sure have an action.</a:t>
-            </a:r>
-          </a:p>
-          <a:p>
-            <a:r>
-              <a:rPr lang="en-US" altLang="zh-TW" dirty="0" smtClean="0">
-                <a:ea typeface="新細明體" pitchFamily="18" charset="-120"/>
-              </a:rPr>
-              <a:t>&lt;form action</a:t>
-            </a:r>
-            <a:r>
-              <a:rPr lang="en-US" altLang="zh-TW" dirty="0" smtClean="0">
-                <a:ea typeface="新細明體" pitchFamily="18" charset="-120"/>
-              </a:rPr>
-              <a:t>=</a:t>
-            </a:r>
-            <a:r>
-              <a:rPr lang="mr-IN" altLang="zh-TW" dirty="0" smtClean="0">
-                <a:ea typeface="新細明體" pitchFamily="18" charset="-120"/>
-              </a:rPr>
-              <a:t>"</a:t>
-            </a:r>
-            <a:r>
-              <a:rPr lang="en-US" altLang="zh-TW" dirty="0" err="1" smtClean="0">
-                <a:ea typeface="新細明體" pitchFamily="18" charset="-120"/>
-              </a:rPr>
-              <a:t>file.php</a:t>
-            </a:r>
-            <a:r>
-              <a:rPr lang="mr-IN" altLang="zh-TW" dirty="0" smtClean="0">
-                <a:ea typeface="新細明體" pitchFamily="18" charset="-120"/>
-              </a:rPr>
-              <a:t>"</a:t>
-            </a:r>
-            <a:r>
-              <a:rPr lang="en-US" altLang="zh-TW" dirty="0" smtClean="0">
-                <a:ea typeface="新細明體" pitchFamily="18" charset="-120"/>
-              </a:rPr>
-              <a:t>&gt;</a:t>
-            </a:r>
-            <a:endParaRPr lang="en-US" altLang="zh-TW" dirty="0" smtClean="0">
-              <a:ea typeface="新細明體" pitchFamily="18" charset="-120"/>
-            </a:endParaRPr>
-          </a:p>
-          <a:p>
-            <a:r>
-              <a:rPr lang="en-US" altLang="zh-TW" dirty="0" smtClean="0">
-                <a:ea typeface="新細明體" pitchFamily="18" charset="-120"/>
-              </a:rPr>
-              <a:t>Make sure you </a:t>
-            </a:r>
-            <a:r>
-              <a:rPr lang="en-US" altLang="zh-TW" dirty="0">
-                <a:ea typeface="新細明體" pitchFamily="18" charset="-120"/>
-              </a:rPr>
-              <a:t>end your page with this:</a:t>
-            </a:r>
-          </a:p>
-          <a:p>
-            <a:r>
-              <a:rPr lang="en-US" altLang="zh-TW" dirty="0" smtClean="0">
-                <a:ea typeface="新細明體" pitchFamily="18" charset="-120"/>
-              </a:rPr>
-              <a:t>&lt;/form&gt;</a:t>
+              <a:rPr lang="en-US" altLang="zh-TW" smtClean="0">
+                <a:ea typeface="新細明體" pitchFamily="18" charset="-120"/>
+              </a:rPr>
+              <a:t>three types of buttons – submit, reset, push</a:t>
+            </a:r>
+          </a:p>
+          <a:p>
+            <a:r>
+              <a:rPr lang="en-US" altLang="zh-TW" smtClean="0">
+                <a:ea typeface="新細明體" pitchFamily="18" charset="-120"/>
+              </a:rPr>
+              <a:t>Submit button - when activated, it submits a form</a:t>
+            </a:r>
+          </a:p>
+          <a:p>
+            <a:r>
+              <a:rPr lang="en-US" altLang="zh-TW" smtClean="0">
+                <a:ea typeface="新細明體" pitchFamily="18" charset="-120"/>
+              </a:rPr>
+              <a:t>Reset button - when activated, it resets all controls to their initial values</a:t>
+            </a:r>
+          </a:p>
+          <a:p>
+            <a:r>
+              <a:rPr lang="en-US" altLang="zh-TW" smtClean="0">
+                <a:ea typeface="新細明體" pitchFamily="18" charset="-120"/>
+              </a:rPr>
+              <a:t>Push button - each push button may have client-side scripts associated with the element's event attributes</a:t>
             </a:r>
           </a:p>
         </p:txBody>
@@ -17329,7 +16883,7 @@
     </p:spTree>
     <p:extLst>
       <p:ext uri="{BB962C8B-B14F-4D97-AF65-F5344CB8AC3E}">
-        <p14:creationId xmlns:p14="http://schemas.microsoft.com/office/powerpoint/2010/main" val="498973684"/>
+        <p14:creationId xmlns:p14="http://schemas.microsoft.com/office/powerpoint/2010/main" val="1264135919"/>
       </p:ext>
     </p:extLst>
   </p:cSld>
@@ -17368,7 +16922,7 @@
       </p:grpSpPr>
       <p:sp>
         <p:nvSpPr>
-          <p:cNvPr id="23554" name="Rectangle 2"/>
+          <p:cNvPr id="21506" name="Rectangle 2"/>
           <p:cNvSpPr>
             <a:spLocks noGrp="1" noChangeArrowheads="1"/>
           </p:cNvSpPr>
@@ -17385,17 +16939,17 @@
               <a:defRPr/>
             </a:pPr>
             <a:r>
-              <a:rPr lang="en-US" altLang="zh-TW" dirty="0" smtClean="0">
-                <a:latin typeface="Times New Roman" pitchFamily="18" charset="0"/>
-              </a:rPr>
-              <a:t>Style</a:t>
-            </a:r>
-          </a:p>
-        </p:txBody>
-      </p:sp>
-      <p:sp>
-        <p:nvSpPr>
-          <p:cNvPr id="33795" name="Rectangle 3"/>
+              <a:rPr lang="en-US" altLang="zh-TW" smtClean="0">
+                <a:latin typeface="Times New Roman" pitchFamily="18" charset="0"/>
+              </a:rPr>
+              <a:t>Buttons example</a:t>
+            </a:r>
+          </a:p>
+        </p:txBody>
+      </p:sp>
+      <p:sp>
+        <p:nvSpPr>
+          <p:cNvPr id="31747" name="Rectangle 3"/>
           <p:cNvSpPr>
             <a:spLocks noGrp="1" noChangeArrowheads="1"/>
           </p:cNvSpPr>
@@ -17409,74 +16963,323 @@
           <a:lstStyle/>
           <a:p>
             <a:r>
+              <a:rPr lang="en-US" altLang="zh-TW" dirty="0">
+                <a:ea typeface="新細明體" pitchFamily="18" charset="-120"/>
+              </a:rPr>
+              <a:t>&lt;input type</a:t>
+            </a:r>
+            <a:r>
               <a:rPr lang="en-US" altLang="zh-TW" dirty="0" smtClean="0">
                 <a:ea typeface="新細明體" pitchFamily="18" charset="-120"/>
               </a:rPr>
-              <a:t>You can add a table to tidy a form.</a:t>
-            </a:r>
-          </a:p>
-          <a:p>
+              <a:t>=</a:t>
+            </a:r>
+            <a:r>
+              <a:rPr lang="mr-IN" altLang="zh-TW" dirty="0" smtClean="0">
+                <a:ea typeface="新細明體" pitchFamily="18" charset="-120"/>
+              </a:rPr>
+              <a:t>"</a:t>
+            </a:r>
             <a:r>
               <a:rPr lang="en-US" altLang="zh-TW" dirty="0" smtClean="0">
                 <a:ea typeface="新細明體" pitchFamily="18" charset="-120"/>
               </a:rPr>
-              <a:t>Or use &lt;</a:t>
-            </a:r>
-            <a:r>
-              <a:rPr lang="en-US" altLang="zh-TW" dirty="0" err="1" smtClean="0">
-                <a:ea typeface="新細明體" pitchFamily="18" charset="-120"/>
-              </a:rPr>
-              <a:t>dt</a:t>
+              <a:t>submit</a:t>
+            </a:r>
+            <a:r>
+              <a:rPr lang="mr-IN" altLang="zh-TW" dirty="0" smtClean="0">
+                <a:ea typeface="新細明體" pitchFamily="18" charset="-120"/>
+              </a:rPr>
+              <a:t>"</a:t>
             </a:r>
             <a:r>
               <a:rPr lang="en-US" altLang="zh-TW" dirty="0" smtClean="0">
                 <a:ea typeface="新細明體" pitchFamily="18" charset="-120"/>
               </a:rPr>
-              <a:t>&gt;left&lt;/</a:t>
-            </a:r>
-            <a:r>
-              <a:rPr lang="en-US" altLang="zh-TW" dirty="0" err="1" smtClean="0">
-                <a:ea typeface="新細明體" pitchFamily="18" charset="-120"/>
-              </a:rPr>
-              <a:t>dt</a:t>
+              <a:t> </a:t>
+            </a:r>
+            <a:r>
+              <a:rPr lang="en-US" altLang="zh-TW" dirty="0">
+                <a:ea typeface="新細明體" pitchFamily="18" charset="-120"/>
+              </a:rPr>
+              <a:t>name</a:t>
             </a:r>
             <a:r>
               <a:rPr lang="en-US" altLang="zh-TW" dirty="0" smtClean="0">
                 <a:ea typeface="新細明體" pitchFamily="18" charset="-120"/>
               </a:rPr>
-              <a:t>&gt;&lt;</a:t>
-            </a:r>
-            <a:r>
-              <a:rPr lang="en-US" altLang="zh-TW" dirty="0" err="1" smtClean="0">
-                <a:ea typeface="新細明體" pitchFamily="18" charset="-120"/>
-              </a:rPr>
-              <a:t>dd</a:t>
+              <a:t>=</a:t>
+            </a:r>
+            <a:r>
+              <a:rPr lang="mr-IN" altLang="zh-TW" dirty="0" smtClean="0">
+                <a:ea typeface="新細明體" pitchFamily="18" charset="-120"/>
+              </a:rPr>
+              <a:t>"</a:t>
             </a:r>
             <a:r>
               <a:rPr lang="en-US" altLang="zh-TW" dirty="0" smtClean="0">
                 <a:ea typeface="新細明體" pitchFamily="18" charset="-120"/>
               </a:rPr>
-              <a:t>&gt;right&lt;/</a:t>
-            </a:r>
-            <a:r>
-              <a:rPr lang="en-US" altLang="zh-TW" dirty="0" err="1" smtClean="0">
-                <a:ea typeface="新細明體" pitchFamily="18" charset="-120"/>
-              </a:rPr>
-              <a:t>dd</a:t>
+              <a:t>submit</a:t>
+            </a:r>
+            <a:r>
+              <a:rPr lang="mr-IN" altLang="zh-TW" dirty="0" smtClean="0">
+                <a:ea typeface="新細明體" pitchFamily="18" charset="-120"/>
+              </a:rPr>
+              <a:t>"</a:t>
             </a:r>
             <a:r>
               <a:rPr lang="en-US" altLang="zh-TW" dirty="0" smtClean="0">
                 <a:ea typeface="新細明體" pitchFamily="18" charset="-120"/>
               </a:rPr>
-              <a:t>&gt; + CSS</a:t>
-            </a:r>
+              <a:t> </a:t>
+            </a:r>
+            <a:r>
+              <a:rPr lang="en-US" altLang="zh-TW" dirty="0">
+                <a:ea typeface="新細明體" pitchFamily="18" charset="-120"/>
+              </a:rPr>
+              <a:t>id</a:t>
+            </a:r>
+            <a:r>
+              <a:rPr lang="en-US" altLang="zh-TW" dirty="0" smtClean="0">
+                <a:ea typeface="新細明體" pitchFamily="18" charset="-120"/>
+              </a:rPr>
+              <a:t>=</a:t>
+            </a:r>
+            <a:r>
+              <a:rPr lang="mr-IN" altLang="zh-TW" dirty="0" smtClean="0">
+                <a:ea typeface="新細明體" pitchFamily="18" charset="-120"/>
+              </a:rPr>
+              <a:t>"</a:t>
+            </a:r>
+            <a:r>
+              <a:rPr lang="en-US" altLang="zh-TW" dirty="0" smtClean="0">
+                <a:ea typeface="新細明體" pitchFamily="18" charset="-120"/>
+              </a:rPr>
+              <a:t>submit</a:t>
+            </a:r>
+            <a:r>
+              <a:rPr lang="mr-IN" altLang="zh-TW" dirty="0" smtClean="0">
+                <a:ea typeface="新細明體" pitchFamily="18" charset="-120"/>
+              </a:rPr>
+              <a:t>"</a:t>
+            </a:r>
+            <a:r>
+              <a:rPr lang="en-US" altLang="zh-TW" dirty="0" smtClean="0">
+                <a:ea typeface="新細明體" pitchFamily="18" charset="-120"/>
+              </a:rPr>
+              <a:t> </a:t>
+            </a:r>
+            <a:r>
+              <a:rPr lang="en-US" altLang="zh-TW" dirty="0">
+                <a:ea typeface="新細明體" pitchFamily="18" charset="-120"/>
+              </a:rPr>
+              <a:t>value</a:t>
+            </a:r>
+            <a:r>
+              <a:rPr lang="en-US" altLang="zh-TW" dirty="0" smtClean="0">
+                <a:ea typeface="新細明體" pitchFamily="18" charset="-120"/>
+              </a:rPr>
+              <a:t>=</a:t>
+            </a:r>
+            <a:r>
+              <a:rPr lang="mr-IN" altLang="zh-TW" dirty="0" smtClean="0">
+                <a:ea typeface="新細明體" pitchFamily="18" charset="-120"/>
+              </a:rPr>
+              <a:t>"</a:t>
+            </a:r>
+            <a:r>
+              <a:rPr lang="en-US" altLang="zh-TW" dirty="0" smtClean="0">
+                <a:ea typeface="新細明體" pitchFamily="18" charset="-120"/>
+              </a:rPr>
+              <a:t>Submit</a:t>
+            </a:r>
+            <a:r>
+              <a:rPr lang="mr-IN" altLang="zh-TW" dirty="0" smtClean="0">
+                <a:ea typeface="新細明體" pitchFamily="18" charset="-120"/>
+              </a:rPr>
+              <a:t>"</a:t>
+            </a:r>
+            <a:r>
+              <a:rPr lang="en-US" altLang="zh-TW" dirty="0" smtClean="0">
+                <a:ea typeface="新細明體" pitchFamily="18" charset="-120"/>
+              </a:rPr>
+              <a:t> </a:t>
+            </a:r>
+            <a:r>
+              <a:rPr lang="en-US" altLang="zh-TW" dirty="0">
+                <a:ea typeface="新細明體" pitchFamily="18" charset="-120"/>
+              </a:rPr>
+              <a:t>/&gt;</a:t>
+            </a:r>
+          </a:p>
+          <a:p>
+            <a:r>
+              <a:rPr lang="en-US" altLang="zh-TW" dirty="0" smtClean="0">
+                <a:ea typeface="新細明體" pitchFamily="18" charset="-120"/>
+              </a:rPr>
+              <a:t>&lt;</a:t>
+            </a:r>
+            <a:r>
+              <a:rPr lang="en-US" altLang="zh-TW" dirty="0">
+                <a:ea typeface="新細明體" pitchFamily="18" charset="-120"/>
+              </a:rPr>
+              <a:t>input type</a:t>
+            </a:r>
+            <a:r>
+              <a:rPr lang="en-US" altLang="zh-TW" dirty="0" smtClean="0">
+                <a:ea typeface="新細明體" pitchFamily="18" charset="-120"/>
+              </a:rPr>
+              <a:t>=</a:t>
+            </a:r>
+            <a:r>
+              <a:rPr lang="mr-IN" altLang="zh-TW" dirty="0" smtClean="0">
+                <a:ea typeface="新細明體" pitchFamily="18" charset="-120"/>
+              </a:rPr>
+              <a:t>"</a:t>
+            </a:r>
+            <a:r>
+              <a:rPr lang="en-US" altLang="zh-TW" dirty="0" smtClean="0">
+                <a:ea typeface="新細明體" pitchFamily="18" charset="-120"/>
+              </a:rPr>
+              <a:t>reset</a:t>
+            </a:r>
+            <a:r>
+              <a:rPr lang="mr-IN" altLang="zh-TW" dirty="0" smtClean="0">
+                <a:ea typeface="新細明體" pitchFamily="18" charset="-120"/>
+              </a:rPr>
+              <a:t>"</a:t>
+            </a:r>
+            <a:r>
+              <a:rPr lang="en-US" altLang="zh-TW" dirty="0" smtClean="0">
+                <a:ea typeface="新細明體" pitchFamily="18" charset="-120"/>
+              </a:rPr>
+              <a:t> </a:t>
+            </a:r>
+            <a:r>
+              <a:rPr lang="en-US" altLang="zh-TW" dirty="0">
+                <a:ea typeface="新細明體" pitchFamily="18" charset="-120"/>
+              </a:rPr>
+              <a:t>name</a:t>
+            </a:r>
+            <a:r>
+              <a:rPr lang="en-US" altLang="zh-TW" dirty="0" smtClean="0">
+                <a:ea typeface="新細明體" pitchFamily="18" charset="-120"/>
+              </a:rPr>
+              <a:t>=</a:t>
+            </a:r>
+            <a:r>
+              <a:rPr lang="mr-IN" altLang="zh-TW" dirty="0" smtClean="0">
+                <a:ea typeface="新細明體" pitchFamily="18" charset="-120"/>
+              </a:rPr>
+              <a:t>"</a:t>
+            </a:r>
+            <a:r>
+              <a:rPr lang="en-US" altLang="zh-TW" dirty="0" smtClean="0">
+                <a:ea typeface="新細明體" pitchFamily="18" charset="-120"/>
+              </a:rPr>
+              <a:t>reset</a:t>
+            </a:r>
+            <a:r>
+              <a:rPr lang="mr-IN" altLang="zh-TW" dirty="0" smtClean="0">
+                <a:ea typeface="新細明體" pitchFamily="18" charset="-120"/>
+              </a:rPr>
+              <a:t>"</a:t>
+            </a:r>
+            <a:r>
+              <a:rPr lang="en-US" altLang="zh-TW" dirty="0" smtClean="0">
+                <a:ea typeface="新細明體" pitchFamily="18" charset="-120"/>
+              </a:rPr>
+              <a:t> </a:t>
+            </a:r>
+            <a:r>
+              <a:rPr lang="en-US" altLang="zh-TW" dirty="0">
+                <a:ea typeface="新細明體" pitchFamily="18" charset="-120"/>
+              </a:rPr>
+              <a:t>id</a:t>
+            </a:r>
+            <a:r>
+              <a:rPr lang="en-US" altLang="zh-TW" dirty="0" smtClean="0">
+                <a:ea typeface="新細明體" pitchFamily="18" charset="-120"/>
+              </a:rPr>
+              <a:t>=</a:t>
+            </a:r>
+            <a:r>
+              <a:rPr lang="mr-IN" altLang="zh-TW" dirty="0" smtClean="0">
+                <a:ea typeface="新細明體" pitchFamily="18" charset="-120"/>
+              </a:rPr>
+              <a:t>"</a:t>
+            </a:r>
+            <a:r>
+              <a:rPr lang="en-US" altLang="zh-TW" dirty="0" smtClean="0">
+                <a:ea typeface="新細明體" pitchFamily="18" charset="-120"/>
+              </a:rPr>
+              <a:t>reset</a:t>
+            </a:r>
+            <a:r>
+              <a:rPr lang="mr-IN" altLang="zh-TW" dirty="0" smtClean="0">
+                <a:ea typeface="新細明體" pitchFamily="18" charset="-120"/>
+              </a:rPr>
+              <a:t>"</a:t>
+            </a:r>
+            <a:r>
+              <a:rPr lang="en-US" altLang="zh-TW" dirty="0" smtClean="0">
+                <a:ea typeface="新細明體" pitchFamily="18" charset="-120"/>
+              </a:rPr>
+              <a:t> </a:t>
+            </a:r>
+            <a:r>
+              <a:rPr lang="en-US" altLang="zh-TW" dirty="0">
+                <a:ea typeface="新細明體" pitchFamily="18" charset="-120"/>
+              </a:rPr>
+              <a:t>value</a:t>
+            </a:r>
+            <a:r>
+              <a:rPr lang="en-US" altLang="zh-TW" dirty="0" smtClean="0">
+                <a:ea typeface="新細明體" pitchFamily="18" charset="-120"/>
+              </a:rPr>
+              <a:t>=</a:t>
+            </a:r>
+            <a:r>
+              <a:rPr lang="mr-IN" altLang="zh-TW" dirty="0" smtClean="0">
+                <a:ea typeface="新細明體" pitchFamily="18" charset="-120"/>
+              </a:rPr>
+              <a:t>"</a:t>
+            </a:r>
+            <a:r>
+              <a:rPr lang="en-US" altLang="zh-TW" dirty="0" smtClean="0">
+                <a:ea typeface="新細明體" pitchFamily="18" charset="-120"/>
+              </a:rPr>
+              <a:t>Reset</a:t>
+            </a:r>
+            <a:r>
+              <a:rPr lang="mr-IN" altLang="zh-TW" dirty="0" smtClean="0">
+                <a:ea typeface="新細明體" pitchFamily="18" charset="-120"/>
+              </a:rPr>
+              <a:t>"</a:t>
+            </a:r>
+            <a:r>
+              <a:rPr lang="en-US" altLang="zh-TW" dirty="0" smtClean="0">
+                <a:ea typeface="新細明體" pitchFamily="18" charset="-120"/>
+              </a:rPr>
+              <a:t> </a:t>
+            </a:r>
+            <a:r>
+              <a:rPr lang="en-US" altLang="zh-TW" dirty="0">
+                <a:ea typeface="新細明體" pitchFamily="18" charset="-120"/>
+              </a:rPr>
+              <a:t>/&gt;</a:t>
+            </a:r>
+            <a:endParaRPr lang="en-US" altLang="zh-TW" dirty="0" smtClean="0">
+              <a:ea typeface="新細明體" pitchFamily="18" charset="-120"/>
+            </a:endParaRPr>
           </a:p>
         </p:txBody>
       </p:sp>
     </p:spTree>
     <p:extLst>
       <p:ext uri="{BB962C8B-B14F-4D97-AF65-F5344CB8AC3E}">
-        <p14:creationId xmlns:p14="http://schemas.microsoft.com/office/powerpoint/2010/main" val="1578415898"/>
+        <p14:creationId xmlns:p14="http://schemas.microsoft.com/office/powerpoint/2010/main" val="1498060457"/>
       </p:ext>
     </p:extLst>
   </p:cSld>
@@ -17515,7 +17318,7 @@
       </p:grpSpPr>
       <p:sp>
         <p:nvSpPr>
-          <p:cNvPr id="200706" name="Rectangle 2050"/>
+          <p:cNvPr id="22530" name="Rectangle 2"/>
           <p:cNvSpPr>
             <a:spLocks noGrp="1" noChangeArrowheads="1"/>
           </p:cNvSpPr>
@@ -17528,22 +17331,21 @@
           <a:bodyPr/>
           <a:lstStyle/>
           <a:p>
-            <a:pPr eaLnBrk="1" hangingPunct="1">
+            <a:pPr>
               <a:defRPr/>
             </a:pPr>
             <a:r>
-              <a:rPr lang="en-US" altLang="zh-TW" dirty="0" smtClean="0">
-                <a:latin typeface="Times New Roman" pitchFamily="18" charset="0"/>
-                <a:ea typeface="新細明體" pitchFamily="18" charset="-120"/>
-              </a:rPr>
-              <a:t>Create a birthday form</a:t>
-            </a:r>
-          </a:p>
-        </p:txBody>
-      </p:sp>
-      <p:sp>
-        <p:nvSpPr>
-          <p:cNvPr id="34819" name="Rectangle 2051"/>
+              <a:rPr lang="en-US" altLang="zh-TW" smtClean="0">
+                <a:latin typeface="Times New Roman" pitchFamily="18" charset="0"/>
+              </a:rPr>
+              <a:t>Hidden controls</a:t>
+            </a:r>
+          </a:p>
+        </p:txBody>
+      </p:sp>
+      <p:sp>
+        <p:nvSpPr>
+          <p:cNvPr id="32771" name="Rectangle 3"/>
           <p:cNvSpPr>
             <a:spLocks noGrp="1" noChangeArrowheads="1"/>
           </p:cNvSpPr>
@@ -17556,113 +17358,126 @@
           <a:bodyPr/>
           <a:lstStyle/>
           <a:p>
-            <a:pPr eaLnBrk="1" hangingPunct="1"/>
             <a:r>
               <a:rPr lang="en-US" altLang="zh-TW" dirty="0" smtClean="0">
                 <a:ea typeface="新細明體" pitchFamily="18" charset="-120"/>
               </a:rPr>
-              <a:t>Let user input the data from a form</a:t>
-            </a:r>
-          </a:p>
-          <a:p>
-            <a:pPr eaLnBrk="1" hangingPunct="1"/>
+              <a:t>controls that are not rendered but whose values are submitted with a form</a:t>
+            </a:r>
+          </a:p>
+          <a:p>
+            <a:r>
+              <a:rPr lang="en-US" altLang="zh-TW" dirty="0">
+                <a:ea typeface="新細明體" pitchFamily="18" charset="-120"/>
+              </a:rPr>
+              <a:t>&lt;input name</a:t>
+            </a:r>
             <a:r>
               <a:rPr lang="en-US" altLang="zh-TW" dirty="0" smtClean="0">
                 <a:ea typeface="新細明體" pitchFamily="18" charset="-120"/>
               </a:rPr>
-              <a:t>Name each field with the name</a:t>
-            </a:r>
-          </a:p>
-          <a:p>
-            <a:pPr eaLnBrk="1" hangingPunct="1"/>
+              <a:t>=</a:t>
+            </a:r>
+            <a:r>
+              <a:rPr lang="mr-IN" altLang="zh-TW" dirty="0" smtClean="0">
+                <a:ea typeface="新細明體" pitchFamily="18" charset="-120"/>
+              </a:rPr>
+              <a:t>"</a:t>
+            </a:r>
             <a:r>
               <a:rPr lang="en-US" altLang="zh-TW" dirty="0" smtClean="0">
                 <a:ea typeface="新細明體" pitchFamily="18" charset="-120"/>
               </a:rPr>
-              <a:t>Insert a submit button and a reset button</a:t>
-            </a:r>
-          </a:p>
-          <a:p>
-            <a:pPr eaLnBrk="1" hangingPunct="1"/>
+              <a:t>from</a:t>
+            </a:r>
+            <a:r>
+              <a:rPr lang="mr-IN" altLang="zh-TW" dirty="0" smtClean="0">
+                <a:ea typeface="新細明體" pitchFamily="18" charset="-120"/>
+              </a:rPr>
+              <a:t>"</a:t>
+            </a:r>
             <a:r>
               <a:rPr lang="en-US" altLang="zh-TW" dirty="0" smtClean="0">
                 <a:ea typeface="新細明體" pitchFamily="18" charset="-120"/>
               </a:rPr>
-              <a:t>Save as bday.htm</a:t>
-            </a:r>
-          </a:p>
-          <a:p>
-            <a:pPr eaLnBrk="1" hangingPunct="1"/>
+              <a:t> </a:t>
+            </a:r>
+            <a:r>
+              <a:rPr lang="en-US" altLang="zh-TW" dirty="0">
+                <a:ea typeface="新細明體" pitchFamily="18" charset="-120"/>
+              </a:rPr>
+              <a:t>type</a:t>
+            </a:r>
             <a:r>
               <a:rPr lang="en-US" altLang="zh-TW" dirty="0" smtClean="0">
                 <a:ea typeface="新細明體" pitchFamily="18" charset="-120"/>
               </a:rPr>
-              <a:t>Set the form action to the same </a:t>
-            </a:r>
-            <a:r>
-              <a:rPr lang="en-US" altLang="zh-TW" dirty="0" err="1" smtClean="0">
-                <a:ea typeface="新細明體" pitchFamily="18" charset="-120"/>
-              </a:rPr>
-              <a:t>filename.php</a:t>
+              <a:t>=</a:t>
+            </a:r>
+            <a:r>
+              <a:rPr lang="mr-IN" altLang="zh-TW" dirty="0" smtClean="0">
+                <a:ea typeface="新細明體" pitchFamily="18" charset="-120"/>
+              </a:rPr>
+              <a:t>"</a:t>
+            </a:r>
+            <a:r>
+              <a:rPr lang="en-US" altLang="zh-TW" dirty="0" smtClean="0">
+                <a:ea typeface="新細明體" pitchFamily="18" charset="-120"/>
+              </a:rPr>
+              <a:t>hidden</a:t>
+            </a:r>
+            <a:r>
+              <a:rPr lang="mr-IN" altLang="zh-TW" dirty="0" smtClean="0">
+                <a:ea typeface="新細明體" pitchFamily="18" charset="-120"/>
+              </a:rPr>
+              <a:t>"</a:t>
+            </a:r>
+            <a:r>
+              <a:rPr lang="en-US" altLang="zh-TW" dirty="0" smtClean="0">
+                <a:ea typeface="新細明體" pitchFamily="18" charset="-120"/>
+              </a:rPr>
+              <a:t> value=</a:t>
+            </a:r>
+            <a:r>
+              <a:rPr lang="mr-IN" altLang="zh-TW" dirty="0" smtClean="0">
+                <a:ea typeface="新細明體" pitchFamily="18" charset="-120"/>
+              </a:rPr>
+              <a:t>"</a:t>
+            </a:r>
+            <a:r>
+              <a:rPr lang="en-US" altLang="zh-TW" dirty="0" smtClean="0">
+                <a:ea typeface="新細明體" pitchFamily="18" charset="-120"/>
+              </a:rPr>
+              <a:t>web</a:t>
+            </a:r>
+            <a:r>
+              <a:rPr lang="mr-IN" altLang="zh-TW" dirty="0" smtClean="0">
+                <a:ea typeface="新細明體" pitchFamily="18" charset="-120"/>
+              </a:rPr>
+              <a:t>"</a:t>
+            </a:r>
+            <a:r>
+              <a:rPr lang="en-US" altLang="zh-TW" dirty="0" smtClean="0">
+                <a:ea typeface="新細明體" pitchFamily="18" charset="-120"/>
+              </a:rPr>
+              <a:t> </a:t>
+            </a:r>
+            <a:r>
+              <a:rPr lang="en-US" altLang="zh-TW" dirty="0">
+                <a:ea typeface="新細明體" pitchFamily="18" charset="-120"/>
+              </a:rPr>
+              <a:t>/&gt;</a:t>
             </a:r>
             <a:endParaRPr lang="en-US" altLang="zh-TW" dirty="0" smtClean="0">
               <a:ea typeface="新細明體" pitchFamily="18" charset="-120"/>
             </a:endParaRPr>
           </a:p>
-          <a:p>
-            <a:pPr eaLnBrk="1" hangingPunct="1"/>
-            <a:r>
-              <a:rPr lang="en-US" altLang="zh-TW" dirty="0" err="1" smtClean="0">
-                <a:ea typeface="新細明體" pitchFamily="18" charset="-120"/>
-              </a:rPr>
-              <a:t>Eg</a:t>
-            </a:r>
-            <a:r>
-              <a:rPr lang="en-US" altLang="zh-TW" dirty="0" smtClean="0">
-                <a:ea typeface="新細明體" pitchFamily="18" charset="-120"/>
-              </a:rPr>
-              <a:t>. &lt;form action</a:t>
-            </a:r>
-            <a:r>
-              <a:rPr lang="en-US" altLang="zh-TW" dirty="0" smtClean="0">
-                <a:ea typeface="新細明體" pitchFamily="18" charset="-120"/>
-              </a:rPr>
-              <a:t>=</a:t>
-            </a:r>
-            <a:r>
-              <a:rPr lang="mr-IN" altLang="zh-TW" dirty="0" smtClean="0">
-                <a:ea typeface="新細明體" pitchFamily="18" charset="-120"/>
-              </a:rPr>
-              <a:t>"</a:t>
-            </a:r>
-            <a:r>
-              <a:rPr lang="en-US" altLang="zh-TW" dirty="0" err="1" smtClean="0">
-                <a:ea typeface="新細明體" pitchFamily="18" charset="-120"/>
-              </a:rPr>
-              <a:t>bday.php</a:t>
-            </a:r>
-            <a:r>
-              <a:rPr lang="mr-IN" altLang="zh-TW" dirty="0" smtClean="0">
-                <a:ea typeface="新細明體" pitchFamily="18" charset="-120"/>
-              </a:rPr>
-              <a:t>"</a:t>
-            </a:r>
-            <a:r>
-              <a:rPr lang="en-US" altLang="zh-TW" dirty="0" smtClean="0">
-                <a:ea typeface="新細明體" pitchFamily="18" charset="-120"/>
-              </a:rPr>
-              <a:t>&gt;</a:t>
-            </a:r>
-            <a:endParaRPr lang="en-US" altLang="zh-TW" dirty="0" smtClean="0">
-              <a:ea typeface="新細明體" pitchFamily="18" charset="-120"/>
-            </a:endParaRPr>
-          </a:p>
         </p:txBody>
       </p:sp>
     </p:spTree>
     <p:extLst>
       <p:ext uri="{BB962C8B-B14F-4D97-AF65-F5344CB8AC3E}">
-        <p14:creationId xmlns:p14="http://schemas.microsoft.com/office/powerpoint/2010/main" val="2132299857"/>
+        <p14:creationId xmlns:p14="http://schemas.microsoft.com/office/powerpoint/2010/main" val="39773120"/>
       </p:ext>
     </p:extLst>
   </p:cSld>
@@ -17672,6 +17487,13 @@
   <p:transition>
     <p:checker/>
   </p:transition>
+  <p:timing>
+    <p:tnLst>
+      <p:par>
+        <p:cTn id="1" dur="indefinite" restart="never" nodeType="tmRoot"/>
+      </p:par>
+    </p:tnLst>
+  </p:timing>
 </p:sld>
 </file>
 
@@ -17694,7 +17516,7 @@
       </p:grpSpPr>
       <p:sp>
         <p:nvSpPr>
-          <p:cNvPr id="203778" name="Rectangle 2"/>
+          <p:cNvPr id="23554" name="Rectangle 2"/>
           <p:cNvSpPr>
             <a:spLocks noGrp="1" noChangeArrowheads="1"/>
           </p:cNvSpPr>
@@ -17707,22 +17529,21 @@
           <a:bodyPr/>
           <a:lstStyle/>
           <a:p>
-            <a:pPr eaLnBrk="1" hangingPunct="1">
+            <a:pPr>
               <a:defRPr/>
             </a:pPr>
             <a:r>
               <a:rPr lang="en-US" altLang="zh-TW" smtClean="0">
                 <a:latin typeface="Times New Roman" pitchFamily="18" charset="0"/>
-                <a:ea typeface="新細明體" pitchFamily="18" charset="-120"/>
-              </a:rPr>
-              <a:t>Getting input from users</a:t>
-            </a:r>
-          </a:p>
-        </p:txBody>
-      </p:sp>
-      <p:sp>
-        <p:nvSpPr>
-          <p:cNvPr id="37891" name="Rectangle 3"/>
+              </a:rPr>
+              <a:t>Finally!</a:t>
+            </a:r>
+          </a:p>
+        </p:txBody>
+      </p:sp>
+      <p:sp>
+        <p:nvSpPr>
+          <p:cNvPr id="33795" name="Rectangle 3"/>
           <p:cNvSpPr>
             <a:spLocks noGrp="1" noChangeArrowheads="1"/>
           </p:cNvSpPr>
@@ -17732,176 +17553,68 @@
         </p:nvSpPr>
         <p:spPr/>
         <p:txBody>
-          <a:bodyPr>
-            <a:normAutofit fontScale="92500" lnSpcReduction="20000"/>
-          </a:bodyPr>
+          <a:bodyPr/>
           <a:lstStyle/>
           <a:p>
-            <a:pPr eaLnBrk="1" hangingPunct="1"/>
             <a:r>
               <a:rPr lang="en-US" altLang="zh-TW" dirty="0" smtClean="0">
                 <a:ea typeface="新細明體" pitchFamily="18" charset="-120"/>
               </a:rPr>
-              <a:t>Download </a:t>
+              <a:t>To send the input data back to server, make sure have an action.</a:t>
+            </a:r>
+          </a:p>
+          <a:p>
+            <a:r>
+              <a:rPr lang="en-US" altLang="zh-TW" dirty="0" smtClean="0">
+                <a:ea typeface="新細明體" pitchFamily="18" charset="-120"/>
+              </a:rPr>
+              <a:t>&lt;form action=</a:t>
+            </a:r>
+            <a:r>
+              <a:rPr lang="mr-IN" altLang="zh-TW" dirty="0" smtClean="0">
+                <a:ea typeface="新細明體" pitchFamily="18" charset="-120"/>
+              </a:rPr>
+              <a:t>"</a:t>
             </a:r>
             <a:r>
               <a:rPr lang="en-US" altLang="zh-TW" dirty="0" err="1" smtClean="0">
                 <a:ea typeface="新細明體" pitchFamily="18" charset="-120"/>
               </a:rPr>
-              <a:t>birthday.php</a:t>
+              <a:t>file.php</a:t>
+            </a:r>
+            <a:r>
+              <a:rPr lang="mr-IN" altLang="zh-TW" dirty="0" smtClean="0">
+                <a:ea typeface="新細明體" pitchFamily="18" charset="-120"/>
+              </a:rPr>
+              <a:t>"</a:t>
             </a:r>
             <a:r>
               <a:rPr lang="en-US" altLang="zh-TW" dirty="0" smtClean="0">
                 <a:ea typeface="新細明體" pitchFamily="18" charset="-120"/>
               </a:rPr>
-              <a:t> from ftp</a:t>
-            </a:r>
-          </a:p>
-          <a:p>
-            <a:pPr eaLnBrk="1" hangingPunct="1"/>
+              <a:t>&gt;</a:t>
+            </a:r>
+          </a:p>
+          <a:p>
             <a:r>
               <a:rPr lang="en-US" altLang="zh-TW" dirty="0" smtClean="0">
                 <a:ea typeface="新細明體" pitchFamily="18" charset="-120"/>
               </a:rPr>
-              <a:t>Open </a:t>
-            </a:r>
-            <a:r>
-              <a:rPr lang="en-US" altLang="zh-TW" dirty="0" err="1" smtClean="0">
-                <a:ea typeface="新細明體" pitchFamily="18" charset="-120"/>
-              </a:rPr>
-              <a:t>birthday.php</a:t>
-            </a:r>
+              <a:t>Make sure you </a:t>
+            </a:r>
+            <a:r>
+              <a:rPr lang="en-US" altLang="zh-TW" dirty="0">
+                <a:ea typeface="新細明體" pitchFamily="18" charset="-120"/>
+              </a:rPr>
+              <a:t>end your page with this:</a:t>
+            </a:r>
+          </a:p>
+          <a:p>
             <a:r>
               <a:rPr lang="en-US" altLang="zh-TW" dirty="0" smtClean="0">
                 <a:ea typeface="新細明體" pitchFamily="18" charset="-120"/>
               </a:rPr>
-              <a:t> and save as </a:t>
-            </a:r>
-            <a:r>
-              <a:rPr lang="en-US" altLang="zh-TW" dirty="0" err="1" smtClean="0">
-                <a:ea typeface="新細明體" pitchFamily="18" charset="-120"/>
-              </a:rPr>
-              <a:t>bday.php</a:t>
-            </a:r>
-            <a:endParaRPr lang="en-US" altLang="zh-TW" dirty="0" smtClean="0">
-              <a:ea typeface="新細明體" pitchFamily="18" charset="-120"/>
-            </a:endParaRPr>
-          </a:p>
-          <a:p>
-            <a:pPr eaLnBrk="1" hangingPunct="1"/>
-            <a:r>
-              <a:rPr lang="en-US" altLang="zh-TW" dirty="0" smtClean="0">
-                <a:ea typeface="新細明體" pitchFamily="18" charset="-120"/>
-              </a:rPr>
-              <a:t>All the results are stored in variables</a:t>
-            </a:r>
-          </a:p>
-          <a:p>
-            <a:pPr eaLnBrk="1" hangingPunct="1"/>
-            <a:r>
-              <a:rPr lang="en-US" altLang="zh-TW" dirty="0" smtClean="0">
-                <a:ea typeface="新細明體" pitchFamily="18" charset="-120"/>
-              </a:rPr>
-              <a:t>Change the constant variable to user’s input</a:t>
-            </a:r>
-          </a:p>
-          <a:p>
-            <a:pPr eaLnBrk="1" hangingPunct="1"/>
-            <a:endParaRPr lang="en-US" altLang="zh-TW" dirty="0" smtClean="0">
-              <a:ea typeface="新細明體" pitchFamily="18" charset="-120"/>
-            </a:endParaRPr>
-          </a:p>
-          <a:p>
-            <a:pPr eaLnBrk="1" hangingPunct="1">
-              <a:buFont typeface="Wingdings" pitchFamily="2" charset="2"/>
-              <a:buNone/>
-            </a:pPr>
-            <a:r>
-              <a:rPr lang="en-US" altLang="zh-TW" sz="2400" dirty="0" smtClean="0">
-                <a:solidFill>
-                  <a:srgbClr val="FF0000"/>
-                </a:solidFill>
-                <a:ea typeface="新細明體" pitchFamily="18" charset="-120"/>
-              </a:rPr>
-              <a:t>$birthday</a:t>
-            </a:r>
-            <a:r>
-              <a:rPr lang="en-US" altLang="zh-TW" sz="2400" dirty="0" smtClean="0">
-                <a:solidFill>
-                  <a:srgbClr val="FF0000"/>
-                </a:solidFill>
-                <a:ea typeface="新細明體" pitchFamily="18" charset="-120"/>
-              </a:rPr>
-              <a:t>=</a:t>
-            </a:r>
-            <a:r>
-              <a:rPr lang="mr-IN" altLang="zh-TW" sz="2400" dirty="0" smtClean="0">
-                <a:solidFill>
-                  <a:srgbClr val="FF0000"/>
-                </a:solidFill>
-                <a:ea typeface="新細明體" pitchFamily="18" charset="-120"/>
-              </a:rPr>
-              <a:t>"</a:t>
-            </a:r>
-            <a:r>
-              <a:rPr lang="en-US" altLang="zh-TW" sz="2400" dirty="0" smtClean="0">
-                <a:solidFill>
-                  <a:srgbClr val="FF0000"/>
-                </a:solidFill>
-                <a:ea typeface="新細明體" pitchFamily="18" charset="-120"/>
-              </a:rPr>
-              <a:t>19900427</a:t>
-            </a:r>
-            <a:r>
-              <a:rPr lang="mr-IN" altLang="zh-TW" sz="2400" dirty="0" smtClean="0">
-                <a:solidFill>
-                  <a:srgbClr val="FF0000"/>
-                </a:solidFill>
-                <a:ea typeface="新細明體" pitchFamily="18" charset="-120"/>
-              </a:rPr>
-              <a:t>"</a:t>
-            </a:r>
-            <a:r>
-              <a:rPr lang="en-US" altLang="zh-TW" sz="2400" dirty="0" smtClean="0">
-                <a:solidFill>
-                  <a:srgbClr val="FF0000"/>
-                </a:solidFill>
-                <a:ea typeface="新細明體" pitchFamily="18" charset="-120"/>
-              </a:rPr>
-              <a:t>;</a:t>
-            </a:r>
-            <a:endParaRPr lang="en-US" altLang="zh-TW" sz="2400" dirty="0" smtClean="0">
-              <a:solidFill>
-                <a:srgbClr val="FF0000"/>
-              </a:solidFill>
-              <a:ea typeface="新細明體" pitchFamily="18" charset="-120"/>
-            </a:endParaRPr>
-          </a:p>
-          <a:p>
-            <a:pPr eaLnBrk="1" hangingPunct="1">
-              <a:buFont typeface="Wingdings" pitchFamily="2" charset="2"/>
-              <a:buNone/>
-            </a:pPr>
-            <a:r>
-              <a:rPr lang="en-US" altLang="zh-TW" sz="2400" dirty="0" smtClean="0">
-                <a:ea typeface="新細明體" pitchFamily="18" charset="-120"/>
-              </a:rPr>
-              <a:t>change to=&gt;</a:t>
-            </a:r>
-          </a:p>
-          <a:p>
-            <a:pPr eaLnBrk="1" hangingPunct="1">
-              <a:buFont typeface="Wingdings" pitchFamily="2" charset="2"/>
-              <a:buNone/>
-            </a:pPr>
-            <a:r>
-              <a:rPr lang="en-US" altLang="zh-TW" sz="2400" dirty="0" smtClean="0">
-                <a:solidFill>
-                  <a:srgbClr val="FF0000"/>
-                </a:solidFill>
-                <a:ea typeface="新細明體" pitchFamily="18" charset="-120"/>
-              </a:rPr>
-              <a:t>$birthday = $_POST['year'].$_POST['month'].$_POST['day'];</a:t>
+              <a:t>&lt;/form&gt;</a:t>
             </a:r>
           </a:p>
         </p:txBody>
@@ -17909,7 +17622,7 @@
     </p:spTree>
     <p:extLst>
       <p:ext uri="{BB962C8B-B14F-4D97-AF65-F5344CB8AC3E}">
-        <p14:creationId xmlns:p14="http://schemas.microsoft.com/office/powerpoint/2010/main" val="356595463"/>
+        <p14:creationId xmlns:p14="http://schemas.microsoft.com/office/powerpoint/2010/main" val="498973684"/>
       </p:ext>
     </p:extLst>
   </p:cSld>
@@ -17919,6 +17632,13 @@
   <p:transition>
     <p:checker/>
   </p:transition>
+  <p:timing>
+    <p:tnLst>
+      <p:par>
+        <p:cTn id="1" dur="indefinite" restart="never" nodeType="tmRoot"/>
+      </p:par>
+    </p:tnLst>
+  </p:timing>
 </p:sld>
 </file>
 
@@ -17941,7 +17661,7 @@
       </p:grpSpPr>
       <p:sp>
         <p:nvSpPr>
-          <p:cNvPr id="204802" name="Rectangle 2"/>
+          <p:cNvPr id="23554" name="Rectangle 2"/>
           <p:cNvSpPr>
             <a:spLocks noGrp="1" noChangeArrowheads="1"/>
           </p:cNvSpPr>
@@ -17954,25 +17674,21 @@
           <a:bodyPr/>
           <a:lstStyle/>
           <a:p>
-            <a:pPr eaLnBrk="1" hangingPunct="1">
+            <a:pPr>
               <a:defRPr/>
             </a:pPr>
             <a:r>
-              <a:rPr lang="en-US" altLang="zh-TW" smtClean="0">
-                <a:ea typeface="新細明體" pitchFamily="18" charset="-120"/>
-              </a:rPr>
-              <a:t>Generate a result</a:t>
-            </a:r>
-            <a:endParaRPr lang="en-US" altLang="zh-TW" smtClean="0">
-              <a:latin typeface="Times New Roman" pitchFamily="18" charset="0"/>
-              <a:ea typeface="新細明體" pitchFamily="18" charset="-120"/>
-            </a:endParaRPr>
-          </a:p>
-        </p:txBody>
-      </p:sp>
-      <p:sp>
-        <p:nvSpPr>
-          <p:cNvPr id="38915" name="Rectangle 3"/>
+              <a:rPr lang="en-US" altLang="zh-TW" dirty="0" smtClean="0">
+                <a:latin typeface="Times New Roman" pitchFamily="18" charset="0"/>
+              </a:rPr>
+              <a:t>Style</a:t>
+            </a:r>
+          </a:p>
+        </p:txBody>
+      </p:sp>
+      <p:sp>
+        <p:nvSpPr>
+          <p:cNvPr id="33795" name="Rectangle 3"/>
           <p:cNvSpPr>
             <a:spLocks noGrp="1" noChangeArrowheads="1"/>
           </p:cNvSpPr>
@@ -17985,62 +17701,75 @@
           <a:bodyPr/>
           <a:lstStyle/>
           <a:p>
-            <a:pPr eaLnBrk="1" hangingPunct="1"/>
             <a:r>
               <a:rPr lang="en-US" altLang="zh-TW" dirty="0" smtClean="0">
                 <a:ea typeface="新細明體" pitchFamily="18" charset="-120"/>
               </a:rPr>
-              <a:t>In IE, open http</a:t>
-            </a:r>
+              <a:t>You can add a table to tidy a form.</a:t>
+            </a:r>
+          </a:p>
+          <a:p>
             <a:r>
               <a:rPr lang="en-US" altLang="zh-TW" dirty="0" smtClean="0">
                 <a:ea typeface="新細明體" pitchFamily="18" charset="-120"/>
               </a:rPr>
-              <a:t>://localhost/</a:t>
+              <a:t>Or use &lt;</a:t>
             </a:r>
             <a:r>
               <a:rPr lang="en-US" altLang="zh-TW" dirty="0" err="1" smtClean="0">
                 <a:ea typeface="新細明體" pitchFamily="18" charset="-120"/>
               </a:rPr>
-              <a:t>bday.html</a:t>
-            </a:r>
-            <a:endParaRPr lang="en-US" altLang="zh-TW" dirty="0" smtClean="0">
-              <a:ea typeface="新細明體" pitchFamily="18" charset="-120"/>
-            </a:endParaRPr>
-          </a:p>
-          <a:p>
-            <a:pPr eaLnBrk="1" hangingPunct="1"/>
+              <a:t>dt</a:t>
+            </a:r>
             <a:r>
               <a:rPr lang="en-US" altLang="zh-TW" dirty="0" smtClean="0">
                 <a:ea typeface="新細明體" pitchFamily="18" charset="-120"/>
               </a:rPr>
-              <a:t>Testing it by input some data</a:t>
-            </a:r>
-          </a:p>
-          <a:p>
-            <a:pPr eaLnBrk="1" hangingPunct="1"/>
+              <a:t>&gt;left&lt;/</a:t>
+            </a:r>
+            <a:r>
+              <a:rPr lang="en-US" altLang="zh-TW" dirty="0" err="1" smtClean="0">
+                <a:ea typeface="新細明體" pitchFamily="18" charset="-120"/>
+              </a:rPr>
+              <a:t>dt</a:t>
+            </a:r>
             <a:r>
               <a:rPr lang="en-US" altLang="zh-TW" dirty="0" smtClean="0">
                 <a:ea typeface="新細明體" pitchFamily="18" charset="-120"/>
               </a:rPr>
-              <a:t>Result will be displayed by </a:t>
+              <a:t>&gt;&lt;</a:t>
             </a:r>
             <a:r>
               <a:rPr lang="en-US" altLang="zh-TW" dirty="0" err="1" smtClean="0">
                 <a:ea typeface="新細明體" pitchFamily="18" charset="-120"/>
               </a:rPr>
-              <a:t>bday.php</a:t>
-            </a:r>
-            <a:endParaRPr lang="en-US" altLang="zh-TW" dirty="0" smtClean="0">
-              <a:ea typeface="新細明體" pitchFamily="18" charset="-120"/>
-            </a:endParaRPr>
+              <a:t>dd</a:t>
+            </a:r>
+            <a:r>
+              <a:rPr lang="en-US" altLang="zh-TW" dirty="0" smtClean="0">
+                <a:ea typeface="新細明體" pitchFamily="18" charset="-120"/>
+              </a:rPr>
+              <a:t>&gt;right&lt;/</a:t>
+            </a:r>
+            <a:r>
+              <a:rPr lang="en-US" altLang="zh-TW" dirty="0" err="1" smtClean="0">
+                <a:ea typeface="新細明體" pitchFamily="18" charset="-120"/>
+              </a:rPr>
+              <a:t>dd</a:t>
+            </a:r>
+            <a:r>
+              <a:rPr lang="en-US" altLang="zh-TW" dirty="0" smtClean="0">
+                <a:ea typeface="新細明體" pitchFamily="18" charset="-120"/>
+              </a:rPr>
+              <a:t>&gt; + CSS</a:t>
+            </a:r>
           </a:p>
         </p:txBody>
       </p:sp>
     </p:spTree>
     <p:extLst>
       <p:ext uri="{BB962C8B-B14F-4D97-AF65-F5344CB8AC3E}">
-        <p14:creationId xmlns:p14="http://schemas.microsoft.com/office/powerpoint/2010/main" val="1820571511"/>
+        <p14:creationId xmlns:p14="http://schemas.microsoft.com/office/powerpoint/2010/main" val="1578415898"/>
       </p:ext>
     </p:extLst>
   </p:cSld>
@@ -18050,6 +17779,13 @@
   <p:transition>
     <p:checker/>
   </p:transition>
+  <p:timing>
+    <p:tnLst>
+      <p:par>
+        <p:cTn id="1" dur="indefinite" restart="never" nodeType="tmRoot"/>
+      </p:par>
+    </p:tnLst>
+  </p:timing>
 </p:sld>
 </file>
 
@@ -18072,7 +17808,7 @@
       </p:grpSpPr>
       <p:sp>
         <p:nvSpPr>
-          <p:cNvPr id="142338" name="Rectangle 2"/>
+          <p:cNvPr id="200706" name="Rectangle 2050"/>
           <p:cNvSpPr>
             <a:spLocks noGrp="1" noChangeArrowheads="1"/>
           </p:cNvSpPr>
@@ -18089,18 +17825,18 @@
               <a:defRPr/>
             </a:pPr>
             <a:r>
-              <a:rPr lang="en-US" altLang="zh-TW" smtClean="0">
-                <a:latin typeface="Times New Roman" charset="0"/>
-                <a:ea typeface="新細明體" charset="-120"/>
-              </a:rPr>
-              <a:t>Get and Post</a:t>
-            </a:r>
-          </a:p>
-        </p:txBody>
-      </p:sp>
-      <p:sp>
-        <p:nvSpPr>
-          <p:cNvPr id="35843" name="Rectangle 3"/>
+              <a:rPr lang="en-US" altLang="zh-TW" dirty="0" smtClean="0">
+                <a:latin typeface="Times New Roman" pitchFamily="18" charset="0"/>
+                <a:ea typeface="新細明體" pitchFamily="18" charset="-120"/>
+              </a:rPr>
+              <a:t>Create a birthday form</a:t>
+            </a:r>
+          </a:p>
+        </p:txBody>
+      </p:sp>
+      <p:sp>
+        <p:nvSpPr>
+          <p:cNvPr id="34819" name="Rectangle 2051"/>
           <p:cNvSpPr>
             <a:spLocks noGrp="1" noChangeArrowheads="1"/>
           </p:cNvSpPr>
@@ -18110,53 +17846,99 @@
         </p:nvSpPr>
         <p:spPr/>
         <p:txBody>
-          <a:bodyPr>
-            <a:normAutofit lnSpcReduction="10000"/>
-          </a:bodyPr>
+          <a:bodyPr/>
           <a:lstStyle/>
           <a:p>
             <a:pPr eaLnBrk="1" hangingPunct="1"/>
             <a:r>
-              <a:rPr lang="en-US" altLang="zh-TW" smtClean="0">
-                <a:ea typeface="新細明體" pitchFamily="18" charset="-120"/>
-              </a:rPr>
-              <a:t>Get data is displayed in the location bar</a:t>
+              <a:rPr lang="en-US" altLang="zh-TW" dirty="0" smtClean="0">
+                <a:ea typeface="新細明體" pitchFamily="18" charset="-120"/>
+              </a:rPr>
+              <a:t>Let user input the data from a form</a:t>
             </a:r>
           </a:p>
           <a:p>
             <a:pPr eaLnBrk="1" hangingPunct="1"/>
             <a:r>
-              <a:rPr lang="en-US" altLang="zh-TW" smtClean="0">
-                <a:ea typeface="新細明體" pitchFamily="18" charset="-120"/>
-              </a:rPr>
-              <a:t>Get is used for requesting information, like a particular record from a database or the results of a search. (search always use get)</a:t>
+              <a:rPr lang="en-US" altLang="zh-TW" dirty="0" smtClean="0">
+                <a:ea typeface="新細明體" pitchFamily="18" charset="-120"/>
+              </a:rPr>
+              <a:t>Name each field with the name</a:t>
             </a:r>
           </a:p>
           <a:p>
             <a:pPr eaLnBrk="1" hangingPunct="1"/>
             <a:r>
-              <a:rPr lang="en-US" altLang="zh-TW" smtClean="0">
-                <a:ea typeface="新細明體" pitchFamily="18" charset="-120"/>
-              </a:rPr>
-              <a:t>Post usually handle large data</a:t>
+              <a:rPr lang="en-US" altLang="zh-TW" dirty="0" smtClean="0">
+                <a:ea typeface="新細明體" pitchFamily="18" charset="-120"/>
+              </a:rPr>
+              <a:t>Insert a submit button and a reset button</a:t>
             </a:r>
           </a:p>
           <a:p>
             <a:pPr eaLnBrk="1" hangingPunct="1"/>
             <a:r>
-              <a:rPr lang="en-US" altLang="zh-TW" smtClean="0">
-                <a:ea typeface="新細明體" pitchFamily="18" charset="-120"/>
-              </a:rPr>
-              <a:t>Post is used when an action is required, as when a database record will be updated or email should be sent</a:t>
+              <a:rPr lang="en-US" altLang="zh-TW" dirty="0" smtClean="0">
+                <a:ea typeface="新細明體" pitchFamily="18" charset="-120"/>
+              </a:rPr>
+              <a:t>Save as bday.htm</a:t>
             </a:r>
           </a:p>
           <a:p>
             <a:pPr eaLnBrk="1" hangingPunct="1"/>
             <a:r>
-              <a:rPr lang="en-US" altLang="zh-TW" smtClean="0">
-                <a:ea typeface="新細明體" pitchFamily="18" charset="-120"/>
-              </a:rPr>
-              <a:t>Post is usually used in nowadays</a:t>
+              <a:rPr lang="en-US" altLang="zh-TW" dirty="0" smtClean="0">
+                <a:ea typeface="新細明體" pitchFamily="18" charset="-120"/>
+              </a:rPr>
+              <a:t>Set the form action to the same </a:t>
+            </a:r>
+            <a:r>
+              <a:rPr lang="en-US" altLang="zh-TW" dirty="0" err="1" smtClean="0">
+                <a:ea typeface="新細明體" pitchFamily="18" charset="-120"/>
+              </a:rPr>
+              <a:t>filename.php</a:t>
+            </a:r>
+            <a:endParaRPr lang="en-US" altLang="zh-TW" dirty="0" smtClean="0">
+              <a:ea typeface="新細明體" pitchFamily="18" charset="-120"/>
+            </a:endParaRPr>
+          </a:p>
+          <a:p>
+            <a:pPr eaLnBrk="1" hangingPunct="1"/>
+            <a:r>
+              <a:rPr lang="en-US" altLang="zh-TW" dirty="0" err="1" smtClean="0">
+                <a:ea typeface="新細明體" pitchFamily="18" charset="-120"/>
+              </a:rPr>
+              <a:t>Eg</a:t>
+            </a:r>
+            <a:r>
+              <a:rPr lang="en-US" altLang="zh-TW" dirty="0" smtClean="0">
+                <a:ea typeface="新細明體" pitchFamily="18" charset="-120"/>
+              </a:rPr>
+              <a:t>. &lt;form action=</a:t>
+            </a:r>
+            <a:r>
+              <a:rPr lang="mr-IN" altLang="zh-TW" dirty="0" smtClean="0">
+                <a:ea typeface="新細明體" pitchFamily="18" charset="-120"/>
+              </a:rPr>
+              <a:t>"</a:t>
+            </a:r>
+            <a:r>
+              <a:rPr lang="en-US" altLang="zh-TW" dirty="0" err="1" smtClean="0">
+                <a:ea typeface="新細明體" pitchFamily="18" charset="-120"/>
+              </a:rPr>
+              <a:t>bday.php</a:t>
+            </a:r>
+            <a:r>
+              <a:rPr lang="mr-IN" altLang="zh-TW" dirty="0" smtClean="0">
+                <a:ea typeface="新細明體" pitchFamily="18" charset="-120"/>
+              </a:rPr>
+              <a:t>"</a:t>
+            </a:r>
+            <a:r>
+              <a:rPr lang="en-US" altLang="zh-TW" dirty="0" smtClean="0">
+                <a:ea typeface="新細明體" pitchFamily="18" charset="-120"/>
+              </a:rPr>
+              <a:t>&gt;</a:t>
             </a:r>
           </a:p>
         </p:txBody>
@@ -18164,7 +17946,7 @@
     </p:spTree>
     <p:extLst>
       <p:ext uri="{BB962C8B-B14F-4D97-AF65-F5344CB8AC3E}">
-        <p14:creationId xmlns:p14="http://schemas.microsoft.com/office/powerpoint/2010/main" val="998382921"/>
+        <p14:creationId xmlns:p14="http://schemas.microsoft.com/office/powerpoint/2010/main" val="2132299857"/>
       </p:ext>
     </p:extLst>
   </p:cSld>
@@ -18196,7 +17978,7 @@
       </p:grpSpPr>
       <p:sp>
         <p:nvSpPr>
-          <p:cNvPr id="146434" name="Rectangle 2"/>
+          <p:cNvPr id="203778" name="Rectangle 2"/>
           <p:cNvSpPr>
             <a:spLocks noGrp="1" noChangeArrowheads="1"/>
           </p:cNvSpPr>
@@ -18213,18 +17995,18 @@
               <a:defRPr/>
             </a:pPr>
             <a:r>
-              <a:rPr lang="en-US" altLang="zh-TW" dirty="0" smtClean="0">
-                <a:latin typeface="Times New Roman" charset="0"/>
-                <a:ea typeface="新細明體" charset="-120"/>
-              </a:rPr>
-              <a:t>Variable</a:t>
-            </a:r>
-          </a:p>
-        </p:txBody>
-      </p:sp>
-      <p:sp>
-        <p:nvSpPr>
-          <p:cNvPr id="36867" name="Rectangle 3"/>
+              <a:rPr lang="en-US" altLang="zh-TW" smtClean="0">
+                <a:latin typeface="Times New Roman" pitchFamily="18" charset="0"/>
+                <a:ea typeface="新細明體" pitchFamily="18" charset="-120"/>
+              </a:rPr>
+              <a:t>Getting input from users</a:t>
+            </a:r>
+          </a:p>
+        </p:txBody>
+      </p:sp>
+      <p:sp>
+        <p:nvSpPr>
+          <p:cNvPr id="37891" name="Rectangle 3"/>
           <p:cNvSpPr>
             <a:spLocks noGrp="1" noChangeArrowheads="1"/>
           </p:cNvSpPr>
@@ -18235,121 +18017,55 @@
         <p:spPr/>
         <p:txBody>
           <a:bodyPr>
-            <a:normAutofit/>
+            <a:normAutofit fontScale="92500" lnSpcReduction="20000"/>
           </a:bodyPr>
           <a:lstStyle/>
           <a:p>
             <a:pPr eaLnBrk="1" hangingPunct="1"/>
             <a:r>
-              <a:rPr lang="zh-TW" altLang="en-US" dirty="0" smtClean="0">
-                <a:ea typeface="新細明體" pitchFamily="18" charset="-120"/>
-              </a:rPr>
-              <a:t>$</a:t>
-            </a:r>
-            <a:r>
               <a:rPr lang="en-US" altLang="zh-TW" dirty="0" smtClean="0">
                 <a:ea typeface="新細明體" pitchFamily="18" charset="-120"/>
               </a:rPr>
-              <a:t>username – short form, not recommended in PHP4 since </a:t>
+              <a:t>Download </a:t>
             </a:r>
             <a:r>
               <a:rPr lang="en-US" altLang="zh-TW" dirty="0" err="1" smtClean="0">
                 <a:ea typeface="新細明體" pitchFamily="18" charset="-120"/>
               </a:rPr>
-              <a:t>register_globals</a:t>
+              <a:t>birthday.php</a:t>
             </a:r>
             <a:r>
               <a:rPr lang="en-US" altLang="zh-TW" dirty="0" smtClean="0">
                 <a:ea typeface="新細明體" pitchFamily="18" charset="-120"/>
               </a:rPr>
-              <a:t> is turned off in /</a:t>
+              <a:t> from ftp</a:t>
+            </a:r>
+          </a:p>
+          <a:p>
+            <a:pPr eaLnBrk="1" hangingPunct="1"/>
+            <a:r>
+              <a:rPr lang="en-US" altLang="zh-TW" dirty="0" smtClean="0">
+                <a:ea typeface="新細明體" pitchFamily="18" charset="-120"/>
+              </a:rPr>
+              <a:t>Open </a:t>
             </a:r>
             <a:r>
               <a:rPr lang="en-US" altLang="zh-TW" dirty="0" err="1" smtClean="0">
                 <a:ea typeface="新細明體" pitchFamily="18" charset="-120"/>
               </a:rPr>
-              <a:t>etc</a:t>
+              <a:t>birthday.php</a:t>
             </a:r>
             <a:r>
               <a:rPr lang="en-US" altLang="zh-TW" dirty="0" smtClean="0">
                 <a:ea typeface="新細明體" pitchFamily="18" charset="-120"/>
               </a:rPr>
-              <a:t>/php.ini</a:t>
-            </a:r>
-          </a:p>
-          <a:p>
-            <a:pPr eaLnBrk="1" hangingPunct="1"/>
-            <a:r>
-              <a:rPr lang="en-US" altLang="zh-TW" dirty="0" smtClean="0">
-                <a:ea typeface="新細明體" pitchFamily="18" charset="-120"/>
-              </a:rPr>
-              <a:t>$HTTP_GET_VARS</a:t>
-            </a:r>
-            <a:r>
-              <a:rPr lang="en-US" altLang="zh-TW" dirty="0" smtClean="0">
-                <a:ea typeface="新細明體" pitchFamily="18" charset="-120"/>
-              </a:rPr>
-              <a:t>[</a:t>
-            </a:r>
-            <a:r>
-              <a:rPr lang="mr-IN" altLang="zh-TW" dirty="0" smtClean="0">
-                <a:ea typeface="新細明體" pitchFamily="18" charset="-120"/>
-              </a:rPr>
-              <a:t>"</a:t>
-            </a:r>
-            <a:r>
-              <a:rPr lang="en-US" altLang="zh-TW" dirty="0" smtClean="0">
-                <a:ea typeface="新細明體" pitchFamily="18" charset="-120"/>
-              </a:rPr>
-              <a:t>username</a:t>
-            </a:r>
-            <a:r>
-              <a:rPr lang="mr-IN" altLang="zh-TW" dirty="0" smtClean="0">
-                <a:ea typeface="新細明體" pitchFamily="18" charset="-120"/>
-              </a:rPr>
-              <a:t>"</a:t>
-            </a:r>
-            <a:r>
-              <a:rPr lang="en-US" altLang="zh-TW" dirty="0" smtClean="0">
-                <a:ea typeface="新細明體" pitchFamily="18" charset="-120"/>
-              </a:rPr>
-              <a:t>], </a:t>
-            </a:r>
-            <a:r>
-              <a:rPr lang="en-US" altLang="zh-TW" dirty="0" smtClean="0">
-                <a:ea typeface="新細明體" pitchFamily="18" charset="-120"/>
-              </a:rPr>
-              <a:t>$HTTP_POST_VARS</a:t>
-            </a:r>
-            <a:r>
-              <a:rPr lang="en-US" altLang="zh-TW" dirty="0" smtClean="0">
-                <a:ea typeface="新細明體" pitchFamily="18" charset="-120"/>
-              </a:rPr>
-              <a:t>[</a:t>
-            </a:r>
-            <a:r>
-              <a:rPr lang="mr-IN" altLang="zh-TW" dirty="0" smtClean="0">
-                <a:ea typeface="新細明體" pitchFamily="18" charset="-120"/>
-              </a:rPr>
-              <a:t>"</a:t>
-            </a:r>
-            <a:r>
-              <a:rPr lang="en-US" altLang="zh-TW" dirty="0" smtClean="0">
-                <a:ea typeface="新細明體" pitchFamily="18" charset="-120"/>
-              </a:rPr>
-              <a:t>username</a:t>
-            </a:r>
-            <a:r>
-              <a:rPr lang="mr-IN" altLang="zh-TW" dirty="0" smtClean="0">
-                <a:ea typeface="新細明體" pitchFamily="18" charset="-120"/>
-              </a:rPr>
-              <a:t>"</a:t>
-            </a:r>
-            <a:r>
-              <a:rPr lang="en-US" altLang="zh-TW" dirty="0" smtClean="0">
-                <a:ea typeface="新細明體" pitchFamily="18" charset="-120"/>
-              </a:rPr>
-              <a:t>]</a:t>
+              <a:t> and save as </a:t>
+            </a:r>
+            <a:r>
+              <a:rPr lang="en-US" altLang="zh-TW" dirty="0" err="1" smtClean="0">
+                <a:ea typeface="新細明體" pitchFamily="18" charset="-120"/>
+              </a:rPr>
+              <a:t>bday.php</a:t>
             </a:r>
             <a:endParaRPr lang="en-US" altLang="zh-TW" dirty="0" smtClean="0">
               <a:ea typeface="新細明體" pitchFamily="18" charset="-120"/>
@@ -18359,125 +18075,110 @@
             <a:pPr eaLnBrk="1" hangingPunct="1"/>
             <a:r>
               <a:rPr lang="en-US" altLang="zh-TW" dirty="0" smtClean="0">
-                <a:solidFill>
-                  <a:srgbClr val="FF0000"/>
-                </a:solidFill>
-                <a:ea typeface="新細明體" pitchFamily="18" charset="-120"/>
-              </a:rPr>
-              <a:t>$_GET</a:t>
-            </a:r>
+                <a:ea typeface="新細明體" pitchFamily="18" charset="-120"/>
+              </a:rPr>
+              <a:t>All the results are stored in variables</a:t>
+            </a:r>
+          </a:p>
+          <a:p>
+            <a:pPr eaLnBrk="1" hangingPunct="1"/>
             <a:r>
               <a:rPr lang="en-US" altLang="zh-TW" dirty="0" smtClean="0">
-                <a:solidFill>
-                  <a:srgbClr val="FF0000"/>
-                </a:solidFill>
-                <a:ea typeface="新細明體" pitchFamily="18" charset="-120"/>
-              </a:rPr>
-              <a:t>[</a:t>
-            </a:r>
-            <a:r>
-              <a:rPr lang="mr-IN" altLang="zh-TW" dirty="0" smtClean="0">
-                <a:solidFill>
-                  <a:srgbClr val="FF0000"/>
-                </a:solidFill>
-                <a:ea typeface="新細明體" pitchFamily="18" charset="-120"/>
-              </a:rPr>
-              <a:t>"</a:t>
-            </a:r>
-            <a:r>
-              <a:rPr lang="en-US" altLang="zh-TW" dirty="0" smtClean="0">
-                <a:solidFill>
-                  <a:srgbClr val="FF0000"/>
-                </a:solidFill>
-                <a:ea typeface="新細明體" pitchFamily="18" charset="-120"/>
-              </a:rPr>
-              <a:t>username</a:t>
-            </a:r>
-            <a:r>
-              <a:rPr lang="mr-IN" altLang="zh-TW" dirty="0" smtClean="0">
-                <a:solidFill>
-                  <a:srgbClr val="FF0000"/>
-                </a:solidFill>
-                <a:ea typeface="新細明體" pitchFamily="18" charset="-120"/>
-              </a:rPr>
-              <a:t>"</a:t>
-            </a:r>
-            <a:r>
-              <a:rPr lang="en-US" altLang="zh-TW" dirty="0" smtClean="0">
-                <a:solidFill>
-                  <a:srgbClr val="FF0000"/>
-                </a:solidFill>
-                <a:ea typeface="新細明體" pitchFamily="18" charset="-120"/>
-              </a:rPr>
-              <a:t>], </a:t>
-            </a:r>
-            <a:r>
-              <a:rPr lang="en-US" altLang="zh-TW" dirty="0" smtClean="0">
-                <a:solidFill>
-                  <a:srgbClr val="FF0000"/>
-                </a:solidFill>
-                <a:ea typeface="新細明體" pitchFamily="18" charset="-120"/>
-              </a:rPr>
-              <a:t>$_POST</a:t>
-            </a:r>
-            <a:r>
-              <a:rPr lang="en-US" altLang="zh-TW" dirty="0" smtClean="0">
-                <a:solidFill>
-                  <a:srgbClr val="FF0000"/>
-                </a:solidFill>
-                <a:ea typeface="新細明體" pitchFamily="18" charset="-120"/>
-              </a:rPr>
-              <a:t>[</a:t>
-            </a:r>
-            <a:r>
-              <a:rPr lang="mr-IN" altLang="zh-TW" dirty="0" smtClean="0">
-                <a:solidFill>
-                  <a:srgbClr val="FF0000"/>
-                </a:solidFill>
-                <a:ea typeface="新細明體" pitchFamily="18" charset="-120"/>
-              </a:rPr>
-              <a:t>"</a:t>
-            </a:r>
-            <a:r>
-              <a:rPr lang="en-US" altLang="zh-TW" dirty="0" smtClean="0">
-                <a:solidFill>
-                  <a:srgbClr val="FF0000"/>
-                </a:solidFill>
-                <a:ea typeface="新細明體" pitchFamily="18" charset="-120"/>
-              </a:rPr>
-              <a:t>username</a:t>
-            </a:r>
-            <a:r>
-              <a:rPr lang="mr-IN" altLang="zh-TW" dirty="0" smtClean="0">
-                <a:solidFill>
-                  <a:srgbClr val="FF0000"/>
-                </a:solidFill>
-                <a:ea typeface="新細明體" pitchFamily="18" charset="-120"/>
-              </a:rPr>
-              <a:t>"</a:t>
-            </a:r>
-            <a:r>
-              <a:rPr lang="en-US" altLang="zh-TW" dirty="0" smtClean="0">
-                <a:solidFill>
-                  <a:srgbClr val="FF0000"/>
-                </a:solidFill>
-                <a:ea typeface="新細明體" pitchFamily="18" charset="-120"/>
-              </a:rPr>
-              <a:t>]</a:t>
-            </a:r>
+                <a:ea typeface="新細明體" pitchFamily="18" charset="-120"/>
+              </a:rPr>
+              <a:t>Change the constant variable to user’s input</a:t>
+            </a:r>
+          </a:p>
+          <a:p>
+            <a:pPr eaLnBrk="1" hangingPunct="1"/>
             <a:endParaRPr lang="en-US" altLang="zh-TW" dirty="0" smtClean="0">
-              <a:solidFill>
-                <a:srgbClr val="FF0000"/>
-              </a:solidFill>
               <a:ea typeface="新細明體" pitchFamily="18" charset="-120"/>
             </a:endParaRPr>
+          </a:p>
+          <a:p>
+            <a:pPr eaLnBrk="1" hangingPunct="1">
+              <a:buFont typeface="Wingdings" pitchFamily="2" charset="2"/>
+              <a:buNone/>
+            </a:pPr>
+            <a:r>
+              <a:rPr lang="en-US" altLang="zh-TW" sz="2400" dirty="0" smtClean="0">
+                <a:solidFill>
+                  <a:srgbClr val="FF0000"/>
+                </a:solidFill>
+                <a:ea typeface="新細明體" pitchFamily="18" charset="-120"/>
+              </a:rPr>
+              <a:t>$birthday=</a:t>
+            </a:r>
+            <a:r>
+              <a:rPr lang="mr-IN" altLang="zh-TW" sz="2400" dirty="0" smtClean="0">
+                <a:solidFill>
+                  <a:srgbClr val="FF0000"/>
+                </a:solidFill>
+                <a:ea typeface="新細明體" pitchFamily="18" charset="-120"/>
+              </a:rPr>
+              <a:t>"</a:t>
+            </a:r>
+            <a:r>
+              <a:rPr lang="en-US" altLang="zh-TW" sz="2400" dirty="0" smtClean="0">
+                <a:solidFill>
+                  <a:srgbClr val="FF0000"/>
+                </a:solidFill>
+                <a:ea typeface="新細明體" pitchFamily="18" charset="-120"/>
+              </a:rPr>
+              <a:t>19900427</a:t>
+            </a:r>
+            <a:r>
+              <a:rPr lang="mr-IN" altLang="zh-TW" sz="2400" dirty="0" smtClean="0">
+                <a:solidFill>
+                  <a:srgbClr val="FF0000"/>
+                </a:solidFill>
+                <a:ea typeface="新細明體" pitchFamily="18" charset="-120"/>
+              </a:rPr>
+              <a:t>"</a:t>
+            </a:r>
+            <a:r>
+              <a:rPr lang="en-US" altLang="zh-TW" sz="2400" dirty="0" smtClean="0">
+                <a:solidFill>
+                  <a:srgbClr val="FF0000"/>
+                </a:solidFill>
+                <a:ea typeface="新細明體" pitchFamily="18" charset="-120"/>
+              </a:rPr>
+              <a:t>;</a:t>
+            </a:r>
+          </a:p>
+          <a:p>
+            <a:pPr eaLnBrk="1" hangingPunct="1">
+              <a:buFont typeface="Wingdings" pitchFamily="2" charset="2"/>
+              <a:buNone/>
+            </a:pPr>
+            <a:r>
+              <a:rPr lang="en-US" altLang="zh-TW" sz="2400" dirty="0" smtClean="0">
+                <a:ea typeface="新細明體" pitchFamily="18" charset="-120"/>
+              </a:rPr>
+              <a:t>change to=&gt;</a:t>
+            </a:r>
+          </a:p>
+          <a:p>
+            <a:pPr eaLnBrk="1" hangingPunct="1">
+              <a:buFont typeface="Wingdings" pitchFamily="2" charset="2"/>
+              <a:buNone/>
+            </a:pPr>
+            <a:r>
+              <a:rPr lang="en-US" altLang="zh-TW" sz="2400" dirty="0" smtClean="0">
+                <a:solidFill>
+                  <a:srgbClr val="FF0000"/>
+                </a:solidFill>
+                <a:ea typeface="新細明體" pitchFamily="18" charset="-120"/>
+              </a:rPr>
+              <a:t>$birthday = $_POST['year'].$_POST['month'].$_POST['day'];</a:t>
+            </a:r>
           </a:p>
         </p:txBody>
       </p:sp>
     </p:spTree>
     <p:extLst>
       <p:ext uri="{BB962C8B-B14F-4D97-AF65-F5344CB8AC3E}">
-        <p14:creationId xmlns:p14="http://schemas.microsoft.com/office/powerpoint/2010/main" val="318371922"/>
+        <p14:creationId xmlns:p14="http://schemas.microsoft.com/office/powerpoint/2010/main" val="356595463"/>
       </p:ext>
     </p:extLst>
   </p:cSld>
@@ -18585,13 +18286,7 @@
               <a:rPr lang="en-US" altLang="zh-TW" dirty="0" smtClean="0">
                 <a:ea typeface="新細明體" pitchFamily="18" charset="-120"/>
               </a:rPr>
-              <a:t> </a:t>
-            </a:r>
-            <a:r>
-              <a:rPr lang="en-US" altLang="zh-TW" dirty="0" smtClean="0">
-                <a:ea typeface="新細明體" pitchFamily="18" charset="-120"/>
-              </a:rPr>
-              <a:t>a form by modifying its controls before submitting the form to an agent for processing </a:t>
+              <a:t> a form by modifying its controls before submitting the form to an agent for processing </a:t>
             </a:r>
           </a:p>
         </p:txBody>
@@ -18638,7 +18333,7 @@
       </p:grpSpPr>
       <p:sp>
         <p:nvSpPr>
-          <p:cNvPr id="201730" name="Rectangle 2"/>
+          <p:cNvPr id="204802" name="Rectangle 2"/>
           <p:cNvSpPr>
             <a:spLocks noGrp="1" noChangeArrowheads="1"/>
           </p:cNvSpPr>
@@ -18656,17 +18351,20 @@
             </a:pPr>
             <a:r>
               <a:rPr lang="en-US" altLang="zh-TW" smtClean="0">
-                <a:latin typeface="Times New Roman" pitchFamily="18" charset="0"/>
-                <a:ea typeface="新細明體" pitchFamily="18" charset="-120"/>
-              </a:rPr>
-              <a:t>Exercise 6</a:t>
-            </a:r>
-          </a:p>
-        </p:txBody>
-      </p:sp>
-      <p:sp>
-        <p:nvSpPr>
-          <p:cNvPr id="39939" name="Rectangle 3"/>
+                <a:ea typeface="新細明體" pitchFamily="18" charset="-120"/>
+              </a:rPr>
+              <a:t>Generate a result</a:t>
+            </a:r>
+            <a:endParaRPr lang="en-US" altLang="zh-TW" smtClean="0">
+              <a:latin typeface="Times New Roman" pitchFamily="18" charset="0"/>
+              <a:ea typeface="新細明體" pitchFamily="18" charset="-120"/>
+            </a:endParaRPr>
+          </a:p>
+        </p:txBody>
+      </p:sp>
+      <p:sp>
+        <p:nvSpPr>
+          <p:cNvPr id="38915" name="Rectangle 3"/>
           <p:cNvSpPr>
             <a:spLocks noGrp="1" noChangeArrowheads="1"/>
           </p:cNvSpPr>
@@ -18681,54 +18379,54 @@
           <a:p>
             <a:pPr eaLnBrk="1" hangingPunct="1"/>
             <a:r>
-              <a:rPr lang="en-US" altLang="zh-TW" smtClean="0">
-                <a:ea typeface="新細明體" pitchFamily="18" charset="-120"/>
-              </a:rPr>
-              <a:t>Try to write out a form in html for user to input a number</a:t>
-            </a:r>
+              <a:rPr lang="en-US" altLang="zh-TW" dirty="0" smtClean="0">
+                <a:ea typeface="新細明體" pitchFamily="18" charset="-120"/>
+              </a:rPr>
+              <a:t>In IE, open http://localhost/</a:t>
+            </a:r>
+            <a:r>
+              <a:rPr lang="en-US" altLang="zh-TW" dirty="0" err="1" smtClean="0">
+                <a:ea typeface="新細明體" pitchFamily="18" charset="-120"/>
+              </a:rPr>
+              <a:t>bday.html</a:t>
+            </a:r>
+            <a:endParaRPr lang="en-US" altLang="zh-TW" dirty="0" smtClean="0">
+              <a:ea typeface="新細明體" pitchFamily="18" charset="-120"/>
+            </a:endParaRPr>
           </a:p>
           <a:p>
             <a:pPr eaLnBrk="1" hangingPunct="1"/>
             <a:r>
-              <a:rPr lang="en-US" altLang="zh-TW" smtClean="0">
-                <a:ea typeface="新細明體" pitchFamily="18" charset="-120"/>
-              </a:rPr>
-              <a:t>Save as square.html</a:t>
+              <a:rPr lang="en-US" altLang="zh-TW" dirty="0" smtClean="0">
+                <a:ea typeface="新細明體" pitchFamily="18" charset="-120"/>
+              </a:rPr>
+              <a:t>Testing it by input some data</a:t>
             </a:r>
           </a:p>
           <a:p>
             <a:pPr eaLnBrk="1" hangingPunct="1"/>
             <a:r>
-              <a:rPr lang="en-US" altLang="zh-TW" smtClean="0">
-                <a:ea typeface="新細明體" pitchFamily="18" charset="-120"/>
-              </a:rPr>
-              <a:t>Create a new php file</a:t>
-            </a:r>
-          </a:p>
-          <a:p>
-            <a:pPr eaLnBrk="1" hangingPunct="1"/>
-            <a:r>
-              <a:rPr lang="en-US" altLang="zh-TW" smtClean="0">
-                <a:ea typeface="新細明體" pitchFamily="18" charset="-120"/>
-              </a:rPr>
-              <a:t>Find the square of the number</a:t>
-            </a:r>
-          </a:p>
-          <a:p>
-            <a:pPr eaLnBrk="1" hangingPunct="1"/>
-            <a:r>
-              <a:rPr lang="en-US" altLang="zh-TW" smtClean="0">
-                <a:ea typeface="新細明體" pitchFamily="18" charset="-120"/>
-              </a:rPr>
-              <a:t>Save as square.php and test the page</a:t>
-            </a:r>
+              <a:rPr lang="en-US" altLang="zh-TW" dirty="0" smtClean="0">
+                <a:ea typeface="新細明體" pitchFamily="18" charset="-120"/>
+              </a:rPr>
+              <a:t>Result will be displayed by </a:t>
+            </a:r>
+            <a:r>
+              <a:rPr lang="en-US" altLang="zh-TW" dirty="0" err="1" smtClean="0">
+                <a:ea typeface="新細明體" pitchFamily="18" charset="-120"/>
+              </a:rPr>
+              <a:t>bday.php</a:t>
+            </a:r>
+            <a:endParaRPr lang="en-US" altLang="zh-TW" dirty="0" smtClean="0">
+              <a:ea typeface="新細明體" pitchFamily="18" charset="-120"/>
+            </a:endParaRPr>
           </a:p>
         </p:txBody>
       </p:sp>
     </p:spTree>
     <p:extLst>
       <p:ext uri="{BB962C8B-B14F-4D97-AF65-F5344CB8AC3E}">
-        <p14:creationId xmlns:p14="http://schemas.microsoft.com/office/powerpoint/2010/main" val="916478692"/>
+        <p14:creationId xmlns:p14="http://schemas.microsoft.com/office/powerpoint/2010/main" val="1820571511"/>
       </p:ext>
     </p:extLst>
   </p:cSld>
@@ -18738,13 +18436,6 @@
   <p:transition>
     <p:checker/>
   </p:transition>
-  <p:timing>
-    <p:tnLst>
-      <p:par>
-        <p:cTn id="1" dur="indefinite" restart="never" nodeType="tmRoot"/>
-      </p:par>
-    </p:tnLst>
-  </p:timing>
 </p:sld>
 </file>
 
@@ -18767,7 +18458,7 @@
       </p:grpSpPr>
       <p:sp>
         <p:nvSpPr>
-          <p:cNvPr id="208898" name="Rectangle 2"/>
+          <p:cNvPr id="142338" name="Rectangle 2"/>
           <p:cNvSpPr>
             <a:spLocks noGrp="1" noChangeArrowheads="1"/>
           </p:cNvSpPr>
@@ -18785,17 +18476,17 @@
             </a:pPr>
             <a:r>
               <a:rPr lang="en-US" altLang="zh-TW" smtClean="0">
-                <a:latin typeface="Times New Roman" pitchFamily="18" charset="0"/>
-                <a:ea typeface="新細明體" pitchFamily="18" charset="-120"/>
-              </a:rPr>
-              <a:t>Exercise 7</a:t>
-            </a:r>
-          </a:p>
-        </p:txBody>
-      </p:sp>
-      <p:sp>
-        <p:nvSpPr>
-          <p:cNvPr id="40963" name="Rectangle 3"/>
+                <a:latin typeface="Times New Roman" charset="0"/>
+                <a:ea typeface="新細明體" charset="-120"/>
+              </a:rPr>
+              <a:t>Get and Post</a:t>
+            </a:r>
+          </a:p>
+        </p:txBody>
+      </p:sp>
+      <p:sp>
+        <p:nvSpPr>
+          <p:cNvPr id="35843" name="Rectangle 3"/>
           <p:cNvSpPr>
             <a:spLocks noGrp="1" noChangeArrowheads="1"/>
           </p:cNvSpPr>
@@ -18805,75 +18496,53 @@
         </p:nvSpPr>
         <p:spPr/>
         <p:txBody>
-          <a:bodyPr/>
+          <a:bodyPr>
+            <a:normAutofit lnSpcReduction="10000"/>
+          </a:bodyPr>
           <a:lstStyle/>
           <a:p>
             <a:pPr eaLnBrk="1" hangingPunct="1"/>
             <a:r>
-              <a:rPr lang="en-US" altLang="zh-TW" dirty="0" smtClean="0">
-                <a:ea typeface="新細明體" pitchFamily="18" charset="-120"/>
-              </a:rPr>
-              <a:t>Try to write out a form in html for user to input two numbers</a:t>
+              <a:rPr lang="en-US" altLang="zh-TW" smtClean="0">
+                <a:ea typeface="新細明體" pitchFamily="18" charset="-120"/>
+              </a:rPr>
+              <a:t>Get data is displayed in the location bar</a:t>
             </a:r>
           </a:p>
           <a:p>
             <a:pPr eaLnBrk="1" hangingPunct="1"/>
             <a:r>
-              <a:rPr lang="en-US" altLang="zh-TW" dirty="0" smtClean="0">
-                <a:ea typeface="新細明體" pitchFamily="18" charset="-120"/>
-              </a:rPr>
-              <a:t>Save as multiple.html</a:t>
+              <a:rPr lang="en-US" altLang="zh-TW" smtClean="0">
+                <a:ea typeface="新細明體" pitchFamily="18" charset="-120"/>
+              </a:rPr>
+              <a:t>Get is used for requesting information, like a particular record from a database or the results of a search. (search always use get)</a:t>
             </a:r>
           </a:p>
           <a:p>
             <a:pPr eaLnBrk="1" hangingPunct="1"/>
             <a:r>
-              <a:rPr lang="en-US" altLang="zh-TW" dirty="0" smtClean="0">
-                <a:ea typeface="新細明體" pitchFamily="18" charset="-120"/>
-              </a:rPr>
-              <a:t>Create a new </a:t>
-            </a:r>
-            <a:r>
-              <a:rPr lang="en-US" altLang="zh-TW" dirty="0" err="1" smtClean="0">
-                <a:ea typeface="新細明體" pitchFamily="18" charset="-120"/>
-              </a:rPr>
-              <a:t>php</a:t>
-            </a:r>
-            <a:r>
-              <a:rPr lang="en-US" altLang="zh-TW" dirty="0" smtClean="0">
-                <a:ea typeface="新細明體" pitchFamily="18" charset="-120"/>
-              </a:rPr>
-              <a:t> file</a:t>
+              <a:rPr lang="en-US" altLang="zh-TW" smtClean="0">
+                <a:ea typeface="新細明體" pitchFamily="18" charset="-120"/>
+              </a:rPr>
+              <a:t>Post usually handle large data</a:t>
             </a:r>
           </a:p>
           <a:p>
             <a:pPr eaLnBrk="1" hangingPunct="1"/>
             <a:r>
-              <a:rPr lang="en-US" altLang="zh-TW" dirty="0" smtClean="0">
-                <a:ea typeface="新細明體" pitchFamily="18" charset="-120"/>
-              </a:rPr>
-              <a:t>Find the product of the numbers</a:t>
+              <a:rPr lang="en-US" altLang="zh-TW" smtClean="0">
+                <a:ea typeface="新細明體" pitchFamily="18" charset="-120"/>
+              </a:rPr>
+              <a:t>Post is used when an action is required, as when a database record will be updated or email should be sent</a:t>
             </a:r>
           </a:p>
           <a:p>
             <a:pPr eaLnBrk="1" hangingPunct="1"/>
             <a:r>
-              <a:rPr lang="en-US" altLang="zh-TW" dirty="0" smtClean="0">
-                <a:ea typeface="新細明體" pitchFamily="18" charset="-120"/>
-              </a:rPr>
-              <a:t>Save as </a:t>
-            </a:r>
-            <a:r>
-              <a:rPr lang="en-US" altLang="zh-TW" dirty="0" err="1" smtClean="0">
-                <a:ea typeface="新細明體" pitchFamily="18" charset="-120"/>
-              </a:rPr>
-              <a:t>multiple.php</a:t>
-            </a:r>
-            <a:r>
-              <a:rPr lang="en-US" altLang="zh-TW" dirty="0" smtClean="0">
-                <a:ea typeface="新細明體" pitchFamily="18" charset="-120"/>
-              </a:rPr>
-              <a:t> and test the page</a:t>
+              <a:rPr lang="en-US" altLang="zh-TW" smtClean="0">
+                <a:ea typeface="新細明體" pitchFamily="18" charset="-120"/>
+              </a:rPr>
+              <a:t>Post is usually used in nowadays</a:t>
             </a:r>
           </a:p>
         </p:txBody>
@@ -18881,7 +18550,7 @@
     </p:spTree>
     <p:extLst>
       <p:ext uri="{BB962C8B-B14F-4D97-AF65-F5344CB8AC3E}">
-        <p14:creationId xmlns:p14="http://schemas.microsoft.com/office/powerpoint/2010/main" val="1504660160"/>
+        <p14:creationId xmlns:p14="http://schemas.microsoft.com/office/powerpoint/2010/main" val="998382921"/>
       </p:ext>
     </p:extLst>
   </p:cSld>
@@ -18891,13 +18560,6 @@
   <p:transition>
     <p:checker/>
   </p:transition>
-  <p:timing>
-    <p:tnLst>
-      <p:par>
-        <p:cTn id="1" dur="indefinite" restart="never" nodeType="tmRoot"/>
-      </p:par>
-    </p:tnLst>
-  </p:timing>
 </p:sld>
 </file>
 
@@ -18920,12 +18582,40 @@
       </p:grpSpPr>
       <p:sp>
         <p:nvSpPr>
-          <p:cNvPr id="178178" name="Rectangle 2"/>
+          <p:cNvPr id="146434" name="Rectangle 2"/>
           <p:cNvSpPr>
             <a:spLocks noGrp="1" noChangeArrowheads="1"/>
           </p:cNvSpPr>
           <p:nvPr>
             <p:ph type="title"/>
+          </p:nvPr>
+        </p:nvSpPr>
+        <p:spPr/>
+        <p:txBody>
+          <a:bodyPr/>
+          <a:lstStyle/>
+          <a:p>
+            <a:pPr eaLnBrk="1" hangingPunct="1">
+              <a:defRPr/>
+            </a:pPr>
+            <a:r>
+              <a:rPr lang="en-US" altLang="zh-TW" dirty="0" smtClean="0">
+                <a:latin typeface="Times New Roman" charset="0"/>
+                <a:ea typeface="新細明體" charset="-120"/>
+              </a:rPr>
+              <a:t>Variable</a:t>
+            </a:r>
+          </a:p>
+        </p:txBody>
+      </p:sp>
+      <p:sp>
+        <p:nvSpPr>
+          <p:cNvPr id="36867" name="Rectangle 3"/>
+          <p:cNvSpPr>
+            <a:spLocks noGrp="1" noChangeArrowheads="1"/>
+          </p:cNvSpPr>
+          <p:nvPr>
+            <p:ph idx="1"/>
           </p:nvPr>
         </p:nvSpPr>
         <p:spPr/>
@@ -18935,132 +18625,191 @@
           </a:bodyPr>
           <a:lstStyle/>
           <a:p>
-            <a:pPr eaLnBrk="1" hangingPunct="1">
-              <a:defRPr/>
-            </a:pPr>
-            <a:r>
-              <a:rPr lang="en-US" altLang="zh-TW" smtClean="0">
-                <a:latin typeface="Times New Roman" pitchFamily="18" charset="0"/>
-                <a:ea typeface="新細明體" pitchFamily="18" charset="-120"/>
-              </a:rPr>
-              <a:t>Exercise 8 – Body Mass Index</a:t>
-            </a:r>
-          </a:p>
-        </p:txBody>
-      </p:sp>
-      <p:sp>
-        <p:nvSpPr>
-          <p:cNvPr id="41987" name="Rectangle 3"/>
-          <p:cNvSpPr>
-            <a:spLocks noGrp="1" noChangeArrowheads="1"/>
-          </p:cNvSpPr>
-          <p:nvPr>
-            <p:ph idx="1"/>
-          </p:nvPr>
-        </p:nvSpPr>
-        <p:spPr/>
-        <p:txBody>
-          <a:bodyPr/>
-          <a:lstStyle/>
-          <a:p>
             <a:pPr eaLnBrk="1" hangingPunct="1"/>
             <a:r>
+              <a:rPr lang="zh-TW" altLang="en-US" dirty="0" smtClean="0">
+                <a:ea typeface="新細明體" pitchFamily="18" charset="-120"/>
+              </a:rPr>
+              <a:t>$</a:t>
+            </a:r>
+            <a:r>
               <a:rPr lang="en-US" altLang="zh-TW" dirty="0" smtClean="0">
                 <a:ea typeface="新細明體" pitchFamily="18" charset="-120"/>
               </a:rPr>
-              <a:t>Find the </a:t>
+              <a:t>username – short form, not recommended in PHP4 since </a:t>
             </a:r>
             <a:r>
               <a:rPr lang="en-US" altLang="zh-TW" dirty="0" err="1" smtClean="0">
                 <a:ea typeface="新細明體" pitchFamily="18" charset="-120"/>
               </a:rPr>
-              <a:t>bmi</a:t>
+              <a:t>register_globals</a:t>
             </a:r>
             <a:r>
               <a:rPr lang="en-US" altLang="zh-TW" dirty="0" smtClean="0">
                 <a:ea typeface="新細明體" pitchFamily="18" charset="-120"/>
               </a:rPr>
-              <a:t> for yourself</a:t>
+              <a:t> is turned off in /</a:t>
+            </a:r>
+            <a:r>
+              <a:rPr lang="en-US" altLang="zh-TW" dirty="0" err="1" smtClean="0">
+                <a:ea typeface="新細明體" pitchFamily="18" charset="-120"/>
+              </a:rPr>
+              <a:t>etc</a:t>
+            </a:r>
+            <a:r>
+              <a:rPr lang="en-US" altLang="zh-TW" dirty="0" smtClean="0">
+                <a:ea typeface="新細明體" pitchFamily="18" charset="-120"/>
+              </a:rPr>
+              <a:t>/php.ini</a:t>
             </a:r>
           </a:p>
           <a:p>
             <a:pPr eaLnBrk="1" hangingPunct="1"/>
             <a:r>
-              <a:rPr lang="en-US" altLang="zh-TW" dirty="0" err="1" smtClean="0">
-                <a:ea typeface="新細明體" pitchFamily="18" charset="-120"/>
-              </a:rPr>
-              <a:t>Bmi</a:t>
-            </a:r>
-            <a:r>
               <a:rPr lang="en-US" altLang="zh-TW" dirty="0" smtClean="0">
                 <a:ea typeface="新細明體" pitchFamily="18" charset="-120"/>
               </a:rPr>
-              <a:t> = weight(kg)/height(m)/height(m)</a:t>
+              <a:t>$HTTP_GET_VARS[</a:t>
+            </a:r>
+            <a:r>
+              <a:rPr lang="mr-IN" altLang="zh-TW" dirty="0" smtClean="0">
+                <a:ea typeface="新細明體" pitchFamily="18" charset="-120"/>
+              </a:rPr>
+              <a:t>"</a:t>
+            </a:r>
+            <a:r>
+              <a:rPr lang="en-US" altLang="zh-TW" dirty="0" smtClean="0">
+                <a:ea typeface="新細明體" pitchFamily="18" charset="-120"/>
+              </a:rPr>
+              <a:t>username</a:t>
+            </a:r>
+            <a:r>
+              <a:rPr lang="mr-IN" altLang="zh-TW" dirty="0" smtClean="0">
+                <a:ea typeface="新細明體" pitchFamily="18" charset="-120"/>
+              </a:rPr>
+              <a:t>"</a:t>
+            </a:r>
+            <a:r>
+              <a:rPr lang="en-US" altLang="zh-TW" dirty="0" smtClean="0">
+                <a:ea typeface="新細明體" pitchFamily="18" charset="-120"/>
+              </a:rPr>
+              <a:t>], $HTTP_POST_VARS[</a:t>
+            </a:r>
+            <a:r>
+              <a:rPr lang="mr-IN" altLang="zh-TW" dirty="0" smtClean="0">
+                <a:ea typeface="新細明體" pitchFamily="18" charset="-120"/>
+              </a:rPr>
+              <a:t>"</a:t>
+            </a:r>
+            <a:r>
+              <a:rPr lang="en-US" altLang="zh-TW" dirty="0" smtClean="0">
+                <a:ea typeface="新細明體" pitchFamily="18" charset="-120"/>
+              </a:rPr>
+              <a:t>username</a:t>
+            </a:r>
+            <a:r>
+              <a:rPr lang="mr-IN" altLang="zh-TW" dirty="0" smtClean="0">
+                <a:ea typeface="新細明體" pitchFamily="18" charset="-120"/>
+              </a:rPr>
+              <a:t>"</a:t>
+            </a:r>
+            <a:r>
+              <a:rPr lang="en-US" altLang="zh-TW" dirty="0" smtClean="0">
+                <a:ea typeface="新細明體" pitchFamily="18" charset="-120"/>
+              </a:rPr>
+              <a:t>]</a:t>
             </a:r>
           </a:p>
           <a:p>
             <a:pPr eaLnBrk="1" hangingPunct="1"/>
             <a:r>
               <a:rPr lang="en-US" altLang="zh-TW" dirty="0" smtClean="0">
-                <a:ea typeface="新細明體" pitchFamily="18" charset="-120"/>
-              </a:rPr>
-              <a:t>If I am 70kg and 1.74m, what is my </a:t>
-            </a:r>
-            <a:r>
-              <a:rPr lang="en-US" altLang="zh-TW" dirty="0" err="1" smtClean="0">
-                <a:ea typeface="新細明體" pitchFamily="18" charset="-120"/>
-              </a:rPr>
-              <a:t>bmi</a:t>
+                <a:solidFill>
+                  <a:srgbClr val="FF0000"/>
+                </a:solidFill>
+                <a:ea typeface="新細明體" pitchFamily="18" charset="-120"/>
+              </a:rPr>
+              <a:t>$_GET[</a:t>
+            </a:r>
+            <a:r>
+              <a:rPr lang="mr-IN" altLang="zh-TW" dirty="0" smtClean="0">
+                <a:solidFill>
+                  <a:srgbClr val="FF0000"/>
+                </a:solidFill>
+                <a:ea typeface="新細明體" pitchFamily="18" charset="-120"/>
+              </a:rPr>
+              <a:t>"</a:t>
             </a:r>
             <a:r>
               <a:rPr lang="en-US" altLang="zh-TW" dirty="0" smtClean="0">
-                <a:ea typeface="新細明體" pitchFamily="18" charset="-120"/>
-              </a:rPr>
-              <a:t>?</a:t>
-            </a:r>
-          </a:p>
-          <a:p>
-            <a:pPr eaLnBrk="1" hangingPunct="1"/>
+                <a:solidFill>
+                  <a:srgbClr val="FF0000"/>
+                </a:solidFill>
+                <a:ea typeface="新細明體" pitchFamily="18" charset="-120"/>
+              </a:rPr>
+              <a:t>username</a:t>
+            </a:r>
+            <a:r>
+              <a:rPr lang="mr-IN" altLang="zh-TW" dirty="0" smtClean="0">
+                <a:solidFill>
+                  <a:srgbClr val="FF0000"/>
+                </a:solidFill>
+                <a:ea typeface="新細明體" pitchFamily="18" charset="-120"/>
+              </a:rPr>
+              <a:t>"</a:t>
+            </a:r>
             <a:r>
               <a:rPr lang="en-US" altLang="zh-TW" dirty="0" smtClean="0">
-                <a:ea typeface="新細明體" pitchFamily="18" charset="-120"/>
-              </a:rPr>
-              <a:t>&lt;18.5 underweight, 18.5-25.0 normal, &gt;25.0 overweight</a:t>
-            </a:r>
-          </a:p>
-          <a:p>
-            <a:pPr eaLnBrk="1" hangingPunct="1"/>
+                <a:solidFill>
+                  <a:srgbClr val="FF0000"/>
+                </a:solidFill>
+                <a:ea typeface="新細明體" pitchFamily="18" charset="-120"/>
+              </a:rPr>
+              <a:t>], $_POST[</a:t>
+            </a:r>
+            <a:r>
+              <a:rPr lang="mr-IN" altLang="zh-TW" dirty="0" smtClean="0">
+                <a:solidFill>
+                  <a:srgbClr val="FF0000"/>
+                </a:solidFill>
+                <a:ea typeface="新細明體" pitchFamily="18" charset="-120"/>
+              </a:rPr>
+              <a:t>"</a:t>
+            </a:r>
             <a:r>
               <a:rPr lang="en-US" altLang="zh-TW" dirty="0" smtClean="0">
-                <a:ea typeface="新細明體" pitchFamily="18" charset="-120"/>
-              </a:rPr>
-              <a:t>Write a form that can let user to input his/her height and weight</a:t>
-            </a:r>
-          </a:p>
-          <a:p>
-            <a:pPr eaLnBrk="1" hangingPunct="1"/>
+                <a:solidFill>
+                  <a:srgbClr val="FF0000"/>
+                </a:solidFill>
+                <a:ea typeface="新細明體" pitchFamily="18" charset="-120"/>
+              </a:rPr>
+              <a:t>username</a:t>
+            </a:r>
+            <a:r>
+              <a:rPr lang="mr-IN" altLang="zh-TW" dirty="0" smtClean="0">
+                <a:solidFill>
+                  <a:srgbClr val="FF0000"/>
+                </a:solidFill>
+                <a:ea typeface="新細明體" pitchFamily="18" charset="-120"/>
+              </a:rPr>
+              <a:t>"</a:t>
+            </a:r>
             <a:r>
               <a:rPr lang="en-US" altLang="zh-TW" dirty="0" smtClean="0">
-                <a:ea typeface="新細明體" pitchFamily="18" charset="-120"/>
-              </a:rPr>
-              <a:t>See </a:t>
-            </a:r>
-            <a:r>
-              <a:rPr lang="en-US" altLang="zh-TW" dirty="0" err="1" smtClean="0">
-                <a:ea typeface="新細明體" pitchFamily="18" charset="-120"/>
-              </a:rPr>
-              <a:t>bmi.php</a:t>
-            </a:r>
-            <a:endParaRPr lang="en-US" altLang="zh-TW" dirty="0" smtClean="0">
-              <a:ea typeface="新細明體" pitchFamily="18" charset="-120"/>
-            </a:endParaRPr>
+                <a:solidFill>
+                  <a:srgbClr val="FF0000"/>
+                </a:solidFill>
+                <a:ea typeface="新細明體" pitchFamily="18" charset="-120"/>
+              </a:rPr>
+              <a:t>]</a:t>
+            </a:r>
           </a:p>
         </p:txBody>
       </p:sp>
     </p:spTree>
     <p:extLst>
       <p:ext uri="{BB962C8B-B14F-4D97-AF65-F5344CB8AC3E}">
-        <p14:creationId xmlns:p14="http://schemas.microsoft.com/office/powerpoint/2010/main" val="55882048"/>
+        <p14:creationId xmlns:p14="http://schemas.microsoft.com/office/powerpoint/2010/main" val="318371922"/>
       </p:ext>
     </p:extLst>
   </p:cSld>
@@ -19070,13 +18819,6 @@
   <p:transition>
     <p:checker/>
   </p:transition>
-  <p:timing>
-    <p:tnLst>
-      <p:par>
-        <p:cTn id="1" dur="indefinite" restart="never" nodeType="tmRoot"/>
-      </p:par>
-    </p:tnLst>
-  </p:timing>
 </p:sld>
 </file>
 
@@ -19099,7 +18841,7 @@
       </p:grpSpPr>
       <p:sp>
         <p:nvSpPr>
-          <p:cNvPr id="80898" name="Rectangle 1026"/>
+          <p:cNvPr id="201730" name="Rectangle 2"/>
           <p:cNvSpPr>
             <a:spLocks noGrp="1" noChangeArrowheads="1"/>
           </p:cNvSpPr>
@@ -19112,21 +18854,22 @@
           <a:bodyPr/>
           <a:lstStyle/>
           <a:p>
-            <a:pPr>
+            <a:pPr eaLnBrk="1" hangingPunct="1">
               <a:defRPr/>
             </a:pPr>
             <a:r>
               <a:rPr lang="en-US" altLang="zh-TW" smtClean="0">
                 <a:latin typeface="Times New Roman" pitchFamily="18" charset="0"/>
-              </a:rPr>
-              <a:t>Getting info from a web page</a:t>
-            </a:r>
-          </a:p>
-        </p:txBody>
-      </p:sp>
-      <p:sp>
-        <p:nvSpPr>
-          <p:cNvPr id="44035" name="Rectangle 1027"/>
+                <a:ea typeface="新細明體" pitchFamily="18" charset="-120"/>
+              </a:rPr>
+              <a:t>Exercise 6</a:t>
+            </a:r>
+          </a:p>
+        </p:txBody>
+      </p:sp>
+      <p:sp>
+        <p:nvSpPr>
+          <p:cNvPr id="39939" name="Rectangle 3"/>
           <p:cNvSpPr>
             <a:spLocks noGrp="1" noChangeArrowheads="1"/>
           </p:cNvSpPr>
@@ -19139,70 +18882,56 @@
           <a:bodyPr/>
           <a:lstStyle/>
           <a:p>
+            <a:pPr eaLnBrk="1" hangingPunct="1"/>
             <a:r>
               <a:rPr lang="en-US" altLang="zh-TW" smtClean="0">
                 <a:ea typeface="新細明體" pitchFamily="18" charset="-120"/>
               </a:rPr>
-              <a:t>Create a form by Dreamweaver to collect username and password for login</a:t>
-            </a:r>
-          </a:p>
-          <a:p>
+              <a:t>Try to write out a form in html for user to input a number</a:t>
+            </a:r>
+          </a:p>
+          <a:p>
+            <a:pPr eaLnBrk="1" hangingPunct="1"/>
             <a:r>
               <a:rPr lang="en-US" altLang="zh-TW" smtClean="0">
                 <a:ea typeface="新細明體" pitchFamily="18" charset="-120"/>
               </a:rPr>
-              <a:t>Send the information to the php</a:t>
-            </a:r>
-          </a:p>
-          <a:p>
+              <a:t>Save as square.html</a:t>
+            </a:r>
+          </a:p>
+          <a:p>
+            <a:pPr eaLnBrk="1" hangingPunct="1"/>
             <a:r>
               <a:rPr lang="en-US" altLang="zh-TW" smtClean="0">
                 <a:ea typeface="新細明體" pitchFamily="18" charset="-120"/>
               </a:rPr>
-              <a:t>Create a php page</a:t>
-            </a:r>
-          </a:p>
-          <a:p>
+              <a:t>Create a new php file</a:t>
+            </a:r>
+          </a:p>
+          <a:p>
+            <a:pPr eaLnBrk="1" hangingPunct="1"/>
             <a:r>
               <a:rPr lang="en-US" altLang="zh-TW" smtClean="0">
                 <a:ea typeface="新細明體" pitchFamily="18" charset="-120"/>
               </a:rPr>
-              <a:t>Test the html page</a:t>
-            </a:r>
-          </a:p>
-          <a:p>
+              <a:t>Find the square of the number</a:t>
+            </a:r>
+          </a:p>
+          <a:p>
+            <a:pPr eaLnBrk="1" hangingPunct="1"/>
             <a:r>
               <a:rPr lang="en-US" altLang="zh-TW" smtClean="0">
                 <a:ea typeface="新細明體" pitchFamily="18" charset="-120"/>
               </a:rPr>
-              <a:t>Result can be seen by the php page</a:t>
-            </a:r>
-          </a:p>
-          <a:p>
-            <a:r>
-              <a:rPr lang="en-US" altLang="zh-TW" smtClean="0">
-                <a:ea typeface="新細明體" pitchFamily="18" charset="-120"/>
-              </a:rPr>
-              <a:t>login.html</a:t>
-            </a:r>
-          </a:p>
-          <a:p>
-            <a:r>
-              <a:rPr lang="en-US" altLang="zh-TW" smtClean="0">
-                <a:ea typeface="新細明體" pitchFamily="18" charset="-120"/>
-              </a:rPr>
-              <a:t>login.php</a:t>
-            </a:r>
-            <a:endParaRPr lang="zh-TW" altLang="en-US" smtClean="0">
-              <a:ea typeface="新細明體" pitchFamily="18" charset="-120"/>
-            </a:endParaRPr>
+              <a:t>Save as square.php and test the page</a:t>
+            </a:r>
           </a:p>
         </p:txBody>
       </p:sp>
     </p:spTree>
     <p:extLst>
       <p:ext uri="{BB962C8B-B14F-4D97-AF65-F5344CB8AC3E}">
-        <p14:creationId xmlns:p14="http://schemas.microsoft.com/office/powerpoint/2010/main" val="2127791752"/>
+        <p14:creationId xmlns:p14="http://schemas.microsoft.com/office/powerpoint/2010/main" val="916478692"/>
       </p:ext>
     </p:extLst>
   </p:cSld>
@@ -19241,6 +18970,480 @@
       </p:grpSpPr>
       <p:sp>
         <p:nvSpPr>
+          <p:cNvPr id="208898" name="Rectangle 2"/>
+          <p:cNvSpPr>
+            <a:spLocks noGrp="1" noChangeArrowheads="1"/>
+          </p:cNvSpPr>
+          <p:nvPr>
+            <p:ph type="title"/>
+          </p:nvPr>
+        </p:nvSpPr>
+        <p:spPr/>
+        <p:txBody>
+          <a:bodyPr/>
+          <a:lstStyle/>
+          <a:p>
+            <a:pPr eaLnBrk="1" hangingPunct="1">
+              <a:defRPr/>
+            </a:pPr>
+            <a:r>
+              <a:rPr lang="en-US" altLang="zh-TW" smtClean="0">
+                <a:latin typeface="Times New Roman" pitchFamily="18" charset="0"/>
+                <a:ea typeface="新細明體" pitchFamily="18" charset="-120"/>
+              </a:rPr>
+              <a:t>Exercise 7</a:t>
+            </a:r>
+          </a:p>
+        </p:txBody>
+      </p:sp>
+      <p:sp>
+        <p:nvSpPr>
+          <p:cNvPr id="40963" name="Rectangle 3"/>
+          <p:cNvSpPr>
+            <a:spLocks noGrp="1" noChangeArrowheads="1"/>
+          </p:cNvSpPr>
+          <p:nvPr>
+            <p:ph idx="1"/>
+          </p:nvPr>
+        </p:nvSpPr>
+        <p:spPr/>
+        <p:txBody>
+          <a:bodyPr/>
+          <a:lstStyle/>
+          <a:p>
+            <a:pPr eaLnBrk="1" hangingPunct="1"/>
+            <a:r>
+              <a:rPr lang="en-US" altLang="zh-TW" dirty="0" smtClean="0">
+                <a:ea typeface="新細明體" pitchFamily="18" charset="-120"/>
+              </a:rPr>
+              <a:t>Try to write out a form in html for user to input two numbers</a:t>
+            </a:r>
+          </a:p>
+          <a:p>
+            <a:pPr eaLnBrk="1" hangingPunct="1"/>
+            <a:r>
+              <a:rPr lang="en-US" altLang="zh-TW" dirty="0" smtClean="0">
+                <a:ea typeface="新細明體" pitchFamily="18" charset="-120"/>
+              </a:rPr>
+              <a:t>Save as multiple.html</a:t>
+            </a:r>
+          </a:p>
+          <a:p>
+            <a:pPr eaLnBrk="1" hangingPunct="1"/>
+            <a:r>
+              <a:rPr lang="en-US" altLang="zh-TW" dirty="0" smtClean="0">
+                <a:ea typeface="新細明體" pitchFamily="18" charset="-120"/>
+              </a:rPr>
+              <a:t>Create a new </a:t>
+            </a:r>
+            <a:r>
+              <a:rPr lang="en-US" altLang="zh-TW" dirty="0" err="1" smtClean="0">
+                <a:ea typeface="新細明體" pitchFamily="18" charset="-120"/>
+              </a:rPr>
+              <a:t>php</a:t>
+            </a:r>
+            <a:r>
+              <a:rPr lang="en-US" altLang="zh-TW" dirty="0" smtClean="0">
+                <a:ea typeface="新細明體" pitchFamily="18" charset="-120"/>
+              </a:rPr>
+              <a:t> file</a:t>
+            </a:r>
+          </a:p>
+          <a:p>
+            <a:pPr eaLnBrk="1" hangingPunct="1"/>
+            <a:r>
+              <a:rPr lang="en-US" altLang="zh-TW" dirty="0" smtClean="0">
+                <a:ea typeface="新細明體" pitchFamily="18" charset="-120"/>
+              </a:rPr>
+              <a:t>Find the product of the numbers</a:t>
+            </a:r>
+          </a:p>
+          <a:p>
+            <a:pPr eaLnBrk="1" hangingPunct="1"/>
+            <a:r>
+              <a:rPr lang="en-US" altLang="zh-TW" dirty="0" smtClean="0">
+                <a:ea typeface="新細明體" pitchFamily="18" charset="-120"/>
+              </a:rPr>
+              <a:t>Save as </a:t>
+            </a:r>
+            <a:r>
+              <a:rPr lang="en-US" altLang="zh-TW" dirty="0" err="1" smtClean="0">
+                <a:ea typeface="新細明體" pitchFamily="18" charset="-120"/>
+              </a:rPr>
+              <a:t>multiple.php</a:t>
+            </a:r>
+            <a:r>
+              <a:rPr lang="en-US" altLang="zh-TW" dirty="0" smtClean="0">
+                <a:ea typeface="新細明體" pitchFamily="18" charset="-120"/>
+              </a:rPr>
+              <a:t> and test the page</a:t>
+            </a:r>
+          </a:p>
+        </p:txBody>
+      </p:sp>
+    </p:spTree>
+    <p:extLst>
+      <p:ext uri="{BB962C8B-B14F-4D97-AF65-F5344CB8AC3E}">
+        <p14:creationId xmlns:p14="http://schemas.microsoft.com/office/powerpoint/2010/main" val="1504660160"/>
+      </p:ext>
+    </p:extLst>
+  </p:cSld>
+  <p:clrMapOvr>
+    <a:masterClrMapping/>
+  </p:clrMapOvr>
+  <p:transition>
+    <p:checker/>
+  </p:transition>
+  <p:timing>
+    <p:tnLst>
+      <p:par>
+        <p:cTn id="1" dur="indefinite" restart="never" nodeType="tmRoot"/>
+      </p:par>
+    </p:tnLst>
+  </p:timing>
+</p:sld>
+</file>
+
+<file path=ppt/slides/slide35.xml><?xml version="1.0" encoding="utf-8"?>
+<p:sld xmlns:a="http://schemas.openxmlformats.org/drawingml/2006/main" xmlns:r="http://schemas.openxmlformats.org/officeDocument/2006/relationships" xmlns:p="http://schemas.openxmlformats.org/presentationml/2006/main">
+  <p:cSld>
+    <p:spTree>
+      <p:nvGrpSpPr>
+        <p:cNvPr id="1" name=""/>
+        <p:cNvGrpSpPr/>
+        <p:nvPr/>
+      </p:nvGrpSpPr>
+      <p:grpSpPr>
+        <a:xfrm>
+          <a:off x="0" y="0"/>
+          <a:ext cx="0" cy="0"/>
+          <a:chOff x="0" y="0"/>
+          <a:chExt cx="0" cy="0"/>
+        </a:xfrm>
+      </p:grpSpPr>
+      <p:sp>
+        <p:nvSpPr>
+          <p:cNvPr id="178178" name="Rectangle 2"/>
+          <p:cNvSpPr>
+            <a:spLocks noGrp="1" noChangeArrowheads="1"/>
+          </p:cNvSpPr>
+          <p:nvPr>
+            <p:ph type="title"/>
+          </p:nvPr>
+        </p:nvSpPr>
+        <p:spPr/>
+        <p:txBody>
+          <a:bodyPr>
+            <a:normAutofit/>
+          </a:bodyPr>
+          <a:lstStyle/>
+          <a:p>
+            <a:pPr eaLnBrk="1" hangingPunct="1">
+              <a:defRPr/>
+            </a:pPr>
+            <a:r>
+              <a:rPr lang="en-US" altLang="zh-TW" smtClean="0">
+                <a:latin typeface="Times New Roman" pitchFamily="18" charset="0"/>
+                <a:ea typeface="新細明體" pitchFamily="18" charset="-120"/>
+              </a:rPr>
+              <a:t>Exercise 8 – Body Mass Index</a:t>
+            </a:r>
+          </a:p>
+        </p:txBody>
+      </p:sp>
+      <p:sp>
+        <p:nvSpPr>
+          <p:cNvPr id="41987" name="Rectangle 3"/>
+          <p:cNvSpPr>
+            <a:spLocks noGrp="1" noChangeArrowheads="1"/>
+          </p:cNvSpPr>
+          <p:nvPr>
+            <p:ph idx="1"/>
+          </p:nvPr>
+        </p:nvSpPr>
+        <p:spPr/>
+        <p:txBody>
+          <a:bodyPr/>
+          <a:lstStyle/>
+          <a:p>
+            <a:pPr eaLnBrk="1" hangingPunct="1"/>
+            <a:r>
+              <a:rPr lang="en-US" altLang="zh-TW" dirty="0" smtClean="0">
+                <a:ea typeface="新細明體" pitchFamily="18" charset="-120"/>
+              </a:rPr>
+              <a:t>Find the </a:t>
+            </a:r>
+            <a:r>
+              <a:rPr lang="en-US" altLang="zh-TW" dirty="0" err="1" smtClean="0">
+                <a:ea typeface="新細明體" pitchFamily="18" charset="-120"/>
+              </a:rPr>
+              <a:t>bmi</a:t>
+            </a:r>
+            <a:r>
+              <a:rPr lang="en-US" altLang="zh-TW" dirty="0" smtClean="0">
+                <a:ea typeface="新細明體" pitchFamily="18" charset="-120"/>
+              </a:rPr>
+              <a:t> for yourself</a:t>
+            </a:r>
+          </a:p>
+          <a:p>
+            <a:pPr eaLnBrk="1" hangingPunct="1"/>
+            <a:r>
+              <a:rPr lang="en-US" altLang="zh-TW" dirty="0" err="1" smtClean="0">
+                <a:ea typeface="新細明體" pitchFamily="18" charset="-120"/>
+              </a:rPr>
+              <a:t>Bmi</a:t>
+            </a:r>
+            <a:r>
+              <a:rPr lang="en-US" altLang="zh-TW" dirty="0" smtClean="0">
+                <a:ea typeface="新細明體" pitchFamily="18" charset="-120"/>
+              </a:rPr>
+              <a:t> = weight(kg)/height(m)/height(m)</a:t>
+            </a:r>
+          </a:p>
+          <a:p>
+            <a:pPr eaLnBrk="1" hangingPunct="1"/>
+            <a:r>
+              <a:rPr lang="en-US" altLang="zh-TW" dirty="0" smtClean="0">
+                <a:ea typeface="新細明體" pitchFamily="18" charset="-120"/>
+              </a:rPr>
+              <a:t>If I am 70kg and 1.74m, what is my </a:t>
+            </a:r>
+            <a:r>
+              <a:rPr lang="en-US" altLang="zh-TW" dirty="0" err="1" smtClean="0">
+                <a:ea typeface="新細明體" pitchFamily="18" charset="-120"/>
+              </a:rPr>
+              <a:t>bmi</a:t>
+            </a:r>
+            <a:r>
+              <a:rPr lang="en-US" altLang="zh-TW" dirty="0" smtClean="0">
+                <a:ea typeface="新細明體" pitchFamily="18" charset="-120"/>
+              </a:rPr>
+              <a:t>?</a:t>
+            </a:r>
+          </a:p>
+          <a:p>
+            <a:pPr eaLnBrk="1" hangingPunct="1"/>
+            <a:r>
+              <a:rPr lang="en-US" altLang="zh-TW" dirty="0" smtClean="0">
+                <a:ea typeface="新細明體" pitchFamily="18" charset="-120"/>
+              </a:rPr>
+              <a:t>&lt;18.5 underweight, 18.5-25.0 normal, &gt;25.0 overweight</a:t>
+            </a:r>
+          </a:p>
+          <a:p>
+            <a:pPr eaLnBrk="1" hangingPunct="1"/>
+            <a:r>
+              <a:rPr lang="en-US" altLang="zh-TW" dirty="0" smtClean="0">
+                <a:ea typeface="新細明體" pitchFamily="18" charset="-120"/>
+              </a:rPr>
+              <a:t>Write a form that can let user to input his/her height and weight</a:t>
+            </a:r>
+          </a:p>
+          <a:p>
+            <a:pPr eaLnBrk="1" hangingPunct="1"/>
+            <a:r>
+              <a:rPr lang="en-US" altLang="zh-TW" dirty="0" smtClean="0">
+                <a:ea typeface="新細明體" pitchFamily="18" charset="-120"/>
+              </a:rPr>
+              <a:t>See </a:t>
+            </a:r>
+            <a:r>
+              <a:rPr lang="en-US" altLang="zh-TW" dirty="0" err="1" smtClean="0">
+                <a:ea typeface="新細明體" pitchFamily="18" charset="-120"/>
+              </a:rPr>
+              <a:t>bmi.php</a:t>
+            </a:r>
+            <a:endParaRPr lang="en-US" altLang="zh-TW" dirty="0" smtClean="0">
+              <a:ea typeface="新細明體" pitchFamily="18" charset="-120"/>
+            </a:endParaRPr>
+          </a:p>
+        </p:txBody>
+      </p:sp>
+    </p:spTree>
+    <p:extLst>
+      <p:ext uri="{BB962C8B-B14F-4D97-AF65-F5344CB8AC3E}">
+        <p14:creationId xmlns:p14="http://schemas.microsoft.com/office/powerpoint/2010/main" val="55882048"/>
+      </p:ext>
+    </p:extLst>
+  </p:cSld>
+  <p:clrMapOvr>
+    <a:masterClrMapping/>
+  </p:clrMapOvr>
+  <p:transition>
+    <p:checker/>
+  </p:transition>
+  <p:timing>
+    <p:tnLst>
+      <p:par>
+        <p:cTn id="1" dur="indefinite" restart="never" nodeType="tmRoot"/>
+      </p:par>
+    </p:tnLst>
+  </p:timing>
+</p:sld>
+</file>
+
+<file path=ppt/slides/slide36.xml><?xml version="1.0" encoding="utf-8"?>
+<p:sld xmlns:a="http://schemas.openxmlformats.org/drawingml/2006/main" xmlns:r="http://schemas.openxmlformats.org/officeDocument/2006/relationships" xmlns:p="http://schemas.openxmlformats.org/presentationml/2006/main">
+  <p:cSld>
+    <p:spTree>
+      <p:nvGrpSpPr>
+        <p:cNvPr id="1" name=""/>
+        <p:cNvGrpSpPr/>
+        <p:nvPr/>
+      </p:nvGrpSpPr>
+      <p:grpSpPr>
+        <a:xfrm>
+          <a:off x="0" y="0"/>
+          <a:ext cx="0" cy="0"/>
+          <a:chOff x="0" y="0"/>
+          <a:chExt cx="0" cy="0"/>
+        </a:xfrm>
+      </p:grpSpPr>
+      <p:sp>
+        <p:nvSpPr>
+          <p:cNvPr id="80898" name="Rectangle 1026"/>
+          <p:cNvSpPr>
+            <a:spLocks noGrp="1" noChangeArrowheads="1"/>
+          </p:cNvSpPr>
+          <p:nvPr>
+            <p:ph type="title"/>
+          </p:nvPr>
+        </p:nvSpPr>
+        <p:spPr/>
+        <p:txBody>
+          <a:bodyPr/>
+          <a:lstStyle/>
+          <a:p>
+            <a:pPr>
+              <a:defRPr/>
+            </a:pPr>
+            <a:r>
+              <a:rPr lang="en-US" altLang="zh-TW" smtClean="0">
+                <a:latin typeface="Times New Roman" pitchFamily="18" charset="0"/>
+              </a:rPr>
+              <a:t>Getting info from a web page</a:t>
+            </a:r>
+          </a:p>
+        </p:txBody>
+      </p:sp>
+      <p:sp>
+        <p:nvSpPr>
+          <p:cNvPr id="44035" name="Rectangle 1027"/>
+          <p:cNvSpPr>
+            <a:spLocks noGrp="1" noChangeArrowheads="1"/>
+          </p:cNvSpPr>
+          <p:nvPr>
+            <p:ph idx="1"/>
+          </p:nvPr>
+        </p:nvSpPr>
+        <p:spPr/>
+        <p:txBody>
+          <a:bodyPr/>
+          <a:lstStyle/>
+          <a:p>
+            <a:r>
+              <a:rPr lang="en-US" altLang="zh-TW" smtClean="0">
+                <a:ea typeface="新細明體" pitchFamily="18" charset="-120"/>
+              </a:rPr>
+              <a:t>Create a form by Dreamweaver to collect username and password for login</a:t>
+            </a:r>
+          </a:p>
+          <a:p>
+            <a:r>
+              <a:rPr lang="en-US" altLang="zh-TW" smtClean="0">
+                <a:ea typeface="新細明體" pitchFamily="18" charset="-120"/>
+              </a:rPr>
+              <a:t>Send the information to the php</a:t>
+            </a:r>
+          </a:p>
+          <a:p>
+            <a:r>
+              <a:rPr lang="en-US" altLang="zh-TW" smtClean="0">
+                <a:ea typeface="新細明體" pitchFamily="18" charset="-120"/>
+              </a:rPr>
+              <a:t>Create a php page</a:t>
+            </a:r>
+          </a:p>
+          <a:p>
+            <a:r>
+              <a:rPr lang="en-US" altLang="zh-TW" smtClean="0">
+                <a:ea typeface="新細明體" pitchFamily="18" charset="-120"/>
+              </a:rPr>
+              <a:t>Test the html page</a:t>
+            </a:r>
+          </a:p>
+          <a:p>
+            <a:r>
+              <a:rPr lang="en-US" altLang="zh-TW" smtClean="0">
+                <a:ea typeface="新細明體" pitchFamily="18" charset="-120"/>
+              </a:rPr>
+              <a:t>Result can be seen by the php page</a:t>
+            </a:r>
+          </a:p>
+          <a:p>
+            <a:r>
+              <a:rPr lang="en-US" altLang="zh-TW" smtClean="0">
+                <a:ea typeface="新細明體" pitchFamily="18" charset="-120"/>
+              </a:rPr>
+              <a:t>login.html</a:t>
+            </a:r>
+          </a:p>
+          <a:p>
+            <a:r>
+              <a:rPr lang="en-US" altLang="zh-TW" smtClean="0">
+                <a:ea typeface="新細明體" pitchFamily="18" charset="-120"/>
+              </a:rPr>
+              <a:t>login.php</a:t>
+            </a:r>
+            <a:endParaRPr lang="zh-TW" altLang="en-US" smtClean="0">
+              <a:ea typeface="新細明體" pitchFamily="18" charset="-120"/>
+            </a:endParaRPr>
+          </a:p>
+        </p:txBody>
+      </p:sp>
+    </p:spTree>
+    <p:extLst>
+      <p:ext uri="{BB962C8B-B14F-4D97-AF65-F5344CB8AC3E}">
+        <p14:creationId xmlns:p14="http://schemas.microsoft.com/office/powerpoint/2010/main" val="2127791752"/>
+      </p:ext>
+    </p:extLst>
+  </p:cSld>
+  <p:clrMapOvr>
+    <a:masterClrMapping/>
+  </p:clrMapOvr>
+  <p:transition>
+    <p:checker/>
+  </p:transition>
+  <p:timing>
+    <p:tnLst>
+      <p:par>
+        <p:cTn id="1" dur="indefinite" restart="never" nodeType="tmRoot"/>
+      </p:par>
+    </p:tnLst>
+  </p:timing>
+</p:sld>
+</file>
+
+<file path=ppt/slides/slide37.xml><?xml version="1.0" encoding="utf-8"?>
+<p:sld xmlns:a="http://schemas.openxmlformats.org/drawingml/2006/main" xmlns:r="http://schemas.openxmlformats.org/officeDocument/2006/relationships" xmlns:p="http://schemas.openxmlformats.org/presentationml/2006/main">
+  <p:cSld>
+    <p:spTree>
+      <p:nvGrpSpPr>
+        <p:cNvPr id="1" name=""/>
+        <p:cNvGrpSpPr/>
+        <p:nvPr/>
+      </p:nvGrpSpPr>
+      <p:grpSpPr>
+        <a:xfrm>
+          <a:off x="0" y="0"/>
+          <a:ext cx="0" cy="0"/>
+          <a:chOff x="0" y="0"/>
+          <a:chExt cx="0" cy="0"/>
+        </a:xfrm>
+      </p:grpSpPr>
+      <p:sp>
+        <p:nvSpPr>
           <p:cNvPr id="100354" name="Rectangle 1026"/>
           <p:cNvSpPr>
             <a:spLocks noGrp="1" noChangeArrowheads="1"/>
@@ -19364,7 +19567,7 @@
 </p:sld>
 </file>
 
-<file path=ppt/slides/slide35.xml><?xml version="1.0" encoding="utf-8"?>
+<file path=ppt/slides/slide38.xml><?xml version="1.0" encoding="utf-8"?>
 <p:sld xmlns:a="http://schemas.openxmlformats.org/drawingml/2006/main" xmlns:r="http://schemas.openxmlformats.org/officeDocument/2006/relationships" xmlns:p="http://schemas.openxmlformats.org/presentationml/2006/main">
   <p:cSld>
     <p:spTree>
@@ -19506,7 +19709,7 @@
 </p:sld>
 </file>
 
-<file path=ppt/slides/slide36.xml><?xml version="1.0" encoding="utf-8"?>
+<file path=ppt/slides/slide39.xml><?xml version="1.0" encoding="utf-8"?>
 <p:sld xmlns:a="http://schemas.openxmlformats.org/drawingml/2006/main" xmlns:r="http://schemas.openxmlformats.org/officeDocument/2006/relationships" xmlns:p="http://schemas.openxmlformats.org/presentationml/2006/main">
   <p:cSld>
     <p:spTree>
@@ -19648,7 +19851,125 @@
 </p:sld>
 </file>
 
-<file path=ppt/slides/slide37.xml><?xml version="1.0" encoding="utf-8"?>
+<file path=ppt/slides/slide4.xml><?xml version="1.0" encoding="utf-8"?>
+<p:sld xmlns:a="http://schemas.openxmlformats.org/drawingml/2006/main" xmlns:r="http://schemas.openxmlformats.org/officeDocument/2006/relationships" xmlns:p="http://schemas.openxmlformats.org/presentationml/2006/main">
+  <p:cSld>
+    <p:spTree>
+      <p:nvGrpSpPr>
+        <p:cNvPr id="1" name=""/>
+        <p:cNvGrpSpPr/>
+        <p:nvPr/>
+      </p:nvGrpSpPr>
+      <p:grpSpPr>
+        <a:xfrm>
+          <a:off x="0" y="0"/>
+          <a:ext cx="0" cy="0"/>
+          <a:chOff x="0" y="0"/>
+          <a:chExt cx="0" cy="0"/>
+        </a:xfrm>
+      </p:grpSpPr>
+      <p:sp>
+        <p:nvSpPr>
+          <p:cNvPr id="9218" name="Rectangle 2050"/>
+          <p:cNvSpPr>
+            <a:spLocks noGrp="1" noChangeArrowheads="1"/>
+          </p:cNvSpPr>
+          <p:nvPr>
+            <p:ph type="title"/>
+          </p:nvPr>
+        </p:nvSpPr>
+        <p:spPr/>
+        <p:txBody>
+          <a:bodyPr/>
+          <a:lstStyle/>
+          <a:p>
+            <a:pPr>
+              <a:defRPr/>
+            </a:pPr>
+            <a:r>
+              <a:rPr lang="en-US" altLang="zh-TW" dirty="0" smtClean="0"/>
+              <a:t>Client side (html)</a:t>
+            </a:r>
+          </a:p>
+        </p:txBody>
+      </p:sp>
+      <p:sp>
+        <p:nvSpPr>
+          <p:cNvPr id="16387" name="Rectangle 2051"/>
+          <p:cNvSpPr>
+            <a:spLocks noGrp="1" noChangeArrowheads="1"/>
+          </p:cNvSpPr>
+          <p:nvPr>
+            <p:ph idx="1"/>
+          </p:nvPr>
+        </p:nvSpPr>
+        <p:spPr/>
+        <p:txBody>
+          <a:bodyPr/>
+          <a:lstStyle/>
+          <a:p>
+            <a:r>
+              <a:rPr lang="en-US" altLang="zh-TW" dirty="0" smtClean="0">
+                <a:ea typeface="新細明體" pitchFamily="18" charset="-120"/>
+              </a:rPr>
+              <a:t>Obtain information from a web user</a:t>
+            </a:r>
+          </a:p>
+          <a:p>
+            <a:r>
+              <a:rPr lang="en-US" altLang="zh-TW" dirty="0" smtClean="0">
+                <a:ea typeface="新細明體" pitchFamily="18" charset="-120"/>
+              </a:rPr>
+              <a:t>Whole web page or part web page, but not a form in a form</a:t>
+            </a:r>
+          </a:p>
+          <a:p>
+            <a:r>
+              <a:rPr lang="en-US" altLang="zh-TW" dirty="0" smtClean="0">
+                <a:ea typeface="新細明體" pitchFamily="18" charset="-120"/>
+              </a:rPr>
+              <a:t>For this course, put form in html only, don’t combine in one PHP.</a:t>
+            </a:r>
+          </a:p>
+          <a:p>
+            <a:r>
+              <a:rPr lang="en-US" altLang="zh-TW" dirty="0" smtClean="0">
+                <a:ea typeface="新細明體" pitchFamily="18" charset="-120"/>
+              </a:rPr>
+              <a:t>JavaScript (jQuery)</a:t>
+            </a:r>
+          </a:p>
+          <a:p>
+            <a:r>
+              <a:rPr lang="en-US" altLang="zh-TW" dirty="0" smtClean="0">
+                <a:ea typeface="新細明體" pitchFamily="18" charset="-120"/>
+              </a:rPr>
+              <a:t>No need to save data in local machine</a:t>
+            </a:r>
+          </a:p>
+        </p:txBody>
+      </p:sp>
+    </p:spTree>
+    <p:extLst>
+      <p:ext uri="{BB962C8B-B14F-4D97-AF65-F5344CB8AC3E}">
+        <p14:creationId xmlns:p14="http://schemas.microsoft.com/office/powerpoint/2010/main" val="418635070"/>
+      </p:ext>
+    </p:extLst>
+  </p:cSld>
+  <p:clrMapOvr>
+    <a:masterClrMapping/>
+  </p:clrMapOvr>
+  <p:timing>
+    <p:tnLst>
+      <p:par>
+        <p:cTn id="1" dur="indefinite" restart="never" nodeType="tmRoot"/>
+      </p:par>
+    </p:tnLst>
+  </p:timing>
+</p:sld>
+</file>
+
+<file path=ppt/slides/slide40.xml><?xml version="1.0" encoding="utf-8"?>
 <p:sld xmlns:a="http://schemas.openxmlformats.org/drawingml/2006/main" xmlns:r="http://schemas.openxmlformats.org/officeDocument/2006/relationships" xmlns:p="http://schemas.openxmlformats.org/presentationml/2006/main">
   <p:cSld>
     <p:spTree>
@@ -19790,7 +20111,7 @@
 </p:sld>
 </file>
 
-<file path=ppt/slides/slide38.xml><?xml version="1.0" encoding="utf-8"?>
+<file path=ppt/slides/slide41.xml><?xml version="1.0" encoding="utf-8"?>
 <p:sld xmlns:a="http://schemas.openxmlformats.org/drawingml/2006/main" xmlns:r="http://schemas.openxmlformats.org/officeDocument/2006/relationships" xmlns:p="http://schemas.openxmlformats.org/presentationml/2006/main">
   <p:cSld>
     <p:spTree>
@@ -19862,6 +20183,9 @@
             <a:endParaRPr lang="en-US" dirty="0" smtClean="0"/>
           </a:p>
           <a:p>
+            <a:pPr marL="0" indent="0">
+              <a:buNone/>
+            </a:pPr>
             <a:r>
               <a:rPr lang="en-US" dirty="0" smtClean="0"/>
               <a:t>Lesson </a:t>
@@ -20013,7 +20337,7 @@
 </p:sld>
 </file>
 
-<file path=ppt/slides/slide39.xml><?xml version="1.0" encoding="utf-8"?>
+<file path=ppt/slides/slide42.xml><?xml version="1.0" encoding="utf-8"?>
 <p:sld xmlns:a="http://schemas.openxmlformats.org/drawingml/2006/main" xmlns:r="http://schemas.openxmlformats.org/officeDocument/2006/relationships" xmlns:p="http://schemas.openxmlformats.org/presentationml/2006/main">
   <p:cSld>
     <p:spTree>
@@ -20090,151 +20414,6 @@
   <p:clrMapOvr>
     <a:masterClrMapping/>
   </p:clrMapOvr>
-</p:sld>
-</file>
-
-<file path=ppt/slides/slide4.xml><?xml version="1.0" encoding="utf-8"?>
-<p:sld xmlns:a="http://schemas.openxmlformats.org/drawingml/2006/main" xmlns:r="http://schemas.openxmlformats.org/officeDocument/2006/relationships" xmlns:p="http://schemas.openxmlformats.org/presentationml/2006/main">
-  <p:cSld>
-    <p:spTree>
-      <p:nvGrpSpPr>
-        <p:cNvPr id="1" name=""/>
-        <p:cNvGrpSpPr/>
-        <p:nvPr/>
-      </p:nvGrpSpPr>
-      <p:grpSpPr>
-        <a:xfrm>
-          <a:off x="0" y="0"/>
-          <a:ext cx="0" cy="0"/>
-          <a:chOff x="0" y="0"/>
-          <a:chExt cx="0" cy="0"/>
-        </a:xfrm>
-      </p:grpSpPr>
-      <p:sp>
-        <p:nvSpPr>
-          <p:cNvPr id="9218" name="Rectangle 2050"/>
-          <p:cNvSpPr>
-            <a:spLocks noGrp="1" noChangeArrowheads="1"/>
-          </p:cNvSpPr>
-          <p:nvPr>
-            <p:ph type="title"/>
-          </p:nvPr>
-        </p:nvSpPr>
-        <p:spPr/>
-        <p:txBody>
-          <a:bodyPr/>
-          <a:lstStyle/>
-          <a:p>
-            <a:pPr>
-              <a:defRPr/>
-            </a:pPr>
-            <a:r>
-              <a:rPr lang="en-US" altLang="zh-TW" dirty="0" smtClean="0"/>
-              <a:t>Client side (html)</a:t>
-            </a:r>
-          </a:p>
-        </p:txBody>
-      </p:sp>
-      <p:sp>
-        <p:nvSpPr>
-          <p:cNvPr id="16387" name="Rectangle 2051"/>
-          <p:cNvSpPr>
-            <a:spLocks noGrp="1" noChangeArrowheads="1"/>
-          </p:cNvSpPr>
-          <p:nvPr>
-            <p:ph idx="1"/>
-          </p:nvPr>
-        </p:nvSpPr>
-        <p:spPr/>
-        <p:txBody>
-          <a:bodyPr/>
-          <a:lstStyle/>
-          <a:p>
-            <a:r>
-              <a:rPr lang="en-US" altLang="zh-TW" dirty="0" smtClean="0">
-                <a:ea typeface="新細明體" pitchFamily="18" charset="-120"/>
-              </a:rPr>
-              <a:t>Obtain information from a web user</a:t>
-            </a:r>
-          </a:p>
-          <a:p>
-            <a:r>
-              <a:rPr lang="en-US" altLang="zh-TW" dirty="0" smtClean="0">
-                <a:ea typeface="新細明體" pitchFamily="18" charset="-120"/>
-              </a:rPr>
-              <a:t>Whole web page or part web page, but not a form in a form</a:t>
-            </a:r>
-          </a:p>
-          <a:p>
-            <a:r>
-              <a:rPr lang="en-US" altLang="zh-TW" dirty="0" smtClean="0">
-                <a:ea typeface="新細明體" pitchFamily="18" charset="-120"/>
-              </a:rPr>
-              <a:t>For this course, </a:t>
-            </a:r>
-            <a:r>
-              <a:rPr lang="en-US" altLang="zh-TW" dirty="0" smtClean="0">
-                <a:ea typeface="新細明體" pitchFamily="18" charset="-120"/>
-              </a:rPr>
-              <a:t>put form in </a:t>
-            </a:r>
-            <a:r>
-              <a:rPr lang="en-US" altLang="zh-TW" dirty="0" smtClean="0">
-                <a:ea typeface="新細明體" pitchFamily="18" charset="-120"/>
-              </a:rPr>
-              <a:t>html only, </a:t>
-            </a:r>
-            <a:r>
-              <a:rPr lang="en-US" altLang="zh-TW" dirty="0" smtClean="0">
-                <a:ea typeface="新細明體" pitchFamily="18" charset="-120"/>
-              </a:rPr>
-              <a:t>don’t combine in one PHP.</a:t>
-            </a:r>
-          </a:p>
-          <a:p>
-            <a:r>
-              <a:rPr lang="en-US" altLang="zh-TW" dirty="0" smtClean="0">
-                <a:ea typeface="新細明體" pitchFamily="18" charset="-120"/>
-              </a:rPr>
-              <a:t>JavaScript </a:t>
-            </a:r>
-            <a:r>
-              <a:rPr lang="en-US" altLang="zh-TW" dirty="0" smtClean="0">
-                <a:ea typeface="新細明體" pitchFamily="18" charset="-120"/>
-              </a:rPr>
-              <a:t>(jQuery)</a:t>
-            </a:r>
-            <a:endParaRPr lang="en-US" altLang="zh-TW" dirty="0" smtClean="0">
-              <a:ea typeface="新細明體" pitchFamily="18" charset="-120"/>
-            </a:endParaRPr>
-          </a:p>
-          <a:p>
-            <a:r>
-              <a:rPr lang="en-US" altLang="zh-TW" dirty="0" smtClean="0">
-                <a:ea typeface="新細明體" pitchFamily="18" charset="-120"/>
-              </a:rPr>
-              <a:t>No need to save data in local machine</a:t>
-            </a:r>
-          </a:p>
-        </p:txBody>
-      </p:sp>
-    </p:spTree>
-    <p:extLst>
-      <p:ext uri="{BB962C8B-B14F-4D97-AF65-F5344CB8AC3E}">
-        <p14:creationId xmlns:p14="http://schemas.microsoft.com/office/powerpoint/2010/main" val="418635070"/>
-      </p:ext>
-    </p:extLst>
-  </p:cSld>
-  <p:clrMapOvr>
-    <a:masterClrMapping/>
-  </p:clrMapOvr>
-  <p:timing>
-    <p:tnLst>
-      <p:par>
-        <p:cTn id="1" dur="indefinite" restart="never" nodeType="tmRoot"/>
-      </p:par>
-    </p:tnLst>
-  </p:timing>
 </p:sld>
 </file>
 
@@ -20309,8 +20488,17 @@
               <a:rPr lang="en-US" altLang="zh-TW" dirty="0" smtClean="0">
                 <a:ea typeface="新細明體" pitchFamily="18" charset="-120"/>
               </a:rPr>
-              <a:t>Md5, sha1</a:t>
-            </a:r>
+              <a:t>M</a:t>
+            </a:r>
+            <a:r>
+              <a:rPr lang="en-US" altLang="zh-TW" dirty="0" smtClean="0">
+                <a:ea typeface="新細明體" pitchFamily="18" charset="-120"/>
+              </a:rPr>
+              <a:t>d5(32), sha1(40), sha256(64)</a:t>
+            </a:r>
+            <a:endParaRPr lang="en-US" altLang="zh-TW" dirty="0" smtClean="0">
+              <a:ea typeface="新細明體" pitchFamily="18" charset="-120"/>
+            </a:endParaRPr>
           </a:p>
           <a:p>
             <a:r>
@@ -20401,9 +20589,9 @@
       </p:grpSpPr>
       <p:sp>
         <p:nvSpPr>
-          <p:cNvPr id="10242" name="Rectangle 2"/>
-          <p:cNvSpPr>
-            <a:spLocks noGrp="1" noChangeArrowheads="1"/>
+          <p:cNvPr id="2" name="Title 1"/>
+          <p:cNvSpPr>
+            <a:spLocks noGrp="1"/>
           </p:cNvSpPr>
           <p:nvPr>
             <p:ph type="title"/>
@@ -20414,26 +20602,19 @@
           <a:bodyPr/>
           <a:lstStyle/>
           <a:p>
-            <a:pPr>
-              <a:defRPr/>
-            </a:pPr>
-            <a:r>
-              <a:rPr lang="en-US" altLang="zh-TW" dirty="0" smtClean="0">
-                <a:latin typeface="Times New Roman" pitchFamily="18" charset="0"/>
-              </a:rPr>
-              <a:t>Server side programming</a:t>
-            </a:r>
-            <a:endParaRPr lang="en-US" altLang="zh-TW" dirty="0" smtClean="0">
-              <a:latin typeface="Times New Roman" pitchFamily="18" charset="0"/>
-            </a:endParaRPr>
-          </a:p>
-        </p:txBody>
-      </p:sp>
-      <p:sp>
-        <p:nvSpPr>
-          <p:cNvPr id="17411" name="Rectangle 3"/>
-          <p:cNvSpPr>
-            <a:spLocks noGrp="1" noChangeArrowheads="1"/>
+            <a:r>
+              <a:rPr lang="en-US" dirty="0" smtClean="0"/>
+              <a:t>Encryption</a:t>
+            </a:r>
+            <a:endParaRPr lang="en-US" dirty="0"/>
+          </a:p>
+        </p:txBody>
+      </p:sp>
+      <p:sp>
+        <p:nvSpPr>
+          <p:cNvPr id="3" name="Content Placeholder 2"/>
+          <p:cNvSpPr>
+            <a:spLocks noGrp="1"/>
           </p:cNvSpPr>
           <p:nvPr>
             <p:ph idx="1"/>
@@ -20445,111 +20626,45 @@
           <a:lstStyle/>
           <a:p>
             <a:r>
-              <a:rPr lang="en-US" altLang="zh-TW" dirty="0" smtClean="0">
-                <a:ea typeface="新細明體" pitchFamily="18" charset="-120"/>
-              </a:rPr>
-              <a:t>PHP</a:t>
-            </a:r>
-            <a:endParaRPr lang="en-US" altLang="zh-TW" dirty="0" smtClean="0">
-              <a:ea typeface="新細明體" pitchFamily="18" charset="-120"/>
-            </a:endParaRPr>
-          </a:p>
-          <a:p>
-            <a:r>
-              <a:rPr lang="en-US" altLang="zh-TW" dirty="0" smtClean="0">
-                <a:ea typeface="新細明體" pitchFamily="18" charset="-120"/>
-              </a:rPr>
-              <a:t>CGI (Perl)</a:t>
-            </a:r>
-          </a:p>
-          <a:p>
-            <a:r>
-              <a:rPr lang="en-US" altLang="zh-TW" dirty="0" smtClean="0">
-                <a:ea typeface="新細明體" pitchFamily="18" charset="-120"/>
-              </a:rPr>
-              <a:t>ASP </a:t>
-            </a:r>
-            <a:r>
-              <a:rPr lang="en-US" altLang="zh-TW" dirty="0" smtClean="0">
-                <a:ea typeface="新細明體" pitchFamily="18" charset="-120"/>
-              </a:rPr>
-              <a:t>/ ASPX</a:t>
-            </a:r>
-          </a:p>
-          <a:p>
-            <a:r>
-              <a:rPr lang="en-US" altLang="zh-TW" dirty="0" smtClean="0">
-                <a:ea typeface="新細明體" pitchFamily="18" charset="-120"/>
-              </a:rPr>
-              <a:t>JSP</a:t>
-            </a:r>
-          </a:p>
-          <a:p>
-            <a:r>
-              <a:rPr lang="en-US" altLang="zh-TW" dirty="0" err="1" smtClean="0">
-                <a:ea typeface="新細明體" pitchFamily="18" charset="-120"/>
-              </a:rPr>
-              <a:t>Node.js</a:t>
-            </a:r>
-            <a:endParaRPr lang="en-US" altLang="zh-TW" dirty="0" smtClean="0">
-              <a:ea typeface="新細明體" pitchFamily="18" charset="-120"/>
-            </a:endParaRPr>
-          </a:p>
-          <a:p>
-            <a:r>
-              <a:rPr lang="en-US" altLang="zh-TW" dirty="0" smtClean="0">
-                <a:ea typeface="新細明體" pitchFamily="18" charset="-120"/>
-              </a:rPr>
-              <a:t>Ruby</a:t>
-            </a:r>
-          </a:p>
-          <a:p>
-            <a:r>
-              <a:rPr lang="en-US" altLang="zh-TW" dirty="0" smtClean="0">
-                <a:ea typeface="新細明體" pitchFamily="18" charset="-120"/>
-              </a:rPr>
-              <a:t>Python</a:t>
-            </a:r>
-            <a:endParaRPr lang="en-US" altLang="zh-TW" dirty="0" smtClean="0">
-              <a:ea typeface="新細明體" pitchFamily="18" charset="-120"/>
-            </a:endParaRPr>
-          </a:p>
-          <a:p>
-            <a:r>
-              <a:rPr lang="en-US" altLang="zh-TW" dirty="0" smtClean="0">
-                <a:ea typeface="新細明體" pitchFamily="18" charset="-120"/>
-              </a:rPr>
-              <a:t>Cold </a:t>
-            </a:r>
-            <a:r>
-              <a:rPr lang="en-US" altLang="zh-TW" dirty="0" smtClean="0">
-                <a:ea typeface="新細明體" pitchFamily="18" charset="-120"/>
-              </a:rPr>
-              <a:t>Fusion</a:t>
-            </a:r>
-            <a:endParaRPr lang="en-US" altLang="zh-TW" dirty="0" smtClean="0">
-              <a:ea typeface="新細明體" pitchFamily="18" charset="-120"/>
-            </a:endParaRPr>
+              <a:rPr lang="en-US" dirty="0"/>
+              <a:t>MD5 is considered cryptographically broken and is unsuitable for further use.</a:t>
+            </a:r>
+          </a:p>
+          <a:p>
+            <a:r>
+              <a:rPr lang="en-US" dirty="0"/>
+              <a:t>The SHA1 algorithm might not be secure enough for ongoing use. It is recommended not to use SHA1.</a:t>
+            </a:r>
+          </a:p>
+          <a:p>
+            <a:r>
+              <a:rPr lang="en-US" dirty="0"/>
+              <a:t>SHA224: SHA224 produces a 224-bit (28-byte) hash value, typically rendered as a hexadecimal number, 56 digits long.</a:t>
+            </a:r>
+          </a:p>
+          <a:p>
+            <a:r>
+              <a:rPr lang="en-US" dirty="0"/>
+              <a:t>SHA256: SHA256 produces a 256-bit (32-byte) hash value, typically rendered as a hexadecimal number, 64 digits long</a:t>
+            </a:r>
+            <a:r>
+              <a:rPr lang="en-US" dirty="0" smtClean="0"/>
+              <a:t>.</a:t>
+            </a:r>
+            <a:endParaRPr lang="en-US" dirty="0"/>
           </a:p>
         </p:txBody>
       </p:sp>
     </p:spTree>
     <p:extLst>
       <p:ext uri="{BB962C8B-B14F-4D97-AF65-F5344CB8AC3E}">
-        <p14:creationId xmlns:p14="http://schemas.microsoft.com/office/powerpoint/2010/main" val="178847650"/>
+        <p14:creationId xmlns:p14="http://schemas.microsoft.com/office/powerpoint/2010/main" val="70694150"/>
       </p:ext>
     </p:extLst>
   </p:cSld>
   <p:clrMapOvr>
     <a:masterClrMapping/>
   </p:clrMapOvr>
-  <p:timing>
-    <p:tnLst>
-      <p:par>
-        <p:cTn id="1" dur="indefinite" restart="never" nodeType="tmRoot"/>
-      </p:par>
-    </p:tnLst>
-  </p:timing>
 </p:sld>
 </file>
 
@@ -20572,9 +20687,9 @@
       </p:grpSpPr>
       <p:sp>
         <p:nvSpPr>
-          <p:cNvPr id="10242" name="Rectangle 2"/>
-          <p:cNvSpPr>
-            <a:spLocks noGrp="1" noChangeArrowheads="1"/>
+          <p:cNvPr id="2" name="Title 1"/>
+          <p:cNvSpPr>
+            <a:spLocks noGrp="1"/>
           </p:cNvSpPr>
           <p:nvPr>
             <p:ph type="title"/>
@@ -20585,23 +20700,19 @@
           <a:bodyPr/>
           <a:lstStyle/>
           <a:p>
-            <a:pPr>
-              <a:defRPr/>
-            </a:pPr>
-            <a:r>
-              <a:rPr lang="en-US" altLang="zh-TW" dirty="0" smtClean="0">
-                <a:latin typeface="Times New Roman" pitchFamily="18" charset="0"/>
-              </a:rPr>
-              <a:t>Server side (PHP)</a:t>
-            </a:r>
-          </a:p>
-        </p:txBody>
-      </p:sp>
-      <p:sp>
-        <p:nvSpPr>
-          <p:cNvPr id="17411" name="Rectangle 3"/>
-          <p:cNvSpPr>
-            <a:spLocks noGrp="1" noChangeArrowheads="1"/>
+            <a:r>
+              <a:rPr lang="en-US" dirty="0" smtClean="0"/>
+              <a:t>Encryption</a:t>
+            </a:r>
+            <a:endParaRPr lang="en-US" dirty="0"/>
+          </a:p>
+        </p:txBody>
+      </p:sp>
+      <p:sp>
+        <p:nvSpPr>
+          <p:cNvPr id="3" name="Content Placeholder 2"/>
+          <p:cNvSpPr>
+            <a:spLocks noGrp="1"/>
           </p:cNvSpPr>
           <p:nvPr>
             <p:ph idx="1"/>
@@ -20613,44 +20724,24 @@
           <a:lstStyle/>
           <a:p>
             <a:r>
-              <a:rPr lang="en-US" altLang="zh-TW" dirty="0" smtClean="0">
-                <a:ea typeface="新細明體" pitchFamily="18" charset="-120"/>
-              </a:rPr>
-              <a:t>Save data – server side</a:t>
-            </a:r>
-          </a:p>
-          <a:p>
-            <a:r>
-              <a:rPr lang="en-US" altLang="zh-TW" dirty="0" smtClean="0">
-                <a:ea typeface="新細明體" pitchFamily="18" charset="-120"/>
-              </a:rPr>
-              <a:t>Database </a:t>
-            </a:r>
-            <a:r>
-              <a:rPr lang="en-US" altLang="zh-TW" dirty="0" smtClean="0">
-                <a:ea typeface="新細明體" pitchFamily="18" charset="-120"/>
-              </a:rPr>
-              <a:t>(MySQL)</a:t>
-            </a:r>
-          </a:p>
-          <a:p>
-            <a:r>
-              <a:rPr lang="en-US" altLang="zh-TW" dirty="0" smtClean="0">
-                <a:ea typeface="新細明體" pitchFamily="18" charset="-120"/>
-              </a:rPr>
-              <a:t>?name=</a:t>
-            </a:r>
-            <a:r>
-              <a:rPr lang="en-US" altLang="zh-TW" dirty="0" err="1" smtClean="0">
-                <a:ea typeface="新細明體" pitchFamily="18" charset="-120"/>
-              </a:rPr>
-              <a:t>ray&amp;password</a:t>
-            </a:r>
-            <a:r>
-              <a:rPr lang="en-US" altLang="zh-TW" dirty="0" smtClean="0">
-                <a:ea typeface="新細明體" pitchFamily="18" charset="-120"/>
-              </a:rPr>
-              <a:t>=123</a:t>
+              <a:rPr lang="en-US" dirty="0" smtClean="0"/>
+              <a:t>SHA384</a:t>
+            </a:r>
+            <a:r>
+              <a:rPr lang="en-US" dirty="0"/>
+              <a:t>: SHA384 produces a 384-bit (48-byte) hash value, typically rendered as a hexadecimal number, 96 digits long.</a:t>
+            </a:r>
+          </a:p>
+          <a:p>
+            <a:r>
+              <a:rPr lang="en-US" dirty="0"/>
+              <a:t>SHA512: SHA512 produces a 512-bit (64-byte) hash value, typically rendered as a hexadecimal number, 128 digits long.</a:t>
+            </a:r>
+          </a:p>
+          <a:p>
+            <a:r>
+              <a:rPr lang="en-US" dirty="0"/>
+              <a:t>RIPEMD160: RIPEMD160 produces a 160-bit (20-byte) hash value, typically rendered as a hexadecimal number, 40 digits long.</a:t>
             </a:r>
           </a:p>
         </p:txBody>
@@ -20658,20 +20749,13 @@
     </p:spTree>
     <p:extLst>
       <p:ext uri="{BB962C8B-B14F-4D97-AF65-F5344CB8AC3E}">
-        <p14:creationId xmlns:p14="http://schemas.microsoft.com/office/powerpoint/2010/main" val="970503919"/>
+        <p14:creationId xmlns:p14="http://schemas.microsoft.com/office/powerpoint/2010/main" val="3031511803"/>
       </p:ext>
     </p:extLst>
   </p:cSld>
   <p:clrMapOvr>
     <a:masterClrMapping/>
   </p:clrMapOvr>
-  <p:timing>
-    <p:tnLst>
-      <p:par>
-        <p:cTn id="1" dur="indefinite" restart="never" nodeType="tmRoot"/>
-      </p:par>
-    </p:tnLst>
-  </p:timing>
 </p:sld>
 </file>
 
@@ -20694,9 +20778,9 @@
       </p:grpSpPr>
       <p:sp>
         <p:nvSpPr>
-          <p:cNvPr id="12290" name="Rectangle 2050"/>
-          <p:cNvSpPr>
-            <a:spLocks noGrp="1" noChangeArrowheads="1"/>
+          <p:cNvPr id="2" name="Title 1"/>
+          <p:cNvSpPr>
+            <a:spLocks noGrp="1"/>
           </p:cNvSpPr>
           <p:nvPr>
             <p:ph type="title"/>
@@ -20707,23 +20791,19 @@
           <a:bodyPr/>
           <a:lstStyle/>
           <a:p>
-            <a:pPr>
-              <a:defRPr/>
-            </a:pPr>
-            <a:r>
-              <a:rPr lang="en-US" altLang="zh-TW" smtClean="0">
-                <a:latin typeface="Times New Roman" pitchFamily="18" charset="0"/>
-              </a:rPr>
-              <a:t>Usage</a:t>
-            </a:r>
-          </a:p>
-        </p:txBody>
-      </p:sp>
-      <p:sp>
-        <p:nvSpPr>
-          <p:cNvPr id="19459" name="Rectangle 2051"/>
-          <p:cNvSpPr>
-            <a:spLocks noGrp="1" noChangeArrowheads="1"/>
+            <a:r>
+              <a:rPr lang="en-US" dirty="0" smtClean="0"/>
+              <a:t>hash</a:t>
+            </a:r>
+            <a:endParaRPr lang="en-US" dirty="0"/>
+          </a:p>
+        </p:txBody>
+      </p:sp>
+      <p:sp>
+        <p:nvSpPr>
+          <p:cNvPr id="3" name="Content Placeholder 2"/>
+          <p:cNvSpPr>
+            <a:spLocks noGrp="1"/>
           </p:cNvSpPr>
           <p:nvPr>
             <p:ph idx="1"/>
@@ -20735,82 +20815,60 @@
           <a:lstStyle/>
           <a:p>
             <a:r>
-              <a:rPr lang="en-US" altLang="zh-TW" smtClean="0">
-                <a:ea typeface="新細明體" pitchFamily="18" charset="-120"/>
-              </a:rPr>
-              <a:t>Usually used for collecting data</a:t>
-            </a:r>
-          </a:p>
-          <a:p>
-            <a:r>
-              <a:rPr lang="en-US" altLang="zh-TW" smtClean="0">
-                <a:ea typeface="新細明體" pitchFamily="18" charset="-120"/>
-              </a:rPr>
-              <a:t>Registration</a:t>
-            </a:r>
-          </a:p>
-          <a:p>
-            <a:r>
-              <a:rPr lang="en-US" altLang="zh-TW" smtClean="0">
-                <a:ea typeface="新細明體" pitchFamily="18" charset="-120"/>
-              </a:rPr>
-              <a:t>Login</a:t>
-            </a:r>
-          </a:p>
-          <a:p>
-            <a:r>
-              <a:rPr lang="en-US" altLang="zh-TW" smtClean="0">
-                <a:ea typeface="新細明體" pitchFamily="18" charset="-120"/>
-              </a:rPr>
-              <a:t>Search</a:t>
-            </a:r>
-          </a:p>
-          <a:p>
-            <a:r>
-              <a:rPr lang="en-US" altLang="zh-TW" smtClean="0">
-                <a:ea typeface="新細明體" pitchFamily="18" charset="-120"/>
-              </a:rPr>
-              <a:t>Guest book</a:t>
-            </a:r>
-          </a:p>
-          <a:p>
-            <a:r>
-              <a:rPr lang="en-US" altLang="zh-TW" smtClean="0">
-                <a:ea typeface="新細明體" pitchFamily="18" charset="-120"/>
-              </a:rPr>
-              <a:t>Research</a:t>
-            </a:r>
-          </a:p>
-          <a:p>
-            <a:r>
-              <a:rPr lang="en-US" altLang="zh-TW" smtClean="0">
-                <a:ea typeface="新細明體" pitchFamily="18" charset="-120"/>
-              </a:rPr>
-              <a:t>Vote</a:t>
-            </a:r>
+              <a:rPr lang="zh-TW" altLang="en-US" dirty="0"/>
+              <a:t>雜湊</a:t>
+            </a:r>
+            <a:r>
+              <a:rPr lang="en-US" altLang="zh-TW" dirty="0"/>
+              <a:t>(Hash)</a:t>
+            </a:r>
+            <a:r>
+              <a:rPr lang="zh-TW" altLang="en-US" dirty="0"/>
+              <a:t>演算法越來越多，</a:t>
+            </a:r>
+            <a:r>
+              <a:rPr lang="en-US" altLang="zh-TW" dirty="0"/>
+              <a:t>PHP </a:t>
+            </a:r>
+            <a:r>
+              <a:rPr lang="zh-TW" altLang="en-US" dirty="0"/>
+              <a:t>直接做了 </a:t>
+            </a:r>
+            <a:r>
+              <a:rPr lang="en-US" altLang="zh-TW" dirty="0">
+                <a:hlinkClick r:id="rId2"/>
+              </a:rPr>
+              <a:t>hash()</a:t>
+            </a:r>
+            <a:r>
+              <a:rPr lang="zh-TW" altLang="en-US" dirty="0"/>
+              <a:t> 來用，直接指定要用哪個雜湊演算法即可</a:t>
+            </a:r>
+            <a:r>
+              <a:rPr lang="zh-TW" altLang="en-US" dirty="0" smtClean="0"/>
+              <a:t>。</a:t>
+            </a:r>
+            <a:endParaRPr lang="en-US" altLang="zh-TW" dirty="0" smtClean="0"/>
+          </a:p>
+          <a:p>
+            <a:r>
+              <a:rPr lang="en-US" dirty="0" err="1" smtClean="0"/>
+              <a:t>hash.php</a:t>
+            </a:r>
+            <a:endParaRPr lang="en-US" dirty="0"/>
           </a:p>
         </p:txBody>
       </p:sp>
     </p:spTree>
     <p:extLst>
       <p:ext uri="{BB962C8B-B14F-4D97-AF65-F5344CB8AC3E}">
-        <p14:creationId xmlns:p14="http://schemas.microsoft.com/office/powerpoint/2010/main" val="634802922"/>
+        <p14:creationId xmlns:p14="http://schemas.microsoft.com/office/powerpoint/2010/main" val="2475684050"/>
       </p:ext>
     </p:extLst>
   </p:cSld>
   <p:clrMapOvr>
     <a:masterClrMapping/>
   </p:clrMapOvr>
-  <p:transition>
-    <p:checker/>
-  </p:transition>
-  <p:timing>
-    <p:tnLst>
-      <p:par>
-        <p:cTn id="1" dur="indefinite" restart="never" nodeType="tmRoot"/>
-      </p:par>
-    </p:tnLst>
-  </p:timing>
 </p:sld>
 </file>
 
@@ -20833,7 +20891,7 @@
       </p:grpSpPr>
       <p:sp>
         <p:nvSpPr>
-          <p:cNvPr id="11266" name="Rectangle 2"/>
+          <p:cNvPr id="10242" name="Rectangle 2"/>
           <p:cNvSpPr>
             <a:spLocks noGrp="1" noChangeArrowheads="1"/>
           </p:cNvSpPr>
@@ -20850,17 +20908,17 @@
               <a:defRPr/>
             </a:pPr>
             <a:r>
-              <a:rPr lang="en-US" altLang="zh-TW" smtClean="0">
-                <a:latin typeface="Times New Roman" pitchFamily="18" charset="0"/>
-              </a:rPr>
-              <a:t>Form components</a:t>
-            </a:r>
-          </a:p>
-        </p:txBody>
-      </p:sp>
-      <p:sp>
-        <p:nvSpPr>
-          <p:cNvPr id="18435" name="Rectangle 3"/>
+              <a:rPr lang="en-US" altLang="zh-TW" dirty="0" smtClean="0">
+                <a:latin typeface="Times New Roman" pitchFamily="18" charset="0"/>
+              </a:rPr>
+              <a:t>Server side programming</a:t>
+            </a:r>
+          </a:p>
+        </p:txBody>
+      </p:sp>
+      <p:sp>
+        <p:nvSpPr>
+          <p:cNvPr id="17411" name="Rectangle 3"/>
           <p:cNvSpPr>
             <a:spLocks noGrp="1" noChangeArrowheads="1"/>
           </p:cNvSpPr>
@@ -20874,29 +20932,53 @@
           <a:lstStyle/>
           <a:p>
             <a:r>
+              <a:rPr lang="en-US" altLang="zh-TW" dirty="0" smtClean="0">
+                <a:ea typeface="新細明體" pitchFamily="18" charset="-120"/>
+              </a:rPr>
+              <a:t>PHP</a:t>
+            </a:r>
+          </a:p>
+          <a:p>
+            <a:r>
+              <a:rPr lang="en-US" altLang="zh-TW" dirty="0" smtClean="0">
+                <a:ea typeface="新細明體" pitchFamily="18" charset="-120"/>
+              </a:rPr>
+              <a:t>CGI (Perl)</a:t>
+            </a:r>
+          </a:p>
+          <a:p>
+            <a:r>
+              <a:rPr lang="en-US" altLang="zh-TW" dirty="0" smtClean="0">
+                <a:ea typeface="新細明體" pitchFamily="18" charset="-120"/>
+              </a:rPr>
+              <a:t>ASP / ASPX</a:t>
+            </a:r>
+          </a:p>
+          <a:p>
+            <a:r>
+              <a:rPr lang="en-US" altLang="zh-TW" dirty="0" smtClean="0">
+                <a:ea typeface="新細明體" pitchFamily="18" charset="-120"/>
+              </a:rPr>
+              <a:t>JSP</a:t>
+            </a:r>
+          </a:p>
+          <a:p>
+            <a:r>
               <a:rPr lang="en-US" altLang="zh-TW" dirty="0" err="1" smtClean="0">
                 <a:ea typeface="新細明體" pitchFamily="18" charset="-120"/>
               </a:rPr>
-              <a:t>Fieldset</a:t>
-            </a:r>
-            <a:endParaRPr lang="en-US" altLang="zh-TW" dirty="0">
+              <a:t>Node.js</a:t>
+            </a:r>
+            <a:endParaRPr lang="en-US" altLang="zh-TW" dirty="0" smtClean="0">
               <a:ea typeface="新細明體" pitchFamily="18" charset="-120"/>
             </a:endParaRPr>
           </a:p>
           <a:p>
             <a:r>
-              <a:rPr lang="en-US" altLang="zh-TW" dirty="0">
-                <a:ea typeface="新細明體" pitchFamily="18" charset="-120"/>
-              </a:rPr>
-              <a:t>Fields</a:t>
-            </a:r>
-          </a:p>
-          <a:p>
-            <a:r>
               <a:rPr lang="en-US" altLang="zh-TW" dirty="0" smtClean="0">
                 <a:ea typeface="新細明體" pitchFamily="18" charset="-120"/>
               </a:rPr>
-              <a:t>Radio buttons</a:t>
+              <a:t>Ruby</a:t>
             </a:r>
           </a:p>
           <a:p>
@@ -20904,7 +20986,7 @@
               <a:rPr lang="en-US" altLang="zh-TW" dirty="0" smtClean="0">
                 <a:ea typeface="新細明體" pitchFamily="18" charset="-120"/>
               </a:rPr>
-              <a:t>Check boxes</a:t>
+              <a:t>Python</a:t>
             </a:r>
           </a:p>
           <a:p>
@@ -20912,23 +20994,7 @@
               <a:rPr lang="en-US" altLang="zh-TW" dirty="0" smtClean="0">
                 <a:ea typeface="新細明體" pitchFamily="18" charset="-120"/>
               </a:rPr>
-              <a:t>List/menus</a:t>
-            </a:r>
-          </a:p>
-          <a:p>
-            <a:r>
-              <a:rPr lang="en-US" altLang="zh-TW" dirty="0" smtClean="0">
-                <a:ea typeface="新細明體" pitchFamily="18" charset="-120"/>
-              </a:rPr>
-              <a:t>Buttons</a:t>
-            </a:r>
-          </a:p>
-          <a:p>
-            <a:r>
-              <a:rPr lang="en-US" altLang="zh-TW" dirty="0" smtClean="0">
-                <a:ea typeface="新細明體" pitchFamily="18" charset="-120"/>
-              </a:rPr>
-              <a:t>Hidden</a:t>
+              <a:t>Cold Fusion</a:t>
             </a:r>
           </a:p>
         </p:txBody>
@@ -20936,7 +21002,7 @@
     </p:spTree>
     <p:extLst>
       <p:ext uri="{BB962C8B-B14F-4D97-AF65-F5344CB8AC3E}">
-        <p14:creationId xmlns:p14="http://schemas.microsoft.com/office/powerpoint/2010/main" val="572731494"/>
+        <p14:creationId xmlns:p14="http://schemas.microsoft.com/office/powerpoint/2010/main" val="178847650"/>
       </p:ext>
     </p:extLst>
   </p:cSld>
@@ -20996,7 +21062,7 @@
     </a:clrScheme>
     <a:fontScheme name="Parallax">
       <a:majorFont>
-        <a:latin typeface="Corbel" panose="020B0503020204020204"/>
+        <a:latin typeface="Corbel"/>
         <a:ea typeface=""/>
         <a:cs typeface=""/>
         <a:font script="Jpan" typeface="HGｺﾞｼｯｸM"/>
@@ -21031,7 +21097,7 @@
         <a:font script="Geor" typeface="Sylfaen"/>
       </a:majorFont>
       <a:minorFont>
-        <a:latin typeface="Corbel" panose="020B0503020204020204"/>
+        <a:latin typeface="Corbel"/>
         <a:ea typeface=""/>
         <a:cs typeface=""/>
         <a:font script="Jpan" typeface="HGｺﾞｼｯｸM"/>
@@ -21203,7 +21269,7 @@
   <a:extraClrSchemeLst/>
   <a:extLst>
     <a:ext uri="{05A4C25C-085E-4340-85A3-A5531E510DB2}">
-      <thm15:themeFamily xmlns:thm15="http://schemas.microsoft.com/office/thememl/2012/main" name="Parallax" id="{3388167B-A2EB-4685-9635-1831D9AEF8C4}" vid="{4F7A876A-7598-49CA-AFC8-8EDA2551E4A7}"/>
+      <thm15:themeFamily xmlns:thm15="http://schemas.microsoft.com/office/thememl/2012/main" xmlns="" name="Parallax" id="{3388167B-A2EB-4685-9635-1831D9AEF8C4}" vid="{4F7A876A-7598-49CA-AFC8-8EDA2551E4A7}"/>
     </a:ext>
   </a:extLst>
 </a:theme>

--- a/php-fw4/lesson4.pptx
+++ b/php-fw4/lesson4.pptx
@@ -5,10 +5,10 @@
     <p:sldMasterId id="2147484302" r:id="rId1"/>
   </p:sldMasterIdLst>
   <p:notesMasterIdLst>
-    <p:notesMasterId r:id="rId44"/>
+    <p:notesMasterId r:id="rId45"/>
   </p:notesMasterIdLst>
   <p:handoutMasterIdLst>
-    <p:handoutMasterId r:id="rId45"/>
+    <p:handoutMasterId r:id="rId46"/>
   </p:handoutMasterIdLst>
   <p:sldIdLst>
     <p:sldId id="256" r:id="rId2"/>
@@ -19,40 +19,41 @@
     <p:sldId id="451" r:id="rId7"/>
     <p:sldId id="452" r:id="rId8"/>
     <p:sldId id="453" r:id="rId9"/>
-    <p:sldId id="417" r:id="rId10"/>
-    <p:sldId id="450" r:id="rId11"/>
-    <p:sldId id="418" r:id="rId12"/>
-    <p:sldId id="419" r:id="rId13"/>
-    <p:sldId id="420" r:id="rId14"/>
-    <p:sldId id="421" r:id="rId15"/>
-    <p:sldId id="422" r:id="rId16"/>
-    <p:sldId id="423" r:id="rId17"/>
-    <p:sldId id="424" r:id="rId18"/>
-    <p:sldId id="425" r:id="rId19"/>
-    <p:sldId id="426" r:id="rId20"/>
-    <p:sldId id="427" r:id="rId21"/>
-    <p:sldId id="428" r:id="rId22"/>
-    <p:sldId id="429" r:id="rId23"/>
-    <p:sldId id="430" r:id="rId24"/>
-    <p:sldId id="431" r:id="rId25"/>
-    <p:sldId id="432" r:id="rId26"/>
-    <p:sldId id="433" r:id="rId27"/>
-    <p:sldId id="434" r:id="rId28"/>
-    <p:sldId id="435" r:id="rId29"/>
-    <p:sldId id="436" r:id="rId30"/>
-    <p:sldId id="437" r:id="rId31"/>
-    <p:sldId id="438" r:id="rId32"/>
-    <p:sldId id="439" r:id="rId33"/>
-    <p:sldId id="440" r:id="rId34"/>
-    <p:sldId id="441" r:id="rId35"/>
-    <p:sldId id="442" r:id="rId36"/>
-    <p:sldId id="444" r:id="rId37"/>
-    <p:sldId id="445" r:id="rId38"/>
-    <p:sldId id="446" r:id="rId39"/>
-    <p:sldId id="447" r:id="rId40"/>
-    <p:sldId id="448" r:id="rId41"/>
-    <p:sldId id="449" r:id="rId42"/>
-    <p:sldId id="398" r:id="rId43"/>
+    <p:sldId id="454" r:id="rId10"/>
+    <p:sldId id="417" r:id="rId11"/>
+    <p:sldId id="450" r:id="rId12"/>
+    <p:sldId id="418" r:id="rId13"/>
+    <p:sldId id="419" r:id="rId14"/>
+    <p:sldId id="420" r:id="rId15"/>
+    <p:sldId id="421" r:id="rId16"/>
+    <p:sldId id="422" r:id="rId17"/>
+    <p:sldId id="423" r:id="rId18"/>
+    <p:sldId id="424" r:id="rId19"/>
+    <p:sldId id="425" r:id="rId20"/>
+    <p:sldId id="426" r:id="rId21"/>
+    <p:sldId id="427" r:id="rId22"/>
+    <p:sldId id="428" r:id="rId23"/>
+    <p:sldId id="429" r:id="rId24"/>
+    <p:sldId id="430" r:id="rId25"/>
+    <p:sldId id="431" r:id="rId26"/>
+    <p:sldId id="432" r:id="rId27"/>
+    <p:sldId id="433" r:id="rId28"/>
+    <p:sldId id="434" r:id="rId29"/>
+    <p:sldId id="435" r:id="rId30"/>
+    <p:sldId id="436" r:id="rId31"/>
+    <p:sldId id="437" r:id="rId32"/>
+    <p:sldId id="438" r:id="rId33"/>
+    <p:sldId id="439" r:id="rId34"/>
+    <p:sldId id="440" r:id="rId35"/>
+    <p:sldId id="441" r:id="rId36"/>
+    <p:sldId id="442" r:id="rId37"/>
+    <p:sldId id="444" r:id="rId38"/>
+    <p:sldId id="445" r:id="rId39"/>
+    <p:sldId id="446" r:id="rId40"/>
+    <p:sldId id="447" r:id="rId41"/>
+    <p:sldId id="448" r:id="rId42"/>
+    <p:sldId id="449" r:id="rId43"/>
+    <p:sldId id="398" r:id="rId44"/>
   </p:sldIdLst>
   <p:sldSz cx="9144000" cy="6858000" type="screen4x3"/>
   <p:notesSz cx="6858000" cy="9144000"/>
@@ -183,7 +184,7 @@
   </p:defaultTextStyle>
   <p:extLst>
     <p:ext uri="{EFAFB233-063F-42B5-8137-9DF3F51BA10A}">
-      <p15:sldGuideLst xmlns:p15="http://schemas.microsoft.com/office/powerpoint/2012/main" xmlns="">
+      <p15:sldGuideLst xmlns="" xmlns:p15="http://schemas.microsoft.com/office/powerpoint/2012/main">
         <p15:guide id="1" orient="horz" pos="2160">
           <p15:clr>
             <a:srgbClr val="A4A3A4"/>
@@ -197,7 +198,7 @@
       </p15:sldGuideLst>
     </p:ext>
     <p:ext uri="{2D200454-40CA-4A62-9FC3-DE9A4176ACB9}">
-      <p15:notesGuideLst xmlns:p15="http://schemas.microsoft.com/office/powerpoint/2012/main" xmlns="">
+      <p15:notesGuideLst xmlns="" xmlns:p15="http://schemas.microsoft.com/office/powerpoint/2012/main">
         <p15:guide id="1" orient="horz" pos="2880">
           <p15:clr>
             <a:srgbClr val="A4A3A4"/>
@@ -606,7 +607,7 @@
               </a14:hiddenFill>
             </a:ext>
             <a:ext uri="{FAA26D3D-D897-4be2-8F04-BA451C77F1D7}">
-              <ma14:placeholderFlag xmlns:ma14="http://schemas.microsoft.com/office/mac/drawingml/2011/main" xmlns="" val="1"/>
+              <ma14:placeholderFlag xmlns="" xmlns:ma14="http://schemas.microsoft.com/office/mac/drawingml/2011/main" val="1"/>
             </a:ext>
           </a:extLst>
         </p:spPr>
@@ -1148,7 +1149,7 @@
               </a14:hiddenLine>
             </a:ext>
             <a:ext uri="{FAA26D3D-D897-4be2-8F04-BA451C77F1D7}">
-              <ma14:placeholderFlag xmlns:ma14="http://schemas.microsoft.com/office/mac/drawingml/2011/main" xmlns="" val="1"/>
+              <ma14:placeholderFlag xmlns="" xmlns:ma14="http://schemas.microsoft.com/office/mac/drawingml/2011/main" val="1"/>
             </a:ext>
           </a:extLst>
         </p:spPr>
@@ -1322,7 +1323,7 @@
             <a:fld id="{C798A4D9-DBE8-4D12-9BD0-33B8FD344B2A}" type="slidenum">
               <a:rPr lang="en-US" altLang="zh-TW" sz="1200" smtClean="0"/>
               <a:pPr/>
-              <a:t>14</a:t>
+              <a:t>15</a:t>
             </a:fld>
             <a:endParaRPr lang="en-US" altLang="zh-TW" sz="1200" smtClean="0"/>
           </a:p>
@@ -1550,7 +1551,7 @@
             <a:fld id="{C798A4D9-DBE8-4D12-9BD0-33B8FD344B2A}" type="slidenum">
               <a:rPr lang="en-US" altLang="zh-TW" sz="1200" smtClean="0"/>
               <a:pPr/>
-              <a:t>15</a:t>
+              <a:t>16</a:t>
             </a:fld>
             <a:endParaRPr lang="en-US" altLang="zh-TW" sz="1200" smtClean="0"/>
           </a:p>
@@ -1778,7 +1779,7 @@
             <a:fld id="{4466EFF8-D89D-47A0-A4F7-035BC5BF484B}" type="slidenum">
               <a:rPr lang="en-US" altLang="zh-TW" sz="1200" smtClean="0"/>
               <a:pPr/>
-              <a:t>16</a:t>
+              <a:t>17</a:t>
             </a:fld>
             <a:endParaRPr lang="en-US" altLang="zh-TW" sz="1200" smtClean="0"/>
           </a:p>
@@ -2006,7 +2007,7 @@
             <a:fld id="{EBD8E7BB-8B6B-4756-8541-18828C8F2C3C}" type="slidenum">
               <a:rPr lang="en-US" altLang="zh-TW" sz="1200" smtClean="0"/>
               <a:pPr/>
-              <a:t>17</a:t>
+              <a:t>18</a:t>
             </a:fld>
             <a:endParaRPr lang="en-US" altLang="zh-TW" sz="1200" smtClean="0"/>
           </a:p>
@@ -2234,7 +2235,7 @@
             <a:fld id="{C4843C30-6C91-4E51-B4FA-3FCB7A2452D6}" type="slidenum">
               <a:rPr lang="en-US" altLang="zh-TW" sz="1200" smtClean="0"/>
               <a:pPr/>
-              <a:t>18</a:t>
+              <a:t>19</a:t>
             </a:fld>
             <a:endParaRPr lang="en-US" altLang="zh-TW" sz="1200" smtClean="0"/>
           </a:p>
@@ -2462,7 +2463,7 @@
             <a:fld id="{137C3665-F110-4139-8EF6-9F5D17D75F57}" type="slidenum">
               <a:rPr lang="en-US" altLang="zh-TW" sz="1200" smtClean="0"/>
               <a:pPr/>
-              <a:t>19</a:t>
+              <a:t>20</a:t>
             </a:fld>
             <a:endParaRPr lang="en-US" altLang="zh-TW" sz="1200" smtClean="0"/>
           </a:p>
@@ -2690,7 +2691,7 @@
             <a:fld id="{5981C463-1C54-413C-9707-4BEBBB4A8C0E}" type="slidenum">
               <a:rPr lang="en-US" altLang="zh-TW" sz="1200" smtClean="0"/>
               <a:pPr/>
-              <a:t>20</a:t>
+              <a:t>21</a:t>
             </a:fld>
             <a:endParaRPr lang="en-US" altLang="zh-TW" sz="1200" smtClean="0"/>
           </a:p>
@@ -2918,7 +2919,7 @@
             <a:fld id="{AD0C00DB-B5C2-4DCB-A579-964D5FD2A667}" type="slidenum">
               <a:rPr lang="en-US" altLang="zh-TW" sz="1200" smtClean="0"/>
               <a:pPr/>
-              <a:t>21</a:t>
+              <a:t>22</a:t>
             </a:fld>
             <a:endParaRPr lang="en-US" altLang="zh-TW" sz="1200" smtClean="0"/>
           </a:p>
@@ -3146,7 +3147,7 @@
             <a:fld id="{9AD8AB1C-2E44-4F16-9CEB-685F6C91727A}" type="slidenum">
               <a:rPr lang="en-US" altLang="zh-TW" sz="1200" smtClean="0"/>
               <a:pPr/>
-              <a:t>22</a:t>
+              <a:t>23</a:t>
             </a:fld>
             <a:endParaRPr lang="en-US" altLang="zh-TW" sz="1200" smtClean="0"/>
           </a:p>
@@ -3374,7 +3375,7 @@
             <a:fld id="{F831B8F5-25CE-42B3-B532-8937E8C9AB0E}" type="slidenum">
               <a:rPr lang="en-US" altLang="zh-TW" sz="1200" smtClean="0"/>
               <a:pPr/>
-              <a:t>23</a:t>
+              <a:t>24</a:t>
             </a:fld>
             <a:endParaRPr lang="en-US" altLang="zh-TW" sz="1200" smtClean="0"/>
           </a:p>
@@ -3833,7 +3834,7 @@
             <a:fld id="{7885406E-64C8-4A3E-A3F9-513573349CE5}" type="slidenum">
               <a:rPr lang="en-US" altLang="zh-TW" sz="1200" smtClean="0"/>
               <a:pPr/>
-              <a:t>24</a:t>
+              <a:t>25</a:t>
             </a:fld>
             <a:endParaRPr lang="en-US" altLang="zh-TW" sz="1200" smtClean="0"/>
           </a:p>
@@ -4061,7 +4062,7 @@
             <a:fld id="{21E1DAD6-CCC9-403A-953A-20DD3DA513AD}" type="slidenum">
               <a:rPr lang="en-US" altLang="zh-TW" sz="1200" smtClean="0"/>
               <a:pPr/>
-              <a:t>25</a:t>
+              <a:t>26</a:t>
             </a:fld>
             <a:endParaRPr lang="en-US" altLang="zh-TW" sz="1200" smtClean="0"/>
           </a:p>
@@ -4289,7 +4290,7 @@
             <a:fld id="{F3904D0D-1EB7-4C61-9672-22FD23B7A576}" type="slidenum">
               <a:rPr lang="en-US" altLang="zh-TW" sz="1200" smtClean="0"/>
               <a:pPr/>
-              <a:t>26</a:t>
+              <a:t>27</a:t>
             </a:fld>
             <a:endParaRPr lang="en-US" altLang="zh-TW" sz="1200" smtClean="0"/>
           </a:p>
@@ -4517,7 +4518,7 @@
             <a:fld id="{F3904D0D-1EB7-4C61-9672-22FD23B7A576}" type="slidenum">
               <a:rPr lang="en-US" altLang="zh-TW" sz="1200" smtClean="0"/>
               <a:pPr/>
-              <a:t>27</a:t>
+              <a:t>28</a:t>
             </a:fld>
             <a:endParaRPr lang="en-US" altLang="zh-TW" sz="1200" smtClean="0"/>
           </a:p>
@@ -4745,7 +4746,7 @@
             <a:fld id="{FB06BDF2-F1BE-403B-9551-E351F0386401}" type="slidenum">
               <a:rPr lang="zh-TW" altLang="en-US" sz="1200" smtClean="0"/>
               <a:pPr/>
-              <a:t>31</a:t>
+              <a:t>32</a:t>
             </a:fld>
             <a:endParaRPr lang="en-US" altLang="zh-TW" sz="1200" smtClean="0"/>
           </a:p>
@@ -4973,7 +4974,7 @@
             <a:fld id="{2178B81A-5FB4-4370-9C95-245F187ABDEE}" type="slidenum">
               <a:rPr lang="zh-TW" altLang="en-US" sz="1200" smtClean="0"/>
               <a:pPr/>
-              <a:t>32</a:t>
+              <a:t>33</a:t>
             </a:fld>
             <a:endParaRPr lang="en-US" altLang="zh-TW" sz="1200" smtClean="0"/>
           </a:p>
@@ -5225,7 +5226,7 @@
                   <a:spcPct val="0"/>
                 </a:spcBef>
               </a:pPr>
-              <a:t>42</a:t>
+              <a:t>43</a:t>
             </a:fld>
             <a:endParaRPr kumimoji="0" lang="en-US" altLang="zh-TW"/>
           </a:p>
@@ -5277,7 +5278,7 @@
               </a14:hiddenLine>
             </a:ext>
             <a:ext uri="{FAA26D3D-D897-4be2-8F04-BA451C77F1D7}">
-              <ma14:placeholderFlag xmlns:ma14="http://schemas.microsoft.com/office/mac/drawingml/2011/main" xmlns="" val="1"/>
+              <ma14:placeholderFlag xmlns="" xmlns:ma14="http://schemas.microsoft.com/office/mac/drawingml/2011/main" val="1"/>
             </a:ext>
           </a:extLst>
         </p:spPr>
@@ -5907,7 +5908,7 @@
             <a:fld id="{321EBE3E-B9FB-49AE-8E51-F019B1B77912}" type="slidenum">
               <a:rPr lang="en-US" altLang="zh-TW" sz="1200" smtClean="0"/>
               <a:pPr/>
-              <a:t>9</a:t>
+              <a:t>10</a:t>
             </a:fld>
             <a:endParaRPr lang="en-US" altLang="zh-TW" sz="1200" smtClean="0"/>
           </a:p>
@@ -6135,7 +6136,7 @@
             <a:fld id="{321EBE3E-B9FB-49AE-8E51-F019B1B77912}" type="slidenum">
               <a:rPr lang="en-US" altLang="zh-TW" sz="1200" smtClean="0"/>
               <a:pPr/>
-              <a:t>10</a:t>
+              <a:t>11</a:t>
             </a:fld>
             <a:endParaRPr lang="en-US" altLang="zh-TW" sz="1200" smtClean="0"/>
           </a:p>
@@ -6363,7 +6364,7 @@
             <a:fld id="{D071199D-A5EE-4300-B829-62DB88C8D299}" type="slidenum">
               <a:rPr lang="en-US" altLang="zh-TW" sz="1200" smtClean="0"/>
               <a:pPr/>
-              <a:t>11</a:t>
+              <a:t>12</a:t>
             </a:fld>
             <a:endParaRPr lang="en-US" altLang="zh-TW" sz="1200" smtClean="0"/>
           </a:p>
@@ -6591,7 +6592,7 @@
             <a:fld id="{E40FC351-8449-49DD-AB63-E6F8A600268E}" type="slidenum">
               <a:rPr lang="en-US" altLang="zh-TW" sz="1200" smtClean="0"/>
               <a:pPr/>
-              <a:t>12</a:t>
+              <a:t>13</a:t>
             </a:fld>
             <a:endParaRPr lang="en-US" altLang="zh-TW" sz="1200" smtClean="0"/>
           </a:p>
@@ -6819,7 +6820,7 @@
             <a:fld id="{A1DB4528-8FCB-413F-B4CD-D7724F684FDF}" type="slidenum">
               <a:rPr lang="en-US" altLang="zh-TW" sz="1200" smtClean="0"/>
               <a:pPr/>
-              <a:t>13</a:t>
+              <a:t>14</a:t>
             </a:fld>
             <a:endParaRPr lang="en-US" altLang="zh-TW" sz="1200" smtClean="0"/>
           </a:p>
@@ -12967,7 +12968,7 @@
               </a14:hiddenLine>
             </a:ext>
             <a:ext uri="{FAA26D3D-D897-4be2-8F04-BA451C77F1D7}">
-              <ma14:placeholderFlag xmlns:ma14="http://schemas.microsoft.com/office/mac/drawingml/2011/main" xmlns="" val="1"/>
+              <ma14:placeholderFlag xmlns="" xmlns:ma14="http://schemas.microsoft.com/office/mac/drawingml/2011/main" val="1"/>
             </a:ext>
           </a:extLst>
         </p:spPr>
@@ -13028,7 +13029,7 @@
               </a14:hiddenLine>
             </a:ext>
             <a:ext uri="{FAA26D3D-D897-4be2-8F04-BA451C77F1D7}">
-              <ma14:placeholderFlag xmlns:ma14="http://schemas.microsoft.com/office/mac/drawingml/2011/main" xmlns="" val="1"/>
+              <ma14:placeholderFlag xmlns="" xmlns:ma14="http://schemas.microsoft.com/office/mac/drawingml/2011/main" val="1"/>
             </a:ext>
           </a:extLst>
         </p:spPr>
@@ -13966,7 +13967,7 @@
               <a:rPr lang="en-US" altLang="zh-TW" dirty="0" smtClean="0">
                 <a:latin typeface="Times New Roman" pitchFamily="18" charset="0"/>
               </a:rPr>
-              <a:t>Server side (PHP)</a:t>
+              <a:t>Server side programming</a:t>
             </a:r>
           </a:p>
         </p:txBody>
@@ -13990,7 +13991,7 @@
               <a:rPr lang="en-US" altLang="zh-TW" dirty="0" smtClean="0">
                 <a:ea typeface="新細明體" pitchFamily="18" charset="-120"/>
               </a:rPr>
-              <a:t>Save data – server side</a:t>
+              <a:t>PHP</a:t>
             </a:r>
           </a:p>
           <a:p>
@@ -13998,7 +13999,7 @@
               <a:rPr lang="en-US" altLang="zh-TW" dirty="0" smtClean="0">
                 <a:ea typeface="新細明體" pitchFamily="18" charset="-120"/>
               </a:rPr>
-              <a:t>Database (MySQL)</a:t>
+              <a:t>CGI (Perl)</a:t>
             </a:r>
           </a:p>
           <a:p>
@@ -14006,19 +14007,50 @@
               <a:rPr lang="en-US" altLang="zh-TW" dirty="0" smtClean="0">
                 <a:ea typeface="新細明體" pitchFamily="18" charset="-120"/>
               </a:rPr>
-              <a:t>?name=</a:t>
-            </a:r>
+              <a:t>ASP / ASPX</a:t>
+            </a:r>
+          </a:p>
+          <a:p>
+            <a:r>
+              <a:rPr lang="en-US" altLang="zh-TW" dirty="0" smtClean="0">
+                <a:ea typeface="新細明體" pitchFamily="18" charset="-120"/>
+              </a:rPr>
+              <a:t>JSP</a:t>
+            </a:r>
+          </a:p>
+          <a:p>
             <a:r>
               <a:rPr lang="en-US" altLang="zh-TW" dirty="0" err="1" smtClean="0">
                 <a:ea typeface="新細明體" pitchFamily="18" charset="-120"/>
               </a:rPr>
-              <a:t>ray&amp;password</a:t>
-            </a:r>
+              <a:t>Node.js</a:t>
+            </a:r>
+            <a:endParaRPr lang="en-US" altLang="zh-TW" dirty="0" smtClean="0">
+              <a:ea typeface="新細明體" pitchFamily="18" charset="-120"/>
+            </a:endParaRPr>
+          </a:p>
+          <a:p>
             <a:r>
               <a:rPr lang="en-US" altLang="zh-TW" dirty="0" smtClean="0">
                 <a:ea typeface="新細明體" pitchFamily="18" charset="-120"/>
               </a:rPr>
-              <a:t>=123</a:t>
+              <a:t>Ruby</a:t>
+            </a:r>
+          </a:p>
+          <a:p>
+            <a:r>
+              <a:rPr lang="en-US" altLang="zh-TW" dirty="0" smtClean="0">
+                <a:ea typeface="新細明體" pitchFamily="18" charset="-120"/>
+              </a:rPr>
+              <a:t>Python</a:t>
+            </a:r>
+          </a:p>
+          <a:p>
+            <a:r>
+              <a:rPr lang="en-US" altLang="zh-TW" dirty="0" smtClean="0">
+                <a:ea typeface="新細明體" pitchFamily="18" charset="-120"/>
+              </a:rPr>
+              <a:t>Cold Fusion</a:t>
             </a:r>
           </a:p>
         </p:txBody>
@@ -14026,7 +14058,7 @@
     </p:spTree>
     <p:extLst>
       <p:ext uri="{BB962C8B-B14F-4D97-AF65-F5344CB8AC3E}">
-        <p14:creationId xmlns:p14="http://schemas.microsoft.com/office/powerpoint/2010/main" val="970503919"/>
+        <p14:creationId xmlns:p14="http://schemas.microsoft.com/office/powerpoint/2010/main" val="178847650"/>
       </p:ext>
     </p:extLst>
   </p:cSld>
@@ -14062,7 +14094,7 @@
       </p:grpSpPr>
       <p:sp>
         <p:nvSpPr>
-          <p:cNvPr id="12290" name="Rectangle 2050"/>
+          <p:cNvPr id="10242" name="Rectangle 2"/>
           <p:cNvSpPr>
             <a:spLocks noGrp="1" noChangeArrowheads="1"/>
           </p:cNvSpPr>
@@ -14079,17 +14111,17 @@
               <a:defRPr/>
             </a:pPr>
             <a:r>
-              <a:rPr lang="en-US" altLang="zh-TW" smtClean="0">
-                <a:latin typeface="Times New Roman" pitchFamily="18" charset="0"/>
-              </a:rPr>
-              <a:t>Usage</a:t>
-            </a:r>
-          </a:p>
-        </p:txBody>
-      </p:sp>
-      <p:sp>
-        <p:nvSpPr>
-          <p:cNvPr id="19459" name="Rectangle 2051"/>
+              <a:rPr lang="en-US" altLang="zh-TW" dirty="0" smtClean="0">
+                <a:latin typeface="Times New Roman" pitchFamily="18" charset="0"/>
+              </a:rPr>
+              <a:t>Server side (PHP)</a:t>
+            </a:r>
+          </a:p>
+        </p:txBody>
+      </p:sp>
+      <p:sp>
+        <p:nvSpPr>
+          <p:cNvPr id="17411" name="Rectangle 3"/>
           <p:cNvSpPr>
             <a:spLocks noGrp="1" noChangeArrowheads="1"/>
           </p:cNvSpPr>
@@ -14103,58 +14135,38 @@
           <a:lstStyle/>
           <a:p>
             <a:r>
-              <a:rPr lang="en-US" altLang="zh-TW" smtClean="0">
-                <a:ea typeface="新細明體" pitchFamily="18" charset="-120"/>
-              </a:rPr>
-              <a:t>Usually used for collecting data</a:t>
-            </a:r>
-          </a:p>
-          <a:p>
-            <a:r>
-              <a:rPr lang="en-US" altLang="zh-TW" smtClean="0">
-                <a:ea typeface="新細明體" pitchFamily="18" charset="-120"/>
-              </a:rPr>
-              <a:t>Registration</a:t>
-            </a:r>
-          </a:p>
-          <a:p>
-            <a:r>
-              <a:rPr lang="en-US" altLang="zh-TW" smtClean="0">
-                <a:ea typeface="新細明體" pitchFamily="18" charset="-120"/>
-              </a:rPr>
-              <a:t>Login</a:t>
-            </a:r>
-          </a:p>
-          <a:p>
-            <a:r>
-              <a:rPr lang="en-US" altLang="zh-TW" smtClean="0">
-                <a:ea typeface="新細明體" pitchFamily="18" charset="-120"/>
-              </a:rPr>
-              <a:t>Search</a:t>
-            </a:r>
-          </a:p>
-          <a:p>
-            <a:r>
-              <a:rPr lang="en-US" altLang="zh-TW" smtClean="0">
-                <a:ea typeface="新細明體" pitchFamily="18" charset="-120"/>
-              </a:rPr>
-              <a:t>Guest book</a:t>
-            </a:r>
-          </a:p>
-          <a:p>
-            <a:r>
-              <a:rPr lang="en-US" altLang="zh-TW" smtClean="0">
-                <a:ea typeface="新細明體" pitchFamily="18" charset="-120"/>
-              </a:rPr>
-              <a:t>Research</a:t>
-            </a:r>
-          </a:p>
-          <a:p>
-            <a:r>
-              <a:rPr lang="en-US" altLang="zh-TW" smtClean="0">
-                <a:ea typeface="新細明體" pitchFamily="18" charset="-120"/>
-              </a:rPr>
-              <a:t>Vote</a:t>
+              <a:rPr lang="en-US" altLang="zh-TW" dirty="0" smtClean="0">
+                <a:ea typeface="新細明體" pitchFamily="18" charset="-120"/>
+              </a:rPr>
+              <a:t>Save data – server side</a:t>
+            </a:r>
+          </a:p>
+          <a:p>
+            <a:r>
+              <a:rPr lang="en-US" altLang="zh-TW" dirty="0" smtClean="0">
+                <a:ea typeface="新細明體" pitchFamily="18" charset="-120"/>
+              </a:rPr>
+              <a:t>Database (MySQL)</a:t>
+            </a:r>
+          </a:p>
+          <a:p>
+            <a:r>
+              <a:rPr lang="en-US" altLang="zh-TW" dirty="0" smtClean="0">
+                <a:ea typeface="新細明體" pitchFamily="18" charset="-120"/>
+              </a:rPr>
+              <a:t>?name=</a:t>
+            </a:r>
+            <a:r>
+              <a:rPr lang="en-US" altLang="zh-TW" dirty="0" err="1" smtClean="0">
+                <a:ea typeface="新細明體" pitchFamily="18" charset="-120"/>
+              </a:rPr>
+              <a:t>ray&amp;password</a:t>
+            </a:r>
+            <a:r>
+              <a:rPr lang="en-US" altLang="zh-TW" dirty="0" smtClean="0">
+                <a:ea typeface="新細明體" pitchFamily="18" charset="-120"/>
+              </a:rPr>
+              <a:t>=123</a:t>
             </a:r>
           </a:p>
         </p:txBody>
@@ -14162,16 +14174,13 @@
     </p:spTree>
     <p:extLst>
       <p:ext uri="{BB962C8B-B14F-4D97-AF65-F5344CB8AC3E}">
-        <p14:creationId xmlns:p14="http://schemas.microsoft.com/office/powerpoint/2010/main" val="634802922"/>
+        <p14:creationId xmlns:p14="http://schemas.microsoft.com/office/powerpoint/2010/main" val="970503919"/>
       </p:ext>
     </p:extLst>
   </p:cSld>
   <p:clrMapOvr>
     <a:masterClrMapping/>
   </p:clrMapOvr>
-  <p:transition>
-    <p:checker/>
-  </p:transition>
   <p:timing>
     <p:tnLst>
       <p:par>
@@ -14201,7 +14210,7 @@
       </p:grpSpPr>
       <p:sp>
         <p:nvSpPr>
-          <p:cNvPr id="11266" name="Rectangle 2"/>
+          <p:cNvPr id="12290" name="Rectangle 2050"/>
           <p:cNvSpPr>
             <a:spLocks noGrp="1" noChangeArrowheads="1"/>
           </p:cNvSpPr>
@@ -14221,14 +14230,14 @@
               <a:rPr lang="en-US" altLang="zh-TW" smtClean="0">
                 <a:latin typeface="Times New Roman" pitchFamily="18" charset="0"/>
               </a:rPr>
-              <a:t>Form components</a:t>
-            </a:r>
-          </a:p>
-        </p:txBody>
-      </p:sp>
-      <p:sp>
-        <p:nvSpPr>
-          <p:cNvPr id="18435" name="Rectangle 3"/>
+              <a:t>Usage</a:t>
+            </a:r>
+          </a:p>
+        </p:txBody>
+      </p:sp>
+      <p:sp>
+        <p:nvSpPr>
+          <p:cNvPr id="19459" name="Rectangle 2051"/>
           <p:cNvSpPr>
             <a:spLocks noGrp="1" noChangeArrowheads="1"/>
           </p:cNvSpPr>
@@ -14242,61 +14251,58 @@
           <a:lstStyle/>
           <a:p>
             <a:r>
-              <a:rPr lang="en-US" altLang="zh-TW" dirty="0" err="1" smtClean="0">
-                <a:ea typeface="新細明體" pitchFamily="18" charset="-120"/>
-              </a:rPr>
-              <a:t>Fieldset</a:t>
-            </a:r>
-            <a:endParaRPr lang="en-US" altLang="zh-TW" dirty="0">
-              <a:ea typeface="新細明體" pitchFamily="18" charset="-120"/>
-            </a:endParaRPr>
-          </a:p>
-          <a:p>
-            <a:r>
-              <a:rPr lang="en-US" altLang="zh-TW" dirty="0">
-                <a:ea typeface="新細明體" pitchFamily="18" charset="-120"/>
-              </a:rPr>
-              <a:t>Fields</a:t>
-            </a:r>
-          </a:p>
-          <a:p>
-            <a:r>
-              <a:rPr lang="en-US" altLang="zh-TW" dirty="0" smtClean="0">
-                <a:ea typeface="新細明體" pitchFamily="18" charset="-120"/>
-              </a:rPr>
-              <a:t>Radio buttons</a:t>
-            </a:r>
-          </a:p>
-          <a:p>
-            <a:r>
-              <a:rPr lang="en-US" altLang="zh-TW" dirty="0" smtClean="0">
-                <a:ea typeface="新細明體" pitchFamily="18" charset="-120"/>
-              </a:rPr>
-              <a:t>Check boxes</a:t>
-            </a:r>
-          </a:p>
-          <a:p>
-            <a:r>
-              <a:rPr lang="en-US" altLang="zh-TW" dirty="0" smtClean="0">
-                <a:ea typeface="新細明體" pitchFamily="18" charset="-120"/>
-              </a:rPr>
-              <a:t>List/menus</a:t>
-            </a:r>
-          </a:p>
-          <a:p>
-            <a:r>
-              <a:rPr lang="en-US" altLang="zh-TW" dirty="0" smtClean="0">
-                <a:ea typeface="新細明體" pitchFamily="18" charset="-120"/>
-              </a:rPr>
-              <a:t>Buttons</a:t>
-            </a:r>
-          </a:p>
-          <a:p>
-            <a:r>
-              <a:rPr lang="en-US" altLang="zh-TW" dirty="0" smtClean="0">
-                <a:ea typeface="新細明體" pitchFamily="18" charset="-120"/>
-              </a:rPr>
-              <a:t>Hidden</a:t>
+              <a:rPr lang="en-US" altLang="zh-TW" smtClean="0">
+                <a:ea typeface="新細明體" pitchFamily="18" charset="-120"/>
+              </a:rPr>
+              <a:t>Usually used for collecting data</a:t>
+            </a:r>
+          </a:p>
+          <a:p>
+            <a:r>
+              <a:rPr lang="en-US" altLang="zh-TW" smtClean="0">
+                <a:ea typeface="新細明體" pitchFamily="18" charset="-120"/>
+              </a:rPr>
+              <a:t>Registration</a:t>
+            </a:r>
+          </a:p>
+          <a:p>
+            <a:r>
+              <a:rPr lang="en-US" altLang="zh-TW" smtClean="0">
+                <a:ea typeface="新細明體" pitchFamily="18" charset="-120"/>
+              </a:rPr>
+              <a:t>Login</a:t>
+            </a:r>
+          </a:p>
+          <a:p>
+            <a:r>
+              <a:rPr lang="en-US" altLang="zh-TW" smtClean="0">
+                <a:ea typeface="新細明體" pitchFamily="18" charset="-120"/>
+              </a:rPr>
+              <a:t>Search</a:t>
+            </a:r>
+          </a:p>
+          <a:p>
+            <a:r>
+              <a:rPr lang="en-US" altLang="zh-TW" smtClean="0">
+                <a:ea typeface="新細明體" pitchFamily="18" charset="-120"/>
+              </a:rPr>
+              <a:t>Guest book</a:t>
+            </a:r>
+          </a:p>
+          <a:p>
+            <a:r>
+              <a:rPr lang="en-US" altLang="zh-TW" smtClean="0">
+                <a:ea typeface="新細明體" pitchFamily="18" charset="-120"/>
+              </a:rPr>
+              <a:t>Research</a:t>
+            </a:r>
+          </a:p>
+          <a:p>
+            <a:r>
+              <a:rPr lang="en-US" altLang="zh-TW" smtClean="0">
+                <a:ea typeface="新細明體" pitchFamily="18" charset="-120"/>
+              </a:rPr>
+              <a:t>Vote</a:t>
             </a:r>
           </a:p>
         </p:txBody>
@@ -14304,13 +14310,16 @@
     </p:spTree>
     <p:extLst>
       <p:ext uri="{BB962C8B-B14F-4D97-AF65-F5344CB8AC3E}">
-        <p14:creationId xmlns:p14="http://schemas.microsoft.com/office/powerpoint/2010/main" val="572731494"/>
+        <p14:creationId xmlns:p14="http://schemas.microsoft.com/office/powerpoint/2010/main" val="634802922"/>
       </p:ext>
     </p:extLst>
   </p:cSld>
   <p:clrMapOvr>
     <a:masterClrMapping/>
   </p:clrMapOvr>
+  <p:transition>
+    <p:checker/>
+  </p:transition>
   <p:timing>
     <p:tnLst>
       <p:par>
@@ -14340,7 +14349,7 @@
       </p:grpSpPr>
       <p:sp>
         <p:nvSpPr>
-          <p:cNvPr id="13314" name="Rectangle 2"/>
+          <p:cNvPr id="11266" name="Rectangle 2"/>
           <p:cNvSpPr>
             <a:spLocks noGrp="1" noChangeArrowheads="1"/>
           </p:cNvSpPr>
@@ -14360,14 +14369,14 @@
               <a:rPr lang="en-US" altLang="zh-TW" smtClean="0">
                 <a:latin typeface="Times New Roman" pitchFamily="18" charset="0"/>
               </a:rPr>
-              <a:t>The First Step</a:t>
-            </a:r>
-          </a:p>
-        </p:txBody>
-      </p:sp>
-      <p:sp>
-        <p:nvSpPr>
-          <p:cNvPr id="20483" name="Rectangle 3"/>
+              <a:t>Form components</a:t>
+            </a:r>
+          </a:p>
+        </p:txBody>
+      </p:sp>
+      <p:sp>
+        <p:nvSpPr>
+          <p:cNvPr id="18435" name="Rectangle 3"/>
           <p:cNvSpPr>
             <a:spLocks noGrp="1" noChangeArrowheads="1"/>
           </p:cNvSpPr>
@@ -14381,40 +14390,75 @@
           <a:lstStyle/>
           <a:p>
             <a:r>
-              <a:rPr lang="en-US" altLang="zh-TW" dirty="0" smtClean="0">
-                <a:ea typeface="新細明體" pitchFamily="18" charset="-120"/>
-              </a:rPr>
-              <a:t>Tell your computer what to do with your form</a:t>
-            </a:r>
-          </a:p>
-          <a:p>
-            <a:r>
-              <a:rPr lang="en-US" altLang="zh-TW" dirty="0" smtClean="0">
-                <a:ea typeface="新細明體" pitchFamily="18" charset="-120"/>
-              </a:rPr>
-              <a:t>Insert -&gt; Form -&gt; Form</a:t>
-            </a:r>
-          </a:p>
-          <a:p>
-            <a:endParaRPr lang="en-US" altLang="zh-TW" dirty="0" smtClean="0">
+              <a:rPr lang="en-US" altLang="zh-TW" dirty="0" err="1" smtClean="0">
+                <a:ea typeface="新細明體" pitchFamily="18" charset="-120"/>
+              </a:rPr>
+              <a:t>Fieldset</a:t>
+            </a:r>
+            <a:endParaRPr lang="en-US" altLang="zh-TW" dirty="0">
               <a:ea typeface="新細明體" pitchFamily="18" charset="-120"/>
             </a:endParaRPr>
+          </a:p>
+          <a:p>
+            <a:r>
+              <a:rPr lang="en-US" altLang="zh-TW" dirty="0">
+                <a:ea typeface="新細明體" pitchFamily="18" charset="-120"/>
+              </a:rPr>
+              <a:t>Fields</a:t>
+            </a:r>
+          </a:p>
+          <a:p>
+            <a:r>
+              <a:rPr lang="en-US" altLang="zh-TW" dirty="0" smtClean="0">
+                <a:ea typeface="新細明體" pitchFamily="18" charset="-120"/>
+              </a:rPr>
+              <a:t>Radio buttons</a:t>
+            </a:r>
+          </a:p>
+          <a:p>
+            <a:r>
+              <a:rPr lang="en-US" altLang="zh-TW" dirty="0" smtClean="0">
+                <a:ea typeface="新細明體" pitchFamily="18" charset="-120"/>
+              </a:rPr>
+              <a:t>Check boxes</a:t>
+            </a:r>
+          </a:p>
+          <a:p>
+            <a:r>
+              <a:rPr lang="en-US" altLang="zh-TW" dirty="0" smtClean="0">
+                <a:ea typeface="新細明體" pitchFamily="18" charset="-120"/>
+              </a:rPr>
+              <a:t>List/menus</a:t>
+            </a:r>
+          </a:p>
+          <a:p>
+            <a:r>
+              <a:rPr lang="en-US" altLang="zh-TW" dirty="0" smtClean="0">
+                <a:ea typeface="新細明體" pitchFamily="18" charset="-120"/>
+              </a:rPr>
+              <a:t>Buttons</a:t>
+            </a:r>
+          </a:p>
+          <a:p>
+            <a:r>
+              <a:rPr lang="en-US" altLang="zh-TW" dirty="0" smtClean="0">
+                <a:ea typeface="新細明體" pitchFamily="18" charset="-120"/>
+              </a:rPr>
+              <a:t>Hidden</a:t>
+            </a:r>
           </a:p>
         </p:txBody>
       </p:sp>
     </p:spTree>
     <p:extLst>
       <p:ext uri="{BB962C8B-B14F-4D97-AF65-F5344CB8AC3E}">
-        <p14:creationId xmlns:p14="http://schemas.microsoft.com/office/powerpoint/2010/main" val="1977169055"/>
+        <p14:creationId xmlns:p14="http://schemas.microsoft.com/office/powerpoint/2010/main" val="572731494"/>
       </p:ext>
     </p:extLst>
   </p:cSld>
   <p:clrMapOvr>
     <a:masterClrMapping/>
   </p:clrMapOvr>
-  <p:transition>
-    <p:checker/>
-  </p:transition>
   <p:timing>
     <p:tnLst>
       <p:par>
@@ -14444,7 +14488,7 @@
       </p:grpSpPr>
       <p:sp>
         <p:nvSpPr>
-          <p:cNvPr id="14338" name="Rectangle 2"/>
+          <p:cNvPr id="13314" name="Rectangle 2"/>
           <p:cNvSpPr>
             <a:spLocks noGrp="1" noChangeArrowheads="1"/>
           </p:cNvSpPr>
@@ -14461,115 +14505,55 @@
               <a:defRPr/>
             </a:pPr>
             <a:r>
-              <a:rPr lang="en-US" altLang="zh-TW" dirty="0" err="1" smtClean="0">
-                <a:latin typeface="Times New Roman" pitchFamily="18" charset="0"/>
-              </a:rPr>
-              <a:t>Fieldset</a:t>
-            </a:r>
+              <a:rPr lang="en-US" altLang="zh-TW" smtClean="0">
+                <a:latin typeface="Times New Roman" pitchFamily="18" charset="0"/>
+              </a:rPr>
+              <a:t>The First Step</a:t>
+            </a:r>
+          </a:p>
+        </p:txBody>
+      </p:sp>
+      <p:sp>
+        <p:nvSpPr>
+          <p:cNvPr id="20483" name="Rectangle 3"/>
+          <p:cNvSpPr>
+            <a:spLocks noGrp="1" noChangeArrowheads="1"/>
+          </p:cNvSpPr>
+          <p:nvPr>
+            <p:ph idx="1"/>
+          </p:nvPr>
+        </p:nvSpPr>
+        <p:spPr/>
+        <p:txBody>
+          <a:bodyPr/>
+          <a:lstStyle/>
+          <a:p>
+            <a:r>
+              <a:rPr lang="en-US" altLang="zh-TW" dirty="0" smtClean="0">
+                <a:ea typeface="新細明體" pitchFamily="18" charset="-120"/>
+              </a:rPr>
+              <a:t>Tell your computer what to do with your form</a:t>
+            </a:r>
+          </a:p>
+          <a:p>
+            <a:r>
+              <a:rPr lang="en-US" altLang="zh-TW" dirty="0" smtClean="0">
+                <a:ea typeface="新細明體" pitchFamily="18" charset="-120"/>
+              </a:rPr>
+              <a:t>Insert -&gt; Form -&gt; Form</a:t>
+            </a:r>
+          </a:p>
+          <a:p>
             <a:endParaRPr lang="en-US" altLang="zh-TW" dirty="0" smtClean="0">
-              <a:latin typeface="Times New Roman" pitchFamily="18" charset="0"/>
+              <a:ea typeface="新細明體" pitchFamily="18" charset="-120"/>
             </a:endParaRPr>
-          </a:p>
-        </p:txBody>
-      </p:sp>
-      <p:sp>
-        <p:nvSpPr>
-          <p:cNvPr id="21507" name="Rectangle 3"/>
-          <p:cNvSpPr>
-            <a:spLocks noGrp="1" noChangeArrowheads="1"/>
-          </p:cNvSpPr>
-          <p:nvPr>
-            <p:ph idx="1"/>
-          </p:nvPr>
-        </p:nvSpPr>
-        <p:spPr/>
-        <p:txBody>
-          <a:bodyPr>
-            <a:normAutofit/>
-          </a:bodyPr>
-          <a:lstStyle/>
-          <a:p>
-            <a:r>
-              <a:rPr lang="en-US" altLang="zh-TW" dirty="0">
-                <a:ea typeface="新細明體" pitchFamily="18" charset="-120"/>
-              </a:rPr>
-              <a:t>To group all our details of the form, we add a </a:t>
-            </a:r>
-            <a:r>
-              <a:rPr lang="en-US" altLang="zh-TW" dirty="0" err="1">
-                <a:ea typeface="新細明體" pitchFamily="18" charset="-120"/>
-              </a:rPr>
-              <a:t>fieldset</a:t>
-            </a:r>
-            <a:r>
-              <a:rPr lang="en-US" altLang="zh-TW" dirty="0">
-                <a:ea typeface="新細明體" pitchFamily="18" charset="-120"/>
-              </a:rPr>
-              <a:t> first.</a:t>
-            </a:r>
-          </a:p>
-          <a:p>
-            <a:r>
-              <a:rPr lang="en-US" altLang="zh-TW" dirty="0">
-                <a:ea typeface="新細明體" pitchFamily="18" charset="-120"/>
-              </a:rPr>
-              <a:t>Usually add a legend for this group.</a:t>
-            </a:r>
-          </a:p>
-          <a:p>
-            <a:r>
-              <a:rPr lang="en-US" altLang="zh-TW" dirty="0">
-                <a:ea typeface="新細明體" pitchFamily="18" charset="-120"/>
-              </a:rPr>
-              <a:t>&lt;</a:t>
-            </a:r>
-            <a:r>
-              <a:rPr lang="en-US" altLang="zh-TW" dirty="0" err="1">
-                <a:ea typeface="新細明體" pitchFamily="18" charset="-120"/>
-              </a:rPr>
-              <a:t>fieldset</a:t>
-            </a:r>
-            <a:r>
-              <a:rPr lang="en-US" altLang="zh-TW" dirty="0">
-                <a:ea typeface="新細明體" pitchFamily="18" charset="-120"/>
-              </a:rPr>
-              <a:t>&gt;</a:t>
-            </a:r>
-          </a:p>
-          <a:p>
-            <a:r>
-              <a:rPr lang="en-US" altLang="zh-TW" dirty="0">
-                <a:ea typeface="新細明體" pitchFamily="18" charset="-120"/>
-              </a:rPr>
-              <a:t>&lt;legend&gt;Form Title&lt;/legend&gt;</a:t>
-            </a:r>
-          </a:p>
-          <a:p>
-            <a:r>
-              <a:rPr lang="en-US" altLang="zh-TW" dirty="0">
-                <a:ea typeface="新細明體" pitchFamily="18" charset="-120"/>
-              </a:rPr>
-              <a:t>&lt;/</a:t>
-            </a:r>
-            <a:r>
-              <a:rPr lang="en-US" altLang="zh-TW" dirty="0" err="1">
-                <a:ea typeface="新細明體" pitchFamily="18" charset="-120"/>
-              </a:rPr>
-              <a:t>fieldset</a:t>
-            </a:r>
-            <a:r>
-              <a:rPr lang="en-US" altLang="zh-TW" dirty="0">
-                <a:ea typeface="新細明體" pitchFamily="18" charset="-120"/>
-              </a:rPr>
-              <a:t>&gt;</a:t>
-            </a:r>
           </a:p>
         </p:txBody>
       </p:sp>
     </p:spTree>
     <p:extLst>
       <p:ext uri="{BB962C8B-B14F-4D97-AF65-F5344CB8AC3E}">
-        <p14:creationId xmlns:p14="http://schemas.microsoft.com/office/powerpoint/2010/main" val="600896427"/>
+        <p14:creationId xmlns:p14="http://schemas.microsoft.com/office/powerpoint/2010/main" val="1977169055"/>
       </p:ext>
     </p:extLst>
   </p:cSld>
@@ -14625,11 +14609,14 @@
               <a:defRPr/>
             </a:pPr>
             <a:r>
-              <a:rPr lang="en-US" altLang="zh-TW" smtClean="0">
-                <a:latin typeface="Times New Roman" pitchFamily="18" charset="0"/>
-              </a:rPr>
-              <a:t>Text box</a:t>
-            </a:r>
+              <a:rPr lang="en-US" altLang="zh-TW" dirty="0" err="1" smtClean="0">
+                <a:latin typeface="Times New Roman" pitchFamily="18" charset="0"/>
+              </a:rPr>
+              <a:t>Fieldset</a:t>
+            </a:r>
+            <a:endParaRPr lang="en-US" altLang="zh-TW" dirty="0" smtClean="0">
+              <a:latin typeface="Times New Roman" pitchFamily="18" charset="0"/>
+            </a:endParaRPr>
           </a:p>
         </p:txBody>
       </p:sp>
@@ -14646,7 +14633,7 @@
         <p:spPr/>
         <p:txBody>
           <a:bodyPr>
-            <a:normAutofit lnSpcReduction="10000"/>
+            <a:normAutofit/>
           </a:bodyPr>
           <a:lstStyle/>
           <a:p>
@@ -14654,15 +14641,19 @@
               <a:rPr lang="en-US" altLang="zh-TW" dirty="0">
                 <a:ea typeface="新細明體" pitchFamily="18" charset="-120"/>
               </a:rPr>
-              <a:t>If we do not know what is the availability of the result, we insert a textbox for user to input the data. </a:t>
-            </a:r>
-          </a:p>
-          <a:p>
+              <a:t>To group all our details of the form, we add a </a:t>
+            </a:r>
+            <a:r>
+              <a:rPr lang="en-US" altLang="zh-TW" dirty="0" err="1">
+                <a:ea typeface="新細明體" pitchFamily="18" charset="-120"/>
+              </a:rPr>
+              <a:t>fieldset</a:t>
+            </a:r>
             <a:r>
               <a:rPr lang="en-US" altLang="zh-TW" dirty="0">
                 <a:ea typeface="新細明體" pitchFamily="18" charset="-120"/>
               </a:rPr>
-              <a:t>EG. Username, Address, etc..</a:t>
+              <a:t> first.</a:t>
             </a:r>
           </a:p>
           <a:p>
@@ -14670,7 +14661,7 @@
               <a:rPr lang="en-US" altLang="zh-TW" dirty="0">
                 <a:ea typeface="新細明體" pitchFamily="18" charset="-120"/>
               </a:rPr>
-              <a:t>Insert -&gt; Form -&gt; Text box</a:t>
+              <a:t>Usually add a legend for this group.</a:t>
             </a:r>
           </a:p>
           <a:p>
@@ -14678,201 +14669,47 @@
               <a:rPr lang="en-US" altLang="zh-TW" dirty="0">
                 <a:ea typeface="新細明體" pitchFamily="18" charset="-120"/>
               </a:rPr>
-              <a:t>Set the field name same as the left-hand-side.  EG. username   (lowercase</a:t>
-            </a:r>
-            <a:r>
-              <a:rPr lang="en-US" altLang="zh-TW" dirty="0" smtClean="0">
-                <a:ea typeface="新細明體" pitchFamily="18" charset="-120"/>
-              </a:rPr>
-              <a:t>)</a:t>
-            </a:r>
-          </a:p>
-          <a:p>
+              <a:t>&lt;</a:t>
+            </a:r>
+            <a:r>
+              <a:rPr lang="en-US" altLang="zh-TW" dirty="0" err="1">
+                <a:ea typeface="新細明體" pitchFamily="18" charset="-120"/>
+              </a:rPr>
+              <a:t>fieldset</a:t>
+            </a:r>
             <a:r>
               <a:rPr lang="en-US" altLang="zh-TW" dirty="0">
                 <a:ea typeface="新細明體" pitchFamily="18" charset="-120"/>
               </a:rPr>
-              <a:t>&lt;input name</a:t>
-            </a:r>
-            <a:r>
-              <a:rPr lang="en-US" altLang="zh-TW" dirty="0" smtClean="0">
-                <a:ea typeface="新細明體" pitchFamily="18" charset="-120"/>
-              </a:rPr>
-              <a:t>=</a:t>
-            </a:r>
-            <a:r>
-              <a:rPr lang="mr-IN" altLang="zh-TW" dirty="0" smtClean="0">
-                <a:ea typeface="新細明體" pitchFamily="18" charset="-120"/>
-              </a:rPr>
-              <a:t>"</a:t>
-            </a:r>
-            <a:r>
-              <a:rPr lang="en-US" altLang="zh-TW" dirty="0" smtClean="0">
-                <a:ea typeface="新細明體" pitchFamily="18" charset="-120"/>
-              </a:rPr>
-              <a:t>username</a:t>
-            </a:r>
-            <a:r>
-              <a:rPr lang="mr-IN" altLang="zh-TW" dirty="0" smtClean="0">
-                <a:ea typeface="新細明體" pitchFamily="18" charset="-120"/>
-              </a:rPr>
-              <a:t>"</a:t>
-            </a:r>
-            <a:r>
-              <a:rPr lang="en-US" altLang="zh-TW" dirty="0" smtClean="0">
-                <a:ea typeface="新細明體" pitchFamily="18" charset="-120"/>
-              </a:rPr>
-              <a:t> </a:t>
-            </a:r>
+              <a:t>&gt;</a:t>
+            </a:r>
+          </a:p>
+          <a:p>
             <a:r>
               <a:rPr lang="en-US" altLang="zh-TW" dirty="0">
                 <a:ea typeface="新細明體" pitchFamily="18" charset="-120"/>
               </a:rPr>
-              <a:t>type</a:t>
-            </a:r>
-            <a:r>
-              <a:rPr lang="en-US" altLang="zh-TW" dirty="0" smtClean="0">
-                <a:ea typeface="新細明體" pitchFamily="18" charset="-120"/>
-              </a:rPr>
-              <a:t>=</a:t>
-            </a:r>
-            <a:r>
-              <a:rPr lang="mr-IN" altLang="zh-TW" dirty="0" smtClean="0">
-                <a:ea typeface="新細明體" pitchFamily="18" charset="-120"/>
-              </a:rPr>
-              <a:t>"</a:t>
-            </a:r>
-            <a:r>
-              <a:rPr lang="en-US" altLang="zh-TW" dirty="0" smtClean="0">
-                <a:ea typeface="新細明體" pitchFamily="18" charset="-120"/>
-              </a:rPr>
-              <a:t>text</a:t>
-            </a:r>
-            <a:r>
-              <a:rPr lang="mr-IN" altLang="zh-TW" dirty="0" smtClean="0">
-                <a:ea typeface="新細明體" pitchFamily="18" charset="-120"/>
-              </a:rPr>
-              <a:t>"</a:t>
-            </a:r>
-            <a:r>
-              <a:rPr lang="en-US" altLang="zh-TW" dirty="0" smtClean="0">
-                <a:ea typeface="新細明體" pitchFamily="18" charset="-120"/>
-              </a:rPr>
-              <a:t> </a:t>
-            </a:r>
+              <a:t>&lt;legend&gt;Form Title&lt;/legend&gt;</a:t>
+            </a:r>
+          </a:p>
+          <a:p>
             <a:r>
               <a:rPr lang="en-US" altLang="zh-TW" dirty="0">
                 <a:ea typeface="新細明體" pitchFamily="18" charset="-120"/>
               </a:rPr>
-              <a:t>id</a:t>
-            </a:r>
-            <a:r>
-              <a:rPr lang="en-US" altLang="zh-TW" dirty="0" smtClean="0">
-                <a:ea typeface="新細明體" pitchFamily="18" charset="-120"/>
-              </a:rPr>
-              <a:t>=</a:t>
-            </a:r>
-            <a:r>
-              <a:rPr lang="mr-IN" altLang="zh-TW" dirty="0" smtClean="0">
-                <a:ea typeface="新細明體" pitchFamily="18" charset="-120"/>
-              </a:rPr>
-              <a:t>"</a:t>
-            </a:r>
-            <a:r>
-              <a:rPr lang="en-US" altLang="zh-TW" dirty="0" smtClean="0">
-                <a:ea typeface="新細明體" pitchFamily="18" charset="-120"/>
-              </a:rPr>
-              <a:t>username</a:t>
-            </a:r>
-            <a:r>
-              <a:rPr lang="mr-IN" altLang="zh-TW" dirty="0" smtClean="0">
-                <a:ea typeface="新細明體" pitchFamily="18" charset="-120"/>
-              </a:rPr>
-              <a:t>"</a:t>
-            </a:r>
-            <a:r>
-              <a:rPr lang="en-US" altLang="zh-TW" dirty="0" smtClean="0">
-                <a:ea typeface="新細明體" pitchFamily="18" charset="-120"/>
-              </a:rPr>
-              <a:t> </a:t>
+              <a:t>&lt;/</a:t>
+            </a:r>
+            <a:r>
+              <a:rPr lang="en-US" altLang="zh-TW" dirty="0" err="1">
+                <a:ea typeface="新細明體" pitchFamily="18" charset="-120"/>
+              </a:rPr>
+              <a:t>fieldset</a:t>
             </a:r>
             <a:r>
               <a:rPr lang="en-US" altLang="zh-TW" dirty="0">
                 <a:ea typeface="新細明體" pitchFamily="18" charset="-120"/>
               </a:rPr>
-              <a:t>size</a:t>
-            </a:r>
-            <a:r>
-              <a:rPr lang="en-US" altLang="zh-TW" dirty="0" smtClean="0">
-                <a:ea typeface="新細明體" pitchFamily="18" charset="-120"/>
-              </a:rPr>
-              <a:t>=</a:t>
-            </a:r>
-            <a:r>
-              <a:rPr lang="mr-IN" altLang="zh-TW" dirty="0" smtClean="0">
-                <a:ea typeface="新細明體" pitchFamily="18" charset="-120"/>
-              </a:rPr>
-              <a:t>"</a:t>
-            </a:r>
-            <a:r>
-              <a:rPr lang="en-US" altLang="zh-TW" dirty="0" smtClean="0">
-                <a:ea typeface="新細明體" pitchFamily="18" charset="-120"/>
-              </a:rPr>
-              <a:t>20</a:t>
-            </a:r>
-            <a:r>
-              <a:rPr lang="mr-IN" altLang="zh-TW" dirty="0" smtClean="0">
-                <a:ea typeface="新細明體" pitchFamily="18" charset="-120"/>
-              </a:rPr>
-              <a:t>"</a:t>
-            </a:r>
-            <a:r>
-              <a:rPr lang="en-US" altLang="zh-TW" dirty="0" smtClean="0">
-                <a:ea typeface="新細明體" pitchFamily="18" charset="-120"/>
-              </a:rPr>
-              <a:t> </a:t>
-            </a:r>
-            <a:r>
-              <a:rPr lang="en-US" altLang="zh-TW" dirty="0" err="1">
-                <a:ea typeface="新細明體" pitchFamily="18" charset="-120"/>
-              </a:rPr>
-              <a:t>maxlength</a:t>
-            </a:r>
-            <a:r>
-              <a:rPr lang="en-US" altLang="zh-TW" dirty="0" smtClean="0">
-                <a:ea typeface="新細明體" pitchFamily="18" charset="-120"/>
-              </a:rPr>
-              <a:t>=</a:t>
-            </a:r>
-            <a:r>
-              <a:rPr lang="mr-IN" altLang="zh-TW" dirty="0" smtClean="0">
-                <a:ea typeface="新細明體" pitchFamily="18" charset="-120"/>
-              </a:rPr>
-              <a:t>"</a:t>
-            </a:r>
-            <a:r>
-              <a:rPr lang="en-US" altLang="zh-TW" dirty="0" smtClean="0">
-                <a:ea typeface="新細明體" pitchFamily="18" charset="-120"/>
-              </a:rPr>
-              <a:t>10</a:t>
-            </a:r>
-            <a:r>
-              <a:rPr lang="mr-IN" altLang="zh-TW" dirty="0" smtClean="0">
-                <a:ea typeface="新細明體" pitchFamily="18" charset="-120"/>
-              </a:rPr>
-              <a:t>"</a:t>
-            </a:r>
-            <a:r>
-              <a:rPr lang="en-US" altLang="zh-TW" dirty="0" smtClean="0">
-                <a:ea typeface="新細明體" pitchFamily="18" charset="-120"/>
-              </a:rPr>
-              <a:t> </a:t>
-            </a:r>
-            <a:r>
-              <a:rPr lang="en-US" altLang="zh-TW" dirty="0">
-                <a:ea typeface="新細明體" pitchFamily="18" charset="-120"/>
-              </a:rPr>
-              <a:t>/&gt;</a:t>
+              <a:t>&gt;</a:t>
             </a:r>
           </a:p>
         </p:txBody>
@@ -14880,7 +14717,7 @@
     </p:spTree>
     <p:extLst>
       <p:ext uri="{BB962C8B-B14F-4D97-AF65-F5344CB8AC3E}">
-        <p14:creationId xmlns:p14="http://schemas.microsoft.com/office/powerpoint/2010/main" val="1955738181"/>
+        <p14:creationId xmlns:p14="http://schemas.microsoft.com/office/powerpoint/2010/main" val="600896427"/>
       </p:ext>
     </p:extLst>
   </p:cSld>
@@ -14936,17 +14773,17 @@
               <a:defRPr/>
             </a:pPr>
             <a:r>
-              <a:rPr lang="en-US" altLang="zh-TW" dirty="0" smtClean="0">
-                <a:latin typeface="Times New Roman" pitchFamily="18" charset="0"/>
-              </a:rPr>
-              <a:t>Password</a:t>
-            </a:r>
-          </a:p>
-        </p:txBody>
-      </p:sp>
-      <p:sp>
-        <p:nvSpPr>
-          <p:cNvPr id="22531" name="Rectangle 3"/>
+              <a:rPr lang="en-US" altLang="zh-TW" smtClean="0">
+                <a:latin typeface="Times New Roman" pitchFamily="18" charset="0"/>
+              </a:rPr>
+              <a:t>Text box</a:t>
+            </a:r>
+          </a:p>
+        </p:txBody>
+      </p:sp>
+      <p:sp>
+        <p:nvSpPr>
+          <p:cNvPr id="21507" name="Rectangle 3"/>
           <p:cNvSpPr>
             <a:spLocks noGrp="1" noChangeArrowheads="1"/>
           </p:cNvSpPr>
@@ -14957,7 +14794,7 @@
         <p:spPr/>
         <p:txBody>
           <a:bodyPr>
-            <a:normAutofit fontScale="92500" lnSpcReduction="20000"/>
+            <a:normAutofit lnSpcReduction="10000"/>
           </a:bodyPr>
           <a:lstStyle/>
           <a:p>
@@ -14965,7 +14802,7 @@
               <a:rPr lang="en-US" altLang="zh-TW" dirty="0">
                 <a:ea typeface="新細明體" pitchFamily="18" charset="-120"/>
               </a:rPr>
-              <a:t>Since what we typed will be shown on the screen, so we better hide the characters.</a:t>
+              <a:t>If we do not know what is the availability of the result, we insert a textbox for user to input the data. </a:t>
             </a:r>
           </a:p>
           <a:p>
@@ -14973,7 +14810,7 @@
               <a:rPr lang="en-US" altLang="zh-TW" dirty="0">
                 <a:ea typeface="新細明體" pitchFamily="18" charset="-120"/>
               </a:rPr>
-              <a:t>EG. Yahoo mail.</a:t>
+              <a:t>EG. Username, Address, etc..</a:t>
             </a:r>
           </a:p>
           <a:p>
@@ -14989,7 +14826,13 @@
               <a:rPr lang="en-US" altLang="zh-TW" dirty="0">
                 <a:ea typeface="新細明體" pitchFamily="18" charset="-120"/>
               </a:rPr>
-              <a:t>Type: password</a:t>
+              <a:t>Set the field name same as the left-hand-side.  EG. username   (lowercase</a:t>
+            </a:r>
+            <a:r>
+              <a:rPr lang="en-US" altLang="zh-TW" dirty="0" smtClean="0">
+                <a:ea typeface="新細明體" pitchFamily="18" charset="-120"/>
+              </a:rPr>
+              <a:t>)</a:t>
             </a:r>
           </a:p>
           <a:p>
@@ -14997,21 +14840,43 @@
               <a:rPr lang="en-US" altLang="zh-TW" dirty="0">
                 <a:ea typeface="新細明體" pitchFamily="18" charset="-120"/>
               </a:rPr>
-              <a:t>Set the field name same as the left-hand-side.  EG. password   (lowercase</a:t>
+              <a:t>&lt;input name</a:t>
             </a:r>
             <a:r>
               <a:rPr lang="en-US" altLang="zh-TW" dirty="0" smtClean="0">
                 <a:ea typeface="新細明體" pitchFamily="18" charset="-120"/>
               </a:rPr>
-              <a:t>)</a:t>
-            </a:r>
-          </a:p>
-          <a:p>
+              <a:t>=</a:t>
+            </a:r>
+            <a:r>
+              <a:rPr lang="mr-IN" altLang="zh-TW" dirty="0" smtClean="0">
+                <a:ea typeface="新細明體" pitchFamily="18" charset="-120"/>
+              </a:rPr>
+              <a:t>"</a:t>
+            </a:r>
+            <a:r>
+              <a:rPr lang="en-US" altLang="zh-TW" dirty="0" smtClean="0">
+                <a:ea typeface="新細明體" pitchFamily="18" charset="-120"/>
+              </a:rPr>
+              <a:t>username</a:t>
+            </a:r>
+            <a:r>
+              <a:rPr lang="mr-IN" altLang="zh-TW" dirty="0" smtClean="0">
+                <a:ea typeface="新細明體" pitchFamily="18" charset="-120"/>
+              </a:rPr>
+              <a:t>"</a:t>
+            </a:r>
+            <a:r>
+              <a:rPr lang="en-US" altLang="zh-TW" dirty="0" smtClean="0">
+                <a:ea typeface="新細明體" pitchFamily="18" charset="-120"/>
+              </a:rPr>
+              <a:t> </a:t>
+            </a:r>
             <a:r>
               <a:rPr lang="en-US" altLang="zh-TW" dirty="0">
                 <a:ea typeface="新細明體" pitchFamily="18" charset="-120"/>
               </a:rPr>
-              <a:t>&lt;input name</a:t>
+              <a:t>type</a:t>
             </a:r>
             <a:r>
               <a:rPr lang="en-US" altLang="zh-TW" dirty="0" smtClean="0">
@@ -15029,7 +14894,7 @@
               <a:rPr lang="en-US" altLang="zh-TW" dirty="0" smtClean="0">
                 <a:ea typeface="新細明體" pitchFamily="18" charset="-120"/>
               </a:rPr>
-              <a:t>password</a:t>
+              <a:t>text</a:t>
             </a:r>
             <a:r>
               <a:rPr lang="mr-IN" altLang="zh-TW" dirty="0" smtClean="0">
@@ -15047,7 +14912,7 @@
               <a:rPr lang="en-US" altLang="zh-TW" dirty="0">
                 <a:ea typeface="新細明體" pitchFamily="18" charset="-120"/>
               </a:rPr>
-              <a:t>type</a:t>
+              <a:t>id</a:t>
             </a:r>
             <a:r>
               <a:rPr lang="en-US" altLang="zh-TW" dirty="0" smtClean="0">
@@ -15065,7 +14930,7 @@
               <a:rPr lang="en-US" altLang="zh-TW" dirty="0" smtClean="0">
                 <a:ea typeface="新細明體" pitchFamily="18" charset="-120"/>
               </a:rPr>
-              <a:t>password</a:t>
+              <a:t>username</a:t>
             </a:r>
             <a:r>
               <a:rPr lang="mr-IN" altLang="zh-TW" dirty="0" smtClean="0">
@@ -15083,7 +14948,7 @@
               <a:rPr lang="en-US" altLang="zh-TW" dirty="0">
                 <a:ea typeface="新細明體" pitchFamily="18" charset="-120"/>
               </a:rPr>
-              <a:t>id</a:t>
+              <a:t>size</a:t>
             </a:r>
             <a:r>
               <a:rPr lang="en-US" altLang="zh-TW" dirty="0" smtClean="0">
@@ -15101,7 +14966,7 @@
               <a:rPr lang="en-US" altLang="zh-TW" dirty="0" smtClean="0">
                 <a:ea typeface="新細明體" pitchFamily="18" charset="-120"/>
               </a:rPr>
-              <a:t>password</a:t>
+              <a:t>20</a:t>
             </a:r>
             <a:r>
               <a:rPr lang="mr-IN" altLang="zh-TW" dirty="0" smtClean="0">
@@ -15116,113 +14981,54 @@
               <a:t> </a:t>
             </a:r>
             <a:r>
+              <a:rPr lang="en-US" altLang="zh-TW" dirty="0" err="1">
+                <a:ea typeface="新細明體" pitchFamily="18" charset="-120"/>
+              </a:rPr>
+              <a:t>maxlength</a:t>
+            </a:r>
+            <a:r>
+              <a:rPr lang="en-US" altLang="zh-TW" dirty="0" smtClean="0">
+                <a:ea typeface="新細明體" pitchFamily="18" charset="-120"/>
+              </a:rPr>
+              <a:t>=</a:t>
+            </a:r>
+            <a:r>
+              <a:rPr lang="mr-IN" altLang="zh-TW" dirty="0" smtClean="0">
+                <a:ea typeface="新細明體" pitchFamily="18" charset="-120"/>
+              </a:rPr>
+              <a:t>"</a:t>
+            </a:r>
+            <a:r>
+              <a:rPr lang="en-US" altLang="zh-TW" dirty="0" smtClean="0">
+                <a:ea typeface="新細明體" pitchFamily="18" charset="-120"/>
+              </a:rPr>
+              <a:t>10</a:t>
+            </a:r>
+            <a:r>
+              <a:rPr lang="mr-IN" altLang="zh-TW" dirty="0" smtClean="0">
+                <a:ea typeface="新細明體" pitchFamily="18" charset="-120"/>
+              </a:rPr>
+              <a:t>"</a:t>
+            </a:r>
+            <a:r>
+              <a:rPr lang="en-US" altLang="zh-TW" dirty="0" smtClean="0">
+                <a:ea typeface="新細明體" pitchFamily="18" charset="-120"/>
+              </a:rPr>
+              <a:t> </a:t>
+            </a:r>
+            <a:r>
               <a:rPr lang="en-US" altLang="zh-TW" dirty="0">
                 <a:ea typeface="新細明體" pitchFamily="18" charset="-120"/>
               </a:rPr>
-              <a:t>size</a:t>
-            </a:r>
-            <a:r>
-              <a:rPr lang="en-US" altLang="zh-TW" dirty="0" smtClean="0">
-                <a:ea typeface="新細明體" pitchFamily="18" charset="-120"/>
-              </a:rPr>
-              <a:t>=</a:t>
-            </a:r>
-            <a:r>
-              <a:rPr lang="mr-IN" altLang="zh-TW" dirty="0" smtClean="0">
-                <a:ea typeface="新細明體" pitchFamily="18" charset="-120"/>
-              </a:rPr>
-              <a:t>"</a:t>
-            </a:r>
-            <a:r>
-              <a:rPr lang="en-US" altLang="zh-TW" dirty="0" smtClean="0">
-                <a:ea typeface="新細明體" pitchFamily="18" charset="-120"/>
-              </a:rPr>
-              <a:t>20</a:t>
-            </a:r>
-            <a:r>
-              <a:rPr lang="mr-IN" altLang="zh-TW" dirty="0" smtClean="0">
-                <a:ea typeface="新細明體" pitchFamily="18" charset="-120"/>
-              </a:rPr>
-              <a:t>"</a:t>
-            </a:r>
-            <a:r>
-              <a:rPr lang="en-US" altLang="zh-TW" dirty="0" smtClean="0">
-                <a:ea typeface="新細明體" pitchFamily="18" charset="-120"/>
-              </a:rPr>
-              <a:t> </a:t>
-            </a:r>
-            <a:r>
-              <a:rPr lang="en-US" altLang="zh-TW" dirty="0" err="1">
-                <a:ea typeface="新細明體" pitchFamily="18" charset="-120"/>
-              </a:rPr>
-              <a:t>maxlength</a:t>
-            </a:r>
-            <a:r>
-              <a:rPr lang="en-US" altLang="zh-TW" dirty="0" smtClean="0">
-                <a:ea typeface="新細明體" pitchFamily="18" charset="-120"/>
-              </a:rPr>
-              <a:t>=</a:t>
-            </a:r>
-            <a:r>
-              <a:rPr lang="mr-IN" altLang="zh-TW" dirty="0" smtClean="0">
-                <a:ea typeface="新細明體" pitchFamily="18" charset="-120"/>
-              </a:rPr>
-              <a:t>"</a:t>
-            </a:r>
-            <a:r>
-              <a:rPr lang="en-US" altLang="zh-TW" dirty="0" smtClean="0">
-                <a:ea typeface="新細明體" pitchFamily="18" charset="-120"/>
-              </a:rPr>
-              <a:t>10</a:t>
-            </a:r>
-            <a:r>
-              <a:rPr lang="mr-IN" altLang="zh-TW" dirty="0" smtClean="0">
-                <a:ea typeface="新細明體" pitchFamily="18" charset="-120"/>
-              </a:rPr>
-              <a:t>"</a:t>
-            </a:r>
-            <a:r>
-              <a:rPr lang="en-US" altLang="zh-TW" dirty="0" smtClean="0">
-                <a:ea typeface="新細明體" pitchFamily="18" charset="-120"/>
-              </a:rPr>
-              <a:t> </a:t>
-            </a:r>
-            <a:r>
-              <a:rPr lang="en-US" altLang="zh-TW" dirty="0">
-                <a:ea typeface="新細明體" pitchFamily="18" charset="-120"/>
-              </a:rPr>
               <a:t>/&gt;</a:t>
             </a:r>
-            <a:endParaRPr lang="en-US" altLang="zh-TW" dirty="0" smtClean="0">
-              <a:ea typeface="新細明體" pitchFamily="18" charset="-120"/>
-            </a:endParaRPr>
-          </a:p>
-          <a:p>
-            <a:endParaRPr lang="en-US" altLang="zh-TW" dirty="0" smtClean="0">
-              <a:ea typeface="新細明體" pitchFamily="18" charset="-120"/>
-            </a:endParaRPr>
-          </a:p>
-          <a:p>
-            <a:endParaRPr lang="en-US" altLang="zh-TW" dirty="0">
-              <a:ea typeface="新細明體" pitchFamily="18" charset="-120"/>
-            </a:endParaRPr>
-          </a:p>
-          <a:p>
-            <a:pPr>
-              <a:lnSpc>
-                <a:spcPct val="80000"/>
-              </a:lnSpc>
-            </a:pPr>
-            <a:endParaRPr lang="en-US" altLang="zh-TW" dirty="0" smtClean="0">
-              <a:ea typeface="新細明體" pitchFamily="18" charset="-120"/>
-            </a:endParaRPr>
           </a:p>
         </p:txBody>
       </p:sp>
     </p:spTree>
     <p:extLst>
       <p:ext uri="{BB962C8B-B14F-4D97-AF65-F5344CB8AC3E}">
-        <p14:creationId xmlns:p14="http://schemas.microsoft.com/office/powerpoint/2010/main" val="1107842391"/>
+        <p14:creationId xmlns:p14="http://schemas.microsoft.com/office/powerpoint/2010/main" val="1955738181"/>
       </p:ext>
     </p:extLst>
   </p:cSld>
@@ -15281,6 +15087,348 @@
               <a:rPr lang="en-US" altLang="zh-TW" dirty="0" smtClean="0">
                 <a:latin typeface="Times New Roman" pitchFamily="18" charset="0"/>
               </a:rPr>
+              <a:t>Password</a:t>
+            </a:r>
+          </a:p>
+        </p:txBody>
+      </p:sp>
+      <p:sp>
+        <p:nvSpPr>
+          <p:cNvPr id="22531" name="Rectangle 3"/>
+          <p:cNvSpPr>
+            <a:spLocks noGrp="1" noChangeArrowheads="1"/>
+          </p:cNvSpPr>
+          <p:nvPr>
+            <p:ph idx="1"/>
+          </p:nvPr>
+        </p:nvSpPr>
+        <p:spPr/>
+        <p:txBody>
+          <a:bodyPr>
+            <a:normAutofit fontScale="92500" lnSpcReduction="20000"/>
+          </a:bodyPr>
+          <a:lstStyle/>
+          <a:p>
+            <a:r>
+              <a:rPr lang="en-US" altLang="zh-TW" dirty="0">
+                <a:ea typeface="新細明體" pitchFamily="18" charset="-120"/>
+              </a:rPr>
+              <a:t>Since what we typed will be shown on the screen, so we better hide the characters.</a:t>
+            </a:r>
+          </a:p>
+          <a:p>
+            <a:r>
+              <a:rPr lang="en-US" altLang="zh-TW" dirty="0">
+                <a:ea typeface="新細明體" pitchFamily="18" charset="-120"/>
+              </a:rPr>
+              <a:t>EG. Yahoo mail.</a:t>
+            </a:r>
+          </a:p>
+          <a:p>
+            <a:r>
+              <a:rPr lang="en-US" altLang="zh-TW" dirty="0">
+                <a:ea typeface="新細明體" pitchFamily="18" charset="-120"/>
+              </a:rPr>
+              <a:t>Insert -&gt; Form -&gt; Text box</a:t>
+            </a:r>
+          </a:p>
+          <a:p>
+            <a:r>
+              <a:rPr lang="en-US" altLang="zh-TW" dirty="0">
+                <a:ea typeface="新細明體" pitchFamily="18" charset="-120"/>
+              </a:rPr>
+              <a:t>Type: password</a:t>
+            </a:r>
+          </a:p>
+          <a:p>
+            <a:r>
+              <a:rPr lang="en-US" altLang="zh-TW" dirty="0">
+                <a:ea typeface="新細明體" pitchFamily="18" charset="-120"/>
+              </a:rPr>
+              <a:t>Set the field name same as the left-hand-side.  EG. password   (lowercase</a:t>
+            </a:r>
+            <a:r>
+              <a:rPr lang="en-US" altLang="zh-TW" dirty="0" smtClean="0">
+                <a:ea typeface="新細明體" pitchFamily="18" charset="-120"/>
+              </a:rPr>
+              <a:t>)</a:t>
+            </a:r>
+          </a:p>
+          <a:p>
+            <a:r>
+              <a:rPr lang="en-US" altLang="zh-TW" dirty="0">
+                <a:ea typeface="新細明體" pitchFamily="18" charset="-120"/>
+              </a:rPr>
+              <a:t>&lt;input name</a:t>
+            </a:r>
+            <a:r>
+              <a:rPr lang="en-US" altLang="zh-TW" dirty="0" smtClean="0">
+                <a:ea typeface="新細明體" pitchFamily="18" charset="-120"/>
+              </a:rPr>
+              <a:t>=</a:t>
+            </a:r>
+            <a:r>
+              <a:rPr lang="mr-IN" altLang="zh-TW" dirty="0" smtClean="0">
+                <a:ea typeface="新細明體" pitchFamily="18" charset="-120"/>
+              </a:rPr>
+              <a:t>"</a:t>
+            </a:r>
+            <a:r>
+              <a:rPr lang="en-US" altLang="zh-TW" dirty="0" smtClean="0">
+                <a:ea typeface="新細明體" pitchFamily="18" charset="-120"/>
+              </a:rPr>
+              <a:t>password</a:t>
+            </a:r>
+            <a:r>
+              <a:rPr lang="mr-IN" altLang="zh-TW" dirty="0" smtClean="0">
+                <a:ea typeface="新細明體" pitchFamily="18" charset="-120"/>
+              </a:rPr>
+              <a:t>"</a:t>
+            </a:r>
+            <a:r>
+              <a:rPr lang="en-US" altLang="zh-TW" dirty="0" smtClean="0">
+                <a:ea typeface="新細明體" pitchFamily="18" charset="-120"/>
+              </a:rPr>
+              <a:t> </a:t>
+            </a:r>
+            <a:r>
+              <a:rPr lang="en-US" altLang="zh-TW" dirty="0">
+                <a:ea typeface="新細明體" pitchFamily="18" charset="-120"/>
+              </a:rPr>
+              <a:t>type</a:t>
+            </a:r>
+            <a:r>
+              <a:rPr lang="en-US" altLang="zh-TW" dirty="0" smtClean="0">
+                <a:ea typeface="新細明體" pitchFamily="18" charset="-120"/>
+              </a:rPr>
+              <a:t>=</a:t>
+            </a:r>
+            <a:r>
+              <a:rPr lang="mr-IN" altLang="zh-TW" dirty="0" smtClean="0">
+                <a:ea typeface="新細明體" pitchFamily="18" charset="-120"/>
+              </a:rPr>
+              <a:t>"</a:t>
+            </a:r>
+            <a:r>
+              <a:rPr lang="en-US" altLang="zh-TW" dirty="0" smtClean="0">
+                <a:ea typeface="新細明體" pitchFamily="18" charset="-120"/>
+              </a:rPr>
+              <a:t>password</a:t>
+            </a:r>
+            <a:r>
+              <a:rPr lang="mr-IN" altLang="zh-TW" dirty="0" smtClean="0">
+                <a:ea typeface="新細明體" pitchFamily="18" charset="-120"/>
+              </a:rPr>
+              <a:t>"</a:t>
+            </a:r>
+            <a:r>
+              <a:rPr lang="en-US" altLang="zh-TW" dirty="0" smtClean="0">
+                <a:ea typeface="新細明體" pitchFamily="18" charset="-120"/>
+              </a:rPr>
+              <a:t> </a:t>
+            </a:r>
+            <a:r>
+              <a:rPr lang="en-US" altLang="zh-TW" dirty="0">
+                <a:ea typeface="新細明體" pitchFamily="18" charset="-120"/>
+              </a:rPr>
+              <a:t>id</a:t>
+            </a:r>
+            <a:r>
+              <a:rPr lang="en-US" altLang="zh-TW" dirty="0" smtClean="0">
+                <a:ea typeface="新細明體" pitchFamily="18" charset="-120"/>
+              </a:rPr>
+              <a:t>=</a:t>
+            </a:r>
+            <a:r>
+              <a:rPr lang="mr-IN" altLang="zh-TW" dirty="0" smtClean="0">
+                <a:ea typeface="新細明體" pitchFamily="18" charset="-120"/>
+              </a:rPr>
+              <a:t>"</a:t>
+            </a:r>
+            <a:r>
+              <a:rPr lang="en-US" altLang="zh-TW" dirty="0" smtClean="0">
+                <a:ea typeface="新細明體" pitchFamily="18" charset="-120"/>
+              </a:rPr>
+              <a:t>password</a:t>
+            </a:r>
+            <a:r>
+              <a:rPr lang="mr-IN" altLang="zh-TW" dirty="0" smtClean="0">
+                <a:ea typeface="新細明體" pitchFamily="18" charset="-120"/>
+              </a:rPr>
+              <a:t>"</a:t>
+            </a:r>
+            <a:r>
+              <a:rPr lang="en-US" altLang="zh-TW" dirty="0" smtClean="0">
+                <a:ea typeface="新細明體" pitchFamily="18" charset="-120"/>
+              </a:rPr>
+              <a:t> </a:t>
+            </a:r>
+            <a:r>
+              <a:rPr lang="en-US" altLang="zh-TW" dirty="0">
+                <a:ea typeface="新細明體" pitchFamily="18" charset="-120"/>
+              </a:rPr>
+              <a:t>size</a:t>
+            </a:r>
+            <a:r>
+              <a:rPr lang="en-US" altLang="zh-TW" dirty="0" smtClean="0">
+                <a:ea typeface="新細明體" pitchFamily="18" charset="-120"/>
+              </a:rPr>
+              <a:t>=</a:t>
+            </a:r>
+            <a:r>
+              <a:rPr lang="mr-IN" altLang="zh-TW" dirty="0" smtClean="0">
+                <a:ea typeface="新細明體" pitchFamily="18" charset="-120"/>
+              </a:rPr>
+              <a:t>"</a:t>
+            </a:r>
+            <a:r>
+              <a:rPr lang="en-US" altLang="zh-TW" dirty="0" smtClean="0">
+                <a:ea typeface="新細明體" pitchFamily="18" charset="-120"/>
+              </a:rPr>
+              <a:t>20</a:t>
+            </a:r>
+            <a:r>
+              <a:rPr lang="mr-IN" altLang="zh-TW" dirty="0" smtClean="0">
+                <a:ea typeface="新細明體" pitchFamily="18" charset="-120"/>
+              </a:rPr>
+              <a:t>"</a:t>
+            </a:r>
+            <a:r>
+              <a:rPr lang="en-US" altLang="zh-TW" dirty="0" smtClean="0">
+                <a:ea typeface="新細明體" pitchFamily="18" charset="-120"/>
+              </a:rPr>
+              <a:t> </a:t>
+            </a:r>
+            <a:r>
+              <a:rPr lang="en-US" altLang="zh-TW" dirty="0" err="1">
+                <a:ea typeface="新細明體" pitchFamily="18" charset="-120"/>
+              </a:rPr>
+              <a:t>maxlength</a:t>
+            </a:r>
+            <a:r>
+              <a:rPr lang="en-US" altLang="zh-TW" dirty="0" smtClean="0">
+                <a:ea typeface="新細明體" pitchFamily="18" charset="-120"/>
+              </a:rPr>
+              <a:t>=</a:t>
+            </a:r>
+            <a:r>
+              <a:rPr lang="mr-IN" altLang="zh-TW" dirty="0" smtClean="0">
+                <a:ea typeface="新細明體" pitchFamily="18" charset="-120"/>
+              </a:rPr>
+              <a:t>"</a:t>
+            </a:r>
+            <a:r>
+              <a:rPr lang="en-US" altLang="zh-TW" dirty="0" smtClean="0">
+                <a:ea typeface="新細明體" pitchFamily="18" charset="-120"/>
+              </a:rPr>
+              <a:t>10</a:t>
+            </a:r>
+            <a:r>
+              <a:rPr lang="mr-IN" altLang="zh-TW" dirty="0" smtClean="0">
+                <a:ea typeface="新細明體" pitchFamily="18" charset="-120"/>
+              </a:rPr>
+              <a:t>"</a:t>
+            </a:r>
+            <a:r>
+              <a:rPr lang="en-US" altLang="zh-TW" dirty="0" smtClean="0">
+                <a:ea typeface="新細明體" pitchFamily="18" charset="-120"/>
+              </a:rPr>
+              <a:t> </a:t>
+            </a:r>
+            <a:r>
+              <a:rPr lang="en-US" altLang="zh-TW" dirty="0">
+                <a:ea typeface="新細明體" pitchFamily="18" charset="-120"/>
+              </a:rPr>
+              <a:t>/&gt;</a:t>
+            </a:r>
+            <a:endParaRPr lang="en-US" altLang="zh-TW" dirty="0" smtClean="0">
+              <a:ea typeface="新細明體" pitchFamily="18" charset="-120"/>
+            </a:endParaRPr>
+          </a:p>
+          <a:p>
+            <a:endParaRPr lang="en-US" altLang="zh-TW" dirty="0" smtClean="0">
+              <a:ea typeface="新細明體" pitchFamily="18" charset="-120"/>
+            </a:endParaRPr>
+          </a:p>
+          <a:p>
+            <a:endParaRPr lang="en-US" altLang="zh-TW" dirty="0">
+              <a:ea typeface="新細明體" pitchFamily="18" charset="-120"/>
+            </a:endParaRPr>
+          </a:p>
+          <a:p>
+            <a:pPr>
+              <a:lnSpc>
+                <a:spcPct val="80000"/>
+              </a:lnSpc>
+            </a:pPr>
+            <a:endParaRPr lang="en-US" altLang="zh-TW" dirty="0" smtClean="0">
+              <a:ea typeface="新細明體" pitchFamily="18" charset="-120"/>
+            </a:endParaRPr>
+          </a:p>
+        </p:txBody>
+      </p:sp>
+    </p:spTree>
+    <p:extLst>
+      <p:ext uri="{BB962C8B-B14F-4D97-AF65-F5344CB8AC3E}">
+        <p14:creationId xmlns:p14="http://schemas.microsoft.com/office/powerpoint/2010/main" val="1107842391"/>
+      </p:ext>
+    </p:extLst>
+  </p:cSld>
+  <p:clrMapOvr>
+    <a:masterClrMapping/>
+  </p:clrMapOvr>
+  <p:transition>
+    <p:checker/>
+  </p:transition>
+  <p:timing>
+    <p:tnLst>
+      <p:par>
+        <p:cTn id="1" dur="indefinite" restart="never" nodeType="tmRoot"/>
+      </p:par>
+    </p:tnLst>
+  </p:timing>
+</p:sld>
+</file>
+
+<file path=ppt/slides/slide18.xml><?xml version="1.0" encoding="utf-8"?>
+<p:sld xmlns:a="http://schemas.openxmlformats.org/drawingml/2006/main" xmlns:r="http://schemas.openxmlformats.org/officeDocument/2006/relationships" xmlns:p="http://schemas.openxmlformats.org/presentationml/2006/main">
+  <p:cSld>
+    <p:spTree>
+      <p:nvGrpSpPr>
+        <p:cNvPr id="1" name=""/>
+        <p:cNvGrpSpPr/>
+        <p:nvPr/>
+      </p:nvGrpSpPr>
+      <p:grpSpPr>
+        <a:xfrm>
+          <a:off x="0" y="0"/>
+          <a:ext cx="0" cy="0"/>
+          <a:chOff x="0" y="0"/>
+          <a:chExt cx="0" cy="0"/>
+        </a:xfrm>
+      </p:grpSpPr>
+      <p:sp>
+        <p:nvSpPr>
+          <p:cNvPr id="14338" name="Rectangle 2"/>
+          <p:cNvSpPr>
+            <a:spLocks noGrp="1" noChangeArrowheads="1"/>
+          </p:cNvSpPr>
+          <p:nvPr>
+            <p:ph type="title"/>
+          </p:nvPr>
+        </p:nvSpPr>
+        <p:spPr/>
+        <p:txBody>
+          <a:bodyPr/>
+          <a:lstStyle/>
+          <a:p>
+            <a:pPr>
+              <a:defRPr/>
+            </a:pPr>
+            <a:r>
+              <a:rPr lang="en-US" altLang="zh-TW" dirty="0" smtClean="0">
+                <a:latin typeface="Times New Roman" pitchFamily="18" charset="0"/>
+              </a:rPr>
               <a:t>Text Area - comment</a:t>
             </a:r>
           </a:p>
@@ -15403,255 +15551,6 @@
 </p:sld>
 </file>
 
-<file path=ppt/slides/slide18.xml><?xml version="1.0" encoding="utf-8"?>
-<p:sld xmlns:a="http://schemas.openxmlformats.org/drawingml/2006/main" xmlns:r="http://schemas.openxmlformats.org/officeDocument/2006/relationships" xmlns:p="http://schemas.openxmlformats.org/presentationml/2006/main">
-  <p:cSld>
-    <p:spTree>
-      <p:nvGrpSpPr>
-        <p:cNvPr id="1" name=""/>
-        <p:cNvGrpSpPr/>
-        <p:nvPr/>
-      </p:nvGrpSpPr>
-      <p:grpSpPr>
-        <a:xfrm>
-          <a:off x="0" y="0"/>
-          <a:ext cx="0" cy="0"/>
-          <a:chOff x="0" y="0"/>
-          <a:chExt cx="0" cy="0"/>
-        </a:xfrm>
-      </p:grpSpPr>
-      <p:sp>
-        <p:nvSpPr>
-          <p:cNvPr id="16386" name="Rectangle 2"/>
-          <p:cNvSpPr>
-            <a:spLocks noGrp="1" noChangeArrowheads="1"/>
-          </p:cNvSpPr>
-          <p:nvPr>
-            <p:ph type="title"/>
-          </p:nvPr>
-        </p:nvSpPr>
-        <p:spPr/>
-        <p:txBody>
-          <a:bodyPr/>
-          <a:lstStyle/>
-          <a:p>
-            <a:pPr>
-              <a:defRPr/>
-            </a:pPr>
-            <a:r>
-              <a:rPr lang="en-US" altLang="zh-TW" smtClean="0">
-                <a:latin typeface="Times New Roman" pitchFamily="18" charset="0"/>
-              </a:rPr>
-              <a:t>Radio buttons</a:t>
-            </a:r>
-          </a:p>
-        </p:txBody>
-      </p:sp>
-      <p:sp>
-        <p:nvSpPr>
-          <p:cNvPr id="25603" name="Rectangle 3"/>
-          <p:cNvSpPr>
-            <a:spLocks noGrp="1" noChangeArrowheads="1"/>
-          </p:cNvSpPr>
-          <p:nvPr>
-            <p:ph idx="1"/>
-          </p:nvPr>
-        </p:nvSpPr>
-        <p:spPr/>
-        <p:txBody>
-          <a:bodyPr>
-            <a:normAutofit/>
-          </a:bodyPr>
-          <a:lstStyle/>
-          <a:p>
-            <a:r>
-              <a:rPr lang="en-US" altLang="zh-TW" dirty="0">
-                <a:ea typeface="新細明體" pitchFamily="18" charset="-120"/>
-              </a:rPr>
-              <a:t>They are on/off circle switches that may be toggled by the user</a:t>
-            </a:r>
-          </a:p>
-          <a:p>
-            <a:r>
-              <a:rPr lang="en-US" altLang="zh-TW" dirty="0">
-                <a:ea typeface="新細明體" pitchFamily="18" charset="-120"/>
-              </a:rPr>
-              <a:t>They are mutually exclusive: when one is switched </a:t>
-            </a:r>
-            <a:r>
-              <a:rPr lang="mr-IN" altLang="zh-TW" dirty="0" smtClean="0">
-                <a:ea typeface="新細明體" pitchFamily="18" charset="-120"/>
-              </a:rPr>
-              <a:t>"</a:t>
-            </a:r>
-            <a:r>
-              <a:rPr lang="en-US" altLang="zh-TW" dirty="0" smtClean="0">
-                <a:ea typeface="新細明體" pitchFamily="18" charset="-120"/>
-              </a:rPr>
-              <a:t>on</a:t>
-            </a:r>
-            <a:r>
-              <a:rPr lang="mr-IN" altLang="zh-TW" dirty="0" smtClean="0">
-                <a:ea typeface="新細明體" pitchFamily="18" charset="-120"/>
-              </a:rPr>
-              <a:t>"</a:t>
-            </a:r>
-            <a:r>
-              <a:rPr lang="en-US" altLang="zh-TW" dirty="0" smtClean="0">
-                <a:ea typeface="新細明體" pitchFamily="18" charset="-120"/>
-              </a:rPr>
-              <a:t>, </a:t>
-            </a:r>
-            <a:r>
-              <a:rPr lang="en-US" altLang="zh-TW" dirty="0">
-                <a:ea typeface="新細明體" pitchFamily="18" charset="-120"/>
-              </a:rPr>
-              <a:t>all others with the same name are switched </a:t>
-            </a:r>
-            <a:r>
-              <a:rPr lang="mr-IN" altLang="zh-TW" dirty="0" smtClean="0">
-                <a:ea typeface="新細明體" pitchFamily="18" charset="-120"/>
-              </a:rPr>
-              <a:t>"</a:t>
-            </a:r>
-            <a:r>
-              <a:rPr lang="en-US" altLang="zh-TW" dirty="0" smtClean="0">
-                <a:ea typeface="新細明體" pitchFamily="18" charset="-120"/>
-              </a:rPr>
-              <a:t>off</a:t>
-            </a:r>
-            <a:r>
-              <a:rPr lang="mr-IN" altLang="zh-TW" dirty="0" smtClean="0">
-                <a:ea typeface="新細明體" pitchFamily="18" charset="-120"/>
-              </a:rPr>
-              <a:t>"</a:t>
-            </a:r>
-            <a:r>
-              <a:rPr lang="en-US" altLang="zh-TW" dirty="0" smtClean="0">
-                <a:ea typeface="新細明體" pitchFamily="18" charset="-120"/>
-              </a:rPr>
-              <a:t> </a:t>
-            </a:r>
-            <a:endParaRPr lang="en-US" altLang="zh-TW" dirty="0">
-              <a:ea typeface="新細明體" pitchFamily="18" charset="-120"/>
-            </a:endParaRPr>
-          </a:p>
-          <a:p>
-            <a:r>
-              <a:rPr lang="en-US" altLang="zh-TW" dirty="0">
-                <a:ea typeface="新細明體" pitchFamily="18" charset="-120"/>
-              </a:rPr>
-              <a:t>Since user usually select from more than one, </a:t>
-            </a:r>
-          </a:p>
-          <a:p>
-            <a:r>
-              <a:rPr lang="en-US" altLang="zh-TW" dirty="0" smtClean="0">
-                <a:ea typeface="新細明體" pitchFamily="18" charset="-120"/>
-              </a:rPr>
-              <a:t>&lt;input type=</a:t>
-            </a:r>
-            <a:r>
-              <a:rPr lang="mr-IN" altLang="zh-TW" dirty="0" smtClean="0">
-                <a:ea typeface="新細明體" pitchFamily="18" charset="-120"/>
-              </a:rPr>
-              <a:t>"</a:t>
-            </a:r>
-            <a:r>
-              <a:rPr lang="en-US" altLang="zh-TW" dirty="0" smtClean="0">
-                <a:ea typeface="新細明體" pitchFamily="18" charset="-120"/>
-              </a:rPr>
-              <a:t>radio</a:t>
-            </a:r>
-            <a:r>
-              <a:rPr lang="mr-IN" altLang="zh-TW" dirty="0" smtClean="0">
-                <a:ea typeface="新細明體" pitchFamily="18" charset="-120"/>
-              </a:rPr>
-              <a:t>"</a:t>
-            </a:r>
-            <a:r>
-              <a:rPr lang="en-US" altLang="zh-TW" dirty="0" smtClean="0">
-                <a:ea typeface="新細明體" pitchFamily="18" charset="-120"/>
-              </a:rPr>
-              <a:t> name=</a:t>
-            </a:r>
-            <a:r>
-              <a:rPr lang="mr-IN" altLang="zh-TW" dirty="0" smtClean="0">
-                <a:ea typeface="新細明體" pitchFamily="18" charset="-120"/>
-              </a:rPr>
-              <a:t>"</a:t>
-            </a:r>
-            <a:r>
-              <a:rPr lang="en-US" altLang="zh-TW" dirty="0" smtClean="0">
-                <a:ea typeface="新細明體" pitchFamily="18" charset="-120"/>
-              </a:rPr>
-              <a:t>radio group name</a:t>
-            </a:r>
-            <a:r>
-              <a:rPr lang="mr-IN" altLang="zh-TW" dirty="0" smtClean="0">
-                <a:ea typeface="新細明體" pitchFamily="18" charset="-120"/>
-              </a:rPr>
-              <a:t>"</a:t>
-            </a:r>
-            <a:r>
-              <a:rPr lang="en-US" altLang="zh-TW" dirty="0" smtClean="0">
-                <a:ea typeface="新細明體" pitchFamily="18" charset="-120"/>
-              </a:rPr>
-              <a:t> value=</a:t>
-            </a:r>
-            <a:r>
-              <a:rPr lang="mr-IN" altLang="zh-TW" dirty="0" smtClean="0">
-                <a:ea typeface="新細明體" pitchFamily="18" charset="-120"/>
-              </a:rPr>
-              <a:t>"</a:t>
-            </a:r>
-            <a:r>
-              <a:rPr lang="en-US" altLang="zh-TW" dirty="0" smtClean="0">
-                <a:ea typeface="新細明體" pitchFamily="18" charset="-120"/>
-              </a:rPr>
-              <a:t>button name</a:t>
-            </a:r>
-            <a:r>
-              <a:rPr lang="mr-IN" altLang="zh-TW" dirty="0" smtClean="0">
-                <a:ea typeface="新細明體" pitchFamily="18" charset="-120"/>
-              </a:rPr>
-              <a:t>"</a:t>
-            </a:r>
-            <a:r>
-              <a:rPr lang="en-US" altLang="zh-TW" dirty="0" smtClean="0">
-                <a:ea typeface="新細明體" pitchFamily="18" charset="-120"/>
-              </a:rPr>
-              <a:t>&gt;</a:t>
-            </a:r>
-            <a:endParaRPr lang="en-US" altLang="zh-TW" dirty="0">
-              <a:ea typeface="新細明體" pitchFamily="18" charset="-120"/>
-            </a:endParaRPr>
-          </a:p>
-        </p:txBody>
-      </p:sp>
-    </p:spTree>
-    <p:extLst>
-      <p:ext uri="{BB962C8B-B14F-4D97-AF65-F5344CB8AC3E}">
-        <p14:creationId xmlns:p14="http://schemas.microsoft.com/office/powerpoint/2010/main" val="1680490752"/>
-      </p:ext>
-    </p:extLst>
-  </p:cSld>
-  <p:clrMapOvr>
-    <a:masterClrMapping/>
-  </p:clrMapOvr>
-  <p:transition>
-    <p:checker/>
-  </p:transition>
-  <p:timing>
-    <p:tnLst>
-      <p:par>
-        <p:cTn id="1" dur="indefinite" restart="never" nodeType="tmRoot"/>
-      </p:par>
-    </p:tnLst>
-  </p:timing>
-</p:sld>
-</file>
-
 <file path=ppt/slides/slide19.xml><?xml version="1.0" encoding="utf-8"?>
 <p:sld xmlns:a="http://schemas.openxmlformats.org/drawingml/2006/main" xmlns:r="http://schemas.openxmlformats.org/officeDocument/2006/relationships" xmlns:p="http://schemas.openxmlformats.org/presentationml/2006/main">
   <p:cSld>
@@ -15671,7 +15570,7 @@
       </p:grpSpPr>
       <p:sp>
         <p:nvSpPr>
-          <p:cNvPr id="17410" name="Rectangle 2"/>
+          <p:cNvPr id="16386" name="Rectangle 2"/>
           <p:cNvSpPr>
             <a:spLocks noGrp="1" noChangeArrowheads="1"/>
           </p:cNvSpPr>
@@ -15691,14 +15590,14 @@
               <a:rPr lang="en-US" altLang="zh-TW" smtClean="0">
                 <a:latin typeface="Times New Roman" pitchFamily="18" charset="0"/>
               </a:rPr>
-              <a:t>Radio buttons story</a:t>
-            </a:r>
-          </a:p>
-        </p:txBody>
-      </p:sp>
-      <p:sp>
-        <p:nvSpPr>
-          <p:cNvPr id="26627" name="Rectangle 3"/>
+              <a:t>Radio buttons</a:t>
+            </a:r>
+          </a:p>
+        </p:txBody>
+      </p:sp>
+      <p:sp>
+        <p:nvSpPr>
+          <p:cNvPr id="25603" name="Rectangle 3"/>
           <p:cNvSpPr>
             <a:spLocks noGrp="1" noChangeArrowheads="1"/>
           </p:cNvSpPr>
@@ -15717,7 +15616,7 @@
               <a:rPr lang="en-US" altLang="zh-TW" dirty="0">
                 <a:ea typeface="新細明體" pitchFamily="18" charset="-120"/>
               </a:rPr>
-              <a:t>But why are they called radio buttons?!</a:t>
+              <a:t>They are on/off circle switches that may be toggled by the user</a:t>
             </a:r>
           </a:p>
           <a:p>
@@ -15725,15 +15624,163 @@
               <a:rPr lang="en-US" altLang="zh-TW" dirty="0">
                 <a:ea typeface="新細明體" pitchFamily="18" charset="-120"/>
               </a:rPr>
-              <a:t>The reason is that they act as the radio buttons used in older car radios. When you pushed one, the dial moved. When you pushed another, the first choice was dropped and the dial moved again.</a:t>
-            </a:r>
+              <a:t>They are mutually exclusive: when one is switched </a:t>
+            </a:r>
+            <a:r>
+              <a:rPr lang="mr-IN" altLang="zh-TW" dirty="0" smtClean="0">
+                <a:ea typeface="新細明體" pitchFamily="18" charset="-120"/>
+              </a:rPr>
+              <a:t>"</a:t>
+            </a:r>
+            <a:r>
+              <a:rPr lang="en-US" altLang="zh-TW" dirty="0" smtClean="0">
+                <a:ea typeface="新細明體" pitchFamily="18" charset="-120"/>
+              </a:rPr>
+              <a:t>on</a:t>
+            </a:r>
+            <a:r>
+              <a:rPr lang="mr-IN" altLang="zh-TW" dirty="0" smtClean="0">
+                <a:ea typeface="新細明體" pitchFamily="18" charset="-120"/>
+              </a:rPr>
+              <a:t>"</a:t>
+            </a:r>
+            <a:r>
+              <a:rPr lang="en-US" altLang="zh-TW" dirty="0" smtClean="0">
+                <a:ea typeface="新細明體" pitchFamily="18" charset="-120"/>
+              </a:rPr>
+              <a:t>, </a:t>
+            </a:r>
+            <a:r>
+              <a:rPr lang="en-US" altLang="zh-TW" dirty="0">
+                <a:ea typeface="新細明體" pitchFamily="18" charset="-120"/>
+              </a:rPr>
+              <a:t>all others with the same name are switched </a:t>
+            </a:r>
+            <a:r>
+              <a:rPr lang="mr-IN" altLang="zh-TW" dirty="0" smtClean="0">
+                <a:ea typeface="新細明體" pitchFamily="18" charset="-120"/>
+              </a:rPr>
+              <a:t>"</a:t>
+            </a:r>
+            <a:r>
+              <a:rPr lang="en-US" altLang="zh-TW" dirty="0" smtClean="0">
+                <a:ea typeface="新細明體" pitchFamily="18" charset="-120"/>
+              </a:rPr>
+              <a:t>off</a:t>
+            </a:r>
+            <a:r>
+              <a:rPr lang="mr-IN" altLang="zh-TW" dirty="0" smtClean="0">
+                <a:ea typeface="新細明體" pitchFamily="18" charset="-120"/>
+              </a:rPr>
+              <a:t>"</a:t>
+            </a:r>
+            <a:r>
+              <a:rPr lang="en-US" altLang="zh-TW" dirty="0" smtClean="0">
+                <a:ea typeface="新細明體" pitchFamily="18" charset="-120"/>
+              </a:rPr>
+              <a:t> </a:t>
+            </a:r>
+            <a:endParaRPr lang="en-US" altLang="zh-TW" dirty="0">
+              <a:ea typeface="新細明體" pitchFamily="18" charset="-120"/>
+            </a:endParaRPr>
+          </a:p>
+          <a:p>
+            <a:r>
+              <a:rPr lang="en-US" altLang="zh-TW" dirty="0">
+                <a:ea typeface="新細明體" pitchFamily="18" charset="-120"/>
+              </a:rPr>
+              <a:t>Since user usually select from more than one, </a:t>
+            </a:r>
+          </a:p>
+          <a:p>
+            <a:r>
+              <a:rPr lang="en-US" altLang="zh-TW" dirty="0" smtClean="0">
+                <a:ea typeface="新細明體" pitchFamily="18" charset="-120"/>
+              </a:rPr>
+              <a:t>&lt;input type=</a:t>
+            </a:r>
+            <a:r>
+              <a:rPr lang="mr-IN" altLang="zh-TW" dirty="0" smtClean="0">
+                <a:ea typeface="新細明體" pitchFamily="18" charset="-120"/>
+              </a:rPr>
+              <a:t>"</a:t>
+            </a:r>
+            <a:r>
+              <a:rPr lang="en-US" altLang="zh-TW" dirty="0" smtClean="0">
+                <a:ea typeface="新細明體" pitchFamily="18" charset="-120"/>
+              </a:rPr>
+              <a:t>radio</a:t>
+            </a:r>
+            <a:r>
+              <a:rPr lang="mr-IN" altLang="zh-TW" dirty="0" smtClean="0">
+                <a:ea typeface="新細明體" pitchFamily="18" charset="-120"/>
+              </a:rPr>
+              <a:t>"</a:t>
+            </a:r>
+            <a:r>
+              <a:rPr lang="en-US" altLang="zh-TW" dirty="0" smtClean="0">
+                <a:ea typeface="新細明體" pitchFamily="18" charset="-120"/>
+              </a:rPr>
+              <a:t> name=</a:t>
+            </a:r>
+            <a:r>
+              <a:rPr lang="mr-IN" altLang="zh-TW" dirty="0" smtClean="0">
+                <a:ea typeface="新細明體" pitchFamily="18" charset="-120"/>
+              </a:rPr>
+              <a:t>"</a:t>
+            </a:r>
+            <a:r>
+              <a:rPr lang="en-US" altLang="zh-TW" dirty="0" smtClean="0">
+                <a:ea typeface="新細明體" pitchFamily="18" charset="-120"/>
+              </a:rPr>
+              <a:t>radio group name</a:t>
+            </a:r>
+            <a:r>
+              <a:rPr lang="mr-IN" altLang="zh-TW" dirty="0" smtClean="0">
+                <a:ea typeface="新細明體" pitchFamily="18" charset="-120"/>
+              </a:rPr>
+              <a:t>"</a:t>
+            </a:r>
+            <a:r>
+              <a:rPr lang="en-US" altLang="zh-TW" dirty="0" smtClean="0">
+                <a:ea typeface="新細明體" pitchFamily="18" charset="-120"/>
+              </a:rPr>
+              <a:t> value=</a:t>
+            </a:r>
+            <a:r>
+              <a:rPr lang="mr-IN" altLang="zh-TW" dirty="0" smtClean="0">
+                <a:ea typeface="新細明體" pitchFamily="18" charset="-120"/>
+              </a:rPr>
+              <a:t>"</a:t>
+            </a:r>
+            <a:r>
+              <a:rPr lang="en-US" altLang="zh-TW" dirty="0" smtClean="0">
+                <a:ea typeface="新細明體" pitchFamily="18" charset="-120"/>
+              </a:rPr>
+              <a:t>button name</a:t>
+            </a:r>
+            <a:r>
+              <a:rPr lang="mr-IN" altLang="zh-TW" dirty="0" smtClean="0">
+                <a:ea typeface="新細明體" pitchFamily="18" charset="-120"/>
+              </a:rPr>
+              <a:t>"</a:t>
+            </a:r>
+            <a:r>
+              <a:rPr lang="en-US" altLang="zh-TW" dirty="0" smtClean="0">
+                <a:ea typeface="新細明體" pitchFamily="18" charset="-120"/>
+              </a:rPr>
+              <a:t>&gt;</a:t>
+            </a:r>
+            <a:endParaRPr lang="en-US" altLang="zh-TW" dirty="0">
+              <a:ea typeface="新細明體" pitchFamily="18" charset="-120"/>
+            </a:endParaRPr>
           </a:p>
         </p:txBody>
       </p:sp>
     </p:spTree>
     <p:extLst>
       <p:ext uri="{BB962C8B-B14F-4D97-AF65-F5344CB8AC3E}">
-        <p14:creationId xmlns:p14="http://schemas.microsoft.com/office/powerpoint/2010/main" val="1101929956"/>
+        <p14:creationId xmlns:p14="http://schemas.microsoft.com/office/powerpoint/2010/main" val="1680490752"/>
       </p:ext>
     </p:extLst>
   </p:cSld>
@@ -15888,7 +15935,7 @@
       </p:grpSpPr>
       <p:sp>
         <p:nvSpPr>
-          <p:cNvPr id="15362" name="Rectangle 2"/>
+          <p:cNvPr id="17410" name="Rectangle 2"/>
           <p:cNvSpPr>
             <a:spLocks noGrp="1" noChangeArrowheads="1"/>
           </p:cNvSpPr>
@@ -15908,14 +15955,14 @@
               <a:rPr lang="en-US" altLang="zh-TW" smtClean="0">
                 <a:latin typeface="Times New Roman" pitchFamily="18" charset="0"/>
               </a:rPr>
-              <a:t>Checkboxes</a:t>
-            </a:r>
-          </a:p>
-        </p:txBody>
-      </p:sp>
-      <p:sp>
-        <p:nvSpPr>
-          <p:cNvPr id="27651" name="Rectangle 3"/>
+              <a:t>Radio buttons story</a:t>
+            </a:r>
+          </a:p>
+        </p:txBody>
+      </p:sp>
+      <p:sp>
+        <p:nvSpPr>
+          <p:cNvPr id="26627" name="Rectangle 3"/>
           <p:cNvSpPr>
             <a:spLocks noGrp="1" noChangeArrowheads="1"/>
           </p:cNvSpPr>
@@ -15925,134 +15972,24 @@
         </p:nvSpPr>
         <p:spPr/>
         <p:txBody>
-          <a:bodyPr/>
+          <a:bodyPr>
+            <a:normAutofit/>
+          </a:bodyPr>
           <a:lstStyle/>
           <a:p>
             <a:r>
-              <a:rPr lang="en-US" altLang="zh-TW" dirty="0" smtClean="0">
-                <a:ea typeface="新細明體" pitchFamily="18" charset="-120"/>
-              </a:rPr>
-              <a:t>They are on/off square switches that may be toggled by the user</a:t>
-            </a:r>
-          </a:p>
-          <a:p>
-            <a:r>
-              <a:rPr lang="en-US" altLang="zh-TW" dirty="0" smtClean="0">
-                <a:ea typeface="新細明體" pitchFamily="18" charset="-120"/>
-              </a:rPr>
-              <a:t>Only </a:t>
-            </a:r>
-            <a:r>
-              <a:rPr lang="mr-IN" altLang="zh-TW" dirty="0" smtClean="0">
-                <a:ea typeface="新細明體" pitchFamily="18" charset="-120"/>
-              </a:rPr>
-              <a:t>"</a:t>
-            </a:r>
-            <a:r>
-              <a:rPr lang="en-US" altLang="zh-TW" dirty="0" smtClean="0">
-                <a:ea typeface="新細明體" pitchFamily="18" charset="-120"/>
-              </a:rPr>
-              <a:t>on</a:t>
-            </a:r>
-            <a:r>
-              <a:rPr lang="mr-IN" altLang="zh-TW" dirty="0" smtClean="0">
-                <a:ea typeface="新細明體" pitchFamily="18" charset="-120"/>
-              </a:rPr>
-              <a:t>"</a:t>
-            </a:r>
-            <a:r>
-              <a:rPr lang="en-US" altLang="zh-TW" dirty="0" smtClean="0">
-                <a:ea typeface="新細明體" pitchFamily="18" charset="-120"/>
-              </a:rPr>
-              <a:t> checkbox controls can become successful</a:t>
-            </a:r>
-          </a:p>
-          <a:p>
-            <a:r>
-              <a:rPr lang="en-US" altLang="zh-TW" dirty="0" smtClean="0">
-                <a:ea typeface="新細明體" pitchFamily="18" charset="-120"/>
-              </a:rPr>
-              <a:t>Allow users to select several values for the same property</a:t>
-            </a:r>
-          </a:p>
-          <a:p>
-            <a:r>
-              <a:rPr lang="en-US" altLang="zh-TW" dirty="0" smtClean="0">
-                <a:ea typeface="新細明體" pitchFamily="18" charset="-120"/>
-              </a:rPr>
-              <a:t>&lt;input type=</a:t>
-            </a:r>
-            <a:r>
-              <a:rPr lang="mr-IN" altLang="zh-TW" dirty="0" smtClean="0">
-                <a:ea typeface="新細明體" pitchFamily="18" charset="-120"/>
-              </a:rPr>
-              <a:t>"</a:t>
-            </a:r>
-            <a:r>
-              <a:rPr lang="en-US" altLang="zh-TW" dirty="0" smtClean="0">
-                <a:ea typeface="新細明體" pitchFamily="18" charset="-120"/>
-              </a:rPr>
-              <a:t>checkbox</a:t>
-            </a:r>
-            <a:r>
-              <a:rPr lang="mr-IN" altLang="zh-TW" dirty="0" smtClean="0">
-                <a:ea typeface="新細明體" pitchFamily="18" charset="-120"/>
-              </a:rPr>
-              <a:t>"</a:t>
-            </a:r>
-            <a:r>
-              <a:rPr lang="en-US" altLang="zh-TW" dirty="0" smtClean="0">
-                <a:ea typeface="新細明體" pitchFamily="18" charset="-120"/>
-              </a:rPr>
-              <a:t> name=</a:t>
-            </a:r>
-            <a:r>
-              <a:rPr lang="mr-IN" altLang="zh-TW" dirty="0" smtClean="0">
-                <a:ea typeface="新細明體" pitchFamily="18" charset="-120"/>
-              </a:rPr>
-              <a:t>"</a:t>
-            </a:r>
-            <a:r>
-              <a:rPr lang="en-US" altLang="zh-TW" dirty="0" smtClean="0">
-                <a:ea typeface="新細明體" pitchFamily="18" charset="-120"/>
-              </a:rPr>
-              <a:t>name</a:t>
-            </a:r>
-            <a:r>
-              <a:rPr lang="mr-IN" altLang="zh-TW" dirty="0" smtClean="0">
-                <a:ea typeface="新細明體" pitchFamily="18" charset="-120"/>
-              </a:rPr>
-              <a:t>"</a:t>
-            </a:r>
-            <a:r>
-              <a:rPr lang="en-US" altLang="zh-TW" dirty="0" smtClean="0">
-                <a:ea typeface="新細明體" pitchFamily="18" charset="-120"/>
-              </a:rPr>
-              <a:t> value=</a:t>
-            </a:r>
-            <a:r>
-              <a:rPr lang="mr-IN" altLang="zh-TW" dirty="0" smtClean="0">
-                <a:ea typeface="新細明體" pitchFamily="18" charset="-120"/>
-              </a:rPr>
-              <a:t>"</a:t>
-            </a:r>
-            <a:r>
-              <a:rPr lang="en-US" altLang="zh-TW" dirty="0" smtClean="0">
-                <a:ea typeface="新細明體" pitchFamily="18" charset="-120"/>
-              </a:rPr>
-              <a:t>button name</a:t>
-            </a:r>
-            <a:r>
-              <a:rPr lang="mr-IN" altLang="zh-TW" dirty="0" smtClean="0">
-                <a:ea typeface="新細明體" pitchFamily="18" charset="-120"/>
-              </a:rPr>
-              <a:t>"</a:t>
-            </a:r>
-            <a:r>
-              <a:rPr lang="en-US" altLang="zh-TW" dirty="0" smtClean="0">
-                <a:ea typeface="新細明體" pitchFamily="18" charset="-120"/>
-              </a:rPr>
-              <a:t>&gt;</a:t>
+              <a:rPr lang="en-US" altLang="zh-TW" dirty="0">
+                <a:ea typeface="新細明體" pitchFamily="18" charset="-120"/>
+              </a:rPr>
+              <a:t>But why are they called radio buttons?!</a:t>
+            </a:r>
+          </a:p>
+          <a:p>
+            <a:r>
+              <a:rPr lang="en-US" altLang="zh-TW" dirty="0">
+                <a:ea typeface="新細明體" pitchFamily="18" charset="-120"/>
+              </a:rPr>
+              <a:t>The reason is that they act as the radio buttons used in older car radios. When you pushed one, the dial moved. When you pushed another, the first choice was dropped and the dial moved again.</a:t>
             </a:r>
           </a:p>
         </p:txBody>
@@ -16060,7 +15997,7 @@
     </p:spTree>
     <p:extLst>
       <p:ext uri="{BB962C8B-B14F-4D97-AF65-F5344CB8AC3E}">
-        <p14:creationId xmlns:p14="http://schemas.microsoft.com/office/powerpoint/2010/main" val="216759481"/>
+        <p14:creationId xmlns:p14="http://schemas.microsoft.com/office/powerpoint/2010/main" val="1101929956"/>
       </p:ext>
     </p:extLst>
   </p:cSld>
@@ -16099,7 +16036,7 @@
       </p:grpSpPr>
       <p:sp>
         <p:nvSpPr>
-          <p:cNvPr id="18434" name="Rectangle 2"/>
+          <p:cNvPr id="15362" name="Rectangle 2"/>
           <p:cNvSpPr>
             <a:spLocks noGrp="1" noChangeArrowheads="1"/>
           </p:cNvSpPr>
@@ -16116,17 +16053,17 @@
               <a:defRPr/>
             </a:pPr>
             <a:r>
-              <a:rPr lang="en-US" altLang="zh-TW" dirty="0" smtClean="0">
-                <a:latin typeface="Times New Roman" pitchFamily="18" charset="0"/>
-              </a:rPr>
-              <a:t>Select (Menu/List)</a:t>
-            </a:r>
-          </a:p>
-        </p:txBody>
-      </p:sp>
-      <p:sp>
-        <p:nvSpPr>
-          <p:cNvPr id="28675" name="Rectangle 3"/>
+              <a:rPr lang="en-US" altLang="zh-TW" smtClean="0">
+                <a:latin typeface="Times New Roman" pitchFamily="18" charset="0"/>
+              </a:rPr>
+              <a:t>Checkboxes</a:t>
+            </a:r>
+          </a:p>
+        </p:txBody>
+      </p:sp>
+      <p:sp>
+        <p:nvSpPr>
+          <p:cNvPr id="27651" name="Rectangle 3"/>
           <p:cNvSpPr>
             <a:spLocks noGrp="1" noChangeArrowheads="1"/>
           </p:cNvSpPr>
@@ -16139,55 +16076,131 @@
           <a:bodyPr/>
           <a:lstStyle/>
           <a:p>
-            <a:pPr>
-              <a:lnSpc>
-                <a:spcPct val="80000"/>
-              </a:lnSpc>
-            </a:pPr>
             <a:r>
               <a:rPr lang="en-US" altLang="zh-TW" dirty="0" smtClean="0">
                 <a:ea typeface="新細明體" pitchFamily="18" charset="-120"/>
               </a:rPr>
-              <a:t>Menus offer users options from which to choose where the choices are too long to display in a browser</a:t>
-            </a:r>
-          </a:p>
-          <a:p>
-            <a:pPr>
-              <a:lnSpc>
-                <a:spcPct val="80000"/>
-              </a:lnSpc>
-            </a:pPr>
+              <a:t>They are on/off square switches that may be toggled by the user</a:t>
+            </a:r>
+          </a:p>
+          <a:p>
             <a:r>
               <a:rPr lang="en-US" altLang="zh-TW" dirty="0" smtClean="0">
                 <a:ea typeface="新細明體" pitchFamily="18" charset="-120"/>
               </a:rPr>
-              <a:t>Two types of menus – pull down menu, list menu</a:t>
-            </a:r>
-          </a:p>
-          <a:p>
-            <a:pPr>
-              <a:lnSpc>
-                <a:spcPct val="80000"/>
-              </a:lnSpc>
-            </a:pPr>
+              <a:t>Only </a:t>
+            </a:r>
+            <a:r>
+              <a:rPr lang="mr-IN" altLang="zh-TW" dirty="0" smtClean="0">
+                <a:ea typeface="新細明體" pitchFamily="18" charset="-120"/>
+              </a:rPr>
+              <a:t>"</a:t>
+            </a:r>
             <a:r>
               <a:rPr lang="en-US" altLang="zh-TW" dirty="0" smtClean="0">
                 <a:ea typeface="新細明體" pitchFamily="18" charset="-120"/>
               </a:rPr>
-              <a:t>Pull down menu – select one from a drop list</a:t>
-            </a:r>
-          </a:p>
-          <a:p>
-            <a:pPr>
-              <a:lnSpc>
-                <a:spcPct val="80000"/>
-              </a:lnSpc>
-            </a:pPr>
+              <a:t>on</a:t>
+            </a:r>
+            <a:r>
+              <a:rPr lang="mr-IN" altLang="zh-TW" dirty="0" smtClean="0">
+                <a:ea typeface="新細明體" pitchFamily="18" charset="-120"/>
+              </a:rPr>
+              <a:t>"</a:t>
+            </a:r>
             <a:r>
               <a:rPr lang="en-US" altLang="zh-TW" dirty="0" smtClean="0">
                 <a:ea typeface="新細明體" pitchFamily="18" charset="-120"/>
               </a:rPr>
-              <a:t>List menu – select one or multiple items from a list menu.  By pressing Ctrl key, you can select multiple selection</a:t>
+              <a:t> checkbox controls can become successful</a:t>
+            </a:r>
+          </a:p>
+          <a:p>
+            <a:r>
+              <a:rPr lang="en-US" altLang="zh-TW" dirty="0" smtClean="0">
+                <a:ea typeface="新細明體" pitchFamily="18" charset="-120"/>
+              </a:rPr>
+              <a:t>Allow users to select several values for the same property</a:t>
+            </a:r>
+          </a:p>
+          <a:p>
+            <a:r>
+              <a:rPr lang="en-US" altLang="zh-TW" dirty="0" smtClean="0">
+                <a:ea typeface="新細明體" pitchFamily="18" charset="-120"/>
+              </a:rPr>
+              <a:t>&lt;input type=</a:t>
+            </a:r>
+            <a:r>
+              <a:rPr lang="mr-IN" altLang="zh-TW" dirty="0" smtClean="0">
+                <a:ea typeface="新細明體" pitchFamily="18" charset="-120"/>
+              </a:rPr>
+              <a:t>"</a:t>
+            </a:r>
+            <a:r>
+              <a:rPr lang="en-US" altLang="zh-TW" dirty="0" smtClean="0">
+                <a:ea typeface="新細明體" pitchFamily="18" charset="-120"/>
+              </a:rPr>
+              <a:t>checkbox</a:t>
+            </a:r>
+            <a:r>
+              <a:rPr lang="mr-IN" altLang="zh-TW" dirty="0" smtClean="0">
+                <a:ea typeface="新細明體" pitchFamily="18" charset="-120"/>
+              </a:rPr>
+              <a:t>"</a:t>
+            </a:r>
+            <a:r>
+              <a:rPr lang="en-US" altLang="zh-TW" dirty="0" smtClean="0">
+                <a:ea typeface="新細明體" pitchFamily="18" charset="-120"/>
+              </a:rPr>
+              <a:t> name=</a:t>
+            </a:r>
+            <a:r>
+              <a:rPr lang="mr-IN" altLang="zh-TW" dirty="0" smtClean="0">
+                <a:ea typeface="新細明體" pitchFamily="18" charset="-120"/>
+              </a:rPr>
+              <a:t>"</a:t>
+            </a:r>
+            <a:r>
+              <a:rPr lang="en-US" altLang="zh-TW" dirty="0" smtClean="0">
+                <a:ea typeface="新細明體" pitchFamily="18" charset="-120"/>
+              </a:rPr>
+              <a:t>name</a:t>
+            </a:r>
+            <a:r>
+              <a:rPr lang="mr-IN" altLang="zh-TW" dirty="0" smtClean="0">
+                <a:ea typeface="新細明體" pitchFamily="18" charset="-120"/>
+              </a:rPr>
+              <a:t>"</a:t>
+            </a:r>
+            <a:r>
+              <a:rPr lang="en-US" altLang="zh-TW" dirty="0" smtClean="0">
+                <a:ea typeface="新細明體" pitchFamily="18" charset="-120"/>
+              </a:rPr>
+              <a:t> value=</a:t>
+            </a:r>
+            <a:r>
+              <a:rPr lang="mr-IN" altLang="zh-TW" dirty="0" smtClean="0">
+                <a:ea typeface="新細明體" pitchFamily="18" charset="-120"/>
+              </a:rPr>
+              <a:t>"</a:t>
+            </a:r>
+            <a:r>
+              <a:rPr lang="en-US" altLang="zh-TW" dirty="0" smtClean="0">
+                <a:ea typeface="新細明體" pitchFamily="18" charset="-120"/>
+              </a:rPr>
+              <a:t>button name</a:t>
+            </a:r>
+            <a:r>
+              <a:rPr lang="mr-IN" altLang="zh-TW" dirty="0" smtClean="0">
+                <a:ea typeface="新細明體" pitchFamily="18" charset="-120"/>
+              </a:rPr>
+              <a:t>"</a:t>
+            </a:r>
+            <a:r>
+              <a:rPr lang="en-US" altLang="zh-TW" dirty="0" smtClean="0">
+                <a:ea typeface="新細明體" pitchFamily="18" charset="-120"/>
+              </a:rPr>
+              <a:t>&gt;</a:t>
             </a:r>
           </a:p>
         </p:txBody>
@@ -16195,7 +16208,7 @@
     </p:spTree>
     <p:extLst>
       <p:ext uri="{BB962C8B-B14F-4D97-AF65-F5344CB8AC3E}">
-        <p14:creationId xmlns:p14="http://schemas.microsoft.com/office/powerpoint/2010/main" val="1481335655"/>
+        <p14:creationId xmlns:p14="http://schemas.microsoft.com/office/powerpoint/2010/main" val="216759481"/>
       </p:ext>
     </p:extLst>
   </p:cSld>
@@ -16234,7 +16247,7 @@
       </p:grpSpPr>
       <p:sp>
         <p:nvSpPr>
-          <p:cNvPr id="19458" name="Rectangle 2"/>
+          <p:cNvPr id="18434" name="Rectangle 2"/>
           <p:cNvSpPr>
             <a:spLocks noGrp="1" noChangeArrowheads="1"/>
           </p:cNvSpPr>
@@ -16251,17 +16264,17 @@
               <a:defRPr/>
             </a:pPr>
             <a:r>
-              <a:rPr lang="en-US" altLang="zh-TW" smtClean="0">
-                <a:latin typeface="Times New Roman" pitchFamily="18" charset="0"/>
-              </a:rPr>
-              <a:t>Menu example</a:t>
-            </a:r>
-          </a:p>
-        </p:txBody>
-      </p:sp>
-      <p:sp>
-        <p:nvSpPr>
-          <p:cNvPr id="29699" name="Rectangle 3"/>
+              <a:rPr lang="en-US" altLang="zh-TW" dirty="0" smtClean="0">
+                <a:latin typeface="Times New Roman" pitchFamily="18" charset="0"/>
+              </a:rPr>
+              <a:t>Select (Menu/List)</a:t>
+            </a:r>
+          </a:p>
+        </p:txBody>
+      </p:sp>
+      <p:sp>
+        <p:nvSpPr>
+          <p:cNvPr id="28675" name="Rectangle 3"/>
           <p:cNvSpPr>
             <a:spLocks noGrp="1" noChangeArrowheads="1"/>
           </p:cNvSpPr>
@@ -16280,80 +16293,11 @@
               </a:lnSpc>
             </a:pPr>
             <a:r>
-              <a:rPr lang="en-US" altLang="zh-TW" sz="2800" dirty="0">
-                <a:ea typeface="新細明體" pitchFamily="18" charset="-120"/>
-              </a:rPr>
-              <a:t>&lt;select name</a:t>
-            </a:r>
-            <a:r>
-              <a:rPr lang="en-US" altLang="zh-TW" sz="2800" dirty="0" smtClean="0">
-                <a:ea typeface="新細明體" pitchFamily="18" charset="-120"/>
-              </a:rPr>
-              <a:t>=</a:t>
-            </a:r>
-            <a:r>
-              <a:rPr lang="mr-IN" altLang="zh-TW" sz="2800" dirty="0" smtClean="0">
-                <a:ea typeface="新細明體" pitchFamily="18" charset="-120"/>
-              </a:rPr>
-              <a:t>"</a:t>
-            </a:r>
-            <a:r>
-              <a:rPr lang="en-US" altLang="zh-TW" sz="2800" dirty="0" smtClean="0">
-                <a:ea typeface="新細明體" pitchFamily="18" charset="-120"/>
-              </a:rPr>
-              <a:t>country</a:t>
-            </a:r>
-            <a:r>
-              <a:rPr lang="mr-IN" altLang="zh-TW" sz="2800" dirty="0" smtClean="0">
-                <a:ea typeface="新細明體" pitchFamily="18" charset="-120"/>
-              </a:rPr>
-              <a:t>"</a:t>
-            </a:r>
-            <a:r>
-              <a:rPr lang="en-US" altLang="zh-TW" sz="2800" dirty="0" smtClean="0">
-                <a:ea typeface="新細明體" pitchFamily="18" charset="-120"/>
-              </a:rPr>
-              <a:t> </a:t>
-            </a:r>
-            <a:r>
-              <a:rPr lang="en-US" altLang="zh-TW" sz="2800" dirty="0">
-                <a:ea typeface="新細明體" pitchFamily="18" charset="-120"/>
-              </a:rPr>
-              <a:t>id</a:t>
-            </a:r>
-            <a:r>
-              <a:rPr lang="en-US" altLang="zh-TW" sz="2800" dirty="0" smtClean="0">
-                <a:ea typeface="新細明體" pitchFamily="18" charset="-120"/>
-              </a:rPr>
-              <a:t>=</a:t>
-            </a:r>
-            <a:r>
-              <a:rPr lang="mr-IN" altLang="zh-TW" sz="2800" dirty="0" smtClean="0">
-                <a:ea typeface="新細明體" pitchFamily="18" charset="-120"/>
-              </a:rPr>
-              <a:t>"</a:t>
-            </a:r>
-            <a:r>
-              <a:rPr lang="en-US" altLang="zh-TW" sz="2800" dirty="0" smtClean="0">
-                <a:ea typeface="新細明體" pitchFamily="18" charset="-120"/>
-              </a:rPr>
-              <a:t>country</a:t>
-            </a:r>
-            <a:r>
-              <a:rPr lang="mr-IN" altLang="zh-TW" sz="2800" dirty="0" smtClean="0">
-                <a:ea typeface="新細明體" pitchFamily="18" charset="-120"/>
-              </a:rPr>
-              <a:t>"</a:t>
-            </a:r>
-            <a:r>
-              <a:rPr lang="en-US" altLang="zh-TW" sz="2800" dirty="0" smtClean="0">
-                <a:ea typeface="新細明體" pitchFamily="18" charset="-120"/>
-              </a:rPr>
-              <a:t>&gt;</a:t>
-            </a:r>
-            <a:endParaRPr lang="en-US" altLang="zh-TW" sz="2800" dirty="0">
-              <a:ea typeface="新細明體" pitchFamily="18" charset="-120"/>
-            </a:endParaRPr>
+              <a:rPr lang="en-US" altLang="zh-TW" dirty="0" smtClean="0">
+                <a:ea typeface="新細明體" pitchFamily="18" charset="-120"/>
+              </a:rPr>
+              <a:t>Menus offer users options from which to choose where the choices are too long to display in a browser</a:t>
+            </a:r>
           </a:p>
           <a:p>
             <a:pPr>
@@ -16362,46 +16306,10 @@
               </a:lnSpc>
             </a:pPr>
             <a:r>
-              <a:rPr lang="en-US" altLang="zh-TW" sz="2800" dirty="0">
-                <a:ea typeface="新細明體" pitchFamily="18" charset="-120"/>
-              </a:rPr>
-              <a:t>      &lt;option selected</a:t>
-            </a:r>
-            <a:r>
-              <a:rPr lang="en-US" altLang="zh-TW" sz="2800" dirty="0" smtClean="0">
-                <a:ea typeface="新細明體" pitchFamily="18" charset="-120"/>
-              </a:rPr>
-              <a:t>=</a:t>
-            </a:r>
-            <a:r>
-              <a:rPr lang="mr-IN" altLang="zh-TW" sz="2800" dirty="0" smtClean="0">
-                <a:ea typeface="新細明體" pitchFamily="18" charset="-120"/>
-              </a:rPr>
-              <a:t>"</a:t>
-            </a:r>
-            <a:r>
-              <a:rPr lang="en-US" altLang="zh-TW" sz="2800" dirty="0" smtClean="0">
-                <a:ea typeface="新細明體" pitchFamily="18" charset="-120"/>
-              </a:rPr>
-              <a:t>selected</a:t>
-            </a:r>
-            <a:r>
-              <a:rPr lang="mr-IN" altLang="zh-TW" sz="2800" dirty="0" smtClean="0">
-                <a:ea typeface="新細明體" pitchFamily="18" charset="-120"/>
-              </a:rPr>
-              <a:t>"</a:t>
-            </a:r>
-            <a:r>
-              <a:rPr lang="en-US" altLang="zh-TW" sz="2800" dirty="0" smtClean="0">
-                <a:ea typeface="新細明體" pitchFamily="18" charset="-120"/>
-              </a:rPr>
-              <a:t>&gt; </a:t>
-            </a:r>
-            <a:r>
-              <a:rPr lang="en-US" altLang="zh-TW" sz="2800" dirty="0">
-                <a:ea typeface="新細明體" pitchFamily="18" charset="-120"/>
-              </a:rPr>
-              <a:t>&lt;/option&gt;</a:t>
+              <a:rPr lang="en-US" altLang="zh-TW" dirty="0" smtClean="0">
+                <a:ea typeface="新細明體" pitchFamily="18" charset="-120"/>
+              </a:rPr>
+              <a:t>Two types of menus – pull down menu, list menu</a:t>
             </a:r>
           </a:p>
           <a:p>
@@ -16411,46 +16319,10 @@
               </a:lnSpc>
             </a:pPr>
             <a:r>
-              <a:rPr lang="en-US" altLang="zh-TW" sz="2800" dirty="0">
-                <a:ea typeface="新細明體" pitchFamily="18" charset="-120"/>
-              </a:rPr>
-              <a:t>      &lt;option value</a:t>
-            </a:r>
-            <a:r>
-              <a:rPr lang="en-US" altLang="zh-TW" sz="2800" dirty="0" smtClean="0">
-                <a:ea typeface="新細明體" pitchFamily="18" charset="-120"/>
-              </a:rPr>
-              <a:t>=</a:t>
-            </a:r>
-            <a:r>
-              <a:rPr lang="mr-IN" altLang="zh-TW" sz="2800" dirty="0" smtClean="0">
-                <a:ea typeface="新細明體" pitchFamily="18" charset="-120"/>
-              </a:rPr>
-              <a:t>"</a:t>
-            </a:r>
-            <a:r>
-              <a:rPr lang="en-US" altLang="zh-TW" sz="2800" dirty="0" err="1" smtClean="0">
-                <a:ea typeface="新細明體" pitchFamily="18" charset="-120"/>
-              </a:rPr>
-              <a:t>hk</a:t>
-            </a:r>
-            <a:r>
-              <a:rPr lang="mr-IN" altLang="zh-TW" sz="2800" dirty="0" smtClean="0">
-                <a:ea typeface="新細明體" pitchFamily="18" charset="-120"/>
-              </a:rPr>
-              <a:t>"</a:t>
-            </a:r>
-            <a:r>
-              <a:rPr lang="en-US" altLang="zh-TW" sz="2800" dirty="0" smtClean="0">
-                <a:ea typeface="新細明體" pitchFamily="18" charset="-120"/>
-              </a:rPr>
-              <a:t>&gt;</a:t>
-            </a:r>
-            <a:r>
-              <a:rPr lang="en-US" altLang="zh-TW" sz="2800" dirty="0">
-                <a:ea typeface="新細明體" pitchFamily="18" charset="-120"/>
-              </a:rPr>
-              <a:t>Hong Kong&lt;/option&gt;</a:t>
+              <a:rPr lang="en-US" altLang="zh-TW" dirty="0" smtClean="0">
+                <a:ea typeface="新細明體" pitchFamily="18" charset="-120"/>
+              </a:rPr>
+              <a:t>Pull down menu – select one from a drop list</a:t>
             </a:r>
           </a:p>
           <a:p>
@@ -16460,315 +16332,18 @@
               </a:lnSpc>
             </a:pPr>
             <a:r>
-              <a:rPr lang="en-US" altLang="zh-TW" sz="2800" dirty="0">
-                <a:ea typeface="新細明體" pitchFamily="18" charset="-120"/>
-              </a:rPr>
-              <a:t>      &lt;option value</a:t>
-            </a:r>
-            <a:r>
-              <a:rPr lang="en-US" altLang="zh-TW" sz="2800" dirty="0" smtClean="0">
-                <a:ea typeface="新細明體" pitchFamily="18" charset="-120"/>
-              </a:rPr>
-              <a:t>=</a:t>
-            </a:r>
-            <a:r>
-              <a:rPr lang="mr-IN" altLang="zh-TW" sz="2800" dirty="0" smtClean="0">
-                <a:ea typeface="新細明體" pitchFamily="18" charset="-120"/>
-              </a:rPr>
-              <a:t>"</a:t>
-            </a:r>
-            <a:r>
-              <a:rPr lang="en-US" altLang="zh-TW" sz="2800" dirty="0" smtClean="0">
-                <a:ea typeface="新細明體" pitchFamily="18" charset="-120"/>
-              </a:rPr>
-              <a:t>us</a:t>
-            </a:r>
-            <a:r>
-              <a:rPr lang="mr-IN" altLang="zh-TW" sz="2800" dirty="0" smtClean="0">
-                <a:ea typeface="新細明體" pitchFamily="18" charset="-120"/>
-              </a:rPr>
-              <a:t>"</a:t>
-            </a:r>
-            <a:r>
-              <a:rPr lang="en-US" altLang="zh-TW" sz="2800" dirty="0" smtClean="0">
-                <a:ea typeface="新細明體" pitchFamily="18" charset="-120"/>
-              </a:rPr>
-              <a:t>&gt;</a:t>
-            </a:r>
-            <a:r>
-              <a:rPr lang="en-US" altLang="zh-TW" sz="2800" dirty="0">
-                <a:ea typeface="新細明體" pitchFamily="18" charset="-120"/>
-              </a:rPr>
-              <a:t>United State&lt;/option&gt;</a:t>
-            </a:r>
-          </a:p>
-          <a:p>
-            <a:pPr>
-              <a:lnSpc>
-                <a:spcPct val="80000"/>
-              </a:lnSpc>
-            </a:pPr>
-            <a:r>
-              <a:rPr lang="en-US" altLang="zh-TW" sz="2800" dirty="0">
-                <a:ea typeface="新細明體" pitchFamily="18" charset="-120"/>
-              </a:rPr>
-              <a:t>      &lt;option value</a:t>
-            </a:r>
-            <a:r>
-              <a:rPr lang="en-US" altLang="zh-TW" sz="2800" dirty="0" smtClean="0">
-                <a:ea typeface="新細明體" pitchFamily="18" charset="-120"/>
-              </a:rPr>
-              <a:t>=</a:t>
-            </a:r>
-            <a:r>
-              <a:rPr lang="mr-IN" altLang="zh-TW" sz="2800" dirty="0" smtClean="0">
-                <a:ea typeface="新細明體" pitchFamily="18" charset="-120"/>
-              </a:rPr>
-              <a:t>"</a:t>
-            </a:r>
-            <a:r>
-              <a:rPr lang="en-US" altLang="zh-TW" sz="2800" dirty="0" err="1" smtClean="0">
-                <a:ea typeface="新細明體" pitchFamily="18" charset="-120"/>
-              </a:rPr>
-              <a:t>tw</a:t>
-            </a:r>
-            <a:r>
-              <a:rPr lang="mr-IN" altLang="zh-TW" sz="2800" dirty="0" smtClean="0">
-                <a:ea typeface="新細明體" pitchFamily="18" charset="-120"/>
-              </a:rPr>
-              <a:t>"</a:t>
-            </a:r>
-            <a:r>
-              <a:rPr lang="en-US" altLang="zh-TW" sz="2800" dirty="0" smtClean="0">
-                <a:ea typeface="新細明體" pitchFamily="18" charset="-120"/>
-              </a:rPr>
-              <a:t>&gt;</a:t>
-            </a:r>
-            <a:r>
-              <a:rPr lang="en-US" altLang="zh-TW" sz="2800" dirty="0">
-                <a:ea typeface="新細明體" pitchFamily="18" charset="-120"/>
-              </a:rPr>
-              <a:t>Taiwan&lt;/option&gt;</a:t>
-            </a:r>
-          </a:p>
-          <a:p>
-            <a:pPr>
-              <a:lnSpc>
-                <a:spcPct val="80000"/>
-              </a:lnSpc>
-            </a:pPr>
-            <a:r>
-              <a:rPr lang="en-US" altLang="zh-TW" sz="2800" dirty="0">
-                <a:ea typeface="新細明體" pitchFamily="18" charset="-120"/>
-              </a:rPr>
-              <a:t>      &lt;option value</a:t>
-            </a:r>
-            <a:r>
-              <a:rPr lang="en-US" altLang="zh-TW" sz="2800" dirty="0" smtClean="0">
-                <a:ea typeface="新細明體" pitchFamily="18" charset="-120"/>
-              </a:rPr>
-              <a:t>=</a:t>
-            </a:r>
-            <a:r>
-              <a:rPr lang="mr-IN" altLang="zh-TW" sz="2800" dirty="0" smtClean="0">
-                <a:ea typeface="新細明體" pitchFamily="18" charset="-120"/>
-              </a:rPr>
-              <a:t>"</a:t>
-            </a:r>
-            <a:r>
-              <a:rPr lang="en-US" altLang="zh-TW" sz="2800" dirty="0" err="1" smtClean="0">
-                <a:ea typeface="新細明體" pitchFamily="18" charset="-120"/>
-              </a:rPr>
-              <a:t>cn</a:t>
-            </a:r>
-            <a:r>
-              <a:rPr lang="mr-IN" altLang="zh-TW" sz="2800" dirty="0" smtClean="0">
-                <a:ea typeface="新細明體" pitchFamily="18" charset="-120"/>
-              </a:rPr>
-              <a:t>"</a:t>
-            </a:r>
-            <a:r>
-              <a:rPr lang="en-US" altLang="zh-TW" sz="2800" dirty="0" smtClean="0">
-                <a:ea typeface="新細明體" pitchFamily="18" charset="-120"/>
-              </a:rPr>
-              <a:t>&gt;</a:t>
-            </a:r>
-            <a:r>
-              <a:rPr lang="en-US" altLang="zh-TW" sz="2800" dirty="0">
-                <a:ea typeface="新細明體" pitchFamily="18" charset="-120"/>
-              </a:rPr>
-              <a:t>China&lt;/option&gt;</a:t>
-            </a:r>
-          </a:p>
-          <a:p>
-            <a:pPr>
-              <a:lnSpc>
-                <a:spcPct val="80000"/>
-              </a:lnSpc>
-            </a:pPr>
-            <a:r>
-              <a:rPr lang="en-US" altLang="zh-TW" sz="2800" dirty="0">
-                <a:ea typeface="新細明體" pitchFamily="18" charset="-120"/>
-              </a:rPr>
-              <a:t>      &lt;option value</a:t>
-            </a:r>
-            <a:r>
-              <a:rPr lang="en-US" altLang="zh-TW" sz="2800" dirty="0" smtClean="0">
-                <a:ea typeface="新細明體" pitchFamily="18" charset="-120"/>
-              </a:rPr>
-              <a:t>=</a:t>
-            </a:r>
-            <a:r>
-              <a:rPr lang="mr-IN" altLang="zh-TW" sz="2800" dirty="0" smtClean="0">
-                <a:ea typeface="新細明體" pitchFamily="18" charset="-120"/>
-              </a:rPr>
-              <a:t>"</a:t>
-            </a:r>
-            <a:r>
-              <a:rPr lang="en-US" altLang="zh-TW" sz="2800" dirty="0" err="1" smtClean="0">
-                <a:ea typeface="新細明體" pitchFamily="18" charset="-120"/>
-              </a:rPr>
-              <a:t>kr</a:t>
-            </a:r>
-            <a:r>
-              <a:rPr lang="mr-IN" altLang="zh-TW" sz="2800" dirty="0" smtClean="0">
-                <a:ea typeface="新細明體" pitchFamily="18" charset="-120"/>
-              </a:rPr>
-              <a:t>"</a:t>
-            </a:r>
-            <a:r>
-              <a:rPr lang="en-US" altLang="zh-TW" sz="2800" dirty="0" smtClean="0">
-                <a:ea typeface="新細明體" pitchFamily="18" charset="-120"/>
-              </a:rPr>
-              <a:t>&gt;</a:t>
-            </a:r>
-            <a:r>
-              <a:rPr lang="en-US" altLang="zh-TW" sz="2800" dirty="0">
-                <a:ea typeface="新細明體" pitchFamily="18" charset="-120"/>
-              </a:rPr>
-              <a:t>Korea&lt;/option&gt;</a:t>
-            </a:r>
-          </a:p>
-          <a:p>
-            <a:pPr>
-              <a:lnSpc>
-                <a:spcPct val="80000"/>
-              </a:lnSpc>
-            </a:pPr>
-            <a:r>
-              <a:rPr lang="en-US" altLang="zh-TW" sz="2800" dirty="0">
-                <a:ea typeface="新細明體" pitchFamily="18" charset="-120"/>
-              </a:rPr>
-              <a:t>      &lt;option value</a:t>
-            </a:r>
-            <a:r>
-              <a:rPr lang="en-US" altLang="zh-TW" sz="2800" dirty="0" smtClean="0">
-                <a:ea typeface="新細明體" pitchFamily="18" charset="-120"/>
-              </a:rPr>
-              <a:t>=</a:t>
-            </a:r>
-            <a:r>
-              <a:rPr lang="mr-IN" altLang="zh-TW" sz="2800" dirty="0" smtClean="0">
-                <a:ea typeface="新細明體" pitchFamily="18" charset="-120"/>
-              </a:rPr>
-              <a:t>"</a:t>
-            </a:r>
-            <a:r>
-              <a:rPr lang="en-US" altLang="zh-TW" sz="2800" dirty="0" err="1" smtClean="0">
-                <a:ea typeface="新細明體" pitchFamily="18" charset="-120"/>
-              </a:rPr>
-              <a:t>jp</a:t>
-            </a:r>
-            <a:r>
-              <a:rPr lang="mr-IN" altLang="zh-TW" sz="2800" dirty="0" smtClean="0">
-                <a:ea typeface="新細明體" pitchFamily="18" charset="-120"/>
-              </a:rPr>
-              <a:t>"</a:t>
-            </a:r>
-            <a:r>
-              <a:rPr lang="en-US" altLang="zh-TW" sz="2800" dirty="0" smtClean="0">
-                <a:ea typeface="新細明體" pitchFamily="18" charset="-120"/>
-              </a:rPr>
-              <a:t>&gt;</a:t>
-            </a:r>
-            <a:r>
-              <a:rPr lang="en-US" altLang="zh-TW" sz="2800" dirty="0">
-                <a:ea typeface="新細明體" pitchFamily="18" charset="-120"/>
-              </a:rPr>
-              <a:t>Japan&lt;/option&gt;</a:t>
-            </a:r>
-          </a:p>
-          <a:p>
-            <a:pPr>
-              <a:lnSpc>
-                <a:spcPct val="80000"/>
-              </a:lnSpc>
-            </a:pPr>
-            <a:r>
-              <a:rPr lang="en-US" altLang="zh-TW" sz="2800" dirty="0">
-                <a:ea typeface="新細明體" pitchFamily="18" charset="-120"/>
-              </a:rPr>
-              <a:t>      &lt;option value</a:t>
-            </a:r>
-            <a:r>
-              <a:rPr lang="en-US" altLang="zh-TW" sz="2800" dirty="0" smtClean="0">
-                <a:ea typeface="新細明體" pitchFamily="18" charset="-120"/>
-              </a:rPr>
-              <a:t>=</a:t>
-            </a:r>
-            <a:r>
-              <a:rPr lang="mr-IN" altLang="zh-TW" sz="2800" dirty="0" smtClean="0">
-                <a:ea typeface="新細明體" pitchFamily="18" charset="-120"/>
-              </a:rPr>
-              <a:t>"</a:t>
-            </a:r>
-            <a:r>
-              <a:rPr lang="en-US" altLang="zh-TW" sz="2800" dirty="0" err="1" smtClean="0">
-                <a:ea typeface="新細明體" pitchFamily="18" charset="-120"/>
-              </a:rPr>
-              <a:t>mo</a:t>
-            </a:r>
-            <a:r>
-              <a:rPr lang="mr-IN" altLang="zh-TW" sz="2800" dirty="0" smtClean="0">
-                <a:ea typeface="新細明體" pitchFamily="18" charset="-120"/>
-              </a:rPr>
-              <a:t>"</a:t>
-            </a:r>
-            <a:r>
-              <a:rPr lang="en-US" altLang="zh-TW" sz="2800" dirty="0" smtClean="0">
-                <a:ea typeface="新細明體" pitchFamily="18" charset="-120"/>
-              </a:rPr>
-              <a:t>&gt;</a:t>
-            </a:r>
-            <a:r>
-              <a:rPr lang="en-US" altLang="zh-TW" sz="2800" dirty="0">
-                <a:ea typeface="新細明體" pitchFamily="18" charset="-120"/>
-              </a:rPr>
-              <a:t>Macau&lt;/option&gt;</a:t>
-            </a:r>
-          </a:p>
-          <a:p>
-            <a:pPr>
-              <a:lnSpc>
-                <a:spcPct val="80000"/>
-              </a:lnSpc>
-            </a:pPr>
-            <a:r>
-              <a:rPr lang="en-US" altLang="zh-TW" sz="2800" dirty="0">
-                <a:ea typeface="新細明體" pitchFamily="18" charset="-120"/>
-              </a:rPr>
-              <a:t>    &lt;/select&gt;</a:t>
-            </a:r>
-            <a:endParaRPr lang="en-US" altLang="zh-TW" sz="2800" dirty="0" smtClean="0">
-              <a:ea typeface="新細明體" pitchFamily="18" charset="-120"/>
-            </a:endParaRPr>
+              <a:rPr lang="en-US" altLang="zh-TW" dirty="0" smtClean="0">
+                <a:ea typeface="新細明體" pitchFamily="18" charset="-120"/>
+              </a:rPr>
+              <a:t>List menu – select one or multiple items from a list menu.  By pressing Ctrl key, you can select multiple selection</a:t>
+            </a:r>
           </a:p>
         </p:txBody>
       </p:sp>
     </p:spTree>
     <p:extLst>
       <p:ext uri="{BB962C8B-B14F-4D97-AF65-F5344CB8AC3E}">
-        <p14:creationId xmlns:p14="http://schemas.microsoft.com/office/powerpoint/2010/main" val="1194663190"/>
+        <p14:creationId xmlns:p14="http://schemas.microsoft.com/office/powerpoint/2010/main" val="1481335655"/>
       </p:ext>
     </p:extLst>
   </p:cSld>
@@ -16807,7 +16382,7 @@
       </p:grpSpPr>
       <p:sp>
         <p:nvSpPr>
-          <p:cNvPr id="20482" name="Rectangle 2"/>
+          <p:cNvPr id="19458" name="Rectangle 2"/>
           <p:cNvSpPr>
             <a:spLocks noGrp="1" noChangeArrowheads="1"/>
           </p:cNvSpPr>
@@ -16827,14 +16402,14 @@
               <a:rPr lang="en-US" altLang="zh-TW" smtClean="0">
                 <a:latin typeface="Times New Roman" pitchFamily="18" charset="0"/>
               </a:rPr>
-              <a:t>Buttons</a:t>
-            </a:r>
-          </a:p>
-        </p:txBody>
-      </p:sp>
-      <p:sp>
-        <p:nvSpPr>
-          <p:cNvPr id="30723" name="Rectangle 3"/>
+              <a:t>Menu example</a:t>
+            </a:r>
+          </a:p>
+        </p:txBody>
+      </p:sp>
+      <p:sp>
+        <p:nvSpPr>
+          <p:cNvPr id="29699" name="Rectangle 3"/>
           <p:cNvSpPr>
             <a:spLocks noGrp="1" noChangeArrowheads="1"/>
           </p:cNvSpPr>
@@ -16847,43 +16422,501 @@
           <a:bodyPr/>
           <a:lstStyle/>
           <a:p>
-            <a:r>
-              <a:rPr lang="en-US" altLang="zh-TW" smtClean="0">
-                <a:ea typeface="新細明體" pitchFamily="18" charset="-120"/>
-              </a:rPr>
-              <a:t>three types of buttons – submit, reset, push</a:t>
-            </a:r>
-          </a:p>
-          <a:p>
-            <a:r>
-              <a:rPr lang="en-US" altLang="zh-TW" smtClean="0">
-                <a:ea typeface="新細明體" pitchFamily="18" charset="-120"/>
-              </a:rPr>
-              <a:t>Submit button - when activated, it submits a form</a:t>
-            </a:r>
-          </a:p>
-          <a:p>
-            <a:r>
-              <a:rPr lang="en-US" altLang="zh-TW" smtClean="0">
-                <a:ea typeface="新細明體" pitchFamily="18" charset="-120"/>
-              </a:rPr>
-              <a:t>Reset button - when activated, it resets all controls to their initial values</a:t>
-            </a:r>
-          </a:p>
-          <a:p>
-            <a:r>
-              <a:rPr lang="en-US" altLang="zh-TW" smtClean="0">
-                <a:ea typeface="新細明體" pitchFamily="18" charset="-120"/>
-              </a:rPr>
-              <a:t>Push button - each push button may have client-side scripts associated with the element's event attributes</a:t>
-            </a:r>
+            <a:pPr>
+              <a:lnSpc>
+                <a:spcPct val="80000"/>
+              </a:lnSpc>
+            </a:pPr>
+            <a:r>
+              <a:rPr lang="en-US" altLang="zh-TW" sz="2800" dirty="0">
+                <a:ea typeface="新細明體" pitchFamily="18" charset="-120"/>
+              </a:rPr>
+              <a:t>&lt;select name</a:t>
+            </a:r>
+            <a:r>
+              <a:rPr lang="en-US" altLang="zh-TW" sz="2800" dirty="0" smtClean="0">
+                <a:ea typeface="新細明體" pitchFamily="18" charset="-120"/>
+              </a:rPr>
+              <a:t>=</a:t>
+            </a:r>
+            <a:r>
+              <a:rPr lang="mr-IN" altLang="zh-TW" sz="2800" dirty="0" smtClean="0">
+                <a:ea typeface="新細明體" pitchFamily="18" charset="-120"/>
+              </a:rPr>
+              <a:t>"</a:t>
+            </a:r>
+            <a:r>
+              <a:rPr lang="en-US" altLang="zh-TW" sz="2800" dirty="0" smtClean="0">
+                <a:ea typeface="新細明體" pitchFamily="18" charset="-120"/>
+              </a:rPr>
+              <a:t>country</a:t>
+            </a:r>
+            <a:r>
+              <a:rPr lang="mr-IN" altLang="zh-TW" sz="2800" dirty="0" smtClean="0">
+                <a:ea typeface="新細明體" pitchFamily="18" charset="-120"/>
+              </a:rPr>
+              <a:t>"</a:t>
+            </a:r>
+            <a:r>
+              <a:rPr lang="en-US" altLang="zh-TW" sz="2800" dirty="0" smtClean="0">
+                <a:ea typeface="新細明體" pitchFamily="18" charset="-120"/>
+              </a:rPr>
+              <a:t> </a:t>
+            </a:r>
+            <a:r>
+              <a:rPr lang="en-US" altLang="zh-TW" sz="2800" dirty="0">
+                <a:ea typeface="新細明體" pitchFamily="18" charset="-120"/>
+              </a:rPr>
+              <a:t>id</a:t>
+            </a:r>
+            <a:r>
+              <a:rPr lang="en-US" altLang="zh-TW" sz="2800" dirty="0" smtClean="0">
+                <a:ea typeface="新細明體" pitchFamily="18" charset="-120"/>
+              </a:rPr>
+              <a:t>=</a:t>
+            </a:r>
+            <a:r>
+              <a:rPr lang="mr-IN" altLang="zh-TW" sz="2800" dirty="0" smtClean="0">
+                <a:ea typeface="新細明體" pitchFamily="18" charset="-120"/>
+              </a:rPr>
+              <a:t>"</a:t>
+            </a:r>
+            <a:r>
+              <a:rPr lang="en-US" altLang="zh-TW" sz="2800" dirty="0" smtClean="0">
+                <a:ea typeface="新細明體" pitchFamily="18" charset="-120"/>
+              </a:rPr>
+              <a:t>country</a:t>
+            </a:r>
+            <a:r>
+              <a:rPr lang="mr-IN" altLang="zh-TW" sz="2800" dirty="0" smtClean="0">
+                <a:ea typeface="新細明體" pitchFamily="18" charset="-120"/>
+              </a:rPr>
+              <a:t>"</a:t>
+            </a:r>
+            <a:r>
+              <a:rPr lang="en-US" altLang="zh-TW" sz="2800" dirty="0" smtClean="0">
+                <a:ea typeface="新細明體" pitchFamily="18" charset="-120"/>
+              </a:rPr>
+              <a:t>&gt;</a:t>
+            </a:r>
+            <a:endParaRPr lang="en-US" altLang="zh-TW" sz="2800" dirty="0">
+              <a:ea typeface="新細明體" pitchFamily="18" charset="-120"/>
+            </a:endParaRPr>
+          </a:p>
+          <a:p>
+            <a:pPr>
+              <a:lnSpc>
+                <a:spcPct val="80000"/>
+              </a:lnSpc>
+            </a:pPr>
+            <a:r>
+              <a:rPr lang="en-US" altLang="zh-TW" sz="2800" dirty="0">
+                <a:ea typeface="新細明體" pitchFamily="18" charset="-120"/>
+              </a:rPr>
+              <a:t>      &lt;option selected</a:t>
+            </a:r>
+            <a:r>
+              <a:rPr lang="en-US" altLang="zh-TW" sz="2800" dirty="0" smtClean="0">
+                <a:ea typeface="新細明體" pitchFamily="18" charset="-120"/>
+              </a:rPr>
+              <a:t>=</a:t>
+            </a:r>
+            <a:r>
+              <a:rPr lang="mr-IN" altLang="zh-TW" sz="2800" dirty="0" smtClean="0">
+                <a:ea typeface="新細明體" pitchFamily="18" charset="-120"/>
+              </a:rPr>
+              <a:t>"</a:t>
+            </a:r>
+            <a:r>
+              <a:rPr lang="en-US" altLang="zh-TW" sz="2800" dirty="0" smtClean="0">
+                <a:ea typeface="新細明體" pitchFamily="18" charset="-120"/>
+              </a:rPr>
+              <a:t>selected</a:t>
+            </a:r>
+            <a:r>
+              <a:rPr lang="mr-IN" altLang="zh-TW" sz="2800" dirty="0" smtClean="0">
+                <a:ea typeface="新細明體" pitchFamily="18" charset="-120"/>
+              </a:rPr>
+              <a:t>"</a:t>
+            </a:r>
+            <a:r>
+              <a:rPr lang="en-US" altLang="zh-TW" sz="2800" dirty="0" smtClean="0">
+                <a:ea typeface="新細明體" pitchFamily="18" charset="-120"/>
+              </a:rPr>
+              <a:t>&gt; </a:t>
+            </a:r>
+            <a:r>
+              <a:rPr lang="en-US" altLang="zh-TW" sz="2800" dirty="0">
+                <a:ea typeface="新細明體" pitchFamily="18" charset="-120"/>
+              </a:rPr>
+              <a:t>&lt;/option&gt;</a:t>
+            </a:r>
+          </a:p>
+          <a:p>
+            <a:pPr>
+              <a:lnSpc>
+                <a:spcPct val="80000"/>
+              </a:lnSpc>
+            </a:pPr>
+            <a:r>
+              <a:rPr lang="en-US" altLang="zh-TW" sz="2800" dirty="0">
+                <a:ea typeface="新細明體" pitchFamily="18" charset="-120"/>
+              </a:rPr>
+              <a:t>      &lt;option value</a:t>
+            </a:r>
+            <a:r>
+              <a:rPr lang="en-US" altLang="zh-TW" sz="2800" dirty="0" smtClean="0">
+                <a:ea typeface="新細明體" pitchFamily="18" charset="-120"/>
+              </a:rPr>
+              <a:t>=</a:t>
+            </a:r>
+            <a:r>
+              <a:rPr lang="mr-IN" altLang="zh-TW" sz="2800" dirty="0" smtClean="0">
+                <a:ea typeface="新細明體" pitchFamily="18" charset="-120"/>
+              </a:rPr>
+              <a:t>"</a:t>
+            </a:r>
+            <a:r>
+              <a:rPr lang="en-US" altLang="zh-TW" sz="2800" dirty="0" err="1" smtClean="0">
+                <a:ea typeface="新細明體" pitchFamily="18" charset="-120"/>
+              </a:rPr>
+              <a:t>hk</a:t>
+            </a:r>
+            <a:r>
+              <a:rPr lang="mr-IN" altLang="zh-TW" sz="2800" dirty="0" smtClean="0">
+                <a:ea typeface="新細明體" pitchFamily="18" charset="-120"/>
+              </a:rPr>
+              <a:t>"</a:t>
+            </a:r>
+            <a:r>
+              <a:rPr lang="en-US" altLang="zh-TW" sz="2800" dirty="0" smtClean="0">
+                <a:ea typeface="新細明體" pitchFamily="18" charset="-120"/>
+              </a:rPr>
+              <a:t>&gt;</a:t>
+            </a:r>
+            <a:r>
+              <a:rPr lang="en-US" altLang="zh-TW" sz="2800" dirty="0">
+                <a:ea typeface="新細明體" pitchFamily="18" charset="-120"/>
+              </a:rPr>
+              <a:t>Hong Kong&lt;/option&gt;</a:t>
+            </a:r>
+          </a:p>
+          <a:p>
+            <a:pPr>
+              <a:lnSpc>
+                <a:spcPct val="80000"/>
+              </a:lnSpc>
+            </a:pPr>
+            <a:r>
+              <a:rPr lang="en-US" altLang="zh-TW" sz="2800" dirty="0">
+                <a:ea typeface="新細明體" pitchFamily="18" charset="-120"/>
+              </a:rPr>
+              <a:t>      &lt;option value</a:t>
+            </a:r>
+            <a:r>
+              <a:rPr lang="en-US" altLang="zh-TW" sz="2800" dirty="0" smtClean="0">
+                <a:ea typeface="新細明體" pitchFamily="18" charset="-120"/>
+              </a:rPr>
+              <a:t>=</a:t>
+            </a:r>
+            <a:r>
+              <a:rPr lang="mr-IN" altLang="zh-TW" sz="2800" dirty="0" smtClean="0">
+                <a:ea typeface="新細明體" pitchFamily="18" charset="-120"/>
+              </a:rPr>
+              <a:t>"</a:t>
+            </a:r>
+            <a:r>
+              <a:rPr lang="en-US" altLang="zh-TW" sz="2800" dirty="0" smtClean="0">
+                <a:ea typeface="新細明體" pitchFamily="18" charset="-120"/>
+              </a:rPr>
+              <a:t>us</a:t>
+            </a:r>
+            <a:r>
+              <a:rPr lang="mr-IN" altLang="zh-TW" sz="2800" dirty="0" smtClean="0">
+                <a:ea typeface="新細明體" pitchFamily="18" charset="-120"/>
+              </a:rPr>
+              <a:t>"</a:t>
+            </a:r>
+            <a:r>
+              <a:rPr lang="en-US" altLang="zh-TW" sz="2800" dirty="0" smtClean="0">
+                <a:ea typeface="新細明體" pitchFamily="18" charset="-120"/>
+              </a:rPr>
+              <a:t>&gt;</a:t>
+            </a:r>
+            <a:r>
+              <a:rPr lang="en-US" altLang="zh-TW" sz="2800" dirty="0">
+                <a:ea typeface="新細明體" pitchFamily="18" charset="-120"/>
+              </a:rPr>
+              <a:t>United State&lt;/option&gt;</a:t>
+            </a:r>
+          </a:p>
+          <a:p>
+            <a:pPr>
+              <a:lnSpc>
+                <a:spcPct val="80000"/>
+              </a:lnSpc>
+            </a:pPr>
+            <a:r>
+              <a:rPr lang="en-US" altLang="zh-TW" sz="2800" dirty="0">
+                <a:ea typeface="新細明體" pitchFamily="18" charset="-120"/>
+              </a:rPr>
+              <a:t>      &lt;option value</a:t>
+            </a:r>
+            <a:r>
+              <a:rPr lang="en-US" altLang="zh-TW" sz="2800" dirty="0" smtClean="0">
+                <a:ea typeface="新細明體" pitchFamily="18" charset="-120"/>
+              </a:rPr>
+              <a:t>=</a:t>
+            </a:r>
+            <a:r>
+              <a:rPr lang="mr-IN" altLang="zh-TW" sz="2800" dirty="0" smtClean="0">
+                <a:ea typeface="新細明體" pitchFamily="18" charset="-120"/>
+              </a:rPr>
+              <a:t>"</a:t>
+            </a:r>
+            <a:r>
+              <a:rPr lang="en-US" altLang="zh-TW" sz="2800" dirty="0" err="1" smtClean="0">
+                <a:ea typeface="新細明體" pitchFamily="18" charset="-120"/>
+              </a:rPr>
+              <a:t>tw</a:t>
+            </a:r>
+            <a:r>
+              <a:rPr lang="mr-IN" altLang="zh-TW" sz="2800" dirty="0" smtClean="0">
+                <a:ea typeface="新細明體" pitchFamily="18" charset="-120"/>
+              </a:rPr>
+              <a:t>"</a:t>
+            </a:r>
+            <a:r>
+              <a:rPr lang="en-US" altLang="zh-TW" sz="2800" dirty="0" smtClean="0">
+                <a:ea typeface="新細明體" pitchFamily="18" charset="-120"/>
+              </a:rPr>
+              <a:t>&gt;</a:t>
+            </a:r>
+            <a:r>
+              <a:rPr lang="en-US" altLang="zh-TW" sz="2800" dirty="0">
+                <a:ea typeface="新細明體" pitchFamily="18" charset="-120"/>
+              </a:rPr>
+              <a:t>Taiwan&lt;/option&gt;</a:t>
+            </a:r>
+          </a:p>
+          <a:p>
+            <a:pPr>
+              <a:lnSpc>
+                <a:spcPct val="80000"/>
+              </a:lnSpc>
+            </a:pPr>
+            <a:r>
+              <a:rPr lang="en-US" altLang="zh-TW" sz="2800" dirty="0">
+                <a:ea typeface="新細明體" pitchFamily="18" charset="-120"/>
+              </a:rPr>
+              <a:t>      &lt;option value</a:t>
+            </a:r>
+            <a:r>
+              <a:rPr lang="en-US" altLang="zh-TW" sz="2800" dirty="0" smtClean="0">
+                <a:ea typeface="新細明體" pitchFamily="18" charset="-120"/>
+              </a:rPr>
+              <a:t>=</a:t>
+            </a:r>
+            <a:r>
+              <a:rPr lang="mr-IN" altLang="zh-TW" sz="2800" dirty="0" smtClean="0">
+                <a:ea typeface="新細明體" pitchFamily="18" charset="-120"/>
+              </a:rPr>
+              <a:t>"</a:t>
+            </a:r>
+            <a:r>
+              <a:rPr lang="en-US" altLang="zh-TW" sz="2800" dirty="0" err="1" smtClean="0">
+                <a:ea typeface="新細明體" pitchFamily="18" charset="-120"/>
+              </a:rPr>
+              <a:t>cn</a:t>
+            </a:r>
+            <a:r>
+              <a:rPr lang="mr-IN" altLang="zh-TW" sz="2800" dirty="0" smtClean="0">
+                <a:ea typeface="新細明體" pitchFamily="18" charset="-120"/>
+              </a:rPr>
+              <a:t>"</a:t>
+            </a:r>
+            <a:r>
+              <a:rPr lang="en-US" altLang="zh-TW" sz="2800" dirty="0" smtClean="0">
+                <a:ea typeface="新細明體" pitchFamily="18" charset="-120"/>
+              </a:rPr>
+              <a:t>&gt;</a:t>
+            </a:r>
+            <a:r>
+              <a:rPr lang="en-US" altLang="zh-TW" sz="2800" dirty="0">
+                <a:ea typeface="新細明體" pitchFamily="18" charset="-120"/>
+              </a:rPr>
+              <a:t>China&lt;/option&gt;</a:t>
+            </a:r>
+          </a:p>
+          <a:p>
+            <a:pPr>
+              <a:lnSpc>
+                <a:spcPct val="80000"/>
+              </a:lnSpc>
+            </a:pPr>
+            <a:r>
+              <a:rPr lang="en-US" altLang="zh-TW" sz="2800" dirty="0">
+                <a:ea typeface="新細明體" pitchFamily="18" charset="-120"/>
+              </a:rPr>
+              <a:t>      &lt;option value</a:t>
+            </a:r>
+            <a:r>
+              <a:rPr lang="en-US" altLang="zh-TW" sz="2800" dirty="0" smtClean="0">
+                <a:ea typeface="新細明體" pitchFamily="18" charset="-120"/>
+              </a:rPr>
+              <a:t>=</a:t>
+            </a:r>
+            <a:r>
+              <a:rPr lang="mr-IN" altLang="zh-TW" sz="2800" dirty="0" smtClean="0">
+                <a:ea typeface="新細明體" pitchFamily="18" charset="-120"/>
+              </a:rPr>
+              <a:t>"</a:t>
+            </a:r>
+            <a:r>
+              <a:rPr lang="en-US" altLang="zh-TW" sz="2800" dirty="0" err="1" smtClean="0">
+                <a:ea typeface="新細明體" pitchFamily="18" charset="-120"/>
+              </a:rPr>
+              <a:t>kr</a:t>
+            </a:r>
+            <a:r>
+              <a:rPr lang="mr-IN" altLang="zh-TW" sz="2800" dirty="0" smtClean="0">
+                <a:ea typeface="新細明體" pitchFamily="18" charset="-120"/>
+              </a:rPr>
+              <a:t>"</a:t>
+            </a:r>
+            <a:r>
+              <a:rPr lang="en-US" altLang="zh-TW" sz="2800" dirty="0" smtClean="0">
+                <a:ea typeface="新細明體" pitchFamily="18" charset="-120"/>
+              </a:rPr>
+              <a:t>&gt;</a:t>
+            </a:r>
+            <a:r>
+              <a:rPr lang="en-US" altLang="zh-TW" sz="2800" dirty="0">
+                <a:ea typeface="新細明體" pitchFamily="18" charset="-120"/>
+              </a:rPr>
+              <a:t>Korea&lt;/option&gt;</a:t>
+            </a:r>
+          </a:p>
+          <a:p>
+            <a:pPr>
+              <a:lnSpc>
+                <a:spcPct val="80000"/>
+              </a:lnSpc>
+            </a:pPr>
+            <a:r>
+              <a:rPr lang="en-US" altLang="zh-TW" sz="2800" dirty="0">
+                <a:ea typeface="新細明體" pitchFamily="18" charset="-120"/>
+              </a:rPr>
+              <a:t>      &lt;option value</a:t>
+            </a:r>
+            <a:r>
+              <a:rPr lang="en-US" altLang="zh-TW" sz="2800" dirty="0" smtClean="0">
+                <a:ea typeface="新細明體" pitchFamily="18" charset="-120"/>
+              </a:rPr>
+              <a:t>=</a:t>
+            </a:r>
+            <a:r>
+              <a:rPr lang="mr-IN" altLang="zh-TW" sz="2800" dirty="0" smtClean="0">
+                <a:ea typeface="新細明體" pitchFamily="18" charset="-120"/>
+              </a:rPr>
+              <a:t>"</a:t>
+            </a:r>
+            <a:r>
+              <a:rPr lang="en-US" altLang="zh-TW" sz="2800" dirty="0" err="1" smtClean="0">
+                <a:ea typeface="新細明體" pitchFamily="18" charset="-120"/>
+              </a:rPr>
+              <a:t>jp</a:t>
+            </a:r>
+            <a:r>
+              <a:rPr lang="mr-IN" altLang="zh-TW" sz="2800" dirty="0" smtClean="0">
+                <a:ea typeface="新細明體" pitchFamily="18" charset="-120"/>
+              </a:rPr>
+              <a:t>"</a:t>
+            </a:r>
+            <a:r>
+              <a:rPr lang="en-US" altLang="zh-TW" sz="2800" dirty="0" smtClean="0">
+                <a:ea typeface="新細明體" pitchFamily="18" charset="-120"/>
+              </a:rPr>
+              <a:t>&gt;</a:t>
+            </a:r>
+            <a:r>
+              <a:rPr lang="en-US" altLang="zh-TW" sz="2800" dirty="0">
+                <a:ea typeface="新細明體" pitchFamily="18" charset="-120"/>
+              </a:rPr>
+              <a:t>Japan&lt;/option&gt;</a:t>
+            </a:r>
+          </a:p>
+          <a:p>
+            <a:pPr>
+              <a:lnSpc>
+                <a:spcPct val="80000"/>
+              </a:lnSpc>
+            </a:pPr>
+            <a:r>
+              <a:rPr lang="en-US" altLang="zh-TW" sz="2800" dirty="0">
+                <a:ea typeface="新細明體" pitchFamily="18" charset="-120"/>
+              </a:rPr>
+              <a:t>      &lt;option value</a:t>
+            </a:r>
+            <a:r>
+              <a:rPr lang="en-US" altLang="zh-TW" sz="2800" dirty="0" smtClean="0">
+                <a:ea typeface="新細明體" pitchFamily="18" charset="-120"/>
+              </a:rPr>
+              <a:t>=</a:t>
+            </a:r>
+            <a:r>
+              <a:rPr lang="mr-IN" altLang="zh-TW" sz="2800" dirty="0" smtClean="0">
+                <a:ea typeface="新細明體" pitchFamily="18" charset="-120"/>
+              </a:rPr>
+              <a:t>"</a:t>
+            </a:r>
+            <a:r>
+              <a:rPr lang="en-US" altLang="zh-TW" sz="2800" dirty="0" err="1" smtClean="0">
+                <a:ea typeface="新細明體" pitchFamily="18" charset="-120"/>
+              </a:rPr>
+              <a:t>mo</a:t>
+            </a:r>
+            <a:r>
+              <a:rPr lang="mr-IN" altLang="zh-TW" sz="2800" dirty="0" smtClean="0">
+                <a:ea typeface="新細明體" pitchFamily="18" charset="-120"/>
+              </a:rPr>
+              <a:t>"</a:t>
+            </a:r>
+            <a:r>
+              <a:rPr lang="en-US" altLang="zh-TW" sz="2800" dirty="0" smtClean="0">
+                <a:ea typeface="新細明體" pitchFamily="18" charset="-120"/>
+              </a:rPr>
+              <a:t>&gt;</a:t>
+            </a:r>
+            <a:r>
+              <a:rPr lang="en-US" altLang="zh-TW" sz="2800" dirty="0">
+                <a:ea typeface="新細明體" pitchFamily="18" charset="-120"/>
+              </a:rPr>
+              <a:t>Macau&lt;/option&gt;</a:t>
+            </a:r>
+          </a:p>
+          <a:p>
+            <a:pPr>
+              <a:lnSpc>
+                <a:spcPct val="80000"/>
+              </a:lnSpc>
+            </a:pPr>
+            <a:r>
+              <a:rPr lang="en-US" altLang="zh-TW" sz="2800" dirty="0">
+                <a:ea typeface="新細明體" pitchFamily="18" charset="-120"/>
+              </a:rPr>
+              <a:t>    &lt;/select&gt;</a:t>
+            </a:r>
+            <a:endParaRPr lang="en-US" altLang="zh-TW" sz="2800" dirty="0" smtClean="0">
+              <a:ea typeface="新細明體" pitchFamily="18" charset="-120"/>
+            </a:endParaRPr>
           </a:p>
         </p:txBody>
       </p:sp>
     </p:spTree>
     <p:extLst>
       <p:ext uri="{BB962C8B-B14F-4D97-AF65-F5344CB8AC3E}">
-        <p14:creationId xmlns:p14="http://schemas.microsoft.com/office/powerpoint/2010/main" val="1264135919"/>
+        <p14:creationId xmlns:p14="http://schemas.microsoft.com/office/powerpoint/2010/main" val="1194663190"/>
       </p:ext>
     </p:extLst>
   </p:cSld>
@@ -16922,7 +16955,7 @@
       </p:grpSpPr>
       <p:sp>
         <p:nvSpPr>
-          <p:cNvPr id="21506" name="Rectangle 2"/>
+          <p:cNvPr id="20482" name="Rectangle 2"/>
           <p:cNvSpPr>
             <a:spLocks noGrp="1" noChangeArrowheads="1"/>
           </p:cNvSpPr>
@@ -16942,14 +16975,14 @@
               <a:rPr lang="en-US" altLang="zh-TW" smtClean="0">
                 <a:latin typeface="Times New Roman" pitchFamily="18" charset="0"/>
               </a:rPr>
-              <a:t>Buttons example</a:t>
-            </a:r>
-          </a:p>
-        </p:txBody>
-      </p:sp>
-      <p:sp>
-        <p:nvSpPr>
-          <p:cNvPr id="31747" name="Rectangle 3"/>
+              <a:t>Buttons</a:t>
+            </a:r>
+          </a:p>
+        </p:txBody>
+      </p:sp>
+      <p:sp>
+        <p:nvSpPr>
+          <p:cNvPr id="30723" name="Rectangle 3"/>
           <p:cNvSpPr>
             <a:spLocks noGrp="1" noChangeArrowheads="1"/>
           </p:cNvSpPr>
@@ -16963,323 +16996,42 @@
           <a:lstStyle/>
           <a:p>
             <a:r>
-              <a:rPr lang="en-US" altLang="zh-TW" dirty="0">
-                <a:ea typeface="新細明體" pitchFamily="18" charset="-120"/>
-              </a:rPr>
-              <a:t>&lt;input type</a:t>
-            </a:r>
-            <a:r>
-              <a:rPr lang="en-US" altLang="zh-TW" dirty="0" smtClean="0">
-                <a:ea typeface="新細明體" pitchFamily="18" charset="-120"/>
-              </a:rPr>
-              <a:t>=</a:t>
-            </a:r>
-            <a:r>
-              <a:rPr lang="mr-IN" altLang="zh-TW" dirty="0" smtClean="0">
-                <a:ea typeface="新細明體" pitchFamily="18" charset="-120"/>
-              </a:rPr>
-              <a:t>"</a:t>
-            </a:r>
-            <a:r>
-              <a:rPr lang="en-US" altLang="zh-TW" dirty="0" smtClean="0">
-                <a:ea typeface="新細明體" pitchFamily="18" charset="-120"/>
-              </a:rPr>
-              <a:t>submit</a:t>
-            </a:r>
-            <a:r>
-              <a:rPr lang="mr-IN" altLang="zh-TW" dirty="0" smtClean="0">
-                <a:ea typeface="新細明體" pitchFamily="18" charset="-120"/>
-              </a:rPr>
-              <a:t>"</a:t>
-            </a:r>
-            <a:r>
-              <a:rPr lang="en-US" altLang="zh-TW" dirty="0" smtClean="0">
-                <a:ea typeface="新細明體" pitchFamily="18" charset="-120"/>
-              </a:rPr>
-              <a:t> </a:t>
-            </a:r>
-            <a:r>
-              <a:rPr lang="en-US" altLang="zh-TW" dirty="0">
-                <a:ea typeface="新細明體" pitchFamily="18" charset="-120"/>
-              </a:rPr>
-              <a:t>name</a:t>
-            </a:r>
-            <a:r>
-              <a:rPr lang="en-US" altLang="zh-TW" dirty="0" smtClean="0">
-                <a:ea typeface="新細明體" pitchFamily="18" charset="-120"/>
-              </a:rPr>
-              <a:t>=</a:t>
-            </a:r>
-            <a:r>
-              <a:rPr lang="mr-IN" altLang="zh-TW" dirty="0" smtClean="0">
-                <a:ea typeface="新細明體" pitchFamily="18" charset="-120"/>
-              </a:rPr>
-              <a:t>"</a:t>
-            </a:r>
-            <a:r>
-              <a:rPr lang="en-US" altLang="zh-TW" dirty="0" smtClean="0">
-                <a:ea typeface="新細明體" pitchFamily="18" charset="-120"/>
-              </a:rPr>
-              <a:t>submit</a:t>
-            </a:r>
-            <a:r>
-              <a:rPr lang="mr-IN" altLang="zh-TW" dirty="0" smtClean="0">
-                <a:ea typeface="新細明體" pitchFamily="18" charset="-120"/>
-              </a:rPr>
-              <a:t>"</a:t>
-            </a:r>
-            <a:r>
-              <a:rPr lang="en-US" altLang="zh-TW" dirty="0" smtClean="0">
-                <a:ea typeface="新細明體" pitchFamily="18" charset="-120"/>
-              </a:rPr>
-              <a:t> </a:t>
-            </a:r>
-            <a:r>
-              <a:rPr lang="en-US" altLang="zh-TW" dirty="0">
-                <a:ea typeface="新細明體" pitchFamily="18" charset="-120"/>
-              </a:rPr>
-              <a:t>id</a:t>
-            </a:r>
-            <a:r>
-              <a:rPr lang="en-US" altLang="zh-TW" dirty="0" smtClean="0">
-                <a:ea typeface="新細明體" pitchFamily="18" charset="-120"/>
-              </a:rPr>
-              <a:t>=</a:t>
-            </a:r>
-            <a:r>
-              <a:rPr lang="mr-IN" altLang="zh-TW" dirty="0" smtClean="0">
-                <a:ea typeface="新細明體" pitchFamily="18" charset="-120"/>
-              </a:rPr>
-              <a:t>"</a:t>
-            </a:r>
-            <a:r>
-              <a:rPr lang="en-US" altLang="zh-TW" dirty="0" smtClean="0">
-                <a:ea typeface="新細明體" pitchFamily="18" charset="-120"/>
-              </a:rPr>
-              <a:t>submit</a:t>
-            </a:r>
-            <a:r>
-              <a:rPr lang="mr-IN" altLang="zh-TW" dirty="0" smtClean="0">
-                <a:ea typeface="新細明體" pitchFamily="18" charset="-120"/>
-              </a:rPr>
-              <a:t>"</a:t>
-            </a:r>
-            <a:r>
-              <a:rPr lang="en-US" altLang="zh-TW" dirty="0" smtClean="0">
-                <a:ea typeface="新細明體" pitchFamily="18" charset="-120"/>
-              </a:rPr>
-              <a:t> </a:t>
-            </a:r>
-            <a:r>
-              <a:rPr lang="en-US" altLang="zh-TW" dirty="0">
-                <a:ea typeface="新細明體" pitchFamily="18" charset="-120"/>
-              </a:rPr>
-              <a:t>value</a:t>
-            </a:r>
-            <a:r>
-              <a:rPr lang="en-US" altLang="zh-TW" dirty="0" smtClean="0">
-                <a:ea typeface="新細明體" pitchFamily="18" charset="-120"/>
-              </a:rPr>
-              <a:t>=</a:t>
-            </a:r>
-            <a:r>
-              <a:rPr lang="mr-IN" altLang="zh-TW" dirty="0" smtClean="0">
-                <a:ea typeface="新細明體" pitchFamily="18" charset="-120"/>
-              </a:rPr>
-              <a:t>"</a:t>
-            </a:r>
-            <a:r>
-              <a:rPr lang="en-US" altLang="zh-TW" dirty="0" smtClean="0">
-                <a:ea typeface="新細明體" pitchFamily="18" charset="-120"/>
-              </a:rPr>
-              <a:t>Submit</a:t>
-            </a:r>
-            <a:r>
-              <a:rPr lang="mr-IN" altLang="zh-TW" dirty="0" smtClean="0">
-                <a:ea typeface="新細明體" pitchFamily="18" charset="-120"/>
-              </a:rPr>
-              <a:t>"</a:t>
-            </a:r>
-            <a:r>
-              <a:rPr lang="en-US" altLang="zh-TW" dirty="0" smtClean="0">
-                <a:ea typeface="新細明體" pitchFamily="18" charset="-120"/>
-              </a:rPr>
-              <a:t> </a:t>
-            </a:r>
-            <a:r>
-              <a:rPr lang="en-US" altLang="zh-TW" dirty="0">
-                <a:ea typeface="新細明體" pitchFamily="18" charset="-120"/>
-              </a:rPr>
-              <a:t>/&gt;</a:t>
-            </a:r>
-          </a:p>
-          <a:p>
-            <a:r>
-              <a:rPr lang="en-US" altLang="zh-TW" dirty="0" smtClean="0">
-                <a:ea typeface="新細明體" pitchFamily="18" charset="-120"/>
-              </a:rPr>
-              <a:t>&lt;</a:t>
-            </a:r>
-            <a:r>
-              <a:rPr lang="en-US" altLang="zh-TW" dirty="0">
-                <a:ea typeface="新細明體" pitchFamily="18" charset="-120"/>
-              </a:rPr>
-              <a:t>input type</a:t>
-            </a:r>
-            <a:r>
-              <a:rPr lang="en-US" altLang="zh-TW" dirty="0" smtClean="0">
-                <a:ea typeface="新細明體" pitchFamily="18" charset="-120"/>
-              </a:rPr>
-              <a:t>=</a:t>
-            </a:r>
-            <a:r>
-              <a:rPr lang="mr-IN" altLang="zh-TW" dirty="0" smtClean="0">
-                <a:ea typeface="新細明體" pitchFamily="18" charset="-120"/>
-              </a:rPr>
-              <a:t>"</a:t>
-            </a:r>
-            <a:r>
-              <a:rPr lang="en-US" altLang="zh-TW" dirty="0" smtClean="0">
-                <a:ea typeface="新細明體" pitchFamily="18" charset="-120"/>
-              </a:rPr>
-              <a:t>reset</a:t>
-            </a:r>
-            <a:r>
-              <a:rPr lang="mr-IN" altLang="zh-TW" dirty="0" smtClean="0">
-                <a:ea typeface="新細明體" pitchFamily="18" charset="-120"/>
-              </a:rPr>
-              <a:t>"</a:t>
-            </a:r>
-            <a:r>
-              <a:rPr lang="en-US" altLang="zh-TW" dirty="0" smtClean="0">
-                <a:ea typeface="新細明體" pitchFamily="18" charset="-120"/>
-              </a:rPr>
-              <a:t> </a:t>
-            </a:r>
-            <a:r>
-              <a:rPr lang="en-US" altLang="zh-TW" dirty="0">
-                <a:ea typeface="新細明體" pitchFamily="18" charset="-120"/>
-              </a:rPr>
-              <a:t>name</a:t>
-            </a:r>
-            <a:r>
-              <a:rPr lang="en-US" altLang="zh-TW" dirty="0" smtClean="0">
-                <a:ea typeface="新細明體" pitchFamily="18" charset="-120"/>
-              </a:rPr>
-              <a:t>=</a:t>
-            </a:r>
-            <a:r>
-              <a:rPr lang="mr-IN" altLang="zh-TW" dirty="0" smtClean="0">
-                <a:ea typeface="新細明體" pitchFamily="18" charset="-120"/>
-              </a:rPr>
-              <a:t>"</a:t>
-            </a:r>
-            <a:r>
-              <a:rPr lang="en-US" altLang="zh-TW" dirty="0" smtClean="0">
-                <a:ea typeface="新細明體" pitchFamily="18" charset="-120"/>
-              </a:rPr>
-              <a:t>reset</a:t>
-            </a:r>
-            <a:r>
-              <a:rPr lang="mr-IN" altLang="zh-TW" dirty="0" smtClean="0">
-                <a:ea typeface="新細明體" pitchFamily="18" charset="-120"/>
-              </a:rPr>
-              <a:t>"</a:t>
-            </a:r>
-            <a:r>
-              <a:rPr lang="en-US" altLang="zh-TW" dirty="0" smtClean="0">
-                <a:ea typeface="新細明體" pitchFamily="18" charset="-120"/>
-              </a:rPr>
-              <a:t> </a:t>
-            </a:r>
-            <a:r>
-              <a:rPr lang="en-US" altLang="zh-TW" dirty="0">
-                <a:ea typeface="新細明體" pitchFamily="18" charset="-120"/>
-              </a:rPr>
-              <a:t>id</a:t>
-            </a:r>
-            <a:r>
-              <a:rPr lang="en-US" altLang="zh-TW" dirty="0" smtClean="0">
-                <a:ea typeface="新細明體" pitchFamily="18" charset="-120"/>
-              </a:rPr>
-              <a:t>=</a:t>
-            </a:r>
-            <a:r>
-              <a:rPr lang="mr-IN" altLang="zh-TW" dirty="0" smtClean="0">
-                <a:ea typeface="新細明體" pitchFamily="18" charset="-120"/>
-              </a:rPr>
-              <a:t>"</a:t>
-            </a:r>
-            <a:r>
-              <a:rPr lang="en-US" altLang="zh-TW" dirty="0" smtClean="0">
-                <a:ea typeface="新細明體" pitchFamily="18" charset="-120"/>
-              </a:rPr>
-              <a:t>reset</a:t>
-            </a:r>
-            <a:r>
-              <a:rPr lang="mr-IN" altLang="zh-TW" dirty="0" smtClean="0">
-                <a:ea typeface="新細明體" pitchFamily="18" charset="-120"/>
-              </a:rPr>
-              <a:t>"</a:t>
-            </a:r>
-            <a:r>
-              <a:rPr lang="en-US" altLang="zh-TW" dirty="0" smtClean="0">
-                <a:ea typeface="新細明體" pitchFamily="18" charset="-120"/>
-              </a:rPr>
-              <a:t> </a:t>
-            </a:r>
-            <a:r>
-              <a:rPr lang="en-US" altLang="zh-TW" dirty="0">
-                <a:ea typeface="新細明體" pitchFamily="18" charset="-120"/>
-              </a:rPr>
-              <a:t>value</a:t>
-            </a:r>
-            <a:r>
-              <a:rPr lang="en-US" altLang="zh-TW" dirty="0" smtClean="0">
-                <a:ea typeface="新細明體" pitchFamily="18" charset="-120"/>
-              </a:rPr>
-              <a:t>=</a:t>
-            </a:r>
-            <a:r>
-              <a:rPr lang="mr-IN" altLang="zh-TW" dirty="0" smtClean="0">
-                <a:ea typeface="新細明體" pitchFamily="18" charset="-120"/>
-              </a:rPr>
-              <a:t>"</a:t>
-            </a:r>
-            <a:r>
-              <a:rPr lang="en-US" altLang="zh-TW" dirty="0" smtClean="0">
-                <a:ea typeface="新細明體" pitchFamily="18" charset="-120"/>
-              </a:rPr>
-              <a:t>Reset</a:t>
-            </a:r>
-            <a:r>
-              <a:rPr lang="mr-IN" altLang="zh-TW" dirty="0" smtClean="0">
-                <a:ea typeface="新細明體" pitchFamily="18" charset="-120"/>
-              </a:rPr>
-              <a:t>"</a:t>
-            </a:r>
-            <a:r>
-              <a:rPr lang="en-US" altLang="zh-TW" dirty="0" smtClean="0">
-                <a:ea typeface="新細明體" pitchFamily="18" charset="-120"/>
-              </a:rPr>
-              <a:t> </a:t>
-            </a:r>
-            <a:r>
-              <a:rPr lang="en-US" altLang="zh-TW" dirty="0">
-                <a:ea typeface="新細明體" pitchFamily="18" charset="-120"/>
-              </a:rPr>
-              <a:t>/&gt;</a:t>
-            </a:r>
-            <a:endParaRPr lang="en-US" altLang="zh-TW" dirty="0" smtClean="0">
-              <a:ea typeface="新細明體" pitchFamily="18" charset="-120"/>
-            </a:endParaRPr>
+              <a:rPr lang="en-US" altLang="zh-TW" smtClean="0">
+                <a:ea typeface="新細明體" pitchFamily="18" charset="-120"/>
+              </a:rPr>
+              <a:t>three types of buttons – submit, reset, push</a:t>
+            </a:r>
+          </a:p>
+          <a:p>
+            <a:r>
+              <a:rPr lang="en-US" altLang="zh-TW" smtClean="0">
+                <a:ea typeface="新細明體" pitchFamily="18" charset="-120"/>
+              </a:rPr>
+              <a:t>Submit button - when activated, it submits a form</a:t>
+            </a:r>
+          </a:p>
+          <a:p>
+            <a:r>
+              <a:rPr lang="en-US" altLang="zh-TW" smtClean="0">
+                <a:ea typeface="新細明體" pitchFamily="18" charset="-120"/>
+              </a:rPr>
+              <a:t>Reset button - when activated, it resets all controls to their initial values</a:t>
+            </a:r>
+          </a:p>
+          <a:p>
+            <a:r>
+              <a:rPr lang="en-US" altLang="zh-TW" smtClean="0">
+                <a:ea typeface="新細明體" pitchFamily="18" charset="-120"/>
+              </a:rPr>
+              <a:t>Push button - each push button may have client-side scripts associated with the element's event attributes</a:t>
+            </a:r>
           </a:p>
         </p:txBody>
       </p:sp>
     </p:spTree>
     <p:extLst>
       <p:ext uri="{BB962C8B-B14F-4D97-AF65-F5344CB8AC3E}">
-        <p14:creationId xmlns:p14="http://schemas.microsoft.com/office/powerpoint/2010/main" val="1498060457"/>
+        <p14:creationId xmlns:p14="http://schemas.microsoft.com/office/powerpoint/2010/main" val="1264135919"/>
       </p:ext>
     </p:extLst>
   </p:cSld>
@@ -17318,7 +17070,7 @@
       </p:grpSpPr>
       <p:sp>
         <p:nvSpPr>
-          <p:cNvPr id="22530" name="Rectangle 2"/>
+          <p:cNvPr id="21506" name="Rectangle 2"/>
           <p:cNvSpPr>
             <a:spLocks noGrp="1" noChangeArrowheads="1"/>
           </p:cNvSpPr>
@@ -17338,14 +17090,14 @@
               <a:rPr lang="en-US" altLang="zh-TW" smtClean="0">
                 <a:latin typeface="Times New Roman" pitchFamily="18" charset="0"/>
               </a:rPr>
-              <a:t>Hidden controls</a:t>
-            </a:r>
-          </a:p>
-        </p:txBody>
-      </p:sp>
-      <p:sp>
-        <p:nvSpPr>
-          <p:cNvPr id="32771" name="Rectangle 3"/>
+              <a:t>Buttons example</a:t>
+            </a:r>
+          </a:p>
+        </p:txBody>
+      </p:sp>
+      <p:sp>
+        <p:nvSpPr>
+          <p:cNvPr id="31747" name="Rectangle 3"/>
           <p:cNvSpPr>
             <a:spLocks noGrp="1" noChangeArrowheads="1"/>
           </p:cNvSpPr>
@@ -17359,18 +17111,46 @@
           <a:lstStyle/>
           <a:p>
             <a:r>
+              <a:rPr lang="en-US" altLang="zh-TW" dirty="0">
+                <a:ea typeface="新細明體" pitchFamily="18" charset="-120"/>
+              </a:rPr>
+              <a:t>&lt;input type</a:t>
+            </a:r>
+            <a:r>
               <a:rPr lang="en-US" altLang="zh-TW" dirty="0" smtClean="0">
                 <a:ea typeface="新細明體" pitchFamily="18" charset="-120"/>
               </a:rPr>
-              <a:t>controls that are not rendered but whose values are submitted with a form</a:t>
-            </a:r>
-          </a:p>
-          <a:p>
+              <a:t>=</a:t>
+            </a:r>
+            <a:r>
+              <a:rPr lang="mr-IN" altLang="zh-TW" dirty="0" smtClean="0">
+                <a:ea typeface="新細明體" pitchFamily="18" charset="-120"/>
+              </a:rPr>
+              <a:t>"</a:t>
+            </a:r>
+            <a:r>
+              <a:rPr lang="en-US" altLang="zh-TW" dirty="0" smtClean="0">
+                <a:ea typeface="新細明體" pitchFamily="18" charset="-120"/>
+              </a:rPr>
+              <a:t>submit</a:t>
+            </a:r>
+            <a:r>
+              <a:rPr lang="mr-IN" altLang="zh-TW" dirty="0" smtClean="0">
+                <a:ea typeface="新細明體" pitchFamily="18" charset="-120"/>
+              </a:rPr>
+              <a:t>"</a:t>
+            </a:r>
+            <a:r>
+              <a:rPr lang="en-US" altLang="zh-TW" dirty="0" smtClean="0">
+                <a:ea typeface="新細明體" pitchFamily="18" charset="-120"/>
+              </a:rPr>
+              <a:t> </a:t>
+            </a:r>
             <a:r>
               <a:rPr lang="en-US" altLang="zh-TW" dirty="0">
                 <a:ea typeface="新細明體" pitchFamily="18" charset="-120"/>
               </a:rPr>
-              <a:t>&lt;input name</a:t>
+              <a:t>name</a:t>
             </a:r>
             <a:r>
               <a:rPr lang="en-US" altLang="zh-TW" dirty="0" smtClean="0">
@@ -17388,7 +17168,7 @@
               <a:rPr lang="en-US" altLang="zh-TW" dirty="0" smtClean="0">
                 <a:ea typeface="新細明體" pitchFamily="18" charset="-120"/>
               </a:rPr>
-              <a:t>from</a:t>
+              <a:t>submit</a:t>
             </a:r>
             <a:r>
               <a:rPr lang="mr-IN" altLang="zh-TW" dirty="0" smtClean="0">
@@ -17406,7 +17186,7 @@
               <a:rPr lang="en-US" altLang="zh-TW" dirty="0">
                 <a:ea typeface="新細明體" pitchFamily="18" charset="-120"/>
               </a:rPr>
-              <a:t>type</a:t>
+              <a:t>id</a:t>
             </a:r>
             <a:r>
               <a:rPr lang="en-US" altLang="zh-TW" dirty="0" smtClean="0">
@@ -17424,7 +17204,7 @@
               <a:rPr lang="en-US" altLang="zh-TW" dirty="0" smtClean="0">
                 <a:ea typeface="新細明體" pitchFamily="18" charset="-120"/>
               </a:rPr>
-              <a:t>hidden</a:t>
+              <a:t>submit</a:t>
             </a:r>
             <a:r>
               <a:rPr lang="mr-IN" altLang="zh-TW" dirty="0" smtClean="0">
@@ -17436,7 +17216,19 @@
               <a:rPr lang="en-US" altLang="zh-TW" dirty="0" smtClean="0">
                 <a:ea typeface="新細明體" pitchFamily="18" charset="-120"/>
               </a:rPr>
-              <a:t> value=</a:t>
+              <a:t> </a:t>
+            </a:r>
+            <a:r>
+              <a:rPr lang="en-US" altLang="zh-TW" dirty="0">
+                <a:ea typeface="新細明體" pitchFamily="18" charset="-120"/>
+              </a:rPr>
+              <a:t>value</a:t>
+            </a:r>
+            <a:r>
+              <a:rPr lang="en-US" altLang="zh-TW" dirty="0" smtClean="0">
+                <a:ea typeface="新細明體" pitchFamily="18" charset="-120"/>
+              </a:rPr>
+              <a:t>=</a:t>
             </a:r>
             <a:r>
               <a:rPr lang="mr-IN" altLang="zh-TW" dirty="0" smtClean="0">
@@ -17448,7 +17240,165 @@
               <a:rPr lang="en-US" altLang="zh-TW" dirty="0" smtClean="0">
                 <a:ea typeface="新細明體" pitchFamily="18" charset="-120"/>
               </a:rPr>
-              <a:t>web</a:t>
+              <a:t>Submit</a:t>
+            </a:r>
+            <a:r>
+              <a:rPr lang="mr-IN" altLang="zh-TW" dirty="0" smtClean="0">
+                <a:ea typeface="新細明體" pitchFamily="18" charset="-120"/>
+              </a:rPr>
+              <a:t>"</a:t>
+            </a:r>
+            <a:r>
+              <a:rPr lang="en-US" altLang="zh-TW" dirty="0" smtClean="0">
+                <a:ea typeface="新細明體" pitchFamily="18" charset="-120"/>
+              </a:rPr>
+              <a:t> </a:t>
+            </a:r>
+            <a:r>
+              <a:rPr lang="en-US" altLang="zh-TW" dirty="0">
+                <a:ea typeface="新細明體" pitchFamily="18" charset="-120"/>
+              </a:rPr>
+              <a:t>/&gt;</a:t>
+            </a:r>
+          </a:p>
+          <a:p>
+            <a:r>
+              <a:rPr lang="en-US" altLang="zh-TW" dirty="0" smtClean="0">
+                <a:ea typeface="新細明體" pitchFamily="18" charset="-120"/>
+              </a:rPr>
+              <a:t>&lt;</a:t>
+            </a:r>
+            <a:r>
+              <a:rPr lang="en-US" altLang="zh-TW" dirty="0">
+                <a:ea typeface="新細明體" pitchFamily="18" charset="-120"/>
+              </a:rPr>
+              <a:t>input type</a:t>
+            </a:r>
+            <a:r>
+              <a:rPr lang="en-US" altLang="zh-TW" dirty="0" smtClean="0">
+                <a:ea typeface="新細明體" pitchFamily="18" charset="-120"/>
+              </a:rPr>
+              <a:t>=</a:t>
+            </a:r>
+            <a:r>
+              <a:rPr lang="mr-IN" altLang="zh-TW" dirty="0" smtClean="0">
+                <a:ea typeface="新細明體" pitchFamily="18" charset="-120"/>
+              </a:rPr>
+              <a:t>"</a:t>
+            </a:r>
+            <a:r>
+              <a:rPr lang="en-US" altLang="zh-TW" dirty="0" smtClean="0">
+                <a:ea typeface="新細明體" pitchFamily="18" charset="-120"/>
+              </a:rPr>
+              <a:t>reset</a:t>
+            </a:r>
+            <a:r>
+              <a:rPr lang="mr-IN" altLang="zh-TW" dirty="0" smtClean="0">
+                <a:ea typeface="新細明體" pitchFamily="18" charset="-120"/>
+              </a:rPr>
+              <a:t>"</a:t>
+            </a:r>
+            <a:r>
+              <a:rPr lang="en-US" altLang="zh-TW" dirty="0" smtClean="0">
+                <a:ea typeface="新細明體" pitchFamily="18" charset="-120"/>
+              </a:rPr>
+              <a:t> </a:t>
+            </a:r>
+            <a:r>
+              <a:rPr lang="en-US" altLang="zh-TW" dirty="0">
+                <a:ea typeface="新細明體" pitchFamily="18" charset="-120"/>
+              </a:rPr>
+              <a:t>name</a:t>
+            </a:r>
+            <a:r>
+              <a:rPr lang="en-US" altLang="zh-TW" dirty="0" smtClean="0">
+                <a:ea typeface="新細明體" pitchFamily="18" charset="-120"/>
+              </a:rPr>
+              <a:t>=</a:t>
+            </a:r>
+            <a:r>
+              <a:rPr lang="mr-IN" altLang="zh-TW" dirty="0" smtClean="0">
+                <a:ea typeface="新細明體" pitchFamily="18" charset="-120"/>
+              </a:rPr>
+              <a:t>"</a:t>
+            </a:r>
+            <a:r>
+              <a:rPr lang="en-US" altLang="zh-TW" dirty="0" smtClean="0">
+                <a:ea typeface="新細明體" pitchFamily="18" charset="-120"/>
+              </a:rPr>
+              <a:t>reset</a:t>
+            </a:r>
+            <a:r>
+              <a:rPr lang="mr-IN" altLang="zh-TW" dirty="0" smtClean="0">
+                <a:ea typeface="新細明體" pitchFamily="18" charset="-120"/>
+              </a:rPr>
+              <a:t>"</a:t>
+            </a:r>
+            <a:r>
+              <a:rPr lang="en-US" altLang="zh-TW" dirty="0" smtClean="0">
+                <a:ea typeface="新細明體" pitchFamily="18" charset="-120"/>
+              </a:rPr>
+              <a:t> </a:t>
+            </a:r>
+            <a:r>
+              <a:rPr lang="en-US" altLang="zh-TW" dirty="0">
+                <a:ea typeface="新細明體" pitchFamily="18" charset="-120"/>
+              </a:rPr>
+              <a:t>id</a:t>
+            </a:r>
+            <a:r>
+              <a:rPr lang="en-US" altLang="zh-TW" dirty="0" smtClean="0">
+                <a:ea typeface="新細明體" pitchFamily="18" charset="-120"/>
+              </a:rPr>
+              <a:t>=</a:t>
+            </a:r>
+            <a:r>
+              <a:rPr lang="mr-IN" altLang="zh-TW" dirty="0" smtClean="0">
+                <a:ea typeface="新細明體" pitchFamily="18" charset="-120"/>
+              </a:rPr>
+              <a:t>"</a:t>
+            </a:r>
+            <a:r>
+              <a:rPr lang="en-US" altLang="zh-TW" dirty="0" smtClean="0">
+                <a:ea typeface="新細明體" pitchFamily="18" charset="-120"/>
+              </a:rPr>
+              <a:t>reset</a:t>
+            </a:r>
+            <a:r>
+              <a:rPr lang="mr-IN" altLang="zh-TW" dirty="0" smtClean="0">
+                <a:ea typeface="新細明體" pitchFamily="18" charset="-120"/>
+              </a:rPr>
+              <a:t>"</a:t>
+            </a:r>
+            <a:r>
+              <a:rPr lang="en-US" altLang="zh-TW" dirty="0" smtClean="0">
+                <a:ea typeface="新細明體" pitchFamily="18" charset="-120"/>
+              </a:rPr>
+              <a:t> </a:t>
+            </a:r>
+            <a:r>
+              <a:rPr lang="en-US" altLang="zh-TW" dirty="0">
+                <a:ea typeface="新細明體" pitchFamily="18" charset="-120"/>
+              </a:rPr>
+              <a:t>value</a:t>
+            </a:r>
+            <a:r>
+              <a:rPr lang="en-US" altLang="zh-TW" dirty="0" smtClean="0">
+                <a:ea typeface="新細明體" pitchFamily="18" charset="-120"/>
+              </a:rPr>
+              <a:t>=</a:t>
+            </a:r>
+            <a:r>
+              <a:rPr lang="mr-IN" altLang="zh-TW" dirty="0" smtClean="0">
+                <a:ea typeface="新細明體" pitchFamily="18" charset="-120"/>
+              </a:rPr>
+              <a:t>"</a:t>
+            </a:r>
+            <a:r>
+              <a:rPr lang="en-US" altLang="zh-TW" dirty="0" smtClean="0">
+                <a:ea typeface="新細明體" pitchFamily="18" charset="-120"/>
+              </a:rPr>
+              <a:t>Reset</a:t>
             </a:r>
             <a:r>
               <a:rPr lang="mr-IN" altLang="zh-TW" dirty="0" smtClean="0">
@@ -17477,7 +17427,7 @@
     </p:spTree>
     <p:extLst>
       <p:ext uri="{BB962C8B-B14F-4D97-AF65-F5344CB8AC3E}">
-        <p14:creationId xmlns:p14="http://schemas.microsoft.com/office/powerpoint/2010/main" val="39773120"/>
+        <p14:creationId xmlns:p14="http://schemas.microsoft.com/office/powerpoint/2010/main" val="1498060457"/>
       </p:ext>
     </p:extLst>
   </p:cSld>
@@ -17516,7 +17466,7 @@
       </p:grpSpPr>
       <p:sp>
         <p:nvSpPr>
-          <p:cNvPr id="23554" name="Rectangle 2"/>
+          <p:cNvPr id="22530" name="Rectangle 2"/>
           <p:cNvSpPr>
             <a:spLocks noGrp="1" noChangeArrowheads="1"/>
           </p:cNvSpPr>
@@ -17536,14 +17486,14 @@
               <a:rPr lang="en-US" altLang="zh-TW" smtClean="0">
                 <a:latin typeface="Times New Roman" pitchFamily="18" charset="0"/>
               </a:rPr>
-              <a:t>Finally!</a:t>
-            </a:r>
-          </a:p>
-        </p:txBody>
-      </p:sp>
-      <p:sp>
-        <p:nvSpPr>
-          <p:cNvPr id="33795" name="Rectangle 3"/>
+              <a:t>Hidden controls</a:t>
+            </a:r>
+          </a:p>
+        </p:txBody>
+      </p:sp>
+      <p:sp>
+        <p:nvSpPr>
+          <p:cNvPr id="32771" name="Rectangle 3"/>
           <p:cNvSpPr>
             <a:spLocks noGrp="1" noChangeArrowheads="1"/>
           </p:cNvSpPr>
@@ -17560,15 +17510,21 @@
               <a:rPr lang="en-US" altLang="zh-TW" dirty="0" smtClean="0">
                 <a:ea typeface="新細明體" pitchFamily="18" charset="-120"/>
               </a:rPr>
-              <a:t>To send the input data back to server, make sure have an action.</a:t>
-            </a:r>
-          </a:p>
-          <a:p>
+              <a:t>controls that are not rendered but whose values are submitted with a form</a:t>
+            </a:r>
+          </a:p>
+          <a:p>
+            <a:r>
+              <a:rPr lang="en-US" altLang="zh-TW" dirty="0">
+                <a:ea typeface="新細明體" pitchFamily="18" charset="-120"/>
+              </a:rPr>
+              <a:t>&lt;input name</a:t>
+            </a:r>
             <a:r>
               <a:rPr lang="en-US" altLang="zh-TW" dirty="0" smtClean="0">
                 <a:ea typeface="新細明體" pitchFamily="18" charset="-120"/>
               </a:rPr>
-              <a:t>&lt;form action=</a:t>
+              <a:t>=</a:t>
             </a:r>
             <a:r>
               <a:rPr lang="mr-IN" altLang="zh-TW" dirty="0" smtClean="0">
@@ -17577,10 +17533,10 @@
               <a:t>"</a:t>
             </a:r>
             <a:r>
-              <a:rPr lang="en-US" altLang="zh-TW" dirty="0" err="1" smtClean="0">
-                <a:ea typeface="新細明體" pitchFamily="18" charset="-120"/>
-              </a:rPr>
-              <a:t>file.php</a:t>
+              <a:rPr lang="en-US" altLang="zh-TW" dirty="0" smtClean="0">
+                <a:ea typeface="新細明體" pitchFamily="18" charset="-120"/>
+              </a:rPr>
+              <a:t>from</a:t>
             </a:r>
             <a:r>
               <a:rPr lang="mr-IN" altLang="zh-TW" dirty="0" smtClean="0">
@@ -17592,37 +17548,84 @@
               <a:rPr lang="en-US" altLang="zh-TW" dirty="0" smtClean="0">
                 <a:ea typeface="新細明體" pitchFamily="18" charset="-120"/>
               </a:rPr>
-              <a:t>&gt;</a:t>
-            </a:r>
-          </a:p>
-          <a:p>
+              <a:t> </a:t>
+            </a:r>
+            <a:r>
+              <a:rPr lang="en-US" altLang="zh-TW" dirty="0">
+                <a:ea typeface="新細明體" pitchFamily="18" charset="-120"/>
+              </a:rPr>
+              <a:t>type</a:t>
+            </a:r>
             <a:r>
               <a:rPr lang="en-US" altLang="zh-TW" dirty="0" smtClean="0">
                 <a:ea typeface="新細明體" pitchFamily="18" charset="-120"/>
               </a:rPr>
-              <a:t>Make sure you </a:t>
+              <a:t>=</a:t>
+            </a:r>
+            <a:r>
+              <a:rPr lang="mr-IN" altLang="zh-TW" dirty="0" smtClean="0">
+                <a:ea typeface="新細明體" pitchFamily="18" charset="-120"/>
+              </a:rPr>
+              <a:t>"</a:t>
+            </a:r>
+            <a:r>
+              <a:rPr lang="en-US" altLang="zh-TW" dirty="0" smtClean="0">
+                <a:ea typeface="新細明體" pitchFamily="18" charset="-120"/>
+              </a:rPr>
+              <a:t>hidden</a:t>
+            </a:r>
+            <a:r>
+              <a:rPr lang="mr-IN" altLang="zh-TW" dirty="0" smtClean="0">
+                <a:ea typeface="新細明體" pitchFamily="18" charset="-120"/>
+              </a:rPr>
+              <a:t>"</a:t>
+            </a:r>
+            <a:r>
+              <a:rPr lang="en-US" altLang="zh-TW" dirty="0" smtClean="0">
+                <a:ea typeface="新細明體" pitchFamily="18" charset="-120"/>
+              </a:rPr>
+              <a:t> value=</a:t>
+            </a:r>
+            <a:r>
+              <a:rPr lang="mr-IN" altLang="zh-TW" dirty="0" smtClean="0">
+                <a:ea typeface="新細明體" pitchFamily="18" charset="-120"/>
+              </a:rPr>
+              <a:t>"</a:t>
+            </a:r>
+            <a:r>
+              <a:rPr lang="en-US" altLang="zh-TW" dirty="0" smtClean="0">
+                <a:ea typeface="新細明體" pitchFamily="18" charset="-120"/>
+              </a:rPr>
+              <a:t>web</a:t>
+            </a:r>
+            <a:r>
+              <a:rPr lang="mr-IN" altLang="zh-TW" dirty="0" smtClean="0">
+                <a:ea typeface="新細明體" pitchFamily="18" charset="-120"/>
+              </a:rPr>
+              <a:t>"</a:t>
+            </a:r>
+            <a:r>
+              <a:rPr lang="en-US" altLang="zh-TW" dirty="0" smtClean="0">
+                <a:ea typeface="新細明體" pitchFamily="18" charset="-120"/>
+              </a:rPr>
+              <a:t> </a:t>
             </a:r>
             <a:r>
               <a:rPr lang="en-US" altLang="zh-TW" dirty="0">
                 <a:ea typeface="新細明體" pitchFamily="18" charset="-120"/>
               </a:rPr>
-              <a:t>end your page with this:</a:t>
-            </a:r>
-          </a:p>
-          <a:p>
-            <a:r>
-              <a:rPr lang="en-US" altLang="zh-TW" dirty="0" smtClean="0">
-                <a:ea typeface="新細明體" pitchFamily="18" charset="-120"/>
-              </a:rPr>
-              <a:t>&lt;/form&gt;</a:t>
-            </a:r>
+              <a:t>/&gt;</a:t>
+            </a:r>
+            <a:endParaRPr lang="en-US" altLang="zh-TW" dirty="0" smtClean="0">
+              <a:ea typeface="新細明體" pitchFamily="18" charset="-120"/>
+            </a:endParaRPr>
           </a:p>
         </p:txBody>
       </p:sp>
     </p:spTree>
     <p:extLst>
       <p:ext uri="{BB962C8B-B14F-4D97-AF65-F5344CB8AC3E}">
-        <p14:creationId xmlns:p14="http://schemas.microsoft.com/office/powerpoint/2010/main" val="498973684"/>
+        <p14:creationId xmlns:p14="http://schemas.microsoft.com/office/powerpoint/2010/main" val="39773120"/>
       </p:ext>
     </p:extLst>
   </p:cSld>
@@ -17678,10 +17681,10 @@
               <a:defRPr/>
             </a:pPr>
             <a:r>
-              <a:rPr lang="en-US" altLang="zh-TW" dirty="0" smtClean="0">
-                <a:latin typeface="Times New Roman" pitchFamily="18" charset="0"/>
-              </a:rPr>
-              <a:t>Style</a:t>
+              <a:rPr lang="en-US" altLang="zh-TW" smtClean="0">
+                <a:latin typeface="Times New Roman" pitchFamily="18" charset="0"/>
+              </a:rPr>
+              <a:t>Finally!</a:t>
             </a:r>
           </a:p>
         </p:txBody>
@@ -17705,7 +17708,7 @@
               <a:rPr lang="en-US" altLang="zh-TW" dirty="0" smtClean="0">
                 <a:ea typeface="新細明體" pitchFamily="18" charset="-120"/>
               </a:rPr>
-              <a:t>You can add a table to tidy a form.</a:t>
+              <a:t>To send the input data back to server, make sure have an action.</a:t>
             </a:r>
           </a:p>
           <a:p>
@@ -17713,55 +17716,53 @@
               <a:rPr lang="en-US" altLang="zh-TW" dirty="0" smtClean="0">
                 <a:ea typeface="新細明體" pitchFamily="18" charset="-120"/>
               </a:rPr>
-              <a:t>Or use &lt;</a:t>
+              <a:t>&lt;form action=</a:t>
+            </a:r>
+            <a:r>
+              <a:rPr lang="mr-IN" altLang="zh-TW" dirty="0" smtClean="0">
+                <a:ea typeface="新細明體" pitchFamily="18" charset="-120"/>
+              </a:rPr>
+              <a:t>"</a:t>
             </a:r>
             <a:r>
               <a:rPr lang="en-US" altLang="zh-TW" dirty="0" err="1" smtClean="0">
                 <a:ea typeface="新細明體" pitchFamily="18" charset="-120"/>
               </a:rPr>
-              <a:t>dt</a:t>
+              <a:t>file.php</a:t>
+            </a:r>
+            <a:r>
+              <a:rPr lang="mr-IN" altLang="zh-TW" dirty="0" smtClean="0">
+                <a:ea typeface="新細明體" pitchFamily="18" charset="-120"/>
+              </a:rPr>
+              <a:t>"</a:t>
             </a:r>
             <a:r>
               <a:rPr lang="en-US" altLang="zh-TW" dirty="0" smtClean="0">
                 <a:ea typeface="新細明體" pitchFamily="18" charset="-120"/>
               </a:rPr>
-              <a:t>&gt;left&lt;/</a:t>
-            </a:r>
-            <a:r>
-              <a:rPr lang="en-US" altLang="zh-TW" dirty="0" err="1" smtClean="0">
-                <a:ea typeface="新細明體" pitchFamily="18" charset="-120"/>
-              </a:rPr>
-              <a:t>dt</a:t>
-            </a:r>
+              <a:t>&gt;</a:t>
+            </a:r>
+          </a:p>
+          <a:p>
             <a:r>
               <a:rPr lang="en-US" altLang="zh-TW" dirty="0" smtClean="0">
                 <a:ea typeface="新細明體" pitchFamily="18" charset="-120"/>
               </a:rPr>
-              <a:t>&gt;&lt;</a:t>
-            </a:r>
-            <a:r>
-              <a:rPr lang="en-US" altLang="zh-TW" dirty="0" err="1" smtClean="0">
-                <a:ea typeface="新細明體" pitchFamily="18" charset="-120"/>
-              </a:rPr>
-              <a:t>dd</a:t>
-            </a:r>
+              <a:t>Make sure you </a:t>
+            </a:r>
+            <a:r>
+              <a:rPr lang="en-US" altLang="zh-TW" dirty="0">
+                <a:ea typeface="新細明體" pitchFamily="18" charset="-120"/>
+              </a:rPr>
+              <a:t>end your page with this:</a:t>
+            </a:r>
+          </a:p>
+          <a:p>
             <a:r>
               <a:rPr lang="en-US" altLang="zh-TW" dirty="0" smtClean="0">
                 <a:ea typeface="新細明體" pitchFamily="18" charset="-120"/>
               </a:rPr>
-              <a:t>&gt;right&lt;/</a:t>
-            </a:r>
-            <a:r>
-              <a:rPr lang="en-US" altLang="zh-TW" dirty="0" err="1" smtClean="0">
-                <a:ea typeface="新細明體" pitchFamily="18" charset="-120"/>
-              </a:rPr>
-              <a:t>dd</a:t>
-            </a:r>
-            <a:r>
-              <a:rPr lang="en-US" altLang="zh-TW" dirty="0" smtClean="0">
-                <a:ea typeface="新細明體" pitchFamily="18" charset="-120"/>
-              </a:rPr>
-              <a:t>&gt; + CSS</a:t>
+              <a:t>&lt;/form&gt;</a:t>
             </a:r>
           </a:p>
         </p:txBody>
@@ -17769,7 +17770,7 @@
     </p:spTree>
     <p:extLst>
       <p:ext uri="{BB962C8B-B14F-4D97-AF65-F5344CB8AC3E}">
-        <p14:creationId xmlns:p14="http://schemas.microsoft.com/office/powerpoint/2010/main" val="1578415898"/>
+        <p14:creationId xmlns:p14="http://schemas.microsoft.com/office/powerpoint/2010/main" val="498973684"/>
       </p:ext>
     </p:extLst>
   </p:cSld>
@@ -17808,7 +17809,7 @@
       </p:grpSpPr>
       <p:sp>
         <p:nvSpPr>
-          <p:cNvPr id="200706" name="Rectangle 2050"/>
+          <p:cNvPr id="23554" name="Rectangle 2"/>
           <p:cNvSpPr>
             <a:spLocks noGrp="1" noChangeArrowheads="1"/>
           </p:cNvSpPr>
@@ -17821,22 +17822,21 @@
           <a:bodyPr/>
           <a:lstStyle/>
           <a:p>
-            <a:pPr eaLnBrk="1" hangingPunct="1">
+            <a:pPr>
               <a:defRPr/>
             </a:pPr>
             <a:r>
               <a:rPr lang="en-US" altLang="zh-TW" dirty="0" smtClean="0">
                 <a:latin typeface="Times New Roman" pitchFamily="18" charset="0"/>
-                <a:ea typeface="新細明體" pitchFamily="18" charset="-120"/>
-              </a:rPr>
-              <a:t>Create a birthday form</a:t>
-            </a:r>
-          </a:p>
-        </p:txBody>
-      </p:sp>
-      <p:sp>
-        <p:nvSpPr>
-          <p:cNvPr id="34819" name="Rectangle 2051"/>
+              </a:rPr>
+              <a:t>Style</a:t>
+            </a:r>
+          </a:p>
+        </p:txBody>
+      </p:sp>
+      <p:sp>
+        <p:nvSpPr>
+          <p:cNvPr id="33795" name="Rectangle 3"/>
           <p:cNvSpPr>
             <a:spLocks noGrp="1" noChangeArrowheads="1"/>
           </p:cNvSpPr>
@@ -17849,96 +17849,67 @@
           <a:bodyPr/>
           <a:lstStyle/>
           <a:p>
-            <a:pPr eaLnBrk="1" hangingPunct="1"/>
             <a:r>
               <a:rPr lang="en-US" altLang="zh-TW" dirty="0" smtClean="0">
                 <a:ea typeface="新細明體" pitchFamily="18" charset="-120"/>
               </a:rPr>
-              <a:t>Let user input the data from a form</a:t>
-            </a:r>
-          </a:p>
-          <a:p>
-            <a:pPr eaLnBrk="1" hangingPunct="1"/>
+              <a:t>You can add a table to tidy a form.</a:t>
+            </a:r>
+          </a:p>
+          <a:p>
             <a:r>
               <a:rPr lang="en-US" altLang="zh-TW" dirty="0" smtClean="0">
                 <a:ea typeface="新細明體" pitchFamily="18" charset="-120"/>
               </a:rPr>
-              <a:t>Name each field with the name</a:t>
-            </a:r>
-          </a:p>
-          <a:p>
-            <a:pPr eaLnBrk="1" hangingPunct="1"/>
+              <a:t>Or use &lt;</a:t>
+            </a:r>
+            <a:r>
+              <a:rPr lang="en-US" altLang="zh-TW" dirty="0" err="1" smtClean="0">
+                <a:ea typeface="新細明體" pitchFamily="18" charset="-120"/>
+              </a:rPr>
+              <a:t>dt</a:t>
+            </a:r>
             <a:r>
               <a:rPr lang="en-US" altLang="zh-TW" dirty="0" smtClean="0">
                 <a:ea typeface="新細明體" pitchFamily="18" charset="-120"/>
               </a:rPr>
-              <a:t>Insert a submit button and a reset button</a:t>
-            </a:r>
-          </a:p>
-          <a:p>
-            <a:pPr eaLnBrk="1" hangingPunct="1"/>
+              <a:t>&gt;left&lt;/</a:t>
+            </a:r>
+            <a:r>
+              <a:rPr lang="en-US" altLang="zh-TW" dirty="0" err="1" smtClean="0">
+                <a:ea typeface="新細明體" pitchFamily="18" charset="-120"/>
+              </a:rPr>
+              <a:t>dt</a:t>
+            </a:r>
             <a:r>
               <a:rPr lang="en-US" altLang="zh-TW" dirty="0" smtClean="0">
                 <a:ea typeface="新細明體" pitchFamily="18" charset="-120"/>
               </a:rPr>
-              <a:t>Save as bday.htm</a:t>
-            </a:r>
-          </a:p>
-          <a:p>
-            <a:pPr eaLnBrk="1" hangingPunct="1"/>
+              <a:t>&gt;&lt;</a:t>
+            </a:r>
+            <a:r>
+              <a:rPr lang="en-US" altLang="zh-TW" dirty="0" err="1" smtClean="0">
+                <a:ea typeface="新細明體" pitchFamily="18" charset="-120"/>
+              </a:rPr>
+              <a:t>dd</a:t>
+            </a:r>
             <a:r>
               <a:rPr lang="en-US" altLang="zh-TW" dirty="0" smtClean="0">
                 <a:ea typeface="新細明體" pitchFamily="18" charset="-120"/>
               </a:rPr>
-              <a:t>Set the form action to the same </a:t>
+              <a:t>&gt;right&lt;/</a:t>
             </a:r>
             <a:r>
               <a:rPr lang="en-US" altLang="zh-TW" dirty="0" err="1" smtClean="0">
                 <a:ea typeface="新細明體" pitchFamily="18" charset="-120"/>
               </a:rPr>
-              <a:t>filename.php</a:t>
-            </a:r>
-            <a:endParaRPr lang="en-US" altLang="zh-TW" dirty="0" smtClean="0">
-              <a:ea typeface="新細明體" pitchFamily="18" charset="-120"/>
-            </a:endParaRPr>
-          </a:p>
-          <a:p>
-            <a:pPr eaLnBrk="1" hangingPunct="1"/>
-            <a:r>
-              <a:rPr lang="en-US" altLang="zh-TW" dirty="0" err="1" smtClean="0">
-                <a:ea typeface="新細明體" pitchFamily="18" charset="-120"/>
-              </a:rPr>
-              <a:t>Eg</a:t>
+              <a:t>dd</a:t>
             </a:r>
             <a:r>
               <a:rPr lang="en-US" altLang="zh-TW" dirty="0" smtClean="0">
                 <a:ea typeface="新細明體" pitchFamily="18" charset="-120"/>
               </a:rPr>
-              <a:t>. &lt;form action=</a:t>
-            </a:r>
-            <a:r>
-              <a:rPr lang="mr-IN" altLang="zh-TW" dirty="0" smtClean="0">
-                <a:ea typeface="新細明體" pitchFamily="18" charset="-120"/>
-              </a:rPr>
-              <a:t>"</a:t>
-            </a:r>
-            <a:r>
-              <a:rPr lang="en-US" altLang="zh-TW" dirty="0" err="1" smtClean="0">
-                <a:ea typeface="新細明體" pitchFamily="18" charset="-120"/>
-              </a:rPr>
-              <a:t>bday.php</a:t>
-            </a:r>
-            <a:r>
-              <a:rPr lang="mr-IN" altLang="zh-TW" dirty="0" smtClean="0">
-                <a:ea typeface="新細明體" pitchFamily="18" charset="-120"/>
-              </a:rPr>
-              <a:t>"</a:t>
-            </a:r>
-            <a:r>
-              <a:rPr lang="en-US" altLang="zh-TW" dirty="0" smtClean="0">
-                <a:ea typeface="新細明體" pitchFamily="18" charset="-120"/>
-              </a:rPr>
-              <a:t>&gt;</a:t>
+              <a:t>&gt; + CSS</a:t>
             </a:r>
           </a:p>
         </p:txBody>
@@ -17946,7 +17917,7 @@
     </p:spTree>
     <p:extLst>
       <p:ext uri="{BB962C8B-B14F-4D97-AF65-F5344CB8AC3E}">
-        <p14:creationId xmlns:p14="http://schemas.microsoft.com/office/powerpoint/2010/main" val="2132299857"/>
+        <p14:creationId xmlns:p14="http://schemas.microsoft.com/office/powerpoint/2010/main" val="1578415898"/>
       </p:ext>
     </p:extLst>
   </p:cSld>
@@ -17956,6 +17927,13 @@
   <p:transition>
     <p:checker/>
   </p:transition>
+  <p:timing>
+    <p:tnLst>
+      <p:par>
+        <p:cTn id="1" dur="indefinite" restart="never" nodeType="tmRoot"/>
+      </p:par>
+    </p:tnLst>
+  </p:timing>
 </p:sld>
 </file>
 
@@ -17978,7 +17956,7 @@
       </p:grpSpPr>
       <p:sp>
         <p:nvSpPr>
-          <p:cNvPr id="203778" name="Rectangle 2"/>
+          <p:cNvPr id="200706" name="Rectangle 2050"/>
           <p:cNvSpPr>
             <a:spLocks noGrp="1" noChangeArrowheads="1"/>
           </p:cNvSpPr>
@@ -17995,18 +17973,18 @@
               <a:defRPr/>
             </a:pPr>
             <a:r>
-              <a:rPr lang="en-US" altLang="zh-TW" smtClean="0">
-                <a:latin typeface="Times New Roman" pitchFamily="18" charset="0"/>
-                <a:ea typeface="新細明體" pitchFamily="18" charset="-120"/>
-              </a:rPr>
-              <a:t>Getting input from users</a:t>
-            </a:r>
-          </a:p>
-        </p:txBody>
-      </p:sp>
-      <p:sp>
-        <p:nvSpPr>
-          <p:cNvPr id="37891" name="Rectangle 3"/>
+              <a:rPr lang="en-US" altLang="zh-TW" dirty="0" smtClean="0">
+                <a:latin typeface="Times New Roman" pitchFamily="18" charset="0"/>
+                <a:ea typeface="新細明體" pitchFamily="18" charset="-120"/>
+              </a:rPr>
+              <a:t>Create a birthday form</a:t>
+            </a:r>
+          </a:p>
+        </p:txBody>
+      </p:sp>
+      <p:sp>
+        <p:nvSpPr>
+          <p:cNvPr id="34819" name="Rectangle 2051"/>
           <p:cNvSpPr>
             <a:spLocks noGrp="1" noChangeArrowheads="1"/>
           </p:cNvSpPr>
@@ -18016,9 +17994,7 @@
         </p:nvSpPr>
         <p:spPr/>
         <p:txBody>
-          <a:bodyPr>
-            <a:normAutofit fontScale="92500" lnSpcReduction="20000"/>
-          </a:bodyPr>
+          <a:bodyPr/>
           <a:lstStyle/>
           <a:p>
             <a:pPr eaLnBrk="1" hangingPunct="1"/>
@@ -18026,46 +18002,49 @@
               <a:rPr lang="en-US" altLang="zh-TW" dirty="0" smtClean="0">
                 <a:ea typeface="新細明體" pitchFamily="18" charset="-120"/>
               </a:rPr>
-              <a:t>Download </a:t>
+              <a:t>Let user input the data from a form</a:t>
+            </a:r>
+          </a:p>
+          <a:p>
+            <a:pPr eaLnBrk="1" hangingPunct="1"/>
+            <a:r>
+              <a:rPr lang="en-US" altLang="zh-TW" dirty="0" smtClean="0">
+                <a:ea typeface="新細明體" pitchFamily="18" charset="-120"/>
+              </a:rPr>
+              <a:t>Name each field with the name</a:t>
+            </a:r>
+          </a:p>
+          <a:p>
+            <a:pPr eaLnBrk="1" hangingPunct="1"/>
+            <a:r>
+              <a:rPr lang="en-US" altLang="zh-TW" dirty="0" smtClean="0">
+                <a:ea typeface="新細明體" pitchFamily="18" charset="-120"/>
+              </a:rPr>
+              <a:t>Insert a submit button and a reset button</a:t>
+            </a:r>
+          </a:p>
+          <a:p>
+            <a:pPr eaLnBrk="1" hangingPunct="1"/>
+            <a:r>
+              <a:rPr lang="en-US" altLang="zh-TW" dirty="0" smtClean="0">
+                <a:ea typeface="新細明體" pitchFamily="18" charset="-120"/>
+              </a:rPr>
+              <a:t>Save as bday.htm</a:t>
+            </a:r>
+          </a:p>
+          <a:p>
+            <a:pPr eaLnBrk="1" hangingPunct="1"/>
+            <a:r>
+              <a:rPr lang="en-US" altLang="zh-TW" dirty="0" smtClean="0">
+                <a:ea typeface="新細明體" pitchFamily="18" charset="-120"/>
+              </a:rPr>
+              <a:t>Set the form action to the same </a:t>
             </a:r>
             <a:r>
               <a:rPr lang="en-US" altLang="zh-TW" dirty="0" err="1" smtClean="0">
                 <a:ea typeface="新細明體" pitchFamily="18" charset="-120"/>
               </a:rPr>
-              <a:t>birthday.php</a:t>
-            </a:r>
-            <a:r>
-              <a:rPr lang="en-US" altLang="zh-TW" dirty="0" smtClean="0">
-                <a:ea typeface="新細明體" pitchFamily="18" charset="-120"/>
-              </a:rPr>
-              <a:t> from ftp</a:t>
-            </a:r>
-          </a:p>
-          <a:p>
-            <a:pPr eaLnBrk="1" hangingPunct="1"/>
-            <a:r>
-              <a:rPr lang="en-US" altLang="zh-TW" dirty="0" smtClean="0">
-                <a:ea typeface="新細明體" pitchFamily="18" charset="-120"/>
-              </a:rPr>
-              <a:t>Open </a:t>
-            </a:r>
-            <a:r>
-              <a:rPr lang="en-US" altLang="zh-TW" dirty="0" err="1" smtClean="0">
-                <a:ea typeface="新細明體" pitchFamily="18" charset="-120"/>
-              </a:rPr>
-              <a:t>birthday.php</a:t>
-            </a:r>
-            <a:r>
-              <a:rPr lang="en-US" altLang="zh-TW" dirty="0" smtClean="0">
-                <a:ea typeface="新細明體" pitchFamily="18" charset="-120"/>
-              </a:rPr>
-              <a:t> and save as </a:t>
-            </a:r>
-            <a:r>
-              <a:rPr lang="en-US" altLang="zh-TW" dirty="0" err="1" smtClean="0">
-                <a:ea typeface="新細明體" pitchFamily="18" charset="-120"/>
-              </a:rPr>
-              <a:t>bday.php</a:t>
+              <a:t>filename.php</a:t>
             </a:r>
             <a:endParaRPr lang="en-US" altLang="zh-TW" dirty="0" smtClean="0">
               <a:ea typeface="新細明體" pitchFamily="18" charset="-120"/>
@@ -18074,103 +18053,40 @@
           <a:p>
             <a:pPr eaLnBrk="1" hangingPunct="1"/>
             <a:r>
+              <a:rPr lang="en-US" altLang="zh-TW" dirty="0" err="1" smtClean="0">
+                <a:ea typeface="新細明體" pitchFamily="18" charset="-120"/>
+              </a:rPr>
+              <a:t>Eg</a:t>
+            </a:r>
+            <a:r>
               <a:rPr lang="en-US" altLang="zh-TW" dirty="0" smtClean="0">
                 <a:ea typeface="新細明體" pitchFamily="18" charset="-120"/>
               </a:rPr>
-              <a:t>All the results are stored in variables</a:t>
-            </a:r>
-          </a:p>
-          <a:p>
-            <a:pPr eaLnBrk="1" hangingPunct="1"/>
+              <a:t>. &lt;form action=</a:t>
+            </a:r>
+            <a:r>
+              <a:rPr lang="mr-IN" altLang="zh-TW" dirty="0" smtClean="0">
+                <a:ea typeface="新細明體" pitchFamily="18" charset="-120"/>
+              </a:rPr>
+              <a:t>"</a:t>
+            </a:r>
+            <a:r>
+              <a:rPr lang="en-US" altLang="zh-TW" dirty="0" err="1" smtClean="0">
+                <a:ea typeface="新細明體" pitchFamily="18" charset="-120"/>
+              </a:rPr>
+              <a:t>bday.php</a:t>
+            </a:r>
+            <a:r>
+              <a:rPr lang="mr-IN" altLang="zh-TW" dirty="0" smtClean="0">
+                <a:ea typeface="新細明體" pitchFamily="18" charset="-120"/>
+              </a:rPr>
+              <a:t>"</a:t>
+            </a:r>
             <a:r>
               <a:rPr lang="en-US" altLang="zh-TW" dirty="0" smtClean="0">
                 <a:ea typeface="新細明體" pitchFamily="18" charset="-120"/>
               </a:rPr>
-              <a:t>Change the constant variable to user’s input</a:t>
-            </a:r>
-          </a:p>
-          <a:p>
-            <a:pPr eaLnBrk="1" hangingPunct="1"/>
-            <a:endParaRPr lang="en-US" altLang="zh-TW" dirty="0" smtClean="0">
-              <a:ea typeface="新細明體" pitchFamily="18" charset="-120"/>
-            </a:endParaRPr>
-          </a:p>
-          <a:p>
-            <a:pPr eaLnBrk="1" hangingPunct="1">
-              <a:buFont typeface="Wingdings" pitchFamily="2" charset="2"/>
-              <a:buNone/>
-            </a:pPr>
-            <a:r>
-              <a:rPr lang="en-US" altLang="zh-TW" sz="2400" dirty="0" smtClean="0">
-                <a:solidFill>
-                  <a:srgbClr val="FF0000"/>
-                </a:solidFill>
-                <a:ea typeface="新細明體" pitchFamily="18" charset="-120"/>
-              </a:rPr>
-              <a:t>$birthday=</a:t>
-            </a:r>
-            <a:r>
-              <a:rPr lang="mr-IN" altLang="zh-TW" sz="2400" dirty="0" smtClean="0">
-                <a:solidFill>
-                  <a:srgbClr val="FF0000"/>
-                </a:solidFill>
-                <a:ea typeface="新細明體" pitchFamily="18" charset="-120"/>
-              </a:rPr>
-              <a:t>"</a:t>
-            </a:r>
-            <a:r>
-              <a:rPr lang="en-US" altLang="zh-TW" sz="2400" dirty="0" smtClean="0">
-                <a:solidFill>
-                  <a:srgbClr val="FF0000"/>
-                </a:solidFill>
-                <a:ea typeface="新細明體" pitchFamily="18" charset="-120"/>
-              </a:rPr>
-              <a:t>19900427</a:t>
-            </a:r>
-            <a:r>
-              <a:rPr lang="mr-IN" altLang="zh-TW" sz="2400" dirty="0" smtClean="0">
-                <a:solidFill>
-                  <a:srgbClr val="FF0000"/>
-                </a:solidFill>
-                <a:ea typeface="新細明體" pitchFamily="18" charset="-120"/>
-              </a:rPr>
-              <a:t>"</a:t>
-            </a:r>
-            <a:r>
-              <a:rPr lang="en-US" altLang="zh-TW" sz="2400" dirty="0" smtClean="0">
-                <a:solidFill>
-                  <a:srgbClr val="FF0000"/>
-                </a:solidFill>
-                <a:ea typeface="新細明體" pitchFamily="18" charset="-120"/>
-              </a:rPr>
-              <a:t>;</a:t>
-            </a:r>
-          </a:p>
-          <a:p>
-            <a:pPr eaLnBrk="1" hangingPunct="1">
-              <a:buFont typeface="Wingdings" pitchFamily="2" charset="2"/>
-              <a:buNone/>
-            </a:pPr>
-            <a:r>
-              <a:rPr lang="en-US" altLang="zh-TW" sz="2400" dirty="0" smtClean="0">
-                <a:ea typeface="新細明體" pitchFamily="18" charset="-120"/>
-              </a:rPr>
-              <a:t>change to=&gt;</a:t>
-            </a:r>
-          </a:p>
-          <a:p>
-            <a:pPr eaLnBrk="1" hangingPunct="1">
-              <a:buFont typeface="Wingdings" pitchFamily="2" charset="2"/>
-              <a:buNone/>
-            </a:pPr>
-            <a:r>
-              <a:rPr lang="en-US" altLang="zh-TW" sz="2400" dirty="0" smtClean="0">
-                <a:solidFill>
-                  <a:srgbClr val="FF0000"/>
-                </a:solidFill>
-                <a:ea typeface="新細明體" pitchFamily="18" charset="-120"/>
-              </a:rPr>
-              <a:t>$birthday = $_POST['year'].$_POST['month'].$_POST['day'];</a:t>
+              <a:t>&gt;</a:t>
             </a:r>
           </a:p>
         </p:txBody>
@@ -18178,7 +18094,7 @@
     </p:spTree>
     <p:extLst>
       <p:ext uri="{BB962C8B-B14F-4D97-AF65-F5344CB8AC3E}">
-        <p14:creationId xmlns:p14="http://schemas.microsoft.com/office/powerpoint/2010/main" val="356595463"/>
+        <p14:creationId xmlns:p14="http://schemas.microsoft.com/office/powerpoint/2010/main" val="2132299857"/>
       </p:ext>
     </p:extLst>
   </p:cSld>
@@ -18333,7 +18249,7 @@
       </p:grpSpPr>
       <p:sp>
         <p:nvSpPr>
-          <p:cNvPr id="204802" name="Rectangle 2"/>
+          <p:cNvPr id="203778" name="Rectangle 2"/>
           <p:cNvSpPr>
             <a:spLocks noGrp="1" noChangeArrowheads="1"/>
           </p:cNvSpPr>
@@ -18351,20 +18267,17 @@
             </a:pPr>
             <a:r>
               <a:rPr lang="en-US" altLang="zh-TW" smtClean="0">
-                <a:ea typeface="新細明體" pitchFamily="18" charset="-120"/>
-              </a:rPr>
-              <a:t>Generate a result</a:t>
-            </a:r>
-            <a:endParaRPr lang="en-US" altLang="zh-TW" smtClean="0">
-              <a:latin typeface="Times New Roman" pitchFamily="18" charset="0"/>
-              <a:ea typeface="新細明體" pitchFamily="18" charset="-120"/>
-            </a:endParaRPr>
-          </a:p>
-        </p:txBody>
-      </p:sp>
-      <p:sp>
-        <p:nvSpPr>
-          <p:cNvPr id="38915" name="Rectangle 3"/>
+                <a:latin typeface="Times New Roman" pitchFamily="18" charset="0"/>
+                <a:ea typeface="新細明體" pitchFamily="18" charset="-120"/>
+              </a:rPr>
+              <a:t>Getting input from users</a:t>
+            </a:r>
+          </a:p>
+        </p:txBody>
+      </p:sp>
+      <p:sp>
+        <p:nvSpPr>
+          <p:cNvPr id="37891" name="Rectangle 3"/>
           <p:cNvSpPr>
             <a:spLocks noGrp="1" noChangeArrowheads="1"/>
           </p:cNvSpPr>
@@ -18374,7 +18287,9 @@
         </p:nvSpPr>
         <p:spPr/>
         <p:txBody>
-          <a:bodyPr/>
+          <a:bodyPr>
+            <a:normAutofit fontScale="92500" lnSpcReduction="20000"/>
+          </a:bodyPr>
           <a:lstStyle/>
           <a:p>
             <a:pPr eaLnBrk="1" hangingPunct="1"/>
@@ -18382,13 +18297,46 @@
               <a:rPr lang="en-US" altLang="zh-TW" dirty="0" smtClean="0">
                 <a:ea typeface="新細明體" pitchFamily="18" charset="-120"/>
               </a:rPr>
-              <a:t>In IE, open http://localhost/</a:t>
+              <a:t>Download </a:t>
             </a:r>
             <a:r>
               <a:rPr lang="en-US" altLang="zh-TW" dirty="0" err="1" smtClean="0">
                 <a:ea typeface="新細明體" pitchFamily="18" charset="-120"/>
               </a:rPr>
-              <a:t>bday.html</a:t>
+              <a:t>birthday.php</a:t>
+            </a:r>
+            <a:r>
+              <a:rPr lang="en-US" altLang="zh-TW" dirty="0" smtClean="0">
+                <a:ea typeface="新細明體" pitchFamily="18" charset="-120"/>
+              </a:rPr>
+              <a:t> from ftp</a:t>
+            </a:r>
+          </a:p>
+          <a:p>
+            <a:pPr eaLnBrk="1" hangingPunct="1"/>
+            <a:r>
+              <a:rPr lang="en-US" altLang="zh-TW" dirty="0" smtClean="0">
+                <a:ea typeface="新細明體" pitchFamily="18" charset="-120"/>
+              </a:rPr>
+              <a:t>Open </a:t>
+            </a:r>
+            <a:r>
+              <a:rPr lang="en-US" altLang="zh-TW" dirty="0" err="1" smtClean="0">
+                <a:ea typeface="新細明體" pitchFamily="18" charset="-120"/>
+              </a:rPr>
+              <a:t>birthday.php</a:t>
+            </a:r>
+            <a:r>
+              <a:rPr lang="en-US" altLang="zh-TW" dirty="0" smtClean="0">
+                <a:ea typeface="新細明體" pitchFamily="18" charset="-120"/>
+              </a:rPr>
+              <a:t> and save as </a:t>
+            </a:r>
+            <a:r>
+              <a:rPr lang="en-US" altLang="zh-TW" dirty="0" err="1" smtClean="0">
+                <a:ea typeface="新細明體" pitchFamily="18" charset="-120"/>
+              </a:rPr>
+              <a:t>bday.php</a:t>
             </a:r>
             <a:endParaRPr lang="en-US" altLang="zh-TW" dirty="0" smtClean="0">
               <a:ea typeface="新細明體" pitchFamily="18" charset="-120"/>
@@ -18400,7 +18348,7 @@
               <a:rPr lang="en-US" altLang="zh-TW" dirty="0" smtClean="0">
                 <a:ea typeface="新細明體" pitchFamily="18" charset="-120"/>
               </a:rPr>
-              <a:t>Testing it by input some data</a:t>
+              <a:t>All the results are stored in variables</a:t>
             </a:r>
           </a:p>
           <a:p>
@@ -18409,24 +18357,99 @@
               <a:rPr lang="en-US" altLang="zh-TW" dirty="0" smtClean="0">
                 <a:ea typeface="新細明體" pitchFamily="18" charset="-120"/>
               </a:rPr>
-              <a:t>Result will be displayed by </a:t>
-            </a:r>
-            <a:r>
-              <a:rPr lang="en-US" altLang="zh-TW" dirty="0" err="1" smtClean="0">
-                <a:ea typeface="新細明體" pitchFamily="18" charset="-120"/>
-              </a:rPr>
-              <a:t>bday.php</a:t>
-            </a:r>
+              <a:t>Change the constant variable to user’s input</a:t>
+            </a:r>
+          </a:p>
+          <a:p>
+            <a:pPr eaLnBrk="1" hangingPunct="1"/>
             <a:endParaRPr lang="en-US" altLang="zh-TW" dirty="0" smtClean="0">
               <a:ea typeface="新細明體" pitchFamily="18" charset="-120"/>
             </a:endParaRPr>
           </a:p>
+          <a:p>
+            <a:pPr eaLnBrk="1" hangingPunct="1">
+              <a:buFont typeface="Wingdings" pitchFamily="2" charset="2"/>
+              <a:buNone/>
+            </a:pPr>
+            <a:r>
+              <a:rPr lang="en-US" altLang="zh-TW" sz="2400" dirty="0" smtClean="0">
+                <a:solidFill>
+                  <a:srgbClr val="FF0000"/>
+                </a:solidFill>
+                <a:ea typeface="新細明體" pitchFamily="18" charset="-120"/>
+              </a:rPr>
+              <a:t>$birthday=</a:t>
+            </a:r>
+            <a:r>
+              <a:rPr lang="mr-IN" altLang="zh-TW" sz="2400" dirty="0" smtClean="0">
+                <a:solidFill>
+                  <a:srgbClr val="FF0000"/>
+                </a:solidFill>
+                <a:ea typeface="新細明體" pitchFamily="18" charset="-120"/>
+              </a:rPr>
+              <a:t>"</a:t>
+            </a:r>
+            <a:r>
+              <a:rPr lang="en-US" altLang="zh-TW" sz="2400" dirty="0" smtClean="0">
+                <a:solidFill>
+                  <a:srgbClr val="FF0000"/>
+                </a:solidFill>
+                <a:ea typeface="新細明體" pitchFamily="18" charset="-120"/>
+              </a:rPr>
+              <a:t>19900427</a:t>
+            </a:r>
+            <a:r>
+              <a:rPr lang="mr-IN" altLang="zh-TW" sz="2400" dirty="0" smtClean="0">
+                <a:solidFill>
+                  <a:srgbClr val="FF0000"/>
+                </a:solidFill>
+                <a:ea typeface="新細明體" pitchFamily="18" charset="-120"/>
+              </a:rPr>
+              <a:t>"</a:t>
+            </a:r>
+            <a:r>
+              <a:rPr lang="en-US" altLang="zh-TW" sz="2400" dirty="0" smtClean="0">
+                <a:solidFill>
+                  <a:srgbClr val="FF0000"/>
+                </a:solidFill>
+                <a:ea typeface="新細明體" pitchFamily="18" charset="-120"/>
+              </a:rPr>
+              <a:t>;</a:t>
+            </a:r>
+          </a:p>
+          <a:p>
+            <a:pPr eaLnBrk="1" hangingPunct="1">
+              <a:buFont typeface="Wingdings" pitchFamily="2" charset="2"/>
+              <a:buNone/>
+            </a:pPr>
+            <a:r>
+              <a:rPr lang="en-US" altLang="zh-TW" sz="2400" dirty="0" smtClean="0">
+                <a:ea typeface="新細明體" pitchFamily="18" charset="-120"/>
+              </a:rPr>
+              <a:t>change to=&gt;</a:t>
+            </a:r>
+          </a:p>
+          <a:p>
+            <a:pPr eaLnBrk="1" hangingPunct="1">
+              <a:buFont typeface="Wingdings" pitchFamily="2" charset="2"/>
+              <a:buNone/>
+            </a:pPr>
+            <a:r>
+              <a:rPr lang="en-US" altLang="zh-TW" sz="2400" dirty="0" smtClean="0">
+                <a:solidFill>
+                  <a:srgbClr val="FF0000"/>
+                </a:solidFill>
+                <a:ea typeface="新細明體" pitchFamily="18" charset="-120"/>
+              </a:rPr>
+              <a:t>$birthday = $_POST['year'].$_POST['month'].$_POST['day'];</a:t>
+            </a:r>
+          </a:p>
         </p:txBody>
       </p:sp>
     </p:spTree>
     <p:extLst>
       <p:ext uri="{BB962C8B-B14F-4D97-AF65-F5344CB8AC3E}">
-        <p14:creationId xmlns:p14="http://schemas.microsoft.com/office/powerpoint/2010/main" val="1820571511"/>
+        <p14:creationId xmlns:p14="http://schemas.microsoft.com/office/powerpoint/2010/main" val="356595463"/>
       </p:ext>
     </p:extLst>
   </p:cSld>
@@ -18458,7 +18481,7 @@
       </p:grpSpPr>
       <p:sp>
         <p:nvSpPr>
-          <p:cNvPr id="142338" name="Rectangle 2"/>
+          <p:cNvPr id="204802" name="Rectangle 2"/>
           <p:cNvSpPr>
             <a:spLocks noGrp="1" noChangeArrowheads="1"/>
           </p:cNvSpPr>
@@ -18476,17 +18499,20 @@
             </a:pPr>
             <a:r>
               <a:rPr lang="en-US" altLang="zh-TW" smtClean="0">
-                <a:latin typeface="Times New Roman" charset="0"/>
-                <a:ea typeface="新細明體" charset="-120"/>
-              </a:rPr>
-              <a:t>Get and Post</a:t>
-            </a:r>
-          </a:p>
-        </p:txBody>
-      </p:sp>
-      <p:sp>
-        <p:nvSpPr>
-          <p:cNvPr id="35843" name="Rectangle 3"/>
+                <a:ea typeface="新細明體" pitchFamily="18" charset="-120"/>
+              </a:rPr>
+              <a:t>Generate a result</a:t>
+            </a:r>
+            <a:endParaRPr lang="en-US" altLang="zh-TW" smtClean="0">
+              <a:latin typeface="Times New Roman" pitchFamily="18" charset="0"/>
+              <a:ea typeface="新細明體" pitchFamily="18" charset="-120"/>
+            </a:endParaRPr>
+          </a:p>
+        </p:txBody>
+      </p:sp>
+      <p:sp>
+        <p:nvSpPr>
+          <p:cNvPr id="38915" name="Rectangle 3"/>
           <p:cNvSpPr>
             <a:spLocks noGrp="1" noChangeArrowheads="1"/>
           </p:cNvSpPr>
@@ -18496,61 +18522,59 @@
         </p:nvSpPr>
         <p:spPr/>
         <p:txBody>
-          <a:bodyPr>
-            <a:normAutofit lnSpcReduction="10000"/>
-          </a:bodyPr>
+          <a:bodyPr/>
           <a:lstStyle/>
           <a:p>
             <a:pPr eaLnBrk="1" hangingPunct="1"/>
             <a:r>
-              <a:rPr lang="en-US" altLang="zh-TW" smtClean="0">
-                <a:ea typeface="新細明體" pitchFamily="18" charset="-120"/>
-              </a:rPr>
-              <a:t>Get data is displayed in the location bar</a:t>
-            </a:r>
+              <a:rPr lang="en-US" altLang="zh-TW" dirty="0" smtClean="0">
+                <a:ea typeface="新細明體" pitchFamily="18" charset="-120"/>
+              </a:rPr>
+              <a:t>In IE, open http://localhost/</a:t>
+            </a:r>
+            <a:r>
+              <a:rPr lang="en-US" altLang="zh-TW" dirty="0" err="1" smtClean="0">
+                <a:ea typeface="新細明體" pitchFamily="18" charset="-120"/>
+              </a:rPr>
+              <a:t>bday.html</a:t>
+            </a:r>
+            <a:endParaRPr lang="en-US" altLang="zh-TW" dirty="0" smtClean="0">
+              <a:ea typeface="新細明體" pitchFamily="18" charset="-120"/>
+            </a:endParaRPr>
           </a:p>
           <a:p>
             <a:pPr eaLnBrk="1" hangingPunct="1"/>
             <a:r>
-              <a:rPr lang="en-US" altLang="zh-TW" smtClean="0">
-                <a:ea typeface="新細明體" pitchFamily="18" charset="-120"/>
-              </a:rPr>
-              <a:t>Get is used for requesting information, like a particular record from a database or the results of a search. (search always use get)</a:t>
+              <a:rPr lang="en-US" altLang="zh-TW" dirty="0" smtClean="0">
+                <a:ea typeface="新細明體" pitchFamily="18" charset="-120"/>
+              </a:rPr>
+              <a:t>Testing it by input some data</a:t>
             </a:r>
           </a:p>
           <a:p>
             <a:pPr eaLnBrk="1" hangingPunct="1"/>
             <a:r>
-              <a:rPr lang="en-US" altLang="zh-TW" smtClean="0">
-                <a:ea typeface="新細明體" pitchFamily="18" charset="-120"/>
-              </a:rPr>
-              <a:t>Post usually handle large data</a:t>
-            </a:r>
-          </a:p>
-          <a:p>
-            <a:pPr eaLnBrk="1" hangingPunct="1"/>
-            <a:r>
-              <a:rPr lang="en-US" altLang="zh-TW" smtClean="0">
-                <a:ea typeface="新細明體" pitchFamily="18" charset="-120"/>
-              </a:rPr>
-              <a:t>Post is used when an action is required, as when a database record will be updated or email should be sent</a:t>
-            </a:r>
-          </a:p>
-          <a:p>
-            <a:pPr eaLnBrk="1" hangingPunct="1"/>
-            <a:r>
-              <a:rPr lang="en-US" altLang="zh-TW" smtClean="0">
-                <a:ea typeface="新細明體" pitchFamily="18" charset="-120"/>
-              </a:rPr>
-              <a:t>Post is usually used in nowadays</a:t>
-            </a:r>
+              <a:rPr lang="en-US" altLang="zh-TW" dirty="0" smtClean="0">
+                <a:ea typeface="新細明體" pitchFamily="18" charset="-120"/>
+              </a:rPr>
+              <a:t>Result will be displayed by </a:t>
+            </a:r>
+            <a:r>
+              <a:rPr lang="en-US" altLang="zh-TW" dirty="0" err="1" smtClean="0">
+                <a:ea typeface="新細明體" pitchFamily="18" charset="-120"/>
+              </a:rPr>
+              <a:t>bday.php</a:t>
+            </a:r>
+            <a:endParaRPr lang="en-US" altLang="zh-TW" dirty="0" smtClean="0">
+              <a:ea typeface="新細明體" pitchFamily="18" charset="-120"/>
+            </a:endParaRPr>
           </a:p>
         </p:txBody>
       </p:sp>
     </p:spTree>
     <p:extLst>
       <p:ext uri="{BB962C8B-B14F-4D97-AF65-F5344CB8AC3E}">
-        <p14:creationId xmlns:p14="http://schemas.microsoft.com/office/powerpoint/2010/main" val="998382921"/>
+        <p14:creationId xmlns:p14="http://schemas.microsoft.com/office/powerpoint/2010/main" val="1820571511"/>
       </p:ext>
     </p:extLst>
   </p:cSld>
@@ -18582,7 +18606,7 @@
       </p:grpSpPr>
       <p:sp>
         <p:nvSpPr>
-          <p:cNvPr id="146434" name="Rectangle 2"/>
+          <p:cNvPr id="142338" name="Rectangle 2"/>
           <p:cNvSpPr>
             <a:spLocks noGrp="1" noChangeArrowheads="1"/>
           </p:cNvSpPr>
@@ -18599,18 +18623,18 @@
               <a:defRPr/>
             </a:pPr>
             <a:r>
-              <a:rPr lang="en-US" altLang="zh-TW" dirty="0" smtClean="0">
+              <a:rPr lang="en-US" altLang="zh-TW" smtClean="0">
                 <a:latin typeface="Times New Roman" charset="0"/>
                 <a:ea typeface="新細明體" charset="-120"/>
               </a:rPr>
-              <a:t>Variable</a:t>
-            </a:r>
-          </a:p>
-        </p:txBody>
-      </p:sp>
-      <p:sp>
-        <p:nvSpPr>
-          <p:cNvPr id="36867" name="Rectangle 3"/>
+              <a:t>Get and Post</a:t>
+            </a:r>
+          </a:p>
+        </p:txBody>
+      </p:sp>
+      <p:sp>
+        <p:nvSpPr>
+          <p:cNvPr id="35843" name="Rectangle 3"/>
           <p:cNvSpPr>
             <a:spLocks noGrp="1" noChangeArrowheads="1"/>
           </p:cNvSpPr>
@@ -18621,187 +18645,52 @@
         <p:spPr/>
         <p:txBody>
           <a:bodyPr>
-            <a:normAutofit/>
+            <a:normAutofit lnSpcReduction="10000"/>
           </a:bodyPr>
           <a:lstStyle/>
           <a:p>
             <a:pPr eaLnBrk="1" hangingPunct="1"/>
             <a:r>
-              <a:rPr lang="zh-TW" altLang="en-US" dirty="0" smtClean="0">
-                <a:ea typeface="新細明體" pitchFamily="18" charset="-120"/>
-              </a:rPr>
-              <a:t>$</a:t>
-            </a:r>
-            <a:r>
-              <a:rPr lang="en-US" altLang="zh-TW" dirty="0" smtClean="0">
-                <a:ea typeface="新細明體" pitchFamily="18" charset="-120"/>
-              </a:rPr>
-              <a:t>username – short form, not recommended in PHP4 since </a:t>
-            </a:r>
-            <a:r>
-              <a:rPr lang="en-US" altLang="zh-TW" dirty="0" err="1" smtClean="0">
-                <a:ea typeface="新細明體" pitchFamily="18" charset="-120"/>
-              </a:rPr>
-              <a:t>register_globals</a:t>
-            </a:r>
-            <a:r>
-              <a:rPr lang="en-US" altLang="zh-TW" dirty="0" smtClean="0">
-                <a:ea typeface="新細明體" pitchFamily="18" charset="-120"/>
-              </a:rPr>
-              <a:t> is turned off in /</a:t>
-            </a:r>
-            <a:r>
-              <a:rPr lang="en-US" altLang="zh-TW" dirty="0" err="1" smtClean="0">
-                <a:ea typeface="新細明體" pitchFamily="18" charset="-120"/>
-              </a:rPr>
-              <a:t>etc</a:t>
-            </a:r>
-            <a:r>
-              <a:rPr lang="en-US" altLang="zh-TW" dirty="0" smtClean="0">
-                <a:ea typeface="新細明體" pitchFamily="18" charset="-120"/>
-              </a:rPr>
-              <a:t>/php.ini</a:t>
+              <a:rPr lang="en-US" altLang="zh-TW" smtClean="0">
+                <a:ea typeface="新細明體" pitchFamily="18" charset="-120"/>
+              </a:rPr>
+              <a:t>Get data is displayed in the location bar</a:t>
             </a:r>
           </a:p>
           <a:p>
             <a:pPr eaLnBrk="1" hangingPunct="1"/>
             <a:r>
-              <a:rPr lang="en-US" altLang="zh-TW" dirty="0" smtClean="0">
-                <a:ea typeface="新細明體" pitchFamily="18" charset="-120"/>
-              </a:rPr>
-              <a:t>$HTTP_GET_VARS[</a:t>
-            </a:r>
-            <a:r>
-              <a:rPr lang="mr-IN" altLang="zh-TW" dirty="0" smtClean="0">
-                <a:ea typeface="新細明體" pitchFamily="18" charset="-120"/>
-              </a:rPr>
-              <a:t>"</a:t>
-            </a:r>
-            <a:r>
-              <a:rPr lang="en-US" altLang="zh-TW" dirty="0" smtClean="0">
-                <a:ea typeface="新細明體" pitchFamily="18" charset="-120"/>
-              </a:rPr>
-              <a:t>username</a:t>
-            </a:r>
-            <a:r>
-              <a:rPr lang="mr-IN" altLang="zh-TW" dirty="0" smtClean="0">
-                <a:ea typeface="新細明體" pitchFamily="18" charset="-120"/>
-              </a:rPr>
-              <a:t>"</a:t>
-            </a:r>
-            <a:r>
-              <a:rPr lang="en-US" altLang="zh-TW" dirty="0" smtClean="0">
-                <a:ea typeface="新細明體" pitchFamily="18" charset="-120"/>
-              </a:rPr>
-              <a:t>], $HTTP_POST_VARS[</a:t>
-            </a:r>
-            <a:r>
-              <a:rPr lang="mr-IN" altLang="zh-TW" dirty="0" smtClean="0">
-                <a:ea typeface="新細明體" pitchFamily="18" charset="-120"/>
-              </a:rPr>
-              <a:t>"</a:t>
-            </a:r>
-            <a:r>
-              <a:rPr lang="en-US" altLang="zh-TW" dirty="0" smtClean="0">
-                <a:ea typeface="新細明體" pitchFamily="18" charset="-120"/>
-              </a:rPr>
-              <a:t>username</a:t>
-            </a:r>
-            <a:r>
-              <a:rPr lang="mr-IN" altLang="zh-TW" dirty="0" smtClean="0">
-                <a:ea typeface="新細明體" pitchFamily="18" charset="-120"/>
-              </a:rPr>
-              <a:t>"</a:t>
-            </a:r>
-            <a:r>
-              <a:rPr lang="en-US" altLang="zh-TW" dirty="0" smtClean="0">
-                <a:ea typeface="新細明體" pitchFamily="18" charset="-120"/>
-              </a:rPr>
-              <a:t>]</a:t>
+              <a:rPr lang="en-US" altLang="zh-TW" smtClean="0">
+                <a:ea typeface="新細明體" pitchFamily="18" charset="-120"/>
+              </a:rPr>
+              <a:t>Get is used for requesting information, like a particular record from a database or the results of a search. (search always use get)</a:t>
             </a:r>
           </a:p>
           <a:p>
             <a:pPr eaLnBrk="1" hangingPunct="1"/>
             <a:r>
-              <a:rPr lang="en-US" altLang="zh-TW" dirty="0" smtClean="0">
-                <a:solidFill>
-                  <a:srgbClr val="FF0000"/>
-                </a:solidFill>
-                <a:ea typeface="新細明體" pitchFamily="18" charset="-120"/>
-              </a:rPr>
-              <a:t>$_GET[</a:t>
-            </a:r>
-            <a:r>
-              <a:rPr lang="mr-IN" altLang="zh-TW" dirty="0" smtClean="0">
-                <a:solidFill>
-                  <a:srgbClr val="FF0000"/>
-                </a:solidFill>
-                <a:ea typeface="新細明體" pitchFamily="18" charset="-120"/>
-              </a:rPr>
-              <a:t>"</a:t>
-            </a:r>
-            <a:r>
-              <a:rPr lang="en-US" altLang="zh-TW" dirty="0" smtClean="0">
-                <a:solidFill>
-                  <a:srgbClr val="FF0000"/>
-                </a:solidFill>
-                <a:ea typeface="新細明體" pitchFamily="18" charset="-120"/>
-              </a:rPr>
-              <a:t>username</a:t>
-            </a:r>
-            <a:r>
-              <a:rPr lang="mr-IN" altLang="zh-TW" dirty="0" smtClean="0">
-                <a:solidFill>
-                  <a:srgbClr val="FF0000"/>
-                </a:solidFill>
-                <a:ea typeface="新細明體" pitchFamily="18" charset="-120"/>
-              </a:rPr>
-              <a:t>"</a:t>
-            </a:r>
-            <a:r>
-              <a:rPr lang="en-US" altLang="zh-TW" dirty="0" smtClean="0">
-                <a:solidFill>
-                  <a:srgbClr val="FF0000"/>
-                </a:solidFill>
-                <a:ea typeface="新細明體" pitchFamily="18" charset="-120"/>
-              </a:rPr>
-              <a:t>], $_POST[</a:t>
-            </a:r>
-            <a:r>
-              <a:rPr lang="mr-IN" altLang="zh-TW" dirty="0" smtClean="0">
-                <a:solidFill>
-                  <a:srgbClr val="FF0000"/>
-                </a:solidFill>
-                <a:ea typeface="新細明體" pitchFamily="18" charset="-120"/>
-              </a:rPr>
-              <a:t>"</a:t>
-            </a:r>
-            <a:r>
-              <a:rPr lang="en-US" altLang="zh-TW" dirty="0" smtClean="0">
-                <a:solidFill>
-                  <a:srgbClr val="FF0000"/>
-                </a:solidFill>
-                <a:ea typeface="新細明體" pitchFamily="18" charset="-120"/>
-              </a:rPr>
-              <a:t>username</a:t>
-            </a:r>
-            <a:r>
-              <a:rPr lang="mr-IN" altLang="zh-TW" dirty="0" smtClean="0">
-                <a:solidFill>
-                  <a:srgbClr val="FF0000"/>
-                </a:solidFill>
-                <a:ea typeface="新細明體" pitchFamily="18" charset="-120"/>
-              </a:rPr>
-              <a:t>"</a:t>
-            </a:r>
-            <a:r>
-              <a:rPr lang="en-US" altLang="zh-TW" dirty="0" smtClean="0">
-                <a:solidFill>
-                  <a:srgbClr val="FF0000"/>
-                </a:solidFill>
-                <a:ea typeface="新細明體" pitchFamily="18" charset="-120"/>
-              </a:rPr>
-              <a:t>]</a:t>
+              <a:rPr lang="en-US" altLang="zh-TW" smtClean="0">
+                <a:ea typeface="新細明體" pitchFamily="18" charset="-120"/>
+              </a:rPr>
+              <a:t>Post usually handle large data</a:t>
+            </a:r>
+          </a:p>
+          <a:p>
+            <a:pPr eaLnBrk="1" hangingPunct="1"/>
+            <a:r>
+              <a:rPr lang="en-US" altLang="zh-TW" smtClean="0">
+                <a:ea typeface="新細明體" pitchFamily="18" charset="-120"/>
+              </a:rPr>
+              <a:t>Post is used when an action is required, as when a database record will be updated or email should be sent</a:t>
+            </a:r>
+          </a:p>
+          <a:p>
+            <a:pPr eaLnBrk="1" hangingPunct="1"/>
+            <a:r>
+              <a:rPr lang="en-US" altLang="zh-TW" smtClean="0">
+                <a:ea typeface="新細明體" pitchFamily="18" charset="-120"/>
+              </a:rPr>
+              <a:t>Post is usually used in nowadays</a:t>
             </a:r>
           </a:p>
         </p:txBody>
@@ -18809,7 +18698,7 @@
     </p:spTree>
     <p:extLst>
       <p:ext uri="{BB962C8B-B14F-4D97-AF65-F5344CB8AC3E}">
-        <p14:creationId xmlns:p14="http://schemas.microsoft.com/office/powerpoint/2010/main" val="318371922"/>
+        <p14:creationId xmlns:p14="http://schemas.microsoft.com/office/powerpoint/2010/main" val="998382921"/>
       </p:ext>
     </p:extLst>
   </p:cSld>
@@ -18841,7 +18730,7 @@
       </p:grpSpPr>
       <p:sp>
         <p:nvSpPr>
-          <p:cNvPr id="201730" name="Rectangle 2"/>
+          <p:cNvPr id="146434" name="Rectangle 2"/>
           <p:cNvSpPr>
             <a:spLocks noGrp="1" noChangeArrowheads="1"/>
           </p:cNvSpPr>
@@ -18858,18 +18747,18 @@
               <a:defRPr/>
             </a:pPr>
             <a:r>
-              <a:rPr lang="en-US" altLang="zh-TW" smtClean="0">
-                <a:latin typeface="Times New Roman" pitchFamily="18" charset="0"/>
-                <a:ea typeface="新細明體" pitchFamily="18" charset="-120"/>
-              </a:rPr>
-              <a:t>Exercise 6</a:t>
-            </a:r>
-          </a:p>
-        </p:txBody>
-      </p:sp>
-      <p:sp>
-        <p:nvSpPr>
-          <p:cNvPr id="39939" name="Rectangle 3"/>
+              <a:rPr lang="en-US" altLang="zh-TW" dirty="0" smtClean="0">
+                <a:latin typeface="Times New Roman" charset="0"/>
+                <a:ea typeface="新細明體" charset="-120"/>
+              </a:rPr>
+              <a:t>Variable</a:t>
+            </a:r>
+          </a:p>
+        </p:txBody>
+      </p:sp>
+      <p:sp>
+        <p:nvSpPr>
+          <p:cNvPr id="36867" name="Rectangle 3"/>
           <p:cNvSpPr>
             <a:spLocks noGrp="1" noChangeArrowheads="1"/>
           </p:cNvSpPr>
@@ -18879,51 +18768,188 @@
         </p:nvSpPr>
         <p:spPr/>
         <p:txBody>
-          <a:bodyPr/>
+          <a:bodyPr>
+            <a:normAutofit/>
+          </a:bodyPr>
           <a:lstStyle/>
           <a:p>
             <a:pPr eaLnBrk="1" hangingPunct="1"/>
             <a:r>
-              <a:rPr lang="en-US" altLang="zh-TW" smtClean="0">
-                <a:ea typeface="新細明體" pitchFamily="18" charset="-120"/>
-              </a:rPr>
-              <a:t>Try to write out a form in html for user to input a number</a:t>
+              <a:rPr lang="zh-TW" altLang="en-US" dirty="0" smtClean="0">
+                <a:ea typeface="新細明體" pitchFamily="18" charset="-120"/>
+              </a:rPr>
+              <a:t>$</a:t>
+            </a:r>
+            <a:r>
+              <a:rPr lang="en-US" altLang="zh-TW" dirty="0" smtClean="0">
+                <a:ea typeface="新細明體" pitchFamily="18" charset="-120"/>
+              </a:rPr>
+              <a:t>username – short form, not recommended in PHP4 since </a:t>
+            </a:r>
+            <a:r>
+              <a:rPr lang="en-US" altLang="zh-TW" dirty="0" err="1" smtClean="0">
+                <a:ea typeface="新細明體" pitchFamily="18" charset="-120"/>
+              </a:rPr>
+              <a:t>register_globals</a:t>
+            </a:r>
+            <a:r>
+              <a:rPr lang="en-US" altLang="zh-TW" dirty="0" smtClean="0">
+                <a:ea typeface="新細明體" pitchFamily="18" charset="-120"/>
+              </a:rPr>
+              <a:t> is turned off in /</a:t>
+            </a:r>
+            <a:r>
+              <a:rPr lang="en-US" altLang="zh-TW" dirty="0" err="1" smtClean="0">
+                <a:ea typeface="新細明體" pitchFamily="18" charset="-120"/>
+              </a:rPr>
+              <a:t>etc</a:t>
+            </a:r>
+            <a:r>
+              <a:rPr lang="en-US" altLang="zh-TW" dirty="0" smtClean="0">
+                <a:ea typeface="新細明體" pitchFamily="18" charset="-120"/>
+              </a:rPr>
+              <a:t>/php.ini</a:t>
             </a:r>
           </a:p>
           <a:p>
             <a:pPr eaLnBrk="1" hangingPunct="1"/>
             <a:r>
-              <a:rPr lang="en-US" altLang="zh-TW" smtClean="0">
-                <a:ea typeface="新細明體" pitchFamily="18" charset="-120"/>
-              </a:rPr>
-              <a:t>Save as square.html</a:t>
+              <a:rPr lang="en-US" altLang="zh-TW" dirty="0" smtClean="0">
+                <a:ea typeface="新細明體" pitchFamily="18" charset="-120"/>
+              </a:rPr>
+              <a:t>$HTTP_GET_VARS[</a:t>
+            </a:r>
+            <a:r>
+              <a:rPr lang="mr-IN" altLang="zh-TW" dirty="0" smtClean="0">
+                <a:ea typeface="新細明體" pitchFamily="18" charset="-120"/>
+              </a:rPr>
+              <a:t>"</a:t>
+            </a:r>
+            <a:r>
+              <a:rPr lang="en-US" altLang="zh-TW" dirty="0" smtClean="0">
+                <a:ea typeface="新細明體" pitchFamily="18" charset="-120"/>
+              </a:rPr>
+              <a:t>username</a:t>
+            </a:r>
+            <a:r>
+              <a:rPr lang="mr-IN" altLang="zh-TW" dirty="0" smtClean="0">
+                <a:ea typeface="新細明體" pitchFamily="18" charset="-120"/>
+              </a:rPr>
+              <a:t>"</a:t>
+            </a:r>
+            <a:r>
+              <a:rPr lang="en-US" altLang="zh-TW" dirty="0" smtClean="0">
+                <a:ea typeface="新細明體" pitchFamily="18" charset="-120"/>
+              </a:rPr>
+              <a:t>], $HTTP_POST_VARS[</a:t>
+            </a:r>
+            <a:r>
+              <a:rPr lang="mr-IN" altLang="zh-TW" dirty="0" smtClean="0">
+                <a:ea typeface="新細明體" pitchFamily="18" charset="-120"/>
+              </a:rPr>
+              <a:t>"</a:t>
+            </a:r>
+            <a:r>
+              <a:rPr lang="en-US" altLang="zh-TW" dirty="0" smtClean="0">
+                <a:ea typeface="新細明體" pitchFamily="18" charset="-120"/>
+              </a:rPr>
+              <a:t>username</a:t>
+            </a:r>
+            <a:r>
+              <a:rPr lang="mr-IN" altLang="zh-TW" dirty="0" smtClean="0">
+                <a:ea typeface="新細明體" pitchFamily="18" charset="-120"/>
+              </a:rPr>
+              <a:t>"</a:t>
+            </a:r>
+            <a:r>
+              <a:rPr lang="en-US" altLang="zh-TW" dirty="0" smtClean="0">
+                <a:ea typeface="新細明體" pitchFamily="18" charset="-120"/>
+              </a:rPr>
+              <a:t>]</a:t>
             </a:r>
           </a:p>
           <a:p>
             <a:pPr eaLnBrk="1" hangingPunct="1"/>
             <a:r>
-              <a:rPr lang="en-US" altLang="zh-TW" smtClean="0">
-                <a:ea typeface="新細明體" pitchFamily="18" charset="-120"/>
-              </a:rPr>
-              <a:t>Create a new php file</a:t>
-            </a:r>
-          </a:p>
-          <a:p>
-            <a:pPr eaLnBrk="1" hangingPunct="1"/>
-            <a:r>
-              <a:rPr lang="en-US" altLang="zh-TW" smtClean="0">
-                <a:ea typeface="新細明體" pitchFamily="18" charset="-120"/>
-              </a:rPr>
-              <a:t>Find the square of the number</a:t>
-            </a:r>
-          </a:p>
-          <a:p>
-            <a:pPr eaLnBrk="1" hangingPunct="1"/>
-            <a:r>
-              <a:rPr lang="en-US" altLang="zh-TW" smtClean="0">
-                <a:ea typeface="新細明體" pitchFamily="18" charset="-120"/>
-              </a:rPr>
-              <a:t>Save as square.php and test the page</a:t>
+              <a:rPr lang="en-US" altLang="zh-TW" dirty="0" smtClean="0">
+                <a:solidFill>
+                  <a:srgbClr val="FF0000"/>
+                </a:solidFill>
+                <a:ea typeface="新細明體" pitchFamily="18" charset="-120"/>
+              </a:rPr>
+              <a:t>$_GET[</a:t>
+            </a:r>
+            <a:r>
+              <a:rPr lang="mr-IN" altLang="zh-TW" dirty="0" smtClean="0">
+                <a:solidFill>
+                  <a:srgbClr val="FF0000"/>
+                </a:solidFill>
+                <a:ea typeface="新細明體" pitchFamily="18" charset="-120"/>
+              </a:rPr>
+              <a:t>"</a:t>
+            </a:r>
+            <a:r>
+              <a:rPr lang="en-US" altLang="zh-TW" dirty="0" smtClean="0">
+                <a:solidFill>
+                  <a:srgbClr val="FF0000"/>
+                </a:solidFill>
+                <a:ea typeface="新細明體" pitchFamily="18" charset="-120"/>
+              </a:rPr>
+              <a:t>username</a:t>
+            </a:r>
+            <a:r>
+              <a:rPr lang="mr-IN" altLang="zh-TW" dirty="0" smtClean="0">
+                <a:solidFill>
+                  <a:srgbClr val="FF0000"/>
+                </a:solidFill>
+                <a:ea typeface="新細明體" pitchFamily="18" charset="-120"/>
+              </a:rPr>
+              <a:t>"</a:t>
+            </a:r>
+            <a:r>
+              <a:rPr lang="en-US" altLang="zh-TW" dirty="0" smtClean="0">
+                <a:solidFill>
+                  <a:srgbClr val="FF0000"/>
+                </a:solidFill>
+                <a:ea typeface="新細明體" pitchFamily="18" charset="-120"/>
+              </a:rPr>
+              <a:t>], $_POST[</a:t>
+            </a:r>
+            <a:r>
+              <a:rPr lang="mr-IN" altLang="zh-TW" dirty="0" smtClean="0">
+                <a:solidFill>
+                  <a:srgbClr val="FF0000"/>
+                </a:solidFill>
+                <a:ea typeface="新細明體" pitchFamily="18" charset="-120"/>
+              </a:rPr>
+              <a:t>"</a:t>
+            </a:r>
+            <a:r>
+              <a:rPr lang="en-US" altLang="zh-TW" dirty="0" smtClean="0">
+                <a:solidFill>
+                  <a:srgbClr val="FF0000"/>
+                </a:solidFill>
+                <a:ea typeface="新細明體" pitchFamily="18" charset="-120"/>
+              </a:rPr>
+              <a:t>username</a:t>
+            </a:r>
+            <a:r>
+              <a:rPr lang="mr-IN" altLang="zh-TW" dirty="0" smtClean="0">
+                <a:solidFill>
+                  <a:srgbClr val="FF0000"/>
+                </a:solidFill>
+                <a:ea typeface="新細明體" pitchFamily="18" charset="-120"/>
+              </a:rPr>
+              <a:t>"</a:t>
+            </a:r>
+            <a:r>
+              <a:rPr lang="en-US" altLang="zh-TW" dirty="0" smtClean="0">
+                <a:solidFill>
+                  <a:srgbClr val="FF0000"/>
+                </a:solidFill>
+                <a:ea typeface="新細明體" pitchFamily="18" charset="-120"/>
+              </a:rPr>
+              <a:t>]</a:t>
             </a:r>
           </a:p>
         </p:txBody>
@@ -18931,7 +18957,7 @@
     </p:spTree>
     <p:extLst>
       <p:ext uri="{BB962C8B-B14F-4D97-AF65-F5344CB8AC3E}">
-        <p14:creationId xmlns:p14="http://schemas.microsoft.com/office/powerpoint/2010/main" val="916478692"/>
+        <p14:creationId xmlns:p14="http://schemas.microsoft.com/office/powerpoint/2010/main" val="318371922"/>
       </p:ext>
     </p:extLst>
   </p:cSld>
@@ -18941,13 +18967,6 @@
   <p:transition>
     <p:checker/>
   </p:transition>
-  <p:timing>
-    <p:tnLst>
-      <p:par>
-        <p:cTn id="1" dur="indefinite" restart="never" nodeType="tmRoot"/>
-      </p:par>
-    </p:tnLst>
-  </p:timing>
 </p:sld>
 </file>
 
@@ -18970,7 +18989,7 @@
       </p:grpSpPr>
       <p:sp>
         <p:nvSpPr>
-          <p:cNvPr id="208898" name="Rectangle 2"/>
+          <p:cNvPr id="201730" name="Rectangle 2"/>
           <p:cNvSpPr>
             <a:spLocks noGrp="1" noChangeArrowheads="1"/>
           </p:cNvSpPr>
@@ -18991,14 +19010,14 @@
                 <a:latin typeface="Times New Roman" pitchFamily="18" charset="0"/>
                 <a:ea typeface="新細明體" pitchFamily="18" charset="-120"/>
               </a:rPr>
-              <a:t>Exercise 7</a:t>
-            </a:r>
-          </a:p>
-        </p:txBody>
-      </p:sp>
-      <p:sp>
-        <p:nvSpPr>
-          <p:cNvPr id="40963" name="Rectangle 3"/>
+              <a:t>Exercise 6</a:t>
+            </a:r>
+          </a:p>
+        </p:txBody>
+      </p:sp>
+      <p:sp>
+        <p:nvSpPr>
+          <p:cNvPr id="39939" name="Rectangle 3"/>
           <p:cNvSpPr>
             <a:spLocks noGrp="1" noChangeArrowheads="1"/>
           </p:cNvSpPr>
@@ -19013,70 +19032,46 @@
           <a:p>
             <a:pPr eaLnBrk="1" hangingPunct="1"/>
             <a:r>
-              <a:rPr lang="en-US" altLang="zh-TW" dirty="0" smtClean="0">
-                <a:ea typeface="新細明體" pitchFamily="18" charset="-120"/>
-              </a:rPr>
-              <a:t>Try to write out a form in html for user to input two numbers</a:t>
+              <a:rPr lang="en-US" altLang="zh-TW" smtClean="0">
+                <a:ea typeface="新細明體" pitchFamily="18" charset="-120"/>
+              </a:rPr>
+              <a:t>Try to write out a form in html for user to input a number</a:t>
             </a:r>
           </a:p>
           <a:p>
             <a:pPr eaLnBrk="1" hangingPunct="1"/>
             <a:r>
-              <a:rPr lang="en-US" altLang="zh-TW" dirty="0" smtClean="0">
-                <a:ea typeface="新細明體" pitchFamily="18" charset="-120"/>
-              </a:rPr>
-              <a:t>Save as multiple.html</a:t>
+              <a:rPr lang="en-US" altLang="zh-TW" smtClean="0">
+                <a:ea typeface="新細明體" pitchFamily="18" charset="-120"/>
+              </a:rPr>
+              <a:t>Save as square.html</a:t>
             </a:r>
           </a:p>
           <a:p>
             <a:pPr eaLnBrk="1" hangingPunct="1"/>
             <a:r>
-              <a:rPr lang="en-US" altLang="zh-TW" dirty="0" smtClean="0">
-                <a:ea typeface="新細明體" pitchFamily="18" charset="-120"/>
-              </a:rPr>
-              <a:t>Create a new </a:t>
-            </a:r>
-            <a:r>
-              <a:rPr lang="en-US" altLang="zh-TW" dirty="0" err="1" smtClean="0">
-                <a:ea typeface="新細明體" pitchFamily="18" charset="-120"/>
-              </a:rPr>
-              <a:t>php</a:t>
-            </a:r>
-            <a:r>
-              <a:rPr lang="en-US" altLang="zh-TW" dirty="0" smtClean="0">
-                <a:ea typeface="新細明體" pitchFamily="18" charset="-120"/>
-              </a:rPr>
-              <a:t> file</a:t>
+              <a:rPr lang="en-US" altLang="zh-TW" smtClean="0">
+                <a:ea typeface="新細明體" pitchFamily="18" charset="-120"/>
+              </a:rPr>
+              <a:t>Create a new php file</a:t>
             </a:r>
           </a:p>
           <a:p>
             <a:pPr eaLnBrk="1" hangingPunct="1"/>
             <a:r>
-              <a:rPr lang="en-US" altLang="zh-TW" dirty="0" smtClean="0">
-                <a:ea typeface="新細明體" pitchFamily="18" charset="-120"/>
-              </a:rPr>
-              <a:t>Find the product of the numbers</a:t>
+              <a:rPr lang="en-US" altLang="zh-TW" smtClean="0">
+                <a:ea typeface="新細明體" pitchFamily="18" charset="-120"/>
+              </a:rPr>
+              <a:t>Find the square of the number</a:t>
             </a:r>
           </a:p>
           <a:p>
             <a:pPr eaLnBrk="1" hangingPunct="1"/>
             <a:r>
-              <a:rPr lang="en-US" altLang="zh-TW" dirty="0" smtClean="0">
-                <a:ea typeface="新細明體" pitchFamily="18" charset="-120"/>
-              </a:rPr>
-              <a:t>Save as </a:t>
-            </a:r>
-            <a:r>
-              <a:rPr lang="en-US" altLang="zh-TW" dirty="0" err="1" smtClean="0">
-                <a:ea typeface="新細明體" pitchFamily="18" charset="-120"/>
-              </a:rPr>
-              <a:t>multiple.php</a:t>
-            </a:r>
-            <a:r>
-              <a:rPr lang="en-US" altLang="zh-TW" dirty="0" smtClean="0">
-                <a:ea typeface="新細明體" pitchFamily="18" charset="-120"/>
-              </a:rPr>
-              <a:t> and test the page</a:t>
+              <a:rPr lang="en-US" altLang="zh-TW" smtClean="0">
+                <a:ea typeface="新細明體" pitchFamily="18" charset="-120"/>
+              </a:rPr>
+              <a:t>Save as square.php and test the page</a:t>
             </a:r>
           </a:p>
         </p:txBody>
@@ -19084,7 +19079,7 @@
     </p:spTree>
     <p:extLst>
       <p:ext uri="{BB962C8B-B14F-4D97-AF65-F5344CB8AC3E}">
-        <p14:creationId xmlns:p14="http://schemas.microsoft.com/office/powerpoint/2010/main" val="1504660160"/>
+        <p14:creationId xmlns:p14="http://schemas.microsoft.com/office/powerpoint/2010/main" val="916478692"/>
       </p:ext>
     </p:extLst>
   </p:cSld>
@@ -19123,7 +19118,7 @@
       </p:grpSpPr>
       <p:sp>
         <p:nvSpPr>
-          <p:cNvPr id="178178" name="Rectangle 2"/>
+          <p:cNvPr id="208898" name="Rectangle 2"/>
           <p:cNvSpPr>
             <a:spLocks noGrp="1" noChangeArrowheads="1"/>
           </p:cNvSpPr>
@@ -19133,9 +19128,7 @@
         </p:nvSpPr>
         <p:spPr/>
         <p:txBody>
-          <a:bodyPr>
-            <a:normAutofit/>
-          </a:bodyPr>
+          <a:bodyPr/>
           <a:lstStyle/>
           <a:p>
             <a:pPr eaLnBrk="1" hangingPunct="1">
@@ -19146,14 +19139,14 @@
                 <a:latin typeface="Times New Roman" pitchFamily="18" charset="0"/>
                 <a:ea typeface="新細明體" pitchFamily="18" charset="-120"/>
               </a:rPr>
-              <a:t>Exercise 8 – Body Mass Index</a:t>
-            </a:r>
-          </a:p>
-        </p:txBody>
-      </p:sp>
-      <p:sp>
-        <p:nvSpPr>
-          <p:cNvPr id="41987" name="Rectangle 3"/>
+              <a:t>Exercise 7</a:t>
+            </a:r>
+          </a:p>
+        </p:txBody>
+      </p:sp>
+      <p:sp>
+        <p:nvSpPr>
+          <p:cNvPr id="40963" name="Rectangle 3"/>
           <p:cNvSpPr>
             <a:spLocks noGrp="1" noChangeArrowheads="1"/>
           </p:cNvSpPr>
@@ -19171,99 +19164,75 @@
               <a:rPr lang="en-US" altLang="zh-TW" dirty="0" smtClean="0">
                 <a:ea typeface="新細明體" pitchFamily="18" charset="-120"/>
               </a:rPr>
-              <a:t>Find the </a:t>
+              <a:t>Try to write out a form in html for user to input two numbers</a:t>
+            </a:r>
+          </a:p>
+          <a:p>
+            <a:pPr eaLnBrk="1" hangingPunct="1"/>
+            <a:r>
+              <a:rPr lang="en-US" altLang="zh-TW" dirty="0" smtClean="0">
+                <a:ea typeface="新細明體" pitchFamily="18" charset="-120"/>
+              </a:rPr>
+              <a:t>Save as multiple.html</a:t>
+            </a:r>
+          </a:p>
+          <a:p>
+            <a:pPr eaLnBrk="1" hangingPunct="1"/>
+            <a:r>
+              <a:rPr lang="en-US" altLang="zh-TW" dirty="0" smtClean="0">
+                <a:ea typeface="新細明體" pitchFamily="18" charset="-120"/>
+              </a:rPr>
+              <a:t>Create a new </a:t>
             </a:r>
             <a:r>
               <a:rPr lang="en-US" altLang="zh-TW" dirty="0" err="1" smtClean="0">
                 <a:ea typeface="新細明體" pitchFamily="18" charset="-120"/>
               </a:rPr>
-              <a:t>bmi</a:t>
+              <a:t>php</a:t>
             </a:r>
             <a:r>
               <a:rPr lang="en-US" altLang="zh-TW" dirty="0" smtClean="0">
                 <a:ea typeface="新細明體" pitchFamily="18" charset="-120"/>
               </a:rPr>
-              <a:t> for yourself</a:t>
+              <a:t> file</a:t>
             </a:r>
           </a:p>
           <a:p>
             <a:pPr eaLnBrk="1" hangingPunct="1"/>
             <a:r>
+              <a:rPr lang="en-US" altLang="zh-TW" dirty="0" smtClean="0">
+                <a:ea typeface="新細明體" pitchFamily="18" charset="-120"/>
+              </a:rPr>
+              <a:t>Find the product of the numbers</a:t>
+            </a:r>
+          </a:p>
+          <a:p>
+            <a:pPr eaLnBrk="1" hangingPunct="1"/>
+            <a:r>
+              <a:rPr lang="en-US" altLang="zh-TW" dirty="0" smtClean="0">
+                <a:ea typeface="新細明體" pitchFamily="18" charset="-120"/>
+              </a:rPr>
+              <a:t>Save as </a:t>
+            </a:r>
+            <a:r>
               <a:rPr lang="en-US" altLang="zh-TW" dirty="0" err="1" smtClean="0">
                 <a:ea typeface="新細明體" pitchFamily="18" charset="-120"/>
               </a:rPr>
-              <a:t>Bmi</a:t>
+              <a:t>multiple.php</a:t>
             </a:r>
             <a:r>
               <a:rPr lang="en-US" altLang="zh-TW" dirty="0" smtClean="0">
                 <a:ea typeface="新細明體" pitchFamily="18" charset="-120"/>
               </a:rPr>
-              <a:t> = weight(kg)/height(m)/height(m)</a:t>
-            </a:r>
-          </a:p>
-          <a:p>
-            <a:pPr eaLnBrk="1" hangingPunct="1"/>
-            <a:r>
-              <a:rPr lang="en-US" altLang="zh-TW" dirty="0" smtClean="0">
-                <a:ea typeface="新細明體" pitchFamily="18" charset="-120"/>
-              </a:rPr>
-              <a:t>If I am 70kg and 1.74m, what is my </a:t>
-            </a:r>
-            <a:r>
-              <a:rPr lang="en-US" altLang="zh-TW" dirty="0" err="1" smtClean="0">
-                <a:ea typeface="新細明體" pitchFamily="18" charset="-120"/>
-              </a:rPr>
-              <a:t>bmi</a:t>
-            </a:r>
-            <a:r>
-              <a:rPr lang="en-US" altLang="zh-TW" dirty="0" smtClean="0">
-                <a:ea typeface="新細明體" pitchFamily="18" charset="-120"/>
-              </a:rPr>
-              <a:t>?</a:t>
-            </a:r>
-          </a:p>
-          <a:p>
-            <a:pPr eaLnBrk="1" hangingPunct="1"/>
-            <a:r>
-              <a:rPr lang="en-US" altLang="zh-TW" dirty="0" smtClean="0">
-                <a:ea typeface="新細明體" pitchFamily="18" charset="-120"/>
-              </a:rPr>
-              <a:t>&lt;18.5 underweight, 18.5-25.0 normal, &gt;25.0 overweight</a:t>
-            </a:r>
-          </a:p>
-          <a:p>
-            <a:pPr eaLnBrk="1" hangingPunct="1"/>
-            <a:r>
-              <a:rPr lang="en-US" altLang="zh-TW" dirty="0" smtClean="0">
-                <a:ea typeface="新細明體" pitchFamily="18" charset="-120"/>
-              </a:rPr>
-              <a:t>Write a form that can let user to input his/her height and weight</a:t>
-            </a:r>
-          </a:p>
-          <a:p>
-            <a:pPr eaLnBrk="1" hangingPunct="1"/>
-            <a:r>
-              <a:rPr lang="en-US" altLang="zh-TW" dirty="0" smtClean="0">
-                <a:ea typeface="新細明體" pitchFamily="18" charset="-120"/>
-              </a:rPr>
-              <a:t>See </a:t>
-            </a:r>
-            <a:r>
-              <a:rPr lang="en-US" altLang="zh-TW" dirty="0" err="1" smtClean="0">
-                <a:ea typeface="新細明體" pitchFamily="18" charset="-120"/>
-              </a:rPr>
-              <a:t>bmi.php</a:t>
-            </a:r>
-            <a:endParaRPr lang="en-US" altLang="zh-TW" dirty="0" smtClean="0">
-              <a:ea typeface="新細明體" pitchFamily="18" charset="-120"/>
-            </a:endParaRPr>
+              <a:t> and test the page</a:t>
+            </a:r>
           </a:p>
         </p:txBody>
       </p:sp>
     </p:spTree>
     <p:extLst>
       <p:ext uri="{BB962C8B-B14F-4D97-AF65-F5344CB8AC3E}">
-        <p14:creationId xmlns:p14="http://schemas.microsoft.com/office/powerpoint/2010/main" val="55882048"/>
+        <p14:creationId xmlns:p14="http://schemas.microsoft.com/office/powerpoint/2010/main" val="1504660160"/>
       </p:ext>
     </p:extLst>
   </p:cSld>
@@ -19302,12 +19271,42 @@
       </p:grpSpPr>
       <p:sp>
         <p:nvSpPr>
-          <p:cNvPr id="80898" name="Rectangle 1026"/>
+          <p:cNvPr id="178178" name="Rectangle 2"/>
           <p:cNvSpPr>
             <a:spLocks noGrp="1" noChangeArrowheads="1"/>
           </p:cNvSpPr>
           <p:nvPr>
             <p:ph type="title"/>
+          </p:nvPr>
+        </p:nvSpPr>
+        <p:spPr/>
+        <p:txBody>
+          <a:bodyPr>
+            <a:normAutofit/>
+          </a:bodyPr>
+          <a:lstStyle/>
+          <a:p>
+            <a:pPr eaLnBrk="1" hangingPunct="1">
+              <a:defRPr/>
+            </a:pPr>
+            <a:r>
+              <a:rPr lang="en-US" altLang="zh-TW" smtClean="0">
+                <a:latin typeface="Times New Roman" pitchFamily="18" charset="0"/>
+                <a:ea typeface="新細明體" pitchFamily="18" charset="-120"/>
+              </a:rPr>
+              <a:t>Exercise 8 – Body Mass Index</a:t>
+            </a:r>
+          </a:p>
+        </p:txBody>
+      </p:sp>
+      <p:sp>
+        <p:nvSpPr>
+          <p:cNvPr id="41987" name="Rectangle 3"/>
+          <p:cNvSpPr>
+            <a:spLocks noGrp="1" noChangeArrowheads="1"/>
+          </p:cNvSpPr>
+          <p:nvPr>
+            <p:ph idx="1"/>
           </p:nvPr>
         </p:nvSpPr>
         <p:spPr/>
@@ -19315,88 +19314,107 @@
           <a:bodyPr/>
           <a:lstStyle/>
           <a:p>
-            <a:pPr>
-              <a:defRPr/>
-            </a:pPr>
-            <a:r>
-              <a:rPr lang="en-US" altLang="zh-TW" smtClean="0">
-                <a:latin typeface="Times New Roman" pitchFamily="18" charset="0"/>
-              </a:rPr>
-              <a:t>Getting info from a web page</a:t>
-            </a:r>
-          </a:p>
-        </p:txBody>
-      </p:sp>
-      <p:sp>
-        <p:nvSpPr>
-          <p:cNvPr id="44035" name="Rectangle 1027"/>
-          <p:cNvSpPr>
-            <a:spLocks noGrp="1" noChangeArrowheads="1"/>
-          </p:cNvSpPr>
-          <p:nvPr>
-            <p:ph idx="1"/>
-          </p:nvPr>
-        </p:nvSpPr>
-        <p:spPr/>
-        <p:txBody>
-          <a:bodyPr/>
-          <a:lstStyle/>
-          <a:p>
-            <a:r>
-              <a:rPr lang="en-US" altLang="zh-TW" smtClean="0">
-                <a:ea typeface="新細明體" pitchFamily="18" charset="-120"/>
-              </a:rPr>
-              <a:t>Create a form by Dreamweaver to collect username and password for login</a:t>
-            </a:r>
-          </a:p>
-          <a:p>
-            <a:r>
-              <a:rPr lang="en-US" altLang="zh-TW" smtClean="0">
-                <a:ea typeface="新細明體" pitchFamily="18" charset="-120"/>
-              </a:rPr>
-              <a:t>Send the information to the php</a:t>
-            </a:r>
-          </a:p>
-          <a:p>
-            <a:r>
-              <a:rPr lang="en-US" altLang="zh-TW" smtClean="0">
-                <a:ea typeface="新細明體" pitchFamily="18" charset="-120"/>
-              </a:rPr>
-              <a:t>Create a php page</a:t>
-            </a:r>
-          </a:p>
-          <a:p>
-            <a:r>
-              <a:rPr lang="en-US" altLang="zh-TW" smtClean="0">
-                <a:ea typeface="新細明體" pitchFamily="18" charset="-120"/>
-              </a:rPr>
-              <a:t>Test the html page</a:t>
-            </a:r>
-          </a:p>
-          <a:p>
-            <a:r>
-              <a:rPr lang="en-US" altLang="zh-TW" smtClean="0">
-                <a:ea typeface="新細明體" pitchFamily="18" charset="-120"/>
-              </a:rPr>
-              <a:t>Result can be seen by the php page</a:t>
-            </a:r>
-          </a:p>
-          <a:p>
-            <a:r>
-              <a:rPr lang="en-US" altLang="zh-TW" smtClean="0">
-                <a:ea typeface="新細明體" pitchFamily="18" charset="-120"/>
-              </a:rPr>
-              <a:t>login.html</a:t>
-            </a:r>
-          </a:p>
-          <a:p>
-            <a:r>
-              <a:rPr lang="en-US" altLang="zh-TW" smtClean="0">
-                <a:ea typeface="新細明體" pitchFamily="18" charset="-120"/>
-              </a:rPr>
-              <a:t>login.php</a:t>
-            </a:r>
-            <a:endParaRPr lang="zh-TW" altLang="en-US" smtClean="0">
+            <a:pPr eaLnBrk="1" hangingPunct="1"/>
+            <a:r>
+              <a:rPr lang="en-US" altLang="zh-TW" dirty="0" smtClean="0">
+                <a:ea typeface="新細明體" pitchFamily="18" charset="-120"/>
+              </a:rPr>
+              <a:t>Find the </a:t>
+            </a:r>
+            <a:r>
+              <a:rPr lang="en-US" altLang="zh-TW" dirty="0" err="1" smtClean="0">
+                <a:ea typeface="新細明體" pitchFamily="18" charset="-120"/>
+              </a:rPr>
+              <a:t>bmi</a:t>
+            </a:r>
+            <a:r>
+              <a:rPr lang="en-US" altLang="zh-TW" dirty="0" smtClean="0">
+                <a:ea typeface="新細明體" pitchFamily="18" charset="-120"/>
+              </a:rPr>
+              <a:t> for yourself</a:t>
+            </a:r>
+          </a:p>
+          <a:p>
+            <a:pPr eaLnBrk="1" hangingPunct="1"/>
+            <a:r>
+              <a:rPr lang="en-US" altLang="zh-TW" dirty="0" err="1">
+                <a:ea typeface="新細明體" pitchFamily="18" charset="-120"/>
+              </a:rPr>
+              <a:t>b</a:t>
+            </a:r>
+            <a:r>
+              <a:rPr lang="en-US" altLang="zh-TW" dirty="0" err="1" smtClean="0">
+                <a:ea typeface="新細明體" pitchFamily="18" charset="-120"/>
+              </a:rPr>
+              <a:t>mi</a:t>
+            </a:r>
+            <a:r>
+              <a:rPr lang="en-US" altLang="zh-TW" dirty="0" smtClean="0">
+                <a:ea typeface="新細明體" pitchFamily="18" charset="-120"/>
+              </a:rPr>
+              <a:t> </a:t>
+            </a:r>
+            <a:r>
+              <a:rPr lang="en-US" altLang="zh-TW" dirty="0" smtClean="0">
+                <a:ea typeface="新細明體" pitchFamily="18" charset="-120"/>
+              </a:rPr>
+              <a:t>= weight(kg)/height(m)/height(m)</a:t>
+            </a:r>
+          </a:p>
+          <a:p>
+            <a:pPr eaLnBrk="1" hangingPunct="1"/>
+            <a:r>
+              <a:rPr lang="en-US" altLang="zh-TW" dirty="0" smtClean="0">
+                <a:ea typeface="新細明體" pitchFamily="18" charset="-120"/>
+              </a:rPr>
+              <a:t>If I am 70kg and 1.74m, what is my </a:t>
+            </a:r>
+            <a:r>
+              <a:rPr lang="en-US" altLang="zh-TW" dirty="0" err="1" smtClean="0">
+                <a:ea typeface="新細明體" pitchFamily="18" charset="-120"/>
+              </a:rPr>
+              <a:t>bmi</a:t>
+            </a:r>
+            <a:r>
+              <a:rPr lang="en-US" altLang="zh-TW" dirty="0" smtClean="0">
+                <a:ea typeface="新細明體" pitchFamily="18" charset="-120"/>
+              </a:rPr>
+              <a:t>?</a:t>
+            </a:r>
+          </a:p>
+          <a:p>
+            <a:pPr eaLnBrk="1" hangingPunct="1"/>
+            <a:r>
+              <a:rPr lang="en-US" altLang="zh-TW" dirty="0" smtClean="0">
+                <a:ea typeface="新細明體" pitchFamily="18" charset="-120"/>
+              </a:rPr>
+              <a:t>&lt;18.5 underweight, 18.5-25.0 normal, &gt;25.0 overweight</a:t>
+            </a:r>
+          </a:p>
+          <a:p>
+            <a:pPr eaLnBrk="1" hangingPunct="1"/>
+            <a:r>
+              <a:rPr lang="en-US" altLang="zh-TW" dirty="0" smtClean="0">
+                <a:ea typeface="新細明體" pitchFamily="18" charset="-120"/>
+              </a:rPr>
+              <a:t>Write a form that can let user to input his/her height and weight</a:t>
+            </a:r>
+          </a:p>
+          <a:p>
+            <a:pPr eaLnBrk="1" hangingPunct="1"/>
+            <a:r>
+              <a:rPr lang="en-US" altLang="zh-TW" dirty="0" smtClean="0">
+                <a:ea typeface="新細明體" pitchFamily="18" charset="-120"/>
+              </a:rPr>
+              <a:t>See </a:t>
+            </a:r>
+            <a:r>
+              <a:rPr lang="en-US" altLang="zh-TW" dirty="0" err="1" smtClean="0">
+                <a:ea typeface="新細明體" pitchFamily="18" charset="-120"/>
+              </a:rPr>
+              <a:t>bmi.php</a:t>
+            </a:r>
+            <a:endParaRPr lang="en-US" altLang="zh-TW" dirty="0" smtClean="0">
               <a:ea typeface="新細明體" pitchFamily="18" charset="-120"/>
             </a:endParaRPr>
           </a:p>
@@ -19405,7 +19423,7 @@
     </p:spTree>
     <p:extLst>
       <p:ext uri="{BB962C8B-B14F-4D97-AF65-F5344CB8AC3E}">
-        <p14:creationId xmlns:p14="http://schemas.microsoft.com/office/powerpoint/2010/main" val="2127791752"/>
+        <p14:creationId xmlns:p14="http://schemas.microsoft.com/office/powerpoint/2010/main" val="55882048"/>
       </p:ext>
     </p:extLst>
   </p:cSld>
@@ -19444,6 +19462,148 @@
       </p:grpSpPr>
       <p:sp>
         <p:nvSpPr>
+          <p:cNvPr id="80898" name="Rectangle 1026"/>
+          <p:cNvSpPr>
+            <a:spLocks noGrp="1" noChangeArrowheads="1"/>
+          </p:cNvSpPr>
+          <p:nvPr>
+            <p:ph type="title"/>
+          </p:nvPr>
+        </p:nvSpPr>
+        <p:spPr/>
+        <p:txBody>
+          <a:bodyPr/>
+          <a:lstStyle/>
+          <a:p>
+            <a:pPr>
+              <a:defRPr/>
+            </a:pPr>
+            <a:r>
+              <a:rPr lang="en-US" altLang="zh-TW" smtClean="0">
+                <a:latin typeface="Times New Roman" pitchFamily="18" charset="0"/>
+              </a:rPr>
+              <a:t>Getting info from a web page</a:t>
+            </a:r>
+          </a:p>
+        </p:txBody>
+      </p:sp>
+      <p:sp>
+        <p:nvSpPr>
+          <p:cNvPr id="44035" name="Rectangle 1027"/>
+          <p:cNvSpPr>
+            <a:spLocks noGrp="1" noChangeArrowheads="1"/>
+          </p:cNvSpPr>
+          <p:nvPr>
+            <p:ph idx="1"/>
+          </p:nvPr>
+        </p:nvSpPr>
+        <p:spPr/>
+        <p:txBody>
+          <a:bodyPr/>
+          <a:lstStyle/>
+          <a:p>
+            <a:r>
+              <a:rPr lang="en-US" altLang="zh-TW" smtClean="0">
+                <a:ea typeface="新細明體" pitchFamily="18" charset="-120"/>
+              </a:rPr>
+              <a:t>Create a form by Dreamweaver to collect username and password for login</a:t>
+            </a:r>
+          </a:p>
+          <a:p>
+            <a:r>
+              <a:rPr lang="en-US" altLang="zh-TW" smtClean="0">
+                <a:ea typeface="新細明體" pitchFamily="18" charset="-120"/>
+              </a:rPr>
+              <a:t>Send the information to the php</a:t>
+            </a:r>
+          </a:p>
+          <a:p>
+            <a:r>
+              <a:rPr lang="en-US" altLang="zh-TW" smtClean="0">
+                <a:ea typeface="新細明體" pitchFamily="18" charset="-120"/>
+              </a:rPr>
+              <a:t>Create a php page</a:t>
+            </a:r>
+          </a:p>
+          <a:p>
+            <a:r>
+              <a:rPr lang="en-US" altLang="zh-TW" smtClean="0">
+                <a:ea typeface="新細明體" pitchFamily="18" charset="-120"/>
+              </a:rPr>
+              <a:t>Test the html page</a:t>
+            </a:r>
+          </a:p>
+          <a:p>
+            <a:r>
+              <a:rPr lang="en-US" altLang="zh-TW" smtClean="0">
+                <a:ea typeface="新細明體" pitchFamily="18" charset="-120"/>
+              </a:rPr>
+              <a:t>Result can be seen by the php page</a:t>
+            </a:r>
+          </a:p>
+          <a:p>
+            <a:r>
+              <a:rPr lang="en-US" altLang="zh-TW" smtClean="0">
+                <a:ea typeface="新細明體" pitchFamily="18" charset="-120"/>
+              </a:rPr>
+              <a:t>login.html</a:t>
+            </a:r>
+          </a:p>
+          <a:p>
+            <a:r>
+              <a:rPr lang="en-US" altLang="zh-TW" smtClean="0">
+                <a:ea typeface="新細明體" pitchFamily="18" charset="-120"/>
+              </a:rPr>
+              <a:t>login.php</a:t>
+            </a:r>
+            <a:endParaRPr lang="zh-TW" altLang="en-US" smtClean="0">
+              <a:ea typeface="新細明體" pitchFamily="18" charset="-120"/>
+            </a:endParaRPr>
+          </a:p>
+        </p:txBody>
+      </p:sp>
+    </p:spTree>
+    <p:extLst>
+      <p:ext uri="{BB962C8B-B14F-4D97-AF65-F5344CB8AC3E}">
+        <p14:creationId xmlns:p14="http://schemas.microsoft.com/office/powerpoint/2010/main" val="2127791752"/>
+      </p:ext>
+    </p:extLst>
+  </p:cSld>
+  <p:clrMapOvr>
+    <a:masterClrMapping/>
+  </p:clrMapOvr>
+  <p:transition>
+    <p:checker/>
+  </p:transition>
+  <p:timing>
+    <p:tnLst>
+      <p:par>
+        <p:cTn id="1" dur="indefinite" restart="never" nodeType="tmRoot"/>
+      </p:par>
+    </p:tnLst>
+  </p:timing>
+</p:sld>
+</file>
+
+<file path=ppt/slides/slide38.xml><?xml version="1.0" encoding="utf-8"?>
+<p:sld xmlns:a="http://schemas.openxmlformats.org/drawingml/2006/main" xmlns:r="http://schemas.openxmlformats.org/officeDocument/2006/relationships" xmlns:p="http://schemas.openxmlformats.org/presentationml/2006/main">
+  <p:cSld>
+    <p:spTree>
+      <p:nvGrpSpPr>
+        <p:cNvPr id="1" name=""/>
+        <p:cNvGrpSpPr/>
+        <p:nvPr/>
+      </p:nvGrpSpPr>
+      <p:grpSpPr>
+        <a:xfrm>
+          <a:off x="0" y="0"/>
+          <a:ext cx="0" cy="0"/>
+          <a:chOff x="0" y="0"/>
+          <a:chExt cx="0" cy="0"/>
+        </a:xfrm>
+      </p:grpSpPr>
+      <p:sp>
+        <p:nvSpPr>
           <p:cNvPr id="100354" name="Rectangle 1026"/>
           <p:cNvSpPr>
             <a:spLocks noGrp="1" noChangeArrowheads="1"/>
@@ -19567,7 +19727,7 @@
 </p:sld>
 </file>
 
-<file path=ppt/slides/slide38.xml><?xml version="1.0" encoding="utf-8"?>
+<file path=ppt/slides/slide39.xml><?xml version="1.0" encoding="utf-8"?>
 <p:sld xmlns:a="http://schemas.openxmlformats.org/drawingml/2006/main" xmlns:r="http://schemas.openxmlformats.org/officeDocument/2006/relationships" xmlns:p="http://schemas.openxmlformats.org/presentationml/2006/main">
   <p:cSld>
     <p:spTree>
@@ -19690,148 +19850,6 @@
     <p:extLst>
       <p:ext uri="{BB962C8B-B14F-4D97-AF65-F5344CB8AC3E}">
         <p14:creationId xmlns:p14="http://schemas.microsoft.com/office/powerpoint/2010/main" val="1476078308"/>
-      </p:ext>
-    </p:extLst>
-  </p:cSld>
-  <p:clrMapOvr>
-    <a:masterClrMapping/>
-  </p:clrMapOvr>
-  <p:transition>
-    <p:checker/>
-  </p:transition>
-  <p:timing>
-    <p:tnLst>
-      <p:par>
-        <p:cTn id="1" dur="indefinite" restart="never" nodeType="tmRoot"/>
-      </p:par>
-    </p:tnLst>
-  </p:timing>
-</p:sld>
-</file>
-
-<file path=ppt/slides/slide39.xml><?xml version="1.0" encoding="utf-8"?>
-<p:sld xmlns:a="http://schemas.openxmlformats.org/drawingml/2006/main" xmlns:r="http://schemas.openxmlformats.org/officeDocument/2006/relationships" xmlns:p="http://schemas.openxmlformats.org/presentationml/2006/main">
-  <p:cSld>
-    <p:spTree>
-      <p:nvGrpSpPr>
-        <p:cNvPr id="1" name=""/>
-        <p:cNvGrpSpPr/>
-        <p:nvPr/>
-      </p:nvGrpSpPr>
-      <p:grpSpPr>
-        <a:xfrm>
-          <a:off x="0" y="0"/>
-          <a:ext cx="0" cy="0"/>
-          <a:chOff x="0" y="0"/>
-          <a:chExt cx="0" cy="0"/>
-        </a:xfrm>
-      </p:grpSpPr>
-      <p:sp>
-        <p:nvSpPr>
-          <p:cNvPr id="101378" name="Rectangle 1026"/>
-          <p:cNvSpPr>
-            <a:spLocks noGrp="1" noChangeArrowheads="1"/>
-          </p:cNvSpPr>
-          <p:nvPr>
-            <p:ph type="title"/>
-          </p:nvPr>
-        </p:nvSpPr>
-        <p:spPr/>
-        <p:txBody>
-          <a:bodyPr/>
-          <a:lstStyle/>
-          <a:p>
-            <a:pPr>
-              <a:defRPr/>
-            </a:pPr>
-            <a:r>
-              <a:rPr lang="en-US" altLang="zh-TW" dirty="0" smtClean="0">
-                <a:latin typeface="Times New Roman" pitchFamily="18" charset="0"/>
-              </a:rPr>
-              <a:t>Error in a web page</a:t>
-            </a:r>
-          </a:p>
-        </p:txBody>
-      </p:sp>
-      <p:sp>
-        <p:nvSpPr>
-          <p:cNvPr id="47107" name="Rectangle 1027"/>
-          <p:cNvSpPr>
-            <a:spLocks noGrp="1" noChangeArrowheads="1"/>
-          </p:cNvSpPr>
-          <p:nvPr>
-            <p:ph idx="1"/>
-          </p:nvPr>
-        </p:nvSpPr>
-        <p:spPr/>
-        <p:txBody>
-          <a:bodyPr/>
-          <a:lstStyle/>
-          <a:p>
-            <a:endParaRPr lang="zh-TW" altLang="en-US" smtClean="0">
-              <a:ea typeface="新細明體" pitchFamily="18" charset="-120"/>
-            </a:endParaRPr>
-          </a:p>
-        </p:txBody>
-      </p:sp>
-      <p:pic>
-        <p:nvPicPr>
-          <p:cNvPr id="47108" name="Picture 5"/>
-          <p:cNvPicPr>
-            <a:picLocks noChangeAspect="1" noChangeArrowheads="1"/>
-          </p:cNvPicPr>
-          <p:nvPr/>
-        </p:nvPicPr>
-        <p:blipFill>
-          <a:blip r:embed="rId2">
-            <a:extLst>
-              <a:ext uri="{28A0092B-C50C-407E-A947-70E740481C1C}">
-                <a14:useLocalDpi xmlns:a14="http://schemas.microsoft.com/office/drawing/2010/main" val="0"/>
-              </a:ext>
-            </a:extLst>
-          </a:blip>
-          <a:srcRect/>
-          <a:stretch>
-            <a:fillRect/>
-          </a:stretch>
-        </p:blipFill>
-        <p:spPr bwMode="auto">
-          <a:xfrm>
-            <a:off x="1338263" y="1562100"/>
-            <a:ext cx="6662737" cy="4581525"/>
-          </a:xfrm>
-          <a:prstGeom prst="rect">
-            <a:avLst/>
-          </a:prstGeom>
-          <a:noFill/>
-          <a:ln>
-            <a:noFill/>
-          </a:ln>
-          <a:extLst>
-            <a:ext uri="{909E8E84-426E-40DD-AFC4-6F175D3DCCD1}">
-              <a14:hiddenFill xmlns:a14="http://schemas.microsoft.com/office/drawing/2010/main">
-                <a:solidFill>
-                  <a:srgbClr val="FFFFFF"/>
-                </a:solidFill>
-              </a14:hiddenFill>
-            </a:ext>
-            <a:ext uri="{91240B29-F687-4F45-9708-019B960494DF}">
-              <a14:hiddenLine xmlns:a14="http://schemas.microsoft.com/office/drawing/2010/main" w="9525">
-                <a:solidFill>
-                  <a:srgbClr val="000000"/>
-                </a:solidFill>
-                <a:miter lim="800000"/>
-                <a:headEnd/>
-                <a:tailEnd/>
-              </a14:hiddenLine>
-            </a:ext>
-          </a:extLst>
-        </p:spPr>
-      </p:pic>
-    </p:spTree>
-    <p:extLst>
-      <p:ext uri="{BB962C8B-B14F-4D97-AF65-F5344CB8AC3E}">
-        <p14:creationId xmlns:p14="http://schemas.microsoft.com/office/powerpoint/2010/main" val="717032412"/>
       </p:ext>
     </p:extLst>
   </p:cSld>
@@ -19988,7 +20006,7 @@
       </p:grpSpPr>
       <p:sp>
         <p:nvSpPr>
-          <p:cNvPr id="80898" name="Rectangle 1026"/>
+          <p:cNvPr id="101378" name="Rectangle 1026"/>
           <p:cNvSpPr>
             <a:spLocks noGrp="1" noChangeArrowheads="1"/>
           </p:cNvSpPr>
@@ -20005,17 +20023,17 @@
               <a:defRPr/>
             </a:pPr>
             <a:r>
-              <a:rPr lang="en-US" altLang="zh-TW" smtClean="0">
-                <a:latin typeface="Times New Roman" pitchFamily="18" charset="0"/>
-              </a:rPr>
-              <a:t>Getting info from a web page</a:t>
-            </a:r>
-          </a:p>
-        </p:txBody>
-      </p:sp>
-      <p:sp>
-        <p:nvSpPr>
-          <p:cNvPr id="48131" name="Rectangle 1027"/>
+              <a:rPr lang="en-US" altLang="zh-TW" dirty="0" smtClean="0">
+                <a:latin typeface="Times New Roman" pitchFamily="18" charset="0"/>
+              </a:rPr>
+              <a:t>Error in a web page</a:t>
+            </a:r>
+          </a:p>
+        </p:txBody>
+      </p:sp>
+      <p:sp>
+        <p:nvSpPr>
+          <p:cNvPr id="47107" name="Rectangle 1027"/>
           <p:cNvSpPr>
             <a:spLocks noGrp="1" noChangeArrowheads="1"/>
           </p:cNvSpPr>
@@ -20028,70 +20046,70 @@
           <a:bodyPr/>
           <a:lstStyle/>
           <a:p>
-            <a:r>
-              <a:rPr lang="en-US" altLang="zh-TW" smtClean="0">
-                <a:ea typeface="新細明體" pitchFamily="18" charset="-120"/>
-              </a:rPr>
-              <a:t>Create a form by Dreamweaver to collect user information as the picture</a:t>
-            </a:r>
-          </a:p>
-          <a:p>
-            <a:r>
-              <a:rPr lang="en-US" altLang="zh-TW" smtClean="0">
-                <a:ea typeface="新細明體" pitchFamily="18" charset="-120"/>
-              </a:rPr>
-              <a:t>Send the information to the php</a:t>
-            </a:r>
-          </a:p>
-          <a:p>
-            <a:r>
-              <a:rPr lang="en-US" altLang="zh-TW" smtClean="0">
-                <a:ea typeface="新細明體" pitchFamily="18" charset="-120"/>
-              </a:rPr>
-              <a:t>Create a php page</a:t>
-            </a:r>
-          </a:p>
-          <a:p>
-            <a:r>
-              <a:rPr lang="en-US" altLang="zh-TW" smtClean="0">
-                <a:ea typeface="新細明體" pitchFamily="18" charset="-120"/>
-              </a:rPr>
-              <a:t>Test the html page</a:t>
-            </a:r>
-          </a:p>
-          <a:p>
-            <a:r>
-              <a:rPr lang="en-US" altLang="zh-TW" smtClean="0">
-                <a:ea typeface="新細明體" pitchFamily="18" charset="-120"/>
-              </a:rPr>
-              <a:t>Result can be seen by the php page</a:t>
-            </a:r>
-          </a:p>
-          <a:p>
-            <a:r>
-              <a:rPr lang="en-US" altLang="zh-TW" smtClean="0">
-                <a:ea typeface="新細明體" pitchFamily="18" charset="-120"/>
-              </a:rPr>
-              <a:t>registration.htm</a:t>
-            </a:r>
-          </a:p>
-          <a:p>
-            <a:r>
-              <a:rPr lang="en-US" altLang="zh-TW" smtClean="0">
-                <a:ea typeface="新細明體" pitchFamily="18" charset="-120"/>
-              </a:rPr>
-              <a:t>registration.php</a:t>
-            </a:r>
             <a:endParaRPr lang="zh-TW" altLang="en-US" smtClean="0">
               <a:ea typeface="新細明體" pitchFamily="18" charset="-120"/>
             </a:endParaRPr>
           </a:p>
         </p:txBody>
       </p:sp>
+      <p:pic>
+        <p:nvPicPr>
+          <p:cNvPr id="47108" name="Picture 5"/>
+          <p:cNvPicPr>
+            <a:picLocks noChangeAspect="1" noChangeArrowheads="1"/>
+          </p:cNvPicPr>
+          <p:nvPr/>
+        </p:nvPicPr>
+        <p:blipFill>
+          <a:blip r:embed="rId2">
+            <a:extLst>
+              <a:ext uri="{28A0092B-C50C-407E-A947-70E740481C1C}">
+                <a14:useLocalDpi xmlns:a14="http://schemas.microsoft.com/office/drawing/2010/main" val="0"/>
+              </a:ext>
+            </a:extLst>
+          </a:blip>
+          <a:srcRect/>
+          <a:stretch>
+            <a:fillRect/>
+          </a:stretch>
+        </p:blipFill>
+        <p:spPr bwMode="auto">
+          <a:xfrm>
+            <a:off x="1338263" y="1562100"/>
+            <a:ext cx="6662737" cy="4581525"/>
+          </a:xfrm>
+          <a:prstGeom prst="rect">
+            <a:avLst/>
+          </a:prstGeom>
+          <a:noFill/>
+          <a:ln>
+            <a:noFill/>
+          </a:ln>
+          <a:extLst>
+            <a:ext uri="{909E8E84-426E-40DD-AFC4-6F175D3DCCD1}">
+              <a14:hiddenFill xmlns:a14="http://schemas.microsoft.com/office/drawing/2010/main">
+                <a:solidFill>
+                  <a:srgbClr val="FFFFFF"/>
+                </a:solidFill>
+              </a14:hiddenFill>
+            </a:ext>
+            <a:ext uri="{91240B29-F687-4F45-9708-019B960494DF}">
+              <a14:hiddenLine xmlns:a14="http://schemas.microsoft.com/office/drawing/2010/main" w="9525">
+                <a:solidFill>
+                  <a:srgbClr val="000000"/>
+                </a:solidFill>
+                <a:miter lim="800000"/>
+                <a:headEnd/>
+                <a:tailEnd/>
+              </a14:hiddenLine>
+            </a:ext>
+          </a:extLst>
+        </p:spPr>
+      </p:pic>
     </p:spTree>
     <p:extLst>
       <p:ext uri="{BB962C8B-B14F-4D97-AF65-F5344CB8AC3E}">
-        <p14:creationId xmlns:p14="http://schemas.microsoft.com/office/powerpoint/2010/main" val="1633005167"/>
+        <p14:creationId xmlns:p14="http://schemas.microsoft.com/office/powerpoint/2010/main" val="717032412"/>
       </p:ext>
     </p:extLst>
   </p:cSld>
@@ -20147,10 +20165,10 @@
               <a:defRPr/>
             </a:pPr>
             <a:r>
-              <a:rPr lang="en-US" altLang="zh-TW" dirty="0" smtClean="0">
-                <a:latin typeface="Times New Roman" pitchFamily="18" charset="0"/>
-              </a:rPr>
-              <a:t>Homework</a:t>
+              <a:rPr lang="en-US" altLang="zh-TW" smtClean="0">
+                <a:latin typeface="Times New Roman" pitchFamily="18" charset="0"/>
+              </a:rPr>
+              <a:t>Getting info from a web page</a:t>
             </a:r>
           </a:p>
         </p:txBody>
@@ -20167,148 +20185,64 @@
         </p:nvSpPr>
         <p:spPr/>
         <p:txBody>
-          <a:bodyPr>
-            <a:normAutofit fontScale="92500" lnSpcReduction="10000"/>
-          </a:bodyPr>
+          <a:bodyPr/>
           <a:lstStyle/>
           <a:p>
             <a:r>
-              <a:rPr lang="en-US" altLang="zh-TW" dirty="0" smtClean="0">
-                <a:ea typeface="新細明體" pitchFamily="18" charset="-120"/>
-              </a:rPr>
-              <a:t>www.zaturday.com/homework/login.html</a:t>
-            </a:r>
-          </a:p>
-          <a:p>
-            <a:endParaRPr lang="en-US" dirty="0" smtClean="0"/>
-          </a:p>
-          <a:p>
-            <a:pPr marL="0" indent="0">
-              <a:buNone/>
-            </a:pPr>
-            <a:r>
-              <a:rPr lang="en-US" dirty="0" smtClean="0"/>
-              <a:t>Lesson </a:t>
-            </a:r>
-            <a:r>
-              <a:rPr lang="en-US" dirty="0"/>
-              <a:t>23</a:t>
-            </a:r>
-          </a:p>
-          <a:p>
-            <a:r>
-              <a:rPr lang="en-US" dirty="0"/>
-              <a:t>If username is blank, display </a:t>
-            </a:r>
-            <a:r>
-              <a:rPr lang="mr-IN" dirty="0" smtClean="0"/>
-              <a:t>"</a:t>
-            </a:r>
-            <a:r>
-              <a:rPr lang="en-US" dirty="0" smtClean="0"/>
-              <a:t>Please </a:t>
-            </a:r>
-            <a:r>
-              <a:rPr lang="en-US" dirty="0"/>
-              <a:t>input your </a:t>
-            </a:r>
-            <a:r>
-              <a:rPr lang="en-US" dirty="0" smtClean="0"/>
-              <a:t>username</a:t>
-            </a:r>
-            <a:r>
-              <a:rPr lang="mr-IN" dirty="0" smtClean="0"/>
-              <a:t>"</a:t>
-            </a:r>
-            <a:r>
-              <a:rPr lang="en-US" dirty="0" smtClean="0"/>
-              <a:t>.</a:t>
-            </a:r>
-            <a:endParaRPr lang="en-US" dirty="0"/>
-          </a:p>
-          <a:p>
-            <a:r>
-              <a:rPr lang="en-US" dirty="0"/>
-              <a:t>If password is blank, display </a:t>
-            </a:r>
-            <a:r>
-              <a:rPr lang="mr-IN" dirty="0" smtClean="0"/>
-              <a:t>"</a:t>
-            </a:r>
-            <a:r>
-              <a:rPr lang="en-US" dirty="0" smtClean="0"/>
-              <a:t>Please </a:t>
-            </a:r>
-            <a:r>
-              <a:rPr lang="en-US" dirty="0"/>
-              <a:t>input your </a:t>
-            </a:r>
-            <a:r>
-              <a:rPr lang="en-US" dirty="0" smtClean="0"/>
-              <a:t>password</a:t>
-            </a:r>
-            <a:r>
-              <a:rPr lang="mr-IN" dirty="0" smtClean="0"/>
-              <a:t>"</a:t>
-            </a:r>
-            <a:r>
-              <a:rPr lang="en-US" dirty="0" smtClean="0"/>
-              <a:t>.</a:t>
-            </a:r>
-            <a:endParaRPr lang="en-US" dirty="0"/>
-          </a:p>
-          <a:p>
-            <a:r>
-              <a:rPr lang="en-US" dirty="0"/>
-              <a:t>If password is wrong, display </a:t>
-            </a:r>
-            <a:r>
-              <a:rPr lang="mr-IN" dirty="0" smtClean="0"/>
-              <a:t>"</a:t>
-            </a:r>
-            <a:r>
-              <a:rPr lang="en-US" dirty="0" smtClean="0"/>
-              <a:t>wrong password</a:t>
-            </a:r>
-            <a:r>
-              <a:rPr lang="mr-IN" dirty="0" smtClean="0"/>
-              <a:t>"</a:t>
-            </a:r>
-            <a:r>
-              <a:rPr lang="en-US" dirty="0" smtClean="0"/>
-              <a:t>.</a:t>
-            </a:r>
-            <a:endParaRPr lang="en-US" dirty="0"/>
-          </a:p>
-          <a:p>
-            <a:r>
-              <a:rPr lang="en-US" dirty="0"/>
-              <a:t>If password is correct, display </a:t>
-            </a:r>
-            <a:r>
-              <a:rPr lang="mr-IN" dirty="0" smtClean="0"/>
-              <a:t>"</a:t>
-            </a:r>
-            <a:r>
-              <a:rPr lang="en-US" dirty="0" smtClean="0"/>
-              <a:t> </a:t>
-            </a:r>
-            <a:r>
-              <a:rPr lang="en-US" dirty="0"/>
-              <a:t>welcome, username </a:t>
-            </a:r>
-            <a:r>
-              <a:rPr lang="mr-IN" dirty="0" smtClean="0"/>
-              <a:t>"</a:t>
-            </a:r>
-            <a:r>
-              <a:rPr lang="en-US" dirty="0" smtClean="0"/>
-              <a:t>.</a:t>
-            </a:r>
-            <a:endParaRPr lang="en-US" dirty="0"/>
-          </a:p>
-          <a:p>
-            <a:endParaRPr lang="zh-TW" altLang="en-US" dirty="0" smtClean="0">
+              <a:rPr lang="en-US" altLang="zh-TW" smtClean="0">
+                <a:ea typeface="新細明體" pitchFamily="18" charset="-120"/>
+              </a:rPr>
+              <a:t>Create a form by Dreamweaver to collect user information as the picture</a:t>
+            </a:r>
+          </a:p>
+          <a:p>
+            <a:r>
+              <a:rPr lang="en-US" altLang="zh-TW" smtClean="0">
+                <a:ea typeface="新細明體" pitchFamily="18" charset="-120"/>
+              </a:rPr>
+              <a:t>Send the information to the php</a:t>
+            </a:r>
+          </a:p>
+          <a:p>
+            <a:r>
+              <a:rPr lang="en-US" altLang="zh-TW" smtClean="0">
+                <a:ea typeface="新細明體" pitchFamily="18" charset="-120"/>
+              </a:rPr>
+              <a:t>Create a php page</a:t>
+            </a:r>
+          </a:p>
+          <a:p>
+            <a:r>
+              <a:rPr lang="en-US" altLang="zh-TW" smtClean="0">
+                <a:ea typeface="新細明體" pitchFamily="18" charset="-120"/>
+              </a:rPr>
+              <a:t>Test the html page</a:t>
+            </a:r>
+          </a:p>
+          <a:p>
+            <a:r>
+              <a:rPr lang="en-US" altLang="zh-TW" smtClean="0">
+                <a:ea typeface="新細明體" pitchFamily="18" charset="-120"/>
+              </a:rPr>
+              <a:t>Result can be seen by the php page</a:t>
+            </a:r>
+          </a:p>
+          <a:p>
+            <a:r>
+              <a:rPr lang="en-US" altLang="zh-TW" smtClean="0">
+                <a:ea typeface="新細明體" pitchFamily="18" charset="-120"/>
+              </a:rPr>
+              <a:t>registration.htm</a:t>
+            </a:r>
+          </a:p>
+          <a:p>
+            <a:r>
+              <a:rPr lang="en-US" altLang="zh-TW" smtClean="0">
+                <a:ea typeface="新細明體" pitchFamily="18" charset="-120"/>
+              </a:rPr>
+              <a:t>registration.php</a:t>
+            </a:r>
+            <a:endParaRPr lang="zh-TW" altLang="en-US" smtClean="0">
               <a:ea typeface="新細明體" pitchFamily="18" charset="-120"/>
             </a:endParaRPr>
           </a:p>
@@ -20317,7 +20251,7 @@
     </p:spTree>
     <p:extLst>
       <p:ext uri="{BB962C8B-B14F-4D97-AF65-F5344CB8AC3E}">
-        <p14:creationId xmlns:p14="http://schemas.microsoft.com/office/powerpoint/2010/main" val="1076833109"/>
+        <p14:creationId xmlns:p14="http://schemas.microsoft.com/office/powerpoint/2010/main" val="1633005167"/>
       </p:ext>
     </p:extLst>
   </p:cSld>
@@ -20356,6 +20290,232 @@
       </p:grpSpPr>
       <p:sp>
         <p:nvSpPr>
+          <p:cNvPr id="80898" name="Rectangle 1026"/>
+          <p:cNvSpPr>
+            <a:spLocks noGrp="1" noChangeArrowheads="1"/>
+          </p:cNvSpPr>
+          <p:nvPr>
+            <p:ph type="title"/>
+          </p:nvPr>
+        </p:nvSpPr>
+        <p:spPr/>
+        <p:txBody>
+          <a:bodyPr/>
+          <a:lstStyle/>
+          <a:p>
+            <a:pPr>
+              <a:defRPr/>
+            </a:pPr>
+            <a:r>
+              <a:rPr lang="en-US" altLang="zh-TW" dirty="0" smtClean="0">
+                <a:latin typeface="Times New Roman" pitchFamily="18" charset="0"/>
+              </a:rPr>
+              <a:t>Homework</a:t>
+            </a:r>
+          </a:p>
+        </p:txBody>
+      </p:sp>
+      <p:sp>
+        <p:nvSpPr>
+          <p:cNvPr id="48131" name="Rectangle 1027"/>
+          <p:cNvSpPr>
+            <a:spLocks noGrp="1" noChangeArrowheads="1"/>
+          </p:cNvSpPr>
+          <p:nvPr>
+            <p:ph idx="1"/>
+          </p:nvPr>
+        </p:nvSpPr>
+        <p:spPr/>
+        <p:txBody>
+          <a:bodyPr>
+            <a:normAutofit fontScale="92500" lnSpcReduction="10000"/>
+          </a:bodyPr>
+          <a:lstStyle/>
+          <a:p>
+            <a:r>
+              <a:rPr lang="en-US" altLang="zh-TW" dirty="0" smtClean="0">
+                <a:ea typeface="新細明體" pitchFamily="18" charset="-120"/>
+              </a:rPr>
+              <a:t>www.zaturday.com/homework/login.html</a:t>
+            </a:r>
+          </a:p>
+          <a:p>
+            <a:endParaRPr lang="en-US" dirty="0" smtClean="0"/>
+          </a:p>
+          <a:p>
+            <a:pPr marL="0" indent="0">
+              <a:buNone/>
+            </a:pPr>
+            <a:r>
+              <a:rPr lang="en-US" dirty="0" smtClean="0"/>
+              <a:t>Lesson </a:t>
+            </a:r>
+            <a:r>
+              <a:rPr lang="en-US" dirty="0"/>
+              <a:t>23</a:t>
+            </a:r>
+          </a:p>
+          <a:p>
+            <a:r>
+              <a:rPr lang="en-US" dirty="0"/>
+              <a:t>If username is blank, display </a:t>
+            </a:r>
+            <a:r>
+              <a:rPr lang="mr-IN" dirty="0" smtClean="0"/>
+              <a:t>"</a:t>
+            </a:r>
+            <a:r>
+              <a:rPr lang="en-US" dirty="0" smtClean="0"/>
+              <a:t>Please </a:t>
+            </a:r>
+            <a:r>
+              <a:rPr lang="en-US" dirty="0"/>
+              <a:t>input your </a:t>
+            </a:r>
+            <a:r>
+              <a:rPr lang="en-US" dirty="0" smtClean="0"/>
+              <a:t>username</a:t>
+            </a:r>
+            <a:r>
+              <a:rPr lang="mr-IN" dirty="0" smtClean="0"/>
+              <a:t>"</a:t>
+            </a:r>
+            <a:r>
+              <a:rPr lang="en-US" dirty="0" smtClean="0"/>
+              <a:t>.</a:t>
+            </a:r>
+            <a:endParaRPr lang="en-US" dirty="0"/>
+          </a:p>
+          <a:p>
+            <a:r>
+              <a:rPr lang="en-US" dirty="0"/>
+              <a:t>If password is blank, display </a:t>
+            </a:r>
+            <a:r>
+              <a:rPr lang="mr-IN" dirty="0" smtClean="0"/>
+              <a:t>"</a:t>
+            </a:r>
+            <a:r>
+              <a:rPr lang="en-US" dirty="0" smtClean="0"/>
+              <a:t>Please </a:t>
+            </a:r>
+            <a:r>
+              <a:rPr lang="en-US" dirty="0"/>
+              <a:t>input your </a:t>
+            </a:r>
+            <a:r>
+              <a:rPr lang="en-US" dirty="0" smtClean="0"/>
+              <a:t>password</a:t>
+            </a:r>
+            <a:r>
+              <a:rPr lang="mr-IN" dirty="0" smtClean="0"/>
+              <a:t>"</a:t>
+            </a:r>
+            <a:r>
+              <a:rPr lang="en-US" dirty="0" smtClean="0"/>
+              <a:t>.</a:t>
+            </a:r>
+            <a:endParaRPr lang="en-US" dirty="0"/>
+          </a:p>
+          <a:p>
+            <a:r>
+              <a:rPr lang="en-US" dirty="0"/>
+              <a:t>If password is wrong, display </a:t>
+            </a:r>
+            <a:r>
+              <a:rPr lang="mr-IN" dirty="0" smtClean="0"/>
+              <a:t>"</a:t>
+            </a:r>
+            <a:r>
+              <a:rPr lang="en-US" dirty="0" smtClean="0"/>
+              <a:t>wrong password</a:t>
+            </a:r>
+            <a:r>
+              <a:rPr lang="mr-IN" dirty="0" smtClean="0"/>
+              <a:t>"</a:t>
+            </a:r>
+            <a:r>
+              <a:rPr lang="en-US" dirty="0" smtClean="0"/>
+              <a:t>.</a:t>
+            </a:r>
+            <a:endParaRPr lang="en-US" dirty="0"/>
+          </a:p>
+          <a:p>
+            <a:r>
+              <a:rPr lang="en-US" dirty="0"/>
+              <a:t>If password is correct, display </a:t>
+            </a:r>
+            <a:r>
+              <a:rPr lang="mr-IN" dirty="0" smtClean="0"/>
+              <a:t>"</a:t>
+            </a:r>
+            <a:r>
+              <a:rPr lang="en-US" dirty="0" smtClean="0"/>
+              <a:t> </a:t>
+            </a:r>
+            <a:r>
+              <a:rPr lang="en-US" dirty="0"/>
+              <a:t>welcome, username </a:t>
+            </a:r>
+            <a:r>
+              <a:rPr lang="mr-IN" dirty="0" smtClean="0"/>
+              <a:t>"</a:t>
+            </a:r>
+            <a:r>
+              <a:rPr lang="en-US" dirty="0" smtClean="0"/>
+              <a:t>.</a:t>
+            </a:r>
+            <a:endParaRPr lang="en-US" dirty="0"/>
+          </a:p>
+          <a:p>
+            <a:endParaRPr lang="zh-TW" altLang="en-US" dirty="0" smtClean="0">
+              <a:ea typeface="新細明體" pitchFamily="18" charset="-120"/>
+            </a:endParaRPr>
+          </a:p>
+        </p:txBody>
+      </p:sp>
+    </p:spTree>
+    <p:extLst>
+      <p:ext uri="{BB962C8B-B14F-4D97-AF65-F5344CB8AC3E}">
+        <p14:creationId xmlns:p14="http://schemas.microsoft.com/office/powerpoint/2010/main" val="1076833109"/>
+      </p:ext>
+    </p:extLst>
+  </p:cSld>
+  <p:clrMapOvr>
+    <a:masterClrMapping/>
+  </p:clrMapOvr>
+  <p:transition>
+    <p:checker/>
+  </p:transition>
+  <p:timing>
+    <p:tnLst>
+      <p:par>
+        <p:cTn id="1" dur="indefinite" restart="never" nodeType="tmRoot"/>
+      </p:par>
+    </p:tnLst>
+  </p:timing>
+</p:sld>
+</file>
+
+<file path=ppt/slides/slide43.xml><?xml version="1.0" encoding="utf-8"?>
+<p:sld xmlns:a="http://schemas.openxmlformats.org/drawingml/2006/main" xmlns:r="http://schemas.openxmlformats.org/officeDocument/2006/relationships" xmlns:p="http://schemas.openxmlformats.org/presentationml/2006/main">
+  <p:cSld>
+    <p:spTree>
+      <p:nvGrpSpPr>
+        <p:cNvPr id="1" name=""/>
+        <p:cNvGrpSpPr/>
+        <p:nvPr/>
+      </p:nvGrpSpPr>
+      <p:grpSpPr>
+        <a:xfrm>
+          <a:off x="0" y="0"/>
+          <a:ext cx="0" cy="0"/>
+          <a:chOff x="0" y="0"/>
+          <a:chExt cx="0" cy="0"/>
+        </a:xfrm>
+      </p:grpSpPr>
+      <p:sp>
+        <p:nvSpPr>
           <p:cNvPr id="24578" name="Rectangle 2"/>
           <p:cNvSpPr>
             <a:spLocks noGrp="1" noChangeArrowheads="1"/>
@@ -20488,17 +20648,14 @@
               <a:rPr lang="en-US" altLang="zh-TW" dirty="0" smtClean="0">
                 <a:ea typeface="新細明體" pitchFamily="18" charset="-120"/>
               </a:rPr>
-              <a:t>M</a:t>
+              <a:t>MD5(32</a:t>
             </a:r>
             <a:r>
               <a:rPr lang="en-US" altLang="zh-TW" dirty="0" smtClean="0">
                 <a:ea typeface="新細明體" pitchFamily="18" charset="-120"/>
               </a:rPr>
-              <a:t>d5(32), sha1(40), sha256(64)</a:t>
-            </a:r>
-            <a:endParaRPr lang="en-US" altLang="zh-TW" dirty="0" smtClean="0">
-              <a:ea typeface="新細明體" pitchFamily="18" charset="-120"/>
-            </a:endParaRPr>
+              <a:t>), sha1(40), sha256(64)</a:t>
+            </a:r>
           </a:p>
           <a:p>
             <a:r>
@@ -20891,9 +21048,9 @@
       </p:grpSpPr>
       <p:sp>
         <p:nvSpPr>
-          <p:cNvPr id="10242" name="Rectangle 2"/>
-          <p:cNvSpPr>
-            <a:spLocks noGrp="1" noChangeArrowheads="1"/>
+          <p:cNvPr id="2" name="Title 1"/>
+          <p:cNvSpPr>
+            <a:spLocks noGrp="1"/>
           </p:cNvSpPr>
           <p:nvPr>
             <p:ph type="title"/>
@@ -20904,23 +21061,19 @@
           <a:bodyPr/>
           <a:lstStyle/>
           <a:p>
-            <a:pPr>
-              <a:defRPr/>
-            </a:pPr>
-            <a:r>
-              <a:rPr lang="en-US" altLang="zh-TW" dirty="0" smtClean="0">
-                <a:latin typeface="Times New Roman" pitchFamily="18" charset="0"/>
-              </a:rPr>
-              <a:t>Server side programming</a:t>
-            </a:r>
-          </a:p>
-        </p:txBody>
-      </p:sp>
-      <p:sp>
-        <p:nvSpPr>
-          <p:cNvPr id="17411" name="Rectangle 3"/>
-          <p:cNvSpPr>
-            <a:spLocks noGrp="1" noChangeArrowheads="1"/>
+            <a:r>
+              <a:rPr lang="en-US" dirty="0" smtClean="0"/>
+              <a:t>Password</a:t>
+            </a:r>
+            <a:endParaRPr lang="en-US" dirty="0"/>
+          </a:p>
+        </p:txBody>
+      </p:sp>
+      <p:sp>
+        <p:nvSpPr>
+          <p:cNvPr id="3" name="Content Placeholder 2"/>
+          <p:cNvSpPr>
+            <a:spLocks noGrp="1"/>
           </p:cNvSpPr>
           <p:nvPr>
             <p:ph idx="1"/>
@@ -20931,91 +21084,20 @@
           <a:bodyPr/>
           <a:lstStyle/>
           <a:p>
-            <a:r>
-              <a:rPr lang="en-US" altLang="zh-TW" dirty="0" smtClean="0">
-                <a:ea typeface="新細明體" pitchFamily="18" charset="-120"/>
-              </a:rPr>
-              <a:t>PHP</a:t>
-            </a:r>
-          </a:p>
-          <a:p>
-            <a:r>
-              <a:rPr lang="en-US" altLang="zh-TW" dirty="0" smtClean="0">
-                <a:ea typeface="新細明體" pitchFamily="18" charset="-120"/>
-              </a:rPr>
-              <a:t>CGI (Perl)</a:t>
-            </a:r>
-          </a:p>
-          <a:p>
-            <a:r>
-              <a:rPr lang="en-US" altLang="zh-TW" dirty="0" smtClean="0">
-                <a:ea typeface="新細明體" pitchFamily="18" charset="-120"/>
-              </a:rPr>
-              <a:t>ASP / ASPX</a:t>
-            </a:r>
-          </a:p>
-          <a:p>
-            <a:r>
-              <a:rPr lang="en-US" altLang="zh-TW" dirty="0" smtClean="0">
-                <a:ea typeface="新細明體" pitchFamily="18" charset="-120"/>
-              </a:rPr>
-              <a:t>JSP</a:t>
-            </a:r>
-          </a:p>
-          <a:p>
-            <a:r>
-              <a:rPr lang="en-US" altLang="zh-TW" dirty="0" err="1" smtClean="0">
-                <a:ea typeface="新細明體" pitchFamily="18" charset="-120"/>
-              </a:rPr>
-              <a:t>Node.js</a:t>
-            </a:r>
-            <a:endParaRPr lang="en-US" altLang="zh-TW" dirty="0" smtClean="0">
-              <a:ea typeface="新細明體" pitchFamily="18" charset="-120"/>
-            </a:endParaRPr>
-          </a:p>
-          <a:p>
-            <a:r>
-              <a:rPr lang="en-US" altLang="zh-TW" dirty="0" smtClean="0">
-                <a:ea typeface="新細明體" pitchFamily="18" charset="-120"/>
-              </a:rPr>
-              <a:t>Ruby</a:t>
-            </a:r>
-          </a:p>
-          <a:p>
-            <a:r>
-              <a:rPr lang="en-US" altLang="zh-TW" dirty="0" smtClean="0">
-                <a:ea typeface="新細明體" pitchFamily="18" charset="-120"/>
-              </a:rPr>
-              <a:t>Python</a:t>
-            </a:r>
-          </a:p>
-          <a:p>
-            <a:r>
-              <a:rPr lang="en-US" altLang="zh-TW" dirty="0" smtClean="0">
-                <a:ea typeface="新細明體" pitchFamily="18" charset="-120"/>
-              </a:rPr>
-              <a:t>Cold Fusion</a:t>
-            </a:r>
+            <a:endParaRPr lang="en-US"/>
           </a:p>
         </p:txBody>
       </p:sp>
     </p:spTree>
     <p:extLst>
       <p:ext uri="{BB962C8B-B14F-4D97-AF65-F5344CB8AC3E}">
-        <p14:creationId xmlns:p14="http://schemas.microsoft.com/office/powerpoint/2010/main" val="178847650"/>
+        <p14:creationId xmlns:p14="http://schemas.microsoft.com/office/powerpoint/2010/main" val="3198446013"/>
       </p:ext>
     </p:extLst>
   </p:cSld>
   <p:clrMapOvr>
     <a:masterClrMapping/>
   </p:clrMapOvr>
-  <p:timing>
-    <p:tnLst>
-      <p:par>
-        <p:cTn id="1" dur="indefinite" restart="never" nodeType="tmRoot"/>
-      </p:par>
-    </p:tnLst>
-  </p:timing>
 </p:sld>
 </file>
 
@@ -21269,7 +21351,7 @@
   <a:extraClrSchemeLst/>
   <a:extLst>
     <a:ext uri="{05A4C25C-085E-4340-85A3-A5531E510DB2}">
-      <thm15:themeFamily xmlns:thm15="http://schemas.microsoft.com/office/thememl/2012/main" xmlns="" name="Parallax" id="{3388167B-A2EB-4685-9635-1831D9AEF8C4}" vid="{4F7A876A-7598-49CA-AFC8-8EDA2551E4A7}"/>
+      <thm15:themeFamily xmlns="" xmlns:thm15="http://schemas.microsoft.com/office/thememl/2012/main" name="Parallax" id="{3388167B-A2EB-4685-9635-1831D9AEF8C4}" vid="{4F7A876A-7598-49CA-AFC8-8EDA2551E4A7}"/>
     </a:ext>
   </a:extLst>
 </a:theme>

--- a/php-fw4/lesson4.pptx
+++ b/php-fw4/lesson4.pptx
@@ -184,7 +184,7 @@
   </p:defaultTextStyle>
   <p:extLst>
     <p:ext uri="{EFAFB233-063F-42B5-8137-9DF3F51BA10A}">
-      <p15:sldGuideLst xmlns="" xmlns:p15="http://schemas.microsoft.com/office/powerpoint/2012/main">
+      <p15:sldGuideLst xmlns:p15="http://schemas.microsoft.com/office/powerpoint/2012/main" xmlns="">
         <p15:guide id="1" orient="horz" pos="2160">
           <p15:clr>
             <a:srgbClr val="A4A3A4"/>
@@ -198,7 +198,7 @@
       </p15:sldGuideLst>
     </p:ext>
     <p:ext uri="{2D200454-40CA-4A62-9FC3-DE9A4176ACB9}">
-      <p15:notesGuideLst xmlns="" xmlns:p15="http://schemas.microsoft.com/office/powerpoint/2012/main">
+      <p15:notesGuideLst xmlns:p15="http://schemas.microsoft.com/office/powerpoint/2012/main" xmlns="">
         <p15:guide id="1" orient="horz" pos="2880">
           <p15:clr>
             <a:srgbClr val="A4A3A4"/>
@@ -607,7 +607,7 @@
               </a14:hiddenFill>
             </a:ext>
             <a:ext uri="{FAA26D3D-D897-4be2-8F04-BA451C77F1D7}">
-              <ma14:placeholderFlag xmlns="" xmlns:ma14="http://schemas.microsoft.com/office/mac/drawingml/2011/main" val="1"/>
+              <ma14:placeholderFlag xmlns:ma14="http://schemas.microsoft.com/office/mac/drawingml/2011/main" xmlns="" val="1"/>
             </a:ext>
           </a:extLst>
         </p:spPr>
@@ -1149,7 +1149,7 @@
               </a14:hiddenLine>
             </a:ext>
             <a:ext uri="{FAA26D3D-D897-4be2-8F04-BA451C77F1D7}">
-              <ma14:placeholderFlag xmlns="" xmlns:ma14="http://schemas.microsoft.com/office/mac/drawingml/2011/main" val="1"/>
+              <ma14:placeholderFlag xmlns:ma14="http://schemas.microsoft.com/office/mac/drawingml/2011/main" xmlns="" val="1"/>
             </a:ext>
           </a:extLst>
         </p:spPr>
@@ -5278,7 +5278,7 @@
               </a14:hiddenLine>
             </a:ext>
             <a:ext uri="{FAA26D3D-D897-4be2-8F04-BA451C77F1D7}">
-              <ma14:placeholderFlag xmlns="" xmlns:ma14="http://schemas.microsoft.com/office/mac/drawingml/2011/main" val="1"/>
+              <ma14:placeholderFlag xmlns:ma14="http://schemas.microsoft.com/office/mac/drawingml/2011/main" xmlns="" val="1"/>
             </a:ext>
           </a:extLst>
         </p:spPr>
@@ -12968,7 +12968,7 @@
               </a14:hiddenLine>
             </a:ext>
             <a:ext uri="{FAA26D3D-D897-4be2-8F04-BA451C77F1D7}">
-              <ma14:placeholderFlag xmlns="" xmlns:ma14="http://schemas.microsoft.com/office/mac/drawingml/2011/main" val="1"/>
+              <ma14:placeholderFlag xmlns:ma14="http://schemas.microsoft.com/office/mac/drawingml/2011/main" xmlns="" val="1"/>
             </a:ext>
           </a:extLst>
         </p:spPr>
@@ -13029,7 +13029,7 @@
               </a14:hiddenLine>
             </a:ext>
             <a:ext uri="{FAA26D3D-D897-4be2-8F04-BA451C77F1D7}">
-              <ma14:placeholderFlag xmlns="" xmlns:ma14="http://schemas.microsoft.com/office/mac/drawingml/2011/main" val="1"/>
+              <ma14:placeholderFlag xmlns:ma14="http://schemas.microsoft.com/office/mac/drawingml/2011/main" xmlns="" val="1"/>
             </a:ext>
           </a:extLst>
         </p:spPr>
@@ -19352,13 +19352,7 @@
               <a:rPr lang="en-US" altLang="zh-TW" dirty="0" smtClean="0">
                 <a:ea typeface="新細明體" pitchFamily="18" charset="-120"/>
               </a:rPr>
-              <a:t> </a:t>
-            </a:r>
-            <a:r>
-              <a:rPr lang="en-US" altLang="zh-TW" dirty="0" smtClean="0">
-                <a:ea typeface="新細明體" pitchFamily="18" charset="-120"/>
-              </a:rPr>
-              <a:t>= weight(kg)/height(m)/height(m)</a:t>
+              <a:t> = weight(kg)/height(m)/height(m)</a:t>
             </a:r>
           </a:p>
           <a:p>
@@ -20648,13 +20642,7 @@
               <a:rPr lang="en-US" altLang="zh-TW" dirty="0" smtClean="0">
                 <a:ea typeface="新細明體" pitchFamily="18" charset="-120"/>
               </a:rPr>
-              <a:t>MD5(32</a:t>
-            </a:r>
-            <a:r>
-              <a:rPr lang="en-US" altLang="zh-TW" dirty="0" smtClean="0">
-                <a:ea typeface="新細明體" pitchFamily="18" charset="-120"/>
-              </a:rPr>
-              <a:t>), sha1(40), sha256(64)</a:t>
+              <a:t>MD5(32), sha1(40), sha256(64)</a:t>
             </a:r>
           </a:p>
           <a:p>
@@ -21084,6 +21072,16 @@
           <a:bodyPr/>
           <a:lstStyle/>
           <a:p>
+            <a:r>
+              <a:rPr lang="en-US" dirty="0" smtClean="0"/>
+              <a:t>Strong password</a:t>
+            </a:r>
+          </a:p>
+          <a:p>
+            <a:r>
+              <a:rPr lang="en-US" smtClean="0"/>
+              <a:t>PassPhase</a:t>
+            </a:r>
             <a:endParaRPr lang="en-US"/>
           </a:p>
         </p:txBody>
@@ -21351,7 +21349,7 @@
   <a:extraClrSchemeLst/>
   <a:extLst>
     <a:ext uri="{05A4C25C-085E-4340-85A3-A5531E510DB2}">
-      <thm15:themeFamily xmlns="" xmlns:thm15="http://schemas.microsoft.com/office/thememl/2012/main" name="Parallax" id="{3388167B-A2EB-4685-9635-1831D9AEF8C4}" vid="{4F7A876A-7598-49CA-AFC8-8EDA2551E4A7}"/>
+      <thm15:themeFamily xmlns:thm15="http://schemas.microsoft.com/office/thememl/2012/main" xmlns="" name="Parallax" id="{3388167B-A2EB-4685-9635-1831D9AEF8C4}" vid="{4F7A876A-7598-49CA-AFC8-8EDA2551E4A7}"/>
     </a:ext>
   </a:extLst>
 </a:theme>

--- a/php-fw4/lesson4.pptx
+++ b/php-fw4/lesson4.pptx
@@ -5,10 +5,10 @@
     <p:sldMasterId id="2147484302" r:id="rId1"/>
   </p:sldMasterIdLst>
   <p:notesMasterIdLst>
-    <p:notesMasterId r:id="rId45"/>
+    <p:notesMasterId r:id="rId44"/>
   </p:notesMasterIdLst>
   <p:handoutMasterIdLst>
-    <p:handoutMasterId r:id="rId46"/>
+    <p:handoutMasterId r:id="rId45"/>
   </p:handoutMasterIdLst>
   <p:sldIdLst>
     <p:sldId id="256" r:id="rId2"/>
@@ -47,13 +47,12 @@
     <p:sldId id="440" r:id="rId35"/>
     <p:sldId id="441" r:id="rId36"/>
     <p:sldId id="442" r:id="rId37"/>
-    <p:sldId id="444" r:id="rId38"/>
-    <p:sldId id="445" r:id="rId39"/>
-    <p:sldId id="446" r:id="rId40"/>
-    <p:sldId id="447" r:id="rId41"/>
-    <p:sldId id="448" r:id="rId42"/>
-    <p:sldId id="449" r:id="rId43"/>
-    <p:sldId id="398" r:id="rId44"/>
+    <p:sldId id="445" r:id="rId38"/>
+    <p:sldId id="446" r:id="rId39"/>
+    <p:sldId id="447" r:id="rId40"/>
+    <p:sldId id="444" r:id="rId41"/>
+    <p:sldId id="449" r:id="rId42"/>
+    <p:sldId id="398" r:id="rId43"/>
   </p:sldIdLst>
   <p:sldSz cx="9144000" cy="6858000" type="screen4x3"/>
   <p:notesSz cx="6858000" cy="9144000"/>
@@ -184,7 +183,7 @@
   </p:defaultTextStyle>
   <p:extLst>
     <p:ext uri="{EFAFB233-063F-42B5-8137-9DF3F51BA10A}">
-      <p15:sldGuideLst xmlns:p15="http://schemas.microsoft.com/office/powerpoint/2012/main" xmlns="">
+      <p15:sldGuideLst xmlns="" xmlns:p15="http://schemas.microsoft.com/office/powerpoint/2012/main">
         <p15:guide id="1" orient="horz" pos="2160">
           <p15:clr>
             <a:srgbClr val="A4A3A4"/>
@@ -198,7 +197,7 @@
       </p15:sldGuideLst>
     </p:ext>
     <p:ext uri="{2D200454-40CA-4A62-9FC3-DE9A4176ACB9}">
-      <p15:notesGuideLst xmlns:p15="http://schemas.microsoft.com/office/powerpoint/2012/main" xmlns="">
+      <p15:notesGuideLst xmlns="" xmlns:p15="http://schemas.microsoft.com/office/powerpoint/2012/main">
         <p15:guide id="1" orient="horz" pos="2880">
           <p15:clr>
             <a:srgbClr val="A4A3A4"/>
@@ -607,7 +606,7 @@
               </a14:hiddenFill>
             </a:ext>
             <a:ext uri="{FAA26D3D-D897-4be2-8F04-BA451C77F1D7}">
-              <ma14:placeholderFlag xmlns:ma14="http://schemas.microsoft.com/office/mac/drawingml/2011/main" xmlns="" val="1"/>
+              <ma14:placeholderFlag xmlns="" xmlns:ma14="http://schemas.microsoft.com/office/mac/drawingml/2011/main" val="1"/>
             </a:ext>
           </a:extLst>
         </p:spPr>
@@ -1149,7 +1148,7 @@
               </a14:hiddenLine>
             </a:ext>
             <a:ext uri="{FAA26D3D-D897-4be2-8F04-BA451C77F1D7}">
-              <ma14:placeholderFlag xmlns:ma14="http://schemas.microsoft.com/office/mac/drawingml/2011/main" xmlns="" val="1"/>
+              <ma14:placeholderFlag xmlns="" xmlns:ma14="http://schemas.microsoft.com/office/mac/drawingml/2011/main" val="1"/>
             </a:ext>
           </a:extLst>
         </p:spPr>
@@ -5226,7 +5225,7 @@
                   <a:spcPct val="0"/>
                 </a:spcBef>
               </a:pPr>
-              <a:t>43</a:t>
+              <a:t>42</a:t>
             </a:fld>
             <a:endParaRPr kumimoji="0" lang="en-US" altLang="zh-TW"/>
           </a:p>
@@ -5278,7 +5277,7 @@
               </a14:hiddenLine>
             </a:ext>
             <a:ext uri="{FAA26D3D-D897-4be2-8F04-BA451C77F1D7}">
-              <ma14:placeholderFlag xmlns:ma14="http://schemas.microsoft.com/office/mac/drawingml/2011/main" xmlns="" val="1"/>
+              <ma14:placeholderFlag xmlns="" xmlns:ma14="http://schemas.microsoft.com/office/mac/drawingml/2011/main" val="1"/>
             </a:ext>
           </a:extLst>
         </p:spPr>
@@ -12968,7 +12967,7 @@
               </a14:hiddenLine>
             </a:ext>
             <a:ext uri="{FAA26D3D-D897-4be2-8F04-BA451C77F1D7}">
-              <ma14:placeholderFlag xmlns:ma14="http://schemas.microsoft.com/office/mac/drawingml/2011/main" xmlns="" val="1"/>
+              <ma14:placeholderFlag xmlns="" xmlns:ma14="http://schemas.microsoft.com/office/mac/drawingml/2011/main" val="1"/>
             </a:ext>
           </a:extLst>
         </p:spPr>
@@ -13029,7 +13028,7 @@
               </a14:hiddenLine>
             </a:ext>
             <a:ext uri="{FAA26D3D-D897-4be2-8F04-BA451C77F1D7}">
-              <ma14:placeholderFlag xmlns:ma14="http://schemas.microsoft.com/office/mac/drawingml/2011/main" xmlns="" val="1"/>
+              <ma14:placeholderFlag xmlns="" xmlns:ma14="http://schemas.microsoft.com/office/mac/drawingml/2011/main" val="1"/>
             </a:ext>
           </a:extLst>
         </p:spPr>
@@ -14020,7 +14019,7 @@
           </a:p>
           <a:p>
             <a:r>
-              <a:rPr lang="en-US" altLang="zh-TW" dirty="0" err="1" smtClean="0">
+              <a:rPr lang="en-US" altLang="zh-TW" dirty="0" smtClean="0">
                 <a:ea typeface="新細明體" pitchFamily="18" charset="-120"/>
               </a:rPr>
               <a:t>Node.js</a:t>
@@ -19456,7 +19455,7 @@
       </p:grpSpPr>
       <p:sp>
         <p:nvSpPr>
-          <p:cNvPr id="80898" name="Rectangle 1026"/>
+          <p:cNvPr id="100354" name="Rectangle 1026"/>
           <p:cNvSpPr>
             <a:spLocks noGrp="1" noChangeArrowheads="1"/>
           </p:cNvSpPr>
@@ -19481,85 +19480,66 @@
           </a:p>
         </p:txBody>
       </p:sp>
-      <p:sp>
-        <p:nvSpPr>
-          <p:cNvPr id="44035" name="Rectangle 1027"/>
-          <p:cNvSpPr>
-            <a:spLocks noGrp="1" noChangeArrowheads="1"/>
-          </p:cNvSpPr>
+      <p:pic>
+        <p:nvPicPr>
+          <p:cNvPr id="5" name="Picture 5"/>
+          <p:cNvPicPr>
+            <a:picLocks noGrp="1" noChangeAspect="1" noChangeArrowheads="1"/>
+          </p:cNvPicPr>
           <p:nvPr>
             <p:ph idx="1"/>
           </p:nvPr>
-        </p:nvSpPr>
-        <p:spPr/>
-        <p:txBody>
-          <a:bodyPr/>
-          <a:lstStyle/>
-          <a:p>
-            <a:r>
-              <a:rPr lang="en-US" altLang="zh-TW" smtClean="0">
-                <a:ea typeface="新細明體" pitchFamily="18" charset="-120"/>
-              </a:rPr>
-              <a:t>Create a form by Dreamweaver to collect username and password for login</a:t>
-            </a:r>
-          </a:p>
-          <a:p>
-            <a:r>
-              <a:rPr lang="en-US" altLang="zh-TW" smtClean="0">
-                <a:ea typeface="新細明體" pitchFamily="18" charset="-120"/>
-              </a:rPr>
-              <a:t>Send the information to the php</a:t>
-            </a:r>
-          </a:p>
-          <a:p>
-            <a:r>
-              <a:rPr lang="en-US" altLang="zh-TW" smtClean="0">
-                <a:ea typeface="新細明體" pitchFamily="18" charset="-120"/>
-              </a:rPr>
-              <a:t>Create a php page</a:t>
-            </a:r>
-          </a:p>
-          <a:p>
-            <a:r>
-              <a:rPr lang="en-US" altLang="zh-TW" smtClean="0">
-                <a:ea typeface="新細明體" pitchFamily="18" charset="-120"/>
-              </a:rPr>
-              <a:t>Test the html page</a:t>
-            </a:r>
-          </a:p>
-          <a:p>
-            <a:r>
-              <a:rPr lang="en-US" altLang="zh-TW" smtClean="0">
-                <a:ea typeface="新細明體" pitchFamily="18" charset="-120"/>
-              </a:rPr>
-              <a:t>Result can be seen by the php page</a:t>
-            </a:r>
-          </a:p>
-          <a:p>
-            <a:r>
-              <a:rPr lang="en-US" altLang="zh-TW" smtClean="0">
-                <a:ea typeface="新細明體" pitchFamily="18" charset="-120"/>
-              </a:rPr>
-              <a:t>login.html</a:t>
-            </a:r>
-          </a:p>
-          <a:p>
-            <a:r>
-              <a:rPr lang="en-US" altLang="zh-TW" smtClean="0">
-                <a:ea typeface="新細明體" pitchFamily="18" charset="-120"/>
-              </a:rPr>
-              <a:t>login.php</a:t>
-            </a:r>
-            <a:endParaRPr lang="zh-TW" altLang="en-US" smtClean="0">
-              <a:ea typeface="新細明體" pitchFamily="18" charset="-120"/>
-            </a:endParaRPr>
-          </a:p>
-        </p:txBody>
-      </p:sp>
+        </p:nvPicPr>
+        <p:blipFill>
+          <a:blip r:embed="rId2">
+            <a:extLst>
+              <a:ext uri="{28A0092B-C50C-407E-A947-70E740481C1C}">
+                <a14:useLocalDpi xmlns:a14="http://schemas.microsoft.com/office/drawing/2010/main" val="0"/>
+              </a:ext>
+            </a:extLst>
+          </a:blip>
+          <a:srcRect/>
+          <a:stretch>
+            <a:fillRect/>
+          </a:stretch>
+        </p:blipFill>
+        <p:spPr bwMode="auto">
+          <a:xfrm>
+            <a:off x="1833570" y="1916832"/>
+            <a:ext cx="6421296" cy="4536503"/>
+          </a:xfrm>
+          <a:prstGeom prst="rect">
+            <a:avLst/>
+          </a:prstGeom>
+          <a:noFill/>
+          <a:ln>
+            <a:noFill/>
+          </a:ln>
+          <a:extLst>
+            <a:ext uri="{909E8E84-426E-40DD-AFC4-6F175D3DCCD1}">
+              <a14:hiddenFill xmlns:a14="http://schemas.microsoft.com/office/drawing/2010/main">
+                <a:solidFill>
+                  <a:srgbClr val="FFFFFF"/>
+                </a:solidFill>
+              </a14:hiddenFill>
+            </a:ext>
+            <a:ext uri="{91240B29-F687-4F45-9708-019B960494DF}">
+              <a14:hiddenLine xmlns:a14="http://schemas.microsoft.com/office/drawing/2010/main" w="9525">
+                <a:solidFill>
+                  <a:srgbClr val="000000"/>
+                </a:solidFill>
+                <a:miter lim="800000"/>
+                <a:headEnd/>
+                <a:tailEnd/>
+              </a14:hiddenLine>
+            </a:ext>
+          </a:extLst>
+        </p:spPr>
+      </p:pic>
     </p:spTree>
     <p:extLst>
       <p:ext uri="{BB962C8B-B14F-4D97-AF65-F5344CB8AC3E}">
-        <p14:creationId xmlns:p14="http://schemas.microsoft.com/office/powerpoint/2010/main" val="2127791752"/>
+        <p14:creationId xmlns:p14="http://schemas.microsoft.com/office/powerpoint/2010/main" val="1898286020"/>
       </p:ext>
     </p:extLst>
   </p:cSld>
@@ -19598,7 +19578,7 @@
       </p:grpSpPr>
       <p:sp>
         <p:nvSpPr>
-          <p:cNvPr id="100354" name="Rectangle 1026"/>
+          <p:cNvPr id="101378" name="Rectangle 1026"/>
           <p:cNvSpPr>
             <a:spLocks noGrp="1" noChangeArrowheads="1"/>
           </p:cNvSpPr>
@@ -19615,42 +19595,23 @@
               <a:defRPr/>
             </a:pPr>
             <a:r>
-              <a:rPr lang="en-US" altLang="zh-TW" smtClean="0">
-                <a:latin typeface="Times New Roman" pitchFamily="18" charset="0"/>
-              </a:rPr>
-              <a:t>Getting info from a web page</a:t>
-            </a:r>
-          </a:p>
-        </p:txBody>
-      </p:sp>
-      <p:sp>
-        <p:nvSpPr>
-          <p:cNvPr id="45059" name="Rectangle 1027"/>
-          <p:cNvSpPr>
-            <a:spLocks noGrp="1" noChangeArrowheads="1"/>
-          </p:cNvSpPr>
-          <p:nvPr>
-            <p:ph idx="1"/>
-          </p:nvPr>
-        </p:nvSpPr>
-        <p:spPr/>
-        <p:txBody>
-          <a:bodyPr/>
-          <a:lstStyle/>
-          <a:p>
-            <a:endParaRPr lang="zh-TW" altLang="en-US" smtClean="0">
-              <a:ea typeface="新細明體" pitchFamily="18" charset="-120"/>
-            </a:endParaRPr>
+              <a:rPr lang="en-US" altLang="zh-TW" dirty="0" smtClean="0">
+                <a:latin typeface="Times New Roman" pitchFamily="18" charset="0"/>
+              </a:rPr>
+              <a:t>Getting correct information</a:t>
+            </a:r>
           </a:p>
         </p:txBody>
       </p:sp>
       <p:pic>
         <p:nvPicPr>
-          <p:cNvPr id="45060" name="Picture 5"/>
+          <p:cNvPr id="5" name="Picture 6"/>
           <p:cNvPicPr>
-            <a:picLocks noChangeAspect="1" noChangeArrowheads="1"/>
+            <a:picLocks noGrp="1" noChangeAspect="1" noChangeArrowheads="1"/>
           </p:cNvPicPr>
-          <p:nvPr/>
+          <p:nvPr>
+            <p:ph idx="1"/>
+          </p:nvPr>
         </p:nvPicPr>
         <p:blipFill>
           <a:blip r:embed="rId2">
@@ -19667,8 +19628,8 @@
         </p:blipFill>
         <p:spPr bwMode="auto">
           <a:xfrm>
-            <a:off x="1285875" y="1571625"/>
-            <a:ext cx="6572250" cy="4643438"/>
+            <a:off x="1979712" y="1805422"/>
+            <a:ext cx="6120680" cy="4737476"/>
           </a:xfrm>
           <a:prstGeom prst="rect">
             <a:avLst/>
@@ -19701,7 +19662,7 @@
     </p:spTree>
     <p:extLst>
       <p:ext uri="{BB962C8B-B14F-4D97-AF65-F5344CB8AC3E}">
-        <p14:creationId xmlns:p14="http://schemas.microsoft.com/office/powerpoint/2010/main" val="1898286020"/>
+        <p14:creationId xmlns:p14="http://schemas.microsoft.com/office/powerpoint/2010/main" val="1476078308"/>
       </p:ext>
     </p:extLst>
   </p:cSld>
@@ -19760,39 +19721,20 @@
               <a:rPr lang="en-US" altLang="zh-TW" dirty="0" smtClean="0">
                 <a:latin typeface="Times New Roman" pitchFamily="18" charset="0"/>
               </a:rPr>
-              <a:t>Getting correct information</a:t>
-            </a:r>
-          </a:p>
-        </p:txBody>
-      </p:sp>
-      <p:sp>
-        <p:nvSpPr>
-          <p:cNvPr id="46083" name="Rectangle 1027"/>
-          <p:cNvSpPr>
-            <a:spLocks noGrp="1" noChangeArrowheads="1"/>
-          </p:cNvSpPr>
-          <p:nvPr>
-            <p:ph idx="1"/>
-          </p:nvPr>
-        </p:nvSpPr>
-        <p:spPr/>
-        <p:txBody>
-          <a:bodyPr/>
-          <a:lstStyle/>
-          <a:p>
-            <a:endParaRPr lang="zh-TW" altLang="en-US" smtClean="0">
-              <a:ea typeface="新細明體" pitchFamily="18" charset="-120"/>
-            </a:endParaRPr>
+              <a:t>Error in a web page</a:t>
+            </a:r>
           </a:p>
         </p:txBody>
       </p:sp>
       <p:pic>
         <p:nvPicPr>
-          <p:cNvPr id="46084" name="Picture 6"/>
+          <p:cNvPr id="5" name="Picture 5"/>
           <p:cNvPicPr>
-            <a:picLocks noChangeAspect="1" noChangeArrowheads="1"/>
+            <a:picLocks noGrp="1" noChangeAspect="1" noChangeArrowheads="1"/>
           </p:cNvPicPr>
-          <p:nvPr/>
+          <p:nvPr>
+            <p:ph idx="1"/>
+          </p:nvPr>
         </p:nvPicPr>
         <p:blipFill>
           <a:blip r:embed="rId2">
@@ -19809,8 +19751,8 @@
         </p:blipFill>
         <p:spPr bwMode="auto">
           <a:xfrm>
-            <a:off x="1500188" y="1571625"/>
-            <a:ext cx="5907087" cy="4572000"/>
+            <a:off x="1763689" y="1916832"/>
+            <a:ext cx="6584814" cy="4528056"/>
           </a:xfrm>
           <a:prstGeom prst="rect">
             <a:avLst/>
@@ -19843,7 +19785,7 @@
     </p:spTree>
     <p:extLst>
       <p:ext uri="{BB962C8B-B14F-4D97-AF65-F5344CB8AC3E}">
-        <p14:creationId xmlns:p14="http://schemas.microsoft.com/office/powerpoint/2010/main" val="1476078308"/>
+        <p14:creationId xmlns:p14="http://schemas.microsoft.com/office/powerpoint/2010/main" val="717032412"/>
       </p:ext>
     </p:extLst>
   </p:cSld>
@@ -20000,7 +19942,7 @@
       </p:grpSpPr>
       <p:sp>
         <p:nvSpPr>
-          <p:cNvPr id="101378" name="Rectangle 1026"/>
+          <p:cNvPr id="80898" name="Rectangle 1026"/>
           <p:cNvSpPr>
             <a:spLocks noGrp="1" noChangeArrowheads="1"/>
           </p:cNvSpPr>
@@ -20017,17 +19959,17 @@
               <a:defRPr/>
             </a:pPr>
             <a:r>
-              <a:rPr lang="en-US" altLang="zh-TW" dirty="0" smtClean="0">
-                <a:latin typeface="Times New Roman" pitchFamily="18" charset="0"/>
-              </a:rPr>
-              <a:t>Error in a web page</a:t>
-            </a:r>
-          </a:p>
-        </p:txBody>
-      </p:sp>
-      <p:sp>
-        <p:nvSpPr>
-          <p:cNvPr id="47107" name="Rectangle 1027"/>
+              <a:rPr lang="en-US" altLang="zh-TW" smtClean="0">
+                <a:latin typeface="Times New Roman" pitchFamily="18" charset="0"/>
+              </a:rPr>
+              <a:t>Getting info from a web page</a:t>
+            </a:r>
+          </a:p>
+        </p:txBody>
+      </p:sp>
+      <p:sp>
+        <p:nvSpPr>
+          <p:cNvPr id="44035" name="Rectangle 1027"/>
           <p:cNvSpPr>
             <a:spLocks noGrp="1" noChangeArrowheads="1"/>
           </p:cNvSpPr>
@@ -20040,70 +19982,70 @@
           <a:bodyPr/>
           <a:lstStyle/>
           <a:p>
+            <a:r>
+              <a:rPr lang="en-US" altLang="zh-TW" smtClean="0">
+                <a:ea typeface="新細明體" pitchFamily="18" charset="-120"/>
+              </a:rPr>
+              <a:t>Create a form by Dreamweaver to collect username and password for login</a:t>
+            </a:r>
+          </a:p>
+          <a:p>
+            <a:r>
+              <a:rPr lang="en-US" altLang="zh-TW" smtClean="0">
+                <a:ea typeface="新細明體" pitchFamily="18" charset="-120"/>
+              </a:rPr>
+              <a:t>Send the information to the php</a:t>
+            </a:r>
+          </a:p>
+          <a:p>
+            <a:r>
+              <a:rPr lang="en-US" altLang="zh-TW" smtClean="0">
+                <a:ea typeface="新細明體" pitchFamily="18" charset="-120"/>
+              </a:rPr>
+              <a:t>Create a php page</a:t>
+            </a:r>
+          </a:p>
+          <a:p>
+            <a:r>
+              <a:rPr lang="en-US" altLang="zh-TW" smtClean="0">
+                <a:ea typeface="新細明體" pitchFamily="18" charset="-120"/>
+              </a:rPr>
+              <a:t>Test the html page</a:t>
+            </a:r>
+          </a:p>
+          <a:p>
+            <a:r>
+              <a:rPr lang="en-US" altLang="zh-TW" smtClean="0">
+                <a:ea typeface="新細明體" pitchFamily="18" charset="-120"/>
+              </a:rPr>
+              <a:t>Result can be seen by the php page</a:t>
+            </a:r>
+          </a:p>
+          <a:p>
+            <a:r>
+              <a:rPr lang="en-US" altLang="zh-TW" smtClean="0">
+                <a:ea typeface="新細明體" pitchFamily="18" charset="-120"/>
+              </a:rPr>
+              <a:t>login.html</a:t>
+            </a:r>
+          </a:p>
+          <a:p>
+            <a:r>
+              <a:rPr lang="en-US" altLang="zh-TW" smtClean="0">
+                <a:ea typeface="新細明體" pitchFamily="18" charset="-120"/>
+              </a:rPr>
+              <a:t>login.php</a:t>
+            </a:r>
             <a:endParaRPr lang="zh-TW" altLang="en-US" smtClean="0">
               <a:ea typeface="新細明體" pitchFamily="18" charset="-120"/>
             </a:endParaRPr>
           </a:p>
         </p:txBody>
       </p:sp>
-      <p:pic>
-        <p:nvPicPr>
-          <p:cNvPr id="47108" name="Picture 5"/>
-          <p:cNvPicPr>
-            <a:picLocks noChangeAspect="1" noChangeArrowheads="1"/>
-          </p:cNvPicPr>
-          <p:nvPr/>
-        </p:nvPicPr>
-        <p:blipFill>
-          <a:blip r:embed="rId2">
-            <a:extLst>
-              <a:ext uri="{28A0092B-C50C-407E-A947-70E740481C1C}">
-                <a14:useLocalDpi xmlns:a14="http://schemas.microsoft.com/office/drawing/2010/main" val="0"/>
-              </a:ext>
-            </a:extLst>
-          </a:blip>
-          <a:srcRect/>
-          <a:stretch>
-            <a:fillRect/>
-          </a:stretch>
-        </p:blipFill>
-        <p:spPr bwMode="auto">
-          <a:xfrm>
-            <a:off x="1338263" y="1562100"/>
-            <a:ext cx="6662737" cy="4581525"/>
-          </a:xfrm>
-          <a:prstGeom prst="rect">
-            <a:avLst/>
-          </a:prstGeom>
-          <a:noFill/>
-          <a:ln>
-            <a:noFill/>
-          </a:ln>
-          <a:extLst>
-            <a:ext uri="{909E8E84-426E-40DD-AFC4-6F175D3DCCD1}">
-              <a14:hiddenFill xmlns:a14="http://schemas.microsoft.com/office/drawing/2010/main">
-                <a:solidFill>
-                  <a:srgbClr val="FFFFFF"/>
-                </a:solidFill>
-              </a14:hiddenFill>
-            </a:ext>
-            <a:ext uri="{91240B29-F687-4F45-9708-019B960494DF}">
-              <a14:hiddenLine xmlns:a14="http://schemas.microsoft.com/office/drawing/2010/main" w="9525">
-                <a:solidFill>
-                  <a:srgbClr val="000000"/>
-                </a:solidFill>
-                <a:miter lim="800000"/>
-                <a:headEnd/>
-                <a:tailEnd/>
-              </a14:hiddenLine>
-            </a:ext>
-          </a:extLst>
-        </p:spPr>
-      </p:pic>
     </p:spTree>
     <p:extLst>
       <p:ext uri="{BB962C8B-B14F-4D97-AF65-F5344CB8AC3E}">
-        <p14:creationId xmlns:p14="http://schemas.microsoft.com/office/powerpoint/2010/main" val="717032412"/>
+        <p14:creationId xmlns:p14="http://schemas.microsoft.com/office/powerpoint/2010/main" val="2127791752"/>
       </p:ext>
     </p:extLst>
   </p:cSld>
@@ -20159,148 +20101,6 @@
               <a:defRPr/>
             </a:pPr>
             <a:r>
-              <a:rPr lang="en-US" altLang="zh-TW" smtClean="0">
-                <a:latin typeface="Times New Roman" pitchFamily="18" charset="0"/>
-              </a:rPr>
-              <a:t>Getting info from a web page</a:t>
-            </a:r>
-          </a:p>
-        </p:txBody>
-      </p:sp>
-      <p:sp>
-        <p:nvSpPr>
-          <p:cNvPr id="48131" name="Rectangle 1027"/>
-          <p:cNvSpPr>
-            <a:spLocks noGrp="1" noChangeArrowheads="1"/>
-          </p:cNvSpPr>
-          <p:nvPr>
-            <p:ph idx="1"/>
-          </p:nvPr>
-        </p:nvSpPr>
-        <p:spPr/>
-        <p:txBody>
-          <a:bodyPr/>
-          <a:lstStyle/>
-          <a:p>
-            <a:r>
-              <a:rPr lang="en-US" altLang="zh-TW" smtClean="0">
-                <a:ea typeface="新細明體" pitchFamily="18" charset="-120"/>
-              </a:rPr>
-              <a:t>Create a form by Dreamweaver to collect user information as the picture</a:t>
-            </a:r>
-          </a:p>
-          <a:p>
-            <a:r>
-              <a:rPr lang="en-US" altLang="zh-TW" smtClean="0">
-                <a:ea typeface="新細明體" pitchFamily="18" charset="-120"/>
-              </a:rPr>
-              <a:t>Send the information to the php</a:t>
-            </a:r>
-          </a:p>
-          <a:p>
-            <a:r>
-              <a:rPr lang="en-US" altLang="zh-TW" smtClean="0">
-                <a:ea typeface="新細明體" pitchFamily="18" charset="-120"/>
-              </a:rPr>
-              <a:t>Create a php page</a:t>
-            </a:r>
-          </a:p>
-          <a:p>
-            <a:r>
-              <a:rPr lang="en-US" altLang="zh-TW" smtClean="0">
-                <a:ea typeface="新細明體" pitchFamily="18" charset="-120"/>
-              </a:rPr>
-              <a:t>Test the html page</a:t>
-            </a:r>
-          </a:p>
-          <a:p>
-            <a:r>
-              <a:rPr lang="en-US" altLang="zh-TW" smtClean="0">
-                <a:ea typeface="新細明體" pitchFamily="18" charset="-120"/>
-              </a:rPr>
-              <a:t>Result can be seen by the php page</a:t>
-            </a:r>
-          </a:p>
-          <a:p>
-            <a:r>
-              <a:rPr lang="en-US" altLang="zh-TW" smtClean="0">
-                <a:ea typeface="新細明體" pitchFamily="18" charset="-120"/>
-              </a:rPr>
-              <a:t>registration.htm</a:t>
-            </a:r>
-          </a:p>
-          <a:p>
-            <a:r>
-              <a:rPr lang="en-US" altLang="zh-TW" smtClean="0">
-                <a:ea typeface="新細明體" pitchFamily="18" charset="-120"/>
-              </a:rPr>
-              <a:t>registration.php</a:t>
-            </a:r>
-            <a:endParaRPr lang="zh-TW" altLang="en-US" smtClean="0">
-              <a:ea typeface="新細明體" pitchFamily="18" charset="-120"/>
-            </a:endParaRPr>
-          </a:p>
-        </p:txBody>
-      </p:sp>
-    </p:spTree>
-    <p:extLst>
-      <p:ext uri="{BB962C8B-B14F-4D97-AF65-F5344CB8AC3E}">
-        <p14:creationId xmlns:p14="http://schemas.microsoft.com/office/powerpoint/2010/main" val="1633005167"/>
-      </p:ext>
-    </p:extLst>
-  </p:cSld>
-  <p:clrMapOvr>
-    <a:masterClrMapping/>
-  </p:clrMapOvr>
-  <p:transition>
-    <p:checker/>
-  </p:transition>
-  <p:timing>
-    <p:tnLst>
-      <p:par>
-        <p:cTn id="1" dur="indefinite" restart="never" nodeType="tmRoot"/>
-      </p:par>
-    </p:tnLst>
-  </p:timing>
-</p:sld>
-</file>
-
-<file path=ppt/slides/slide42.xml><?xml version="1.0" encoding="utf-8"?>
-<p:sld xmlns:a="http://schemas.openxmlformats.org/drawingml/2006/main" xmlns:r="http://schemas.openxmlformats.org/officeDocument/2006/relationships" xmlns:p="http://schemas.openxmlformats.org/presentationml/2006/main">
-  <p:cSld>
-    <p:spTree>
-      <p:nvGrpSpPr>
-        <p:cNvPr id="1" name=""/>
-        <p:cNvGrpSpPr/>
-        <p:nvPr/>
-      </p:nvGrpSpPr>
-      <p:grpSpPr>
-        <a:xfrm>
-          <a:off x="0" y="0"/>
-          <a:ext cx="0" cy="0"/>
-          <a:chOff x="0" y="0"/>
-          <a:chExt cx="0" cy="0"/>
-        </a:xfrm>
-      </p:grpSpPr>
-      <p:sp>
-        <p:nvSpPr>
-          <p:cNvPr id="80898" name="Rectangle 1026"/>
-          <p:cNvSpPr>
-            <a:spLocks noGrp="1" noChangeArrowheads="1"/>
-          </p:cNvSpPr>
-          <p:nvPr>
-            <p:ph type="title"/>
-          </p:nvPr>
-        </p:nvSpPr>
-        <p:spPr/>
-        <p:txBody>
-          <a:bodyPr/>
-          <a:lstStyle/>
-          <a:p>
-            <a:pPr>
-              <a:defRPr/>
-            </a:pPr>
-            <a:r>
               <a:rPr lang="en-US" altLang="zh-TW" dirty="0" smtClean="0">
                 <a:latin typeface="Times New Roman" pitchFamily="18" charset="0"/>
               </a:rPr>
@@ -20491,7 +20291,7 @@
 </p:sld>
 </file>
 
-<file path=ppt/slides/slide43.xml><?xml version="1.0" encoding="utf-8"?>
+<file path=ppt/slides/slide42.xml><?xml version="1.0" encoding="utf-8"?>
 <p:sld xmlns:a="http://schemas.openxmlformats.org/drawingml/2006/main" xmlns:r="http://schemas.openxmlformats.org/officeDocument/2006/relationships" xmlns:p="http://schemas.openxmlformats.org/presentationml/2006/main">
   <p:cSld>
     <p:spTree>
@@ -21349,7 +21149,7 @@
   <a:extraClrSchemeLst/>
   <a:extLst>
     <a:ext uri="{05A4C25C-085E-4340-85A3-A5531E510DB2}">
-      <thm15:themeFamily xmlns:thm15="http://schemas.microsoft.com/office/thememl/2012/main" xmlns="" name="Parallax" id="{3388167B-A2EB-4685-9635-1831D9AEF8C4}" vid="{4F7A876A-7598-49CA-AFC8-8EDA2551E4A7}"/>
+      <thm15:themeFamily xmlns="" xmlns:thm15="http://schemas.microsoft.com/office/thememl/2012/main" name="Parallax" id="{3388167B-A2EB-4685-9635-1831D9AEF8C4}" vid="{4F7A876A-7598-49CA-AFC8-8EDA2551E4A7}"/>
     </a:ext>
   </a:extLst>
 </a:theme>

--- a/php-fw4/lesson4.pptx
+++ b/php-fw4/lesson4.pptx
@@ -183,7 +183,7 @@
   </p:defaultTextStyle>
   <p:extLst>
     <p:ext uri="{EFAFB233-063F-42B5-8137-9DF3F51BA10A}">
-      <p15:sldGuideLst xmlns="" xmlns:p15="http://schemas.microsoft.com/office/powerpoint/2012/main">
+      <p15:sldGuideLst xmlns:p15="http://schemas.microsoft.com/office/powerpoint/2012/main">
         <p15:guide id="1" orient="horz" pos="2160">
           <p15:clr>
             <a:srgbClr val="A4A3A4"/>
@@ -197,7 +197,7 @@
       </p15:sldGuideLst>
     </p:ext>
     <p:ext uri="{2D200454-40CA-4A62-9FC3-DE9A4176ACB9}">
-      <p15:notesGuideLst xmlns="" xmlns:p15="http://schemas.microsoft.com/office/powerpoint/2012/main">
+      <p15:notesGuideLst xmlns:p15="http://schemas.microsoft.com/office/powerpoint/2012/main">
         <p15:guide id="1" orient="horz" pos="2880">
           <p15:clr>
             <a:srgbClr val="A4A3A4"/>
@@ -606,7 +606,7 @@
               </a14:hiddenFill>
             </a:ext>
             <a:ext uri="{FAA26D3D-D897-4be2-8F04-BA451C77F1D7}">
-              <ma14:placeholderFlag xmlns="" xmlns:ma14="http://schemas.microsoft.com/office/mac/drawingml/2011/main" val="1"/>
+              <ma14:placeholderFlag xmlns:ma14="http://schemas.microsoft.com/office/mac/drawingml/2011/main" val="1"/>
             </a:ext>
           </a:extLst>
         </p:spPr>
@@ -1148,7 +1148,7 @@
               </a14:hiddenLine>
             </a:ext>
             <a:ext uri="{FAA26D3D-D897-4be2-8F04-BA451C77F1D7}">
-              <ma14:placeholderFlag xmlns="" xmlns:ma14="http://schemas.microsoft.com/office/mac/drawingml/2011/main" val="1"/>
+              <ma14:placeholderFlag xmlns:ma14="http://schemas.microsoft.com/office/mac/drawingml/2011/main" val="1"/>
             </a:ext>
           </a:extLst>
         </p:spPr>
@@ -5277,7 +5277,7 @@
               </a14:hiddenLine>
             </a:ext>
             <a:ext uri="{FAA26D3D-D897-4be2-8F04-BA451C77F1D7}">
-              <ma14:placeholderFlag xmlns="" xmlns:ma14="http://schemas.microsoft.com/office/mac/drawingml/2011/main" val="1"/>
+              <ma14:placeholderFlag xmlns:ma14="http://schemas.microsoft.com/office/mac/drawingml/2011/main" val="1"/>
             </a:ext>
           </a:extLst>
         </p:spPr>
@@ -12967,7 +12967,7 @@
               </a14:hiddenLine>
             </a:ext>
             <a:ext uri="{FAA26D3D-D897-4be2-8F04-BA451C77F1D7}">
-              <ma14:placeholderFlag xmlns="" xmlns:ma14="http://schemas.microsoft.com/office/mac/drawingml/2011/main" val="1"/>
+              <ma14:placeholderFlag xmlns:ma14="http://schemas.microsoft.com/office/mac/drawingml/2011/main" val="1"/>
             </a:ext>
           </a:extLst>
         </p:spPr>
@@ -13028,7 +13028,7 @@
               </a14:hiddenLine>
             </a:ext>
             <a:ext uri="{FAA26D3D-D897-4be2-8F04-BA451C77F1D7}">
-              <ma14:placeholderFlag xmlns="" xmlns:ma14="http://schemas.microsoft.com/office/mac/drawingml/2011/main" val="1"/>
+              <ma14:placeholderFlag xmlns:ma14="http://schemas.microsoft.com/office/mac/drawingml/2011/main" val="1"/>
             </a:ext>
           </a:extLst>
         </p:spPr>
@@ -14024,9 +14024,6 @@
               </a:rPr>
               <a:t>Node.js</a:t>
             </a:r>
-            <a:endParaRPr lang="en-US" altLang="zh-TW" dirty="0" smtClean="0">
-              <a:ea typeface="新細明體" pitchFamily="18" charset="-120"/>
-            </a:endParaRPr>
           </a:p>
           <a:p>
             <a:r>
@@ -17908,8 +17905,31 @@
               <a:rPr lang="en-US" altLang="zh-TW" dirty="0" smtClean="0">
                 <a:ea typeface="新細明體" pitchFamily="18" charset="-120"/>
               </a:rPr>
-              <a:t>&gt; + CSS</a:t>
-            </a:r>
+              <a:t>&gt; + </a:t>
+            </a:r>
+            <a:r>
+              <a:rPr lang="en-US" altLang="zh-TW" dirty="0" smtClean="0">
+                <a:ea typeface="新細明體" pitchFamily="18" charset="-120"/>
+              </a:rPr>
+              <a:t>CSS</a:t>
+            </a:r>
+          </a:p>
+          <a:p>
+            <a:r>
+              <a:rPr lang="en-US" altLang="zh-TW" dirty="0">
+                <a:ea typeface="新細明體" pitchFamily="18" charset="-120"/>
+              </a:rPr>
+              <a:t>Or use &lt;div&gt;&lt;/div&gt; + </a:t>
+            </a:r>
+            <a:r>
+              <a:rPr lang="en-US" altLang="zh-TW" dirty="0" smtClean="0">
+                <a:ea typeface="新細明體" pitchFamily="18" charset="-120"/>
+              </a:rPr>
+              <a:t>CSS</a:t>
+            </a:r>
+            <a:endParaRPr lang="en-US" altLang="zh-TW" dirty="0">
+              <a:ea typeface="新細明體" pitchFamily="18" charset="-120"/>
+            </a:endParaRPr>
           </a:p>
         </p:txBody>
       </p:sp>
@@ -20142,12 +20162,9 @@
             </a:pPr>
             <a:r>
               <a:rPr lang="en-US" dirty="0" smtClean="0"/>
-              <a:t>Lesson </a:t>
-            </a:r>
-            <a:r>
-              <a:rPr lang="en-US" dirty="0"/>
-              <a:t>23</a:t>
-            </a:r>
+              <a:t>Lesson 23</a:t>
+            </a:r>
+            <a:endParaRPr lang="en-US" dirty="0"/>
           </a:p>
           <a:p>
             <a:r>
@@ -21149,7 +21166,7 @@
   <a:extraClrSchemeLst/>
   <a:extLst>
     <a:ext uri="{05A4C25C-085E-4340-85A3-A5531E510DB2}">
-      <thm15:themeFamily xmlns="" xmlns:thm15="http://schemas.microsoft.com/office/thememl/2012/main" name="Parallax" id="{3388167B-A2EB-4685-9635-1831D9AEF8C4}" vid="{4F7A876A-7598-49CA-AFC8-8EDA2551E4A7}"/>
+      <thm15:themeFamily xmlns:thm15="http://schemas.microsoft.com/office/thememl/2012/main" name="Parallax" id="{3388167B-A2EB-4685-9635-1831D9AEF8C4}" vid="{4F7A876A-7598-49CA-AFC8-8EDA2551E4A7}"/>
     </a:ext>
   </a:extLst>
 </a:theme>

--- a/php-fw4/lesson4.pptx
+++ b/php-fw4/lesson4.pptx
@@ -13,40 +13,40 @@
   <p:sldIdLst>
     <p:sldId id="256" r:id="rId2"/>
     <p:sldId id="413" r:id="rId3"/>
-    <p:sldId id="414" r:id="rId4"/>
-    <p:sldId id="415" r:id="rId5"/>
-    <p:sldId id="416" r:id="rId6"/>
-    <p:sldId id="451" r:id="rId7"/>
-    <p:sldId id="452" r:id="rId8"/>
-    <p:sldId id="453" r:id="rId9"/>
-    <p:sldId id="454" r:id="rId10"/>
-    <p:sldId id="417" r:id="rId11"/>
-    <p:sldId id="450" r:id="rId12"/>
-    <p:sldId id="418" r:id="rId13"/>
-    <p:sldId id="419" r:id="rId14"/>
-    <p:sldId id="420" r:id="rId15"/>
-    <p:sldId id="421" r:id="rId16"/>
-    <p:sldId id="422" r:id="rId17"/>
-    <p:sldId id="423" r:id="rId18"/>
-    <p:sldId id="424" r:id="rId19"/>
-    <p:sldId id="425" r:id="rId20"/>
-    <p:sldId id="426" r:id="rId21"/>
-    <p:sldId id="427" r:id="rId22"/>
-    <p:sldId id="428" r:id="rId23"/>
-    <p:sldId id="429" r:id="rId24"/>
-    <p:sldId id="430" r:id="rId25"/>
-    <p:sldId id="431" r:id="rId26"/>
-    <p:sldId id="432" r:id="rId27"/>
-    <p:sldId id="433" r:id="rId28"/>
-    <p:sldId id="434" r:id="rId29"/>
-    <p:sldId id="435" r:id="rId30"/>
-    <p:sldId id="436" r:id="rId31"/>
-    <p:sldId id="437" r:id="rId32"/>
-    <p:sldId id="438" r:id="rId33"/>
-    <p:sldId id="439" r:id="rId34"/>
-    <p:sldId id="440" r:id="rId35"/>
-    <p:sldId id="441" r:id="rId36"/>
-    <p:sldId id="442" r:id="rId37"/>
+    <p:sldId id="450" r:id="rId4"/>
+    <p:sldId id="451" r:id="rId5"/>
+    <p:sldId id="452" r:id="rId6"/>
+    <p:sldId id="453" r:id="rId7"/>
+    <p:sldId id="454" r:id="rId8"/>
+    <p:sldId id="455" r:id="rId9"/>
+    <p:sldId id="456" r:id="rId10"/>
+    <p:sldId id="457" r:id="rId11"/>
+    <p:sldId id="458" r:id="rId12"/>
+    <p:sldId id="459" r:id="rId13"/>
+    <p:sldId id="460" r:id="rId14"/>
+    <p:sldId id="461" r:id="rId15"/>
+    <p:sldId id="462" r:id="rId16"/>
+    <p:sldId id="463" r:id="rId17"/>
+    <p:sldId id="464" r:id="rId18"/>
+    <p:sldId id="465" r:id="rId19"/>
+    <p:sldId id="466" r:id="rId20"/>
+    <p:sldId id="467" r:id="rId21"/>
+    <p:sldId id="468" r:id="rId22"/>
+    <p:sldId id="469" r:id="rId23"/>
+    <p:sldId id="470" r:id="rId24"/>
+    <p:sldId id="471" r:id="rId25"/>
+    <p:sldId id="472" r:id="rId26"/>
+    <p:sldId id="473" r:id="rId27"/>
+    <p:sldId id="474" r:id="rId28"/>
+    <p:sldId id="475" r:id="rId29"/>
+    <p:sldId id="476" r:id="rId30"/>
+    <p:sldId id="477" r:id="rId31"/>
+    <p:sldId id="478" r:id="rId32"/>
+    <p:sldId id="479" r:id="rId33"/>
+    <p:sldId id="480" r:id="rId34"/>
+    <p:sldId id="481" r:id="rId35"/>
+    <p:sldId id="482" r:id="rId36"/>
+    <p:sldId id="483" r:id="rId37"/>
     <p:sldId id="445" r:id="rId38"/>
     <p:sldId id="446" r:id="rId39"/>
     <p:sldId id="447" r:id="rId40"/>
@@ -1187,7 +1187,7 @@
       </p:grpSpPr>
       <p:sp>
         <p:nvSpPr>
-          <p:cNvPr id="57346" name="Rectangle 7"/>
+          <p:cNvPr id="56322" name="Rectangle 7"/>
           <p:cNvSpPr>
             <a:spLocks noGrp="1" noChangeArrowheads="1"/>
           </p:cNvSpPr>
@@ -1319,7 +1319,7 @@
             </a:lvl9pPr>
           </a:lstStyle>
           <a:p>
-            <a:fld id="{C798A4D9-DBE8-4D12-9BD0-33B8FD344B2A}" type="slidenum">
+            <a:fld id="{A1DB4528-8FCB-413F-B4CD-D7724F684FDF}" type="slidenum">
               <a:rPr lang="en-US" altLang="zh-TW" sz="1200" smtClean="0"/>
               <a:pPr/>
               <a:t>15</a:t>
@@ -1330,7 +1330,7 @@
       </p:sp>
       <p:sp>
         <p:nvSpPr>
-          <p:cNvPr id="57347" name="Rectangle 2"/>
+          <p:cNvPr id="56323" name="Rectangle 2"/>
           <p:cNvSpPr>
             <a:spLocks noGrp="1" noRot="1" noChangeAspect="1" noChangeArrowheads="1" noTextEdit="1"/>
           </p:cNvSpPr>
@@ -1344,7 +1344,7 @@
       </p:sp>
       <p:sp>
         <p:nvSpPr>
-          <p:cNvPr id="57348" name="Rectangle 3"/>
+          <p:cNvPr id="56324" name="Rectangle 3"/>
           <p:cNvSpPr>
             <a:spLocks noGrp="1" noChangeArrowheads="1"/>
           </p:cNvSpPr>
@@ -1386,7 +1386,7 @@
     </p:spTree>
     <p:extLst>
       <p:ext uri="{BB962C8B-B14F-4D97-AF65-F5344CB8AC3E}">
-        <p14:creationId xmlns:p14="http://schemas.microsoft.com/office/powerpoint/2010/main" val="1798140395"/>
+        <p14:creationId xmlns:p14="http://schemas.microsoft.com/office/powerpoint/2010/main" val="1234965472"/>
       </p:ext>
     </p:extLst>
   </p:cSld>
@@ -1614,7 +1614,7 @@
     </p:spTree>
     <p:extLst>
       <p:ext uri="{BB962C8B-B14F-4D97-AF65-F5344CB8AC3E}">
-        <p14:creationId xmlns:p14="http://schemas.microsoft.com/office/powerpoint/2010/main" val="706907085"/>
+        <p14:creationId xmlns:p14="http://schemas.microsoft.com/office/powerpoint/2010/main" val="1331571506"/>
       </p:ext>
     </p:extLst>
   </p:cSld>
@@ -1842,7 +1842,7 @@
     </p:spTree>
     <p:extLst>
       <p:ext uri="{BB962C8B-B14F-4D97-AF65-F5344CB8AC3E}">
-        <p14:creationId xmlns:p14="http://schemas.microsoft.com/office/powerpoint/2010/main" val="823846047"/>
+        <p14:creationId xmlns:p14="http://schemas.microsoft.com/office/powerpoint/2010/main" val="1403820404"/>
       </p:ext>
     </p:extLst>
   </p:cSld>
@@ -2070,7 +2070,7 @@
     </p:spTree>
     <p:extLst>
       <p:ext uri="{BB962C8B-B14F-4D97-AF65-F5344CB8AC3E}">
-        <p14:creationId xmlns:p14="http://schemas.microsoft.com/office/powerpoint/2010/main" val="1702677461"/>
+        <p14:creationId xmlns:p14="http://schemas.microsoft.com/office/powerpoint/2010/main" val="1916427386"/>
       </p:ext>
     </p:extLst>
   </p:cSld>
@@ -2298,7 +2298,7 @@
     </p:spTree>
     <p:extLst>
       <p:ext uri="{BB962C8B-B14F-4D97-AF65-F5344CB8AC3E}">
-        <p14:creationId xmlns:p14="http://schemas.microsoft.com/office/powerpoint/2010/main" val="303143520"/>
+        <p14:creationId xmlns:p14="http://schemas.microsoft.com/office/powerpoint/2010/main" val="1055337621"/>
       </p:ext>
     </p:extLst>
   </p:cSld>
@@ -2526,7 +2526,7 @@
     </p:spTree>
     <p:extLst>
       <p:ext uri="{BB962C8B-B14F-4D97-AF65-F5344CB8AC3E}">
-        <p14:creationId xmlns:p14="http://schemas.microsoft.com/office/powerpoint/2010/main" val="237798764"/>
+        <p14:creationId xmlns:p14="http://schemas.microsoft.com/office/powerpoint/2010/main" val="881780557"/>
       </p:ext>
     </p:extLst>
   </p:cSld>
@@ -2754,7 +2754,7 @@
     </p:spTree>
     <p:extLst>
       <p:ext uri="{BB962C8B-B14F-4D97-AF65-F5344CB8AC3E}">
-        <p14:creationId xmlns:p14="http://schemas.microsoft.com/office/powerpoint/2010/main" val="944331855"/>
+        <p14:creationId xmlns:p14="http://schemas.microsoft.com/office/powerpoint/2010/main" val="204932485"/>
       </p:ext>
     </p:extLst>
   </p:cSld>
@@ -2982,7 +2982,7 @@
     </p:spTree>
     <p:extLst>
       <p:ext uri="{BB962C8B-B14F-4D97-AF65-F5344CB8AC3E}">
-        <p14:creationId xmlns:p14="http://schemas.microsoft.com/office/powerpoint/2010/main" val="1030433914"/>
+        <p14:creationId xmlns:p14="http://schemas.microsoft.com/office/powerpoint/2010/main" val="1708500610"/>
       </p:ext>
     </p:extLst>
   </p:cSld>
@@ -3210,7 +3210,7 @@
     </p:spTree>
     <p:extLst>
       <p:ext uri="{BB962C8B-B14F-4D97-AF65-F5344CB8AC3E}">
-        <p14:creationId xmlns:p14="http://schemas.microsoft.com/office/powerpoint/2010/main" val="1879618527"/>
+        <p14:creationId xmlns:p14="http://schemas.microsoft.com/office/powerpoint/2010/main" val="602691913"/>
       </p:ext>
     </p:extLst>
   </p:cSld>
@@ -3438,7 +3438,7 @@
     </p:spTree>
     <p:extLst>
       <p:ext uri="{BB962C8B-B14F-4D97-AF65-F5344CB8AC3E}">
-        <p14:creationId xmlns:p14="http://schemas.microsoft.com/office/powerpoint/2010/main" val="1276670862"/>
+        <p14:creationId xmlns:p14="http://schemas.microsoft.com/office/powerpoint/2010/main" val="360333970"/>
       </p:ext>
     </p:extLst>
   </p:cSld>
@@ -3604,7 +3604,7 @@
               <a:pPr/>
               <a:t>3</a:t>
             </a:fld>
-            <a:endParaRPr lang="en-US" altLang="zh-TW" sz="1200" smtClean="0"/>
+            <a:endParaRPr lang="en-US" altLang="zh-TW" sz="1200"/>
           </a:p>
         </p:txBody>
       </p:sp>
@@ -3660,7 +3660,7 @@
           <a:lstStyle/>
           <a:p>
             <a:r>
-              <a:rPr lang="en-US" altLang="zh-TW" smtClean="0"/>
+              <a:rPr lang="en-US" altLang="zh-TW"/>
               <a:t>Who is agent?</a:t>
             </a:r>
           </a:p>
@@ -3669,7 +3669,7 @@
     </p:spTree>
     <p:extLst>
       <p:ext uri="{BB962C8B-B14F-4D97-AF65-F5344CB8AC3E}">
-        <p14:creationId xmlns:p14="http://schemas.microsoft.com/office/powerpoint/2010/main" val="1785271622"/>
+        <p14:creationId xmlns:p14="http://schemas.microsoft.com/office/powerpoint/2010/main" val="15029308"/>
       </p:ext>
     </p:extLst>
   </p:cSld>
@@ -3897,7 +3897,7 @@
     </p:spTree>
     <p:extLst>
       <p:ext uri="{BB962C8B-B14F-4D97-AF65-F5344CB8AC3E}">
-        <p14:creationId xmlns:p14="http://schemas.microsoft.com/office/powerpoint/2010/main" val="803823371"/>
+        <p14:creationId xmlns:p14="http://schemas.microsoft.com/office/powerpoint/2010/main" val="873265679"/>
       </p:ext>
     </p:extLst>
   </p:cSld>
@@ -4125,7 +4125,7 @@
     </p:spTree>
     <p:extLst>
       <p:ext uri="{BB962C8B-B14F-4D97-AF65-F5344CB8AC3E}">
-        <p14:creationId xmlns:p14="http://schemas.microsoft.com/office/powerpoint/2010/main" val="599413623"/>
+        <p14:creationId xmlns:p14="http://schemas.microsoft.com/office/powerpoint/2010/main" val="1883343626"/>
       </p:ext>
     </p:extLst>
   </p:cSld>
@@ -4353,7 +4353,7 @@
     </p:spTree>
     <p:extLst>
       <p:ext uri="{BB962C8B-B14F-4D97-AF65-F5344CB8AC3E}">
-        <p14:creationId xmlns:p14="http://schemas.microsoft.com/office/powerpoint/2010/main" val="327065453"/>
+        <p14:creationId xmlns:p14="http://schemas.microsoft.com/office/powerpoint/2010/main" val="1884568336"/>
       </p:ext>
     </p:extLst>
   </p:cSld>
@@ -4581,7 +4581,7 @@
     </p:spTree>
     <p:extLst>
       <p:ext uri="{BB962C8B-B14F-4D97-AF65-F5344CB8AC3E}">
-        <p14:creationId xmlns:p14="http://schemas.microsoft.com/office/powerpoint/2010/main" val="570506295"/>
+        <p14:creationId xmlns:p14="http://schemas.microsoft.com/office/powerpoint/2010/main" val="1121174014"/>
       </p:ext>
     </p:extLst>
   </p:cSld>
@@ -4809,7 +4809,7 @@
     </p:spTree>
     <p:extLst>
       <p:ext uri="{BB962C8B-B14F-4D97-AF65-F5344CB8AC3E}">
-        <p14:creationId xmlns:p14="http://schemas.microsoft.com/office/powerpoint/2010/main" val="1532019236"/>
+        <p14:creationId xmlns:p14="http://schemas.microsoft.com/office/powerpoint/2010/main" val="208505066"/>
       </p:ext>
     </p:extLst>
   </p:cSld>
@@ -5037,7 +5037,7 @@
     </p:spTree>
     <p:extLst>
       <p:ext uri="{BB962C8B-B14F-4D97-AF65-F5344CB8AC3E}">
-        <p14:creationId xmlns:p14="http://schemas.microsoft.com/office/powerpoint/2010/main" val="1495128377"/>
+        <p14:creationId xmlns:p14="http://schemas.microsoft.com/office/powerpoint/2010/main" val="425813569"/>
       </p:ext>
     </p:extLst>
   </p:cSld>
@@ -5515,7 +5515,7 @@
     </p:spTree>
     <p:extLst>
       <p:ext uri="{BB962C8B-B14F-4D97-AF65-F5344CB8AC3E}">
-        <p14:creationId xmlns:p14="http://schemas.microsoft.com/office/powerpoint/2010/main" val="843193918"/>
+        <p14:creationId xmlns:p14="http://schemas.microsoft.com/office/powerpoint/2010/main" val="2000686805"/>
       </p:ext>
     </p:extLst>
   </p:cSld>
@@ -5743,7 +5743,7 @@
     </p:spTree>
     <p:extLst>
       <p:ext uri="{BB962C8B-B14F-4D97-AF65-F5344CB8AC3E}">
-        <p14:creationId xmlns:p14="http://schemas.microsoft.com/office/powerpoint/2010/main" val="2039014868"/>
+        <p14:creationId xmlns:p14="http://schemas.microsoft.com/office/powerpoint/2010/main" val="208130146"/>
       </p:ext>
     </p:extLst>
   </p:cSld>
@@ -5772,7 +5772,7 @@
       </p:grpSpPr>
       <p:sp>
         <p:nvSpPr>
-          <p:cNvPr id="53250" name="Rectangle 7"/>
+          <p:cNvPr id="52226" name="Rectangle 7"/>
           <p:cNvSpPr>
             <a:spLocks noGrp="1" noChangeArrowheads="1"/>
           </p:cNvSpPr>
@@ -5904,10 +5904,10 @@
             </a:lvl9pPr>
           </a:lstStyle>
           <a:p>
-            <a:fld id="{321EBE3E-B9FB-49AE-8E51-F019B1B77912}" type="slidenum">
+            <a:fld id="{33465F75-1C22-4466-9A09-B23BDFF51839}" type="slidenum">
               <a:rPr lang="en-US" altLang="zh-TW" sz="1200" smtClean="0"/>
               <a:pPr/>
-              <a:t>10</a:t>
+              <a:t>6</a:t>
             </a:fld>
             <a:endParaRPr lang="en-US" altLang="zh-TW" sz="1200" smtClean="0"/>
           </a:p>
@@ -5915,7 +5915,7 @@
       </p:sp>
       <p:sp>
         <p:nvSpPr>
-          <p:cNvPr id="53251" name="Rectangle 2"/>
+          <p:cNvPr id="52227" name="Rectangle 2"/>
           <p:cNvSpPr>
             <a:spLocks noGrp="1" noRot="1" noChangeAspect="1" noChangeArrowheads="1" noTextEdit="1"/>
           </p:cNvSpPr>
@@ -5929,7 +5929,7 @@
       </p:sp>
       <p:sp>
         <p:nvSpPr>
-          <p:cNvPr id="53252" name="Rectangle 3"/>
+          <p:cNvPr id="52228" name="Rectangle 3"/>
           <p:cNvSpPr>
             <a:spLocks noGrp="1" noChangeArrowheads="1"/>
           </p:cNvSpPr>
@@ -5971,7 +5971,7 @@
     </p:spTree>
     <p:extLst>
       <p:ext uri="{BB962C8B-B14F-4D97-AF65-F5344CB8AC3E}">
-        <p14:creationId xmlns:p14="http://schemas.microsoft.com/office/powerpoint/2010/main" val="1562831397"/>
+        <p14:creationId xmlns:p14="http://schemas.microsoft.com/office/powerpoint/2010/main" val="108993941"/>
       </p:ext>
     </p:extLst>
   </p:cSld>
@@ -6199,7 +6199,7 @@
     </p:spTree>
     <p:extLst>
       <p:ext uri="{BB962C8B-B14F-4D97-AF65-F5344CB8AC3E}">
-        <p14:creationId xmlns:p14="http://schemas.microsoft.com/office/powerpoint/2010/main" val="1121067668"/>
+        <p14:creationId xmlns:p14="http://schemas.microsoft.com/office/powerpoint/2010/main" val="1365911024"/>
       </p:ext>
     </p:extLst>
   </p:cSld>
@@ -6228,7 +6228,7 @@
       </p:grpSpPr>
       <p:sp>
         <p:nvSpPr>
-          <p:cNvPr id="55298" name="Rectangle 7"/>
+          <p:cNvPr id="53250" name="Rectangle 7"/>
           <p:cNvSpPr>
             <a:spLocks noGrp="1" noChangeArrowheads="1"/>
           </p:cNvSpPr>
@@ -6360,7 +6360,7 @@
             </a:lvl9pPr>
           </a:lstStyle>
           <a:p>
-            <a:fld id="{D071199D-A5EE-4300-B829-62DB88C8D299}" type="slidenum">
+            <a:fld id="{321EBE3E-B9FB-49AE-8E51-F019B1B77912}" type="slidenum">
               <a:rPr lang="en-US" altLang="zh-TW" sz="1200" smtClean="0"/>
               <a:pPr/>
               <a:t>12</a:t>
@@ -6371,7 +6371,7 @@
       </p:sp>
       <p:sp>
         <p:nvSpPr>
-          <p:cNvPr id="55299" name="Rectangle 2"/>
+          <p:cNvPr id="53251" name="Rectangle 2"/>
           <p:cNvSpPr>
             <a:spLocks noGrp="1" noRot="1" noChangeAspect="1" noChangeArrowheads="1" noTextEdit="1"/>
           </p:cNvSpPr>
@@ -6385,7 +6385,7 @@
       </p:sp>
       <p:sp>
         <p:nvSpPr>
-          <p:cNvPr id="55300" name="Rectangle 3"/>
+          <p:cNvPr id="53252" name="Rectangle 3"/>
           <p:cNvSpPr>
             <a:spLocks noGrp="1" noChangeArrowheads="1"/>
           </p:cNvSpPr>
@@ -6427,7 +6427,7 @@
     </p:spTree>
     <p:extLst>
       <p:ext uri="{BB962C8B-B14F-4D97-AF65-F5344CB8AC3E}">
-        <p14:creationId xmlns:p14="http://schemas.microsoft.com/office/powerpoint/2010/main" val="433951758"/>
+        <p14:creationId xmlns:p14="http://schemas.microsoft.com/office/powerpoint/2010/main" val="1926995618"/>
       </p:ext>
     </p:extLst>
   </p:cSld>
@@ -6456,7 +6456,7 @@
       </p:grpSpPr>
       <p:sp>
         <p:nvSpPr>
-          <p:cNvPr id="54274" name="Rectangle 7"/>
+          <p:cNvPr id="55298" name="Rectangle 7"/>
           <p:cNvSpPr>
             <a:spLocks noGrp="1" noChangeArrowheads="1"/>
           </p:cNvSpPr>
@@ -6588,7 +6588,7 @@
             </a:lvl9pPr>
           </a:lstStyle>
           <a:p>
-            <a:fld id="{E40FC351-8449-49DD-AB63-E6F8A600268E}" type="slidenum">
+            <a:fld id="{D071199D-A5EE-4300-B829-62DB88C8D299}" type="slidenum">
               <a:rPr lang="en-US" altLang="zh-TW" sz="1200" smtClean="0"/>
               <a:pPr/>
               <a:t>13</a:t>
@@ -6599,7 +6599,7 @@
       </p:sp>
       <p:sp>
         <p:nvSpPr>
-          <p:cNvPr id="54275" name="Rectangle 2"/>
+          <p:cNvPr id="55299" name="Rectangle 2"/>
           <p:cNvSpPr>
             <a:spLocks noGrp="1" noRot="1" noChangeAspect="1" noChangeArrowheads="1" noTextEdit="1"/>
           </p:cNvSpPr>
@@ -6613,7 +6613,7 @@
       </p:sp>
       <p:sp>
         <p:nvSpPr>
-          <p:cNvPr id="54276" name="Rectangle 3"/>
+          <p:cNvPr id="55300" name="Rectangle 3"/>
           <p:cNvSpPr>
             <a:spLocks noGrp="1" noChangeArrowheads="1"/>
           </p:cNvSpPr>
@@ -6655,7 +6655,7 @@
     </p:spTree>
     <p:extLst>
       <p:ext uri="{BB962C8B-B14F-4D97-AF65-F5344CB8AC3E}">
-        <p14:creationId xmlns:p14="http://schemas.microsoft.com/office/powerpoint/2010/main" val="876513804"/>
+        <p14:creationId xmlns:p14="http://schemas.microsoft.com/office/powerpoint/2010/main" val="758692455"/>
       </p:ext>
     </p:extLst>
   </p:cSld>
@@ -6684,7 +6684,7 @@
       </p:grpSpPr>
       <p:sp>
         <p:nvSpPr>
-          <p:cNvPr id="56322" name="Rectangle 7"/>
+          <p:cNvPr id="54274" name="Rectangle 7"/>
           <p:cNvSpPr>
             <a:spLocks noGrp="1" noChangeArrowheads="1"/>
           </p:cNvSpPr>
@@ -6816,7 +6816,7 @@
             </a:lvl9pPr>
           </a:lstStyle>
           <a:p>
-            <a:fld id="{A1DB4528-8FCB-413F-B4CD-D7724F684FDF}" type="slidenum">
+            <a:fld id="{E40FC351-8449-49DD-AB63-E6F8A600268E}" type="slidenum">
               <a:rPr lang="en-US" altLang="zh-TW" sz="1200" smtClean="0"/>
               <a:pPr/>
               <a:t>14</a:t>
@@ -6827,7 +6827,7 @@
       </p:sp>
       <p:sp>
         <p:nvSpPr>
-          <p:cNvPr id="56323" name="Rectangle 2"/>
+          <p:cNvPr id="54275" name="Rectangle 2"/>
           <p:cNvSpPr>
             <a:spLocks noGrp="1" noRot="1" noChangeAspect="1" noChangeArrowheads="1" noTextEdit="1"/>
           </p:cNvSpPr>
@@ -6841,7 +6841,7 @@
       </p:sp>
       <p:sp>
         <p:nvSpPr>
-          <p:cNvPr id="56324" name="Rectangle 3"/>
+          <p:cNvPr id="54276" name="Rectangle 3"/>
           <p:cNvSpPr>
             <a:spLocks noGrp="1" noChangeArrowheads="1"/>
           </p:cNvSpPr>
@@ -6883,7 +6883,7 @@
     </p:spTree>
     <p:extLst>
       <p:ext uri="{BB962C8B-B14F-4D97-AF65-F5344CB8AC3E}">
-        <p14:creationId xmlns:p14="http://schemas.microsoft.com/office/powerpoint/2010/main" val="118353707"/>
+        <p14:creationId xmlns:p14="http://schemas.microsoft.com/office/powerpoint/2010/main" val="883922926"/>
       </p:ext>
     </p:extLst>
   </p:cSld>
@@ -13946,9 +13946,9 @@
       </p:grpSpPr>
       <p:sp>
         <p:nvSpPr>
-          <p:cNvPr id="10242" name="Rectangle 2"/>
-          <p:cNvSpPr>
-            <a:spLocks noGrp="1" noChangeArrowheads="1"/>
+          <p:cNvPr id="2" name="Title 1"/>
+          <p:cNvSpPr>
+            <a:spLocks noGrp="1"/>
           </p:cNvSpPr>
           <p:nvPr>
             <p:ph type="title"/>
@@ -13959,23 +13959,19 @@
           <a:bodyPr/>
           <a:lstStyle/>
           <a:p>
-            <a:pPr>
-              <a:defRPr/>
-            </a:pPr>
-            <a:r>
-              <a:rPr lang="en-US" altLang="zh-TW" dirty="0" smtClean="0">
-                <a:latin typeface="Times New Roman" pitchFamily="18" charset="0"/>
-              </a:rPr>
-              <a:t>Server side programming</a:t>
-            </a:r>
-          </a:p>
-        </p:txBody>
-      </p:sp>
-      <p:sp>
-        <p:nvSpPr>
-          <p:cNvPr id="17411" name="Rectangle 3"/>
-          <p:cNvSpPr>
-            <a:spLocks noGrp="1" noChangeArrowheads="1"/>
+            <a:r>
+              <a:rPr lang="en-US" dirty="0" smtClean="0"/>
+              <a:t>Password</a:t>
+            </a:r>
+            <a:endParaRPr lang="en-US" dirty="0"/>
+          </a:p>
+        </p:txBody>
+      </p:sp>
+      <p:sp>
+        <p:nvSpPr>
+          <p:cNvPr id="3" name="Content Placeholder 2"/>
+          <p:cNvSpPr>
+            <a:spLocks noGrp="1"/>
           </p:cNvSpPr>
           <p:nvPr>
             <p:ph idx="1"/>
@@ -13987,87 +13983,29 @@
           <a:lstStyle/>
           <a:p>
             <a:r>
-              <a:rPr lang="en-US" altLang="zh-TW" dirty="0" smtClean="0">
-                <a:ea typeface="新細明體" pitchFamily="18" charset="-120"/>
-              </a:rPr>
-              <a:t>PHP</a:t>
-            </a:r>
-          </a:p>
-          <a:p>
-            <a:r>
-              <a:rPr lang="en-US" altLang="zh-TW" dirty="0" smtClean="0">
-                <a:ea typeface="新細明體" pitchFamily="18" charset="-120"/>
-              </a:rPr>
-              <a:t>CGI (Perl)</a:t>
-            </a:r>
-          </a:p>
-          <a:p>
-            <a:r>
-              <a:rPr lang="en-US" altLang="zh-TW" dirty="0" smtClean="0">
-                <a:ea typeface="新細明體" pitchFamily="18" charset="-120"/>
-              </a:rPr>
-              <a:t>ASP / ASPX</a:t>
-            </a:r>
-          </a:p>
-          <a:p>
-            <a:r>
-              <a:rPr lang="en-US" altLang="zh-TW" dirty="0" smtClean="0">
-                <a:ea typeface="新細明體" pitchFamily="18" charset="-120"/>
-              </a:rPr>
-              <a:t>JSP</a:t>
-            </a:r>
-          </a:p>
-          <a:p>
-            <a:r>
-              <a:rPr lang="en-US" altLang="zh-TW" dirty="0" smtClean="0">
-                <a:ea typeface="新細明體" pitchFamily="18" charset="-120"/>
-              </a:rPr>
-              <a:t>Node.js</a:t>
-            </a:r>
-          </a:p>
-          <a:p>
-            <a:r>
-              <a:rPr lang="en-US" altLang="zh-TW" dirty="0" smtClean="0">
-                <a:ea typeface="新細明體" pitchFamily="18" charset="-120"/>
-              </a:rPr>
-              <a:t>Ruby</a:t>
-            </a:r>
-          </a:p>
-          <a:p>
-            <a:r>
-              <a:rPr lang="en-US" altLang="zh-TW" dirty="0" smtClean="0">
-                <a:ea typeface="新細明體" pitchFamily="18" charset="-120"/>
-              </a:rPr>
-              <a:t>Python</a:t>
-            </a:r>
-          </a:p>
-          <a:p>
-            <a:r>
-              <a:rPr lang="en-US" altLang="zh-TW" dirty="0" smtClean="0">
-                <a:ea typeface="新細明體" pitchFamily="18" charset="-120"/>
-              </a:rPr>
-              <a:t>Cold Fusion</a:t>
-            </a:r>
+              <a:rPr lang="en-US" dirty="0" smtClean="0"/>
+              <a:t>Strong password</a:t>
+            </a:r>
+          </a:p>
+          <a:p>
+            <a:r>
+              <a:rPr lang="en-US" smtClean="0"/>
+              <a:t>PassPhase</a:t>
+            </a:r>
+            <a:endParaRPr lang="en-US"/>
           </a:p>
         </p:txBody>
       </p:sp>
     </p:spTree>
     <p:extLst>
       <p:ext uri="{BB962C8B-B14F-4D97-AF65-F5344CB8AC3E}">
-        <p14:creationId xmlns:p14="http://schemas.microsoft.com/office/powerpoint/2010/main" val="178847650"/>
+        <p14:creationId xmlns:p14="http://schemas.microsoft.com/office/powerpoint/2010/main" val="898736183"/>
       </p:ext>
     </p:extLst>
   </p:cSld>
   <p:clrMapOvr>
     <a:masterClrMapping/>
   </p:clrMapOvr>
-  <p:timing>
-    <p:tnLst>
-      <p:par>
-        <p:cTn id="1" dur="indefinite" restart="never" nodeType="tmRoot"/>
-      </p:par>
-    </p:tnLst>
-  </p:timing>
 </p:sld>
 </file>
 
@@ -14110,7 +14048,7 @@
               <a:rPr lang="en-US" altLang="zh-TW" dirty="0" smtClean="0">
                 <a:latin typeface="Times New Roman" pitchFamily="18" charset="0"/>
               </a:rPr>
-              <a:t>Server side (PHP)</a:t>
+              <a:t>Server side programming</a:t>
             </a:r>
           </a:p>
         </p:txBody>
@@ -14134,7 +14072,7 @@
               <a:rPr lang="en-US" altLang="zh-TW" dirty="0" smtClean="0">
                 <a:ea typeface="新細明體" pitchFamily="18" charset="-120"/>
               </a:rPr>
-              <a:t>Save data – server side</a:t>
+              <a:t>PHP</a:t>
             </a:r>
           </a:p>
           <a:p>
@@ -14142,7 +14080,7 @@
               <a:rPr lang="en-US" altLang="zh-TW" dirty="0" smtClean="0">
                 <a:ea typeface="新細明體" pitchFamily="18" charset="-120"/>
               </a:rPr>
-              <a:t>Database (MySQL)</a:t>
+              <a:t>CGI (Perl)</a:t>
             </a:r>
           </a:p>
           <a:p>
@@ -14150,19 +14088,50 @@
               <a:rPr lang="en-US" altLang="zh-TW" dirty="0" smtClean="0">
                 <a:ea typeface="新細明體" pitchFamily="18" charset="-120"/>
               </a:rPr>
-              <a:t>?name=</a:t>
-            </a:r>
+              <a:t>ASP / ASPX</a:t>
+            </a:r>
+          </a:p>
+          <a:p>
+            <a:r>
+              <a:rPr lang="en-US" altLang="zh-TW" dirty="0" smtClean="0">
+                <a:ea typeface="新細明體" pitchFamily="18" charset="-120"/>
+              </a:rPr>
+              <a:t>JSP</a:t>
+            </a:r>
+          </a:p>
+          <a:p>
+            <a:r>
+              <a:rPr lang="en-US" altLang="zh-TW" dirty="0" smtClean="0">
+                <a:ea typeface="新細明體" pitchFamily="18" charset="-120"/>
+              </a:rPr>
+              <a:t>Ruby</a:t>
+            </a:r>
+          </a:p>
+          <a:p>
             <a:r>
               <a:rPr lang="en-US" altLang="zh-TW" dirty="0" err="1" smtClean="0">
                 <a:ea typeface="新細明體" pitchFamily="18" charset="-120"/>
               </a:rPr>
-              <a:t>ray&amp;password</a:t>
-            </a:r>
+              <a:t>Node.js</a:t>
+            </a:r>
+            <a:endParaRPr lang="en-US" altLang="zh-TW" dirty="0" smtClean="0">
+              <a:ea typeface="新細明體" pitchFamily="18" charset="-120"/>
+            </a:endParaRPr>
+          </a:p>
+          <a:p>
             <a:r>
               <a:rPr lang="en-US" altLang="zh-TW" dirty="0" smtClean="0">
                 <a:ea typeface="新細明體" pitchFamily="18" charset="-120"/>
               </a:rPr>
-              <a:t>=123</a:t>
+              <a:t>Python</a:t>
+            </a:r>
+          </a:p>
+          <a:p>
+            <a:r>
+              <a:rPr lang="en-US" altLang="zh-TW" dirty="0" smtClean="0">
+                <a:ea typeface="新細明體" pitchFamily="18" charset="-120"/>
+              </a:rPr>
+              <a:t>Cold Fusion</a:t>
             </a:r>
           </a:p>
         </p:txBody>
@@ -14170,7 +14139,7 @@
     </p:spTree>
     <p:extLst>
       <p:ext uri="{BB962C8B-B14F-4D97-AF65-F5344CB8AC3E}">
-        <p14:creationId xmlns:p14="http://schemas.microsoft.com/office/powerpoint/2010/main" val="970503919"/>
+        <p14:creationId xmlns:p14="http://schemas.microsoft.com/office/powerpoint/2010/main" val="1806538330"/>
       </p:ext>
     </p:extLst>
   </p:cSld>
@@ -14206,7 +14175,7 @@
       </p:grpSpPr>
       <p:sp>
         <p:nvSpPr>
-          <p:cNvPr id="12290" name="Rectangle 2050"/>
+          <p:cNvPr id="10242" name="Rectangle 2"/>
           <p:cNvSpPr>
             <a:spLocks noGrp="1" noChangeArrowheads="1"/>
           </p:cNvSpPr>
@@ -14223,17 +14192,17 @@
               <a:defRPr/>
             </a:pPr>
             <a:r>
-              <a:rPr lang="en-US" altLang="zh-TW" smtClean="0">
-                <a:latin typeface="Times New Roman" pitchFamily="18" charset="0"/>
-              </a:rPr>
-              <a:t>Usage</a:t>
-            </a:r>
-          </a:p>
-        </p:txBody>
-      </p:sp>
-      <p:sp>
-        <p:nvSpPr>
-          <p:cNvPr id="19459" name="Rectangle 2051"/>
+              <a:rPr lang="en-US" altLang="zh-TW" dirty="0" smtClean="0">
+                <a:latin typeface="Times New Roman" pitchFamily="18" charset="0"/>
+              </a:rPr>
+              <a:t>Server side (PHP)</a:t>
+            </a:r>
+          </a:p>
+        </p:txBody>
+      </p:sp>
+      <p:sp>
+        <p:nvSpPr>
+          <p:cNvPr id="17411" name="Rectangle 3"/>
           <p:cNvSpPr>
             <a:spLocks noGrp="1" noChangeArrowheads="1"/>
           </p:cNvSpPr>
@@ -14247,58 +14216,38 @@
           <a:lstStyle/>
           <a:p>
             <a:r>
-              <a:rPr lang="en-US" altLang="zh-TW" smtClean="0">
-                <a:ea typeface="新細明體" pitchFamily="18" charset="-120"/>
-              </a:rPr>
-              <a:t>Usually used for collecting data</a:t>
-            </a:r>
-          </a:p>
-          <a:p>
-            <a:r>
-              <a:rPr lang="en-US" altLang="zh-TW" smtClean="0">
-                <a:ea typeface="新細明體" pitchFamily="18" charset="-120"/>
-              </a:rPr>
-              <a:t>Registration</a:t>
-            </a:r>
-          </a:p>
-          <a:p>
-            <a:r>
-              <a:rPr lang="en-US" altLang="zh-TW" smtClean="0">
-                <a:ea typeface="新細明體" pitchFamily="18" charset="-120"/>
-              </a:rPr>
-              <a:t>Login</a:t>
-            </a:r>
-          </a:p>
-          <a:p>
-            <a:r>
-              <a:rPr lang="en-US" altLang="zh-TW" smtClean="0">
-                <a:ea typeface="新細明體" pitchFamily="18" charset="-120"/>
-              </a:rPr>
-              <a:t>Search</a:t>
-            </a:r>
-          </a:p>
-          <a:p>
-            <a:r>
-              <a:rPr lang="en-US" altLang="zh-TW" smtClean="0">
-                <a:ea typeface="新細明體" pitchFamily="18" charset="-120"/>
-              </a:rPr>
-              <a:t>Guest book</a:t>
-            </a:r>
-          </a:p>
-          <a:p>
-            <a:r>
-              <a:rPr lang="en-US" altLang="zh-TW" smtClean="0">
-                <a:ea typeface="新細明體" pitchFamily="18" charset="-120"/>
-              </a:rPr>
-              <a:t>Research</a:t>
-            </a:r>
-          </a:p>
-          <a:p>
-            <a:r>
-              <a:rPr lang="en-US" altLang="zh-TW" smtClean="0">
-                <a:ea typeface="新細明體" pitchFamily="18" charset="-120"/>
-              </a:rPr>
-              <a:t>Vote</a:t>
+              <a:rPr lang="en-US" altLang="zh-TW" dirty="0" smtClean="0">
+                <a:ea typeface="新細明體" pitchFamily="18" charset="-120"/>
+              </a:rPr>
+              <a:t>Save data – server side</a:t>
+            </a:r>
+          </a:p>
+          <a:p>
+            <a:r>
+              <a:rPr lang="en-US" altLang="zh-TW" dirty="0" smtClean="0">
+                <a:ea typeface="新細明體" pitchFamily="18" charset="-120"/>
+              </a:rPr>
+              <a:t>Database (MySQL)</a:t>
+            </a:r>
+          </a:p>
+          <a:p>
+            <a:r>
+              <a:rPr lang="en-US" altLang="zh-TW" dirty="0" smtClean="0">
+                <a:ea typeface="新細明體" pitchFamily="18" charset="-120"/>
+              </a:rPr>
+              <a:t>?name=</a:t>
+            </a:r>
+            <a:r>
+              <a:rPr lang="en-US" altLang="zh-TW" dirty="0" err="1" smtClean="0">
+                <a:ea typeface="新細明體" pitchFamily="18" charset="-120"/>
+              </a:rPr>
+              <a:t>ray&amp;password</a:t>
+            </a:r>
+            <a:r>
+              <a:rPr lang="en-US" altLang="zh-TW" dirty="0" smtClean="0">
+                <a:ea typeface="新細明體" pitchFamily="18" charset="-120"/>
+              </a:rPr>
+              <a:t>=123</a:t>
             </a:r>
           </a:p>
         </p:txBody>
@@ -14306,16 +14255,13 @@
     </p:spTree>
     <p:extLst>
       <p:ext uri="{BB962C8B-B14F-4D97-AF65-F5344CB8AC3E}">
-        <p14:creationId xmlns:p14="http://schemas.microsoft.com/office/powerpoint/2010/main" val="634802922"/>
+        <p14:creationId xmlns:p14="http://schemas.microsoft.com/office/powerpoint/2010/main" val="266393938"/>
       </p:ext>
     </p:extLst>
   </p:cSld>
   <p:clrMapOvr>
     <a:masterClrMapping/>
   </p:clrMapOvr>
-  <p:transition>
-    <p:checker/>
-  </p:transition>
   <p:timing>
     <p:tnLst>
       <p:par>
@@ -14345,7 +14291,7 @@
       </p:grpSpPr>
       <p:sp>
         <p:nvSpPr>
-          <p:cNvPr id="11266" name="Rectangle 2"/>
+          <p:cNvPr id="12290" name="Rectangle 2050"/>
           <p:cNvSpPr>
             <a:spLocks noGrp="1" noChangeArrowheads="1"/>
           </p:cNvSpPr>
@@ -14365,14 +14311,14 @@
               <a:rPr lang="en-US" altLang="zh-TW" smtClean="0">
                 <a:latin typeface="Times New Roman" pitchFamily="18" charset="0"/>
               </a:rPr>
-              <a:t>Form components</a:t>
-            </a:r>
-          </a:p>
-        </p:txBody>
-      </p:sp>
-      <p:sp>
-        <p:nvSpPr>
-          <p:cNvPr id="18435" name="Rectangle 3"/>
+              <a:t>Usage</a:t>
+            </a:r>
+          </a:p>
+        </p:txBody>
+      </p:sp>
+      <p:sp>
+        <p:nvSpPr>
+          <p:cNvPr id="19459" name="Rectangle 2051"/>
           <p:cNvSpPr>
             <a:spLocks noGrp="1" noChangeArrowheads="1"/>
           </p:cNvSpPr>
@@ -14386,61 +14332,58 @@
           <a:lstStyle/>
           <a:p>
             <a:r>
-              <a:rPr lang="en-US" altLang="zh-TW" dirty="0" err="1" smtClean="0">
-                <a:ea typeface="新細明體" pitchFamily="18" charset="-120"/>
-              </a:rPr>
-              <a:t>Fieldset</a:t>
-            </a:r>
-            <a:endParaRPr lang="en-US" altLang="zh-TW" dirty="0">
-              <a:ea typeface="新細明體" pitchFamily="18" charset="-120"/>
-            </a:endParaRPr>
-          </a:p>
-          <a:p>
-            <a:r>
-              <a:rPr lang="en-US" altLang="zh-TW" dirty="0">
-                <a:ea typeface="新細明體" pitchFamily="18" charset="-120"/>
-              </a:rPr>
-              <a:t>Fields</a:t>
-            </a:r>
-          </a:p>
-          <a:p>
-            <a:r>
-              <a:rPr lang="en-US" altLang="zh-TW" dirty="0" smtClean="0">
-                <a:ea typeface="新細明體" pitchFamily="18" charset="-120"/>
-              </a:rPr>
-              <a:t>Radio buttons</a:t>
-            </a:r>
-          </a:p>
-          <a:p>
-            <a:r>
-              <a:rPr lang="en-US" altLang="zh-TW" dirty="0" smtClean="0">
-                <a:ea typeface="新細明體" pitchFamily="18" charset="-120"/>
-              </a:rPr>
-              <a:t>Check boxes</a:t>
-            </a:r>
-          </a:p>
-          <a:p>
-            <a:r>
-              <a:rPr lang="en-US" altLang="zh-TW" dirty="0" smtClean="0">
-                <a:ea typeface="新細明體" pitchFamily="18" charset="-120"/>
-              </a:rPr>
-              <a:t>List/menus</a:t>
-            </a:r>
-          </a:p>
-          <a:p>
-            <a:r>
-              <a:rPr lang="en-US" altLang="zh-TW" dirty="0" smtClean="0">
-                <a:ea typeface="新細明體" pitchFamily="18" charset="-120"/>
-              </a:rPr>
-              <a:t>Buttons</a:t>
-            </a:r>
-          </a:p>
-          <a:p>
-            <a:r>
-              <a:rPr lang="en-US" altLang="zh-TW" dirty="0" smtClean="0">
-                <a:ea typeface="新細明體" pitchFamily="18" charset="-120"/>
-              </a:rPr>
-              <a:t>Hidden</a:t>
+              <a:rPr lang="en-US" altLang="zh-TW" smtClean="0">
+                <a:ea typeface="新細明體" pitchFamily="18" charset="-120"/>
+              </a:rPr>
+              <a:t>Usually used for collecting data</a:t>
+            </a:r>
+          </a:p>
+          <a:p>
+            <a:r>
+              <a:rPr lang="en-US" altLang="zh-TW" smtClean="0">
+                <a:ea typeface="新細明體" pitchFamily="18" charset="-120"/>
+              </a:rPr>
+              <a:t>Registration</a:t>
+            </a:r>
+          </a:p>
+          <a:p>
+            <a:r>
+              <a:rPr lang="en-US" altLang="zh-TW" smtClean="0">
+                <a:ea typeface="新細明體" pitchFamily="18" charset="-120"/>
+              </a:rPr>
+              <a:t>Login</a:t>
+            </a:r>
+          </a:p>
+          <a:p>
+            <a:r>
+              <a:rPr lang="en-US" altLang="zh-TW" smtClean="0">
+                <a:ea typeface="新細明體" pitchFamily="18" charset="-120"/>
+              </a:rPr>
+              <a:t>Search</a:t>
+            </a:r>
+          </a:p>
+          <a:p>
+            <a:r>
+              <a:rPr lang="en-US" altLang="zh-TW" smtClean="0">
+                <a:ea typeface="新細明體" pitchFamily="18" charset="-120"/>
+              </a:rPr>
+              <a:t>Guest book</a:t>
+            </a:r>
+          </a:p>
+          <a:p>
+            <a:r>
+              <a:rPr lang="en-US" altLang="zh-TW" smtClean="0">
+                <a:ea typeface="新細明體" pitchFamily="18" charset="-120"/>
+              </a:rPr>
+              <a:t>Research</a:t>
+            </a:r>
+          </a:p>
+          <a:p>
+            <a:r>
+              <a:rPr lang="en-US" altLang="zh-TW" smtClean="0">
+                <a:ea typeface="新細明體" pitchFamily="18" charset="-120"/>
+              </a:rPr>
+              <a:t>Vote</a:t>
             </a:r>
           </a:p>
         </p:txBody>
@@ -14448,13 +14391,16 @@
     </p:spTree>
     <p:extLst>
       <p:ext uri="{BB962C8B-B14F-4D97-AF65-F5344CB8AC3E}">
-        <p14:creationId xmlns:p14="http://schemas.microsoft.com/office/powerpoint/2010/main" val="572731494"/>
+        <p14:creationId xmlns:p14="http://schemas.microsoft.com/office/powerpoint/2010/main" val="814471319"/>
       </p:ext>
     </p:extLst>
   </p:cSld>
   <p:clrMapOvr>
     <a:masterClrMapping/>
   </p:clrMapOvr>
+  <p:transition>
+    <p:checker/>
+  </p:transition>
   <p:timing>
     <p:tnLst>
       <p:par>
@@ -14484,7 +14430,7 @@
       </p:grpSpPr>
       <p:sp>
         <p:nvSpPr>
-          <p:cNvPr id="13314" name="Rectangle 2"/>
+          <p:cNvPr id="11266" name="Rectangle 2"/>
           <p:cNvSpPr>
             <a:spLocks noGrp="1" noChangeArrowheads="1"/>
           </p:cNvSpPr>
@@ -14504,14 +14450,14 @@
               <a:rPr lang="en-US" altLang="zh-TW" smtClean="0">
                 <a:latin typeface="Times New Roman" pitchFamily="18" charset="0"/>
               </a:rPr>
-              <a:t>The First Step</a:t>
-            </a:r>
-          </a:p>
-        </p:txBody>
-      </p:sp>
-      <p:sp>
-        <p:nvSpPr>
-          <p:cNvPr id="20483" name="Rectangle 3"/>
+              <a:t>Form components</a:t>
+            </a:r>
+          </a:p>
+        </p:txBody>
+      </p:sp>
+      <p:sp>
+        <p:nvSpPr>
+          <p:cNvPr id="18435" name="Rectangle 3"/>
           <p:cNvSpPr>
             <a:spLocks noGrp="1" noChangeArrowheads="1"/>
           </p:cNvSpPr>
@@ -14525,40 +14471,73 @@
           <a:lstStyle/>
           <a:p>
             <a:r>
+              <a:rPr lang="en-US" altLang="zh-TW" dirty="0">
+                <a:ea typeface="新細明體" pitchFamily="18" charset="-120"/>
+              </a:rPr>
+              <a:t>Text </a:t>
+            </a:r>
+            <a:r>
               <a:rPr lang="en-US" altLang="zh-TW" dirty="0" smtClean="0">
                 <a:ea typeface="新細明體" pitchFamily="18" charset="-120"/>
               </a:rPr>
-              <a:t>Tell your computer what to do with your form</a:t>
-            </a:r>
-          </a:p>
-          <a:p>
-            <a:r>
-              <a:rPr lang="en-US" altLang="zh-TW" dirty="0" smtClean="0">
-                <a:ea typeface="新細明體" pitchFamily="18" charset="-120"/>
-              </a:rPr>
-              <a:t>Insert -&gt; Form -&gt; Form</a:t>
-            </a:r>
-          </a:p>
-          <a:p>
-            <a:endParaRPr lang="en-US" altLang="zh-TW" dirty="0" smtClean="0">
+              <a:t>Fields</a:t>
+            </a:r>
+            <a:endParaRPr lang="en-US" altLang="zh-TW" dirty="0">
               <a:ea typeface="新細明體" pitchFamily="18" charset="-120"/>
             </a:endParaRPr>
+          </a:p>
+          <a:p>
+            <a:r>
+              <a:rPr lang="en-US" altLang="zh-TW" dirty="0" smtClean="0">
+                <a:ea typeface="新細明體" pitchFamily="18" charset="-120"/>
+              </a:rPr>
+              <a:t>Radio buttons</a:t>
+            </a:r>
+          </a:p>
+          <a:p>
+            <a:r>
+              <a:rPr lang="en-US" altLang="zh-TW" dirty="0" smtClean="0">
+                <a:ea typeface="新細明體" pitchFamily="18" charset="-120"/>
+              </a:rPr>
+              <a:t>Check boxes</a:t>
+            </a:r>
+          </a:p>
+          <a:p>
+            <a:r>
+              <a:rPr lang="en-US" altLang="zh-TW" dirty="0" smtClean="0">
+                <a:ea typeface="新細明體" pitchFamily="18" charset="-120"/>
+              </a:rPr>
+              <a:t>List/menus</a:t>
+            </a:r>
+          </a:p>
+          <a:p>
+            <a:r>
+              <a:rPr lang="en-US" altLang="zh-TW" dirty="0" smtClean="0">
+                <a:ea typeface="新細明體" pitchFamily="18" charset="-120"/>
+              </a:rPr>
+              <a:t>Buttons</a:t>
+            </a:r>
+          </a:p>
+          <a:p>
+            <a:r>
+              <a:rPr lang="en-US" altLang="zh-TW" dirty="0" smtClean="0">
+                <a:ea typeface="新細明體" pitchFamily="18" charset="-120"/>
+              </a:rPr>
+              <a:t>Hidden</a:t>
+            </a:r>
           </a:p>
         </p:txBody>
       </p:sp>
     </p:spTree>
     <p:extLst>
       <p:ext uri="{BB962C8B-B14F-4D97-AF65-F5344CB8AC3E}">
-        <p14:creationId xmlns:p14="http://schemas.microsoft.com/office/powerpoint/2010/main" val="1977169055"/>
+        <p14:creationId xmlns:p14="http://schemas.microsoft.com/office/powerpoint/2010/main" val="1733678946"/>
       </p:ext>
     </p:extLst>
   </p:cSld>
   <p:clrMapOvr>
     <a:masterClrMapping/>
   </p:clrMapOvr>
-  <p:transition>
-    <p:checker/>
-  </p:transition>
   <p:timing>
     <p:tnLst>
       <p:par>
@@ -14588,7 +14567,7 @@
       </p:grpSpPr>
       <p:sp>
         <p:nvSpPr>
-          <p:cNvPr id="14338" name="Rectangle 2"/>
+          <p:cNvPr id="13314" name="Rectangle 2"/>
           <p:cNvSpPr>
             <a:spLocks noGrp="1" noChangeArrowheads="1"/>
           </p:cNvSpPr>
@@ -14605,115 +14584,55 @@
               <a:defRPr/>
             </a:pPr>
             <a:r>
-              <a:rPr lang="en-US" altLang="zh-TW" dirty="0" err="1" smtClean="0">
-                <a:latin typeface="Times New Roman" pitchFamily="18" charset="0"/>
-              </a:rPr>
-              <a:t>Fieldset</a:t>
-            </a:r>
+              <a:rPr lang="en-US" altLang="zh-TW" smtClean="0">
+                <a:latin typeface="Times New Roman" pitchFamily="18" charset="0"/>
+              </a:rPr>
+              <a:t>The First Step</a:t>
+            </a:r>
+          </a:p>
+        </p:txBody>
+      </p:sp>
+      <p:sp>
+        <p:nvSpPr>
+          <p:cNvPr id="20483" name="Rectangle 3"/>
+          <p:cNvSpPr>
+            <a:spLocks noGrp="1" noChangeArrowheads="1"/>
+          </p:cNvSpPr>
+          <p:nvPr>
+            <p:ph idx="1"/>
+          </p:nvPr>
+        </p:nvSpPr>
+        <p:spPr/>
+        <p:txBody>
+          <a:bodyPr/>
+          <a:lstStyle/>
+          <a:p>
+            <a:r>
+              <a:rPr lang="en-US" altLang="zh-TW" dirty="0" smtClean="0">
+                <a:ea typeface="新細明體" pitchFamily="18" charset="-120"/>
+              </a:rPr>
+              <a:t>Tell your computer what to do with your form</a:t>
+            </a:r>
+          </a:p>
+          <a:p>
+            <a:r>
+              <a:rPr lang="en-US" altLang="zh-TW" dirty="0" smtClean="0">
+                <a:ea typeface="新細明體" pitchFamily="18" charset="-120"/>
+              </a:rPr>
+              <a:t>Insert -&gt; Form -&gt; Form</a:t>
+            </a:r>
+          </a:p>
+          <a:p>
             <a:endParaRPr lang="en-US" altLang="zh-TW" dirty="0" smtClean="0">
-              <a:latin typeface="Times New Roman" pitchFamily="18" charset="0"/>
+              <a:ea typeface="新細明體" pitchFamily="18" charset="-120"/>
             </a:endParaRPr>
-          </a:p>
-        </p:txBody>
-      </p:sp>
-      <p:sp>
-        <p:nvSpPr>
-          <p:cNvPr id="21507" name="Rectangle 3"/>
-          <p:cNvSpPr>
-            <a:spLocks noGrp="1" noChangeArrowheads="1"/>
-          </p:cNvSpPr>
-          <p:nvPr>
-            <p:ph idx="1"/>
-          </p:nvPr>
-        </p:nvSpPr>
-        <p:spPr/>
-        <p:txBody>
-          <a:bodyPr>
-            <a:normAutofit/>
-          </a:bodyPr>
-          <a:lstStyle/>
-          <a:p>
-            <a:r>
-              <a:rPr lang="en-US" altLang="zh-TW" dirty="0">
-                <a:ea typeface="新細明體" pitchFamily="18" charset="-120"/>
-              </a:rPr>
-              <a:t>To group all our details of the form, we add a </a:t>
-            </a:r>
-            <a:r>
-              <a:rPr lang="en-US" altLang="zh-TW" dirty="0" err="1">
-                <a:ea typeface="新細明體" pitchFamily="18" charset="-120"/>
-              </a:rPr>
-              <a:t>fieldset</a:t>
-            </a:r>
-            <a:r>
-              <a:rPr lang="en-US" altLang="zh-TW" dirty="0">
-                <a:ea typeface="新細明體" pitchFamily="18" charset="-120"/>
-              </a:rPr>
-              <a:t> first.</a:t>
-            </a:r>
-          </a:p>
-          <a:p>
-            <a:r>
-              <a:rPr lang="en-US" altLang="zh-TW" dirty="0">
-                <a:ea typeface="新細明體" pitchFamily="18" charset="-120"/>
-              </a:rPr>
-              <a:t>Usually add a legend for this group.</a:t>
-            </a:r>
-          </a:p>
-          <a:p>
-            <a:r>
-              <a:rPr lang="en-US" altLang="zh-TW" dirty="0">
-                <a:ea typeface="新細明體" pitchFamily="18" charset="-120"/>
-              </a:rPr>
-              <a:t>&lt;</a:t>
-            </a:r>
-            <a:r>
-              <a:rPr lang="en-US" altLang="zh-TW" dirty="0" err="1">
-                <a:ea typeface="新細明體" pitchFamily="18" charset="-120"/>
-              </a:rPr>
-              <a:t>fieldset</a:t>
-            </a:r>
-            <a:r>
-              <a:rPr lang="en-US" altLang="zh-TW" dirty="0">
-                <a:ea typeface="新細明體" pitchFamily="18" charset="-120"/>
-              </a:rPr>
-              <a:t>&gt;</a:t>
-            </a:r>
-          </a:p>
-          <a:p>
-            <a:r>
-              <a:rPr lang="en-US" altLang="zh-TW" dirty="0">
-                <a:ea typeface="新細明體" pitchFamily="18" charset="-120"/>
-              </a:rPr>
-              <a:t>&lt;legend&gt;Form Title&lt;/legend&gt;</a:t>
-            </a:r>
-          </a:p>
-          <a:p>
-            <a:r>
-              <a:rPr lang="en-US" altLang="zh-TW" dirty="0">
-                <a:ea typeface="新細明體" pitchFamily="18" charset="-120"/>
-              </a:rPr>
-              <a:t>&lt;/</a:t>
-            </a:r>
-            <a:r>
-              <a:rPr lang="en-US" altLang="zh-TW" dirty="0" err="1">
-                <a:ea typeface="新細明體" pitchFamily="18" charset="-120"/>
-              </a:rPr>
-              <a:t>fieldset</a:t>
-            </a:r>
-            <a:r>
-              <a:rPr lang="en-US" altLang="zh-TW" dirty="0">
-                <a:ea typeface="新細明體" pitchFamily="18" charset="-120"/>
-              </a:rPr>
-              <a:t>&gt;</a:t>
-            </a:r>
           </a:p>
         </p:txBody>
       </p:sp>
     </p:spTree>
     <p:extLst>
       <p:ext uri="{BB962C8B-B14F-4D97-AF65-F5344CB8AC3E}">
-        <p14:creationId xmlns:p14="http://schemas.microsoft.com/office/powerpoint/2010/main" val="600896427"/>
+        <p14:creationId xmlns:p14="http://schemas.microsoft.com/office/powerpoint/2010/main" val="1948230983"/>
       </p:ext>
     </p:extLst>
   </p:cSld>
@@ -15024,7 +14943,7 @@
     </p:spTree>
     <p:extLst>
       <p:ext uri="{BB962C8B-B14F-4D97-AF65-F5344CB8AC3E}">
-        <p14:creationId xmlns:p14="http://schemas.microsoft.com/office/powerpoint/2010/main" val="1955738181"/>
+        <p14:creationId xmlns:p14="http://schemas.microsoft.com/office/powerpoint/2010/main" val="635239649"/>
       </p:ext>
     </p:extLst>
   </p:cSld>
@@ -15366,7 +15285,7 @@
     </p:spTree>
     <p:extLst>
       <p:ext uri="{BB962C8B-B14F-4D97-AF65-F5344CB8AC3E}">
-        <p14:creationId xmlns:p14="http://schemas.microsoft.com/office/powerpoint/2010/main" val="1107842391"/>
+        <p14:creationId xmlns:p14="http://schemas.microsoft.com/office/powerpoint/2010/main" val="795215955"/>
       </p:ext>
     </p:extLst>
   </p:cSld>
@@ -15518,7 +15437,7 @@
     </p:spTree>
     <p:extLst>
       <p:ext uri="{BB962C8B-B14F-4D97-AF65-F5344CB8AC3E}">
-        <p14:creationId xmlns:p14="http://schemas.microsoft.com/office/powerpoint/2010/main" val="1553439720"/>
+        <p14:creationId xmlns:p14="http://schemas.microsoft.com/office/powerpoint/2010/main" val="1754184086"/>
       </p:ext>
     </p:extLst>
   </p:cSld>
@@ -15776,7 +15695,7 @@
     </p:spTree>
     <p:extLst>
       <p:ext uri="{BB962C8B-B14F-4D97-AF65-F5344CB8AC3E}">
-        <p14:creationId xmlns:p14="http://schemas.microsoft.com/office/powerpoint/2010/main" val="1680490752"/>
+        <p14:creationId xmlns:p14="http://schemas.microsoft.com/office/powerpoint/2010/main" val="1435338796"/>
       </p:ext>
     </p:extLst>
   </p:cSld>
@@ -15993,7 +15912,7 @@
     </p:spTree>
     <p:extLst>
       <p:ext uri="{BB962C8B-B14F-4D97-AF65-F5344CB8AC3E}">
-        <p14:creationId xmlns:p14="http://schemas.microsoft.com/office/powerpoint/2010/main" val="1101929956"/>
+        <p14:creationId xmlns:p14="http://schemas.microsoft.com/office/powerpoint/2010/main" val="991955574"/>
       </p:ext>
     </p:extLst>
   </p:cSld>
@@ -16204,7 +16123,7 @@
     </p:spTree>
     <p:extLst>
       <p:ext uri="{BB962C8B-B14F-4D97-AF65-F5344CB8AC3E}">
-        <p14:creationId xmlns:p14="http://schemas.microsoft.com/office/powerpoint/2010/main" val="216759481"/>
+        <p14:creationId xmlns:p14="http://schemas.microsoft.com/office/powerpoint/2010/main" val="301173552"/>
       </p:ext>
     </p:extLst>
   </p:cSld>
@@ -16339,7 +16258,7 @@
     </p:spTree>
     <p:extLst>
       <p:ext uri="{BB962C8B-B14F-4D97-AF65-F5344CB8AC3E}">
-        <p14:creationId xmlns:p14="http://schemas.microsoft.com/office/powerpoint/2010/main" val="1481335655"/>
+        <p14:creationId xmlns:p14="http://schemas.microsoft.com/office/powerpoint/2010/main" val="1883989254"/>
       </p:ext>
     </p:extLst>
   </p:cSld>
@@ -16912,7 +16831,7 @@
     </p:spTree>
     <p:extLst>
       <p:ext uri="{BB962C8B-B14F-4D97-AF65-F5344CB8AC3E}">
-        <p14:creationId xmlns:p14="http://schemas.microsoft.com/office/powerpoint/2010/main" val="1194663190"/>
+        <p14:creationId xmlns:p14="http://schemas.microsoft.com/office/powerpoint/2010/main" val="765908233"/>
       </p:ext>
     </p:extLst>
   </p:cSld>
@@ -17027,7 +16946,7 @@
     </p:spTree>
     <p:extLst>
       <p:ext uri="{BB962C8B-B14F-4D97-AF65-F5344CB8AC3E}">
-        <p14:creationId xmlns:p14="http://schemas.microsoft.com/office/powerpoint/2010/main" val="1264135919"/>
+        <p14:creationId xmlns:p14="http://schemas.microsoft.com/office/powerpoint/2010/main" val="1910102539"/>
       </p:ext>
     </p:extLst>
   </p:cSld>
@@ -17423,7 +17342,7 @@
     </p:spTree>
     <p:extLst>
       <p:ext uri="{BB962C8B-B14F-4D97-AF65-F5344CB8AC3E}">
-        <p14:creationId xmlns:p14="http://schemas.microsoft.com/office/powerpoint/2010/main" val="1498060457"/>
+        <p14:creationId xmlns:p14="http://schemas.microsoft.com/office/powerpoint/2010/main" val="229149250"/>
       </p:ext>
     </p:extLst>
   </p:cSld>
@@ -17621,7 +17540,7 @@
     </p:spTree>
     <p:extLst>
       <p:ext uri="{BB962C8B-B14F-4D97-AF65-F5344CB8AC3E}">
-        <p14:creationId xmlns:p14="http://schemas.microsoft.com/office/powerpoint/2010/main" val="39773120"/>
+        <p14:creationId xmlns:p14="http://schemas.microsoft.com/office/powerpoint/2010/main" val="1073023355"/>
       </p:ext>
     </p:extLst>
   </p:cSld>
@@ -17766,7 +17685,7 @@
     </p:spTree>
     <p:extLst>
       <p:ext uri="{BB962C8B-B14F-4D97-AF65-F5344CB8AC3E}">
-        <p14:creationId xmlns:p14="http://schemas.microsoft.com/office/powerpoint/2010/main" val="498973684"/>
+        <p14:creationId xmlns:p14="http://schemas.microsoft.com/office/powerpoint/2010/main" val="1594849049"/>
       </p:ext>
     </p:extLst>
   </p:cSld>
@@ -17849,77 +17768,69 @@
               <a:rPr lang="en-US" altLang="zh-TW" dirty="0" smtClean="0">
                 <a:ea typeface="新細明體" pitchFamily="18" charset="-120"/>
               </a:rPr>
-              <a:t>You can add a table to tidy a form.</a:t>
-            </a:r>
-          </a:p>
-          <a:p>
-            <a:r>
-              <a:rPr lang="en-US" altLang="zh-TW" dirty="0" smtClean="0">
+              <a:t>You can add a table to tidy a form</a:t>
+            </a:r>
+            <a:r>
+              <a:rPr lang="en-US" altLang="zh-TW" dirty="0">
+                <a:ea typeface="新細明體" pitchFamily="18" charset="-120"/>
+              </a:rPr>
+              <a:t>.</a:t>
+            </a:r>
+          </a:p>
+          <a:p>
+            <a:r>
+              <a:rPr lang="en-US" altLang="zh-TW" dirty="0">
                 <a:ea typeface="新細明體" pitchFamily="18" charset="-120"/>
               </a:rPr>
               <a:t>Or use &lt;</a:t>
             </a:r>
             <a:r>
-              <a:rPr lang="en-US" altLang="zh-TW" dirty="0" err="1" smtClean="0">
+              <a:rPr lang="en-US" altLang="zh-TW" dirty="0" err="1">
                 <a:ea typeface="新細明體" pitchFamily="18" charset="-120"/>
               </a:rPr>
               <a:t>dt</a:t>
             </a:r>
             <a:r>
-              <a:rPr lang="en-US" altLang="zh-TW" dirty="0" smtClean="0">
+              <a:rPr lang="en-US" altLang="zh-TW" dirty="0">
                 <a:ea typeface="新細明體" pitchFamily="18" charset="-120"/>
               </a:rPr>
               <a:t>&gt;left&lt;/</a:t>
             </a:r>
             <a:r>
-              <a:rPr lang="en-US" altLang="zh-TW" dirty="0" err="1" smtClean="0">
+              <a:rPr lang="en-US" altLang="zh-TW" dirty="0" err="1">
                 <a:ea typeface="新細明體" pitchFamily="18" charset="-120"/>
               </a:rPr>
               <a:t>dt</a:t>
             </a:r>
             <a:r>
-              <a:rPr lang="en-US" altLang="zh-TW" dirty="0" smtClean="0">
+              <a:rPr lang="en-US" altLang="zh-TW" dirty="0">
                 <a:ea typeface="新細明體" pitchFamily="18" charset="-120"/>
               </a:rPr>
               <a:t>&gt;&lt;</a:t>
             </a:r>
             <a:r>
-              <a:rPr lang="en-US" altLang="zh-TW" dirty="0" err="1" smtClean="0">
+              <a:rPr lang="en-US" altLang="zh-TW" dirty="0" err="1">
                 <a:ea typeface="新細明體" pitchFamily="18" charset="-120"/>
               </a:rPr>
               <a:t>dd</a:t>
             </a:r>
             <a:r>
-              <a:rPr lang="en-US" altLang="zh-TW" dirty="0" smtClean="0">
+              <a:rPr lang="en-US" altLang="zh-TW" dirty="0">
                 <a:ea typeface="新細明體" pitchFamily="18" charset="-120"/>
               </a:rPr>
               <a:t>&gt;right&lt;/</a:t>
             </a:r>
             <a:r>
-              <a:rPr lang="en-US" altLang="zh-TW" dirty="0" err="1" smtClean="0">
+              <a:rPr lang="en-US" altLang="zh-TW" dirty="0" err="1">
                 <a:ea typeface="新細明體" pitchFamily="18" charset="-120"/>
               </a:rPr>
               <a:t>dd</a:t>
             </a:r>
             <a:r>
-              <a:rPr lang="en-US" altLang="zh-TW" dirty="0" smtClean="0">
+              <a:rPr lang="en-US" altLang="zh-TW" dirty="0">
                 <a:ea typeface="新細明體" pitchFamily="18" charset="-120"/>
               </a:rPr>
               <a:t>&gt; + </a:t>
-            </a:r>
-            <a:r>
-              <a:rPr lang="en-US" altLang="zh-TW" dirty="0" smtClean="0">
-                <a:ea typeface="新細明體" pitchFamily="18" charset="-120"/>
-              </a:rPr>
-              <a:t>CSS</a:t>
-            </a:r>
-          </a:p>
-          <a:p>
-            <a:r>
-              <a:rPr lang="en-US" altLang="zh-TW" dirty="0">
-                <a:ea typeface="新細明體" pitchFamily="18" charset="-120"/>
-              </a:rPr>
-              <a:t>Or use &lt;div&gt;&lt;/div&gt; + </a:t>
             </a:r>
             <a:r>
               <a:rPr lang="en-US" altLang="zh-TW" dirty="0" smtClean="0">
@@ -17931,12 +17842,41 @@
               <a:ea typeface="新細明體" pitchFamily="18" charset="-120"/>
             </a:endParaRPr>
           </a:p>
+          <a:p>
+            <a:r>
+              <a:rPr lang="en-US" altLang="zh-TW" dirty="0">
+                <a:ea typeface="新細明體" pitchFamily="18" charset="-120"/>
+              </a:rPr>
+              <a:t>Or use </a:t>
+            </a:r>
+            <a:r>
+              <a:rPr lang="en-US" altLang="zh-TW" dirty="0" smtClean="0">
+                <a:ea typeface="新細明體" pitchFamily="18" charset="-120"/>
+              </a:rPr>
+              <a:t>&lt;div&gt;&lt;/div&gt; </a:t>
+            </a:r>
+            <a:r>
+              <a:rPr lang="en-US" altLang="zh-TW" dirty="0">
+                <a:ea typeface="新細明體" pitchFamily="18" charset="-120"/>
+              </a:rPr>
+              <a:t>+ </a:t>
+            </a:r>
+            <a:r>
+              <a:rPr lang="en-US" altLang="zh-TW" dirty="0" smtClean="0">
+                <a:ea typeface="新細明體" pitchFamily="18" charset="-120"/>
+              </a:rPr>
+              <a:t>CSS</a:t>
+            </a:r>
+            <a:endParaRPr lang="en-US" altLang="zh-TW" dirty="0">
+              <a:ea typeface="新細明體" pitchFamily="18" charset="-120"/>
+            </a:endParaRPr>
+          </a:p>
         </p:txBody>
       </p:sp>
     </p:spTree>
     <p:extLst>
       <p:ext uri="{BB962C8B-B14F-4D97-AF65-F5344CB8AC3E}">
-        <p14:creationId xmlns:p14="http://schemas.microsoft.com/office/powerpoint/2010/main" val="1578415898"/>
+        <p14:creationId xmlns:p14="http://schemas.microsoft.com/office/powerpoint/2010/main" val="703713549"/>
       </p:ext>
     </p:extLst>
   </p:cSld>
@@ -18063,7 +18003,7 @@
               <a:rPr lang="en-US" altLang="zh-TW" dirty="0" err="1" smtClean="0">
                 <a:ea typeface="新細明體" pitchFamily="18" charset="-120"/>
               </a:rPr>
-              <a:t>filename.php</a:t>
+              <a:t>bday.php</a:t>
             </a:r>
             <a:endParaRPr lang="en-US" altLang="zh-TW" dirty="0" smtClean="0">
               <a:ea typeface="新細明體" pitchFamily="18" charset="-120"/>
@@ -18113,7 +18053,7 @@
     </p:spTree>
     <p:extLst>
       <p:ext uri="{BB962C8B-B14F-4D97-AF65-F5344CB8AC3E}">
-        <p14:creationId xmlns:p14="http://schemas.microsoft.com/office/powerpoint/2010/main" val="2132299857"/>
+        <p14:creationId xmlns:p14="http://schemas.microsoft.com/office/powerpoint/2010/main" val="1550134520"/>
       </p:ext>
     </p:extLst>
   </p:cSld>
@@ -18143,6 +18083,55 @@
           <a:chExt cx="0" cy="0"/>
         </a:xfrm>
       </p:grpSpPr>
+      <p:pic>
+        <p:nvPicPr>
+          <p:cNvPr id="2" name="Picture 1"/>
+          <p:cNvPicPr>
+            <a:picLocks noChangeAspect="1"/>
+          </p:cNvPicPr>
+          <p:nvPr/>
+        </p:nvPicPr>
+        <p:blipFill>
+          <a:blip r:embed="rId3"/>
+          <a:stretch>
+            <a:fillRect/>
+          </a:stretch>
+        </p:blipFill>
+        <p:spPr>
+          <a:xfrm>
+            <a:off x="6316380" y="2812977"/>
+            <a:ext cx="2310888" cy="2142662"/>
+          </a:xfrm>
+          <a:prstGeom prst="roundRect">
+            <a:avLst>
+              <a:gd name="adj" fmla="val 4380"/>
+            </a:avLst>
+          </a:prstGeom>
+          <a:ln w="38100">
+            <a:gradFill flip="none" rotWithShape="1">
+              <a:gsLst>
+                <a:gs pos="0">
+                  <a:schemeClr val="bg2"/>
+                </a:gs>
+                <a:gs pos="100000">
+                  <a:schemeClr val="bg2">
+                    <a:lumMod val="75000"/>
+                  </a:schemeClr>
+                </a:gs>
+              </a:gsLst>
+              <a:lin ang="5400000" scaled="0"/>
+              <a:tileRect/>
+            </a:gradFill>
+          </a:ln>
+          <a:effectLst>
+            <a:innerShdw blurRad="57150" dist="38100" dir="14460000">
+              <a:srgbClr val="000000">
+                <a:alpha val="70000"/>
+              </a:srgbClr>
+            </a:innerShdw>
+          </a:effectLst>
+        </p:spPr>
+      </p:pic>
       <p:sp>
         <p:nvSpPr>
           <p:cNvPr id="8194" name="Rectangle 1026"/>
@@ -18153,16 +18142,23 @@
             <p:ph type="title"/>
           </p:nvPr>
         </p:nvSpPr>
-        <p:spPr/>
-        <p:txBody>
-          <a:bodyPr/>
+        <p:spPr>
+          <a:xfrm>
+            <a:off x="1113234" y="685801"/>
+            <a:ext cx="7514035" cy="1185333"/>
+          </a:xfrm>
+        </p:spPr>
+        <p:txBody>
+          <a:bodyPr>
+            <a:normAutofit/>
+          </a:bodyPr>
           <a:lstStyle/>
           <a:p>
             <a:pPr>
               <a:defRPr/>
             </a:pPr>
             <a:r>
-              <a:rPr lang="en-US" altLang="zh-TW" smtClean="0">
+              <a:rPr lang="en-US" altLang="zh-TW">
                 <a:latin typeface="Times New Roman" pitchFamily="18" charset="0"/>
               </a:rPr>
               <a:t>What is a form</a:t>
@@ -18180,45 +18176,62 @@
             <p:ph idx="1"/>
           </p:nvPr>
         </p:nvSpPr>
-        <p:spPr/>
-        <p:txBody>
-          <a:bodyPr/>
+        <p:spPr>
+          <a:xfrm>
+            <a:off x="1113234" y="1998134"/>
+            <a:ext cx="4865120" cy="3793067"/>
+          </a:xfrm>
+        </p:spPr>
+        <p:txBody>
+          <a:bodyPr>
+            <a:normAutofit/>
+          </a:bodyPr>
           <a:lstStyle/>
           <a:p>
-            <a:r>
-              <a:rPr lang="en-US" altLang="zh-TW" dirty="0" smtClean="0">
+            <a:pPr>
+              <a:lnSpc>
+                <a:spcPct val="90000"/>
+              </a:lnSpc>
+            </a:pPr>
+            <a:r>
+              <a:rPr lang="en-US" altLang="zh-TW" dirty="0">
                 <a:ea typeface="新細明體" pitchFamily="18" charset="-120"/>
               </a:rPr>
               <a:t>It’s a section of a document containing normal content, markup, special elements called controls (checkboxes, radio buttons, menus, etc.), and labels on those controls</a:t>
             </a:r>
           </a:p>
           <a:p>
-            <a:r>
-              <a:rPr lang="en-US" altLang="zh-TW" dirty="0" smtClean="0">
+            <a:pPr>
+              <a:lnSpc>
+                <a:spcPct val="90000"/>
+              </a:lnSpc>
+            </a:pPr>
+            <a:r>
+              <a:rPr lang="en-US" altLang="zh-TW" dirty="0">
                 <a:ea typeface="新細明體" pitchFamily="18" charset="-120"/>
               </a:rPr>
               <a:t>Users </a:t>
             </a:r>
             <a:r>
-              <a:rPr lang="mr-IN" altLang="zh-TW" dirty="0" smtClean="0">
+              <a:rPr lang="mr-IN" altLang="zh-TW" dirty="0">
                 <a:ea typeface="新細明體" pitchFamily="18" charset="-120"/>
               </a:rPr>
               <a:t>"</a:t>
             </a:r>
             <a:r>
-              <a:rPr lang="en-US" altLang="zh-TW" dirty="0" smtClean="0">
+              <a:rPr lang="en-US" altLang="zh-TW" dirty="0">
                 <a:ea typeface="新細明體" pitchFamily="18" charset="-120"/>
               </a:rPr>
               <a:t>complete</a:t>
             </a:r>
             <a:r>
-              <a:rPr lang="mr-IN" altLang="zh-TW" dirty="0" smtClean="0">
+              <a:rPr lang="mr-IN" altLang="zh-TW" dirty="0">
                 <a:ea typeface="新細明體" pitchFamily="18" charset="-120"/>
               </a:rPr>
               <a:t>"</a:t>
             </a:r>
             <a:r>
-              <a:rPr lang="en-US" altLang="zh-TW" dirty="0" smtClean="0">
+              <a:rPr lang="en-US" altLang="zh-TW" dirty="0">
                 <a:ea typeface="新細明體" pitchFamily="18" charset="-120"/>
               </a:rPr>
               <a:t> a form by modifying its controls before submitting the form to an agent for processing </a:t>
@@ -18229,7 +18242,7 @@
     </p:spTree>
     <p:extLst>
       <p:ext uri="{BB962C8B-B14F-4D97-AF65-F5344CB8AC3E}">
-        <p14:creationId xmlns:p14="http://schemas.microsoft.com/office/powerpoint/2010/main" val="1660007457"/>
+        <p14:creationId xmlns:p14="http://schemas.microsoft.com/office/powerpoint/2010/main" val="1455209513"/>
       </p:ext>
     </p:extLst>
   </p:cSld>
@@ -18239,13 +18252,6 @@
   <p:transition>
     <p:checker/>
   </p:transition>
-  <p:timing>
-    <p:tnLst>
-      <p:par>
-        <p:cTn id="1" dur="indefinite" restart="never" nodeType="tmRoot"/>
-      </p:par>
-    </p:tnLst>
-  </p:timing>
 </p:sld>
 </file>
 
@@ -18324,12 +18330,9 @@
               </a:rPr>
               <a:t>birthday.php</a:t>
             </a:r>
-            <a:r>
-              <a:rPr lang="en-US" altLang="zh-TW" dirty="0" smtClean="0">
-                <a:ea typeface="新細明體" pitchFamily="18" charset="-120"/>
-              </a:rPr>
-              <a:t> from ftp</a:t>
-            </a:r>
+            <a:endParaRPr lang="en-US" altLang="zh-TW" dirty="0" smtClean="0">
+              <a:ea typeface="新細明體" pitchFamily="18" charset="-120"/>
+            </a:endParaRPr>
           </a:p>
           <a:p>
             <a:pPr eaLnBrk="1" hangingPunct="1"/>
@@ -18468,7 +18471,7 @@
     </p:spTree>
     <p:extLst>
       <p:ext uri="{BB962C8B-B14F-4D97-AF65-F5344CB8AC3E}">
-        <p14:creationId xmlns:p14="http://schemas.microsoft.com/office/powerpoint/2010/main" val="356595463"/>
+        <p14:creationId xmlns:p14="http://schemas.microsoft.com/office/powerpoint/2010/main" val="1986755883"/>
       </p:ext>
     </p:extLst>
   </p:cSld>
@@ -18593,7 +18596,7 @@
     </p:spTree>
     <p:extLst>
       <p:ext uri="{BB962C8B-B14F-4D97-AF65-F5344CB8AC3E}">
-        <p14:creationId xmlns:p14="http://schemas.microsoft.com/office/powerpoint/2010/main" val="1820571511"/>
+        <p14:creationId xmlns:p14="http://schemas.microsoft.com/office/powerpoint/2010/main" val="182898378"/>
       </p:ext>
     </p:extLst>
   </p:cSld>
@@ -18717,7 +18720,7 @@
     </p:spTree>
     <p:extLst>
       <p:ext uri="{BB962C8B-B14F-4D97-AF65-F5344CB8AC3E}">
-        <p14:creationId xmlns:p14="http://schemas.microsoft.com/office/powerpoint/2010/main" val="998382921"/>
+        <p14:creationId xmlns:p14="http://schemas.microsoft.com/office/powerpoint/2010/main" val="923940189"/>
       </p:ext>
     </p:extLst>
   </p:cSld>
@@ -18833,55 +18836,55 @@
           <a:p>
             <a:pPr eaLnBrk="1" hangingPunct="1"/>
             <a:r>
-              <a:rPr lang="en-US" altLang="zh-TW" dirty="0" smtClean="0">
+              <a:rPr lang="en-US" altLang="zh-TW" strike="sngStrike" dirty="0" smtClean="0">
                 <a:ea typeface="新細明體" pitchFamily="18" charset="-120"/>
               </a:rPr>
               <a:t>$HTTP_GET_VARS[</a:t>
             </a:r>
             <a:r>
-              <a:rPr lang="mr-IN" altLang="zh-TW" dirty="0" smtClean="0">
+              <a:rPr lang="mr-IN" altLang="zh-TW" strike="sngStrike" dirty="0" smtClean="0">
                 <a:ea typeface="新細明體" pitchFamily="18" charset="-120"/>
               </a:rPr>
               <a:t>"</a:t>
             </a:r>
             <a:r>
-              <a:rPr lang="en-US" altLang="zh-TW" dirty="0" smtClean="0">
+              <a:rPr lang="en-US" altLang="zh-TW" strike="sngStrike" dirty="0" smtClean="0">
                 <a:ea typeface="新細明體" pitchFamily="18" charset="-120"/>
               </a:rPr>
               <a:t>username</a:t>
             </a:r>
             <a:r>
-              <a:rPr lang="mr-IN" altLang="zh-TW" dirty="0" smtClean="0">
+              <a:rPr lang="mr-IN" altLang="zh-TW" strike="sngStrike" dirty="0" smtClean="0">
                 <a:ea typeface="新細明體" pitchFamily="18" charset="-120"/>
               </a:rPr>
               <a:t>"</a:t>
             </a:r>
             <a:r>
-              <a:rPr lang="en-US" altLang="zh-TW" dirty="0" smtClean="0">
+              <a:rPr lang="en-US" altLang="zh-TW" strike="sngStrike" dirty="0" smtClean="0">
                 <a:ea typeface="新細明體" pitchFamily="18" charset="-120"/>
               </a:rPr>
               <a:t>], $HTTP_POST_VARS[</a:t>
             </a:r>
             <a:r>
-              <a:rPr lang="mr-IN" altLang="zh-TW" dirty="0" smtClean="0">
+              <a:rPr lang="mr-IN" altLang="zh-TW" strike="sngStrike" dirty="0" smtClean="0">
                 <a:ea typeface="新細明體" pitchFamily="18" charset="-120"/>
               </a:rPr>
               <a:t>"</a:t>
             </a:r>
             <a:r>
-              <a:rPr lang="en-US" altLang="zh-TW" dirty="0" smtClean="0">
+              <a:rPr lang="en-US" altLang="zh-TW" strike="sngStrike" dirty="0" smtClean="0">
                 <a:ea typeface="新細明體" pitchFamily="18" charset="-120"/>
               </a:rPr>
               <a:t>username</a:t>
             </a:r>
             <a:r>
-              <a:rPr lang="mr-IN" altLang="zh-TW" dirty="0" smtClean="0">
+              <a:rPr lang="mr-IN" altLang="zh-TW" strike="sngStrike" dirty="0" smtClean="0">
                 <a:ea typeface="新細明體" pitchFamily="18" charset="-120"/>
               </a:rPr>
               <a:t>"</a:t>
             </a:r>
             <a:r>
-              <a:rPr lang="en-US" altLang="zh-TW" dirty="0" smtClean="0">
+              <a:rPr lang="en-US" altLang="zh-TW" strike="sngStrike" dirty="0" smtClean="0">
                 <a:ea typeface="新細明體" pitchFamily="18" charset="-120"/>
               </a:rPr>
               <a:t>]</a:t>
@@ -18976,7 +18979,7 @@
     </p:spTree>
     <p:extLst>
       <p:ext uri="{BB962C8B-B14F-4D97-AF65-F5344CB8AC3E}">
-        <p14:creationId xmlns:p14="http://schemas.microsoft.com/office/powerpoint/2010/main" val="318371922"/>
+        <p14:creationId xmlns:p14="http://schemas.microsoft.com/office/powerpoint/2010/main" val="1798816005"/>
       </p:ext>
     </p:extLst>
   </p:cSld>
@@ -19098,7 +19101,7 @@
     </p:spTree>
     <p:extLst>
       <p:ext uri="{BB962C8B-B14F-4D97-AF65-F5344CB8AC3E}">
-        <p14:creationId xmlns:p14="http://schemas.microsoft.com/office/powerpoint/2010/main" val="916478692"/>
+        <p14:creationId xmlns:p14="http://schemas.microsoft.com/office/powerpoint/2010/main" val="1233142379"/>
       </p:ext>
     </p:extLst>
   </p:cSld>
@@ -19251,7 +19254,7 @@
     </p:spTree>
     <p:extLst>
       <p:ext uri="{BB962C8B-B14F-4D97-AF65-F5344CB8AC3E}">
-        <p14:creationId xmlns:p14="http://schemas.microsoft.com/office/powerpoint/2010/main" val="1504660160"/>
+        <p14:creationId xmlns:p14="http://schemas.microsoft.com/office/powerpoint/2010/main" val="59286656"/>
       </p:ext>
     </p:extLst>
   </p:cSld>
@@ -19436,7 +19439,7 @@
     </p:spTree>
     <p:extLst>
       <p:ext uri="{BB962C8B-B14F-4D97-AF65-F5344CB8AC3E}">
-        <p14:creationId xmlns:p14="http://schemas.microsoft.com/office/powerpoint/2010/main" val="55882048"/>
+        <p14:creationId xmlns:p14="http://schemas.microsoft.com/office/powerpoint/2010/main" val="2145898831"/>
       </p:ext>
     </p:extLst>
   </p:cSld>
@@ -19926,7 +19929,7 @@
     </p:spTree>
     <p:extLst>
       <p:ext uri="{BB962C8B-B14F-4D97-AF65-F5344CB8AC3E}">
-        <p14:creationId xmlns:p14="http://schemas.microsoft.com/office/powerpoint/2010/main" val="418635070"/>
+        <p14:creationId xmlns:p14="http://schemas.microsoft.com/office/powerpoint/2010/main" val="1341992857"/>
       </p:ext>
     </p:extLst>
   </p:cSld>
@@ -20443,7 +20446,7 @@
         <p:spPr/>
         <p:txBody>
           <a:bodyPr>
-            <a:normAutofit fontScale="92500" lnSpcReduction="20000"/>
+            <a:normAutofit/>
           </a:bodyPr>
           <a:lstStyle/>
           <a:p>
@@ -20451,14 +20454,31 @@
               <a:rPr lang="en-US" altLang="zh-TW" dirty="0" smtClean="0">
                 <a:ea typeface="新細明體" pitchFamily="18" charset="-120"/>
               </a:rPr>
-              <a:t>Secure data by encryption</a:t>
-            </a:r>
-          </a:p>
-          <a:p>
+              <a:t>Secure data by </a:t>
+            </a:r>
             <a:r>
               <a:rPr lang="en-US" altLang="zh-TW" dirty="0" smtClean="0">
                 <a:ea typeface="新細明體" pitchFamily="18" charset="-120"/>
               </a:rPr>
+              <a:t>encryption</a:t>
+            </a:r>
+          </a:p>
+          <a:p>
+            <a:r>
+              <a:rPr lang="en-US" altLang="zh-TW" dirty="0" smtClean="0">
+                <a:ea typeface="新細明體" pitchFamily="18" charset="-120"/>
+              </a:rPr>
+              <a:t>Cipher</a:t>
+            </a:r>
+            <a:endParaRPr lang="en-US" altLang="zh-TW" dirty="0" smtClean="0">
+              <a:ea typeface="新細明體" pitchFamily="18" charset="-120"/>
+            </a:endParaRPr>
+          </a:p>
+          <a:p>
+            <a:r>
+              <a:rPr lang="en-US" altLang="zh-TW" dirty="0" smtClean="0">
+                <a:ea typeface="新細明體" pitchFamily="18" charset="-120"/>
+              </a:rPr>
               <a:t>MD5(32), sha1(40), sha256(64)</a:t>
             </a:r>
           </a:p>
@@ -20485,37 +20505,16 @@
               </a:rPr>
               <a:t>RSA</a:t>
             </a:r>
-          </a:p>
-          <a:p>
-            <a:r>
-              <a:rPr lang="en-US" altLang="zh-TW" dirty="0" smtClean="0">
-                <a:ea typeface="新細明體" pitchFamily="18" charset="-120"/>
-              </a:rPr>
-              <a:t>hsbc.com, paypal.com</a:t>
-            </a:r>
-          </a:p>
-          <a:p>
-            <a:r>
-              <a:rPr lang="en-US" altLang="zh-TW" dirty="0" smtClean="0">
-                <a:ea typeface="新細明體" pitchFamily="18" charset="-120"/>
-              </a:rPr>
-              <a:t>gmail.com, mail.yahoo.com, hotmail.com, zaturday.com/mail</a:t>
-            </a:r>
-          </a:p>
-          <a:p>
-            <a:r>
-              <a:rPr lang="en-US" altLang="zh-TW" dirty="0" smtClean="0">
-                <a:ea typeface="新細明體" pitchFamily="18" charset="-120"/>
-              </a:rPr>
-              <a:t>hkpl.gov.hk, edit.php.net</a:t>
-            </a:r>
+            <a:endParaRPr lang="en-US" altLang="zh-TW" dirty="0" smtClean="0">
+              <a:ea typeface="新細明體" pitchFamily="18" charset="-120"/>
+            </a:endParaRPr>
           </a:p>
         </p:txBody>
       </p:sp>
     </p:spTree>
     <p:extLst>
       <p:ext uri="{BB962C8B-B14F-4D97-AF65-F5344CB8AC3E}">
-        <p14:creationId xmlns:p14="http://schemas.microsoft.com/office/powerpoint/2010/main" val="315593273"/>
+        <p14:creationId xmlns:p14="http://schemas.microsoft.com/office/powerpoint/2010/main" val="244186909"/>
       </p:ext>
     </p:extLst>
   </p:cSld>
@@ -20551,9 +20550,9 @@
       </p:grpSpPr>
       <p:sp>
         <p:nvSpPr>
-          <p:cNvPr id="2" name="Title 1"/>
-          <p:cNvSpPr>
-            <a:spLocks noGrp="1"/>
+          <p:cNvPr id="9218" name="Rectangle 2050"/>
+          <p:cNvSpPr>
+            <a:spLocks noGrp="1" noChangeArrowheads="1"/>
           </p:cNvSpPr>
           <p:nvPr>
             <p:ph type="title"/>
@@ -20564,19 +20563,22 @@
           <a:bodyPr/>
           <a:lstStyle/>
           <a:p>
-            <a:r>
-              <a:rPr lang="en-US" dirty="0" smtClean="0"/>
-              <a:t>Encryption</a:t>
-            </a:r>
-            <a:endParaRPr lang="en-US" dirty="0"/>
-          </a:p>
-        </p:txBody>
-      </p:sp>
-      <p:sp>
-        <p:nvSpPr>
-          <p:cNvPr id="3" name="Content Placeholder 2"/>
-          <p:cNvSpPr>
-            <a:spLocks noGrp="1"/>
+            <a:pPr>
+              <a:defRPr/>
+            </a:pPr>
+            <a:r>
+              <a:rPr lang="en-US" altLang="zh-TW" dirty="0" smtClean="0"/>
+              <a:t>Website example</a:t>
+            </a:r>
+            <a:endParaRPr lang="en-US" altLang="zh-TW" dirty="0" smtClean="0"/>
+          </a:p>
+        </p:txBody>
+      </p:sp>
+      <p:sp>
+        <p:nvSpPr>
+          <p:cNvPr id="16387" name="Rectangle 2051"/>
+          <p:cNvSpPr>
+            <a:spLocks noGrp="1" noChangeArrowheads="1"/>
           </p:cNvSpPr>
           <p:nvPr>
             <p:ph idx="1"/>
@@ -20584,49 +20586,71 @@
         </p:nvSpPr>
         <p:spPr/>
         <p:txBody>
-          <a:bodyPr/>
+          <a:bodyPr>
+            <a:normAutofit/>
+          </a:bodyPr>
           <a:lstStyle/>
           <a:p>
             <a:r>
-              <a:rPr lang="en-US" dirty="0"/>
-              <a:t>MD5 is considered cryptographically broken and is unsuitable for further use.</a:t>
-            </a:r>
-          </a:p>
-          <a:p>
-            <a:r>
-              <a:rPr lang="en-US" dirty="0"/>
-              <a:t>The SHA1 algorithm might not be secure enough for ongoing use. It is recommended not to use SHA1.</a:t>
-            </a:r>
-          </a:p>
-          <a:p>
-            <a:r>
-              <a:rPr lang="en-US" dirty="0"/>
-              <a:t>SHA224: SHA224 produces a 224-bit (28-byte) hash value, typically rendered as a hexadecimal number, 56 digits long.</a:t>
-            </a:r>
-          </a:p>
-          <a:p>
-            <a:r>
-              <a:rPr lang="en-US" dirty="0"/>
-              <a:t>SHA256: SHA256 produces a 256-bit (32-byte) hash value, typically rendered as a hexadecimal number, 64 digits long</a:t>
-            </a:r>
-            <a:r>
-              <a:rPr lang="en-US" dirty="0" smtClean="0"/>
-              <a:t>.</a:t>
-            </a:r>
-            <a:endParaRPr lang="en-US" dirty="0"/>
+              <a:rPr lang="en-US" altLang="zh-TW" dirty="0" err="1" smtClean="0">
+                <a:ea typeface="新細明體" pitchFamily="18" charset="-120"/>
+              </a:rPr>
+              <a:t>hsbc.com</a:t>
+            </a:r>
+            <a:r>
+              <a:rPr lang="en-US" altLang="zh-TW" dirty="0" smtClean="0">
+                <a:ea typeface="新細明體" pitchFamily="18" charset="-120"/>
+              </a:rPr>
+              <a:t>, paypal.com</a:t>
+            </a:r>
+          </a:p>
+          <a:p>
+            <a:r>
+              <a:rPr lang="en-US" altLang="zh-TW" dirty="0" smtClean="0">
+                <a:ea typeface="新細明體" pitchFamily="18" charset="-120"/>
+              </a:rPr>
+              <a:t>gmail.com, mail.yahoo.com, hotmail.com, </a:t>
+            </a:r>
+            <a:r>
+              <a:rPr lang="en-US" altLang="zh-TW" dirty="0" err="1" smtClean="0">
+                <a:ea typeface="新細明體" pitchFamily="18" charset="-120"/>
+              </a:rPr>
+              <a:t>zaturday.com</a:t>
+            </a:r>
+            <a:r>
+              <a:rPr lang="en-US" altLang="zh-TW" dirty="0" smtClean="0">
+                <a:ea typeface="新細明體" pitchFamily="18" charset="-120"/>
+              </a:rPr>
+              <a:t>/webmail</a:t>
+            </a:r>
+          </a:p>
+          <a:p>
+            <a:r>
+              <a:rPr lang="en-US" altLang="zh-TW" dirty="0" smtClean="0">
+                <a:ea typeface="新細明體" pitchFamily="18" charset="-120"/>
+              </a:rPr>
+              <a:t>hkpl.gov.hk, edit.php.net</a:t>
+            </a:r>
           </a:p>
         </p:txBody>
       </p:sp>
     </p:spTree>
     <p:extLst>
       <p:ext uri="{BB962C8B-B14F-4D97-AF65-F5344CB8AC3E}">
-        <p14:creationId xmlns:p14="http://schemas.microsoft.com/office/powerpoint/2010/main" val="70694150"/>
+        <p14:creationId xmlns:p14="http://schemas.microsoft.com/office/powerpoint/2010/main" val="1939986506"/>
       </p:ext>
     </p:extLst>
   </p:cSld>
   <p:clrMapOvr>
     <a:masterClrMapping/>
   </p:clrMapOvr>
+  <p:timing>
+    <p:tnLst>
+      <p:par>
+        <p:cTn id="1" dur="indefinite" restart="never" nodeType="tmRoot"/>
+      </p:par>
+    </p:tnLst>
+  </p:timing>
 </p:sld>
 </file>
 
@@ -20686,32 +20710,39 @@
           <a:lstStyle/>
           <a:p>
             <a:r>
+              <a:rPr lang="en-US" dirty="0"/>
+              <a:t>MD5 is considered cryptographically broken and is unsuitable for further use.</a:t>
+            </a:r>
+          </a:p>
+          <a:p>
+            <a:r>
+              <a:rPr lang="en-US" dirty="0"/>
+              <a:t>The SHA1 algorithm might not be secure enough for ongoing use. It is recommended not to use SHA1.</a:t>
+            </a:r>
+          </a:p>
+          <a:p>
+            <a:r>
+              <a:rPr lang="en-US" dirty="0"/>
+              <a:t>SHA224: SHA224 produces a 224-bit (28-byte) hash value, typically rendered as a hexadecimal number, 56 digits long.</a:t>
+            </a:r>
+          </a:p>
+          <a:p>
+            <a:r>
+              <a:rPr lang="en-US" dirty="0"/>
+              <a:t>SHA256: SHA256 produces a 256-bit (32-byte) hash value, typically rendered as a hexadecimal number, 64 digits long</a:t>
+            </a:r>
+            <a:r>
               <a:rPr lang="en-US" dirty="0" smtClean="0"/>
-              <a:t>SHA384</a:t>
-            </a:r>
-            <a:r>
-              <a:rPr lang="en-US" dirty="0"/>
-              <a:t>: SHA384 produces a 384-bit (48-byte) hash value, typically rendered as a hexadecimal number, 96 digits long.</a:t>
-            </a:r>
-          </a:p>
-          <a:p>
-            <a:r>
-              <a:rPr lang="en-US" dirty="0"/>
-              <a:t>SHA512: SHA512 produces a 512-bit (64-byte) hash value, typically rendered as a hexadecimal number, 128 digits long.</a:t>
-            </a:r>
-          </a:p>
-          <a:p>
-            <a:r>
-              <a:rPr lang="en-US" dirty="0"/>
-              <a:t>RIPEMD160: RIPEMD160 produces a 160-bit (20-byte) hash value, typically rendered as a hexadecimal number, 40 digits long.</a:t>
-            </a:r>
+              <a:t>.</a:t>
+            </a:r>
+            <a:endParaRPr lang="en-US" dirty="0"/>
           </a:p>
         </p:txBody>
       </p:sp>
     </p:spTree>
     <p:extLst>
       <p:ext uri="{BB962C8B-B14F-4D97-AF65-F5344CB8AC3E}">
-        <p14:creationId xmlns:p14="http://schemas.microsoft.com/office/powerpoint/2010/main" val="3031511803"/>
+        <p14:creationId xmlns:p14="http://schemas.microsoft.com/office/powerpoint/2010/main" val="57615496"/>
       </p:ext>
     </p:extLst>
   </p:cSld>
@@ -20755,7 +20786,7 @@
           <a:p>
             <a:r>
               <a:rPr lang="en-US" dirty="0" smtClean="0"/>
-              <a:t>hash</a:t>
+              <a:t>Encryption</a:t>
             </a:r>
             <a:endParaRPr lang="en-US" dirty="0"/>
           </a:p>
@@ -20777,54 +20808,32 @@
           <a:lstStyle/>
           <a:p>
             <a:r>
-              <a:rPr lang="zh-TW" altLang="en-US" dirty="0"/>
-              <a:t>雜湊</a:t>
-            </a:r>
-            <a:r>
-              <a:rPr lang="en-US" altLang="zh-TW" dirty="0"/>
-              <a:t>(Hash)</a:t>
-            </a:r>
-            <a:r>
-              <a:rPr lang="zh-TW" altLang="en-US" dirty="0"/>
-              <a:t>演算法越來越多，</a:t>
-            </a:r>
-            <a:r>
-              <a:rPr lang="en-US" altLang="zh-TW" dirty="0"/>
-              <a:t>PHP </a:t>
-            </a:r>
-            <a:r>
-              <a:rPr lang="zh-TW" altLang="en-US" dirty="0"/>
-              <a:t>直接做了 </a:t>
-            </a:r>
-            <a:r>
-              <a:rPr lang="en-US" altLang="zh-TW" dirty="0">
-                <a:hlinkClick r:id="rId2"/>
-              </a:rPr>
-              <a:t>hash()</a:t>
-            </a:r>
-            <a:r>
-              <a:rPr lang="zh-TW" altLang="en-US" dirty="0"/>
-              <a:t> 來用，直接指定要用哪個雜湊演算法即可</a:t>
-            </a:r>
-            <a:r>
-              <a:rPr lang="zh-TW" altLang="en-US" dirty="0" smtClean="0"/>
-              <a:t>。</a:t>
-            </a:r>
-            <a:endParaRPr lang="en-US" altLang="zh-TW" dirty="0" smtClean="0"/>
-          </a:p>
-          <a:p>
-            <a:r>
-              <a:rPr lang="en-US" dirty="0" err="1" smtClean="0"/>
-              <a:t>hash.php</a:t>
-            </a:r>
-            <a:endParaRPr lang="en-US" dirty="0"/>
+              <a:rPr lang="en-US" dirty="0" smtClean="0"/>
+              <a:t>SHA384</a:t>
+            </a:r>
+            <a:r>
+              <a:rPr lang="en-US" dirty="0"/>
+              <a:t>: SHA384 produces a 384-bit (48-byte) hash value, typically rendered as a hexadecimal number, 96 digits long.</a:t>
+            </a:r>
+          </a:p>
+          <a:p>
+            <a:r>
+              <a:rPr lang="en-US" dirty="0"/>
+              <a:t>SHA512: SHA512 produces a 512-bit (64-byte) hash value, typically rendered as a hexadecimal number, 128 digits long.</a:t>
+            </a:r>
+          </a:p>
+          <a:p>
+            <a:r>
+              <a:rPr lang="en-US" dirty="0"/>
+              <a:t>RIPEMD160: RIPEMD160 produces a 160-bit (20-byte) hash value, typically rendered as a hexadecimal number, 40 digits long.</a:t>
+            </a:r>
           </a:p>
         </p:txBody>
       </p:sp>
     </p:spTree>
     <p:extLst>
       <p:ext uri="{BB962C8B-B14F-4D97-AF65-F5344CB8AC3E}">
-        <p14:creationId xmlns:p14="http://schemas.microsoft.com/office/powerpoint/2010/main" val="2475684050"/>
+        <p14:creationId xmlns:p14="http://schemas.microsoft.com/office/powerpoint/2010/main" val="1976000122"/>
       </p:ext>
     </p:extLst>
   </p:cSld>
@@ -20868,7 +20877,7 @@
           <a:p>
             <a:r>
               <a:rPr lang="en-US" dirty="0" smtClean="0"/>
-              <a:t>Password</a:t>
+              <a:t>hash</a:t>
             </a:r>
             <a:endParaRPr lang="en-US" dirty="0"/>
           </a:p>
@@ -20890,23 +20899,54 @@
           <a:lstStyle/>
           <a:p>
             <a:r>
-              <a:rPr lang="en-US" dirty="0" smtClean="0"/>
-              <a:t>Strong password</a:t>
-            </a:r>
-          </a:p>
-          <a:p>
-            <a:r>
-              <a:rPr lang="en-US" smtClean="0"/>
-              <a:t>PassPhase</a:t>
-            </a:r>
-            <a:endParaRPr lang="en-US"/>
+              <a:rPr lang="zh-TW" altLang="en-US" dirty="0"/>
+              <a:t>雜湊</a:t>
+            </a:r>
+            <a:r>
+              <a:rPr lang="en-US" altLang="zh-TW" dirty="0"/>
+              <a:t>(Hash)</a:t>
+            </a:r>
+            <a:r>
+              <a:rPr lang="zh-TW" altLang="en-US" dirty="0"/>
+              <a:t>演算法越來越多，</a:t>
+            </a:r>
+            <a:r>
+              <a:rPr lang="en-US" altLang="zh-TW" dirty="0"/>
+              <a:t>PHP </a:t>
+            </a:r>
+            <a:r>
+              <a:rPr lang="zh-TW" altLang="en-US" dirty="0"/>
+              <a:t>直接做了 </a:t>
+            </a:r>
+            <a:r>
+              <a:rPr lang="en-US" altLang="zh-TW" dirty="0">
+                <a:hlinkClick r:id="rId2"/>
+              </a:rPr>
+              <a:t>hash()</a:t>
+            </a:r>
+            <a:r>
+              <a:rPr lang="zh-TW" altLang="en-US" dirty="0"/>
+              <a:t> 來用，直接指定要用哪個雜湊演算法即可</a:t>
+            </a:r>
+            <a:r>
+              <a:rPr lang="zh-TW" altLang="en-US" dirty="0" smtClean="0"/>
+              <a:t>。</a:t>
+            </a:r>
+            <a:endParaRPr lang="en-US" altLang="zh-TW" dirty="0" smtClean="0"/>
+          </a:p>
+          <a:p>
+            <a:r>
+              <a:rPr lang="en-US" dirty="0" err="1" smtClean="0"/>
+              <a:t>hash.php</a:t>
+            </a:r>
+            <a:endParaRPr lang="en-US" dirty="0"/>
           </a:p>
         </p:txBody>
       </p:sp>
     </p:spTree>
     <p:extLst>
       <p:ext uri="{BB962C8B-B14F-4D97-AF65-F5344CB8AC3E}">
-        <p14:creationId xmlns:p14="http://schemas.microsoft.com/office/powerpoint/2010/main" val="3198446013"/>
+        <p14:creationId xmlns:p14="http://schemas.microsoft.com/office/powerpoint/2010/main" val="1946933246"/>
       </p:ext>
     </p:extLst>
   </p:cSld>

--- a/php-fw4/lesson4.pptx
+++ b/php-fw4/lesson4.pptx
@@ -5,10 +5,10 @@
     <p:sldMasterId id="2147484302" r:id="rId1"/>
   </p:sldMasterIdLst>
   <p:notesMasterIdLst>
-    <p:notesMasterId r:id="rId44"/>
+    <p:notesMasterId r:id="rId45"/>
   </p:notesMasterIdLst>
   <p:handoutMasterIdLst>
-    <p:handoutMasterId r:id="rId45"/>
+    <p:handoutMasterId r:id="rId46"/>
   </p:handoutMasterIdLst>
   <p:sldIdLst>
     <p:sldId id="256" r:id="rId2"/>
@@ -16,43 +16,44 @@
     <p:sldId id="450" r:id="rId4"/>
     <p:sldId id="451" r:id="rId5"/>
     <p:sldId id="452" r:id="rId6"/>
-    <p:sldId id="453" r:id="rId7"/>
-    <p:sldId id="454" r:id="rId8"/>
-    <p:sldId id="455" r:id="rId9"/>
-    <p:sldId id="456" r:id="rId10"/>
-    <p:sldId id="457" r:id="rId11"/>
-    <p:sldId id="458" r:id="rId12"/>
-    <p:sldId id="459" r:id="rId13"/>
-    <p:sldId id="460" r:id="rId14"/>
-    <p:sldId id="461" r:id="rId15"/>
-    <p:sldId id="462" r:id="rId16"/>
-    <p:sldId id="463" r:id="rId17"/>
-    <p:sldId id="464" r:id="rId18"/>
-    <p:sldId id="465" r:id="rId19"/>
-    <p:sldId id="466" r:id="rId20"/>
-    <p:sldId id="467" r:id="rId21"/>
-    <p:sldId id="468" r:id="rId22"/>
-    <p:sldId id="469" r:id="rId23"/>
-    <p:sldId id="470" r:id="rId24"/>
-    <p:sldId id="471" r:id="rId25"/>
-    <p:sldId id="472" r:id="rId26"/>
-    <p:sldId id="473" r:id="rId27"/>
-    <p:sldId id="474" r:id="rId28"/>
-    <p:sldId id="475" r:id="rId29"/>
-    <p:sldId id="476" r:id="rId30"/>
-    <p:sldId id="477" r:id="rId31"/>
-    <p:sldId id="478" r:id="rId32"/>
-    <p:sldId id="479" r:id="rId33"/>
-    <p:sldId id="480" r:id="rId34"/>
-    <p:sldId id="481" r:id="rId35"/>
-    <p:sldId id="482" r:id="rId36"/>
-    <p:sldId id="483" r:id="rId37"/>
-    <p:sldId id="445" r:id="rId38"/>
-    <p:sldId id="446" r:id="rId39"/>
-    <p:sldId id="447" r:id="rId40"/>
-    <p:sldId id="444" r:id="rId41"/>
-    <p:sldId id="449" r:id="rId42"/>
-    <p:sldId id="398" r:id="rId43"/>
+    <p:sldId id="484" r:id="rId7"/>
+    <p:sldId id="453" r:id="rId8"/>
+    <p:sldId id="454" r:id="rId9"/>
+    <p:sldId id="455" r:id="rId10"/>
+    <p:sldId id="456" r:id="rId11"/>
+    <p:sldId id="457" r:id="rId12"/>
+    <p:sldId id="458" r:id="rId13"/>
+    <p:sldId id="459" r:id="rId14"/>
+    <p:sldId id="460" r:id="rId15"/>
+    <p:sldId id="461" r:id="rId16"/>
+    <p:sldId id="462" r:id="rId17"/>
+    <p:sldId id="463" r:id="rId18"/>
+    <p:sldId id="464" r:id="rId19"/>
+    <p:sldId id="465" r:id="rId20"/>
+    <p:sldId id="466" r:id="rId21"/>
+    <p:sldId id="467" r:id="rId22"/>
+    <p:sldId id="468" r:id="rId23"/>
+    <p:sldId id="469" r:id="rId24"/>
+    <p:sldId id="470" r:id="rId25"/>
+    <p:sldId id="471" r:id="rId26"/>
+    <p:sldId id="472" r:id="rId27"/>
+    <p:sldId id="473" r:id="rId28"/>
+    <p:sldId id="474" r:id="rId29"/>
+    <p:sldId id="475" r:id="rId30"/>
+    <p:sldId id="476" r:id="rId31"/>
+    <p:sldId id="477" r:id="rId32"/>
+    <p:sldId id="478" r:id="rId33"/>
+    <p:sldId id="479" r:id="rId34"/>
+    <p:sldId id="480" r:id="rId35"/>
+    <p:sldId id="481" r:id="rId36"/>
+    <p:sldId id="482" r:id="rId37"/>
+    <p:sldId id="483" r:id="rId38"/>
+    <p:sldId id="445" r:id="rId39"/>
+    <p:sldId id="446" r:id="rId40"/>
+    <p:sldId id="447" r:id="rId41"/>
+    <p:sldId id="444" r:id="rId42"/>
+    <p:sldId id="449" r:id="rId43"/>
+    <p:sldId id="398" r:id="rId44"/>
   </p:sldIdLst>
   <p:sldSz cx="9144000" cy="6858000" type="screen4x3"/>
   <p:notesSz cx="6858000" cy="9144000"/>
@@ -1161,6 +1162,11 @@
         </p:txBody>
       </p:sp>
     </p:spTree>
+    <p:extLst>
+      <p:ext uri="{BB962C8B-B14F-4D97-AF65-F5344CB8AC3E}">
+        <p14:creationId xmlns:p14="http://schemas.microsoft.com/office/powerpoint/2010/main" val="391299488"/>
+      </p:ext>
+    </p:extLst>
   </p:cSld>
   <p:clrMapOvr>
     <a:masterClrMapping/>
@@ -1322,7 +1328,7 @@
             <a:fld id="{A1DB4528-8FCB-413F-B4CD-D7724F684FDF}" type="slidenum">
               <a:rPr lang="en-US" altLang="zh-TW" sz="1200" smtClean="0"/>
               <a:pPr/>
-              <a:t>15</a:t>
+              <a:t>16</a:t>
             </a:fld>
             <a:endParaRPr lang="en-US" altLang="zh-TW" sz="1200" smtClean="0"/>
           </a:p>
@@ -1550,7 +1556,7 @@
             <a:fld id="{C798A4D9-DBE8-4D12-9BD0-33B8FD344B2A}" type="slidenum">
               <a:rPr lang="en-US" altLang="zh-TW" sz="1200" smtClean="0"/>
               <a:pPr/>
-              <a:t>16</a:t>
+              <a:t>17</a:t>
             </a:fld>
             <a:endParaRPr lang="en-US" altLang="zh-TW" sz="1200" smtClean="0"/>
           </a:p>
@@ -1778,7 +1784,7 @@
             <a:fld id="{4466EFF8-D89D-47A0-A4F7-035BC5BF484B}" type="slidenum">
               <a:rPr lang="en-US" altLang="zh-TW" sz="1200" smtClean="0"/>
               <a:pPr/>
-              <a:t>17</a:t>
+              <a:t>18</a:t>
             </a:fld>
             <a:endParaRPr lang="en-US" altLang="zh-TW" sz="1200" smtClean="0"/>
           </a:p>
@@ -2006,7 +2012,7 @@
             <a:fld id="{EBD8E7BB-8B6B-4756-8541-18828C8F2C3C}" type="slidenum">
               <a:rPr lang="en-US" altLang="zh-TW" sz="1200" smtClean="0"/>
               <a:pPr/>
-              <a:t>18</a:t>
+              <a:t>19</a:t>
             </a:fld>
             <a:endParaRPr lang="en-US" altLang="zh-TW" sz="1200" smtClean="0"/>
           </a:p>
@@ -2234,7 +2240,7 @@
             <a:fld id="{C4843C30-6C91-4E51-B4FA-3FCB7A2452D6}" type="slidenum">
               <a:rPr lang="en-US" altLang="zh-TW" sz="1200" smtClean="0"/>
               <a:pPr/>
-              <a:t>19</a:t>
+              <a:t>20</a:t>
             </a:fld>
             <a:endParaRPr lang="en-US" altLang="zh-TW" sz="1200" smtClean="0"/>
           </a:p>
@@ -2462,7 +2468,7 @@
             <a:fld id="{137C3665-F110-4139-8EF6-9F5D17D75F57}" type="slidenum">
               <a:rPr lang="en-US" altLang="zh-TW" sz="1200" smtClean="0"/>
               <a:pPr/>
-              <a:t>20</a:t>
+              <a:t>21</a:t>
             </a:fld>
             <a:endParaRPr lang="en-US" altLang="zh-TW" sz="1200" smtClean="0"/>
           </a:p>
@@ -2690,7 +2696,7 @@
             <a:fld id="{5981C463-1C54-413C-9707-4BEBBB4A8C0E}" type="slidenum">
               <a:rPr lang="en-US" altLang="zh-TW" sz="1200" smtClean="0"/>
               <a:pPr/>
-              <a:t>21</a:t>
+              <a:t>22</a:t>
             </a:fld>
             <a:endParaRPr lang="en-US" altLang="zh-TW" sz="1200" smtClean="0"/>
           </a:p>
@@ -2918,7 +2924,7 @@
             <a:fld id="{AD0C00DB-B5C2-4DCB-A579-964D5FD2A667}" type="slidenum">
               <a:rPr lang="en-US" altLang="zh-TW" sz="1200" smtClean="0"/>
               <a:pPr/>
-              <a:t>22</a:t>
+              <a:t>23</a:t>
             </a:fld>
             <a:endParaRPr lang="en-US" altLang="zh-TW" sz="1200" smtClean="0"/>
           </a:p>
@@ -3146,7 +3152,7 @@
             <a:fld id="{9AD8AB1C-2E44-4F16-9CEB-685F6C91727A}" type="slidenum">
               <a:rPr lang="en-US" altLang="zh-TW" sz="1200" smtClean="0"/>
               <a:pPr/>
-              <a:t>23</a:t>
+              <a:t>24</a:t>
             </a:fld>
             <a:endParaRPr lang="en-US" altLang="zh-TW" sz="1200" smtClean="0"/>
           </a:p>
@@ -3374,7 +3380,7 @@
             <a:fld id="{F831B8F5-25CE-42B3-B532-8937E8C9AB0E}" type="slidenum">
               <a:rPr lang="en-US" altLang="zh-TW" sz="1200" smtClean="0"/>
               <a:pPr/>
-              <a:t>24</a:t>
+              <a:t>25</a:t>
             </a:fld>
             <a:endParaRPr lang="en-US" altLang="zh-TW" sz="1200" smtClean="0"/>
           </a:p>
@@ -3833,7 +3839,7 @@
             <a:fld id="{7885406E-64C8-4A3E-A3F9-513573349CE5}" type="slidenum">
               <a:rPr lang="en-US" altLang="zh-TW" sz="1200" smtClean="0"/>
               <a:pPr/>
-              <a:t>25</a:t>
+              <a:t>26</a:t>
             </a:fld>
             <a:endParaRPr lang="en-US" altLang="zh-TW" sz="1200" smtClean="0"/>
           </a:p>
@@ -4061,7 +4067,7 @@
             <a:fld id="{21E1DAD6-CCC9-403A-953A-20DD3DA513AD}" type="slidenum">
               <a:rPr lang="en-US" altLang="zh-TW" sz="1200" smtClean="0"/>
               <a:pPr/>
-              <a:t>26</a:t>
+              <a:t>27</a:t>
             </a:fld>
             <a:endParaRPr lang="en-US" altLang="zh-TW" sz="1200" smtClean="0"/>
           </a:p>
@@ -4289,7 +4295,7 @@
             <a:fld id="{F3904D0D-1EB7-4C61-9672-22FD23B7A576}" type="slidenum">
               <a:rPr lang="en-US" altLang="zh-TW" sz="1200" smtClean="0"/>
               <a:pPr/>
-              <a:t>27</a:t>
+              <a:t>28</a:t>
             </a:fld>
             <a:endParaRPr lang="en-US" altLang="zh-TW" sz="1200" smtClean="0"/>
           </a:p>
@@ -4517,7 +4523,7 @@
             <a:fld id="{F3904D0D-1EB7-4C61-9672-22FD23B7A576}" type="slidenum">
               <a:rPr lang="en-US" altLang="zh-TW" sz="1200" smtClean="0"/>
               <a:pPr/>
-              <a:t>28</a:t>
+              <a:t>29</a:t>
             </a:fld>
             <a:endParaRPr lang="en-US" altLang="zh-TW" sz="1200" smtClean="0"/>
           </a:p>
@@ -4745,7 +4751,7 @@
             <a:fld id="{FB06BDF2-F1BE-403B-9551-E351F0386401}" type="slidenum">
               <a:rPr lang="zh-TW" altLang="en-US" sz="1200" smtClean="0"/>
               <a:pPr/>
-              <a:t>32</a:t>
+              <a:t>33</a:t>
             </a:fld>
             <a:endParaRPr lang="en-US" altLang="zh-TW" sz="1200" smtClean="0"/>
           </a:p>
@@ -4973,7 +4979,7 @@
             <a:fld id="{2178B81A-5FB4-4370-9C95-245F187ABDEE}" type="slidenum">
               <a:rPr lang="zh-TW" altLang="en-US" sz="1200" smtClean="0"/>
               <a:pPr/>
-              <a:t>33</a:t>
+              <a:t>34</a:t>
             </a:fld>
             <a:endParaRPr lang="en-US" altLang="zh-TW" sz="1200" smtClean="0"/>
           </a:p>
@@ -5225,7 +5231,7 @@
                   <a:spcPct val="0"/>
                 </a:spcBef>
               </a:pPr>
-              <a:t>42</a:t>
+              <a:t>43</a:t>
             </a:fld>
             <a:endParaRPr kumimoji="0" lang="en-US" altLang="zh-TW"/>
           </a:p>
@@ -5290,6 +5296,11 @@
         </p:txBody>
       </p:sp>
     </p:spTree>
+    <p:extLst>
+      <p:ext uri="{BB962C8B-B14F-4D97-AF65-F5344CB8AC3E}">
+        <p14:creationId xmlns:p14="http://schemas.microsoft.com/office/powerpoint/2010/main" val="2771246706"/>
+      </p:ext>
+    </p:extLst>
   </p:cSld>
   <p:clrMapOvr>
     <a:masterClrMapping/>
@@ -5907,7 +5918,7 @@
             <a:fld id="{33465F75-1C22-4466-9A09-B23BDFF51839}" type="slidenum">
               <a:rPr lang="en-US" altLang="zh-TW" sz="1200" smtClean="0"/>
               <a:pPr/>
-              <a:t>6</a:t>
+              <a:t>7</a:t>
             </a:fld>
             <a:endParaRPr lang="en-US" altLang="zh-TW" sz="1200" smtClean="0"/>
           </a:p>
@@ -6135,7 +6146,7 @@
             <a:fld id="{321EBE3E-B9FB-49AE-8E51-F019B1B77912}" type="slidenum">
               <a:rPr lang="en-US" altLang="zh-TW" sz="1200" smtClean="0"/>
               <a:pPr/>
-              <a:t>11</a:t>
+              <a:t>12</a:t>
             </a:fld>
             <a:endParaRPr lang="en-US" altLang="zh-TW" sz="1200" smtClean="0"/>
           </a:p>
@@ -6363,7 +6374,7 @@
             <a:fld id="{321EBE3E-B9FB-49AE-8E51-F019B1B77912}" type="slidenum">
               <a:rPr lang="en-US" altLang="zh-TW" sz="1200" smtClean="0"/>
               <a:pPr/>
-              <a:t>12</a:t>
+              <a:t>13</a:t>
             </a:fld>
             <a:endParaRPr lang="en-US" altLang="zh-TW" sz="1200" smtClean="0"/>
           </a:p>
@@ -6591,7 +6602,7 @@
             <a:fld id="{D071199D-A5EE-4300-B829-62DB88C8D299}" type="slidenum">
               <a:rPr lang="en-US" altLang="zh-TW" sz="1200" smtClean="0"/>
               <a:pPr/>
-              <a:t>13</a:t>
+              <a:t>14</a:t>
             </a:fld>
             <a:endParaRPr lang="en-US" altLang="zh-TW" sz="1200" smtClean="0"/>
           </a:p>
@@ -6819,7 +6830,7 @@
             <a:fld id="{E40FC351-8449-49DD-AB63-E6F8A600268E}" type="slidenum">
               <a:rPr lang="en-US" altLang="zh-TW" sz="1200" smtClean="0"/>
               <a:pPr/>
-              <a:t>14</a:t>
+              <a:t>15</a:t>
             </a:fld>
             <a:endParaRPr lang="en-US" altLang="zh-TW" sz="1200" smtClean="0"/>
           </a:p>
@@ -13961,7 +13972,7 @@
           <a:p>
             <a:r>
               <a:rPr lang="en-US" dirty="0" smtClean="0"/>
-              <a:t>Password</a:t>
+              <a:t>hash</a:t>
             </a:r>
             <a:endParaRPr lang="en-US" dirty="0"/>
           </a:p>
@@ -13983,23 +13994,54 @@
           <a:lstStyle/>
           <a:p>
             <a:r>
-              <a:rPr lang="en-US" dirty="0" smtClean="0"/>
-              <a:t>Strong password</a:t>
-            </a:r>
-          </a:p>
-          <a:p>
-            <a:r>
-              <a:rPr lang="en-US" smtClean="0"/>
-              <a:t>PassPhase</a:t>
-            </a:r>
-            <a:endParaRPr lang="en-US"/>
+              <a:rPr lang="zh-TW" altLang="en-US" dirty="0"/>
+              <a:t>雜湊</a:t>
+            </a:r>
+            <a:r>
+              <a:rPr lang="en-US" altLang="zh-TW" dirty="0"/>
+              <a:t>(Hash)</a:t>
+            </a:r>
+            <a:r>
+              <a:rPr lang="zh-TW" altLang="en-US" dirty="0"/>
+              <a:t>演算法越來越多，</a:t>
+            </a:r>
+            <a:r>
+              <a:rPr lang="en-US" altLang="zh-TW" dirty="0"/>
+              <a:t>PHP </a:t>
+            </a:r>
+            <a:r>
+              <a:rPr lang="zh-TW" altLang="en-US" dirty="0"/>
+              <a:t>直接做了 </a:t>
+            </a:r>
+            <a:r>
+              <a:rPr lang="en-US" altLang="zh-TW" dirty="0">
+                <a:hlinkClick r:id="rId2"/>
+              </a:rPr>
+              <a:t>hash()</a:t>
+            </a:r>
+            <a:r>
+              <a:rPr lang="zh-TW" altLang="en-US" dirty="0"/>
+              <a:t> 來用，直接指定要用哪個雜湊演算法即可</a:t>
+            </a:r>
+            <a:r>
+              <a:rPr lang="zh-TW" altLang="en-US" dirty="0" smtClean="0"/>
+              <a:t>。</a:t>
+            </a:r>
+            <a:endParaRPr lang="en-US" altLang="zh-TW" dirty="0" smtClean="0"/>
+          </a:p>
+          <a:p>
+            <a:r>
+              <a:rPr lang="en-US" dirty="0" err="1" smtClean="0"/>
+              <a:t>hash.php</a:t>
+            </a:r>
+            <a:endParaRPr lang="en-US" dirty="0"/>
           </a:p>
         </p:txBody>
       </p:sp>
     </p:spTree>
     <p:extLst>
       <p:ext uri="{BB962C8B-B14F-4D97-AF65-F5344CB8AC3E}">
-        <p14:creationId xmlns:p14="http://schemas.microsoft.com/office/powerpoint/2010/main" val="898736183"/>
+        <p14:creationId xmlns:p14="http://schemas.microsoft.com/office/powerpoint/2010/main" val="1946933246"/>
       </p:ext>
     </p:extLst>
   </p:cSld>
@@ -14028,9 +14070,9 @@
       </p:grpSpPr>
       <p:sp>
         <p:nvSpPr>
-          <p:cNvPr id="10242" name="Rectangle 2"/>
-          <p:cNvSpPr>
-            <a:spLocks noGrp="1" noChangeArrowheads="1"/>
+          <p:cNvPr id="2" name="Title 1"/>
+          <p:cNvSpPr>
+            <a:spLocks noGrp="1"/>
           </p:cNvSpPr>
           <p:nvPr>
             <p:ph type="title"/>
@@ -14041,23 +14083,19 @@
           <a:bodyPr/>
           <a:lstStyle/>
           <a:p>
-            <a:pPr>
-              <a:defRPr/>
-            </a:pPr>
-            <a:r>
-              <a:rPr lang="en-US" altLang="zh-TW" dirty="0" smtClean="0">
-                <a:latin typeface="Times New Roman" pitchFamily="18" charset="0"/>
-              </a:rPr>
-              <a:t>Server side programming</a:t>
-            </a:r>
-          </a:p>
-        </p:txBody>
-      </p:sp>
-      <p:sp>
-        <p:nvSpPr>
-          <p:cNvPr id="17411" name="Rectangle 3"/>
-          <p:cNvSpPr>
-            <a:spLocks noGrp="1" noChangeArrowheads="1"/>
+            <a:r>
+              <a:rPr lang="en-US" dirty="0" smtClean="0"/>
+              <a:t>Password</a:t>
+            </a:r>
+            <a:endParaRPr lang="en-US" dirty="0"/>
+          </a:p>
+        </p:txBody>
+      </p:sp>
+      <p:sp>
+        <p:nvSpPr>
+          <p:cNvPr id="3" name="Content Placeholder 2"/>
+          <p:cNvSpPr>
+            <a:spLocks noGrp="1"/>
           </p:cNvSpPr>
           <p:nvPr>
             <p:ph idx="1"/>
@@ -14069,90 +14107,29 @@
           <a:lstStyle/>
           <a:p>
             <a:r>
-              <a:rPr lang="en-US" altLang="zh-TW" dirty="0" smtClean="0">
-                <a:ea typeface="新細明體" pitchFamily="18" charset="-120"/>
-              </a:rPr>
-              <a:t>PHP</a:t>
-            </a:r>
-          </a:p>
-          <a:p>
-            <a:r>
-              <a:rPr lang="en-US" altLang="zh-TW" dirty="0" smtClean="0">
-                <a:ea typeface="新細明體" pitchFamily="18" charset="-120"/>
-              </a:rPr>
-              <a:t>CGI (Perl)</a:t>
-            </a:r>
-          </a:p>
-          <a:p>
-            <a:r>
-              <a:rPr lang="en-US" altLang="zh-TW" dirty="0" smtClean="0">
-                <a:ea typeface="新細明體" pitchFamily="18" charset="-120"/>
-              </a:rPr>
-              <a:t>ASP / ASPX</a:t>
-            </a:r>
-          </a:p>
-          <a:p>
-            <a:r>
-              <a:rPr lang="en-US" altLang="zh-TW" dirty="0" smtClean="0">
-                <a:ea typeface="新細明體" pitchFamily="18" charset="-120"/>
-              </a:rPr>
-              <a:t>JSP</a:t>
-            </a:r>
-          </a:p>
-          <a:p>
-            <a:r>
-              <a:rPr lang="en-US" altLang="zh-TW" dirty="0" smtClean="0">
-                <a:ea typeface="新細明體" pitchFamily="18" charset="-120"/>
-              </a:rPr>
-              <a:t>Ruby</a:t>
-            </a:r>
-          </a:p>
-          <a:p>
-            <a:r>
-              <a:rPr lang="en-US" altLang="zh-TW" dirty="0" err="1" smtClean="0">
-                <a:ea typeface="新細明體" pitchFamily="18" charset="-120"/>
-              </a:rPr>
-              <a:t>Node.js</a:t>
-            </a:r>
-            <a:endParaRPr lang="en-US" altLang="zh-TW" dirty="0" smtClean="0">
-              <a:ea typeface="新細明體" pitchFamily="18" charset="-120"/>
-            </a:endParaRPr>
-          </a:p>
-          <a:p>
-            <a:r>
-              <a:rPr lang="en-US" altLang="zh-TW" dirty="0" smtClean="0">
-                <a:ea typeface="新細明體" pitchFamily="18" charset="-120"/>
-              </a:rPr>
-              <a:t>Python</a:t>
-            </a:r>
-          </a:p>
-          <a:p>
-            <a:r>
-              <a:rPr lang="en-US" altLang="zh-TW" dirty="0" smtClean="0">
-                <a:ea typeface="新細明體" pitchFamily="18" charset="-120"/>
-              </a:rPr>
-              <a:t>Cold Fusion</a:t>
-            </a:r>
+              <a:rPr lang="en-US" dirty="0" smtClean="0"/>
+              <a:t>Strong password</a:t>
+            </a:r>
+          </a:p>
+          <a:p>
+            <a:r>
+              <a:rPr lang="en-US" dirty="0" err="1" smtClean="0"/>
+              <a:t>PassPhase</a:t>
+            </a:r>
+            <a:endParaRPr lang="en-US" dirty="0"/>
           </a:p>
         </p:txBody>
       </p:sp>
     </p:spTree>
     <p:extLst>
       <p:ext uri="{BB962C8B-B14F-4D97-AF65-F5344CB8AC3E}">
-        <p14:creationId xmlns:p14="http://schemas.microsoft.com/office/powerpoint/2010/main" val="1806538330"/>
+        <p14:creationId xmlns:p14="http://schemas.microsoft.com/office/powerpoint/2010/main" val="898736183"/>
       </p:ext>
     </p:extLst>
   </p:cSld>
   <p:clrMapOvr>
     <a:masterClrMapping/>
   </p:clrMapOvr>
-  <p:timing>
-    <p:tnLst>
-      <p:par>
-        <p:cTn id="1" dur="indefinite" restart="never" nodeType="tmRoot"/>
-      </p:par>
-    </p:tnLst>
-  </p:timing>
 </p:sld>
 </file>
 
@@ -14195,7 +14172,7 @@
               <a:rPr lang="en-US" altLang="zh-TW" dirty="0" smtClean="0">
                 <a:latin typeface="Times New Roman" pitchFamily="18" charset="0"/>
               </a:rPr>
-              <a:t>Server side (PHP)</a:t>
+              <a:t>Server side programming</a:t>
             </a:r>
           </a:p>
         </p:txBody>
@@ -14219,7 +14196,7 @@
               <a:rPr lang="en-US" altLang="zh-TW" dirty="0" smtClean="0">
                 <a:ea typeface="新細明體" pitchFamily="18" charset="-120"/>
               </a:rPr>
-              <a:t>Save data – server side</a:t>
+              <a:t>PHP</a:t>
             </a:r>
           </a:p>
           <a:p>
@@ -14227,7 +14204,7 @@
               <a:rPr lang="en-US" altLang="zh-TW" dirty="0" smtClean="0">
                 <a:ea typeface="新細明體" pitchFamily="18" charset="-120"/>
               </a:rPr>
-              <a:t>Database (MySQL)</a:t>
+              <a:t>CGI (Perl)</a:t>
             </a:r>
           </a:p>
           <a:p>
@@ -14235,19 +14212,50 @@
               <a:rPr lang="en-US" altLang="zh-TW" dirty="0" smtClean="0">
                 <a:ea typeface="新細明體" pitchFamily="18" charset="-120"/>
               </a:rPr>
-              <a:t>?name=</a:t>
-            </a:r>
+              <a:t>ASP / ASPX</a:t>
+            </a:r>
+          </a:p>
+          <a:p>
+            <a:r>
+              <a:rPr lang="en-US" altLang="zh-TW" dirty="0" smtClean="0">
+                <a:ea typeface="新細明體" pitchFamily="18" charset="-120"/>
+              </a:rPr>
+              <a:t>JSP</a:t>
+            </a:r>
+          </a:p>
+          <a:p>
+            <a:r>
+              <a:rPr lang="en-US" altLang="zh-TW" dirty="0" smtClean="0">
+                <a:ea typeface="新細明體" pitchFamily="18" charset="-120"/>
+              </a:rPr>
+              <a:t>Ruby</a:t>
+            </a:r>
+          </a:p>
+          <a:p>
             <a:r>
               <a:rPr lang="en-US" altLang="zh-TW" dirty="0" err="1" smtClean="0">
                 <a:ea typeface="新細明體" pitchFamily="18" charset="-120"/>
               </a:rPr>
-              <a:t>ray&amp;password</a:t>
-            </a:r>
+              <a:t>Node.js</a:t>
+            </a:r>
+            <a:endParaRPr lang="en-US" altLang="zh-TW" dirty="0" smtClean="0">
+              <a:ea typeface="新細明體" pitchFamily="18" charset="-120"/>
+            </a:endParaRPr>
+          </a:p>
+          <a:p>
             <a:r>
               <a:rPr lang="en-US" altLang="zh-TW" dirty="0" smtClean="0">
                 <a:ea typeface="新細明體" pitchFamily="18" charset="-120"/>
               </a:rPr>
-              <a:t>=123</a:t>
+              <a:t>Python</a:t>
+            </a:r>
+          </a:p>
+          <a:p>
+            <a:r>
+              <a:rPr lang="en-US" altLang="zh-TW" dirty="0" smtClean="0">
+                <a:ea typeface="新細明體" pitchFamily="18" charset="-120"/>
+              </a:rPr>
+              <a:t>Cold Fusion</a:t>
             </a:r>
           </a:p>
         </p:txBody>
@@ -14255,7 +14263,7 @@
     </p:spTree>
     <p:extLst>
       <p:ext uri="{BB962C8B-B14F-4D97-AF65-F5344CB8AC3E}">
-        <p14:creationId xmlns:p14="http://schemas.microsoft.com/office/powerpoint/2010/main" val="266393938"/>
+        <p14:creationId xmlns:p14="http://schemas.microsoft.com/office/powerpoint/2010/main" val="1806538330"/>
       </p:ext>
     </p:extLst>
   </p:cSld>
@@ -14291,7 +14299,7 @@
       </p:grpSpPr>
       <p:sp>
         <p:nvSpPr>
-          <p:cNvPr id="12290" name="Rectangle 2050"/>
+          <p:cNvPr id="10242" name="Rectangle 2"/>
           <p:cNvSpPr>
             <a:spLocks noGrp="1" noChangeArrowheads="1"/>
           </p:cNvSpPr>
@@ -14308,17 +14316,17 @@
               <a:defRPr/>
             </a:pPr>
             <a:r>
-              <a:rPr lang="en-US" altLang="zh-TW" smtClean="0">
-                <a:latin typeface="Times New Roman" pitchFamily="18" charset="0"/>
-              </a:rPr>
-              <a:t>Usage</a:t>
-            </a:r>
-          </a:p>
-        </p:txBody>
-      </p:sp>
-      <p:sp>
-        <p:nvSpPr>
-          <p:cNvPr id="19459" name="Rectangle 2051"/>
+              <a:rPr lang="en-US" altLang="zh-TW" dirty="0" smtClean="0">
+                <a:latin typeface="Times New Roman" pitchFamily="18" charset="0"/>
+              </a:rPr>
+              <a:t>Server side (PHP)</a:t>
+            </a:r>
+          </a:p>
+        </p:txBody>
+      </p:sp>
+      <p:sp>
+        <p:nvSpPr>
+          <p:cNvPr id="17411" name="Rectangle 3"/>
           <p:cNvSpPr>
             <a:spLocks noGrp="1" noChangeArrowheads="1"/>
           </p:cNvSpPr>
@@ -14332,58 +14340,38 @@
           <a:lstStyle/>
           <a:p>
             <a:r>
-              <a:rPr lang="en-US" altLang="zh-TW" smtClean="0">
-                <a:ea typeface="新細明體" pitchFamily="18" charset="-120"/>
-              </a:rPr>
-              <a:t>Usually used for collecting data</a:t>
-            </a:r>
-          </a:p>
-          <a:p>
-            <a:r>
-              <a:rPr lang="en-US" altLang="zh-TW" smtClean="0">
-                <a:ea typeface="新細明體" pitchFamily="18" charset="-120"/>
-              </a:rPr>
-              <a:t>Registration</a:t>
-            </a:r>
-          </a:p>
-          <a:p>
-            <a:r>
-              <a:rPr lang="en-US" altLang="zh-TW" smtClean="0">
-                <a:ea typeface="新細明體" pitchFamily="18" charset="-120"/>
-              </a:rPr>
-              <a:t>Login</a:t>
-            </a:r>
-          </a:p>
-          <a:p>
-            <a:r>
-              <a:rPr lang="en-US" altLang="zh-TW" smtClean="0">
-                <a:ea typeface="新細明體" pitchFamily="18" charset="-120"/>
-              </a:rPr>
-              <a:t>Search</a:t>
-            </a:r>
-          </a:p>
-          <a:p>
-            <a:r>
-              <a:rPr lang="en-US" altLang="zh-TW" smtClean="0">
-                <a:ea typeface="新細明體" pitchFamily="18" charset="-120"/>
-              </a:rPr>
-              <a:t>Guest book</a:t>
-            </a:r>
-          </a:p>
-          <a:p>
-            <a:r>
-              <a:rPr lang="en-US" altLang="zh-TW" smtClean="0">
-                <a:ea typeface="新細明體" pitchFamily="18" charset="-120"/>
-              </a:rPr>
-              <a:t>Research</a:t>
-            </a:r>
-          </a:p>
-          <a:p>
-            <a:r>
-              <a:rPr lang="en-US" altLang="zh-TW" smtClean="0">
-                <a:ea typeface="新細明體" pitchFamily="18" charset="-120"/>
-              </a:rPr>
-              <a:t>Vote</a:t>
+              <a:rPr lang="en-US" altLang="zh-TW" dirty="0" smtClean="0">
+                <a:ea typeface="新細明體" pitchFamily="18" charset="-120"/>
+              </a:rPr>
+              <a:t>Save data – server side</a:t>
+            </a:r>
+          </a:p>
+          <a:p>
+            <a:r>
+              <a:rPr lang="en-US" altLang="zh-TW" dirty="0" smtClean="0">
+                <a:ea typeface="新細明體" pitchFamily="18" charset="-120"/>
+              </a:rPr>
+              <a:t>Database (MySQL)</a:t>
+            </a:r>
+          </a:p>
+          <a:p>
+            <a:r>
+              <a:rPr lang="en-US" altLang="zh-TW" dirty="0" smtClean="0">
+                <a:ea typeface="新細明體" pitchFamily="18" charset="-120"/>
+              </a:rPr>
+              <a:t>?name=</a:t>
+            </a:r>
+            <a:r>
+              <a:rPr lang="en-US" altLang="zh-TW" dirty="0" err="1" smtClean="0">
+                <a:ea typeface="新細明體" pitchFamily="18" charset="-120"/>
+              </a:rPr>
+              <a:t>ray&amp;password</a:t>
+            </a:r>
+            <a:r>
+              <a:rPr lang="en-US" altLang="zh-TW" dirty="0" smtClean="0">
+                <a:ea typeface="新細明體" pitchFamily="18" charset="-120"/>
+              </a:rPr>
+              <a:t>=123</a:t>
             </a:r>
           </a:p>
         </p:txBody>
@@ -14391,16 +14379,13 @@
     </p:spTree>
     <p:extLst>
       <p:ext uri="{BB962C8B-B14F-4D97-AF65-F5344CB8AC3E}">
-        <p14:creationId xmlns:p14="http://schemas.microsoft.com/office/powerpoint/2010/main" val="814471319"/>
+        <p14:creationId xmlns:p14="http://schemas.microsoft.com/office/powerpoint/2010/main" val="266393938"/>
       </p:ext>
     </p:extLst>
   </p:cSld>
   <p:clrMapOvr>
     <a:masterClrMapping/>
   </p:clrMapOvr>
-  <p:transition>
-    <p:checker/>
-  </p:transition>
   <p:timing>
     <p:tnLst>
       <p:par>
@@ -14430,7 +14415,7 @@
       </p:grpSpPr>
       <p:sp>
         <p:nvSpPr>
-          <p:cNvPr id="11266" name="Rectangle 2"/>
+          <p:cNvPr id="12290" name="Rectangle 2050"/>
           <p:cNvSpPr>
             <a:spLocks noGrp="1" noChangeArrowheads="1"/>
           </p:cNvSpPr>
@@ -14450,14 +14435,14 @@
               <a:rPr lang="en-US" altLang="zh-TW" smtClean="0">
                 <a:latin typeface="Times New Roman" pitchFamily="18" charset="0"/>
               </a:rPr>
-              <a:t>Form components</a:t>
-            </a:r>
-          </a:p>
-        </p:txBody>
-      </p:sp>
-      <p:sp>
-        <p:nvSpPr>
-          <p:cNvPr id="18435" name="Rectangle 3"/>
+              <a:t>Usage</a:t>
+            </a:r>
+          </a:p>
+        </p:txBody>
+      </p:sp>
+      <p:sp>
+        <p:nvSpPr>
+          <p:cNvPr id="19459" name="Rectangle 2051"/>
           <p:cNvSpPr>
             <a:spLocks noGrp="1" noChangeArrowheads="1"/>
           </p:cNvSpPr>
@@ -14471,59 +14456,58 @@
           <a:lstStyle/>
           <a:p>
             <a:r>
-              <a:rPr lang="en-US" altLang="zh-TW" dirty="0">
-                <a:ea typeface="新細明體" pitchFamily="18" charset="-120"/>
-              </a:rPr>
-              <a:t>Text </a:t>
-            </a:r>
-            <a:r>
-              <a:rPr lang="en-US" altLang="zh-TW" dirty="0" smtClean="0">
-                <a:ea typeface="新細明體" pitchFamily="18" charset="-120"/>
-              </a:rPr>
-              <a:t>Fields</a:t>
-            </a:r>
-            <a:endParaRPr lang="en-US" altLang="zh-TW" dirty="0">
-              <a:ea typeface="新細明體" pitchFamily="18" charset="-120"/>
-            </a:endParaRPr>
-          </a:p>
-          <a:p>
-            <a:r>
-              <a:rPr lang="en-US" altLang="zh-TW" dirty="0" smtClean="0">
-                <a:ea typeface="新細明體" pitchFamily="18" charset="-120"/>
-              </a:rPr>
-              <a:t>Radio buttons</a:t>
-            </a:r>
-          </a:p>
-          <a:p>
-            <a:r>
-              <a:rPr lang="en-US" altLang="zh-TW" dirty="0" smtClean="0">
-                <a:ea typeface="新細明體" pitchFamily="18" charset="-120"/>
-              </a:rPr>
-              <a:t>Check boxes</a:t>
-            </a:r>
-          </a:p>
-          <a:p>
-            <a:r>
-              <a:rPr lang="en-US" altLang="zh-TW" dirty="0" smtClean="0">
-                <a:ea typeface="新細明體" pitchFamily="18" charset="-120"/>
-              </a:rPr>
-              <a:t>List/menus</a:t>
-            </a:r>
-          </a:p>
-          <a:p>
-            <a:r>
-              <a:rPr lang="en-US" altLang="zh-TW" dirty="0" smtClean="0">
-                <a:ea typeface="新細明體" pitchFamily="18" charset="-120"/>
-              </a:rPr>
-              <a:t>Buttons</a:t>
-            </a:r>
-          </a:p>
-          <a:p>
-            <a:r>
-              <a:rPr lang="en-US" altLang="zh-TW" dirty="0" smtClean="0">
-                <a:ea typeface="新細明體" pitchFamily="18" charset="-120"/>
-              </a:rPr>
-              <a:t>Hidden</a:t>
+              <a:rPr lang="en-US" altLang="zh-TW" smtClean="0">
+                <a:ea typeface="新細明體" pitchFamily="18" charset="-120"/>
+              </a:rPr>
+              <a:t>Usually used for collecting data</a:t>
+            </a:r>
+          </a:p>
+          <a:p>
+            <a:r>
+              <a:rPr lang="en-US" altLang="zh-TW" smtClean="0">
+                <a:ea typeface="新細明體" pitchFamily="18" charset="-120"/>
+              </a:rPr>
+              <a:t>Registration</a:t>
+            </a:r>
+          </a:p>
+          <a:p>
+            <a:r>
+              <a:rPr lang="en-US" altLang="zh-TW" smtClean="0">
+                <a:ea typeface="新細明體" pitchFamily="18" charset="-120"/>
+              </a:rPr>
+              <a:t>Login</a:t>
+            </a:r>
+          </a:p>
+          <a:p>
+            <a:r>
+              <a:rPr lang="en-US" altLang="zh-TW" smtClean="0">
+                <a:ea typeface="新細明體" pitchFamily="18" charset="-120"/>
+              </a:rPr>
+              <a:t>Search</a:t>
+            </a:r>
+          </a:p>
+          <a:p>
+            <a:r>
+              <a:rPr lang="en-US" altLang="zh-TW" smtClean="0">
+                <a:ea typeface="新細明體" pitchFamily="18" charset="-120"/>
+              </a:rPr>
+              <a:t>Guest book</a:t>
+            </a:r>
+          </a:p>
+          <a:p>
+            <a:r>
+              <a:rPr lang="en-US" altLang="zh-TW" smtClean="0">
+                <a:ea typeface="新細明體" pitchFamily="18" charset="-120"/>
+              </a:rPr>
+              <a:t>Research</a:t>
+            </a:r>
+          </a:p>
+          <a:p>
+            <a:r>
+              <a:rPr lang="en-US" altLang="zh-TW" smtClean="0">
+                <a:ea typeface="新細明體" pitchFamily="18" charset="-120"/>
+              </a:rPr>
+              <a:t>Vote</a:t>
             </a:r>
           </a:p>
         </p:txBody>
@@ -14531,13 +14515,16 @@
     </p:spTree>
     <p:extLst>
       <p:ext uri="{BB962C8B-B14F-4D97-AF65-F5344CB8AC3E}">
-        <p14:creationId xmlns:p14="http://schemas.microsoft.com/office/powerpoint/2010/main" val="1733678946"/>
+        <p14:creationId xmlns:p14="http://schemas.microsoft.com/office/powerpoint/2010/main" val="814471319"/>
       </p:ext>
     </p:extLst>
   </p:cSld>
   <p:clrMapOvr>
     <a:masterClrMapping/>
   </p:clrMapOvr>
+  <p:transition>
+    <p:checker/>
+  </p:transition>
   <p:timing>
     <p:tnLst>
       <p:par>
@@ -14567,7 +14554,7 @@
       </p:grpSpPr>
       <p:sp>
         <p:nvSpPr>
-          <p:cNvPr id="13314" name="Rectangle 2"/>
+          <p:cNvPr id="11266" name="Rectangle 2"/>
           <p:cNvSpPr>
             <a:spLocks noGrp="1" noChangeArrowheads="1"/>
           </p:cNvSpPr>
@@ -14587,14 +14574,14 @@
               <a:rPr lang="en-US" altLang="zh-TW" smtClean="0">
                 <a:latin typeface="Times New Roman" pitchFamily="18" charset="0"/>
               </a:rPr>
-              <a:t>The First Step</a:t>
-            </a:r>
-          </a:p>
-        </p:txBody>
-      </p:sp>
-      <p:sp>
-        <p:nvSpPr>
-          <p:cNvPr id="20483" name="Rectangle 3"/>
+              <a:t>Form components</a:t>
+            </a:r>
+          </a:p>
+        </p:txBody>
+      </p:sp>
+      <p:sp>
+        <p:nvSpPr>
+          <p:cNvPr id="18435" name="Rectangle 3"/>
           <p:cNvSpPr>
             <a:spLocks noGrp="1" noChangeArrowheads="1"/>
           </p:cNvSpPr>
@@ -14608,40 +14595,73 @@
           <a:lstStyle/>
           <a:p>
             <a:r>
+              <a:rPr lang="en-US" altLang="zh-TW" dirty="0">
+                <a:ea typeface="新細明體" pitchFamily="18" charset="-120"/>
+              </a:rPr>
+              <a:t>Text </a:t>
+            </a:r>
+            <a:r>
               <a:rPr lang="en-US" altLang="zh-TW" dirty="0" smtClean="0">
                 <a:ea typeface="新細明體" pitchFamily="18" charset="-120"/>
               </a:rPr>
-              <a:t>Tell your computer what to do with your form</a:t>
-            </a:r>
-          </a:p>
-          <a:p>
-            <a:r>
-              <a:rPr lang="en-US" altLang="zh-TW" dirty="0" smtClean="0">
-                <a:ea typeface="新細明體" pitchFamily="18" charset="-120"/>
-              </a:rPr>
-              <a:t>Insert -&gt; Form -&gt; Form</a:t>
-            </a:r>
-          </a:p>
-          <a:p>
-            <a:endParaRPr lang="en-US" altLang="zh-TW" dirty="0" smtClean="0">
+              <a:t>Fields</a:t>
+            </a:r>
+            <a:endParaRPr lang="en-US" altLang="zh-TW" dirty="0">
               <a:ea typeface="新細明體" pitchFamily="18" charset="-120"/>
             </a:endParaRPr>
+          </a:p>
+          <a:p>
+            <a:r>
+              <a:rPr lang="en-US" altLang="zh-TW" dirty="0" smtClean="0">
+                <a:ea typeface="新細明體" pitchFamily="18" charset="-120"/>
+              </a:rPr>
+              <a:t>Radio buttons</a:t>
+            </a:r>
+          </a:p>
+          <a:p>
+            <a:r>
+              <a:rPr lang="en-US" altLang="zh-TW" dirty="0" smtClean="0">
+                <a:ea typeface="新細明體" pitchFamily="18" charset="-120"/>
+              </a:rPr>
+              <a:t>Check boxes</a:t>
+            </a:r>
+          </a:p>
+          <a:p>
+            <a:r>
+              <a:rPr lang="en-US" altLang="zh-TW" dirty="0" smtClean="0">
+                <a:ea typeface="新細明體" pitchFamily="18" charset="-120"/>
+              </a:rPr>
+              <a:t>List/menus</a:t>
+            </a:r>
+          </a:p>
+          <a:p>
+            <a:r>
+              <a:rPr lang="en-US" altLang="zh-TW" dirty="0" smtClean="0">
+                <a:ea typeface="新細明體" pitchFamily="18" charset="-120"/>
+              </a:rPr>
+              <a:t>Buttons</a:t>
+            </a:r>
+          </a:p>
+          <a:p>
+            <a:r>
+              <a:rPr lang="en-US" altLang="zh-TW" dirty="0" smtClean="0">
+                <a:ea typeface="新細明體" pitchFamily="18" charset="-120"/>
+              </a:rPr>
+              <a:t>Hidden</a:t>
+            </a:r>
           </a:p>
         </p:txBody>
       </p:sp>
     </p:spTree>
     <p:extLst>
       <p:ext uri="{BB962C8B-B14F-4D97-AF65-F5344CB8AC3E}">
-        <p14:creationId xmlns:p14="http://schemas.microsoft.com/office/powerpoint/2010/main" val="1948230983"/>
+        <p14:creationId xmlns:p14="http://schemas.microsoft.com/office/powerpoint/2010/main" val="1733678946"/>
       </p:ext>
     </p:extLst>
   </p:cSld>
   <p:clrMapOvr>
     <a:masterClrMapping/>
   </p:clrMapOvr>
-  <p:transition>
-    <p:checker/>
-  </p:transition>
   <p:timing>
     <p:tnLst>
       <p:par>
@@ -14671,7 +14691,7 @@
       </p:grpSpPr>
       <p:sp>
         <p:nvSpPr>
-          <p:cNvPr id="14338" name="Rectangle 2"/>
+          <p:cNvPr id="13314" name="Rectangle 2"/>
           <p:cNvSpPr>
             <a:spLocks noGrp="1" noChangeArrowheads="1"/>
           </p:cNvSpPr>
@@ -14691,14 +14711,14 @@
               <a:rPr lang="en-US" altLang="zh-TW" smtClean="0">
                 <a:latin typeface="Times New Roman" pitchFamily="18" charset="0"/>
               </a:rPr>
-              <a:t>Text box</a:t>
-            </a:r>
-          </a:p>
-        </p:txBody>
-      </p:sp>
-      <p:sp>
-        <p:nvSpPr>
-          <p:cNvPr id="21507" name="Rectangle 3"/>
+              <a:t>The First Step</a:t>
+            </a:r>
+          </a:p>
+        </p:txBody>
+      </p:sp>
+      <p:sp>
+        <p:nvSpPr>
+          <p:cNvPr id="20483" name="Rectangle 3"/>
           <p:cNvSpPr>
             <a:spLocks noGrp="1" noChangeArrowheads="1"/>
           </p:cNvSpPr>
@@ -14708,242 +14728,35 @@
         </p:nvSpPr>
         <p:spPr/>
         <p:txBody>
-          <a:bodyPr>
-            <a:normAutofit lnSpcReduction="10000"/>
-          </a:bodyPr>
+          <a:bodyPr/>
           <a:lstStyle/>
           <a:p>
             <a:r>
-              <a:rPr lang="en-US" altLang="zh-TW" dirty="0">
-                <a:ea typeface="新細明體" pitchFamily="18" charset="-120"/>
-              </a:rPr>
-              <a:t>If we do not know what is the availability of the result, we insert a textbox for user to input the data. </a:t>
-            </a:r>
-          </a:p>
-          <a:p>
-            <a:r>
-              <a:rPr lang="en-US" altLang="zh-TW" dirty="0">
-                <a:ea typeface="新細明體" pitchFamily="18" charset="-120"/>
-              </a:rPr>
-              <a:t>EG. Username, Address, etc..</a:t>
-            </a:r>
-          </a:p>
-          <a:p>
-            <a:r>
-              <a:rPr lang="en-US" altLang="zh-TW" dirty="0">
-                <a:ea typeface="新細明體" pitchFamily="18" charset="-120"/>
-              </a:rPr>
-              <a:t>Insert -&gt; Form -&gt; Text box</a:t>
-            </a:r>
-          </a:p>
-          <a:p>
-            <a:r>
-              <a:rPr lang="en-US" altLang="zh-TW" dirty="0">
-                <a:ea typeface="新細明體" pitchFamily="18" charset="-120"/>
-              </a:rPr>
-              <a:t>Set the field name same as the left-hand-side.  EG. username   (lowercase</a:t>
-            </a:r>
-            <a:r>
               <a:rPr lang="en-US" altLang="zh-TW" dirty="0" smtClean="0">
                 <a:ea typeface="新細明體" pitchFamily="18" charset="-120"/>
               </a:rPr>
-              <a:t>)</a:t>
-            </a:r>
-          </a:p>
-          <a:p>
-            <a:r>
-              <a:rPr lang="en-US" altLang="zh-TW" dirty="0">
-                <a:ea typeface="新細明體" pitchFamily="18" charset="-120"/>
-              </a:rPr>
-              <a:t>&lt;input name</a:t>
-            </a:r>
+              <a:t>Tell your computer what to do with your form</a:t>
+            </a:r>
+          </a:p>
+          <a:p>
             <a:r>
               <a:rPr lang="en-US" altLang="zh-TW" dirty="0" smtClean="0">
                 <a:ea typeface="新細明體" pitchFamily="18" charset="-120"/>
               </a:rPr>
-              <a:t>=</a:t>
-            </a:r>
-            <a:r>
-              <a:rPr lang="mr-IN" altLang="zh-TW" dirty="0" smtClean="0">
-                <a:ea typeface="新細明體" pitchFamily="18" charset="-120"/>
-              </a:rPr>
-              <a:t>"</a:t>
-            </a:r>
-            <a:r>
-              <a:rPr lang="en-US" altLang="zh-TW" dirty="0" smtClean="0">
-                <a:ea typeface="新細明體" pitchFamily="18" charset="-120"/>
-              </a:rPr>
-              <a:t>username</a:t>
-            </a:r>
-            <a:r>
-              <a:rPr lang="mr-IN" altLang="zh-TW" dirty="0" smtClean="0">
-                <a:ea typeface="新細明體" pitchFamily="18" charset="-120"/>
-              </a:rPr>
-              <a:t>"</a:t>
-            </a:r>
-            <a:r>
-              <a:rPr lang="en-US" altLang="zh-TW" dirty="0" smtClean="0">
-                <a:ea typeface="新細明體" pitchFamily="18" charset="-120"/>
-              </a:rPr>
-              <a:t> </a:t>
-            </a:r>
-            <a:r>
-              <a:rPr lang="en-US" altLang="zh-TW" dirty="0">
-                <a:ea typeface="新細明體" pitchFamily="18" charset="-120"/>
-              </a:rPr>
-              <a:t>type</a:t>
-            </a:r>
-            <a:r>
-              <a:rPr lang="en-US" altLang="zh-TW" dirty="0" smtClean="0">
-                <a:ea typeface="新細明體" pitchFamily="18" charset="-120"/>
-              </a:rPr>
-              <a:t>=</a:t>
-            </a:r>
-            <a:r>
-              <a:rPr lang="mr-IN" altLang="zh-TW" dirty="0" smtClean="0">
-                <a:ea typeface="新細明體" pitchFamily="18" charset="-120"/>
-              </a:rPr>
-              <a:t>"</a:t>
-            </a:r>
-            <a:r>
-              <a:rPr lang="en-US" altLang="zh-TW" dirty="0" smtClean="0">
-                <a:ea typeface="新細明體" pitchFamily="18" charset="-120"/>
-              </a:rPr>
-              <a:t>text</a:t>
-            </a:r>
-            <a:r>
-              <a:rPr lang="mr-IN" altLang="zh-TW" dirty="0" smtClean="0">
-                <a:ea typeface="新細明體" pitchFamily="18" charset="-120"/>
-              </a:rPr>
-              <a:t>"</a:t>
-            </a:r>
-            <a:r>
-              <a:rPr lang="en-US" altLang="zh-TW" dirty="0" smtClean="0">
-                <a:ea typeface="新細明體" pitchFamily="18" charset="-120"/>
-              </a:rPr>
-              <a:t> </a:t>
-            </a:r>
-            <a:r>
-              <a:rPr lang="en-US" altLang="zh-TW" dirty="0">
-                <a:ea typeface="新細明體" pitchFamily="18" charset="-120"/>
-              </a:rPr>
-              <a:t>id</a:t>
-            </a:r>
-            <a:r>
-              <a:rPr lang="en-US" altLang="zh-TW" dirty="0" smtClean="0">
-                <a:ea typeface="新細明體" pitchFamily="18" charset="-120"/>
-              </a:rPr>
-              <a:t>=</a:t>
-            </a:r>
-            <a:r>
-              <a:rPr lang="mr-IN" altLang="zh-TW" dirty="0" smtClean="0">
-                <a:ea typeface="新細明體" pitchFamily="18" charset="-120"/>
-              </a:rPr>
-              <a:t>"</a:t>
-            </a:r>
-            <a:r>
-              <a:rPr lang="en-US" altLang="zh-TW" dirty="0" smtClean="0">
-                <a:ea typeface="新細明體" pitchFamily="18" charset="-120"/>
-              </a:rPr>
-              <a:t>username</a:t>
-            </a:r>
-            <a:r>
-              <a:rPr lang="mr-IN" altLang="zh-TW" dirty="0" smtClean="0">
-                <a:ea typeface="新細明體" pitchFamily="18" charset="-120"/>
-              </a:rPr>
-              <a:t>"</a:t>
-            </a:r>
-            <a:r>
-              <a:rPr lang="en-US" altLang="zh-TW" dirty="0" smtClean="0">
-                <a:ea typeface="新細明體" pitchFamily="18" charset="-120"/>
-              </a:rPr>
-              <a:t> </a:t>
-            </a:r>
-            <a:r>
-              <a:rPr lang="en-US" altLang="zh-TW" dirty="0">
-                <a:ea typeface="新細明體" pitchFamily="18" charset="-120"/>
-              </a:rPr>
-              <a:t>size</a:t>
-            </a:r>
-            <a:r>
-              <a:rPr lang="en-US" altLang="zh-TW" dirty="0" smtClean="0">
-                <a:ea typeface="新細明體" pitchFamily="18" charset="-120"/>
-              </a:rPr>
-              <a:t>=</a:t>
-            </a:r>
-            <a:r>
-              <a:rPr lang="mr-IN" altLang="zh-TW" dirty="0" smtClean="0">
-                <a:ea typeface="新細明體" pitchFamily="18" charset="-120"/>
-              </a:rPr>
-              <a:t>"</a:t>
-            </a:r>
-            <a:r>
-              <a:rPr lang="en-US" altLang="zh-TW" dirty="0" smtClean="0">
-                <a:ea typeface="新細明體" pitchFamily="18" charset="-120"/>
-              </a:rPr>
-              <a:t>20</a:t>
-            </a:r>
-            <a:r>
-              <a:rPr lang="mr-IN" altLang="zh-TW" dirty="0" smtClean="0">
-                <a:ea typeface="新細明體" pitchFamily="18" charset="-120"/>
-              </a:rPr>
-              <a:t>"</a:t>
-            </a:r>
-            <a:r>
-              <a:rPr lang="en-US" altLang="zh-TW" dirty="0" smtClean="0">
-                <a:ea typeface="新細明體" pitchFamily="18" charset="-120"/>
-              </a:rPr>
-              <a:t> </a:t>
-            </a:r>
-            <a:r>
-              <a:rPr lang="en-US" altLang="zh-TW" dirty="0" err="1">
-                <a:ea typeface="新細明體" pitchFamily="18" charset="-120"/>
-              </a:rPr>
-              <a:t>maxlength</a:t>
-            </a:r>
-            <a:r>
-              <a:rPr lang="en-US" altLang="zh-TW" dirty="0" smtClean="0">
-                <a:ea typeface="新細明體" pitchFamily="18" charset="-120"/>
-              </a:rPr>
-              <a:t>=</a:t>
-            </a:r>
-            <a:r>
-              <a:rPr lang="mr-IN" altLang="zh-TW" dirty="0" smtClean="0">
-                <a:ea typeface="新細明體" pitchFamily="18" charset="-120"/>
-              </a:rPr>
-              <a:t>"</a:t>
-            </a:r>
-            <a:r>
-              <a:rPr lang="en-US" altLang="zh-TW" dirty="0" smtClean="0">
-                <a:ea typeface="新細明體" pitchFamily="18" charset="-120"/>
-              </a:rPr>
-              <a:t>10</a:t>
-            </a:r>
-            <a:r>
-              <a:rPr lang="mr-IN" altLang="zh-TW" dirty="0" smtClean="0">
-                <a:ea typeface="新細明體" pitchFamily="18" charset="-120"/>
-              </a:rPr>
-              <a:t>"</a:t>
-            </a:r>
-            <a:r>
-              <a:rPr lang="en-US" altLang="zh-TW" dirty="0" smtClean="0">
-                <a:ea typeface="新細明體" pitchFamily="18" charset="-120"/>
-              </a:rPr>
-              <a:t> </a:t>
-            </a:r>
-            <a:r>
-              <a:rPr lang="en-US" altLang="zh-TW" dirty="0">
-                <a:ea typeface="新細明體" pitchFamily="18" charset="-120"/>
-              </a:rPr>
-              <a:t>/&gt;</a:t>
-            </a:r>
+              <a:t>Insert -&gt; Form -&gt; Form</a:t>
+            </a:r>
+          </a:p>
+          <a:p>
+            <a:endParaRPr lang="en-US" altLang="zh-TW" dirty="0" smtClean="0">
+              <a:ea typeface="新細明體" pitchFamily="18" charset="-120"/>
+            </a:endParaRPr>
           </a:p>
         </p:txBody>
       </p:sp>
     </p:spTree>
     <p:extLst>
       <p:ext uri="{BB962C8B-B14F-4D97-AF65-F5344CB8AC3E}">
-        <p14:creationId xmlns:p14="http://schemas.microsoft.com/office/powerpoint/2010/main" val="635239649"/>
+        <p14:creationId xmlns:p14="http://schemas.microsoft.com/office/powerpoint/2010/main" val="1948230983"/>
       </p:ext>
     </p:extLst>
   </p:cSld>
@@ -14999,17 +14812,17 @@
               <a:defRPr/>
             </a:pPr>
             <a:r>
-              <a:rPr lang="en-US" altLang="zh-TW" dirty="0" smtClean="0">
-                <a:latin typeface="Times New Roman" pitchFamily="18" charset="0"/>
-              </a:rPr>
-              <a:t>Password</a:t>
-            </a:r>
-          </a:p>
-        </p:txBody>
-      </p:sp>
-      <p:sp>
-        <p:nvSpPr>
-          <p:cNvPr id="22531" name="Rectangle 3"/>
+              <a:rPr lang="en-US" altLang="zh-TW" smtClean="0">
+                <a:latin typeface="Times New Roman" pitchFamily="18" charset="0"/>
+              </a:rPr>
+              <a:t>Text box</a:t>
+            </a:r>
+          </a:p>
+        </p:txBody>
+      </p:sp>
+      <p:sp>
+        <p:nvSpPr>
+          <p:cNvPr id="21507" name="Rectangle 3"/>
           <p:cNvSpPr>
             <a:spLocks noGrp="1" noChangeArrowheads="1"/>
           </p:cNvSpPr>
@@ -15020,7 +14833,7 @@
         <p:spPr/>
         <p:txBody>
           <a:bodyPr>
-            <a:normAutofit fontScale="92500" lnSpcReduction="20000"/>
+            <a:normAutofit lnSpcReduction="10000"/>
           </a:bodyPr>
           <a:lstStyle/>
           <a:p>
@@ -15028,7 +14841,7 @@
               <a:rPr lang="en-US" altLang="zh-TW" dirty="0">
                 <a:ea typeface="新細明體" pitchFamily="18" charset="-120"/>
               </a:rPr>
-              <a:t>Since what we typed will be shown on the screen, so we better hide the characters.</a:t>
+              <a:t>If we do not know what is the availability of the result, we insert a textbox for user to input the data. </a:t>
             </a:r>
           </a:p>
           <a:p>
@@ -15036,7 +14849,7 @@
               <a:rPr lang="en-US" altLang="zh-TW" dirty="0">
                 <a:ea typeface="新細明體" pitchFamily="18" charset="-120"/>
               </a:rPr>
-              <a:t>EG. Yahoo mail.</a:t>
+              <a:t>EG. Username, Address, etc..</a:t>
             </a:r>
           </a:p>
           <a:p>
@@ -15052,7 +14865,13 @@
               <a:rPr lang="en-US" altLang="zh-TW" dirty="0">
                 <a:ea typeface="新細明體" pitchFamily="18" charset="-120"/>
               </a:rPr>
-              <a:t>Type: password</a:t>
+              <a:t>Set the field name same as the left-hand-side.  EG. username   (lowercase</a:t>
+            </a:r>
+            <a:r>
+              <a:rPr lang="en-US" altLang="zh-TW" dirty="0" smtClean="0">
+                <a:ea typeface="新細明體" pitchFamily="18" charset="-120"/>
+              </a:rPr>
+              <a:t>)</a:t>
             </a:r>
           </a:p>
           <a:p>
@@ -15060,21 +14879,43 @@
               <a:rPr lang="en-US" altLang="zh-TW" dirty="0">
                 <a:ea typeface="新細明體" pitchFamily="18" charset="-120"/>
               </a:rPr>
-              <a:t>Set the field name same as the left-hand-side.  EG. password   (lowercase</a:t>
+              <a:t>&lt;input name</a:t>
             </a:r>
             <a:r>
               <a:rPr lang="en-US" altLang="zh-TW" dirty="0" smtClean="0">
                 <a:ea typeface="新細明體" pitchFamily="18" charset="-120"/>
               </a:rPr>
-              <a:t>)</a:t>
-            </a:r>
-          </a:p>
-          <a:p>
+              <a:t>=</a:t>
+            </a:r>
+            <a:r>
+              <a:rPr lang="mr-IN" altLang="zh-TW" dirty="0" smtClean="0">
+                <a:ea typeface="新細明體" pitchFamily="18" charset="-120"/>
+              </a:rPr>
+              <a:t>"</a:t>
+            </a:r>
+            <a:r>
+              <a:rPr lang="en-US" altLang="zh-TW" dirty="0" smtClean="0">
+                <a:ea typeface="新細明體" pitchFamily="18" charset="-120"/>
+              </a:rPr>
+              <a:t>username</a:t>
+            </a:r>
+            <a:r>
+              <a:rPr lang="mr-IN" altLang="zh-TW" dirty="0" smtClean="0">
+                <a:ea typeface="新細明體" pitchFamily="18" charset="-120"/>
+              </a:rPr>
+              <a:t>"</a:t>
+            </a:r>
+            <a:r>
+              <a:rPr lang="en-US" altLang="zh-TW" dirty="0" smtClean="0">
+                <a:ea typeface="新細明體" pitchFamily="18" charset="-120"/>
+              </a:rPr>
+              <a:t> </a:t>
+            </a:r>
             <a:r>
               <a:rPr lang="en-US" altLang="zh-TW" dirty="0">
                 <a:ea typeface="新細明體" pitchFamily="18" charset="-120"/>
               </a:rPr>
-              <a:t>&lt;input name</a:t>
+              <a:t>type</a:t>
             </a:r>
             <a:r>
               <a:rPr lang="en-US" altLang="zh-TW" dirty="0" smtClean="0">
@@ -15092,7 +14933,7 @@
               <a:rPr lang="en-US" altLang="zh-TW" dirty="0" smtClean="0">
                 <a:ea typeface="新細明體" pitchFamily="18" charset="-120"/>
               </a:rPr>
-              <a:t>password</a:t>
+              <a:t>text</a:t>
             </a:r>
             <a:r>
               <a:rPr lang="mr-IN" altLang="zh-TW" dirty="0" smtClean="0">
@@ -15110,7 +14951,7 @@
               <a:rPr lang="en-US" altLang="zh-TW" dirty="0">
                 <a:ea typeface="新細明體" pitchFamily="18" charset="-120"/>
               </a:rPr>
-              <a:t>type</a:t>
+              <a:t>id</a:t>
             </a:r>
             <a:r>
               <a:rPr lang="en-US" altLang="zh-TW" dirty="0" smtClean="0">
@@ -15128,7 +14969,7 @@
               <a:rPr lang="en-US" altLang="zh-TW" dirty="0" smtClean="0">
                 <a:ea typeface="新細明體" pitchFamily="18" charset="-120"/>
               </a:rPr>
-              <a:t>password</a:t>
+              <a:t>username</a:t>
             </a:r>
             <a:r>
               <a:rPr lang="mr-IN" altLang="zh-TW" dirty="0" smtClean="0">
@@ -15146,7 +14987,7 @@
               <a:rPr lang="en-US" altLang="zh-TW" dirty="0">
                 <a:ea typeface="新細明體" pitchFamily="18" charset="-120"/>
               </a:rPr>
-              <a:t>id</a:t>
+              <a:t>size</a:t>
             </a:r>
             <a:r>
               <a:rPr lang="en-US" altLang="zh-TW" dirty="0" smtClean="0">
@@ -15164,7 +15005,7 @@
               <a:rPr lang="en-US" altLang="zh-TW" dirty="0" smtClean="0">
                 <a:ea typeface="新細明體" pitchFamily="18" charset="-120"/>
               </a:rPr>
-              <a:t>password</a:t>
+              <a:t>20</a:t>
             </a:r>
             <a:r>
               <a:rPr lang="mr-IN" altLang="zh-TW" dirty="0" smtClean="0">
@@ -15179,113 +15020,54 @@
               <a:t> </a:t>
             </a:r>
             <a:r>
+              <a:rPr lang="en-US" altLang="zh-TW" dirty="0" err="1">
+                <a:ea typeface="新細明體" pitchFamily="18" charset="-120"/>
+              </a:rPr>
+              <a:t>maxlength</a:t>
+            </a:r>
+            <a:r>
+              <a:rPr lang="en-US" altLang="zh-TW" dirty="0" smtClean="0">
+                <a:ea typeface="新細明體" pitchFamily="18" charset="-120"/>
+              </a:rPr>
+              <a:t>=</a:t>
+            </a:r>
+            <a:r>
+              <a:rPr lang="mr-IN" altLang="zh-TW" dirty="0" smtClean="0">
+                <a:ea typeface="新細明體" pitchFamily="18" charset="-120"/>
+              </a:rPr>
+              <a:t>"</a:t>
+            </a:r>
+            <a:r>
+              <a:rPr lang="en-US" altLang="zh-TW" dirty="0" smtClean="0">
+                <a:ea typeface="新細明體" pitchFamily="18" charset="-120"/>
+              </a:rPr>
+              <a:t>10</a:t>
+            </a:r>
+            <a:r>
+              <a:rPr lang="mr-IN" altLang="zh-TW" dirty="0" smtClean="0">
+                <a:ea typeface="新細明體" pitchFamily="18" charset="-120"/>
+              </a:rPr>
+              <a:t>"</a:t>
+            </a:r>
+            <a:r>
+              <a:rPr lang="en-US" altLang="zh-TW" dirty="0" smtClean="0">
+                <a:ea typeface="新細明體" pitchFamily="18" charset="-120"/>
+              </a:rPr>
+              <a:t> </a:t>
+            </a:r>
+            <a:r>
               <a:rPr lang="en-US" altLang="zh-TW" dirty="0">
                 <a:ea typeface="新細明體" pitchFamily="18" charset="-120"/>
               </a:rPr>
-              <a:t>size</a:t>
-            </a:r>
-            <a:r>
-              <a:rPr lang="en-US" altLang="zh-TW" dirty="0" smtClean="0">
-                <a:ea typeface="新細明體" pitchFamily="18" charset="-120"/>
-              </a:rPr>
-              <a:t>=</a:t>
-            </a:r>
-            <a:r>
-              <a:rPr lang="mr-IN" altLang="zh-TW" dirty="0" smtClean="0">
-                <a:ea typeface="新細明體" pitchFamily="18" charset="-120"/>
-              </a:rPr>
-              <a:t>"</a:t>
-            </a:r>
-            <a:r>
-              <a:rPr lang="en-US" altLang="zh-TW" dirty="0" smtClean="0">
-                <a:ea typeface="新細明體" pitchFamily="18" charset="-120"/>
-              </a:rPr>
-              <a:t>20</a:t>
-            </a:r>
-            <a:r>
-              <a:rPr lang="mr-IN" altLang="zh-TW" dirty="0" smtClean="0">
-                <a:ea typeface="新細明體" pitchFamily="18" charset="-120"/>
-              </a:rPr>
-              <a:t>"</a:t>
-            </a:r>
-            <a:r>
-              <a:rPr lang="en-US" altLang="zh-TW" dirty="0" smtClean="0">
-                <a:ea typeface="新細明體" pitchFamily="18" charset="-120"/>
-              </a:rPr>
-              <a:t> </a:t>
-            </a:r>
-            <a:r>
-              <a:rPr lang="en-US" altLang="zh-TW" dirty="0" err="1">
-                <a:ea typeface="新細明體" pitchFamily="18" charset="-120"/>
-              </a:rPr>
-              <a:t>maxlength</a:t>
-            </a:r>
-            <a:r>
-              <a:rPr lang="en-US" altLang="zh-TW" dirty="0" smtClean="0">
-                <a:ea typeface="新細明體" pitchFamily="18" charset="-120"/>
-              </a:rPr>
-              <a:t>=</a:t>
-            </a:r>
-            <a:r>
-              <a:rPr lang="mr-IN" altLang="zh-TW" dirty="0" smtClean="0">
-                <a:ea typeface="新細明體" pitchFamily="18" charset="-120"/>
-              </a:rPr>
-              <a:t>"</a:t>
-            </a:r>
-            <a:r>
-              <a:rPr lang="en-US" altLang="zh-TW" dirty="0" smtClean="0">
-                <a:ea typeface="新細明體" pitchFamily="18" charset="-120"/>
-              </a:rPr>
-              <a:t>10</a:t>
-            </a:r>
-            <a:r>
-              <a:rPr lang="mr-IN" altLang="zh-TW" dirty="0" smtClean="0">
-                <a:ea typeface="新細明體" pitchFamily="18" charset="-120"/>
-              </a:rPr>
-              <a:t>"</a:t>
-            </a:r>
-            <a:r>
-              <a:rPr lang="en-US" altLang="zh-TW" dirty="0" smtClean="0">
-                <a:ea typeface="新細明體" pitchFamily="18" charset="-120"/>
-              </a:rPr>
-              <a:t> </a:t>
-            </a:r>
-            <a:r>
-              <a:rPr lang="en-US" altLang="zh-TW" dirty="0">
-                <a:ea typeface="新細明體" pitchFamily="18" charset="-120"/>
-              </a:rPr>
               <a:t>/&gt;</a:t>
             </a:r>
-            <a:endParaRPr lang="en-US" altLang="zh-TW" dirty="0" smtClean="0">
-              <a:ea typeface="新細明體" pitchFamily="18" charset="-120"/>
-            </a:endParaRPr>
-          </a:p>
-          <a:p>
-            <a:endParaRPr lang="en-US" altLang="zh-TW" dirty="0" smtClean="0">
-              <a:ea typeface="新細明體" pitchFamily="18" charset="-120"/>
-            </a:endParaRPr>
-          </a:p>
-          <a:p>
-            <a:endParaRPr lang="en-US" altLang="zh-TW" dirty="0">
-              <a:ea typeface="新細明體" pitchFamily="18" charset="-120"/>
-            </a:endParaRPr>
-          </a:p>
-          <a:p>
-            <a:pPr>
-              <a:lnSpc>
-                <a:spcPct val="80000"/>
-              </a:lnSpc>
-            </a:pPr>
-            <a:endParaRPr lang="en-US" altLang="zh-TW" dirty="0" smtClean="0">
-              <a:ea typeface="新細明體" pitchFamily="18" charset="-120"/>
-            </a:endParaRPr>
           </a:p>
         </p:txBody>
       </p:sp>
     </p:spTree>
     <p:extLst>
       <p:ext uri="{BB962C8B-B14F-4D97-AF65-F5344CB8AC3E}">
-        <p14:creationId xmlns:p14="http://schemas.microsoft.com/office/powerpoint/2010/main" val="795215955"/>
+        <p14:creationId xmlns:p14="http://schemas.microsoft.com/office/powerpoint/2010/main" val="635239649"/>
       </p:ext>
     </p:extLst>
   </p:cSld>
@@ -15344,14 +15126,14 @@
               <a:rPr lang="en-US" altLang="zh-TW" dirty="0" smtClean="0">
                 <a:latin typeface="Times New Roman" pitchFamily="18" charset="0"/>
               </a:rPr>
-              <a:t>Text Area - comment</a:t>
-            </a:r>
-          </a:p>
-        </p:txBody>
-      </p:sp>
-      <p:sp>
-        <p:nvSpPr>
-          <p:cNvPr id="23555" name="Rectangle 3"/>
+              <a:t>Password</a:t>
+            </a:r>
+          </a:p>
+        </p:txBody>
+      </p:sp>
+      <p:sp>
+        <p:nvSpPr>
+          <p:cNvPr id="22531" name="Rectangle 3"/>
           <p:cNvSpPr>
             <a:spLocks noGrp="1" noChangeArrowheads="1"/>
           </p:cNvSpPr>
@@ -15362,7 +15144,7 @@
         <p:spPr/>
         <p:txBody>
           <a:bodyPr>
-            <a:noAutofit/>
+            <a:normAutofit fontScale="92500" lnSpcReduction="20000"/>
           </a:bodyPr>
           <a:lstStyle/>
           <a:p>
@@ -15370,27 +15152,59 @@
               <a:rPr lang="en-US" altLang="zh-TW" dirty="0">
                 <a:ea typeface="新細明體" pitchFamily="18" charset="-120"/>
               </a:rPr>
-              <a:t>two types of controls that allow users to input text. INPUT element creates a single-line input control and the TEXTAREA element creates a multi-line input control</a:t>
-            </a:r>
-          </a:p>
-          <a:p>
+              <a:t>Since what we typed will be shown on the screen, so we better hide the characters.</a:t>
+            </a:r>
+          </a:p>
+          <a:p>
+            <a:r>
+              <a:rPr lang="en-US" altLang="zh-TW" dirty="0">
+                <a:ea typeface="新細明體" pitchFamily="18" charset="-120"/>
+              </a:rPr>
+              <a:t>EG. Yahoo mail.</a:t>
+            </a:r>
+          </a:p>
+          <a:p>
+            <a:r>
+              <a:rPr lang="en-US" altLang="zh-TW" dirty="0">
+                <a:ea typeface="新細明體" pitchFamily="18" charset="-120"/>
+              </a:rPr>
+              <a:t>Insert -&gt; Form -&gt; Text box</a:t>
+            </a:r>
+          </a:p>
+          <a:p>
+            <a:r>
+              <a:rPr lang="en-US" altLang="zh-TW" dirty="0">
+                <a:ea typeface="新細明體" pitchFamily="18" charset="-120"/>
+              </a:rPr>
+              <a:t>Type: password</a:t>
+            </a:r>
+          </a:p>
+          <a:p>
+            <a:r>
+              <a:rPr lang="en-US" altLang="zh-TW" dirty="0">
+                <a:ea typeface="新細明體" pitchFamily="18" charset="-120"/>
+              </a:rPr>
+              <a:t>Set the field name same as the left-hand-side.  EG. password   (lowercase</a:t>
+            </a:r>
             <a:r>
               <a:rPr lang="en-US" altLang="zh-TW" dirty="0" smtClean="0">
                 <a:ea typeface="新細明體" pitchFamily="18" charset="-120"/>
               </a:rPr>
-              <a:t>&lt;</a:t>
-            </a:r>
-            <a:r>
-              <a:rPr lang="en-US" altLang="zh-TW" dirty="0" err="1" smtClean="0">
-                <a:ea typeface="新細明體" pitchFamily="18" charset="-120"/>
-              </a:rPr>
-              <a:t>textarea</a:t>
+              <a:t>)</a:t>
+            </a:r>
+          </a:p>
+          <a:p>
+            <a:r>
+              <a:rPr lang="en-US" altLang="zh-TW" dirty="0">
+                <a:ea typeface="新細明體" pitchFamily="18" charset="-120"/>
+              </a:rPr>
+              <a:t>&lt;input name</a:t>
             </a:r>
             <a:r>
               <a:rPr lang="en-US" altLang="zh-TW" dirty="0" smtClean="0">
                 <a:ea typeface="新細明體" pitchFamily="18" charset="-120"/>
               </a:rPr>
-              <a:t> name=</a:t>
+              <a:t>=</a:t>
             </a:r>
             <a:r>
               <a:rPr lang="mr-IN" altLang="zh-TW" dirty="0" smtClean="0">
@@ -15402,7 +15216,7 @@
               <a:rPr lang="en-US" altLang="zh-TW" dirty="0" smtClean="0">
                 <a:ea typeface="新細明體" pitchFamily="18" charset="-120"/>
               </a:rPr>
-              <a:t>comment</a:t>
+              <a:t>password</a:t>
             </a:r>
             <a:r>
               <a:rPr lang="mr-IN" altLang="zh-TW" dirty="0" smtClean="0">
@@ -15414,48 +15228,197 @@
               <a:rPr lang="en-US" altLang="zh-TW" dirty="0" smtClean="0">
                 <a:ea typeface="新細明體" pitchFamily="18" charset="-120"/>
               </a:rPr>
-              <a:t> rows=6 cols=40&gt;default words &lt;/</a:t>
-            </a:r>
-            <a:r>
-              <a:rPr lang="en-US" altLang="zh-TW" dirty="0" err="1" smtClean="0">
-                <a:ea typeface="新細明體" pitchFamily="18" charset="-120"/>
-              </a:rPr>
-              <a:t>textarea</a:t>
+              <a:t> </a:t>
+            </a:r>
+            <a:r>
+              <a:rPr lang="en-US" altLang="zh-TW" dirty="0">
+                <a:ea typeface="新細明體" pitchFamily="18" charset="-120"/>
+              </a:rPr>
+              <a:t>type</a:t>
             </a:r>
             <a:r>
               <a:rPr lang="en-US" altLang="zh-TW" dirty="0" smtClean="0">
                 <a:ea typeface="新細明體" pitchFamily="18" charset="-120"/>
               </a:rPr>
-              <a:t>&gt;</a:t>
-            </a:r>
+              <a:t>=</a:t>
+            </a:r>
+            <a:r>
+              <a:rPr lang="mr-IN" altLang="zh-TW" dirty="0" smtClean="0">
+                <a:ea typeface="新細明體" pitchFamily="18" charset="-120"/>
+              </a:rPr>
+              <a:t>"</a:t>
+            </a:r>
+            <a:r>
+              <a:rPr lang="en-US" altLang="zh-TW" dirty="0" smtClean="0">
+                <a:ea typeface="新細明體" pitchFamily="18" charset="-120"/>
+              </a:rPr>
+              <a:t>password</a:t>
+            </a:r>
+            <a:r>
+              <a:rPr lang="mr-IN" altLang="zh-TW" dirty="0" smtClean="0">
+                <a:ea typeface="新細明體" pitchFamily="18" charset="-120"/>
+              </a:rPr>
+              <a:t>"</a:t>
+            </a:r>
+            <a:r>
+              <a:rPr lang="en-US" altLang="zh-TW" dirty="0" smtClean="0">
+                <a:ea typeface="新細明體" pitchFamily="18" charset="-120"/>
+              </a:rPr>
+              <a:t> </a:t>
+            </a:r>
+            <a:r>
+              <a:rPr lang="en-US" altLang="zh-TW" dirty="0">
+                <a:ea typeface="新細明體" pitchFamily="18" charset="-120"/>
+              </a:rPr>
+              <a:t>id</a:t>
+            </a:r>
+            <a:r>
+              <a:rPr lang="en-US" altLang="zh-TW" dirty="0" smtClean="0">
+                <a:ea typeface="新細明體" pitchFamily="18" charset="-120"/>
+              </a:rPr>
+              <a:t>=</a:t>
+            </a:r>
+            <a:r>
+              <a:rPr lang="mr-IN" altLang="zh-TW" dirty="0" smtClean="0">
+                <a:ea typeface="新細明體" pitchFamily="18" charset="-120"/>
+              </a:rPr>
+              <a:t>"</a:t>
+            </a:r>
+            <a:r>
+              <a:rPr lang="en-US" altLang="zh-TW" dirty="0" smtClean="0">
+                <a:ea typeface="新細明體" pitchFamily="18" charset="-120"/>
+              </a:rPr>
+              <a:t>password</a:t>
+            </a:r>
+            <a:r>
+              <a:rPr lang="mr-IN" altLang="zh-TW" dirty="0" smtClean="0">
+                <a:ea typeface="新細明體" pitchFamily="18" charset="-120"/>
+              </a:rPr>
+              <a:t>"</a:t>
+            </a:r>
+            <a:r>
+              <a:rPr lang="en-US" altLang="zh-TW" dirty="0" smtClean="0">
+                <a:ea typeface="新細明體" pitchFamily="18" charset="-120"/>
+              </a:rPr>
+              <a:t> </a:t>
+            </a:r>
+            <a:r>
+              <a:rPr lang="en-US" altLang="zh-TW" dirty="0">
+                <a:ea typeface="新細明體" pitchFamily="18" charset="-120"/>
+              </a:rPr>
+              <a:t>size</a:t>
+            </a:r>
+            <a:r>
+              <a:rPr lang="en-US" altLang="zh-TW" dirty="0" smtClean="0">
+                <a:ea typeface="新細明體" pitchFamily="18" charset="-120"/>
+              </a:rPr>
+              <a:t>=</a:t>
+            </a:r>
+            <a:r>
+              <a:rPr lang="mr-IN" altLang="zh-TW" dirty="0" smtClean="0">
+                <a:ea typeface="新細明體" pitchFamily="18" charset="-120"/>
+              </a:rPr>
+              <a:t>"</a:t>
+            </a:r>
+            <a:r>
+              <a:rPr lang="en-US" altLang="zh-TW" dirty="0" smtClean="0">
+                <a:ea typeface="新細明體" pitchFamily="18" charset="-120"/>
+              </a:rPr>
+              <a:t>20</a:t>
+            </a:r>
+            <a:r>
+              <a:rPr lang="mr-IN" altLang="zh-TW" dirty="0" smtClean="0">
+                <a:ea typeface="新細明體" pitchFamily="18" charset="-120"/>
+              </a:rPr>
+              <a:t>"</a:t>
+            </a:r>
+            <a:r>
+              <a:rPr lang="en-US" altLang="zh-TW" dirty="0" smtClean="0">
+                <a:ea typeface="新細明體" pitchFamily="18" charset="-120"/>
+              </a:rPr>
+              <a:t> </a:t>
+            </a:r>
+            <a:r>
+              <a:rPr lang="en-US" altLang="zh-TW" dirty="0" err="1">
+                <a:ea typeface="新細明體" pitchFamily="18" charset="-120"/>
+              </a:rPr>
+              <a:t>maxlength</a:t>
+            </a:r>
+            <a:r>
+              <a:rPr lang="en-US" altLang="zh-TW" dirty="0" smtClean="0">
+                <a:ea typeface="新細明體" pitchFamily="18" charset="-120"/>
+              </a:rPr>
+              <a:t>=</a:t>
+            </a:r>
+            <a:r>
+              <a:rPr lang="mr-IN" altLang="zh-TW" dirty="0" smtClean="0">
+                <a:ea typeface="新細明體" pitchFamily="18" charset="-120"/>
+              </a:rPr>
+              <a:t>"</a:t>
+            </a:r>
+            <a:r>
+              <a:rPr lang="en-US" altLang="zh-TW" dirty="0" smtClean="0">
+                <a:ea typeface="新細明體" pitchFamily="18" charset="-120"/>
+              </a:rPr>
+              <a:t>10</a:t>
+            </a:r>
+            <a:r>
+              <a:rPr lang="mr-IN" altLang="zh-TW" dirty="0" smtClean="0">
+                <a:ea typeface="新細明體" pitchFamily="18" charset="-120"/>
+              </a:rPr>
+              <a:t>"</a:t>
+            </a:r>
+            <a:r>
+              <a:rPr lang="en-US" altLang="zh-TW" dirty="0" smtClean="0">
+                <a:ea typeface="新細明體" pitchFamily="18" charset="-120"/>
+              </a:rPr>
+              <a:t> </a:t>
+            </a:r>
+            <a:r>
+              <a:rPr lang="en-US" altLang="zh-TW" dirty="0">
+                <a:ea typeface="新細明體" pitchFamily="18" charset="-120"/>
+              </a:rPr>
+              <a:t>/&gt;</a:t>
+            </a:r>
+            <a:endParaRPr lang="en-US" altLang="zh-TW" dirty="0" smtClean="0">
+              <a:ea typeface="新細明體" pitchFamily="18" charset="-120"/>
+            </a:endParaRPr>
+          </a:p>
+          <a:p>
+            <a:endParaRPr lang="en-US" altLang="zh-TW" dirty="0" smtClean="0">
+              <a:ea typeface="新細明體" pitchFamily="18" charset="-120"/>
+            </a:endParaRPr>
+          </a:p>
+          <a:p>
             <a:endParaRPr lang="en-US" altLang="zh-TW" dirty="0">
               <a:ea typeface="新細明體" pitchFamily="18" charset="-120"/>
             </a:endParaRPr>
           </a:p>
+          <a:p>
+            <a:pPr>
+              <a:lnSpc>
+                <a:spcPct val="80000"/>
+              </a:lnSpc>
+            </a:pPr>
+            <a:endParaRPr lang="en-US" altLang="zh-TW" dirty="0" smtClean="0">
+              <a:ea typeface="新細明體" pitchFamily="18" charset="-120"/>
+            </a:endParaRPr>
+          </a:p>
         </p:txBody>
       </p:sp>
     </p:spTree>
     <p:extLst>
       <p:ext uri="{BB962C8B-B14F-4D97-AF65-F5344CB8AC3E}">
-        <p14:creationId xmlns:p14="http://schemas.microsoft.com/office/powerpoint/2010/main" val="1754184086"/>
+        <p14:creationId xmlns:p14="http://schemas.microsoft.com/office/powerpoint/2010/main" val="795215955"/>
       </p:ext>
     </p:extLst>
   </p:cSld>
   <p:clrMapOvr>
     <a:masterClrMapping/>
   </p:clrMapOvr>
-  <mc:AlternateContent xmlns:mc="http://schemas.openxmlformats.org/markup-compatibility/2006" xmlns:p14="http://schemas.microsoft.com/office/powerpoint/2010/main">
-    <mc:Choice Requires="p14">
-      <p:transition spd="slow" p14:dur="3900">
-        <p14:glitter pattern="hexagon"/>
-      </p:transition>
-    </mc:Choice>
-    <mc:Fallback xmlns="">
-      <p:transition spd="slow">
-        <p:fade/>
-      </p:transition>
-    </mc:Fallback>
-  </mc:AlternateContent>
+  <p:transition>
+    <p:checker/>
+  </p:transition>
   <p:timing>
     <p:tnLst>
       <p:par>
@@ -15485,7 +15448,7 @@
       </p:grpSpPr>
       <p:sp>
         <p:nvSpPr>
-          <p:cNvPr id="16386" name="Rectangle 2"/>
+          <p:cNvPr id="14338" name="Rectangle 2"/>
           <p:cNvSpPr>
             <a:spLocks noGrp="1" noChangeArrowheads="1"/>
           </p:cNvSpPr>
@@ -15502,17 +15465,17 @@
               <a:defRPr/>
             </a:pPr>
             <a:r>
-              <a:rPr lang="en-US" altLang="zh-TW" smtClean="0">
-                <a:latin typeface="Times New Roman" pitchFamily="18" charset="0"/>
-              </a:rPr>
-              <a:t>Radio buttons</a:t>
-            </a:r>
-          </a:p>
-        </p:txBody>
-      </p:sp>
-      <p:sp>
-        <p:nvSpPr>
-          <p:cNvPr id="25603" name="Rectangle 3"/>
+              <a:rPr lang="en-US" altLang="zh-TW" dirty="0" smtClean="0">
+                <a:latin typeface="Times New Roman" pitchFamily="18" charset="0"/>
+              </a:rPr>
+              <a:t>Text Area - comment</a:t>
+            </a:r>
+          </a:p>
+        </p:txBody>
+      </p:sp>
+      <p:sp>
+        <p:nvSpPr>
+          <p:cNvPr id="23555" name="Rectangle 3"/>
           <p:cNvSpPr>
             <a:spLocks noGrp="1" noChangeArrowheads="1"/>
           </p:cNvSpPr>
@@ -15523,7 +15486,7 @@
         <p:spPr/>
         <p:txBody>
           <a:bodyPr>
-            <a:normAutofit/>
+            <a:noAutofit/>
           </a:bodyPr>
           <a:lstStyle/>
           <a:p>
@@ -15531,15 +15494,27 @@
               <a:rPr lang="en-US" altLang="zh-TW" dirty="0">
                 <a:ea typeface="新細明體" pitchFamily="18" charset="-120"/>
               </a:rPr>
-              <a:t>They are on/off circle switches that may be toggled by the user</a:t>
-            </a:r>
-          </a:p>
-          <a:p>
-            <a:r>
-              <a:rPr lang="en-US" altLang="zh-TW" dirty="0">
-                <a:ea typeface="新細明體" pitchFamily="18" charset="-120"/>
-              </a:rPr>
-              <a:t>They are mutually exclusive: when one is switched </a:t>
+              <a:t>two types of controls that allow users to input text. INPUT element creates a single-line input control and the TEXTAREA element creates a multi-line input control</a:t>
+            </a:r>
+          </a:p>
+          <a:p>
+            <a:r>
+              <a:rPr lang="en-US" altLang="zh-TW" dirty="0" smtClean="0">
+                <a:ea typeface="新細明體" pitchFamily="18" charset="-120"/>
+              </a:rPr>
+              <a:t>&lt;</a:t>
+            </a:r>
+            <a:r>
+              <a:rPr lang="en-US" altLang="zh-TW" dirty="0" err="1" smtClean="0">
+                <a:ea typeface="新細明體" pitchFamily="18" charset="-120"/>
+              </a:rPr>
+              <a:t>textarea</a:t>
+            </a:r>
+            <a:r>
+              <a:rPr lang="en-US" altLang="zh-TW" dirty="0" smtClean="0">
+                <a:ea typeface="新細明體" pitchFamily="18" charset="-120"/>
+              </a:rPr>
+              <a:t> name=</a:t>
             </a:r>
             <a:r>
               <a:rPr lang="mr-IN" altLang="zh-TW" dirty="0" smtClean="0">
@@ -15551,7 +15526,7 @@
               <a:rPr lang="en-US" altLang="zh-TW" dirty="0" smtClean="0">
                 <a:ea typeface="新細明體" pitchFamily="18" charset="-120"/>
               </a:rPr>
-              <a:t>on</a:t>
+              <a:t>comment</a:t>
             </a:r>
             <a:r>
               <a:rPr lang="mr-IN" altLang="zh-TW" dirty="0" smtClean="0">
@@ -15563,148 +15538,48 @@
               <a:rPr lang="en-US" altLang="zh-TW" dirty="0" smtClean="0">
                 <a:ea typeface="新細明體" pitchFamily="18" charset="-120"/>
               </a:rPr>
-              <a:t>, </a:t>
-            </a:r>
-            <a:r>
-              <a:rPr lang="en-US" altLang="zh-TW" dirty="0">
-                <a:ea typeface="新細明體" pitchFamily="18" charset="-120"/>
-              </a:rPr>
-              <a:t>all others with the same name are switched </a:t>
-            </a:r>
-            <a:r>
-              <a:rPr lang="mr-IN" altLang="zh-TW" dirty="0" smtClean="0">
-                <a:ea typeface="新細明體" pitchFamily="18" charset="-120"/>
-              </a:rPr>
-              <a:t>"</a:t>
+              <a:t> rows=6 cols=40&gt;default words &lt;/</a:t>
+            </a:r>
+            <a:r>
+              <a:rPr lang="en-US" altLang="zh-TW" dirty="0" err="1" smtClean="0">
+                <a:ea typeface="新細明體" pitchFamily="18" charset="-120"/>
+              </a:rPr>
+              <a:t>textarea</a:t>
             </a:r>
             <a:r>
               <a:rPr lang="en-US" altLang="zh-TW" dirty="0" smtClean="0">
                 <a:ea typeface="新細明體" pitchFamily="18" charset="-120"/>
               </a:rPr>
-              <a:t>off</a:t>
-            </a:r>
-            <a:r>
-              <a:rPr lang="mr-IN" altLang="zh-TW" dirty="0" smtClean="0">
-                <a:ea typeface="新細明體" pitchFamily="18" charset="-120"/>
-              </a:rPr>
-              <a:t>"</a:t>
-            </a:r>
-            <a:r>
-              <a:rPr lang="en-US" altLang="zh-TW" dirty="0" smtClean="0">
-                <a:ea typeface="新細明體" pitchFamily="18" charset="-120"/>
-              </a:rPr>
-              <a:t> </a:t>
+              <a:t>&gt;</a:t>
             </a:r>
             <a:endParaRPr lang="en-US" altLang="zh-TW" dirty="0">
               <a:ea typeface="新細明體" pitchFamily="18" charset="-120"/>
             </a:endParaRPr>
           </a:p>
-          <a:p>
-            <a:r>
-              <a:rPr lang="en-US" altLang="zh-TW" dirty="0">
-                <a:ea typeface="新細明體" pitchFamily="18" charset="-120"/>
-              </a:rPr>
-              <a:t>Since user usually select from more than one, </a:t>
-            </a:r>
-          </a:p>
-          <a:p>
-            <a:r>
-              <a:rPr lang="en-US" altLang="zh-TW" dirty="0" smtClean="0">
-                <a:ea typeface="新細明體" pitchFamily="18" charset="-120"/>
-              </a:rPr>
-              <a:t>&lt;input type=</a:t>
-            </a:r>
-            <a:r>
-              <a:rPr lang="mr-IN" altLang="zh-TW" dirty="0" smtClean="0">
-                <a:ea typeface="新細明體" pitchFamily="18" charset="-120"/>
-              </a:rPr>
-              <a:t>"</a:t>
-            </a:r>
-            <a:r>
-              <a:rPr lang="en-US" altLang="zh-TW" dirty="0" smtClean="0">
-                <a:ea typeface="新細明體" pitchFamily="18" charset="-120"/>
-              </a:rPr>
-              <a:t>radio</a:t>
-            </a:r>
-            <a:r>
-              <a:rPr lang="mr-IN" altLang="zh-TW" dirty="0" smtClean="0">
-                <a:ea typeface="新細明體" pitchFamily="18" charset="-120"/>
-              </a:rPr>
-              <a:t>"</a:t>
-            </a:r>
-            <a:r>
-              <a:rPr lang="en-US" altLang="zh-TW" dirty="0" smtClean="0">
-                <a:ea typeface="新細明體" pitchFamily="18" charset="-120"/>
-              </a:rPr>
-              <a:t> name=</a:t>
-            </a:r>
-            <a:r>
-              <a:rPr lang="mr-IN" altLang="zh-TW" dirty="0" smtClean="0">
-                <a:ea typeface="新細明體" pitchFamily="18" charset="-120"/>
-              </a:rPr>
-              <a:t>"</a:t>
-            </a:r>
-            <a:r>
-              <a:rPr lang="en-US" altLang="zh-TW" dirty="0" smtClean="0">
-                <a:ea typeface="新細明體" pitchFamily="18" charset="-120"/>
-              </a:rPr>
-              <a:t>radio group name</a:t>
-            </a:r>
-            <a:r>
-              <a:rPr lang="mr-IN" altLang="zh-TW" dirty="0" smtClean="0">
-                <a:ea typeface="新細明體" pitchFamily="18" charset="-120"/>
-              </a:rPr>
-              <a:t>"</a:t>
-            </a:r>
-            <a:r>
-              <a:rPr lang="en-US" altLang="zh-TW" dirty="0" smtClean="0">
-                <a:ea typeface="新細明體" pitchFamily="18" charset="-120"/>
-              </a:rPr>
-              <a:t> value=</a:t>
-            </a:r>
-            <a:r>
-              <a:rPr lang="mr-IN" altLang="zh-TW" dirty="0" smtClean="0">
-                <a:ea typeface="新細明體" pitchFamily="18" charset="-120"/>
-              </a:rPr>
-              <a:t>"</a:t>
-            </a:r>
-            <a:r>
-              <a:rPr lang="en-US" altLang="zh-TW" dirty="0" smtClean="0">
-                <a:ea typeface="新細明體" pitchFamily="18" charset="-120"/>
-              </a:rPr>
-              <a:t>button name</a:t>
-            </a:r>
-            <a:r>
-              <a:rPr lang="mr-IN" altLang="zh-TW" dirty="0" smtClean="0">
-                <a:ea typeface="新細明體" pitchFamily="18" charset="-120"/>
-              </a:rPr>
-              <a:t>"</a:t>
-            </a:r>
-            <a:r>
-              <a:rPr lang="en-US" altLang="zh-TW" dirty="0" smtClean="0">
-                <a:ea typeface="新細明體" pitchFamily="18" charset="-120"/>
-              </a:rPr>
-              <a:t>&gt;</a:t>
-            </a:r>
-            <a:endParaRPr lang="en-US" altLang="zh-TW" dirty="0">
-              <a:ea typeface="新細明體" pitchFamily="18" charset="-120"/>
-            </a:endParaRPr>
-          </a:p>
         </p:txBody>
       </p:sp>
     </p:spTree>
     <p:extLst>
       <p:ext uri="{BB962C8B-B14F-4D97-AF65-F5344CB8AC3E}">
-        <p14:creationId xmlns:p14="http://schemas.microsoft.com/office/powerpoint/2010/main" val="1435338796"/>
+        <p14:creationId xmlns:p14="http://schemas.microsoft.com/office/powerpoint/2010/main" val="1754184086"/>
       </p:ext>
     </p:extLst>
   </p:cSld>
   <p:clrMapOvr>
     <a:masterClrMapping/>
   </p:clrMapOvr>
-  <p:transition>
-    <p:checker/>
-  </p:transition>
+  <mc:AlternateContent xmlns:mc="http://schemas.openxmlformats.org/markup-compatibility/2006" xmlns:p14="http://schemas.microsoft.com/office/powerpoint/2010/main">
+    <mc:Choice Requires="p14">
+      <p:transition spd="slow" p14:dur="3900">
+        <p14:glitter pattern="hexagon"/>
+      </p:transition>
+    </mc:Choice>
+    <mc:Fallback xmlns="">
+      <p:transition spd="slow">
+        <p:fade/>
+      </p:transition>
+    </mc:Fallback>
+  </mc:AlternateContent>
   <p:timing>
     <p:tnLst>
       <p:par>
@@ -15850,7 +15725,7 @@
       </p:grpSpPr>
       <p:sp>
         <p:nvSpPr>
-          <p:cNvPr id="17410" name="Rectangle 2"/>
+          <p:cNvPr id="16386" name="Rectangle 2"/>
           <p:cNvSpPr>
             <a:spLocks noGrp="1" noChangeArrowheads="1"/>
           </p:cNvSpPr>
@@ -15870,14 +15745,14 @@
               <a:rPr lang="en-US" altLang="zh-TW" smtClean="0">
                 <a:latin typeface="Times New Roman" pitchFamily="18" charset="0"/>
               </a:rPr>
-              <a:t>Radio buttons story</a:t>
-            </a:r>
-          </a:p>
-        </p:txBody>
-      </p:sp>
-      <p:sp>
-        <p:nvSpPr>
-          <p:cNvPr id="26627" name="Rectangle 3"/>
+              <a:t>Radio buttons</a:t>
+            </a:r>
+          </a:p>
+        </p:txBody>
+      </p:sp>
+      <p:sp>
+        <p:nvSpPr>
+          <p:cNvPr id="25603" name="Rectangle 3"/>
           <p:cNvSpPr>
             <a:spLocks noGrp="1" noChangeArrowheads="1"/>
           </p:cNvSpPr>
@@ -15896,7 +15771,7 @@
               <a:rPr lang="en-US" altLang="zh-TW" dirty="0">
                 <a:ea typeface="新細明體" pitchFamily="18" charset="-120"/>
               </a:rPr>
-              <a:t>But why are they called radio buttons?!</a:t>
+              <a:t>They are on/off circle switches that may be toggled by the user</a:t>
             </a:r>
           </a:p>
           <a:p>
@@ -15904,15 +15779,163 @@
               <a:rPr lang="en-US" altLang="zh-TW" dirty="0">
                 <a:ea typeface="新細明體" pitchFamily="18" charset="-120"/>
               </a:rPr>
-              <a:t>The reason is that they act as the radio buttons used in older car radios. When you pushed one, the dial moved. When you pushed another, the first choice was dropped and the dial moved again.</a:t>
-            </a:r>
+              <a:t>They are mutually exclusive: when one is switched </a:t>
+            </a:r>
+            <a:r>
+              <a:rPr lang="mr-IN" altLang="zh-TW" dirty="0" smtClean="0">
+                <a:ea typeface="新細明體" pitchFamily="18" charset="-120"/>
+              </a:rPr>
+              <a:t>"</a:t>
+            </a:r>
+            <a:r>
+              <a:rPr lang="en-US" altLang="zh-TW" dirty="0" smtClean="0">
+                <a:ea typeface="新細明體" pitchFamily="18" charset="-120"/>
+              </a:rPr>
+              <a:t>on</a:t>
+            </a:r>
+            <a:r>
+              <a:rPr lang="mr-IN" altLang="zh-TW" dirty="0" smtClean="0">
+                <a:ea typeface="新細明體" pitchFamily="18" charset="-120"/>
+              </a:rPr>
+              <a:t>"</a:t>
+            </a:r>
+            <a:r>
+              <a:rPr lang="en-US" altLang="zh-TW" dirty="0" smtClean="0">
+                <a:ea typeface="新細明體" pitchFamily="18" charset="-120"/>
+              </a:rPr>
+              <a:t>, </a:t>
+            </a:r>
+            <a:r>
+              <a:rPr lang="en-US" altLang="zh-TW" dirty="0">
+                <a:ea typeface="新細明體" pitchFamily="18" charset="-120"/>
+              </a:rPr>
+              <a:t>all others with the same name are switched </a:t>
+            </a:r>
+            <a:r>
+              <a:rPr lang="mr-IN" altLang="zh-TW" dirty="0" smtClean="0">
+                <a:ea typeface="新細明體" pitchFamily="18" charset="-120"/>
+              </a:rPr>
+              <a:t>"</a:t>
+            </a:r>
+            <a:r>
+              <a:rPr lang="en-US" altLang="zh-TW" dirty="0" smtClean="0">
+                <a:ea typeface="新細明體" pitchFamily="18" charset="-120"/>
+              </a:rPr>
+              <a:t>off</a:t>
+            </a:r>
+            <a:r>
+              <a:rPr lang="mr-IN" altLang="zh-TW" dirty="0" smtClean="0">
+                <a:ea typeface="新細明體" pitchFamily="18" charset="-120"/>
+              </a:rPr>
+              <a:t>"</a:t>
+            </a:r>
+            <a:r>
+              <a:rPr lang="en-US" altLang="zh-TW" dirty="0" smtClean="0">
+                <a:ea typeface="新細明體" pitchFamily="18" charset="-120"/>
+              </a:rPr>
+              <a:t> </a:t>
+            </a:r>
+            <a:endParaRPr lang="en-US" altLang="zh-TW" dirty="0">
+              <a:ea typeface="新細明體" pitchFamily="18" charset="-120"/>
+            </a:endParaRPr>
+          </a:p>
+          <a:p>
+            <a:r>
+              <a:rPr lang="en-US" altLang="zh-TW" dirty="0">
+                <a:ea typeface="新細明體" pitchFamily="18" charset="-120"/>
+              </a:rPr>
+              <a:t>Since user usually select from more than one, </a:t>
+            </a:r>
+          </a:p>
+          <a:p>
+            <a:r>
+              <a:rPr lang="en-US" altLang="zh-TW" dirty="0" smtClean="0">
+                <a:ea typeface="新細明體" pitchFamily="18" charset="-120"/>
+              </a:rPr>
+              <a:t>&lt;input type=</a:t>
+            </a:r>
+            <a:r>
+              <a:rPr lang="mr-IN" altLang="zh-TW" dirty="0" smtClean="0">
+                <a:ea typeface="新細明體" pitchFamily="18" charset="-120"/>
+              </a:rPr>
+              <a:t>"</a:t>
+            </a:r>
+            <a:r>
+              <a:rPr lang="en-US" altLang="zh-TW" dirty="0" smtClean="0">
+                <a:ea typeface="新細明體" pitchFamily="18" charset="-120"/>
+              </a:rPr>
+              <a:t>radio</a:t>
+            </a:r>
+            <a:r>
+              <a:rPr lang="mr-IN" altLang="zh-TW" dirty="0" smtClean="0">
+                <a:ea typeface="新細明體" pitchFamily="18" charset="-120"/>
+              </a:rPr>
+              <a:t>"</a:t>
+            </a:r>
+            <a:r>
+              <a:rPr lang="en-US" altLang="zh-TW" dirty="0" smtClean="0">
+                <a:ea typeface="新細明體" pitchFamily="18" charset="-120"/>
+              </a:rPr>
+              <a:t> name=</a:t>
+            </a:r>
+            <a:r>
+              <a:rPr lang="mr-IN" altLang="zh-TW" dirty="0" smtClean="0">
+                <a:ea typeface="新細明體" pitchFamily="18" charset="-120"/>
+              </a:rPr>
+              <a:t>"</a:t>
+            </a:r>
+            <a:r>
+              <a:rPr lang="en-US" altLang="zh-TW" dirty="0" smtClean="0">
+                <a:ea typeface="新細明體" pitchFamily="18" charset="-120"/>
+              </a:rPr>
+              <a:t>radio group name</a:t>
+            </a:r>
+            <a:r>
+              <a:rPr lang="mr-IN" altLang="zh-TW" dirty="0" smtClean="0">
+                <a:ea typeface="新細明體" pitchFamily="18" charset="-120"/>
+              </a:rPr>
+              <a:t>"</a:t>
+            </a:r>
+            <a:r>
+              <a:rPr lang="en-US" altLang="zh-TW" dirty="0" smtClean="0">
+                <a:ea typeface="新細明體" pitchFamily="18" charset="-120"/>
+              </a:rPr>
+              <a:t> value=</a:t>
+            </a:r>
+            <a:r>
+              <a:rPr lang="mr-IN" altLang="zh-TW" dirty="0" smtClean="0">
+                <a:ea typeface="新細明體" pitchFamily="18" charset="-120"/>
+              </a:rPr>
+              <a:t>"</a:t>
+            </a:r>
+            <a:r>
+              <a:rPr lang="en-US" altLang="zh-TW" dirty="0" smtClean="0">
+                <a:ea typeface="新細明體" pitchFamily="18" charset="-120"/>
+              </a:rPr>
+              <a:t>button name</a:t>
+            </a:r>
+            <a:r>
+              <a:rPr lang="mr-IN" altLang="zh-TW" dirty="0" smtClean="0">
+                <a:ea typeface="新細明體" pitchFamily="18" charset="-120"/>
+              </a:rPr>
+              <a:t>"</a:t>
+            </a:r>
+            <a:r>
+              <a:rPr lang="en-US" altLang="zh-TW" dirty="0" smtClean="0">
+                <a:ea typeface="新細明體" pitchFamily="18" charset="-120"/>
+              </a:rPr>
+              <a:t>&gt;</a:t>
+            </a:r>
+            <a:endParaRPr lang="en-US" altLang="zh-TW" dirty="0">
+              <a:ea typeface="新細明體" pitchFamily="18" charset="-120"/>
+            </a:endParaRPr>
           </a:p>
         </p:txBody>
       </p:sp>
     </p:spTree>
     <p:extLst>
       <p:ext uri="{BB962C8B-B14F-4D97-AF65-F5344CB8AC3E}">
-        <p14:creationId xmlns:p14="http://schemas.microsoft.com/office/powerpoint/2010/main" val="991955574"/>
+        <p14:creationId xmlns:p14="http://schemas.microsoft.com/office/powerpoint/2010/main" val="1435338796"/>
       </p:ext>
     </p:extLst>
   </p:cSld>
@@ -15951,7 +15974,7 @@
       </p:grpSpPr>
       <p:sp>
         <p:nvSpPr>
-          <p:cNvPr id="15362" name="Rectangle 2"/>
+          <p:cNvPr id="17410" name="Rectangle 2"/>
           <p:cNvSpPr>
             <a:spLocks noGrp="1" noChangeArrowheads="1"/>
           </p:cNvSpPr>
@@ -15971,14 +15994,14 @@
               <a:rPr lang="en-US" altLang="zh-TW" smtClean="0">
                 <a:latin typeface="Times New Roman" pitchFamily="18" charset="0"/>
               </a:rPr>
-              <a:t>Checkboxes</a:t>
-            </a:r>
-          </a:p>
-        </p:txBody>
-      </p:sp>
-      <p:sp>
-        <p:nvSpPr>
-          <p:cNvPr id="27651" name="Rectangle 3"/>
+              <a:t>Radio buttons story</a:t>
+            </a:r>
+          </a:p>
+        </p:txBody>
+      </p:sp>
+      <p:sp>
+        <p:nvSpPr>
+          <p:cNvPr id="26627" name="Rectangle 3"/>
           <p:cNvSpPr>
             <a:spLocks noGrp="1" noChangeArrowheads="1"/>
           </p:cNvSpPr>
@@ -15988,134 +16011,24 @@
         </p:nvSpPr>
         <p:spPr/>
         <p:txBody>
-          <a:bodyPr/>
+          <a:bodyPr>
+            <a:normAutofit/>
+          </a:bodyPr>
           <a:lstStyle/>
           <a:p>
             <a:r>
-              <a:rPr lang="en-US" altLang="zh-TW" dirty="0" smtClean="0">
-                <a:ea typeface="新細明體" pitchFamily="18" charset="-120"/>
-              </a:rPr>
-              <a:t>They are on/off square switches that may be toggled by the user</a:t>
-            </a:r>
-          </a:p>
-          <a:p>
-            <a:r>
-              <a:rPr lang="en-US" altLang="zh-TW" dirty="0" smtClean="0">
-                <a:ea typeface="新細明體" pitchFamily="18" charset="-120"/>
-              </a:rPr>
-              <a:t>Only </a:t>
-            </a:r>
-            <a:r>
-              <a:rPr lang="mr-IN" altLang="zh-TW" dirty="0" smtClean="0">
-                <a:ea typeface="新細明體" pitchFamily="18" charset="-120"/>
-              </a:rPr>
-              <a:t>"</a:t>
-            </a:r>
-            <a:r>
-              <a:rPr lang="en-US" altLang="zh-TW" dirty="0" smtClean="0">
-                <a:ea typeface="新細明體" pitchFamily="18" charset="-120"/>
-              </a:rPr>
-              <a:t>on</a:t>
-            </a:r>
-            <a:r>
-              <a:rPr lang="mr-IN" altLang="zh-TW" dirty="0" smtClean="0">
-                <a:ea typeface="新細明體" pitchFamily="18" charset="-120"/>
-              </a:rPr>
-              <a:t>"</a:t>
-            </a:r>
-            <a:r>
-              <a:rPr lang="en-US" altLang="zh-TW" dirty="0" smtClean="0">
-                <a:ea typeface="新細明體" pitchFamily="18" charset="-120"/>
-              </a:rPr>
-              <a:t> checkbox controls can become successful</a:t>
-            </a:r>
-          </a:p>
-          <a:p>
-            <a:r>
-              <a:rPr lang="en-US" altLang="zh-TW" dirty="0" smtClean="0">
-                <a:ea typeface="新細明體" pitchFamily="18" charset="-120"/>
-              </a:rPr>
-              <a:t>Allow users to select several values for the same property</a:t>
-            </a:r>
-          </a:p>
-          <a:p>
-            <a:r>
-              <a:rPr lang="en-US" altLang="zh-TW" dirty="0" smtClean="0">
-                <a:ea typeface="新細明體" pitchFamily="18" charset="-120"/>
-              </a:rPr>
-              <a:t>&lt;input type=</a:t>
-            </a:r>
-            <a:r>
-              <a:rPr lang="mr-IN" altLang="zh-TW" dirty="0" smtClean="0">
-                <a:ea typeface="新細明體" pitchFamily="18" charset="-120"/>
-              </a:rPr>
-              <a:t>"</a:t>
-            </a:r>
-            <a:r>
-              <a:rPr lang="en-US" altLang="zh-TW" dirty="0" smtClean="0">
-                <a:ea typeface="新細明體" pitchFamily="18" charset="-120"/>
-              </a:rPr>
-              <a:t>checkbox</a:t>
-            </a:r>
-            <a:r>
-              <a:rPr lang="mr-IN" altLang="zh-TW" dirty="0" smtClean="0">
-                <a:ea typeface="新細明體" pitchFamily="18" charset="-120"/>
-              </a:rPr>
-              <a:t>"</a:t>
-            </a:r>
-            <a:r>
-              <a:rPr lang="en-US" altLang="zh-TW" dirty="0" smtClean="0">
-                <a:ea typeface="新細明體" pitchFamily="18" charset="-120"/>
-              </a:rPr>
-              <a:t> name=</a:t>
-            </a:r>
-            <a:r>
-              <a:rPr lang="mr-IN" altLang="zh-TW" dirty="0" smtClean="0">
-                <a:ea typeface="新細明體" pitchFamily="18" charset="-120"/>
-              </a:rPr>
-              <a:t>"</a:t>
-            </a:r>
-            <a:r>
-              <a:rPr lang="en-US" altLang="zh-TW" dirty="0" smtClean="0">
-                <a:ea typeface="新細明體" pitchFamily="18" charset="-120"/>
-              </a:rPr>
-              <a:t>name</a:t>
-            </a:r>
-            <a:r>
-              <a:rPr lang="mr-IN" altLang="zh-TW" dirty="0" smtClean="0">
-                <a:ea typeface="新細明體" pitchFamily="18" charset="-120"/>
-              </a:rPr>
-              <a:t>"</a:t>
-            </a:r>
-            <a:r>
-              <a:rPr lang="en-US" altLang="zh-TW" dirty="0" smtClean="0">
-                <a:ea typeface="新細明體" pitchFamily="18" charset="-120"/>
-              </a:rPr>
-              <a:t> value=</a:t>
-            </a:r>
-            <a:r>
-              <a:rPr lang="mr-IN" altLang="zh-TW" dirty="0" smtClean="0">
-                <a:ea typeface="新細明體" pitchFamily="18" charset="-120"/>
-              </a:rPr>
-              <a:t>"</a:t>
-            </a:r>
-            <a:r>
-              <a:rPr lang="en-US" altLang="zh-TW" dirty="0" smtClean="0">
-                <a:ea typeface="新細明體" pitchFamily="18" charset="-120"/>
-              </a:rPr>
-              <a:t>button name</a:t>
-            </a:r>
-            <a:r>
-              <a:rPr lang="mr-IN" altLang="zh-TW" dirty="0" smtClean="0">
-                <a:ea typeface="新細明體" pitchFamily="18" charset="-120"/>
-              </a:rPr>
-              <a:t>"</a:t>
-            </a:r>
-            <a:r>
-              <a:rPr lang="en-US" altLang="zh-TW" dirty="0" smtClean="0">
-                <a:ea typeface="新細明體" pitchFamily="18" charset="-120"/>
-              </a:rPr>
-              <a:t>&gt;</a:t>
+              <a:rPr lang="en-US" altLang="zh-TW" dirty="0">
+                <a:ea typeface="新細明體" pitchFamily="18" charset="-120"/>
+              </a:rPr>
+              <a:t>But why are they called radio buttons?!</a:t>
+            </a:r>
+          </a:p>
+          <a:p>
+            <a:r>
+              <a:rPr lang="en-US" altLang="zh-TW" dirty="0">
+                <a:ea typeface="新細明體" pitchFamily="18" charset="-120"/>
+              </a:rPr>
+              <a:t>The reason is that they act as the radio buttons used in older car radios. When you pushed one, the dial moved. When you pushed another, the first choice was dropped and the dial moved again.</a:t>
             </a:r>
           </a:p>
         </p:txBody>
@@ -16123,7 +16036,7 @@
     </p:spTree>
     <p:extLst>
       <p:ext uri="{BB962C8B-B14F-4D97-AF65-F5344CB8AC3E}">
-        <p14:creationId xmlns:p14="http://schemas.microsoft.com/office/powerpoint/2010/main" val="301173552"/>
+        <p14:creationId xmlns:p14="http://schemas.microsoft.com/office/powerpoint/2010/main" val="991955574"/>
       </p:ext>
     </p:extLst>
   </p:cSld>
@@ -16162,7 +16075,7 @@
       </p:grpSpPr>
       <p:sp>
         <p:nvSpPr>
-          <p:cNvPr id="18434" name="Rectangle 2"/>
+          <p:cNvPr id="15362" name="Rectangle 2"/>
           <p:cNvSpPr>
             <a:spLocks noGrp="1" noChangeArrowheads="1"/>
           </p:cNvSpPr>
@@ -16179,17 +16092,17 @@
               <a:defRPr/>
             </a:pPr>
             <a:r>
-              <a:rPr lang="en-US" altLang="zh-TW" dirty="0" smtClean="0">
-                <a:latin typeface="Times New Roman" pitchFamily="18" charset="0"/>
-              </a:rPr>
-              <a:t>Select (Menu/List)</a:t>
-            </a:r>
-          </a:p>
-        </p:txBody>
-      </p:sp>
-      <p:sp>
-        <p:nvSpPr>
-          <p:cNvPr id="28675" name="Rectangle 3"/>
+              <a:rPr lang="en-US" altLang="zh-TW" smtClean="0">
+                <a:latin typeface="Times New Roman" pitchFamily="18" charset="0"/>
+              </a:rPr>
+              <a:t>Checkboxes</a:t>
+            </a:r>
+          </a:p>
+        </p:txBody>
+      </p:sp>
+      <p:sp>
+        <p:nvSpPr>
+          <p:cNvPr id="27651" name="Rectangle 3"/>
           <p:cNvSpPr>
             <a:spLocks noGrp="1" noChangeArrowheads="1"/>
           </p:cNvSpPr>
@@ -16202,55 +16115,131 @@
           <a:bodyPr/>
           <a:lstStyle/>
           <a:p>
-            <a:pPr>
-              <a:lnSpc>
-                <a:spcPct val="80000"/>
-              </a:lnSpc>
-            </a:pPr>
             <a:r>
               <a:rPr lang="en-US" altLang="zh-TW" dirty="0" smtClean="0">
                 <a:ea typeface="新細明體" pitchFamily="18" charset="-120"/>
               </a:rPr>
-              <a:t>Menus offer users options from which to choose where the choices are too long to display in a browser</a:t>
-            </a:r>
-          </a:p>
-          <a:p>
-            <a:pPr>
-              <a:lnSpc>
-                <a:spcPct val="80000"/>
-              </a:lnSpc>
-            </a:pPr>
+              <a:t>They are on/off square switches that may be toggled by the user</a:t>
+            </a:r>
+          </a:p>
+          <a:p>
             <a:r>
               <a:rPr lang="en-US" altLang="zh-TW" dirty="0" smtClean="0">
                 <a:ea typeface="新細明體" pitchFamily="18" charset="-120"/>
               </a:rPr>
-              <a:t>Two types of menus – pull down menu, list menu</a:t>
-            </a:r>
-          </a:p>
-          <a:p>
-            <a:pPr>
-              <a:lnSpc>
-                <a:spcPct val="80000"/>
-              </a:lnSpc>
-            </a:pPr>
+              <a:t>Only </a:t>
+            </a:r>
+            <a:r>
+              <a:rPr lang="mr-IN" altLang="zh-TW" dirty="0" smtClean="0">
+                <a:ea typeface="新細明體" pitchFamily="18" charset="-120"/>
+              </a:rPr>
+              <a:t>"</a:t>
+            </a:r>
             <a:r>
               <a:rPr lang="en-US" altLang="zh-TW" dirty="0" smtClean="0">
                 <a:ea typeface="新細明體" pitchFamily="18" charset="-120"/>
               </a:rPr>
-              <a:t>Pull down menu – select one from a drop list</a:t>
-            </a:r>
-          </a:p>
-          <a:p>
-            <a:pPr>
-              <a:lnSpc>
-                <a:spcPct val="80000"/>
-              </a:lnSpc>
-            </a:pPr>
+              <a:t>on</a:t>
+            </a:r>
+            <a:r>
+              <a:rPr lang="mr-IN" altLang="zh-TW" dirty="0" smtClean="0">
+                <a:ea typeface="新細明體" pitchFamily="18" charset="-120"/>
+              </a:rPr>
+              <a:t>"</a:t>
+            </a:r>
             <a:r>
               <a:rPr lang="en-US" altLang="zh-TW" dirty="0" smtClean="0">
                 <a:ea typeface="新細明體" pitchFamily="18" charset="-120"/>
               </a:rPr>
-              <a:t>List menu – select one or multiple items from a list menu.  By pressing Ctrl key, you can select multiple selection</a:t>
+              <a:t> checkbox controls can become successful</a:t>
+            </a:r>
+          </a:p>
+          <a:p>
+            <a:r>
+              <a:rPr lang="en-US" altLang="zh-TW" dirty="0" smtClean="0">
+                <a:ea typeface="新細明體" pitchFamily="18" charset="-120"/>
+              </a:rPr>
+              <a:t>Allow users to select several values for the same property</a:t>
+            </a:r>
+          </a:p>
+          <a:p>
+            <a:r>
+              <a:rPr lang="en-US" altLang="zh-TW" dirty="0" smtClean="0">
+                <a:ea typeface="新細明體" pitchFamily="18" charset="-120"/>
+              </a:rPr>
+              <a:t>&lt;input type=</a:t>
+            </a:r>
+            <a:r>
+              <a:rPr lang="mr-IN" altLang="zh-TW" dirty="0" smtClean="0">
+                <a:ea typeface="新細明體" pitchFamily="18" charset="-120"/>
+              </a:rPr>
+              <a:t>"</a:t>
+            </a:r>
+            <a:r>
+              <a:rPr lang="en-US" altLang="zh-TW" dirty="0" smtClean="0">
+                <a:ea typeface="新細明體" pitchFamily="18" charset="-120"/>
+              </a:rPr>
+              <a:t>checkbox</a:t>
+            </a:r>
+            <a:r>
+              <a:rPr lang="mr-IN" altLang="zh-TW" dirty="0" smtClean="0">
+                <a:ea typeface="新細明體" pitchFamily="18" charset="-120"/>
+              </a:rPr>
+              <a:t>"</a:t>
+            </a:r>
+            <a:r>
+              <a:rPr lang="en-US" altLang="zh-TW" dirty="0" smtClean="0">
+                <a:ea typeface="新細明體" pitchFamily="18" charset="-120"/>
+              </a:rPr>
+              <a:t> name=</a:t>
+            </a:r>
+            <a:r>
+              <a:rPr lang="mr-IN" altLang="zh-TW" dirty="0" smtClean="0">
+                <a:ea typeface="新細明體" pitchFamily="18" charset="-120"/>
+              </a:rPr>
+              <a:t>"</a:t>
+            </a:r>
+            <a:r>
+              <a:rPr lang="en-US" altLang="zh-TW" dirty="0" smtClean="0">
+                <a:ea typeface="新細明體" pitchFamily="18" charset="-120"/>
+              </a:rPr>
+              <a:t>name</a:t>
+            </a:r>
+            <a:r>
+              <a:rPr lang="mr-IN" altLang="zh-TW" dirty="0" smtClean="0">
+                <a:ea typeface="新細明體" pitchFamily="18" charset="-120"/>
+              </a:rPr>
+              <a:t>"</a:t>
+            </a:r>
+            <a:r>
+              <a:rPr lang="en-US" altLang="zh-TW" dirty="0" smtClean="0">
+                <a:ea typeface="新細明體" pitchFamily="18" charset="-120"/>
+              </a:rPr>
+              <a:t> value=</a:t>
+            </a:r>
+            <a:r>
+              <a:rPr lang="mr-IN" altLang="zh-TW" dirty="0" smtClean="0">
+                <a:ea typeface="新細明體" pitchFamily="18" charset="-120"/>
+              </a:rPr>
+              <a:t>"</a:t>
+            </a:r>
+            <a:r>
+              <a:rPr lang="en-US" altLang="zh-TW" dirty="0" smtClean="0">
+                <a:ea typeface="新細明體" pitchFamily="18" charset="-120"/>
+              </a:rPr>
+              <a:t>button name</a:t>
+            </a:r>
+            <a:r>
+              <a:rPr lang="mr-IN" altLang="zh-TW" dirty="0" smtClean="0">
+                <a:ea typeface="新細明體" pitchFamily="18" charset="-120"/>
+              </a:rPr>
+              <a:t>"</a:t>
+            </a:r>
+            <a:r>
+              <a:rPr lang="en-US" altLang="zh-TW" dirty="0" smtClean="0">
+                <a:ea typeface="新細明體" pitchFamily="18" charset="-120"/>
+              </a:rPr>
+              <a:t>&gt;</a:t>
             </a:r>
           </a:p>
         </p:txBody>
@@ -16258,7 +16247,7 @@
     </p:spTree>
     <p:extLst>
       <p:ext uri="{BB962C8B-B14F-4D97-AF65-F5344CB8AC3E}">
-        <p14:creationId xmlns:p14="http://schemas.microsoft.com/office/powerpoint/2010/main" val="1883989254"/>
+        <p14:creationId xmlns:p14="http://schemas.microsoft.com/office/powerpoint/2010/main" val="301173552"/>
       </p:ext>
     </p:extLst>
   </p:cSld>
@@ -16297,7 +16286,7 @@
       </p:grpSpPr>
       <p:sp>
         <p:nvSpPr>
-          <p:cNvPr id="19458" name="Rectangle 2"/>
+          <p:cNvPr id="18434" name="Rectangle 2"/>
           <p:cNvSpPr>
             <a:spLocks noGrp="1" noChangeArrowheads="1"/>
           </p:cNvSpPr>
@@ -16314,17 +16303,17 @@
               <a:defRPr/>
             </a:pPr>
             <a:r>
-              <a:rPr lang="en-US" altLang="zh-TW" smtClean="0">
-                <a:latin typeface="Times New Roman" pitchFamily="18" charset="0"/>
-              </a:rPr>
-              <a:t>Menu example</a:t>
-            </a:r>
-          </a:p>
-        </p:txBody>
-      </p:sp>
-      <p:sp>
-        <p:nvSpPr>
-          <p:cNvPr id="29699" name="Rectangle 3"/>
+              <a:rPr lang="en-US" altLang="zh-TW" dirty="0" smtClean="0">
+                <a:latin typeface="Times New Roman" pitchFamily="18" charset="0"/>
+              </a:rPr>
+              <a:t>Select (Menu/List)</a:t>
+            </a:r>
+          </a:p>
+        </p:txBody>
+      </p:sp>
+      <p:sp>
+        <p:nvSpPr>
+          <p:cNvPr id="28675" name="Rectangle 3"/>
           <p:cNvSpPr>
             <a:spLocks noGrp="1" noChangeArrowheads="1"/>
           </p:cNvSpPr>
@@ -16343,80 +16332,11 @@
               </a:lnSpc>
             </a:pPr>
             <a:r>
-              <a:rPr lang="en-US" altLang="zh-TW" sz="2800" dirty="0">
-                <a:ea typeface="新細明體" pitchFamily="18" charset="-120"/>
-              </a:rPr>
-              <a:t>&lt;select name</a:t>
-            </a:r>
-            <a:r>
-              <a:rPr lang="en-US" altLang="zh-TW" sz="2800" dirty="0" smtClean="0">
-                <a:ea typeface="新細明體" pitchFamily="18" charset="-120"/>
-              </a:rPr>
-              <a:t>=</a:t>
-            </a:r>
-            <a:r>
-              <a:rPr lang="mr-IN" altLang="zh-TW" sz="2800" dirty="0" smtClean="0">
-                <a:ea typeface="新細明體" pitchFamily="18" charset="-120"/>
-              </a:rPr>
-              <a:t>"</a:t>
-            </a:r>
-            <a:r>
-              <a:rPr lang="en-US" altLang="zh-TW" sz="2800" dirty="0" smtClean="0">
-                <a:ea typeface="新細明體" pitchFamily="18" charset="-120"/>
-              </a:rPr>
-              <a:t>country</a:t>
-            </a:r>
-            <a:r>
-              <a:rPr lang="mr-IN" altLang="zh-TW" sz="2800" dirty="0" smtClean="0">
-                <a:ea typeface="新細明體" pitchFamily="18" charset="-120"/>
-              </a:rPr>
-              <a:t>"</a:t>
-            </a:r>
-            <a:r>
-              <a:rPr lang="en-US" altLang="zh-TW" sz="2800" dirty="0" smtClean="0">
-                <a:ea typeface="新細明體" pitchFamily="18" charset="-120"/>
-              </a:rPr>
-              <a:t> </a:t>
-            </a:r>
-            <a:r>
-              <a:rPr lang="en-US" altLang="zh-TW" sz="2800" dirty="0">
-                <a:ea typeface="新細明體" pitchFamily="18" charset="-120"/>
-              </a:rPr>
-              <a:t>id</a:t>
-            </a:r>
-            <a:r>
-              <a:rPr lang="en-US" altLang="zh-TW" sz="2800" dirty="0" smtClean="0">
-                <a:ea typeface="新細明體" pitchFamily="18" charset="-120"/>
-              </a:rPr>
-              <a:t>=</a:t>
-            </a:r>
-            <a:r>
-              <a:rPr lang="mr-IN" altLang="zh-TW" sz="2800" dirty="0" smtClean="0">
-                <a:ea typeface="新細明體" pitchFamily="18" charset="-120"/>
-              </a:rPr>
-              <a:t>"</a:t>
-            </a:r>
-            <a:r>
-              <a:rPr lang="en-US" altLang="zh-TW" sz="2800" dirty="0" smtClean="0">
-                <a:ea typeface="新細明體" pitchFamily="18" charset="-120"/>
-              </a:rPr>
-              <a:t>country</a:t>
-            </a:r>
-            <a:r>
-              <a:rPr lang="mr-IN" altLang="zh-TW" sz="2800" dirty="0" smtClean="0">
-                <a:ea typeface="新細明體" pitchFamily="18" charset="-120"/>
-              </a:rPr>
-              <a:t>"</a:t>
-            </a:r>
-            <a:r>
-              <a:rPr lang="en-US" altLang="zh-TW" sz="2800" dirty="0" smtClean="0">
-                <a:ea typeface="新細明體" pitchFamily="18" charset="-120"/>
-              </a:rPr>
-              <a:t>&gt;</a:t>
-            </a:r>
-            <a:endParaRPr lang="en-US" altLang="zh-TW" sz="2800" dirty="0">
-              <a:ea typeface="新細明體" pitchFamily="18" charset="-120"/>
-            </a:endParaRPr>
+              <a:rPr lang="en-US" altLang="zh-TW" dirty="0" smtClean="0">
+                <a:ea typeface="新細明體" pitchFamily="18" charset="-120"/>
+              </a:rPr>
+              <a:t>Menus offer users options from which to choose where the choices are too long to display in a browser</a:t>
+            </a:r>
           </a:p>
           <a:p>
             <a:pPr>
@@ -16425,46 +16345,10 @@
               </a:lnSpc>
             </a:pPr>
             <a:r>
-              <a:rPr lang="en-US" altLang="zh-TW" sz="2800" dirty="0">
-                <a:ea typeface="新細明體" pitchFamily="18" charset="-120"/>
-              </a:rPr>
-              <a:t>      &lt;option selected</a:t>
-            </a:r>
-            <a:r>
-              <a:rPr lang="en-US" altLang="zh-TW" sz="2800" dirty="0" smtClean="0">
-                <a:ea typeface="新細明體" pitchFamily="18" charset="-120"/>
-              </a:rPr>
-              <a:t>=</a:t>
-            </a:r>
-            <a:r>
-              <a:rPr lang="mr-IN" altLang="zh-TW" sz="2800" dirty="0" smtClean="0">
-                <a:ea typeface="新細明體" pitchFamily="18" charset="-120"/>
-              </a:rPr>
-              <a:t>"</a:t>
-            </a:r>
-            <a:r>
-              <a:rPr lang="en-US" altLang="zh-TW" sz="2800" dirty="0" smtClean="0">
-                <a:ea typeface="新細明體" pitchFamily="18" charset="-120"/>
-              </a:rPr>
-              <a:t>selected</a:t>
-            </a:r>
-            <a:r>
-              <a:rPr lang="mr-IN" altLang="zh-TW" sz="2800" dirty="0" smtClean="0">
-                <a:ea typeface="新細明體" pitchFamily="18" charset="-120"/>
-              </a:rPr>
-              <a:t>"</a:t>
-            </a:r>
-            <a:r>
-              <a:rPr lang="en-US" altLang="zh-TW" sz="2800" dirty="0" smtClean="0">
-                <a:ea typeface="新細明體" pitchFamily="18" charset="-120"/>
-              </a:rPr>
-              <a:t>&gt; </a:t>
-            </a:r>
-            <a:r>
-              <a:rPr lang="en-US" altLang="zh-TW" sz="2800" dirty="0">
-                <a:ea typeface="新細明體" pitchFamily="18" charset="-120"/>
-              </a:rPr>
-              <a:t>&lt;/option&gt;</a:t>
+              <a:rPr lang="en-US" altLang="zh-TW" dirty="0" smtClean="0">
+                <a:ea typeface="新細明體" pitchFamily="18" charset="-120"/>
+              </a:rPr>
+              <a:t>Two types of menus – pull down menu, list menu</a:t>
             </a:r>
           </a:p>
           <a:p>
@@ -16474,46 +16358,10 @@
               </a:lnSpc>
             </a:pPr>
             <a:r>
-              <a:rPr lang="en-US" altLang="zh-TW" sz="2800" dirty="0">
-                <a:ea typeface="新細明體" pitchFamily="18" charset="-120"/>
-              </a:rPr>
-              <a:t>      &lt;option value</a:t>
-            </a:r>
-            <a:r>
-              <a:rPr lang="en-US" altLang="zh-TW" sz="2800" dirty="0" smtClean="0">
-                <a:ea typeface="新細明體" pitchFamily="18" charset="-120"/>
-              </a:rPr>
-              <a:t>=</a:t>
-            </a:r>
-            <a:r>
-              <a:rPr lang="mr-IN" altLang="zh-TW" sz="2800" dirty="0" smtClean="0">
-                <a:ea typeface="新細明體" pitchFamily="18" charset="-120"/>
-              </a:rPr>
-              <a:t>"</a:t>
-            </a:r>
-            <a:r>
-              <a:rPr lang="en-US" altLang="zh-TW" sz="2800" dirty="0" err="1" smtClean="0">
-                <a:ea typeface="新細明體" pitchFamily="18" charset="-120"/>
-              </a:rPr>
-              <a:t>hk</a:t>
-            </a:r>
-            <a:r>
-              <a:rPr lang="mr-IN" altLang="zh-TW" sz="2800" dirty="0" smtClean="0">
-                <a:ea typeface="新細明體" pitchFamily="18" charset="-120"/>
-              </a:rPr>
-              <a:t>"</a:t>
-            </a:r>
-            <a:r>
-              <a:rPr lang="en-US" altLang="zh-TW" sz="2800" dirty="0" smtClean="0">
-                <a:ea typeface="新細明體" pitchFamily="18" charset="-120"/>
-              </a:rPr>
-              <a:t>&gt;</a:t>
-            </a:r>
-            <a:r>
-              <a:rPr lang="en-US" altLang="zh-TW" sz="2800" dirty="0">
-                <a:ea typeface="新細明體" pitchFamily="18" charset="-120"/>
-              </a:rPr>
-              <a:t>Hong Kong&lt;/option&gt;</a:t>
+              <a:rPr lang="en-US" altLang="zh-TW" dirty="0" smtClean="0">
+                <a:ea typeface="新細明體" pitchFamily="18" charset="-120"/>
+              </a:rPr>
+              <a:t>Pull down menu – select one from a drop list</a:t>
             </a:r>
           </a:p>
           <a:p>
@@ -16523,315 +16371,18 @@
               </a:lnSpc>
             </a:pPr>
             <a:r>
-              <a:rPr lang="en-US" altLang="zh-TW" sz="2800" dirty="0">
-                <a:ea typeface="新細明體" pitchFamily="18" charset="-120"/>
-              </a:rPr>
-              <a:t>      &lt;option value</a:t>
-            </a:r>
-            <a:r>
-              <a:rPr lang="en-US" altLang="zh-TW" sz="2800" dirty="0" smtClean="0">
-                <a:ea typeface="新細明體" pitchFamily="18" charset="-120"/>
-              </a:rPr>
-              <a:t>=</a:t>
-            </a:r>
-            <a:r>
-              <a:rPr lang="mr-IN" altLang="zh-TW" sz="2800" dirty="0" smtClean="0">
-                <a:ea typeface="新細明體" pitchFamily="18" charset="-120"/>
-              </a:rPr>
-              <a:t>"</a:t>
-            </a:r>
-            <a:r>
-              <a:rPr lang="en-US" altLang="zh-TW" sz="2800" dirty="0" smtClean="0">
-                <a:ea typeface="新細明體" pitchFamily="18" charset="-120"/>
-              </a:rPr>
-              <a:t>us</a:t>
-            </a:r>
-            <a:r>
-              <a:rPr lang="mr-IN" altLang="zh-TW" sz="2800" dirty="0" smtClean="0">
-                <a:ea typeface="新細明體" pitchFamily="18" charset="-120"/>
-              </a:rPr>
-              <a:t>"</a:t>
-            </a:r>
-            <a:r>
-              <a:rPr lang="en-US" altLang="zh-TW" sz="2800" dirty="0" smtClean="0">
-                <a:ea typeface="新細明體" pitchFamily="18" charset="-120"/>
-              </a:rPr>
-              <a:t>&gt;</a:t>
-            </a:r>
-            <a:r>
-              <a:rPr lang="en-US" altLang="zh-TW" sz="2800" dirty="0">
-                <a:ea typeface="新細明體" pitchFamily="18" charset="-120"/>
-              </a:rPr>
-              <a:t>United State&lt;/option&gt;</a:t>
-            </a:r>
-          </a:p>
-          <a:p>
-            <a:pPr>
-              <a:lnSpc>
-                <a:spcPct val="80000"/>
-              </a:lnSpc>
-            </a:pPr>
-            <a:r>
-              <a:rPr lang="en-US" altLang="zh-TW" sz="2800" dirty="0">
-                <a:ea typeface="新細明體" pitchFamily="18" charset="-120"/>
-              </a:rPr>
-              <a:t>      &lt;option value</a:t>
-            </a:r>
-            <a:r>
-              <a:rPr lang="en-US" altLang="zh-TW" sz="2800" dirty="0" smtClean="0">
-                <a:ea typeface="新細明體" pitchFamily="18" charset="-120"/>
-              </a:rPr>
-              <a:t>=</a:t>
-            </a:r>
-            <a:r>
-              <a:rPr lang="mr-IN" altLang="zh-TW" sz="2800" dirty="0" smtClean="0">
-                <a:ea typeface="新細明體" pitchFamily="18" charset="-120"/>
-              </a:rPr>
-              <a:t>"</a:t>
-            </a:r>
-            <a:r>
-              <a:rPr lang="en-US" altLang="zh-TW" sz="2800" dirty="0" err="1" smtClean="0">
-                <a:ea typeface="新細明體" pitchFamily="18" charset="-120"/>
-              </a:rPr>
-              <a:t>tw</a:t>
-            </a:r>
-            <a:r>
-              <a:rPr lang="mr-IN" altLang="zh-TW" sz="2800" dirty="0" smtClean="0">
-                <a:ea typeface="新細明體" pitchFamily="18" charset="-120"/>
-              </a:rPr>
-              <a:t>"</a:t>
-            </a:r>
-            <a:r>
-              <a:rPr lang="en-US" altLang="zh-TW" sz="2800" dirty="0" smtClean="0">
-                <a:ea typeface="新細明體" pitchFamily="18" charset="-120"/>
-              </a:rPr>
-              <a:t>&gt;</a:t>
-            </a:r>
-            <a:r>
-              <a:rPr lang="en-US" altLang="zh-TW" sz="2800" dirty="0">
-                <a:ea typeface="新細明體" pitchFamily="18" charset="-120"/>
-              </a:rPr>
-              <a:t>Taiwan&lt;/option&gt;</a:t>
-            </a:r>
-          </a:p>
-          <a:p>
-            <a:pPr>
-              <a:lnSpc>
-                <a:spcPct val="80000"/>
-              </a:lnSpc>
-            </a:pPr>
-            <a:r>
-              <a:rPr lang="en-US" altLang="zh-TW" sz="2800" dirty="0">
-                <a:ea typeface="新細明體" pitchFamily="18" charset="-120"/>
-              </a:rPr>
-              <a:t>      &lt;option value</a:t>
-            </a:r>
-            <a:r>
-              <a:rPr lang="en-US" altLang="zh-TW" sz="2800" dirty="0" smtClean="0">
-                <a:ea typeface="新細明體" pitchFamily="18" charset="-120"/>
-              </a:rPr>
-              <a:t>=</a:t>
-            </a:r>
-            <a:r>
-              <a:rPr lang="mr-IN" altLang="zh-TW" sz="2800" dirty="0" smtClean="0">
-                <a:ea typeface="新細明體" pitchFamily="18" charset="-120"/>
-              </a:rPr>
-              <a:t>"</a:t>
-            </a:r>
-            <a:r>
-              <a:rPr lang="en-US" altLang="zh-TW" sz="2800" dirty="0" err="1" smtClean="0">
-                <a:ea typeface="新細明體" pitchFamily="18" charset="-120"/>
-              </a:rPr>
-              <a:t>cn</a:t>
-            </a:r>
-            <a:r>
-              <a:rPr lang="mr-IN" altLang="zh-TW" sz="2800" dirty="0" smtClean="0">
-                <a:ea typeface="新細明體" pitchFamily="18" charset="-120"/>
-              </a:rPr>
-              <a:t>"</a:t>
-            </a:r>
-            <a:r>
-              <a:rPr lang="en-US" altLang="zh-TW" sz="2800" dirty="0" smtClean="0">
-                <a:ea typeface="新細明體" pitchFamily="18" charset="-120"/>
-              </a:rPr>
-              <a:t>&gt;</a:t>
-            </a:r>
-            <a:r>
-              <a:rPr lang="en-US" altLang="zh-TW" sz="2800" dirty="0">
-                <a:ea typeface="新細明體" pitchFamily="18" charset="-120"/>
-              </a:rPr>
-              <a:t>China&lt;/option&gt;</a:t>
-            </a:r>
-          </a:p>
-          <a:p>
-            <a:pPr>
-              <a:lnSpc>
-                <a:spcPct val="80000"/>
-              </a:lnSpc>
-            </a:pPr>
-            <a:r>
-              <a:rPr lang="en-US" altLang="zh-TW" sz="2800" dirty="0">
-                <a:ea typeface="新細明體" pitchFamily="18" charset="-120"/>
-              </a:rPr>
-              <a:t>      &lt;option value</a:t>
-            </a:r>
-            <a:r>
-              <a:rPr lang="en-US" altLang="zh-TW" sz="2800" dirty="0" smtClean="0">
-                <a:ea typeface="新細明體" pitchFamily="18" charset="-120"/>
-              </a:rPr>
-              <a:t>=</a:t>
-            </a:r>
-            <a:r>
-              <a:rPr lang="mr-IN" altLang="zh-TW" sz="2800" dirty="0" smtClean="0">
-                <a:ea typeface="新細明體" pitchFamily="18" charset="-120"/>
-              </a:rPr>
-              <a:t>"</a:t>
-            </a:r>
-            <a:r>
-              <a:rPr lang="en-US" altLang="zh-TW" sz="2800" dirty="0" err="1" smtClean="0">
-                <a:ea typeface="新細明體" pitchFamily="18" charset="-120"/>
-              </a:rPr>
-              <a:t>kr</a:t>
-            </a:r>
-            <a:r>
-              <a:rPr lang="mr-IN" altLang="zh-TW" sz="2800" dirty="0" smtClean="0">
-                <a:ea typeface="新細明體" pitchFamily="18" charset="-120"/>
-              </a:rPr>
-              <a:t>"</a:t>
-            </a:r>
-            <a:r>
-              <a:rPr lang="en-US" altLang="zh-TW" sz="2800" dirty="0" smtClean="0">
-                <a:ea typeface="新細明體" pitchFamily="18" charset="-120"/>
-              </a:rPr>
-              <a:t>&gt;</a:t>
-            </a:r>
-            <a:r>
-              <a:rPr lang="en-US" altLang="zh-TW" sz="2800" dirty="0">
-                <a:ea typeface="新細明體" pitchFamily="18" charset="-120"/>
-              </a:rPr>
-              <a:t>Korea&lt;/option&gt;</a:t>
-            </a:r>
-          </a:p>
-          <a:p>
-            <a:pPr>
-              <a:lnSpc>
-                <a:spcPct val="80000"/>
-              </a:lnSpc>
-            </a:pPr>
-            <a:r>
-              <a:rPr lang="en-US" altLang="zh-TW" sz="2800" dirty="0">
-                <a:ea typeface="新細明體" pitchFamily="18" charset="-120"/>
-              </a:rPr>
-              <a:t>      &lt;option value</a:t>
-            </a:r>
-            <a:r>
-              <a:rPr lang="en-US" altLang="zh-TW" sz="2800" dirty="0" smtClean="0">
-                <a:ea typeface="新細明體" pitchFamily="18" charset="-120"/>
-              </a:rPr>
-              <a:t>=</a:t>
-            </a:r>
-            <a:r>
-              <a:rPr lang="mr-IN" altLang="zh-TW" sz="2800" dirty="0" smtClean="0">
-                <a:ea typeface="新細明體" pitchFamily="18" charset="-120"/>
-              </a:rPr>
-              <a:t>"</a:t>
-            </a:r>
-            <a:r>
-              <a:rPr lang="en-US" altLang="zh-TW" sz="2800" dirty="0" err="1" smtClean="0">
-                <a:ea typeface="新細明體" pitchFamily="18" charset="-120"/>
-              </a:rPr>
-              <a:t>jp</a:t>
-            </a:r>
-            <a:r>
-              <a:rPr lang="mr-IN" altLang="zh-TW" sz="2800" dirty="0" smtClean="0">
-                <a:ea typeface="新細明體" pitchFamily="18" charset="-120"/>
-              </a:rPr>
-              <a:t>"</a:t>
-            </a:r>
-            <a:r>
-              <a:rPr lang="en-US" altLang="zh-TW" sz="2800" dirty="0" smtClean="0">
-                <a:ea typeface="新細明體" pitchFamily="18" charset="-120"/>
-              </a:rPr>
-              <a:t>&gt;</a:t>
-            </a:r>
-            <a:r>
-              <a:rPr lang="en-US" altLang="zh-TW" sz="2800" dirty="0">
-                <a:ea typeface="新細明體" pitchFamily="18" charset="-120"/>
-              </a:rPr>
-              <a:t>Japan&lt;/option&gt;</a:t>
-            </a:r>
-          </a:p>
-          <a:p>
-            <a:pPr>
-              <a:lnSpc>
-                <a:spcPct val="80000"/>
-              </a:lnSpc>
-            </a:pPr>
-            <a:r>
-              <a:rPr lang="en-US" altLang="zh-TW" sz="2800" dirty="0">
-                <a:ea typeface="新細明體" pitchFamily="18" charset="-120"/>
-              </a:rPr>
-              <a:t>      &lt;option value</a:t>
-            </a:r>
-            <a:r>
-              <a:rPr lang="en-US" altLang="zh-TW" sz="2800" dirty="0" smtClean="0">
-                <a:ea typeface="新細明體" pitchFamily="18" charset="-120"/>
-              </a:rPr>
-              <a:t>=</a:t>
-            </a:r>
-            <a:r>
-              <a:rPr lang="mr-IN" altLang="zh-TW" sz="2800" dirty="0" smtClean="0">
-                <a:ea typeface="新細明體" pitchFamily="18" charset="-120"/>
-              </a:rPr>
-              <a:t>"</a:t>
-            </a:r>
-            <a:r>
-              <a:rPr lang="en-US" altLang="zh-TW" sz="2800" dirty="0" err="1" smtClean="0">
-                <a:ea typeface="新細明體" pitchFamily="18" charset="-120"/>
-              </a:rPr>
-              <a:t>mo</a:t>
-            </a:r>
-            <a:r>
-              <a:rPr lang="mr-IN" altLang="zh-TW" sz="2800" dirty="0" smtClean="0">
-                <a:ea typeface="新細明體" pitchFamily="18" charset="-120"/>
-              </a:rPr>
-              <a:t>"</a:t>
-            </a:r>
-            <a:r>
-              <a:rPr lang="en-US" altLang="zh-TW" sz="2800" dirty="0" smtClean="0">
-                <a:ea typeface="新細明體" pitchFamily="18" charset="-120"/>
-              </a:rPr>
-              <a:t>&gt;</a:t>
-            </a:r>
-            <a:r>
-              <a:rPr lang="en-US" altLang="zh-TW" sz="2800" dirty="0">
-                <a:ea typeface="新細明體" pitchFamily="18" charset="-120"/>
-              </a:rPr>
-              <a:t>Macau&lt;/option&gt;</a:t>
-            </a:r>
-          </a:p>
-          <a:p>
-            <a:pPr>
-              <a:lnSpc>
-                <a:spcPct val="80000"/>
-              </a:lnSpc>
-            </a:pPr>
-            <a:r>
-              <a:rPr lang="en-US" altLang="zh-TW" sz="2800" dirty="0">
-                <a:ea typeface="新細明體" pitchFamily="18" charset="-120"/>
-              </a:rPr>
-              <a:t>    &lt;/select&gt;</a:t>
-            </a:r>
-            <a:endParaRPr lang="en-US" altLang="zh-TW" sz="2800" dirty="0" smtClean="0">
-              <a:ea typeface="新細明體" pitchFamily="18" charset="-120"/>
-            </a:endParaRPr>
+              <a:rPr lang="en-US" altLang="zh-TW" dirty="0" smtClean="0">
+                <a:ea typeface="新細明體" pitchFamily="18" charset="-120"/>
+              </a:rPr>
+              <a:t>List menu – select one or multiple items from a list menu.  By pressing Ctrl key, you can select multiple selection</a:t>
+            </a:r>
           </a:p>
         </p:txBody>
       </p:sp>
     </p:spTree>
     <p:extLst>
       <p:ext uri="{BB962C8B-B14F-4D97-AF65-F5344CB8AC3E}">
-        <p14:creationId xmlns:p14="http://schemas.microsoft.com/office/powerpoint/2010/main" val="765908233"/>
+        <p14:creationId xmlns:p14="http://schemas.microsoft.com/office/powerpoint/2010/main" val="1883989254"/>
       </p:ext>
     </p:extLst>
   </p:cSld>
@@ -16870,7 +16421,7 @@
       </p:grpSpPr>
       <p:sp>
         <p:nvSpPr>
-          <p:cNvPr id="20482" name="Rectangle 2"/>
+          <p:cNvPr id="19458" name="Rectangle 2"/>
           <p:cNvSpPr>
             <a:spLocks noGrp="1" noChangeArrowheads="1"/>
           </p:cNvSpPr>
@@ -16890,14 +16441,14 @@
               <a:rPr lang="en-US" altLang="zh-TW" smtClean="0">
                 <a:latin typeface="Times New Roman" pitchFamily="18" charset="0"/>
               </a:rPr>
-              <a:t>Buttons</a:t>
-            </a:r>
-          </a:p>
-        </p:txBody>
-      </p:sp>
-      <p:sp>
-        <p:nvSpPr>
-          <p:cNvPr id="30723" name="Rectangle 3"/>
+              <a:t>Menu example</a:t>
+            </a:r>
+          </a:p>
+        </p:txBody>
+      </p:sp>
+      <p:sp>
+        <p:nvSpPr>
+          <p:cNvPr id="29699" name="Rectangle 3"/>
           <p:cNvSpPr>
             <a:spLocks noGrp="1" noChangeArrowheads="1"/>
           </p:cNvSpPr>
@@ -16910,43 +16461,501 @@
           <a:bodyPr/>
           <a:lstStyle/>
           <a:p>
-            <a:r>
-              <a:rPr lang="en-US" altLang="zh-TW" smtClean="0">
-                <a:ea typeface="新細明體" pitchFamily="18" charset="-120"/>
-              </a:rPr>
-              <a:t>three types of buttons – submit, reset, push</a:t>
-            </a:r>
-          </a:p>
-          <a:p>
-            <a:r>
-              <a:rPr lang="en-US" altLang="zh-TW" smtClean="0">
-                <a:ea typeface="新細明體" pitchFamily="18" charset="-120"/>
-              </a:rPr>
-              <a:t>Submit button - when activated, it submits a form</a:t>
-            </a:r>
-          </a:p>
-          <a:p>
-            <a:r>
-              <a:rPr lang="en-US" altLang="zh-TW" smtClean="0">
-                <a:ea typeface="新細明體" pitchFamily="18" charset="-120"/>
-              </a:rPr>
-              <a:t>Reset button - when activated, it resets all controls to their initial values</a:t>
-            </a:r>
-          </a:p>
-          <a:p>
-            <a:r>
-              <a:rPr lang="en-US" altLang="zh-TW" smtClean="0">
-                <a:ea typeface="新細明體" pitchFamily="18" charset="-120"/>
-              </a:rPr>
-              <a:t>Push button - each push button may have client-side scripts associated with the element's event attributes</a:t>
-            </a:r>
+            <a:pPr>
+              <a:lnSpc>
+                <a:spcPct val="80000"/>
+              </a:lnSpc>
+            </a:pPr>
+            <a:r>
+              <a:rPr lang="en-US" altLang="zh-TW" sz="2800" dirty="0">
+                <a:ea typeface="新細明體" pitchFamily="18" charset="-120"/>
+              </a:rPr>
+              <a:t>&lt;select name</a:t>
+            </a:r>
+            <a:r>
+              <a:rPr lang="en-US" altLang="zh-TW" sz="2800" dirty="0" smtClean="0">
+                <a:ea typeface="新細明體" pitchFamily="18" charset="-120"/>
+              </a:rPr>
+              <a:t>=</a:t>
+            </a:r>
+            <a:r>
+              <a:rPr lang="mr-IN" altLang="zh-TW" sz="2800" dirty="0" smtClean="0">
+                <a:ea typeface="新細明體" pitchFamily="18" charset="-120"/>
+              </a:rPr>
+              <a:t>"</a:t>
+            </a:r>
+            <a:r>
+              <a:rPr lang="en-US" altLang="zh-TW" sz="2800" dirty="0" smtClean="0">
+                <a:ea typeface="新細明體" pitchFamily="18" charset="-120"/>
+              </a:rPr>
+              <a:t>country</a:t>
+            </a:r>
+            <a:r>
+              <a:rPr lang="mr-IN" altLang="zh-TW" sz="2800" dirty="0" smtClean="0">
+                <a:ea typeface="新細明體" pitchFamily="18" charset="-120"/>
+              </a:rPr>
+              <a:t>"</a:t>
+            </a:r>
+            <a:r>
+              <a:rPr lang="en-US" altLang="zh-TW" sz="2800" dirty="0" smtClean="0">
+                <a:ea typeface="新細明體" pitchFamily="18" charset="-120"/>
+              </a:rPr>
+              <a:t> </a:t>
+            </a:r>
+            <a:r>
+              <a:rPr lang="en-US" altLang="zh-TW" sz="2800" dirty="0">
+                <a:ea typeface="新細明體" pitchFamily="18" charset="-120"/>
+              </a:rPr>
+              <a:t>id</a:t>
+            </a:r>
+            <a:r>
+              <a:rPr lang="en-US" altLang="zh-TW" sz="2800" dirty="0" smtClean="0">
+                <a:ea typeface="新細明體" pitchFamily="18" charset="-120"/>
+              </a:rPr>
+              <a:t>=</a:t>
+            </a:r>
+            <a:r>
+              <a:rPr lang="mr-IN" altLang="zh-TW" sz="2800" dirty="0" smtClean="0">
+                <a:ea typeface="新細明體" pitchFamily="18" charset="-120"/>
+              </a:rPr>
+              <a:t>"</a:t>
+            </a:r>
+            <a:r>
+              <a:rPr lang="en-US" altLang="zh-TW" sz="2800" dirty="0" smtClean="0">
+                <a:ea typeface="新細明體" pitchFamily="18" charset="-120"/>
+              </a:rPr>
+              <a:t>country</a:t>
+            </a:r>
+            <a:r>
+              <a:rPr lang="mr-IN" altLang="zh-TW" sz="2800" dirty="0" smtClean="0">
+                <a:ea typeface="新細明體" pitchFamily="18" charset="-120"/>
+              </a:rPr>
+              <a:t>"</a:t>
+            </a:r>
+            <a:r>
+              <a:rPr lang="en-US" altLang="zh-TW" sz="2800" dirty="0" smtClean="0">
+                <a:ea typeface="新細明體" pitchFamily="18" charset="-120"/>
+              </a:rPr>
+              <a:t>&gt;</a:t>
+            </a:r>
+            <a:endParaRPr lang="en-US" altLang="zh-TW" sz="2800" dirty="0">
+              <a:ea typeface="新細明體" pitchFamily="18" charset="-120"/>
+            </a:endParaRPr>
+          </a:p>
+          <a:p>
+            <a:pPr>
+              <a:lnSpc>
+                <a:spcPct val="80000"/>
+              </a:lnSpc>
+            </a:pPr>
+            <a:r>
+              <a:rPr lang="en-US" altLang="zh-TW" sz="2800" dirty="0">
+                <a:ea typeface="新細明體" pitchFamily="18" charset="-120"/>
+              </a:rPr>
+              <a:t>      &lt;option selected</a:t>
+            </a:r>
+            <a:r>
+              <a:rPr lang="en-US" altLang="zh-TW" sz="2800" dirty="0" smtClean="0">
+                <a:ea typeface="新細明體" pitchFamily="18" charset="-120"/>
+              </a:rPr>
+              <a:t>=</a:t>
+            </a:r>
+            <a:r>
+              <a:rPr lang="mr-IN" altLang="zh-TW" sz="2800" dirty="0" smtClean="0">
+                <a:ea typeface="新細明體" pitchFamily="18" charset="-120"/>
+              </a:rPr>
+              <a:t>"</a:t>
+            </a:r>
+            <a:r>
+              <a:rPr lang="en-US" altLang="zh-TW" sz="2800" dirty="0" smtClean="0">
+                <a:ea typeface="新細明體" pitchFamily="18" charset="-120"/>
+              </a:rPr>
+              <a:t>selected</a:t>
+            </a:r>
+            <a:r>
+              <a:rPr lang="mr-IN" altLang="zh-TW" sz="2800" dirty="0" smtClean="0">
+                <a:ea typeface="新細明體" pitchFamily="18" charset="-120"/>
+              </a:rPr>
+              <a:t>"</a:t>
+            </a:r>
+            <a:r>
+              <a:rPr lang="en-US" altLang="zh-TW" sz="2800" dirty="0" smtClean="0">
+                <a:ea typeface="新細明體" pitchFamily="18" charset="-120"/>
+              </a:rPr>
+              <a:t>&gt; </a:t>
+            </a:r>
+            <a:r>
+              <a:rPr lang="en-US" altLang="zh-TW" sz="2800" dirty="0">
+                <a:ea typeface="新細明體" pitchFamily="18" charset="-120"/>
+              </a:rPr>
+              <a:t>&lt;/option&gt;</a:t>
+            </a:r>
+          </a:p>
+          <a:p>
+            <a:pPr>
+              <a:lnSpc>
+                <a:spcPct val="80000"/>
+              </a:lnSpc>
+            </a:pPr>
+            <a:r>
+              <a:rPr lang="en-US" altLang="zh-TW" sz="2800" dirty="0">
+                <a:ea typeface="新細明體" pitchFamily="18" charset="-120"/>
+              </a:rPr>
+              <a:t>      &lt;option value</a:t>
+            </a:r>
+            <a:r>
+              <a:rPr lang="en-US" altLang="zh-TW" sz="2800" dirty="0" smtClean="0">
+                <a:ea typeface="新細明體" pitchFamily="18" charset="-120"/>
+              </a:rPr>
+              <a:t>=</a:t>
+            </a:r>
+            <a:r>
+              <a:rPr lang="mr-IN" altLang="zh-TW" sz="2800" dirty="0" smtClean="0">
+                <a:ea typeface="新細明體" pitchFamily="18" charset="-120"/>
+              </a:rPr>
+              <a:t>"</a:t>
+            </a:r>
+            <a:r>
+              <a:rPr lang="en-US" altLang="zh-TW" sz="2800" dirty="0" err="1" smtClean="0">
+                <a:ea typeface="新細明體" pitchFamily="18" charset="-120"/>
+              </a:rPr>
+              <a:t>hk</a:t>
+            </a:r>
+            <a:r>
+              <a:rPr lang="mr-IN" altLang="zh-TW" sz="2800" dirty="0" smtClean="0">
+                <a:ea typeface="新細明體" pitchFamily="18" charset="-120"/>
+              </a:rPr>
+              <a:t>"</a:t>
+            </a:r>
+            <a:r>
+              <a:rPr lang="en-US" altLang="zh-TW" sz="2800" dirty="0" smtClean="0">
+                <a:ea typeface="新細明體" pitchFamily="18" charset="-120"/>
+              </a:rPr>
+              <a:t>&gt;</a:t>
+            </a:r>
+            <a:r>
+              <a:rPr lang="en-US" altLang="zh-TW" sz="2800" dirty="0">
+                <a:ea typeface="新細明體" pitchFamily="18" charset="-120"/>
+              </a:rPr>
+              <a:t>Hong Kong&lt;/option&gt;</a:t>
+            </a:r>
+          </a:p>
+          <a:p>
+            <a:pPr>
+              <a:lnSpc>
+                <a:spcPct val="80000"/>
+              </a:lnSpc>
+            </a:pPr>
+            <a:r>
+              <a:rPr lang="en-US" altLang="zh-TW" sz="2800" dirty="0">
+                <a:ea typeface="新細明體" pitchFamily="18" charset="-120"/>
+              </a:rPr>
+              <a:t>      &lt;option value</a:t>
+            </a:r>
+            <a:r>
+              <a:rPr lang="en-US" altLang="zh-TW" sz="2800" dirty="0" smtClean="0">
+                <a:ea typeface="新細明體" pitchFamily="18" charset="-120"/>
+              </a:rPr>
+              <a:t>=</a:t>
+            </a:r>
+            <a:r>
+              <a:rPr lang="mr-IN" altLang="zh-TW" sz="2800" dirty="0" smtClean="0">
+                <a:ea typeface="新細明體" pitchFamily="18" charset="-120"/>
+              </a:rPr>
+              <a:t>"</a:t>
+            </a:r>
+            <a:r>
+              <a:rPr lang="en-US" altLang="zh-TW" sz="2800" dirty="0" smtClean="0">
+                <a:ea typeface="新細明體" pitchFamily="18" charset="-120"/>
+              </a:rPr>
+              <a:t>us</a:t>
+            </a:r>
+            <a:r>
+              <a:rPr lang="mr-IN" altLang="zh-TW" sz="2800" dirty="0" smtClean="0">
+                <a:ea typeface="新細明體" pitchFamily="18" charset="-120"/>
+              </a:rPr>
+              <a:t>"</a:t>
+            </a:r>
+            <a:r>
+              <a:rPr lang="en-US" altLang="zh-TW" sz="2800" dirty="0" smtClean="0">
+                <a:ea typeface="新細明體" pitchFamily="18" charset="-120"/>
+              </a:rPr>
+              <a:t>&gt;</a:t>
+            </a:r>
+            <a:r>
+              <a:rPr lang="en-US" altLang="zh-TW" sz="2800" dirty="0">
+                <a:ea typeface="新細明體" pitchFamily="18" charset="-120"/>
+              </a:rPr>
+              <a:t>United State&lt;/option&gt;</a:t>
+            </a:r>
+          </a:p>
+          <a:p>
+            <a:pPr>
+              <a:lnSpc>
+                <a:spcPct val="80000"/>
+              </a:lnSpc>
+            </a:pPr>
+            <a:r>
+              <a:rPr lang="en-US" altLang="zh-TW" sz="2800" dirty="0">
+                <a:ea typeface="新細明體" pitchFamily="18" charset="-120"/>
+              </a:rPr>
+              <a:t>      &lt;option value</a:t>
+            </a:r>
+            <a:r>
+              <a:rPr lang="en-US" altLang="zh-TW" sz="2800" dirty="0" smtClean="0">
+                <a:ea typeface="新細明體" pitchFamily="18" charset="-120"/>
+              </a:rPr>
+              <a:t>=</a:t>
+            </a:r>
+            <a:r>
+              <a:rPr lang="mr-IN" altLang="zh-TW" sz="2800" dirty="0" smtClean="0">
+                <a:ea typeface="新細明體" pitchFamily="18" charset="-120"/>
+              </a:rPr>
+              <a:t>"</a:t>
+            </a:r>
+            <a:r>
+              <a:rPr lang="en-US" altLang="zh-TW" sz="2800" dirty="0" err="1" smtClean="0">
+                <a:ea typeface="新細明體" pitchFamily="18" charset="-120"/>
+              </a:rPr>
+              <a:t>tw</a:t>
+            </a:r>
+            <a:r>
+              <a:rPr lang="mr-IN" altLang="zh-TW" sz="2800" dirty="0" smtClean="0">
+                <a:ea typeface="新細明體" pitchFamily="18" charset="-120"/>
+              </a:rPr>
+              <a:t>"</a:t>
+            </a:r>
+            <a:r>
+              <a:rPr lang="en-US" altLang="zh-TW" sz="2800" dirty="0" smtClean="0">
+                <a:ea typeface="新細明體" pitchFamily="18" charset="-120"/>
+              </a:rPr>
+              <a:t>&gt;</a:t>
+            </a:r>
+            <a:r>
+              <a:rPr lang="en-US" altLang="zh-TW" sz="2800" dirty="0">
+                <a:ea typeface="新細明體" pitchFamily="18" charset="-120"/>
+              </a:rPr>
+              <a:t>Taiwan&lt;/option&gt;</a:t>
+            </a:r>
+          </a:p>
+          <a:p>
+            <a:pPr>
+              <a:lnSpc>
+                <a:spcPct val="80000"/>
+              </a:lnSpc>
+            </a:pPr>
+            <a:r>
+              <a:rPr lang="en-US" altLang="zh-TW" sz="2800" dirty="0">
+                <a:ea typeface="新細明體" pitchFamily="18" charset="-120"/>
+              </a:rPr>
+              <a:t>      &lt;option value</a:t>
+            </a:r>
+            <a:r>
+              <a:rPr lang="en-US" altLang="zh-TW" sz="2800" dirty="0" smtClean="0">
+                <a:ea typeface="新細明體" pitchFamily="18" charset="-120"/>
+              </a:rPr>
+              <a:t>=</a:t>
+            </a:r>
+            <a:r>
+              <a:rPr lang="mr-IN" altLang="zh-TW" sz="2800" dirty="0" smtClean="0">
+                <a:ea typeface="新細明體" pitchFamily="18" charset="-120"/>
+              </a:rPr>
+              <a:t>"</a:t>
+            </a:r>
+            <a:r>
+              <a:rPr lang="en-US" altLang="zh-TW" sz="2800" dirty="0" err="1" smtClean="0">
+                <a:ea typeface="新細明體" pitchFamily="18" charset="-120"/>
+              </a:rPr>
+              <a:t>cn</a:t>
+            </a:r>
+            <a:r>
+              <a:rPr lang="mr-IN" altLang="zh-TW" sz="2800" dirty="0" smtClean="0">
+                <a:ea typeface="新細明體" pitchFamily="18" charset="-120"/>
+              </a:rPr>
+              <a:t>"</a:t>
+            </a:r>
+            <a:r>
+              <a:rPr lang="en-US" altLang="zh-TW" sz="2800" dirty="0" smtClean="0">
+                <a:ea typeface="新細明體" pitchFamily="18" charset="-120"/>
+              </a:rPr>
+              <a:t>&gt;</a:t>
+            </a:r>
+            <a:r>
+              <a:rPr lang="en-US" altLang="zh-TW" sz="2800" dirty="0">
+                <a:ea typeface="新細明體" pitchFamily="18" charset="-120"/>
+              </a:rPr>
+              <a:t>China&lt;/option&gt;</a:t>
+            </a:r>
+          </a:p>
+          <a:p>
+            <a:pPr>
+              <a:lnSpc>
+                <a:spcPct val="80000"/>
+              </a:lnSpc>
+            </a:pPr>
+            <a:r>
+              <a:rPr lang="en-US" altLang="zh-TW" sz="2800" dirty="0">
+                <a:ea typeface="新細明體" pitchFamily="18" charset="-120"/>
+              </a:rPr>
+              <a:t>      &lt;option value</a:t>
+            </a:r>
+            <a:r>
+              <a:rPr lang="en-US" altLang="zh-TW" sz="2800" dirty="0" smtClean="0">
+                <a:ea typeface="新細明體" pitchFamily="18" charset="-120"/>
+              </a:rPr>
+              <a:t>=</a:t>
+            </a:r>
+            <a:r>
+              <a:rPr lang="mr-IN" altLang="zh-TW" sz="2800" dirty="0" smtClean="0">
+                <a:ea typeface="新細明體" pitchFamily="18" charset="-120"/>
+              </a:rPr>
+              <a:t>"</a:t>
+            </a:r>
+            <a:r>
+              <a:rPr lang="en-US" altLang="zh-TW" sz="2800" dirty="0" err="1" smtClean="0">
+                <a:ea typeface="新細明體" pitchFamily="18" charset="-120"/>
+              </a:rPr>
+              <a:t>kr</a:t>
+            </a:r>
+            <a:r>
+              <a:rPr lang="mr-IN" altLang="zh-TW" sz="2800" dirty="0" smtClean="0">
+                <a:ea typeface="新細明體" pitchFamily="18" charset="-120"/>
+              </a:rPr>
+              <a:t>"</a:t>
+            </a:r>
+            <a:r>
+              <a:rPr lang="en-US" altLang="zh-TW" sz="2800" dirty="0" smtClean="0">
+                <a:ea typeface="新細明體" pitchFamily="18" charset="-120"/>
+              </a:rPr>
+              <a:t>&gt;</a:t>
+            </a:r>
+            <a:r>
+              <a:rPr lang="en-US" altLang="zh-TW" sz="2800" dirty="0">
+                <a:ea typeface="新細明體" pitchFamily="18" charset="-120"/>
+              </a:rPr>
+              <a:t>Korea&lt;/option&gt;</a:t>
+            </a:r>
+          </a:p>
+          <a:p>
+            <a:pPr>
+              <a:lnSpc>
+                <a:spcPct val="80000"/>
+              </a:lnSpc>
+            </a:pPr>
+            <a:r>
+              <a:rPr lang="en-US" altLang="zh-TW" sz="2800" dirty="0">
+                <a:ea typeface="新細明體" pitchFamily="18" charset="-120"/>
+              </a:rPr>
+              <a:t>      &lt;option value</a:t>
+            </a:r>
+            <a:r>
+              <a:rPr lang="en-US" altLang="zh-TW" sz="2800" dirty="0" smtClean="0">
+                <a:ea typeface="新細明體" pitchFamily="18" charset="-120"/>
+              </a:rPr>
+              <a:t>=</a:t>
+            </a:r>
+            <a:r>
+              <a:rPr lang="mr-IN" altLang="zh-TW" sz="2800" dirty="0" smtClean="0">
+                <a:ea typeface="新細明體" pitchFamily="18" charset="-120"/>
+              </a:rPr>
+              <a:t>"</a:t>
+            </a:r>
+            <a:r>
+              <a:rPr lang="en-US" altLang="zh-TW" sz="2800" dirty="0" err="1" smtClean="0">
+                <a:ea typeface="新細明體" pitchFamily="18" charset="-120"/>
+              </a:rPr>
+              <a:t>jp</a:t>
+            </a:r>
+            <a:r>
+              <a:rPr lang="mr-IN" altLang="zh-TW" sz="2800" dirty="0" smtClean="0">
+                <a:ea typeface="新細明體" pitchFamily="18" charset="-120"/>
+              </a:rPr>
+              <a:t>"</a:t>
+            </a:r>
+            <a:r>
+              <a:rPr lang="en-US" altLang="zh-TW" sz="2800" dirty="0" smtClean="0">
+                <a:ea typeface="新細明體" pitchFamily="18" charset="-120"/>
+              </a:rPr>
+              <a:t>&gt;</a:t>
+            </a:r>
+            <a:r>
+              <a:rPr lang="en-US" altLang="zh-TW" sz="2800" dirty="0">
+                <a:ea typeface="新細明體" pitchFamily="18" charset="-120"/>
+              </a:rPr>
+              <a:t>Japan&lt;/option&gt;</a:t>
+            </a:r>
+          </a:p>
+          <a:p>
+            <a:pPr>
+              <a:lnSpc>
+                <a:spcPct val="80000"/>
+              </a:lnSpc>
+            </a:pPr>
+            <a:r>
+              <a:rPr lang="en-US" altLang="zh-TW" sz="2800" dirty="0">
+                <a:ea typeface="新細明體" pitchFamily="18" charset="-120"/>
+              </a:rPr>
+              <a:t>      &lt;option value</a:t>
+            </a:r>
+            <a:r>
+              <a:rPr lang="en-US" altLang="zh-TW" sz="2800" dirty="0" smtClean="0">
+                <a:ea typeface="新細明體" pitchFamily="18" charset="-120"/>
+              </a:rPr>
+              <a:t>=</a:t>
+            </a:r>
+            <a:r>
+              <a:rPr lang="mr-IN" altLang="zh-TW" sz="2800" dirty="0" smtClean="0">
+                <a:ea typeface="新細明體" pitchFamily="18" charset="-120"/>
+              </a:rPr>
+              <a:t>"</a:t>
+            </a:r>
+            <a:r>
+              <a:rPr lang="en-US" altLang="zh-TW" sz="2800" dirty="0" err="1" smtClean="0">
+                <a:ea typeface="新細明體" pitchFamily="18" charset="-120"/>
+              </a:rPr>
+              <a:t>mo</a:t>
+            </a:r>
+            <a:r>
+              <a:rPr lang="mr-IN" altLang="zh-TW" sz="2800" dirty="0" smtClean="0">
+                <a:ea typeface="新細明體" pitchFamily="18" charset="-120"/>
+              </a:rPr>
+              <a:t>"</a:t>
+            </a:r>
+            <a:r>
+              <a:rPr lang="en-US" altLang="zh-TW" sz="2800" dirty="0" smtClean="0">
+                <a:ea typeface="新細明體" pitchFamily="18" charset="-120"/>
+              </a:rPr>
+              <a:t>&gt;</a:t>
+            </a:r>
+            <a:r>
+              <a:rPr lang="en-US" altLang="zh-TW" sz="2800" dirty="0">
+                <a:ea typeface="新細明體" pitchFamily="18" charset="-120"/>
+              </a:rPr>
+              <a:t>Macau&lt;/option&gt;</a:t>
+            </a:r>
+          </a:p>
+          <a:p>
+            <a:pPr>
+              <a:lnSpc>
+                <a:spcPct val="80000"/>
+              </a:lnSpc>
+            </a:pPr>
+            <a:r>
+              <a:rPr lang="en-US" altLang="zh-TW" sz="2800" dirty="0">
+                <a:ea typeface="新細明體" pitchFamily="18" charset="-120"/>
+              </a:rPr>
+              <a:t>    &lt;/select&gt;</a:t>
+            </a:r>
+            <a:endParaRPr lang="en-US" altLang="zh-TW" sz="2800" dirty="0" smtClean="0">
+              <a:ea typeface="新細明體" pitchFamily="18" charset="-120"/>
+            </a:endParaRPr>
           </a:p>
         </p:txBody>
       </p:sp>
     </p:spTree>
     <p:extLst>
       <p:ext uri="{BB962C8B-B14F-4D97-AF65-F5344CB8AC3E}">
-        <p14:creationId xmlns:p14="http://schemas.microsoft.com/office/powerpoint/2010/main" val="1910102539"/>
+        <p14:creationId xmlns:p14="http://schemas.microsoft.com/office/powerpoint/2010/main" val="765908233"/>
       </p:ext>
     </p:extLst>
   </p:cSld>
@@ -16985,7 +16994,7 @@
       </p:grpSpPr>
       <p:sp>
         <p:nvSpPr>
-          <p:cNvPr id="21506" name="Rectangle 2"/>
+          <p:cNvPr id="20482" name="Rectangle 2"/>
           <p:cNvSpPr>
             <a:spLocks noGrp="1" noChangeArrowheads="1"/>
           </p:cNvSpPr>
@@ -17005,14 +17014,14 @@
               <a:rPr lang="en-US" altLang="zh-TW" smtClean="0">
                 <a:latin typeface="Times New Roman" pitchFamily="18" charset="0"/>
               </a:rPr>
-              <a:t>Buttons example</a:t>
-            </a:r>
-          </a:p>
-        </p:txBody>
-      </p:sp>
-      <p:sp>
-        <p:nvSpPr>
-          <p:cNvPr id="31747" name="Rectangle 3"/>
+              <a:t>Buttons</a:t>
+            </a:r>
+          </a:p>
+        </p:txBody>
+      </p:sp>
+      <p:sp>
+        <p:nvSpPr>
+          <p:cNvPr id="30723" name="Rectangle 3"/>
           <p:cNvSpPr>
             <a:spLocks noGrp="1" noChangeArrowheads="1"/>
           </p:cNvSpPr>
@@ -17026,323 +17035,42 @@
           <a:lstStyle/>
           <a:p>
             <a:r>
-              <a:rPr lang="en-US" altLang="zh-TW" dirty="0">
-                <a:ea typeface="新細明體" pitchFamily="18" charset="-120"/>
-              </a:rPr>
-              <a:t>&lt;input type</a:t>
-            </a:r>
-            <a:r>
-              <a:rPr lang="en-US" altLang="zh-TW" dirty="0" smtClean="0">
-                <a:ea typeface="新細明體" pitchFamily="18" charset="-120"/>
-              </a:rPr>
-              <a:t>=</a:t>
-            </a:r>
-            <a:r>
-              <a:rPr lang="mr-IN" altLang="zh-TW" dirty="0" smtClean="0">
-                <a:ea typeface="新細明體" pitchFamily="18" charset="-120"/>
-              </a:rPr>
-              <a:t>"</a:t>
-            </a:r>
-            <a:r>
-              <a:rPr lang="en-US" altLang="zh-TW" dirty="0" smtClean="0">
-                <a:ea typeface="新細明體" pitchFamily="18" charset="-120"/>
-              </a:rPr>
-              <a:t>submit</a:t>
-            </a:r>
-            <a:r>
-              <a:rPr lang="mr-IN" altLang="zh-TW" dirty="0" smtClean="0">
-                <a:ea typeface="新細明體" pitchFamily="18" charset="-120"/>
-              </a:rPr>
-              <a:t>"</a:t>
-            </a:r>
-            <a:r>
-              <a:rPr lang="en-US" altLang="zh-TW" dirty="0" smtClean="0">
-                <a:ea typeface="新細明體" pitchFamily="18" charset="-120"/>
-              </a:rPr>
-              <a:t> </a:t>
-            </a:r>
-            <a:r>
-              <a:rPr lang="en-US" altLang="zh-TW" dirty="0">
-                <a:ea typeface="新細明體" pitchFamily="18" charset="-120"/>
-              </a:rPr>
-              <a:t>name</a:t>
-            </a:r>
-            <a:r>
-              <a:rPr lang="en-US" altLang="zh-TW" dirty="0" smtClean="0">
-                <a:ea typeface="新細明體" pitchFamily="18" charset="-120"/>
-              </a:rPr>
-              <a:t>=</a:t>
-            </a:r>
-            <a:r>
-              <a:rPr lang="mr-IN" altLang="zh-TW" dirty="0" smtClean="0">
-                <a:ea typeface="新細明體" pitchFamily="18" charset="-120"/>
-              </a:rPr>
-              <a:t>"</a:t>
-            </a:r>
-            <a:r>
-              <a:rPr lang="en-US" altLang="zh-TW" dirty="0" smtClean="0">
-                <a:ea typeface="新細明體" pitchFamily="18" charset="-120"/>
-              </a:rPr>
-              <a:t>submit</a:t>
-            </a:r>
-            <a:r>
-              <a:rPr lang="mr-IN" altLang="zh-TW" dirty="0" smtClean="0">
-                <a:ea typeface="新細明體" pitchFamily="18" charset="-120"/>
-              </a:rPr>
-              <a:t>"</a:t>
-            </a:r>
-            <a:r>
-              <a:rPr lang="en-US" altLang="zh-TW" dirty="0" smtClean="0">
-                <a:ea typeface="新細明體" pitchFamily="18" charset="-120"/>
-              </a:rPr>
-              <a:t> </a:t>
-            </a:r>
-            <a:r>
-              <a:rPr lang="en-US" altLang="zh-TW" dirty="0">
-                <a:ea typeface="新細明體" pitchFamily="18" charset="-120"/>
-              </a:rPr>
-              <a:t>id</a:t>
-            </a:r>
-            <a:r>
-              <a:rPr lang="en-US" altLang="zh-TW" dirty="0" smtClean="0">
-                <a:ea typeface="新細明體" pitchFamily="18" charset="-120"/>
-              </a:rPr>
-              <a:t>=</a:t>
-            </a:r>
-            <a:r>
-              <a:rPr lang="mr-IN" altLang="zh-TW" dirty="0" smtClean="0">
-                <a:ea typeface="新細明體" pitchFamily="18" charset="-120"/>
-              </a:rPr>
-              <a:t>"</a:t>
-            </a:r>
-            <a:r>
-              <a:rPr lang="en-US" altLang="zh-TW" dirty="0" smtClean="0">
-                <a:ea typeface="新細明體" pitchFamily="18" charset="-120"/>
-              </a:rPr>
-              <a:t>submit</a:t>
-            </a:r>
-            <a:r>
-              <a:rPr lang="mr-IN" altLang="zh-TW" dirty="0" smtClean="0">
-                <a:ea typeface="新細明體" pitchFamily="18" charset="-120"/>
-              </a:rPr>
-              <a:t>"</a:t>
-            </a:r>
-            <a:r>
-              <a:rPr lang="en-US" altLang="zh-TW" dirty="0" smtClean="0">
-                <a:ea typeface="新細明體" pitchFamily="18" charset="-120"/>
-              </a:rPr>
-              <a:t> </a:t>
-            </a:r>
-            <a:r>
-              <a:rPr lang="en-US" altLang="zh-TW" dirty="0">
-                <a:ea typeface="新細明體" pitchFamily="18" charset="-120"/>
-              </a:rPr>
-              <a:t>value</a:t>
-            </a:r>
-            <a:r>
-              <a:rPr lang="en-US" altLang="zh-TW" dirty="0" smtClean="0">
-                <a:ea typeface="新細明體" pitchFamily="18" charset="-120"/>
-              </a:rPr>
-              <a:t>=</a:t>
-            </a:r>
-            <a:r>
-              <a:rPr lang="mr-IN" altLang="zh-TW" dirty="0" smtClean="0">
-                <a:ea typeface="新細明體" pitchFamily="18" charset="-120"/>
-              </a:rPr>
-              <a:t>"</a:t>
-            </a:r>
-            <a:r>
-              <a:rPr lang="en-US" altLang="zh-TW" dirty="0" smtClean="0">
-                <a:ea typeface="新細明體" pitchFamily="18" charset="-120"/>
-              </a:rPr>
-              <a:t>Submit</a:t>
-            </a:r>
-            <a:r>
-              <a:rPr lang="mr-IN" altLang="zh-TW" dirty="0" smtClean="0">
-                <a:ea typeface="新細明體" pitchFamily="18" charset="-120"/>
-              </a:rPr>
-              <a:t>"</a:t>
-            </a:r>
-            <a:r>
-              <a:rPr lang="en-US" altLang="zh-TW" dirty="0" smtClean="0">
-                <a:ea typeface="新細明體" pitchFamily="18" charset="-120"/>
-              </a:rPr>
-              <a:t> </a:t>
-            </a:r>
-            <a:r>
-              <a:rPr lang="en-US" altLang="zh-TW" dirty="0">
-                <a:ea typeface="新細明體" pitchFamily="18" charset="-120"/>
-              </a:rPr>
-              <a:t>/&gt;</a:t>
-            </a:r>
-          </a:p>
-          <a:p>
-            <a:r>
-              <a:rPr lang="en-US" altLang="zh-TW" dirty="0" smtClean="0">
-                <a:ea typeface="新細明體" pitchFamily="18" charset="-120"/>
-              </a:rPr>
-              <a:t>&lt;</a:t>
-            </a:r>
-            <a:r>
-              <a:rPr lang="en-US" altLang="zh-TW" dirty="0">
-                <a:ea typeface="新細明體" pitchFamily="18" charset="-120"/>
-              </a:rPr>
-              <a:t>input type</a:t>
-            </a:r>
-            <a:r>
-              <a:rPr lang="en-US" altLang="zh-TW" dirty="0" smtClean="0">
-                <a:ea typeface="新細明體" pitchFamily="18" charset="-120"/>
-              </a:rPr>
-              <a:t>=</a:t>
-            </a:r>
-            <a:r>
-              <a:rPr lang="mr-IN" altLang="zh-TW" dirty="0" smtClean="0">
-                <a:ea typeface="新細明體" pitchFamily="18" charset="-120"/>
-              </a:rPr>
-              <a:t>"</a:t>
-            </a:r>
-            <a:r>
-              <a:rPr lang="en-US" altLang="zh-TW" dirty="0" smtClean="0">
-                <a:ea typeface="新細明體" pitchFamily="18" charset="-120"/>
-              </a:rPr>
-              <a:t>reset</a:t>
-            </a:r>
-            <a:r>
-              <a:rPr lang="mr-IN" altLang="zh-TW" dirty="0" smtClean="0">
-                <a:ea typeface="新細明體" pitchFamily="18" charset="-120"/>
-              </a:rPr>
-              <a:t>"</a:t>
-            </a:r>
-            <a:r>
-              <a:rPr lang="en-US" altLang="zh-TW" dirty="0" smtClean="0">
-                <a:ea typeface="新細明體" pitchFamily="18" charset="-120"/>
-              </a:rPr>
-              <a:t> </a:t>
-            </a:r>
-            <a:r>
-              <a:rPr lang="en-US" altLang="zh-TW" dirty="0">
-                <a:ea typeface="新細明體" pitchFamily="18" charset="-120"/>
-              </a:rPr>
-              <a:t>name</a:t>
-            </a:r>
-            <a:r>
-              <a:rPr lang="en-US" altLang="zh-TW" dirty="0" smtClean="0">
-                <a:ea typeface="新細明體" pitchFamily="18" charset="-120"/>
-              </a:rPr>
-              <a:t>=</a:t>
-            </a:r>
-            <a:r>
-              <a:rPr lang="mr-IN" altLang="zh-TW" dirty="0" smtClean="0">
-                <a:ea typeface="新細明體" pitchFamily="18" charset="-120"/>
-              </a:rPr>
-              <a:t>"</a:t>
-            </a:r>
-            <a:r>
-              <a:rPr lang="en-US" altLang="zh-TW" dirty="0" smtClean="0">
-                <a:ea typeface="新細明體" pitchFamily="18" charset="-120"/>
-              </a:rPr>
-              <a:t>reset</a:t>
-            </a:r>
-            <a:r>
-              <a:rPr lang="mr-IN" altLang="zh-TW" dirty="0" smtClean="0">
-                <a:ea typeface="新細明體" pitchFamily="18" charset="-120"/>
-              </a:rPr>
-              <a:t>"</a:t>
-            </a:r>
-            <a:r>
-              <a:rPr lang="en-US" altLang="zh-TW" dirty="0" smtClean="0">
-                <a:ea typeface="新細明體" pitchFamily="18" charset="-120"/>
-              </a:rPr>
-              <a:t> </a:t>
-            </a:r>
-            <a:r>
-              <a:rPr lang="en-US" altLang="zh-TW" dirty="0">
-                <a:ea typeface="新細明體" pitchFamily="18" charset="-120"/>
-              </a:rPr>
-              <a:t>id</a:t>
-            </a:r>
-            <a:r>
-              <a:rPr lang="en-US" altLang="zh-TW" dirty="0" smtClean="0">
-                <a:ea typeface="新細明體" pitchFamily="18" charset="-120"/>
-              </a:rPr>
-              <a:t>=</a:t>
-            </a:r>
-            <a:r>
-              <a:rPr lang="mr-IN" altLang="zh-TW" dirty="0" smtClean="0">
-                <a:ea typeface="新細明體" pitchFamily="18" charset="-120"/>
-              </a:rPr>
-              <a:t>"</a:t>
-            </a:r>
-            <a:r>
-              <a:rPr lang="en-US" altLang="zh-TW" dirty="0" smtClean="0">
-                <a:ea typeface="新細明體" pitchFamily="18" charset="-120"/>
-              </a:rPr>
-              <a:t>reset</a:t>
-            </a:r>
-            <a:r>
-              <a:rPr lang="mr-IN" altLang="zh-TW" dirty="0" smtClean="0">
-                <a:ea typeface="新細明體" pitchFamily="18" charset="-120"/>
-              </a:rPr>
-              <a:t>"</a:t>
-            </a:r>
-            <a:r>
-              <a:rPr lang="en-US" altLang="zh-TW" dirty="0" smtClean="0">
-                <a:ea typeface="新細明體" pitchFamily="18" charset="-120"/>
-              </a:rPr>
-              <a:t> </a:t>
-            </a:r>
-            <a:r>
-              <a:rPr lang="en-US" altLang="zh-TW" dirty="0">
-                <a:ea typeface="新細明體" pitchFamily="18" charset="-120"/>
-              </a:rPr>
-              <a:t>value</a:t>
-            </a:r>
-            <a:r>
-              <a:rPr lang="en-US" altLang="zh-TW" dirty="0" smtClean="0">
-                <a:ea typeface="新細明體" pitchFamily="18" charset="-120"/>
-              </a:rPr>
-              <a:t>=</a:t>
-            </a:r>
-            <a:r>
-              <a:rPr lang="mr-IN" altLang="zh-TW" dirty="0" smtClean="0">
-                <a:ea typeface="新細明體" pitchFamily="18" charset="-120"/>
-              </a:rPr>
-              <a:t>"</a:t>
-            </a:r>
-            <a:r>
-              <a:rPr lang="en-US" altLang="zh-TW" dirty="0" smtClean="0">
-                <a:ea typeface="新細明體" pitchFamily="18" charset="-120"/>
-              </a:rPr>
-              <a:t>Reset</a:t>
-            </a:r>
-            <a:r>
-              <a:rPr lang="mr-IN" altLang="zh-TW" dirty="0" smtClean="0">
-                <a:ea typeface="新細明體" pitchFamily="18" charset="-120"/>
-              </a:rPr>
-              <a:t>"</a:t>
-            </a:r>
-            <a:r>
-              <a:rPr lang="en-US" altLang="zh-TW" dirty="0" smtClean="0">
-                <a:ea typeface="新細明體" pitchFamily="18" charset="-120"/>
-              </a:rPr>
-              <a:t> </a:t>
-            </a:r>
-            <a:r>
-              <a:rPr lang="en-US" altLang="zh-TW" dirty="0">
-                <a:ea typeface="新細明體" pitchFamily="18" charset="-120"/>
-              </a:rPr>
-              <a:t>/&gt;</a:t>
-            </a:r>
-            <a:endParaRPr lang="en-US" altLang="zh-TW" dirty="0" smtClean="0">
-              <a:ea typeface="新細明體" pitchFamily="18" charset="-120"/>
-            </a:endParaRPr>
+              <a:rPr lang="en-US" altLang="zh-TW" smtClean="0">
+                <a:ea typeface="新細明體" pitchFamily="18" charset="-120"/>
+              </a:rPr>
+              <a:t>three types of buttons – submit, reset, push</a:t>
+            </a:r>
+          </a:p>
+          <a:p>
+            <a:r>
+              <a:rPr lang="en-US" altLang="zh-TW" smtClean="0">
+                <a:ea typeface="新細明體" pitchFamily="18" charset="-120"/>
+              </a:rPr>
+              <a:t>Submit button - when activated, it submits a form</a:t>
+            </a:r>
+          </a:p>
+          <a:p>
+            <a:r>
+              <a:rPr lang="en-US" altLang="zh-TW" smtClean="0">
+                <a:ea typeface="新細明體" pitchFamily="18" charset="-120"/>
+              </a:rPr>
+              <a:t>Reset button - when activated, it resets all controls to their initial values</a:t>
+            </a:r>
+          </a:p>
+          <a:p>
+            <a:r>
+              <a:rPr lang="en-US" altLang="zh-TW" smtClean="0">
+                <a:ea typeface="新細明體" pitchFamily="18" charset="-120"/>
+              </a:rPr>
+              <a:t>Push button - each push button may have client-side scripts associated with the element's event attributes</a:t>
+            </a:r>
           </a:p>
         </p:txBody>
       </p:sp>
     </p:spTree>
     <p:extLst>
       <p:ext uri="{BB962C8B-B14F-4D97-AF65-F5344CB8AC3E}">
-        <p14:creationId xmlns:p14="http://schemas.microsoft.com/office/powerpoint/2010/main" val="229149250"/>
+        <p14:creationId xmlns:p14="http://schemas.microsoft.com/office/powerpoint/2010/main" val="1910102539"/>
       </p:ext>
     </p:extLst>
   </p:cSld>
@@ -17381,7 +17109,7 @@
       </p:grpSpPr>
       <p:sp>
         <p:nvSpPr>
-          <p:cNvPr id="22530" name="Rectangle 2"/>
+          <p:cNvPr id="21506" name="Rectangle 2"/>
           <p:cNvSpPr>
             <a:spLocks noGrp="1" noChangeArrowheads="1"/>
           </p:cNvSpPr>
@@ -17401,14 +17129,14 @@
               <a:rPr lang="en-US" altLang="zh-TW" smtClean="0">
                 <a:latin typeface="Times New Roman" pitchFamily="18" charset="0"/>
               </a:rPr>
-              <a:t>Hidden controls</a:t>
-            </a:r>
-          </a:p>
-        </p:txBody>
-      </p:sp>
-      <p:sp>
-        <p:nvSpPr>
-          <p:cNvPr id="32771" name="Rectangle 3"/>
+              <a:t>Buttons example</a:t>
+            </a:r>
+          </a:p>
+        </p:txBody>
+      </p:sp>
+      <p:sp>
+        <p:nvSpPr>
+          <p:cNvPr id="31747" name="Rectangle 3"/>
           <p:cNvSpPr>
             <a:spLocks noGrp="1" noChangeArrowheads="1"/>
           </p:cNvSpPr>
@@ -17422,18 +17150,46 @@
           <a:lstStyle/>
           <a:p>
             <a:r>
+              <a:rPr lang="en-US" altLang="zh-TW" dirty="0">
+                <a:ea typeface="新細明體" pitchFamily="18" charset="-120"/>
+              </a:rPr>
+              <a:t>&lt;input type</a:t>
+            </a:r>
+            <a:r>
               <a:rPr lang="en-US" altLang="zh-TW" dirty="0" smtClean="0">
                 <a:ea typeface="新細明體" pitchFamily="18" charset="-120"/>
               </a:rPr>
-              <a:t>controls that are not rendered but whose values are submitted with a form</a:t>
-            </a:r>
-          </a:p>
-          <a:p>
+              <a:t>=</a:t>
+            </a:r>
+            <a:r>
+              <a:rPr lang="mr-IN" altLang="zh-TW" dirty="0" smtClean="0">
+                <a:ea typeface="新細明體" pitchFamily="18" charset="-120"/>
+              </a:rPr>
+              <a:t>"</a:t>
+            </a:r>
+            <a:r>
+              <a:rPr lang="en-US" altLang="zh-TW" dirty="0" smtClean="0">
+                <a:ea typeface="新細明體" pitchFamily="18" charset="-120"/>
+              </a:rPr>
+              <a:t>submit</a:t>
+            </a:r>
+            <a:r>
+              <a:rPr lang="mr-IN" altLang="zh-TW" dirty="0" smtClean="0">
+                <a:ea typeface="新細明體" pitchFamily="18" charset="-120"/>
+              </a:rPr>
+              <a:t>"</a:t>
+            </a:r>
+            <a:r>
+              <a:rPr lang="en-US" altLang="zh-TW" dirty="0" smtClean="0">
+                <a:ea typeface="新細明體" pitchFamily="18" charset="-120"/>
+              </a:rPr>
+              <a:t> </a:t>
+            </a:r>
             <a:r>
               <a:rPr lang="en-US" altLang="zh-TW" dirty="0">
                 <a:ea typeface="新細明體" pitchFamily="18" charset="-120"/>
               </a:rPr>
-              <a:t>&lt;input name</a:t>
+              <a:t>name</a:t>
             </a:r>
             <a:r>
               <a:rPr lang="en-US" altLang="zh-TW" dirty="0" smtClean="0">
@@ -17451,7 +17207,7 @@
               <a:rPr lang="en-US" altLang="zh-TW" dirty="0" smtClean="0">
                 <a:ea typeface="新細明體" pitchFamily="18" charset="-120"/>
               </a:rPr>
-              <a:t>from</a:t>
+              <a:t>submit</a:t>
             </a:r>
             <a:r>
               <a:rPr lang="mr-IN" altLang="zh-TW" dirty="0" smtClean="0">
@@ -17469,7 +17225,7 @@
               <a:rPr lang="en-US" altLang="zh-TW" dirty="0">
                 <a:ea typeface="新細明體" pitchFamily="18" charset="-120"/>
               </a:rPr>
-              <a:t>type</a:t>
+              <a:t>id</a:t>
             </a:r>
             <a:r>
               <a:rPr lang="en-US" altLang="zh-TW" dirty="0" smtClean="0">
@@ -17487,7 +17243,7 @@
               <a:rPr lang="en-US" altLang="zh-TW" dirty="0" smtClean="0">
                 <a:ea typeface="新細明體" pitchFamily="18" charset="-120"/>
               </a:rPr>
-              <a:t>hidden</a:t>
+              <a:t>submit</a:t>
             </a:r>
             <a:r>
               <a:rPr lang="mr-IN" altLang="zh-TW" dirty="0" smtClean="0">
@@ -17499,7 +17255,19 @@
               <a:rPr lang="en-US" altLang="zh-TW" dirty="0" smtClean="0">
                 <a:ea typeface="新細明體" pitchFamily="18" charset="-120"/>
               </a:rPr>
-              <a:t> value=</a:t>
+              <a:t> </a:t>
+            </a:r>
+            <a:r>
+              <a:rPr lang="en-US" altLang="zh-TW" dirty="0">
+                <a:ea typeface="新細明體" pitchFamily="18" charset="-120"/>
+              </a:rPr>
+              <a:t>value</a:t>
+            </a:r>
+            <a:r>
+              <a:rPr lang="en-US" altLang="zh-TW" dirty="0" smtClean="0">
+                <a:ea typeface="新細明體" pitchFamily="18" charset="-120"/>
+              </a:rPr>
+              <a:t>=</a:t>
             </a:r>
             <a:r>
               <a:rPr lang="mr-IN" altLang="zh-TW" dirty="0" smtClean="0">
@@ -17511,7 +17279,165 @@
               <a:rPr lang="en-US" altLang="zh-TW" dirty="0" smtClean="0">
                 <a:ea typeface="新細明體" pitchFamily="18" charset="-120"/>
               </a:rPr>
-              <a:t>web</a:t>
+              <a:t>Submit</a:t>
+            </a:r>
+            <a:r>
+              <a:rPr lang="mr-IN" altLang="zh-TW" dirty="0" smtClean="0">
+                <a:ea typeface="新細明體" pitchFamily="18" charset="-120"/>
+              </a:rPr>
+              <a:t>"</a:t>
+            </a:r>
+            <a:r>
+              <a:rPr lang="en-US" altLang="zh-TW" dirty="0" smtClean="0">
+                <a:ea typeface="新細明體" pitchFamily="18" charset="-120"/>
+              </a:rPr>
+              <a:t> </a:t>
+            </a:r>
+            <a:r>
+              <a:rPr lang="en-US" altLang="zh-TW" dirty="0">
+                <a:ea typeface="新細明體" pitchFamily="18" charset="-120"/>
+              </a:rPr>
+              <a:t>/&gt;</a:t>
+            </a:r>
+          </a:p>
+          <a:p>
+            <a:r>
+              <a:rPr lang="en-US" altLang="zh-TW" dirty="0" smtClean="0">
+                <a:ea typeface="新細明體" pitchFamily="18" charset="-120"/>
+              </a:rPr>
+              <a:t>&lt;</a:t>
+            </a:r>
+            <a:r>
+              <a:rPr lang="en-US" altLang="zh-TW" dirty="0">
+                <a:ea typeface="新細明體" pitchFamily="18" charset="-120"/>
+              </a:rPr>
+              <a:t>input type</a:t>
+            </a:r>
+            <a:r>
+              <a:rPr lang="en-US" altLang="zh-TW" dirty="0" smtClean="0">
+                <a:ea typeface="新細明體" pitchFamily="18" charset="-120"/>
+              </a:rPr>
+              <a:t>=</a:t>
+            </a:r>
+            <a:r>
+              <a:rPr lang="mr-IN" altLang="zh-TW" dirty="0" smtClean="0">
+                <a:ea typeface="新細明體" pitchFamily="18" charset="-120"/>
+              </a:rPr>
+              <a:t>"</a:t>
+            </a:r>
+            <a:r>
+              <a:rPr lang="en-US" altLang="zh-TW" dirty="0" smtClean="0">
+                <a:ea typeface="新細明體" pitchFamily="18" charset="-120"/>
+              </a:rPr>
+              <a:t>reset</a:t>
+            </a:r>
+            <a:r>
+              <a:rPr lang="mr-IN" altLang="zh-TW" dirty="0" smtClean="0">
+                <a:ea typeface="新細明體" pitchFamily="18" charset="-120"/>
+              </a:rPr>
+              <a:t>"</a:t>
+            </a:r>
+            <a:r>
+              <a:rPr lang="en-US" altLang="zh-TW" dirty="0" smtClean="0">
+                <a:ea typeface="新細明體" pitchFamily="18" charset="-120"/>
+              </a:rPr>
+              <a:t> </a:t>
+            </a:r>
+            <a:r>
+              <a:rPr lang="en-US" altLang="zh-TW" dirty="0">
+                <a:ea typeface="新細明體" pitchFamily="18" charset="-120"/>
+              </a:rPr>
+              <a:t>name</a:t>
+            </a:r>
+            <a:r>
+              <a:rPr lang="en-US" altLang="zh-TW" dirty="0" smtClean="0">
+                <a:ea typeface="新細明體" pitchFamily="18" charset="-120"/>
+              </a:rPr>
+              <a:t>=</a:t>
+            </a:r>
+            <a:r>
+              <a:rPr lang="mr-IN" altLang="zh-TW" dirty="0" smtClean="0">
+                <a:ea typeface="新細明體" pitchFamily="18" charset="-120"/>
+              </a:rPr>
+              <a:t>"</a:t>
+            </a:r>
+            <a:r>
+              <a:rPr lang="en-US" altLang="zh-TW" dirty="0" smtClean="0">
+                <a:ea typeface="新細明體" pitchFamily="18" charset="-120"/>
+              </a:rPr>
+              <a:t>reset</a:t>
+            </a:r>
+            <a:r>
+              <a:rPr lang="mr-IN" altLang="zh-TW" dirty="0" smtClean="0">
+                <a:ea typeface="新細明體" pitchFamily="18" charset="-120"/>
+              </a:rPr>
+              <a:t>"</a:t>
+            </a:r>
+            <a:r>
+              <a:rPr lang="en-US" altLang="zh-TW" dirty="0" smtClean="0">
+                <a:ea typeface="新細明體" pitchFamily="18" charset="-120"/>
+              </a:rPr>
+              <a:t> </a:t>
+            </a:r>
+            <a:r>
+              <a:rPr lang="en-US" altLang="zh-TW" dirty="0">
+                <a:ea typeface="新細明體" pitchFamily="18" charset="-120"/>
+              </a:rPr>
+              <a:t>id</a:t>
+            </a:r>
+            <a:r>
+              <a:rPr lang="en-US" altLang="zh-TW" dirty="0" smtClean="0">
+                <a:ea typeface="新細明體" pitchFamily="18" charset="-120"/>
+              </a:rPr>
+              <a:t>=</a:t>
+            </a:r>
+            <a:r>
+              <a:rPr lang="mr-IN" altLang="zh-TW" dirty="0" smtClean="0">
+                <a:ea typeface="新細明體" pitchFamily="18" charset="-120"/>
+              </a:rPr>
+              <a:t>"</a:t>
+            </a:r>
+            <a:r>
+              <a:rPr lang="en-US" altLang="zh-TW" dirty="0" smtClean="0">
+                <a:ea typeface="新細明體" pitchFamily="18" charset="-120"/>
+              </a:rPr>
+              <a:t>reset</a:t>
+            </a:r>
+            <a:r>
+              <a:rPr lang="mr-IN" altLang="zh-TW" dirty="0" smtClean="0">
+                <a:ea typeface="新細明體" pitchFamily="18" charset="-120"/>
+              </a:rPr>
+              <a:t>"</a:t>
+            </a:r>
+            <a:r>
+              <a:rPr lang="en-US" altLang="zh-TW" dirty="0" smtClean="0">
+                <a:ea typeface="新細明體" pitchFamily="18" charset="-120"/>
+              </a:rPr>
+              <a:t> </a:t>
+            </a:r>
+            <a:r>
+              <a:rPr lang="en-US" altLang="zh-TW" dirty="0">
+                <a:ea typeface="新細明體" pitchFamily="18" charset="-120"/>
+              </a:rPr>
+              <a:t>value</a:t>
+            </a:r>
+            <a:r>
+              <a:rPr lang="en-US" altLang="zh-TW" dirty="0" smtClean="0">
+                <a:ea typeface="新細明體" pitchFamily="18" charset="-120"/>
+              </a:rPr>
+              <a:t>=</a:t>
+            </a:r>
+            <a:r>
+              <a:rPr lang="mr-IN" altLang="zh-TW" dirty="0" smtClean="0">
+                <a:ea typeface="新細明體" pitchFamily="18" charset="-120"/>
+              </a:rPr>
+              <a:t>"</a:t>
+            </a:r>
+            <a:r>
+              <a:rPr lang="en-US" altLang="zh-TW" dirty="0" smtClean="0">
+                <a:ea typeface="新細明體" pitchFamily="18" charset="-120"/>
+              </a:rPr>
+              <a:t>Reset</a:t>
             </a:r>
             <a:r>
               <a:rPr lang="mr-IN" altLang="zh-TW" dirty="0" smtClean="0">
@@ -17540,7 +17466,7 @@
     </p:spTree>
     <p:extLst>
       <p:ext uri="{BB962C8B-B14F-4D97-AF65-F5344CB8AC3E}">
-        <p14:creationId xmlns:p14="http://schemas.microsoft.com/office/powerpoint/2010/main" val="1073023355"/>
+        <p14:creationId xmlns:p14="http://schemas.microsoft.com/office/powerpoint/2010/main" val="229149250"/>
       </p:ext>
     </p:extLst>
   </p:cSld>
@@ -17579,7 +17505,7 @@
       </p:grpSpPr>
       <p:sp>
         <p:nvSpPr>
-          <p:cNvPr id="23554" name="Rectangle 2"/>
+          <p:cNvPr id="22530" name="Rectangle 2"/>
           <p:cNvSpPr>
             <a:spLocks noGrp="1" noChangeArrowheads="1"/>
           </p:cNvSpPr>
@@ -17599,14 +17525,14 @@
               <a:rPr lang="en-US" altLang="zh-TW" smtClean="0">
                 <a:latin typeface="Times New Roman" pitchFamily="18" charset="0"/>
               </a:rPr>
-              <a:t>Finally!</a:t>
-            </a:r>
-          </a:p>
-        </p:txBody>
-      </p:sp>
-      <p:sp>
-        <p:nvSpPr>
-          <p:cNvPr id="33795" name="Rectangle 3"/>
+              <a:t>Hidden controls</a:t>
+            </a:r>
+          </a:p>
+        </p:txBody>
+      </p:sp>
+      <p:sp>
+        <p:nvSpPr>
+          <p:cNvPr id="32771" name="Rectangle 3"/>
           <p:cNvSpPr>
             <a:spLocks noGrp="1" noChangeArrowheads="1"/>
           </p:cNvSpPr>
@@ -17623,15 +17549,21 @@
               <a:rPr lang="en-US" altLang="zh-TW" dirty="0" smtClean="0">
                 <a:ea typeface="新細明體" pitchFamily="18" charset="-120"/>
               </a:rPr>
-              <a:t>To send the input data back to server, make sure have an action.</a:t>
-            </a:r>
-          </a:p>
-          <a:p>
+              <a:t>controls that are not rendered but whose values are submitted with a form</a:t>
+            </a:r>
+          </a:p>
+          <a:p>
+            <a:r>
+              <a:rPr lang="en-US" altLang="zh-TW" dirty="0">
+                <a:ea typeface="新細明體" pitchFamily="18" charset="-120"/>
+              </a:rPr>
+              <a:t>&lt;input name</a:t>
+            </a:r>
             <a:r>
               <a:rPr lang="en-US" altLang="zh-TW" dirty="0" smtClean="0">
                 <a:ea typeface="新細明體" pitchFamily="18" charset="-120"/>
               </a:rPr>
-              <a:t>&lt;form action=</a:t>
+              <a:t>=</a:t>
             </a:r>
             <a:r>
               <a:rPr lang="mr-IN" altLang="zh-TW" dirty="0" smtClean="0">
@@ -17640,10 +17572,10 @@
               <a:t>"</a:t>
             </a:r>
             <a:r>
-              <a:rPr lang="en-US" altLang="zh-TW" dirty="0" err="1" smtClean="0">
-                <a:ea typeface="新細明體" pitchFamily="18" charset="-120"/>
-              </a:rPr>
-              <a:t>file.php</a:t>
+              <a:rPr lang="en-US" altLang="zh-TW" dirty="0" smtClean="0">
+                <a:ea typeface="新細明體" pitchFamily="18" charset="-120"/>
+              </a:rPr>
+              <a:t>from</a:t>
             </a:r>
             <a:r>
               <a:rPr lang="mr-IN" altLang="zh-TW" dirty="0" smtClean="0">
@@ -17655,37 +17587,84 @@
               <a:rPr lang="en-US" altLang="zh-TW" dirty="0" smtClean="0">
                 <a:ea typeface="新細明體" pitchFamily="18" charset="-120"/>
               </a:rPr>
-              <a:t>&gt;</a:t>
-            </a:r>
-          </a:p>
-          <a:p>
+              <a:t> </a:t>
+            </a:r>
+            <a:r>
+              <a:rPr lang="en-US" altLang="zh-TW" dirty="0">
+                <a:ea typeface="新細明體" pitchFamily="18" charset="-120"/>
+              </a:rPr>
+              <a:t>type</a:t>
+            </a:r>
             <a:r>
               <a:rPr lang="en-US" altLang="zh-TW" dirty="0" smtClean="0">
                 <a:ea typeface="新細明體" pitchFamily="18" charset="-120"/>
               </a:rPr>
-              <a:t>Make sure you </a:t>
+              <a:t>=</a:t>
+            </a:r>
+            <a:r>
+              <a:rPr lang="mr-IN" altLang="zh-TW" dirty="0" smtClean="0">
+                <a:ea typeface="新細明體" pitchFamily="18" charset="-120"/>
+              </a:rPr>
+              <a:t>"</a:t>
+            </a:r>
+            <a:r>
+              <a:rPr lang="en-US" altLang="zh-TW" dirty="0" smtClean="0">
+                <a:ea typeface="新細明體" pitchFamily="18" charset="-120"/>
+              </a:rPr>
+              <a:t>hidden</a:t>
+            </a:r>
+            <a:r>
+              <a:rPr lang="mr-IN" altLang="zh-TW" dirty="0" smtClean="0">
+                <a:ea typeface="新細明體" pitchFamily="18" charset="-120"/>
+              </a:rPr>
+              <a:t>"</a:t>
+            </a:r>
+            <a:r>
+              <a:rPr lang="en-US" altLang="zh-TW" dirty="0" smtClean="0">
+                <a:ea typeface="新細明體" pitchFamily="18" charset="-120"/>
+              </a:rPr>
+              <a:t> value=</a:t>
+            </a:r>
+            <a:r>
+              <a:rPr lang="mr-IN" altLang="zh-TW" dirty="0" smtClean="0">
+                <a:ea typeface="新細明體" pitchFamily="18" charset="-120"/>
+              </a:rPr>
+              <a:t>"</a:t>
+            </a:r>
+            <a:r>
+              <a:rPr lang="en-US" altLang="zh-TW" dirty="0" smtClean="0">
+                <a:ea typeface="新細明體" pitchFamily="18" charset="-120"/>
+              </a:rPr>
+              <a:t>web</a:t>
+            </a:r>
+            <a:r>
+              <a:rPr lang="mr-IN" altLang="zh-TW" dirty="0" smtClean="0">
+                <a:ea typeface="新細明體" pitchFamily="18" charset="-120"/>
+              </a:rPr>
+              <a:t>"</a:t>
+            </a:r>
+            <a:r>
+              <a:rPr lang="en-US" altLang="zh-TW" dirty="0" smtClean="0">
+                <a:ea typeface="新細明體" pitchFamily="18" charset="-120"/>
+              </a:rPr>
+              <a:t> </a:t>
             </a:r>
             <a:r>
               <a:rPr lang="en-US" altLang="zh-TW" dirty="0">
                 <a:ea typeface="新細明體" pitchFamily="18" charset="-120"/>
               </a:rPr>
-              <a:t>end your page with this:</a:t>
-            </a:r>
-          </a:p>
-          <a:p>
-            <a:r>
-              <a:rPr lang="en-US" altLang="zh-TW" dirty="0" smtClean="0">
-                <a:ea typeface="新細明體" pitchFamily="18" charset="-120"/>
-              </a:rPr>
-              <a:t>&lt;/form&gt;</a:t>
-            </a:r>
+              <a:t>/&gt;</a:t>
+            </a:r>
+            <a:endParaRPr lang="en-US" altLang="zh-TW" dirty="0" smtClean="0">
+              <a:ea typeface="新細明體" pitchFamily="18" charset="-120"/>
+            </a:endParaRPr>
           </a:p>
         </p:txBody>
       </p:sp>
     </p:spTree>
     <p:extLst>
       <p:ext uri="{BB962C8B-B14F-4D97-AF65-F5344CB8AC3E}">
-        <p14:creationId xmlns:p14="http://schemas.microsoft.com/office/powerpoint/2010/main" val="1594849049"/>
+        <p14:creationId xmlns:p14="http://schemas.microsoft.com/office/powerpoint/2010/main" val="1073023355"/>
       </p:ext>
     </p:extLst>
   </p:cSld>
@@ -17741,10 +17720,10 @@
               <a:defRPr/>
             </a:pPr>
             <a:r>
-              <a:rPr lang="en-US" altLang="zh-TW" dirty="0" smtClean="0">
-                <a:latin typeface="Times New Roman" pitchFamily="18" charset="0"/>
-              </a:rPr>
-              <a:t>Style</a:t>
+              <a:rPr lang="en-US" altLang="zh-TW" smtClean="0">
+                <a:latin typeface="Times New Roman" pitchFamily="18" charset="0"/>
+              </a:rPr>
+              <a:t>Finally!</a:t>
             </a:r>
           </a:p>
         </p:txBody>
@@ -17768,115 +17747,69 @@
               <a:rPr lang="en-US" altLang="zh-TW" dirty="0" smtClean="0">
                 <a:ea typeface="新細明體" pitchFamily="18" charset="-120"/>
               </a:rPr>
-              <a:t>You can add a table to tidy a form</a:t>
+              <a:t>To send the input data back to server, make sure have an action.</a:t>
+            </a:r>
+          </a:p>
+          <a:p>
+            <a:r>
+              <a:rPr lang="en-US" altLang="zh-TW" dirty="0" smtClean="0">
+                <a:ea typeface="新細明體" pitchFamily="18" charset="-120"/>
+              </a:rPr>
+              <a:t>&lt;form action=</a:t>
+            </a:r>
+            <a:r>
+              <a:rPr lang="mr-IN" altLang="zh-TW" dirty="0" smtClean="0">
+                <a:ea typeface="新細明體" pitchFamily="18" charset="-120"/>
+              </a:rPr>
+              <a:t>"</a:t>
+            </a:r>
+            <a:r>
+              <a:rPr lang="en-US" altLang="zh-TW" dirty="0" err="1" smtClean="0">
+                <a:ea typeface="新細明體" pitchFamily="18" charset="-120"/>
+              </a:rPr>
+              <a:t>file.php</a:t>
+            </a:r>
+            <a:r>
+              <a:rPr lang="mr-IN" altLang="zh-TW" dirty="0" smtClean="0">
+                <a:ea typeface="新細明體" pitchFamily="18" charset="-120"/>
+              </a:rPr>
+              <a:t>"</a:t>
+            </a:r>
+            <a:r>
+              <a:rPr lang="en-US" altLang="zh-TW" dirty="0" smtClean="0">
+                <a:ea typeface="新細明體" pitchFamily="18" charset="-120"/>
+              </a:rPr>
+              <a:t>&gt;</a:t>
+            </a:r>
+          </a:p>
+          <a:p>
+            <a:r>
+              <a:rPr lang="en-US" altLang="zh-TW" dirty="0" smtClean="0">
+                <a:ea typeface="新細明體" pitchFamily="18" charset="-120"/>
+              </a:rPr>
+              <a:t>Make sure you </a:t>
             </a:r>
             <a:r>
               <a:rPr lang="en-US" altLang="zh-TW" dirty="0">
                 <a:ea typeface="新細明體" pitchFamily="18" charset="-120"/>
               </a:rPr>
-              <a:t>.</a:t>
-            </a:r>
-          </a:p>
-          <a:p>
-            <a:r>
-              <a:rPr lang="en-US" altLang="zh-TW" dirty="0">
-                <a:ea typeface="新細明體" pitchFamily="18" charset="-120"/>
-              </a:rPr>
-              <a:t>Or use &lt;</a:t>
-            </a:r>
-            <a:r>
-              <a:rPr lang="en-US" altLang="zh-TW" dirty="0" err="1">
-                <a:ea typeface="新細明體" pitchFamily="18" charset="-120"/>
-              </a:rPr>
-              <a:t>dt</a:t>
-            </a:r>
-            <a:r>
-              <a:rPr lang="en-US" altLang="zh-TW" dirty="0">
-                <a:ea typeface="新細明體" pitchFamily="18" charset="-120"/>
-              </a:rPr>
-              <a:t>&gt;left&lt;/</a:t>
-            </a:r>
-            <a:r>
-              <a:rPr lang="en-US" altLang="zh-TW" dirty="0" err="1">
-                <a:ea typeface="新細明體" pitchFamily="18" charset="-120"/>
-              </a:rPr>
-              <a:t>dt</a:t>
-            </a:r>
-            <a:r>
-              <a:rPr lang="en-US" altLang="zh-TW" dirty="0">
-                <a:ea typeface="新細明體" pitchFamily="18" charset="-120"/>
-              </a:rPr>
-              <a:t>&gt;&lt;</a:t>
-            </a:r>
-            <a:r>
-              <a:rPr lang="en-US" altLang="zh-TW" dirty="0" err="1">
-                <a:ea typeface="新細明體" pitchFamily="18" charset="-120"/>
-              </a:rPr>
-              <a:t>dd</a:t>
-            </a:r>
-            <a:r>
-              <a:rPr lang="en-US" altLang="zh-TW" dirty="0">
-                <a:ea typeface="新細明體" pitchFamily="18" charset="-120"/>
-              </a:rPr>
-              <a:t>&gt;right&lt;/</a:t>
-            </a:r>
-            <a:r>
-              <a:rPr lang="en-US" altLang="zh-TW" dirty="0" err="1">
-                <a:ea typeface="新細明體" pitchFamily="18" charset="-120"/>
-              </a:rPr>
-              <a:t>dd</a:t>
-            </a:r>
-            <a:r>
-              <a:rPr lang="en-US" altLang="zh-TW" dirty="0">
-                <a:ea typeface="新細明體" pitchFamily="18" charset="-120"/>
-              </a:rPr>
-              <a:t>&gt; + </a:t>
-            </a:r>
+              <a:t>end your page with this:</a:t>
+            </a:r>
+          </a:p>
+          <a:p>
             <a:r>
               <a:rPr lang="en-US" altLang="zh-TW" dirty="0" smtClean="0">
                 <a:ea typeface="新細明體" pitchFamily="18" charset="-120"/>
               </a:rPr>
-              <a:t>CSS</a:t>
-            </a:r>
-            <a:endParaRPr lang="en-US" altLang="zh-TW" dirty="0">
-              <a:ea typeface="新細明體" pitchFamily="18" charset="-120"/>
-            </a:endParaRPr>
-          </a:p>
-          <a:p>
-            <a:r>
-              <a:rPr lang="en-US" altLang="zh-TW" dirty="0">
-                <a:ea typeface="新細明體" pitchFamily="18" charset="-120"/>
-              </a:rPr>
-              <a:t>Or use </a:t>
-            </a:r>
-            <a:r>
-              <a:rPr lang="en-US" altLang="zh-TW" dirty="0" smtClean="0">
-                <a:ea typeface="新細明體" pitchFamily="18" charset="-120"/>
-              </a:rPr>
-              <a:t>&lt;div&gt;&lt;/div&gt; </a:t>
-            </a:r>
-            <a:r>
-              <a:rPr lang="en-US" altLang="zh-TW" dirty="0">
-                <a:ea typeface="新細明體" pitchFamily="18" charset="-120"/>
-              </a:rPr>
-              <a:t>+ </a:t>
-            </a:r>
-            <a:r>
-              <a:rPr lang="en-US" altLang="zh-TW" dirty="0" smtClean="0">
-                <a:ea typeface="新細明體" pitchFamily="18" charset="-120"/>
-              </a:rPr>
-              <a:t>CSS</a:t>
-            </a:r>
-            <a:endParaRPr lang="en-US" altLang="zh-TW" dirty="0">
-              <a:ea typeface="新細明體" pitchFamily="18" charset="-120"/>
-            </a:endParaRPr>
+              <a:t>&lt;/form&gt;</a:t>
+            </a:r>
           </a:p>
         </p:txBody>
       </p:sp>
     </p:spTree>
     <p:extLst>
       <p:ext uri="{BB962C8B-B14F-4D97-AF65-F5344CB8AC3E}">
-        <p14:creationId xmlns:p14="http://schemas.microsoft.com/office/powerpoint/2010/main" val="703713549"/>
+        <p14:creationId xmlns:p14="http://schemas.microsoft.com/office/powerpoint/2010/main" val="1594849049"/>
       </p:ext>
     </p:extLst>
   </p:cSld>
@@ -17915,7 +17848,7 @@
       </p:grpSpPr>
       <p:sp>
         <p:nvSpPr>
-          <p:cNvPr id="200706" name="Rectangle 2050"/>
+          <p:cNvPr id="23554" name="Rectangle 2"/>
           <p:cNvSpPr>
             <a:spLocks noGrp="1" noChangeArrowheads="1"/>
           </p:cNvSpPr>
@@ -17928,22 +17861,21 @@
           <a:bodyPr/>
           <a:lstStyle/>
           <a:p>
-            <a:pPr eaLnBrk="1" hangingPunct="1">
+            <a:pPr>
               <a:defRPr/>
             </a:pPr>
             <a:r>
               <a:rPr lang="en-US" altLang="zh-TW" dirty="0" smtClean="0">
                 <a:latin typeface="Times New Roman" pitchFamily="18" charset="0"/>
-                <a:ea typeface="新細明體" pitchFamily="18" charset="-120"/>
-              </a:rPr>
-              <a:t>Create a birthday form</a:t>
-            </a:r>
-          </a:p>
-        </p:txBody>
-      </p:sp>
-      <p:sp>
-        <p:nvSpPr>
-          <p:cNvPr id="34819" name="Rectangle 2051"/>
+              </a:rPr>
+              <a:t>Style</a:t>
+            </a:r>
+          </a:p>
+        </p:txBody>
+      </p:sp>
+      <p:sp>
+        <p:nvSpPr>
+          <p:cNvPr id="33795" name="Rectangle 3"/>
           <p:cNvSpPr>
             <a:spLocks noGrp="1" noChangeArrowheads="1"/>
           </p:cNvSpPr>
@@ -17956,104 +17888,119 @@
           <a:bodyPr/>
           <a:lstStyle/>
           <a:p>
-            <a:pPr eaLnBrk="1" hangingPunct="1"/>
             <a:r>
               <a:rPr lang="en-US" altLang="zh-TW" dirty="0" smtClean="0">
                 <a:ea typeface="新細明體" pitchFamily="18" charset="-120"/>
               </a:rPr>
-              <a:t>Let user input the data from a form</a:t>
-            </a:r>
-          </a:p>
-          <a:p>
-            <a:pPr eaLnBrk="1" hangingPunct="1"/>
+              <a:t>You can add a table to tidy a form</a:t>
+            </a:r>
+            <a:r>
+              <a:rPr lang="en-US" altLang="zh-TW" dirty="0">
+                <a:ea typeface="新細明體" pitchFamily="18" charset="-120"/>
+              </a:rPr>
+              <a:t>.</a:t>
+            </a:r>
+          </a:p>
+          <a:p>
+            <a:r>
+              <a:rPr lang="en-US" altLang="zh-TW" dirty="0">
+                <a:ea typeface="新細明體" pitchFamily="18" charset="-120"/>
+              </a:rPr>
+              <a:t>Or use &lt;</a:t>
+            </a:r>
+            <a:r>
+              <a:rPr lang="en-US" altLang="zh-TW" dirty="0" err="1">
+                <a:ea typeface="新細明體" pitchFamily="18" charset="-120"/>
+              </a:rPr>
+              <a:t>dt</a:t>
+            </a:r>
+            <a:r>
+              <a:rPr lang="en-US" altLang="zh-TW" dirty="0">
+                <a:ea typeface="新細明體" pitchFamily="18" charset="-120"/>
+              </a:rPr>
+              <a:t>&gt;left&lt;/</a:t>
+            </a:r>
+            <a:r>
+              <a:rPr lang="en-US" altLang="zh-TW" dirty="0" err="1">
+                <a:ea typeface="新細明體" pitchFamily="18" charset="-120"/>
+              </a:rPr>
+              <a:t>dt</a:t>
+            </a:r>
+            <a:r>
+              <a:rPr lang="en-US" altLang="zh-TW" dirty="0">
+                <a:ea typeface="新細明體" pitchFamily="18" charset="-120"/>
+              </a:rPr>
+              <a:t>&gt;&lt;</a:t>
+            </a:r>
+            <a:r>
+              <a:rPr lang="en-US" altLang="zh-TW" dirty="0" err="1">
+                <a:ea typeface="新細明體" pitchFamily="18" charset="-120"/>
+              </a:rPr>
+              <a:t>dd</a:t>
+            </a:r>
+            <a:r>
+              <a:rPr lang="en-US" altLang="zh-TW" dirty="0">
+                <a:ea typeface="新細明體" pitchFamily="18" charset="-120"/>
+              </a:rPr>
+              <a:t>&gt;right&lt;/</a:t>
+            </a:r>
+            <a:r>
+              <a:rPr lang="en-US" altLang="zh-TW" dirty="0" err="1">
+                <a:ea typeface="新細明體" pitchFamily="18" charset="-120"/>
+              </a:rPr>
+              <a:t>dd</a:t>
+            </a:r>
+            <a:r>
+              <a:rPr lang="en-US" altLang="zh-TW" dirty="0">
+                <a:ea typeface="新細明體" pitchFamily="18" charset="-120"/>
+              </a:rPr>
+              <a:t>&gt; + </a:t>
+            </a:r>
             <a:r>
               <a:rPr lang="en-US" altLang="zh-TW" dirty="0" smtClean="0">
                 <a:ea typeface="新細明體" pitchFamily="18" charset="-120"/>
               </a:rPr>
-              <a:t>Name each field with the name</a:t>
-            </a:r>
-          </a:p>
-          <a:p>
-            <a:pPr eaLnBrk="1" hangingPunct="1"/>
-            <a:r>
-              <a:rPr lang="en-US" altLang="zh-TW" dirty="0" smtClean="0">
-                <a:ea typeface="新細明體" pitchFamily="18" charset="-120"/>
-              </a:rPr>
-              <a:t>Insert a submit button and a reset button</a:t>
-            </a:r>
-          </a:p>
-          <a:p>
-            <a:pPr eaLnBrk="1" hangingPunct="1"/>
-            <a:r>
-              <a:rPr lang="en-US" altLang="zh-TW" dirty="0" smtClean="0">
-                <a:ea typeface="新細明體" pitchFamily="18" charset="-120"/>
-              </a:rPr>
-              <a:t>Save as bday.htm</a:t>
-            </a:r>
-          </a:p>
-          <a:p>
-            <a:pPr eaLnBrk="1" hangingPunct="1"/>
-            <a:r>
-              <a:rPr lang="en-US" altLang="zh-TW" dirty="0" smtClean="0">
-                <a:ea typeface="新細明體" pitchFamily="18" charset="-120"/>
-              </a:rPr>
-              <a:t>Set the form action to the same </a:t>
-            </a:r>
-            <a:r>
-              <a:rPr lang="en-US" altLang="zh-TW" dirty="0" err="1" smtClean="0">
-                <a:ea typeface="新細明體" pitchFamily="18" charset="-120"/>
-              </a:rPr>
-              <a:t>bday.php</a:t>
-            </a:r>
-            <a:endParaRPr lang="en-US" altLang="zh-TW" dirty="0" smtClean="0">
+              <a:t>CSS</a:t>
+            </a:r>
+            <a:endParaRPr lang="en-US" altLang="zh-TW" dirty="0">
               <a:ea typeface="新細明體" pitchFamily="18" charset="-120"/>
             </a:endParaRPr>
           </a:p>
           <a:p>
-            <a:pPr eaLnBrk="1" hangingPunct="1"/>
-            <a:r>
-              <a:rPr lang="en-US" altLang="zh-TW" dirty="0" err="1" smtClean="0">
-                <a:ea typeface="新細明體" pitchFamily="18" charset="-120"/>
-              </a:rPr>
-              <a:t>Eg</a:t>
+            <a:r>
+              <a:rPr lang="en-US" altLang="zh-TW" dirty="0">
+                <a:ea typeface="新細明體" pitchFamily="18" charset="-120"/>
+              </a:rPr>
+              <a:t>Or use </a:t>
             </a:r>
             <a:r>
               <a:rPr lang="en-US" altLang="zh-TW" dirty="0" smtClean="0">
                 <a:ea typeface="新細明體" pitchFamily="18" charset="-120"/>
               </a:rPr>
-              <a:t>. &lt;form action=</a:t>
-            </a:r>
-            <a:r>
-              <a:rPr lang="mr-IN" altLang="zh-TW" dirty="0" smtClean="0">
-                <a:ea typeface="新細明體" pitchFamily="18" charset="-120"/>
-              </a:rPr>
-              <a:t>"</a:t>
-            </a:r>
-            <a:r>
-              <a:rPr lang="en-US" altLang="zh-TW" dirty="0" err="1" smtClean="0">
-                <a:ea typeface="新細明體" pitchFamily="18" charset="-120"/>
-              </a:rPr>
-              <a:t>bday.php</a:t>
-            </a:r>
-            <a:r>
-              <a:rPr lang="mr-IN" altLang="zh-TW" dirty="0" smtClean="0">
-                <a:ea typeface="新細明體" pitchFamily="18" charset="-120"/>
-              </a:rPr>
-              <a:t>"</a:t>
+              <a:t>&lt;div&gt;&lt;/div&gt; </a:t>
+            </a:r>
+            <a:r>
+              <a:rPr lang="en-US" altLang="zh-TW" dirty="0">
+                <a:ea typeface="新細明體" pitchFamily="18" charset="-120"/>
+              </a:rPr>
+              <a:t>+ </a:t>
             </a:r>
             <a:r>
               <a:rPr lang="en-US" altLang="zh-TW" dirty="0" smtClean="0">
                 <a:ea typeface="新細明體" pitchFamily="18" charset="-120"/>
               </a:rPr>
-              <a:t>&gt;</a:t>
-            </a:r>
+              <a:t>CSS</a:t>
+            </a:r>
+            <a:endParaRPr lang="en-US" altLang="zh-TW" dirty="0">
+              <a:ea typeface="新細明體" pitchFamily="18" charset="-120"/>
+            </a:endParaRPr>
           </a:p>
         </p:txBody>
       </p:sp>
     </p:spTree>
     <p:extLst>
       <p:ext uri="{BB962C8B-B14F-4D97-AF65-F5344CB8AC3E}">
-        <p14:creationId xmlns:p14="http://schemas.microsoft.com/office/powerpoint/2010/main" val="1550134520"/>
+        <p14:creationId xmlns:p14="http://schemas.microsoft.com/office/powerpoint/2010/main" val="703713549"/>
       </p:ext>
     </p:extLst>
   </p:cSld>
@@ -18063,6 +18010,13 @@
   <p:transition>
     <p:checker/>
   </p:transition>
+  <p:timing>
+    <p:tnLst>
+      <p:par>
+        <p:cTn id="1" dur="indefinite" restart="never" nodeType="tmRoot"/>
+      </p:par>
+    </p:tnLst>
+  </p:timing>
 </p:sld>
 </file>
 
@@ -18274,7 +18228,7 @@
       </p:grpSpPr>
       <p:sp>
         <p:nvSpPr>
-          <p:cNvPr id="203778" name="Rectangle 2"/>
+          <p:cNvPr id="200706" name="Rectangle 2050"/>
           <p:cNvSpPr>
             <a:spLocks noGrp="1" noChangeArrowheads="1"/>
           </p:cNvSpPr>
@@ -18291,18 +18245,18 @@
               <a:defRPr/>
             </a:pPr>
             <a:r>
-              <a:rPr lang="en-US" altLang="zh-TW" smtClean="0">
-                <a:latin typeface="Times New Roman" pitchFamily="18" charset="0"/>
-                <a:ea typeface="新細明體" pitchFamily="18" charset="-120"/>
-              </a:rPr>
-              <a:t>Getting input from users</a:t>
-            </a:r>
-          </a:p>
-        </p:txBody>
-      </p:sp>
-      <p:sp>
-        <p:nvSpPr>
-          <p:cNvPr id="37891" name="Rectangle 3"/>
+              <a:rPr lang="en-US" altLang="zh-TW" dirty="0" smtClean="0">
+                <a:latin typeface="Times New Roman" pitchFamily="18" charset="0"/>
+                <a:ea typeface="新細明體" pitchFamily="18" charset="-120"/>
+              </a:rPr>
+              <a:t>Create a birthday form</a:t>
+            </a:r>
+          </a:p>
+        </p:txBody>
+      </p:sp>
+      <p:sp>
+        <p:nvSpPr>
+          <p:cNvPr id="34819" name="Rectangle 2051"/>
           <p:cNvSpPr>
             <a:spLocks noGrp="1" noChangeArrowheads="1"/>
           </p:cNvSpPr>
@@ -18312,9 +18266,7 @@
         </p:nvSpPr>
         <p:spPr/>
         <p:txBody>
-          <a:bodyPr>
-            <a:normAutofit fontScale="92500" lnSpcReduction="20000"/>
-          </a:bodyPr>
+          <a:bodyPr/>
           <a:lstStyle/>
           <a:p>
             <a:pPr eaLnBrk="1" hangingPunct="1"/>
@@ -18322,13 +18274,49 @@
               <a:rPr lang="en-US" altLang="zh-TW" dirty="0" smtClean="0">
                 <a:ea typeface="新細明體" pitchFamily="18" charset="-120"/>
               </a:rPr>
-              <a:t>Download </a:t>
+              <a:t>Let user input the data from a form</a:t>
+            </a:r>
+          </a:p>
+          <a:p>
+            <a:pPr eaLnBrk="1" hangingPunct="1"/>
+            <a:r>
+              <a:rPr lang="en-US" altLang="zh-TW" dirty="0" smtClean="0">
+                <a:ea typeface="新細明體" pitchFamily="18" charset="-120"/>
+              </a:rPr>
+              <a:t>Name each field with the name</a:t>
+            </a:r>
+          </a:p>
+          <a:p>
+            <a:pPr eaLnBrk="1" hangingPunct="1"/>
+            <a:r>
+              <a:rPr lang="en-US" altLang="zh-TW" dirty="0" smtClean="0">
+                <a:ea typeface="新細明體" pitchFamily="18" charset="-120"/>
+              </a:rPr>
+              <a:t>Insert a submit button and a reset button</a:t>
+            </a:r>
+          </a:p>
+          <a:p>
+            <a:pPr eaLnBrk="1" hangingPunct="1"/>
+            <a:r>
+              <a:rPr lang="en-US" altLang="zh-TW" dirty="0" smtClean="0">
+                <a:ea typeface="新細明體" pitchFamily="18" charset="-120"/>
+              </a:rPr>
+              <a:t>Save as bday.htm</a:t>
+            </a:r>
+          </a:p>
+          <a:p>
+            <a:pPr eaLnBrk="1" hangingPunct="1"/>
+            <a:r>
+              <a:rPr lang="en-US" altLang="zh-TW" dirty="0" smtClean="0">
+                <a:ea typeface="新細明體" pitchFamily="18" charset="-120"/>
+              </a:rPr>
+              <a:t>Set the form action to the same </a:t>
             </a:r>
             <a:r>
               <a:rPr lang="en-US" altLang="zh-TW" dirty="0" err="1" smtClean="0">
                 <a:ea typeface="新細明體" pitchFamily="18" charset="-120"/>
               </a:rPr>
-              <a:t>birthday.php</a:t>
+              <a:t>bday.php</a:t>
             </a:r>
             <a:endParaRPr lang="en-US" altLang="zh-TW" dirty="0" smtClean="0">
               <a:ea typeface="新細明體" pitchFamily="18" charset="-120"/>
@@ -18337,133 +18325,40 @@
           <a:p>
             <a:pPr eaLnBrk="1" hangingPunct="1"/>
             <a:r>
+              <a:rPr lang="en-US" altLang="zh-TW" dirty="0" err="1" smtClean="0">
+                <a:ea typeface="新細明體" pitchFamily="18" charset="-120"/>
+              </a:rPr>
+              <a:t>Eg</a:t>
+            </a:r>
+            <a:r>
               <a:rPr lang="en-US" altLang="zh-TW" dirty="0" smtClean="0">
                 <a:ea typeface="新細明體" pitchFamily="18" charset="-120"/>
               </a:rPr>
-              <a:t>Open </a:t>
+              <a:t>. &lt;form action=</a:t>
+            </a:r>
+            <a:r>
+              <a:rPr lang="mr-IN" altLang="zh-TW" dirty="0" smtClean="0">
+                <a:ea typeface="新細明體" pitchFamily="18" charset="-120"/>
+              </a:rPr>
+              <a:t>"</a:t>
             </a:r>
             <a:r>
               <a:rPr lang="en-US" altLang="zh-TW" dirty="0" err="1" smtClean="0">
                 <a:ea typeface="新細明體" pitchFamily="18" charset="-120"/>
               </a:rPr>
-              <a:t>birthday.php</a:t>
+              <a:t>bday.php</a:t>
+            </a:r>
+            <a:r>
+              <a:rPr lang="mr-IN" altLang="zh-TW" dirty="0" smtClean="0">
+                <a:ea typeface="新細明體" pitchFamily="18" charset="-120"/>
+              </a:rPr>
+              <a:t>"</a:t>
             </a:r>
             <a:r>
               <a:rPr lang="en-US" altLang="zh-TW" dirty="0" smtClean="0">
                 <a:ea typeface="新細明體" pitchFamily="18" charset="-120"/>
               </a:rPr>
-              <a:t> and save as </a:t>
-            </a:r>
-            <a:r>
-              <a:rPr lang="en-US" altLang="zh-TW" dirty="0" err="1" smtClean="0">
-                <a:ea typeface="新細明體" pitchFamily="18" charset="-120"/>
-              </a:rPr>
-              <a:t>bday.php</a:t>
-            </a:r>
-            <a:endParaRPr lang="en-US" altLang="zh-TW" dirty="0" smtClean="0">
-              <a:ea typeface="新細明體" pitchFamily="18" charset="-120"/>
-            </a:endParaRPr>
-          </a:p>
-          <a:p>
-            <a:pPr eaLnBrk="1" hangingPunct="1"/>
-            <a:r>
-              <a:rPr lang="en-US" altLang="zh-TW" dirty="0" smtClean="0">
-                <a:ea typeface="新細明體" pitchFamily="18" charset="-120"/>
-              </a:rPr>
-              <a:t>All the results are stored in variables</a:t>
-            </a:r>
-          </a:p>
-          <a:p>
-            <a:pPr eaLnBrk="1" hangingPunct="1"/>
-            <a:r>
-              <a:rPr lang="en-US" altLang="zh-TW" dirty="0" smtClean="0">
-                <a:ea typeface="新細明體" pitchFamily="18" charset="-120"/>
-              </a:rPr>
-              <a:t>Change the constant variable to user’s input</a:t>
-            </a:r>
-          </a:p>
-          <a:p>
-            <a:pPr eaLnBrk="1" hangingPunct="1"/>
-            <a:endParaRPr lang="en-US" altLang="zh-TW" dirty="0" smtClean="0">
-              <a:ea typeface="新細明體" pitchFamily="18" charset="-120"/>
-            </a:endParaRPr>
-          </a:p>
-          <a:p>
-            <a:pPr eaLnBrk="1" hangingPunct="1">
-              <a:buFont typeface="Wingdings" pitchFamily="2" charset="2"/>
-              <a:buNone/>
-            </a:pPr>
-            <a:r>
-              <a:rPr lang="en-US" altLang="zh-TW" sz="2400" dirty="0" smtClean="0">
-                <a:solidFill>
-                  <a:srgbClr val="FF0000"/>
-                </a:solidFill>
-                <a:ea typeface="新細明體" pitchFamily="18" charset="-120"/>
-              </a:rPr>
-              <a:t>$birthday=</a:t>
-            </a:r>
-            <a:r>
-              <a:rPr lang="mr-IN" altLang="zh-TW" sz="2400" dirty="0" smtClean="0">
-                <a:solidFill>
-                  <a:srgbClr val="FF0000"/>
-                </a:solidFill>
-                <a:ea typeface="新細明體" pitchFamily="18" charset="-120"/>
-              </a:rPr>
-              <a:t>"</a:t>
-            </a:r>
-            <a:r>
-              <a:rPr lang="en-US" altLang="zh-TW" sz="2400" dirty="0" smtClean="0">
-                <a:solidFill>
-                  <a:srgbClr val="FF0000"/>
-                </a:solidFill>
-                <a:ea typeface="新細明體" pitchFamily="18" charset="-120"/>
-              </a:rPr>
-              <a:t>19900427</a:t>
-            </a:r>
-            <a:r>
-              <a:rPr lang="mr-IN" altLang="zh-TW" sz="2400" dirty="0" smtClean="0">
-                <a:solidFill>
-                  <a:srgbClr val="FF0000"/>
-                </a:solidFill>
-                <a:ea typeface="新細明體" pitchFamily="18" charset="-120"/>
-              </a:rPr>
-              <a:t>"</a:t>
-            </a:r>
-            <a:r>
-              <a:rPr lang="en-US" altLang="zh-TW" sz="2400" dirty="0" smtClean="0">
-                <a:solidFill>
-                  <a:srgbClr val="FF0000"/>
-                </a:solidFill>
-                <a:ea typeface="新細明體" pitchFamily="18" charset="-120"/>
-              </a:rPr>
-              <a:t>;</a:t>
-            </a:r>
-          </a:p>
-          <a:p>
-            <a:pPr eaLnBrk="1" hangingPunct="1">
-              <a:buFont typeface="Wingdings" pitchFamily="2" charset="2"/>
-              <a:buNone/>
-            </a:pPr>
-            <a:r>
-              <a:rPr lang="en-US" altLang="zh-TW" sz="2400" dirty="0" smtClean="0">
-                <a:ea typeface="新細明體" pitchFamily="18" charset="-120"/>
-              </a:rPr>
-              <a:t>change to=&gt;</a:t>
-            </a:r>
-          </a:p>
-          <a:p>
-            <a:pPr eaLnBrk="1" hangingPunct="1">
-              <a:buFont typeface="Wingdings" pitchFamily="2" charset="2"/>
-              <a:buNone/>
-            </a:pPr>
-            <a:r>
-              <a:rPr lang="en-US" altLang="zh-TW" sz="2400" dirty="0" smtClean="0">
-                <a:solidFill>
-                  <a:srgbClr val="FF0000"/>
-                </a:solidFill>
-                <a:ea typeface="新細明體" pitchFamily="18" charset="-120"/>
-              </a:rPr>
-              <a:t>$birthday = $_POST['year'].$_POST['month'].$_POST['day'];</a:t>
+              <a:t>&gt;</a:t>
             </a:r>
           </a:p>
         </p:txBody>
@@ -18471,7 +18366,7 @@
     </p:spTree>
     <p:extLst>
       <p:ext uri="{BB962C8B-B14F-4D97-AF65-F5344CB8AC3E}">
-        <p14:creationId xmlns:p14="http://schemas.microsoft.com/office/powerpoint/2010/main" val="1986755883"/>
+        <p14:creationId xmlns:p14="http://schemas.microsoft.com/office/powerpoint/2010/main" val="1550134520"/>
       </p:ext>
     </p:extLst>
   </p:cSld>
@@ -18503,7 +18398,7 @@
       </p:grpSpPr>
       <p:sp>
         <p:nvSpPr>
-          <p:cNvPr id="204802" name="Rectangle 2"/>
+          <p:cNvPr id="203778" name="Rectangle 2"/>
           <p:cNvSpPr>
             <a:spLocks noGrp="1" noChangeArrowheads="1"/>
           </p:cNvSpPr>
@@ -18521,20 +18416,17 @@
             </a:pPr>
             <a:r>
               <a:rPr lang="en-US" altLang="zh-TW" smtClean="0">
-                <a:ea typeface="新細明體" pitchFamily="18" charset="-120"/>
-              </a:rPr>
-              <a:t>Generate a result</a:t>
-            </a:r>
-            <a:endParaRPr lang="en-US" altLang="zh-TW" smtClean="0">
-              <a:latin typeface="Times New Roman" pitchFamily="18" charset="0"/>
-              <a:ea typeface="新細明體" pitchFamily="18" charset="-120"/>
-            </a:endParaRPr>
-          </a:p>
-        </p:txBody>
-      </p:sp>
-      <p:sp>
-        <p:nvSpPr>
-          <p:cNvPr id="38915" name="Rectangle 3"/>
+                <a:latin typeface="Times New Roman" pitchFamily="18" charset="0"/>
+                <a:ea typeface="新細明體" pitchFamily="18" charset="-120"/>
+              </a:rPr>
+              <a:t>Getting input from users</a:t>
+            </a:r>
+          </a:p>
+        </p:txBody>
+      </p:sp>
+      <p:sp>
+        <p:nvSpPr>
+          <p:cNvPr id="37891" name="Rectangle 3"/>
           <p:cNvSpPr>
             <a:spLocks noGrp="1" noChangeArrowheads="1"/>
           </p:cNvSpPr>
@@ -18544,7 +18436,9 @@
         </p:nvSpPr>
         <p:spPr/>
         <p:txBody>
-          <a:bodyPr/>
+          <a:bodyPr>
+            <a:normAutofit fontScale="92500" lnSpcReduction="20000"/>
+          </a:bodyPr>
           <a:lstStyle/>
           <a:p>
             <a:pPr eaLnBrk="1" hangingPunct="1"/>
@@ -18552,13 +18446,13 @@
               <a:rPr lang="en-US" altLang="zh-TW" dirty="0" smtClean="0">
                 <a:ea typeface="新細明體" pitchFamily="18" charset="-120"/>
               </a:rPr>
-              <a:t>In IE, open http://localhost/</a:t>
+              <a:t>Download </a:t>
             </a:r>
             <a:r>
               <a:rPr lang="en-US" altLang="zh-TW" dirty="0" err="1" smtClean="0">
                 <a:ea typeface="新細明體" pitchFamily="18" charset="-120"/>
               </a:rPr>
-              <a:t>bday.html</a:t>
+              <a:t>birthday.php</a:t>
             </a:r>
             <a:endParaRPr lang="en-US" altLang="zh-TW" dirty="0" smtClean="0">
               <a:ea typeface="新細明體" pitchFamily="18" charset="-120"/>
@@ -18570,16 +18464,19 @@
               <a:rPr lang="en-US" altLang="zh-TW" dirty="0" smtClean="0">
                 <a:ea typeface="新細明體" pitchFamily="18" charset="-120"/>
               </a:rPr>
-              <a:t>Testing it by input some data</a:t>
-            </a:r>
-          </a:p>
-          <a:p>
-            <a:pPr eaLnBrk="1" hangingPunct="1"/>
+              <a:t>Open </a:t>
+            </a:r>
+            <a:r>
+              <a:rPr lang="en-US" altLang="zh-TW" dirty="0" err="1" smtClean="0">
+                <a:ea typeface="新細明體" pitchFamily="18" charset="-120"/>
+              </a:rPr>
+              <a:t>birthday.php</a:t>
+            </a:r>
             <a:r>
               <a:rPr lang="en-US" altLang="zh-TW" dirty="0" smtClean="0">
                 <a:ea typeface="新細明體" pitchFamily="18" charset="-120"/>
               </a:rPr>
-              <a:t>Result will be displayed by </a:t>
+              <a:t> and save as </a:t>
             </a:r>
             <a:r>
               <a:rPr lang="en-US" altLang="zh-TW" dirty="0" err="1" smtClean="0">
@@ -18591,12 +18488,114 @@
               <a:ea typeface="新細明體" pitchFamily="18" charset="-120"/>
             </a:endParaRPr>
           </a:p>
+          <a:p>
+            <a:pPr eaLnBrk="1" hangingPunct="1"/>
+            <a:r>
+              <a:rPr lang="en-US" altLang="zh-TW" dirty="0" smtClean="0">
+                <a:ea typeface="新細明體" pitchFamily="18" charset="-120"/>
+              </a:rPr>
+              <a:t>All the results are stored in variables</a:t>
+            </a:r>
+          </a:p>
+          <a:p>
+            <a:pPr eaLnBrk="1" hangingPunct="1"/>
+            <a:r>
+              <a:rPr lang="en-US" altLang="zh-TW" dirty="0" smtClean="0">
+                <a:ea typeface="新細明體" pitchFamily="18" charset="-120"/>
+              </a:rPr>
+              <a:t>Change the constant variable to user’s input</a:t>
+            </a:r>
+          </a:p>
+          <a:p>
+            <a:pPr eaLnBrk="1" hangingPunct="1"/>
+            <a:endParaRPr lang="en-US" altLang="zh-TW" dirty="0" smtClean="0">
+              <a:ea typeface="新細明體" pitchFamily="18" charset="-120"/>
+            </a:endParaRPr>
+          </a:p>
+          <a:p>
+            <a:pPr eaLnBrk="1" hangingPunct="1">
+              <a:buFont typeface="Wingdings" pitchFamily="2" charset="2"/>
+              <a:buNone/>
+            </a:pPr>
+            <a:r>
+              <a:rPr lang="en-US" altLang="zh-TW" sz="2400" dirty="0" smtClean="0">
+                <a:solidFill>
+                  <a:srgbClr val="FF0000"/>
+                </a:solidFill>
+                <a:ea typeface="新細明體" pitchFamily="18" charset="-120"/>
+              </a:rPr>
+              <a:t>$birthday=</a:t>
+            </a:r>
+            <a:r>
+              <a:rPr lang="mr-IN" altLang="zh-TW" sz="2400" dirty="0" smtClean="0">
+                <a:solidFill>
+                  <a:srgbClr val="FF0000"/>
+                </a:solidFill>
+                <a:ea typeface="新細明體" pitchFamily="18" charset="-120"/>
+              </a:rPr>
+              <a:t>"</a:t>
+            </a:r>
+            <a:r>
+              <a:rPr lang="en-US" altLang="zh-TW" sz="2400" dirty="0" smtClean="0">
+                <a:solidFill>
+                  <a:srgbClr val="FF0000"/>
+                </a:solidFill>
+                <a:ea typeface="新細明體" pitchFamily="18" charset="-120"/>
+              </a:rPr>
+              <a:t>19900427</a:t>
+            </a:r>
+            <a:r>
+              <a:rPr lang="mr-IN" altLang="zh-TW" sz="2400" dirty="0" smtClean="0">
+                <a:solidFill>
+                  <a:srgbClr val="FF0000"/>
+                </a:solidFill>
+                <a:ea typeface="新細明體" pitchFamily="18" charset="-120"/>
+              </a:rPr>
+              <a:t>"</a:t>
+            </a:r>
+            <a:r>
+              <a:rPr lang="en-US" altLang="zh-TW" sz="2400" dirty="0" smtClean="0">
+                <a:solidFill>
+                  <a:srgbClr val="FF0000"/>
+                </a:solidFill>
+                <a:ea typeface="新細明體" pitchFamily="18" charset="-120"/>
+              </a:rPr>
+              <a:t>;</a:t>
+            </a:r>
+          </a:p>
+          <a:p>
+            <a:pPr eaLnBrk="1" hangingPunct="1">
+              <a:buFont typeface="Wingdings" pitchFamily="2" charset="2"/>
+              <a:buNone/>
+            </a:pPr>
+            <a:r>
+              <a:rPr lang="en-US" altLang="zh-TW" sz="2400" dirty="0" smtClean="0">
+                <a:ea typeface="新細明體" pitchFamily="18" charset="-120"/>
+              </a:rPr>
+              <a:t>change to=&gt;</a:t>
+            </a:r>
+          </a:p>
+          <a:p>
+            <a:pPr eaLnBrk="1" hangingPunct="1">
+              <a:buFont typeface="Wingdings" pitchFamily="2" charset="2"/>
+              <a:buNone/>
+            </a:pPr>
+            <a:r>
+              <a:rPr lang="en-US" altLang="zh-TW" sz="2400" dirty="0" smtClean="0">
+                <a:solidFill>
+                  <a:srgbClr val="FF0000"/>
+                </a:solidFill>
+                <a:ea typeface="新細明體" pitchFamily="18" charset="-120"/>
+              </a:rPr>
+              <a:t>$birthday = $_POST['year'].$_POST['month'].$_POST['day'];</a:t>
+            </a:r>
+          </a:p>
         </p:txBody>
       </p:sp>
     </p:spTree>
     <p:extLst>
       <p:ext uri="{BB962C8B-B14F-4D97-AF65-F5344CB8AC3E}">
-        <p14:creationId xmlns:p14="http://schemas.microsoft.com/office/powerpoint/2010/main" val="182898378"/>
+        <p14:creationId xmlns:p14="http://schemas.microsoft.com/office/powerpoint/2010/main" val="1986755883"/>
       </p:ext>
     </p:extLst>
   </p:cSld>
@@ -18628,7 +18627,7 @@
       </p:grpSpPr>
       <p:sp>
         <p:nvSpPr>
-          <p:cNvPr id="142338" name="Rectangle 2"/>
+          <p:cNvPr id="204802" name="Rectangle 2"/>
           <p:cNvSpPr>
             <a:spLocks noGrp="1" noChangeArrowheads="1"/>
           </p:cNvSpPr>
@@ -18646,17 +18645,20 @@
             </a:pPr>
             <a:r>
               <a:rPr lang="en-US" altLang="zh-TW" smtClean="0">
-                <a:latin typeface="Times New Roman" charset="0"/>
-                <a:ea typeface="新細明體" charset="-120"/>
-              </a:rPr>
-              <a:t>Get and Post</a:t>
-            </a:r>
-          </a:p>
-        </p:txBody>
-      </p:sp>
-      <p:sp>
-        <p:nvSpPr>
-          <p:cNvPr id="35843" name="Rectangle 3"/>
+                <a:ea typeface="新細明體" pitchFamily="18" charset="-120"/>
+              </a:rPr>
+              <a:t>Generate a result</a:t>
+            </a:r>
+            <a:endParaRPr lang="en-US" altLang="zh-TW" smtClean="0">
+              <a:latin typeface="Times New Roman" pitchFamily="18" charset="0"/>
+              <a:ea typeface="新細明體" pitchFamily="18" charset="-120"/>
+            </a:endParaRPr>
+          </a:p>
+        </p:txBody>
+      </p:sp>
+      <p:sp>
+        <p:nvSpPr>
+          <p:cNvPr id="38915" name="Rectangle 3"/>
           <p:cNvSpPr>
             <a:spLocks noGrp="1" noChangeArrowheads="1"/>
           </p:cNvSpPr>
@@ -18666,61 +18668,59 @@
         </p:nvSpPr>
         <p:spPr/>
         <p:txBody>
-          <a:bodyPr>
-            <a:normAutofit lnSpcReduction="10000"/>
-          </a:bodyPr>
+          <a:bodyPr/>
           <a:lstStyle/>
           <a:p>
             <a:pPr eaLnBrk="1" hangingPunct="1"/>
             <a:r>
-              <a:rPr lang="en-US" altLang="zh-TW" smtClean="0">
-                <a:ea typeface="新細明體" pitchFamily="18" charset="-120"/>
-              </a:rPr>
-              <a:t>Get data is displayed in the location bar</a:t>
-            </a:r>
+              <a:rPr lang="en-US" altLang="zh-TW" dirty="0" smtClean="0">
+                <a:ea typeface="新細明體" pitchFamily="18" charset="-120"/>
+              </a:rPr>
+              <a:t>In IE, open http://localhost/</a:t>
+            </a:r>
+            <a:r>
+              <a:rPr lang="en-US" altLang="zh-TW" dirty="0" err="1" smtClean="0">
+                <a:ea typeface="新細明體" pitchFamily="18" charset="-120"/>
+              </a:rPr>
+              <a:t>bday.html</a:t>
+            </a:r>
+            <a:endParaRPr lang="en-US" altLang="zh-TW" dirty="0" smtClean="0">
+              <a:ea typeface="新細明體" pitchFamily="18" charset="-120"/>
+            </a:endParaRPr>
           </a:p>
           <a:p>
             <a:pPr eaLnBrk="1" hangingPunct="1"/>
             <a:r>
-              <a:rPr lang="en-US" altLang="zh-TW" smtClean="0">
-                <a:ea typeface="新細明體" pitchFamily="18" charset="-120"/>
-              </a:rPr>
-              <a:t>Get is used for requesting information, like a particular record from a database or the results of a search. (search always use get)</a:t>
+              <a:rPr lang="en-US" altLang="zh-TW" dirty="0" smtClean="0">
+                <a:ea typeface="新細明體" pitchFamily="18" charset="-120"/>
+              </a:rPr>
+              <a:t>Testing it by input some data</a:t>
             </a:r>
           </a:p>
           <a:p>
             <a:pPr eaLnBrk="1" hangingPunct="1"/>
             <a:r>
-              <a:rPr lang="en-US" altLang="zh-TW" smtClean="0">
-                <a:ea typeface="新細明體" pitchFamily="18" charset="-120"/>
-              </a:rPr>
-              <a:t>Post usually handle large data</a:t>
-            </a:r>
-          </a:p>
-          <a:p>
-            <a:pPr eaLnBrk="1" hangingPunct="1"/>
-            <a:r>
-              <a:rPr lang="en-US" altLang="zh-TW" smtClean="0">
-                <a:ea typeface="新細明體" pitchFamily="18" charset="-120"/>
-              </a:rPr>
-              <a:t>Post is used when an action is required, as when a database record will be updated or email should be sent</a:t>
-            </a:r>
-          </a:p>
-          <a:p>
-            <a:pPr eaLnBrk="1" hangingPunct="1"/>
-            <a:r>
-              <a:rPr lang="en-US" altLang="zh-TW" smtClean="0">
-                <a:ea typeface="新細明體" pitchFamily="18" charset="-120"/>
-              </a:rPr>
-              <a:t>Post is usually used in nowadays</a:t>
-            </a:r>
+              <a:rPr lang="en-US" altLang="zh-TW" dirty="0" smtClean="0">
+                <a:ea typeface="新細明體" pitchFamily="18" charset="-120"/>
+              </a:rPr>
+              <a:t>Result will be displayed by </a:t>
+            </a:r>
+            <a:r>
+              <a:rPr lang="en-US" altLang="zh-TW" dirty="0" err="1" smtClean="0">
+                <a:ea typeface="新細明體" pitchFamily="18" charset="-120"/>
+              </a:rPr>
+              <a:t>bday.php</a:t>
+            </a:r>
+            <a:endParaRPr lang="en-US" altLang="zh-TW" dirty="0" smtClean="0">
+              <a:ea typeface="新細明體" pitchFamily="18" charset="-120"/>
+            </a:endParaRPr>
           </a:p>
         </p:txBody>
       </p:sp>
     </p:spTree>
     <p:extLst>
       <p:ext uri="{BB962C8B-B14F-4D97-AF65-F5344CB8AC3E}">
-        <p14:creationId xmlns:p14="http://schemas.microsoft.com/office/powerpoint/2010/main" val="923940189"/>
+        <p14:creationId xmlns:p14="http://schemas.microsoft.com/office/powerpoint/2010/main" val="182898378"/>
       </p:ext>
     </p:extLst>
   </p:cSld>
@@ -18752,7 +18752,7 @@
       </p:grpSpPr>
       <p:sp>
         <p:nvSpPr>
-          <p:cNvPr id="146434" name="Rectangle 2"/>
+          <p:cNvPr id="142338" name="Rectangle 2"/>
           <p:cNvSpPr>
             <a:spLocks noGrp="1" noChangeArrowheads="1"/>
           </p:cNvSpPr>
@@ -18769,18 +18769,18 @@
               <a:defRPr/>
             </a:pPr>
             <a:r>
-              <a:rPr lang="en-US" altLang="zh-TW" dirty="0" smtClean="0">
+              <a:rPr lang="en-US" altLang="zh-TW" smtClean="0">
                 <a:latin typeface="Times New Roman" charset="0"/>
                 <a:ea typeface="新細明體" charset="-120"/>
               </a:rPr>
-              <a:t>Variable</a:t>
-            </a:r>
-          </a:p>
-        </p:txBody>
-      </p:sp>
-      <p:sp>
-        <p:nvSpPr>
-          <p:cNvPr id="36867" name="Rectangle 3"/>
+              <a:t>Get and Post</a:t>
+            </a:r>
+          </a:p>
+        </p:txBody>
+      </p:sp>
+      <p:sp>
+        <p:nvSpPr>
+          <p:cNvPr id="35843" name="Rectangle 3"/>
           <p:cNvSpPr>
             <a:spLocks noGrp="1" noChangeArrowheads="1"/>
           </p:cNvSpPr>
@@ -18791,187 +18791,52 @@
         <p:spPr/>
         <p:txBody>
           <a:bodyPr>
-            <a:normAutofit/>
+            <a:normAutofit lnSpcReduction="10000"/>
           </a:bodyPr>
           <a:lstStyle/>
           <a:p>
             <a:pPr eaLnBrk="1" hangingPunct="1"/>
             <a:r>
-              <a:rPr lang="zh-TW" altLang="en-US" dirty="0" smtClean="0">
-                <a:ea typeface="新細明體" pitchFamily="18" charset="-120"/>
-              </a:rPr>
-              <a:t>$</a:t>
-            </a:r>
-            <a:r>
-              <a:rPr lang="en-US" altLang="zh-TW" dirty="0" smtClean="0">
-                <a:ea typeface="新細明體" pitchFamily="18" charset="-120"/>
-              </a:rPr>
-              <a:t>username – short form, not recommended in PHP4 since </a:t>
-            </a:r>
-            <a:r>
-              <a:rPr lang="en-US" altLang="zh-TW" dirty="0" err="1" smtClean="0">
-                <a:ea typeface="新細明體" pitchFamily="18" charset="-120"/>
-              </a:rPr>
-              <a:t>register_globals</a:t>
-            </a:r>
-            <a:r>
-              <a:rPr lang="en-US" altLang="zh-TW" dirty="0" smtClean="0">
-                <a:ea typeface="新細明體" pitchFamily="18" charset="-120"/>
-              </a:rPr>
-              <a:t> is turned off in /</a:t>
-            </a:r>
-            <a:r>
-              <a:rPr lang="en-US" altLang="zh-TW" dirty="0" err="1" smtClean="0">
-                <a:ea typeface="新細明體" pitchFamily="18" charset="-120"/>
-              </a:rPr>
-              <a:t>etc</a:t>
-            </a:r>
-            <a:r>
-              <a:rPr lang="en-US" altLang="zh-TW" dirty="0" smtClean="0">
-                <a:ea typeface="新細明體" pitchFamily="18" charset="-120"/>
-              </a:rPr>
-              <a:t>/php.ini</a:t>
+              <a:rPr lang="en-US" altLang="zh-TW" smtClean="0">
+                <a:ea typeface="新細明體" pitchFamily="18" charset="-120"/>
+              </a:rPr>
+              <a:t>Get data is displayed in the location bar</a:t>
             </a:r>
           </a:p>
           <a:p>
             <a:pPr eaLnBrk="1" hangingPunct="1"/>
             <a:r>
-              <a:rPr lang="en-US" altLang="zh-TW" strike="sngStrike" dirty="0" smtClean="0">
-                <a:ea typeface="新細明體" pitchFamily="18" charset="-120"/>
-              </a:rPr>
-              <a:t>$HTTP_GET_VARS[</a:t>
-            </a:r>
-            <a:r>
-              <a:rPr lang="mr-IN" altLang="zh-TW" strike="sngStrike" dirty="0" smtClean="0">
-                <a:ea typeface="新細明體" pitchFamily="18" charset="-120"/>
-              </a:rPr>
-              <a:t>"</a:t>
-            </a:r>
-            <a:r>
-              <a:rPr lang="en-US" altLang="zh-TW" strike="sngStrike" dirty="0" smtClean="0">
-                <a:ea typeface="新細明體" pitchFamily="18" charset="-120"/>
-              </a:rPr>
-              <a:t>username</a:t>
-            </a:r>
-            <a:r>
-              <a:rPr lang="mr-IN" altLang="zh-TW" strike="sngStrike" dirty="0" smtClean="0">
-                <a:ea typeface="新細明體" pitchFamily="18" charset="-120"/>
-              </a:rPr>
-              <a:t>"</a:t>
-            </a:r>
-            <a:r>
-              <a:rPr lang="en-US" altLang="zh-TW" strike="sngStrike" dirty="0" smtClean="0">
-                <a:ea typeface="新細明體" pitchFamily="18" charset="-120"/>
-              </a:rPr>
-              <a:t>], $HTTP_POST_VARS[</a:t>
-            </a:r>
-            <a:r>
-              <a:rPr lang="mr-IN" altLang="zh-TW" strike="sngStrike" dirty="0" smtClean="0">
-                <a:ea typeface="新細明體" pitchFamily="18" charset="-120"/>
-              </a:rPr>
-              <a:t>"</a:t>
-            </a:r>
-            <a:r>
-              <a:rPr lang="en-US" altLang="zh-TW" strike="sngStrike" dirty="0" smtClean="0">
-                <a:ea typeface="新細明體" pitchFamily="18" charset="-120"/>
-              </a:rPr>
-              <a:t>username</a:t>
-            </a:r>
-            <a:r>
-              <a:rPr lang="mr-IN" altLang="zh-TW" strike="sngStrike" dirty="0" smtClean="0">
-                <a:ea typeface="新細明體" pitchFamily="18" charset="-120"/>
-              </a:rPr>
-              <a:t>"</a:t>
-            </a:r>
-            <a:r>
-              <a:rPr lang="en-US" altLang="zh-TW" strike="sngStrike" dirty="0" smtClean="0">
-                <a:ea typeface="新細明體" pitchFamily="18" charset="-120"/>
-              </a:rPr>
-              <a:t>]</a:t>
+              <a:rPr lang="en-US" altLang="zh-TW" smtClean="0">
+                <a:ea typeface="新細明體" pitchFamily="18" charset="-120"/>
+              </a:rPr>
+              <a:t>Get is used for requesting information, like a particular record from a database or the results of a search. (search always use get)</a:t>
             </a:r>
           </a:p>
           <a:p>
             <a:pPr eaLnBrk="1" hangingPunct="1"/>
             <a:r>
-              <a:rPr lang="en-US" altLang="zh-TW" dirty="0" smtClean="0">
-                <a:solidFill>
-                  <a:srgbClr val="FF0000"/>
-                </a:solidFill>
-                <a:ea typeface="新細明體" pitchFamily="18" charset="-120"/>
-              </a:rPr>
-              <a:t>$_GET[</a:t>
-            </a:r>
-            <a:r>
-              <a:rPr lang="mr-IN" altLang="zh-TW" dirty="0" smtClean="0">
-                <a:solidFill>
-                  <a:srgbClr val="FF0000"/>
-                </a:solidFill>
-                <a:ea typeface="新細明體" pitchFamily="18" charset="-120"/>
-              </a:rPr>
-              <a:t>"</a:t>
-            </a:r>
-            <a:r>
-              <a:rPr lang="en-US" altLang="zh-TW" dirty="0" smtClean="0">
-                <a:solidFill>
-                  <a:srgbClr val="FF0000"/>
-                </a:solidFill>
-                <a:ea typeface="新細明體" pitchFamily="18" charset="-120"/>
-              </a:rPr>
-              <a:t>username</a:t>
-            </a:r>
-            <a:r>
-              <a:rPr lang="mr-IN" altLang="zh-TW" dirty="0" smtClean="0">
-                <a:solidFill>
-                  <a:srgbClr val="FF0000"/>
-                </a:solidFill>
-                <a:ea typeface="新細明體" pitchFamily="18" charset="-120"/>
-              </a:rPr>
-              <a:t>"</a:t>
-            </a:r>
-            <a:r>
-              <a:rPr lang="en-US" altLang="zh-TW" dirty="0" smtClean="0">
-                <a:solidFill>
-                  <a:srgbClr val="FF0000"/>
-                </a:solidFill>
-                <a:ea typeface="新細明體" pitchFamily="18" charset="-120"/>
-              </a:rPr>
-              <a:t>], $_POST[</a:t>
-            </a:r>
-            <a:r>
-              <a:rPr lang="mr-IN" altLang="zh-TW" dirty="0" smtClean="0">
-                <a:solidFill>
-                  <a:srgbClr val="FF0000"/>
-                </a:solidFill>
-                <a:ea typeface="新細明體" pitchFamily="18" charset="-120"/>
-              </a:rPr>
-              <a:t>"</a:t>
-            </a:r>
-            <a:r>
-              <a:rPr lang="en-US" altLang="zh-TW" dirty="0" smtClean="0">
-                <a:solidFill>
-                  <a:srgbClr val="FF0000"/>
-                </a:solidFill>
-                <a:ea typeface="新細明體" pitchFamily="18" charset="-120"/>
-              </a:rPr>
-              <a:t>username</a:t>
-            </a:r>
-            <a:r>
-              <a:rPr lang="mr-IN" altLang="zh-TW" dirty="0" smtClean="0">
-                <a:solidFill>
-                  <a:srgbClr val="FF0000"/>
-                </a:solidFill>
-                <a:ea typeface="新細明體" pitchFamily="18" charset="-120"/>
-              </a:rPr>
-              <a:t>"</a:t>
-            </a:r>
-            <a:r>
-              <a:rPr lang="en-US" altLang="zh-TW" dirty="0" smtClean="0">
-                <a:solidFill>
-                  <a:srgbClr val="FF0000"/>
-                </a:solidFill>
-                <a:ea typeface="新細明體" pitchFamily="18" charset="-120"/>
-              </a:rPr>
-              <a:t>]</a:t>
+              <a:rPr lang="en-US" altLang="zh-TW" smtClean="0">
+                <a:ea typeface="新細明體" pitchFamily="18" charset="-120"/>
+              </a:rPr>
+              <a:t>Post usually handle large data</a:t>
+            </a:r>
+          </a:p>
+          <a:p>
+            <a:pPr eaLnBrk="1" hangingPunct="1"/>
+            <a:r>
+              <a:rPr lang="en-US" altLang="zh-TW" smtClean="0">
+                <a:ea typeface="新細明體" pitchFamily="18" charset="-120"/>
+              </a:rPr>
+              <a:t>Post is used when an action is required, as when a database record will be updated or email should be sent</a:t>
+            </a:r>
+          </a:p>
+          <a:p>
+            <a:pPr eaLnBrk="1" hangingPunct="1"/>
+            <a:r>
+              <a:rPr lang="en-US" altLang="zh-TW" smtClean="0">
+                <a:ea typeface="新細明體" pitchFamily="18" charset="-120"/>
+              </a:rPr>
+              <a:t>Post is usually used in nowadays</a:t>
             </a:r>
           </a:p>
         </p:txBody>
@@ -18979,7 +18844,7 @@
     </p:spTree>
     <p:extLst>
       <p:ext uri="{BB962C8B-B14F-4D97-AF65-F5344CB8AC3E}">
-        <p14:creationId xmlns:p14="http://schemas.microsoft.com/office/powerpoint/2010/main" val="1798816005"/>
+        <p14:creationId xmlns:p14="http://schemas.microsoft.com/office/powerpoint/2010/main" val="923940189"/>
       </p:ext>
     </p:extLst>
   </p:cSld>
@@ -19011,7 +18876,7 @@
       </p:grpSpPr>
       <p:sp>
         <p:nvSpPr>
-          <p:cNvPr id="201730" name="Rectangle 2"/>
+          <p:cNvPr id="146434" name="Rectangle 2"/>
           <p:cNvSpPr>
             <a:spLocks noGrp="1" noChangeArrowheads="1"/>
           </p:cNvSpPr>
@@ -19028,18 +18893,18 @@
               <a:defRPr/>
             </a:pPr>
             <a:r>
-              <a:rPr lang="en-US" altLang="zh-TW" smtClean="0">
-                <a:latin typeface="Times New Roman" pitchFamily="18" charset="0"/>
-                <a:ea typeface="新細明體" pitchFamily="18" charset="-120"/>
-              </a:rPr>
-              <a:t>Exercise 6</a:t>
-            </a:r>
-          </a:p>
-        </p:txBody>
-      </p:sp>
-      <p:sp>
-        <p:nvSpPr>
-          <p:cNvPr id="39939" name="Rectangle 3"/>
+              <a:rPr lang="en-US" altLang="zh-TW" dirty="0" smtClean="0">
+                <a:latin typeface="Times New Roman" charset="0"/>
+                <a:ea typeface="新細明體" charset="-120"/>
+              </a:rPr>
+              <a:t>Variable</a:t>
+            </a:r>
+          </a:p>
+        </p:txBody>
+      </p:sp>
+      <p:sp>
+        <p:nvSpPr>
+          <p:cNvPr id="36867" name="Rectangle 3"/>
           <p:cNvSpPr>
             <a:spLocks noGrp="1" noChangeArrowheads="1"/>
           </p:cNvSpPr>
@@ -19049,51 +18914,188 @@
         </p:nvSpPr>
         <p:spPr/>
         <p:txBody>
-          <a:bodyPr/>
+          <a:bodyPr>
+            <a:normAutofit/>
+          </a:bodyPr>
           <a:lstStyle/>
           <a:p>
             <a:pPr eaLnBrk="1" hangingPunct="1"/>
             <a:r>
-              <a:rPr lang="en-US" altLang="zh-TW" smtClean="0">
-                <a:ea typeface="新細明體" pitchFamily="18" charset="-120"/>
-              </a:rPr>
-              <a:t>Try to write out a form in html for user to input a number</a:t>
+              <a:rPr lang="zh-TW" altLang="en-US" dirty="0" smtClean="0">
+                <a:ea typeface="新細明體" pitchFamily="18" charset="-120"/>
+              </a:rPr>
+              <a:t>$</a:t>
+            </a:r>
+            <a:r>
+              <a:rPr lang="en-US" altLang="zh-TW" dirty="0" smtClean="0">
+                <a:ea typeface="新細明體" pitchFamily="18" charset="-120"/>
+              </a:rPr>
+              <a:t>username – short form, not recommended in PHP4 since </a:t>
+            </a:r>
+            <a:r>
+              <a:rPr lang="en-US" altLang="zh-TW" dirty="0" err="1" smtClean="0">
+                <a:ea typeface="新細明體" pitchFamily="18" charset="-120"/>
+              </a:rPr>
+              <a:t>register_globals</a:t>
+            </a:r>
+            <a:r>
+              <a:rPr lang="en-US" altLang="zh-TW" dirty="0" smtClean="0">
+                <a:ea typeface="新細明體" pitchFamily="18" charset="-120"/>
+              </a:rPr>
+              <a:t> is turned off in /</a:t>
+            </a:r>
+            <a:r>
+              <a:rPr lang="en-US" altLang="zh-TW" dirty="0" err="1" smtClean="0">
+                <a:ea typeface="新細明體" pitchFamily="18" charset="-120"/>
+              </a:rPr>
+              <a:t>etc</a:t>
+            </a:r>
+            <a:r>
+              <a:rPr lang="en-US" altLang="zh-TW" dirty="0" smtClean="0">
+                <a:ea typeface="新細明體" pitchFamily="18" charset="-120"/>
+              </a:rPr>
+              <a:t>/php.ini</a:t>
             </a:r>
           </a:p>
           <a:p>
             <a:pPr eaLnBrk="1" hangingPunct="1"/>
             <a:r>
-              <a:rPr lang="en-US" altLang="zh-TW" smtClean="0">
-                <a:ea typeface="新細明體" pitchFamily="18" charset="-120"/>
-              </a:rPr>
-              <a:t>Save as square.html</a:t>
+              <a:rPr lang="en-US" altLang="zh-TW" strike="sngStrike" dirty="0" smtClean="0">
+                <a:ea typeface="新細明體" pitchFamily="18" charset="-120"/>
+              </a:rPr>
+              <a:t>$HTTP_GET_VARS[</a:t>
+            </a:r>
+            <a:r>
+              <a:rPr lang="mr-IN" altLang="zh-TW" strike="sngStrike" dirty="0" smtClean="0">
+                <a:ea typeface="新細明體" pitchFamily="18" charset="-120"/>
+              </a:rPr>
+              <a:t>"</a:t>
+            </a:r>
+            <a:r>
+              <a:rPr lang="en-US" altLang="zh-TW" strike="sngStrike" dirty="0" smtClean="0">
+                <a:ea typeface="新細明體" pitchFamily="18" charset="-120"/>
+              </a:rPr>
+              <a:t>username</a:t>
+            </a:r>
+            <a:r>
+              <a:rPr lang="mr-IN" altLang="zh-TW" strike="sngStrike" dirty="0" smtClean="0">
+                <a:ea typeface="新細明體" pitchFamily="18" charset="-120"/>
+              </a:rPr>
+              <a:t>"</a:t>
+            </a:r>
+            <a:r>
+              <a:rPr lang="en-US" altLang="zh-TW" strike="sngStrike" dirty="0" smtClean="0">
+                <a:ea typeface="新細明體" pitchFamily="18" charset="-120"/>
+              </a:rPr>
+              <a:t>], $HTTP_POST_VARS[</a:t>
+            </a:r>
+            <a:r>
+              <a:rPr lang="mr-IN" altLang="zh-TW" strike="sngStrike" dirty="0" smtClean="0">
+                <a:ea typeface="新細明體" pitchFamily="18" charset="-120"/>
+              </a:rPr>
+              <a:t>"</a:t>
+            </a:r>
+            <a:r>
+              <a:rPr lang="en-US" altLang="zh-TW" strike="sngStrike" dirty="0" smtClean="0">
+                <a:ea typeface="新細明體" pitchFamily="18" charset="-120"/>
+              </a:rPr>
+              <a:t>username</a:t>
+            </a:r>
+            <a:r>
+              <a:rPr lang="mr-IN" altLang="zh-TW" strike="sngStrike" dirty="0" smtClean="0">
+                <a:ea typeface="新細明體" pitchFamily="18" charset="-120"/>
+              </a:rPr>
+              <a:t>"</a:t>
+            </a:r>
+            <a:r>
+              <a:rPr lang="en-US" altLang="zh-TW" strike="sngStrike" dirty="0" smtClean="0">
+                <a:ea typeface="新細明體" pitchFamily="18" charset="-120"/>
+              </a:rPr>
+              <a:t>]</a:t>
             </a:r>
           </a:p>
           <a:p>
             <a:pPr eaLnBrk="1" hangingPunct="1"/>
             <a:r>
-              <a:rPr lang="en-US" altLang="zh-TW" smtClean="0">
-                <a:ea typeface="新細明體" pitchFamily="18" charset="-120"/>
-              </a:rPr>
-              <a:t>Create a new php file</a:t>
-            </a:r>
-          </a:p>
-          <a:p>
-            <a:pPr eaLnBrk="1" hangingPunct="1"/>
-            <a:r>
-              <a:rPr lang="en-US" altLang="zh-TW" smtClean="0">
-                <a:ea typeface="新細明體" pitchFamily="18" charset="-120"/>
-              </a:rPr>
-              <a:t>Find the square of the number</a:t>
-            </a:r>
-          </a:p>
-          <a:p>
-            <a:pPr eaLnBrk="1" hangingPunct="1"/>
-            <a:r>
-              <a:rPr lang="en-US" altLang="zh-TW" smtClean="0">
-                <a:ea typeface="新細明體" pitchFamily="18" charset="-120"/>
-              </a:rPr>
-              <a:t>Save as square.php and test the page</a:t>
+              <a:rPr lang="en-US" altLang="zh-TW" dirty="0" smtClean="0">
+                <a:solidFill>
+                  <a:srgbClr val="FF0000"/>
+                </a:solidFill>
+                <a:ea typeface="新細明體" pitchFamily="18" charset="-120"/>
+              </a:rPr>
+              <a:t>$_GET[</a:t>
+            </a:r>
+            <a:r>
+              <a:rPr lang="mr-IN" altLang="zh-TW" dirty="0" smtClean="0">
+                <a:solidFill>
+                  <a:srgbClr val="FF0000"/>
+                </a:solidFill>
+                <a:ea typeface="新細明體" pitchFamily="18" charset="-120"/>
+              </a:rPr>
+              <a:t>"</a:t>
+            </a:r>
+            <a:r>
+              <a:rPr lang="en-US" altLang="zh-TW" dirty="0" smtClean="0">
+                <a:solidFill>
+                  <a:srgbClr val="FF0000"/>
+                </a:solidFill>
+                <a:ea typeface="新細明體" pitchFamily="18" charset="-120"/>
+              </a:rPr>
+              <a:t>username</a:t>
+            </a:r>
+            <a:r>
+              <a:rPr lang="mr-IN" altLang="zh-TW" dirty="0" smtClean="0">
+                <a:solidFill>
+                  <a:srgbClr val="FF0000"/>
+                </a:solidFill>
+                <a:ea typeface="新細明體" pitchFamily="18" charset="-120"/>
+              </a:rPr>
+              <a:t>"</a:t>
+            </a:r>
+            <a:r>
+              <a:rPr lang="en-US" altLang="zh-TW" dirty="0" smtClean="0">
+                <a:solidFill>
+                  <a:srgbClr val="FF0000"/>
+                </a:solidFill>
+                <a:ea typeface="新細明體" pitchFamily="18" charset="-120"/>
+              </a:rPr>
+              <a:t>], $_POST[</a:t>
+            </a:r>
+            <a:r>
+              <a:rPr lang="mr-IN" altLang="zh-TW" dirty="0" smtClean="0">
+                <a:solidFill>
+                  <a:srgbClr val="FF0000"/>
+                </a:solidFill>
+                <a:ea typeface="新細明體" pitchFamily="18" charset="-120"/>
+              </a:rPr>
+              <a:t>"</a:t>
+            </a:r>
+            <a:r>
+              <a:rPr lang="en-US" altLang="zh-TW" dirty="0" smtClean="0">
+                <a:solidFill>
+                  <a:srgbClr val="FF0000"/>
+                </a:solidFill>
+                <a:ea typeface="新細明體" pitchFamily="18" charset="-120"/>
+              </a:rPr>
+              <a:t>username</a:t>
+            </a:r>
+            <a:r>
+              <a:rPr lang="mr-IN" altLang="zh-TW" dirty="0" smtClean="0">
+                <a:solidFill>
+                  <a:srgbClr val="FF0000"/>
+                </a:solidFill>
+                <a:ea typeface="新細明體" pitchFamily="18" charset="-120"/>
+              </a:rPr>
+              <a:t>"</a:t>
+            </a:r>
+            <a:r>
+              <a:rPr lang="en-US" altLang="zh-TW" dirty="0" smtClean="0">
+                <a:solidFill>
+                  <a:srgbClr val="FF0000"/>
+                </a:solidFill>
+                <a:ea typeface="新細明體" pitchFamily="18" charset="-120"/>
+              </a:rPr>
+              <a:t>]</a:t>
             </a:r>
           </a:p>
         </p:txBody>
@@ -19101,7 +19103,7 @@
     </p:spTree>
     <p:extLst>
       <p:ext uri="{BB962C8B-B14F-4D97-AF65-F5344CB8AC3E}">
-        <p14:creationId xmlns:p14="http://schemas.microsoft.com/office/powerpoint/2010/main" val="1233142379"/>
+        <p14:creationId xmlns:p14="http://schemas.microsoft.com/office/powerpoint/2010/main" val="1798816005"/>
       </p:ext>
     </p:extLst>
   </p:cSld>
@@ -19111,13 +19113,6 @@
   <p:transition>
     <p:checker/>
   </p:transition>
-  <p:timing>
-    <p:tnLst>
-      <p:par>
-        <p:cTn id="1" dur="indefinite" restart="never" nodeType="tmRoot"/>
-      </p:par>
-    </p:tnLst>
-  </p:timing>
 </p:sld>
 </file>
 
@@ -19140,7 +19135,7 @@
       </p:grpSpPr>
       <p:sp>
         <p:nvSpPr>
-          <p:cNvPr id="208898" name="Rectangle 2"/>
+          <p:cNvPr id="201730" name="Rectangle 2"/>
           <p:cNvSpPr>
             <a:spLocks noGrp="1" noChangeArrowheads="1"/>
           </p:cNvSpPr>
@@ -19161,14 +19156,14 @@
                 <a:latin typeface="Times New Roman" pitchFamily="18" charset="0"/>
                 <a:ea typeface="新細明體" pitchFamily="18" charset="-120"/>
               </a:rPr>
-              <a:t>Exercise 7</a:t>
-            </a:r>
-          </a:p>
-        </p:txBody>
-      </p:sp>
-      <p:sp>
-        <p:nvSpPr>
-          <p:cNvPr id="40963" name="Rectangle 3"/>
+              <a:t>Exercise 6</a:t>
+            </a:r>
+          </a:p>
+        </p:txBody>
+      </p:sp>
+      <p:sp>
+        <p:nvSpPr>
+          <p:cNvPr id="39939" name="Rectangle 3"/>
           <p:cNvSpPr>
             <a:spLocks noGrp="1" noChangeArrowheads="1"/>
           </p:cNvSpPr>
@@ -19183,70 +19178,46 @@
           <a:p>
             <a:pPr eaLnBrk="1" hangingPunct="1"/>
             <a:r>
-              <a:rPr lang="en-US" altLang="zh-TW" dirty="0" smtClean="0">
-                <a:ea typeface="新細明體" pitchFamily="18" charset="-120"/>
-              </a:rPr>
-              <a:t>Try to write out a form in html for user to input two numbers</a:t>
+              <a:rPr lang="en-US" altLang="zh-TW" smtClean="0">
+                <a:ea typeface="新細明體" pitchFamily="18" charset="-120"/>
+              </a:rPr>
+              <a:t>Try to write out a form in html for user to input a number</a:t>
             </a:r>
           </a:p>
           <a:p>
             <a:pPr eaLnBrk="1" hangingPunct="1"/>
             <a:r>
-              <a:rPr lang="en-US" altLang="zh-TW" dirty="0" smtClean="0">
-                <a:ea typeface="新細明體" pitchFamily="18" charset="-120"/>
-              </a:rPr>
-              <a:t>Save as multiple.html</a:t>
+              <a:rPr lang="en-US" altLang="zh-TW" smtClean="0">
+                <a:ea typeface="新細明體" pitchFamily="18" charset="-120"/>
+              </a:rPr>
+              <a:t>Save as square.html</a:t>
             </a:r>
           </a:p>
           <a:p>
             <a:pPr eaLnBrk="1" hangingPunct="1"/>
             <a:r>
-              <a:rPr lang="en-US" altLang="zh-TW" dirty="0" smtClean="0">
-                <a:ea typeface="新細明體" pitchFamily="18" charset="-120"/>
-              </a:rPr>
-              <a:t>Create a new </a:t>
-            </a:r>
-            <a:r>
-              <a:rPr lang="en-US" altLang="zh-TW" dirty="0" err="1" smtClean="0">
-                <a:ea typeface="新細明體" pitchFamily="18" charset="-120"/>
-              </a:rPr>
-              <a:t>php</a:t>
-            </a:r>
-            <a:r>
-              <a:rPr lang="en-US" altLang="zh-TW" dirty="0" smtClean="0">
-                <a:ea typeface="新細明體" pitchFamily="18" charset="-120"/>
-              </a:rPr>
-              <a:t> file</a:t>
+              <a:rPr lang="en-US" altLang="zh-TW" smtClean="0">
+                <a:ea typeface="新細明體" pitchFamily="18" charset="-120"/>
+              </a:rPr>
+              <a:t>Create a new php file</a:t>
             </a:r>
           </a:p>
           <a:p>
             <a:pPr eaLnBrk="1" hangingPunct="1"/>
             <a:r>
-              <a:rPr lang="en-US" altLang="zh-TW" dirty="0" smtClean="0">
-                <a:ea typeface="新細明體" pitchFamily="18" charset="-120"/>
-              </a:rPr>
-              <a:t>Find the product of the numbers</a:t>
+              <a:rPr lang="en-US" altLang="zh-TW" smtClean="0">
+                <a:ea typeface="新細明體" pitchFamily="18" charset="-120"/>
+              </a:rPr>
+              <a:t>Find the square of the number</a:t>
             </a:r>
           </a:p>
           <a:p>
             <a:pPr eaLnBrk="1" hangingPunct="1"/>
             <a:r>
-              <a:rPr lang="en-US" altLang="zh-TW" dirty="0" smtClean="0">
-                <a:ea typeface="新細明體" pitchFamily="18" charset="-120"/>
-              </a:rPr>
-              <a:t>Save as </a:t>
-            </a:r>
-            <a:r>
-              <a:rPr lang="en-US" altLang="zh-TW" dirty="0" err="1" smtClean="0">
-                <a:ea typeface="新細明體" pitchFamily="18" charset="-120"/>
-              </a:rPr>
-              <a:t>multiple.php</a:t>
-            </a:r>
-            <a:r>
-              <a:rPr lang="en-US" altLang="zh-TW" dirty="0" smtClean="0">
-                <a:ea typeface="新細明體" pitchFamily="18" charset="-120"/>
-              </a:rPr>
-              <a:t> and test the page</a:t>
+              <a:rPr lang="en-US" altLang="zh-TW" smtClean="0">
+                <a:ea typeface="新細明體" pitchFamily="18" charset="-120"/>
+              </a:rPr>
+              <a:t>Save as square.php and test the page</a:t>
             </a:r>
           </a:p>
         </p:txBody>
@@ -19254,7 +19225,7 @@
     </p:spTree>
     <p:extLst>
       <p:ext uri="{BB962C8B-B14F-4D97-AF65-F5344CB8AC3E}">
-        <p14:creationId xmlns:p14="http://schemas.microsoft.com/office/powerpoint/2010/main" val="59286656"/>
+        <p14:creationId xmlns:p14="http://schemas.microsoft.com/office/powerpoint/2010/main" val="1233142379"/>
       </p:ext>
     </p:extLst>
   </p:cSld>
@@ -19293,7 +19264,7 @@
       </p:grpSpPr>
       <p:sp>
         <p:nvSpPr>
-          <p:cNvPr id="178178" name="Rectangle 2"/>
+          <p:cNvPr id="208898" name="Rectangle 2"/>
           <p:cNvSpPr>
             <a:spLocks noGrp="1" noChangeArrowheads="1"/>
           </p:cNvSpPr>
@@ -19303,9 +19274,7 @@
         </p:nvSpPr>
         <p:spPr/>
         <p:txBody>
-          <a:bodyPr>
-            <a:normAutofit/>
-          </a:bodyPr>
+          <a:bodyPr/>
           <a:lstStyle/>
           <a:p>
             <a:pPr eaLnBrk="1" hangingPunct="1">
@@ -19316,14 +19285,14 @@
                 <a:latin typeface="Times New Roman" pitchFamily="18" charset="0"/>
                 <a:ea typeface="新細明體" pitchFamily="18" charset="-120"/>
               </a:rPr>
-              <a:t>Exercise 8 – Body Mass Index</a:t>
-            </a:r>
-          </a:p>
-        </p:txBody>
-      </p:sp>
-      <p:sp>
-        <p:nvSpPr>
-          <p:cNvPr id="41987" name="Rectangle 3"/>
+              <a:t>Exercise 7</a:t>
+            </a:r>
+          </a:p>
+        </p:txBody>
+      </p:sp>
+      <p:sp>
+        <p:nvSpPr>
+          <p:cNvPr id="40963" name="Rectangle 3"/>
           <p:cNvSpPr>
             <a:spLocks noGrp="1" noChangeArrowheads="1"/>
           </p:cNvSpPr>
@@ -19341,105 +19310,75 @@
               <a:rPr lang="en-US" altLang="zh-TW" dirty="0" smtClean="0">
                 <a:ea typeface="新細明體" pitchFamily="18" charset="-120"/>
               </a:rPr>
-              <a:t>Find the </a:t>
+              <a:t>Try to write out a form in html for user to input two numbers</a:t>
+            </a:r>
+          </a:p>
+          <a:p>
+            <a:pPr eaLnBrk="1" hangingPunct="1"/>
+            <a:r>
+              <a:rPr lang="en-US" altLang="zh-TW" dirty="0" smtClean="0">
+                <a:ea typeface="新細明體" pitchFamily="18" charset="-120"/>
+              </a:rPr>
+              <a:t>Save as multiple.html</a:t>
+            </a:r>
+          </a:p>
+          <a:p>
+            <a:pPr eaLnBrk="1" hangingPunct="1"/>
+            <a:r>
+              <a:rPr lang="en-US" altLang="zh-TW" dirty="0" smtClean="0">
+                <a:ea typeface="新細明體" pitchFamily="18" charset="-120"/>
+              </a:rPr>
+              <a:t>Create a new </a:t>
             </a:r>
             <a:r>
               <a:rPr lang="en-US" altLang="zh-TW" dirty="0" err="1" smtClean="0">
                 <a:ea typeface="新細明體" pitchFamily="18" charset="-120"/>
               </a:rPr>
-              <a:t>bmi</a:t>
+              <a:t>php</a:t>
             </a:r>
             <a:r>
               <a:rPr lang="en-US" altLang="zh-TW" dirty="0" smtClean="0">
                 <a:ea typeface="新細明體" pitchFamily="18" charset="-120"/>
               </a:rPr>
-              <a:t> for yourself</a:t>
+              <a:t> file</a:t>
             </a:r>
           </a:p>
           <a:p>
             <a:pPr eaLnBrk="1" hangingPunct="1"/>
             <a:r>
-              <a:rPr lang="en-US" altLang="zh-TW" dirty="0" err="1">
-                <a:ea typeface="新細明體" pitchFamily="18" charset="-120"/>
-              </a:rPr>
-              <a:t>b</a:t>
+              <a:rPr lang="en-US" altLang="zh-TW" dirty="0" smtClean="0">
+                <a:ea typeface="新細明體" pitchFamily="18" charset="-120"/>
+              </a:rPr>
+              <a:t>Find the product of the numbers</a:t>
+            </a:r>
+          </a:p>
+          <a:p>
+            <a:pPr eaLnBrk="1" hangingPunct="1"/>
+            <a:r>
+              <a:rPr lang="en-US" altLang="zh-TW" dirty="0" smtClean="0">
+                <a:ea typeface="新細明體" pitchFamily="18" charset="-120"/>
+              </a:rPr>
+              <a:t>Save as </a:t>
             </a:r>
             <a:r>
               <a:rPr lang="en-US" altLang="zh-TW" dirty="0" err="1" smtClean="0">
                 <a:ea typeface="新細明體" pitchFamily="18" charset="-120"/>
               </a:rPr>
-              <a:t>mi</a:t>
+              <a:t>multiple.php</a:t>
             </a:r>
             <a:r>
               <a:rPr lang="en-US" altLang="zh-TW" dirty="0" smtClean="0">
                 <a:ea typeface="新細明體" pitchFamily="18" charset="-120"/>
               </a:rPr>
-              <a:t> = weight(kg)/height(m)/height(m)</a:t>
-            </a:r>
-          </a:p>
-          <a:p>
-            <a:pPr eaLnBrk="1" hangingPunct="1"/>
-            <a:r>
-              <a:rPr lang="en-US" altLang="zh-TW" dirty="0" smtClean="0">
-                <a:ea typeface="新細明體" pitchFamily="18" charset="-120"/>
-              </a:rPr>
-              <a:t>If I am 70kg and 1.74m, what is my </a:t>
-            </a:r>
-            <a:r>
-              <a:rPr lang="en-US" altLang="zh-TW" dirty="0" err="1" smtClean="0">
-                <a:ea typeface="新細明體" pitchFamily="18" charset="-120"/>
-              </a:rPr>
-              <a:t>bmi</a:t>
-            </a:r>
-            <a:r>
-              <a:rPr lang="en-US" altLang="zh-TW" dirty="0" smtClean="0">
-                <a:ea typeface="新細明體" pitchFamily="18" charset="-120"/>
-              </a:rPr>
-              <a:t>?</a:t>
-            </a:r>
-          </a:p>
-          <a:p>
-            <a:pPr eaLnBrk="1" hangingPunct="1"/>
-            <a:r>
-              <a:rPr lang="en-US" altLang="zh-TW" dirty="0" smtClean="0">
-                <a:ea typeface="新細明體" pitchFamily="18" charset="-120"/>
-              </a:rPr>
-              <a:t>&lt;18.5 underweight, 18.5-25.0 normal, &gt;25.0 overweight</a:t>
-            </a:r>
-          </a:p>
-          <a:p>
-            <a:pPr eaLnBrk="1" hangingPunct="1"/>
-            <a:r>
-              <a:rPr lang="en-US" altLang="zh-TW" dirty="0" smtClean="0">
-                <a:ea typeface="新細明體" pitchFamily="18" charset="-120"/>
-              </a:rPr>
-              <a:t>Write a form that can let user to input his/her height and weight</a:t>
-            </a:r>
-          </a:p>
-          <a:p>
-            <a:pPr eaLnBrk="1" hangingPunct="1"/>
-            <a:r>
-              <a:rPr lang="en-US" altLang="zh-TW" dirty="0" smtClean="0">
-                <a:ea typeface="新細明體" pitchFamily="18" charset="-120"/>
-              </a:rPr>
-              <a:t>See </a:t>
-            </a:r>
-            <a:r>
-              <a:rPr lang="en-US" altLang="zh-TW" dirty="0" err="1" smtClean="0">
-                <a:ea typeface="新細明體" pitchFamily="18" charset="-120"/>
-              </a:rPr>
-              <a:t>bmi.php</a:t>
-            </a:r>
-            <a:endParaRPr lang="en-US" altLang="zh-TW" dirty="0" smtClean="0">
-              <a:ea typeface="新細明體" pitchFamily="18" charset="-120"/>
-            </a:endParaRPr>
+              <a:t> and test the page</a:t>
+            </a:r>
           </a:p>
         </p:txBody>
       </p:sp>
     </p:spTree>
     <p:extLst>
       <p:ext uri="{BB962C8B-B14F-4D97-AF65-F5344CB8AC3E}">
-        <p14:creationId xmlns:p14="http://schemas.microsoft.com/office/powerpoint/2010/main" val="2145898831"/>
+        <p14:creationId xmlns:p14="http://schemas.microsoft.com/office/powerpoint/2010/main" val="59286656"/>
       </p:ext>
     </p:extLst>
   </p:cSld>
@@ -19478,12 +19417,42 @@
       </p:grpSpPr>
       <p:sp>
         <p:nvSpPr>
-          <p:cNvPr id="100354" name="Rectangle 1026"/>
+          <p:cNvPr id="178178" name="Rectangle 2"/>
           <p:cNvSpPr>
             <a:spLocks noGrp="1" noChangeArrowheads="1"/>
           </p:cNvSpPr>
           <p:nvPr>
             <p:ph type="title"/>
+          </p:nvPr>
+        </p:nvSpPr>
+        <p:spPr/>
+        <p:txBody>
+          <a:bodyPr>
+            <a:normAutofit/>
+          </a:bodyPr>
+          <a:lstStyle/>
+          <a:p>
+            <a:pPr eaLnBrk="1" hangingPunct="1">
+              <a:defRPr/>
+            </a:pPr>
+            <a:r>
+              <a:rPr lang="en-US" altLang="zh-TW" smtClean="0">
+                <a:latin typeface="Times New Roman" pitchFamily="18" charset="0"/>
+                <a:ea typeface="新細明體" pitchFamily="18" charset="-120"/>
+              </a:rPr>
+              <a:t>Exercise 8 – Body Mass Index</a:t>
+            </a:r>
+          </a:p>
+        </p:txBody>
+      </p:sp>
+      <p:sp>
+        <p:nvSpPr>
+          <p:cNvPr id="41987" name="Rectangle 3"/>
+          <p:cNvSpPr>
+            <a:spLocks noGrp="1" noChangeArrowheads="1"/>
+          </p:cNvSpPr>
+          <p:nvPr>
+            <p:ph idx="1"/>
           </p:nvPr>
         </p:nvSpPr>
         <p:spPr/>
@@ -19491,78 +19460,110 @@
           <a:bodyPr/>
           <a:lstStyle/>
           <a:p>
-            <a:pPr>
-              <a:defRPr/>
-            </a:pPr>
-            <a:r>
-              <a:rPr lang="en-US" altLang="zh-TW" smtClean="0">
-                <a:latin typeface="Times New Roman" pitchFamily="18" charset="0"/>
-              </a:rPr>
-              <a:t>Getting info from a web page</a:t>
-            </a:r>
-          </a:p>
-        </p:txBody>
-      </p:sp>
-      <p:pic>
-        <p:nvPicPr>
-          <p:cNvPr id="5" name="Picture 5"/>
-          <p:cNvPicPr>
-            <a:picLocks noGrp="1" noChangeAspect="1" noChangeArrowheads="1"/>
-          </p:cNvPicPr>
-          <p:nvPr>
-            <p:ph idx="1"/>
-          </p:nvPr>
-        </p:nvPicPr>
-        <p:blipFill>
-          <a:blip r:embed="rId2">
-            <a:extLst>
-              <a:ext uri="{28A0092B-C50C-407E-A947-70E740481C1C}">
-                <a14:useLocalDpi xmlns:a14="http://schemas.microsoft.com/office/drawing/2010/main" val="0"/>
-              </a:ext>
-            </a:extLst>
-          </a:blip>
-          <a:srcRect/>
-          <a:stretch>
-            <a:fillRect/>
-          </a:stretch>
-        </p:blipFill>
-        <p:spPr bwMode="auto">
-          <a:xfrm>
-            <a:off x="1833570" y="1916832"/>
-            <a:ext cx="6421296" cy="4536503"/>
-          </a:xfrm>
-          <a:prstGeom prst="rect">
-            <a:avLst/>
-          </a:prstGeom>
-          <a:noFill/>
-          <a:ln>
-            <a:noFill/>
-          </a:ln>
-          <a:extLst>
-            <a:ext uri="{909E8E84-426E-40DD-AFC4-6F175D3DCCD1}">
-              <a14:hiddenFill xmlns:a14="http://schemas.microsoft.com/office/drawing/2010/main">
-                <a:solidFill>
-                  <a:srgbClr val="FFFFFF"/>
-                </a:solidFill>
-              </a14:hiddenFill>
-            </a:ext>
-            <a:ext uri="{91240B29-F687-4F45-9708-019B960494DF}">
-              <a14:hiddenLine xmlns:a14="http://schemas.microsoft.com/office/drawing/2010/main" w="9525">
-                <a:solidFill>
-                  <a:srgbClr val="000000"/>
-                </a:solidFill>
-                <a:miter lim="800000"/>
-                <a:headEnd/>
-                <a:tailEnd/>
-              </a14:hiddenLine>
-            </a:ext>
-          </a:extLst>
-        </p:spPr>
-      </p:pic>
+            <a:pPr eaLnBrk="1" hangingPunct="1"/>
+            <a:r>
+              <a:rPr lang="en-US" altLang="zh-TW" dirty="0" smtClean="0">
+                <a:ea typeface="新細明體" pitchFamily="18" charset="-120"/>
+              </a:rPr>
+              <a:t>Find the </a:t>
+            </a:r>
+            <a:r>
+              <a:rPr lang="en-US" altLang="zh-TW" dirty="0" err="1" smtClean="0">
+                <a:ea typeface="新細明體" pitchFamily="18" charset="-120"/>
+              </a:rPr>
+              <a:t>bmi</a:t>
+            </a:r>
+            <a:r>
+              <a:rPr lang="en-US" altLang="zh-TW" dirty="0" smtClean="0">
+                <a:ea typeface="新細明體" pitchFamily="18" charset="-120"/>
+              </a:rPr>
+              <a:t> for yourself</a:t>
+            </a:r>
+          </a:p>
+          <a:p>
+            <a:pPr eaLnBrk="1" hangingPunct="1"/>
+            <a:r>
+              <a:rPr lang="en-US" altLang="zh-TW" dirty="0" err="1">
+                <a:ea typeface="新細明體" pitchFamily="18" charset="-120"/>
+              </a:rPr>
+              <a:t>b</a:t>
+            </a:r>
+            <a:r>
+              <a:rPr lang="en-US" altLang="zh-TW" dirty="0" err="1" smtClean="0">
+                <a:ea typeface="新細明體" pitchFamily="18" charset="-120"/>
+              </a:rPr>
+              <a:t>mi</a:t>
+            </a:r>
+            <a:r>
+              <a:rPr lang="en-US" altLang="zh-TW" dirty="0" smtClean="0">
+                <a:ea typeface="新細明體" pitchFamily="18" charset="-120"/>
+              </a:rPr>
+              <a:t> = weight(kg)/height(m)/height(m)</a:t>
+            </a:r>
+          </a:p>
+          <a:p>
+            <a:pPr eaLnBrk="1" hangingPunct="1"/>
+            <a:r>
+              <a:rPr lang="en-US" altLang="zh-TW" dirty="0" smtClean="0">
+                <a:ea typeface="新細明體" pitchFamily="18" charset="-120"/>
+              </a:rPr>
+              <a:t>If I am 70kg and 1.74m, what is my </a:t>
+            </a:r>
+            <a:r>
+              <a:rPr lang="en-US" altLang="zh-TW" dirty="0" err="1" smtClean="0">
+                <a:ea typeface="新細明體" pitchFamily="18" charset="-120"/>
+              </a:rPr>
+              <a:t>bmi</a:t>
+            </a:r>
+            <a:r>
+              <a:rPr lang="en-US" altLang="zh-TW" dirty="0" smtClean="0">
+                <a:ea typeface="新細明體" pitchFamily="18" charset="-120"/>
+              </a:rPr>
+              <a:t>?</a:t>
+            </a:r>
+          </a:p>
+          <a:p>
+            <a:pPr eaLnBrk="1" hangingPunct="1"/>
+            <a:r>
+              <a:rPr lang="en-US" altLang="zh-TW" dirty="0" smtClean="0">
+                <a:ea typeface="新細明體" pitchFamily="18" charset="-120"/>
+              </a:rPr>
+              <a:t>&lt;18.5 underweight, 18.5-25.0 normal, &gt;25.0 overweight</a:t>
+            </a:r>
+          </a:p>
+          <a:p>
+            <a:pPr eaLnBrk="1" hangingPunct="1"/>
+            <a:r>
+              <a:rPr lang="en-US" altLang="zh-TW" dirty="0" smtClean="0">
+                <a:ea typeface="新細明體" pitchFamily="18" charset="-120"/>
+              </a:rPr>
+              <a:t>Write a form that can let user to input his/her height and weight</a:t>
+            </a:r>
+          </a:p>
+          <a:p>
+            <a:pPr eaLnBrk="1" hangingPunct="1"/>
+            <a:r>
+              <a:rPr lang="en-US" altLang="zh-TW" dirty="0" smtClean="0">
+                <a:ea typeface="新細明體" pitchFamily="18" charset="-120"/>
+              </a:rPr>
+              <a:t>See </a:t>
+            </a:r>
+            <a:r>
+              <a:rPr lang="en-US" altLang="zh-TW" dirty="0" err="1" smtClean="0">
+                <a:ea typeface="新細明體" pitchFamily="18" charset="-120"/>
+              </a:rPr>
+              <a:t>bmi.php</a:t>
+            </a:r>
+            <a:endParaRPr lang="en-US" altLang="zh-TW" dirty="0" smtClean="0">
+              <a:ea typeface="新細明體" pitchFamily="18" charset="-120"/>
+            </a:endParaRPr>
+          </a:p>
+        </p:txBody>
+      </p:sp>
     </p:spTree>
     <p:extLst>
       <p:ext uri="{BB962C8B-B14F-4D97-AF65-F5344CB8AC3E}">
-        <p14:creationId xmlns:p14="http://schemas.microsoft.com/office/powerpoint/2010/main" val="1898286020"/>
+        <p14:creationId xmlns:p14="http://schemas.microsoft.com/office/powerpoint/2010/main" val="2145898831"/>
       </p:ext>
     </p:extLst>
   </p:cSld>
@@ -19601,7 +19602,7 @@
       </p:grpSpPr>
       <p:sp>
         <p:nvSpPr>
-          <p:cNvPr id="101378" name="Rectangle 1026"/>
+          <p:cNvPr id="100354" name="Rectangle 1026"/>
           <p:cNvSpPr>
             <a:spLocks noGrp="1" noChangeArrowheads="1"/>
           </p:cNvSpPr>
@@ -19618,17 +19619,17 @@
               <a:defRPr/>
             </a:pPr>
             <a:r>
-              <a:rPr lang="en-US" altLang="zh-TW" dirty="0" smtClean="0">
-                <a:latin typeface="Times New Roman" pitchFamily="18" charset="0"/>
-              </a:rPr>
-              <a:t>Getting correct information</a:t>
+              <a:rPr lang="en-US" altLang="zh-TW" smtClean="0">
+                <a:latin typeface="Times New Roman" pitchFamily="18" charset="0"/>
+              </a:rPr>
+              <a:t>Getting info from a web page</a:t>
             </a:r>
           </a:p>
         </p:txBody>
       </p:sp>
       <p:pic>
         <p:nvPicPr>
-          <p:cNvPr id="5" name="Picture 6"/>
+          <p:cNvPr id="5" name="Picture 5"/>
           <p:cNvPicPr>
             <a:picLocks noGrp="1" noChangeAspect="1" noChangeArrowheads="1"/>
           </p:cNvPicPr>
@@ -19651,8 +19652,8 @@
         </p:blipFill>
         <p:spPr bwMode="auto">
           <a:xfrm>
-            <a:off x="1979712" y="1805422"/>
-            <a:ext cx="6120680" cy="4737476"/>
+            <a:off x="1833570" y="1916832"/>
+            <a:ext cx="6421296" cy="4536503"/>
           </a:xfrm>
           <a:prstGeom prst="rect">
             <a:avLst/>
@@ -19685,7 +19686,7 @@
     </p:spTree>
     <p:extLst>
       <p:ext uri="{BB962C8B-B14F-4D97-AF65-F5344CB8AC3E}">
-        <p14:creationId xmlns:p14="http://schemas.microsoft.com/office/powerpoint/2010/main" val="1476078308"/>
+        <p14:creationId xmlns:p14="http://schemas.microsoft.com/office/powerpoint/2010/main" val="1898286020"/>
       </p:ext>
     </p:extLst>
   </p:cSld>
@@ -19744,14 +19745,14 @@
               <a:rPr lang="en-US" altLang="zh-TW" dirty="0" smtClean="0">
                 <a:latin typeface="Times New Roman" pitchFamily="18" charset="0"/>
               </a:rPr>
-              <a:t>Error in a web page</a:t>
+              <a:t>Getting correct information</a:t>
             </a:r>
           </a:p>
         </p:txBody>
       </p:sp>
       <p:pic>
         <p:nvPicPr>
-          <p:cNvPr id="5" name="Picture 5"/>
+          <p:cNvPr id="5" name="Picture 6"/>
           <p:cNvPicPr>
             <a:picLocks noGrp="1" noChangeAspect="1" noChangeArrowheads="1"/>
           </p:cNvPicPr>
@@ -19774,8 +19775,8 @@
         </p:blipFill>
         <p:spPr bwMode="auto">
           <a:xfrm>
-            <a:off x="1763689" y="1916832"/>
-            <a:ext cx="6584814" cy="4528056"/>
+            <a:off x="1979712" y="1805422"/>
+            <a:ext cx="6120680" cy="4737476"/>
           </a:xfrm>
           <a:prstGeom prst="rect">
             <a:avLst/>
@@ -19808,7 +19809,7 @@
     </p:spTree>
     <p:extLst>
       <p:ext uri="{BB962C8B-B14F-4D97-AF65-F5344CB8AC3E}">
-        <p14:creationId xmlns:p14="http://schemas.microsoft.com/office/powerpoint/2010/main" val="717032412"/>
+        <p14:creationId xmlns:p14="http://schemas.microsoft.com/office/powerpoint/2010/main" val="1476078308"/>
       </p:ext>
     </p:extLst>
   </p:cSld>
@@ -19965,7 +19966,7 @@
       </p:grpSpPr>
       <p:sp>
         <p:nvSpPr>
-          <p:cNvPr id="80898" name="Rectangle 1026"/>
+          <p:cNvPr id="101378" name="Rectangle 1026"/>
           <p:cNvSpPr>
             <a:spLocks noGrp="1" noChangeArrowheads="1"/>
           </p:cNvSpPr>
@@ -19982,93 +19983,74 @@
               <a:defRPr/>
             </a:pPr>
             <a:r>
-              <a:rPr lang="en-US" altLang="zh-TW" smtClean="0">
-                <a:latin typeface="Times New Roman" pitchFamily="18" charset="0"/>
-              </a:rPr>
-              <a:t>Getting info from a web page</a:t>
-            </a:r>
-          </a:p>
-        </p:txBody>
-      </p:sp>
-      <p:sp>
-        <p:nvSpPr>
-          <p:cNvPr id="44035" name="Rectangle 1027"/>
-          <p:cNvSpPr>
-            <a:spLocks noGrp="1" noChangeArrowheads="1"/>
-          </p:cNvSpPr>
+              <a:rPr lang="en-US" altLang="zh-TW" dirty="0" smtClean="0">
+                <a:latin typeface="Times New Roman" pitchFamily="18" charset="0"/>
+              </a:rPr>
+              <a:t>Error in a web page</a:t>
+            </a:r>
+          </a:p>
+        </p:txBody>
+      </p:sp>
+      <p:pic>
+        <p:nvPicPr>
+          <p:cNvPr id="5" name="Picture 5"/>
+          <p:cNvPicPr>
+            <a:picLocks noGrp="1" noChangeAspect="1" noChangeArrowheads="1"/>
+          </p:cNvPicPr>
           <p:nvPr>
             <p:ph idx="1"/>
           </p:nvPr>
-        </p:nvSpPr>
-        <p:spPr/>
-        <p:txBody>
-          <a:bodyPr/>
-          <a:lstStyle/>
-          <a:p>
-            <a:r>
-              <a:rPr lang="en-US" altLang="zh-TW" smtClean="0">
-                <a:ea typeface="新細明體" pitchFamily="18" charset="-120"/>
-              </a:rPr>
-              <a:t>Create a form by Dreamweaver to collect username and password for login</a:t>
-            </a:r>
-          </a:p>
-          <a:p>
-            <a:r>
-              <a:rPr lang="en-US" altLang="zh-TW" smtClean="0">
-                <a:ea typeface="新細明體" pitchFamily="18" charset="-120"/>
-              </a:rPr>
-              <a:t>Send the information to the php</a:t>
-            </a:r>
-          </a:p>
-          <a:p>
-            <a:r>
-              <a:rPr lang="en-US" altLang="zh-TW" smtClean="0">
-                <a:ea typeface="新細明體" pitchFamily="18" charset="-120"/>
-              </a:rPr>
-              <a:t>Create a php page</a:t>
-            </a:r>
-          </a:p>
-          <a:p>
-            <a:r>
-              <a:rPr lang="en-US" altLang="zh-TW" smtClean="0">
-                <a:ea typeface="新細明體" pitchFamily="18" charset="-120"/>
-              </a:rPr>
-              <a:t>Test the html page</a:t>
-            </a:r>
-          </a:p>
-          <a:p>
-            <a:r>
-              <a:rPr lang="en-US" altLang="zh-TW" smtClean="0">
-                <a:ea typeface="新細明體" pitchFamily="18" charset="-120"/>
-              </a:rPr>
-              <a:t>Result can be seen by the php page</a:t>
-            </a:r>
-          </a:p>
-          <a:p>
-            <a:r>
-              <a:rPr lang="en-US" altLang="zh-TW" smtClean="0">
-                <a:ea typeface="新細明體" pitchFamily="18" charset="-120"/>
-              </a:rPr>
-              <a:t>login.html</a:t>
-            </a:r>
-          </a:p>
-          <a:p>
-            <a:r>
-              <a:rPr lang="en-US" altLang="zh-TW" smtClean="0">
-                <a:ea typeface="新細明體" pitchFamily="18" charset="-120"/>
-              </a:rPr>
-              <a:t>login.php</a:t>
-            </a:r>
-            <a:endParaRPr lang="zh-TW" altLang="en-US" smtClean="0">
-              <a:ea typeface="新細明體" pitchFamily="18" charset="-120"/>
-            </a:endParaRPr>
-          </a:p>
-        </p:txBody>
-      </p:sp>
+        </p:nvPicPr>
+        <p:blipFill>
+          <a:blip r:embed="rId2">
+            <a:extLst>
+              <a:ext uri="{28A0092B-C50C-407E-A947-70E740481C1C}">
+                <a14:useLocalDpi xmlns:a14="http://schemas.microsoft.com/office/drawing/2010/main" val="0"/>
+              </a:ext>
+            </a:extLst>
+          </a:blip>
+          <a:srcRect/>
+          <a:stretch>
+            <a:fillRect/>
+          </a:stretch>
+        </p:blipFill>
+        <p:spPr bwMode="auto">
+          <a:xfrm>
+            <a:off x="1763689" y="1916832"/>
+            <a:ext cx="6584814" cy="4528056"/>
+          </a:xfrm>
+          <a:prstGeom prst="rect">
+            <a:avLst/>
+          </a:prstGeom>
+          <a:noFill/>
+          <a:ln>
+            <a:noFill/>
+          </a:ln>
+          <a:extLst>
+            <a:ext uri="{909E8E84-426E-40DD-AFC4-6F175D3DCCD1}">
+              <a14:hiddenFill xmlns:a14="http://schemas.microsoft.com/office/drawing/2010/main">
+                <a:solidFill>
+                  <a:srgbClr val="FFFFFF"/>
+                </a:solidFill>
+              </a14:hiddenFill>
+            </a:ext>
+            <a:ext uri="{91240B29-F687-4F45-9708-019B960494DF}">
+              <a14:hiddenLine xmlns:a14="http://schemas.microsoft.com/office/drawing/2010/main" w="9525">
+                <a:solidFill>
+                  <a:srgbClr val="000000"/>
+                </a:solidFill>
+                <a:miter lim="800000"/>
+                <a:headEnd/>
+                <a:tailEnd/>
+              </a14:hiddenLine>
+            </a:ext>
+          </a:extLst>
+        </p:spPr>
+      </p:pic>
     </p:spTree>
     <p:extLst>
       <p:ext uri="{BB962C8B-B14F-4D97-AF65-F5344CB8AC3E}">
-        <p14:creationId xmlns:p14="http://schemas.microsoft.com/office/powerpoint/2010/main" val="2127791752"/>
+        <p14:creationId xmlns:p14="http://schemas.microsoft.com/office/powerpoint/2010/main" val="717032412"/>
       </p:ext>
     </p:extLst>
   </p:cSld>
@@ -20124,17 +20106,17 @@
               <a:defRPr/>
             </a:pPr>
             <a:r>
-              <a:rPr lang="en-US" altLang="zh-TW" dirty="0" smtClean="0">
-                <a:latin typeface="Times New Roman" pitchFamily="18" charset="0"/>
-              </a:rPr>
-              <a:t>Homework</a:t>
-            </a:r>
-          </a:p>
-        </p:txBody>
-      </p:sp>
-      <p:sp>
-        <p:nvSpPr>
-          <p:cNvPr id="48131" name="Rectangle 1027"/>
+              <a:rPr lang="en-US" altLang="zh-TW" smtClean="0">
+                <a:latin typeface="Times New Roman" pitchFamily="18" charset="0"/>
+              </a:rPr>
+              <a:t>Getting info from a web page</a:t>
+            </a:r>
+          </a:p>
+        </p:txBody>
+      </p:sp>
+      <p:sp>
+        <p:nvSpPr>
+          <p:cNvPr id="44035" name="Rectangle 1027"/>
           <p:cNvSpPr>
             <a:spLocks noGrp="1" noChangeArrowheads="1"/>
           </p:cNvSpPr>
@@ -20144,145 +20126,64 @@
         </p:nvSpPr>
         <p:spPr/>
         <p:txBody>
-          <a:bodyPr>
-            <a:normAutofit fontScale="92500" lnSpcReduction="10000"/>
-          </a:bodyPr>
+          <a:bodyPr/>
           <a:lstStyle/>
           <a:p>
             <a:r>
-              <a:rPr lang="en-US" altLang="zh-TW" dirty="0" smtClean="0">
-                <a:ea typeface="新細明體" pitchFamily="18" charset="-120"/>
-              </a:rPr>
-              <a:t>www.zaturday.com/homework/login.html</a:t>
-            </a:r>
-          </a:p>
-          <a:p>
-            <a:endParaRPr lang="en-US" dirty="0" smtClean="0"/>
-          </a:p>
-          <a:p>
-            <a:pPr marL="0" indent="0">
-              <a:buNone/>
-            </a:pPr>
-            <a:r>
-              <a:rPr lang="en-US" dirty="0" smtClean="0"/>
-              <a:t>Lesson 23</a:t>
-            </a:r>
-            <a:endParaRPr lang="en-US" dirty="0"/>
-          </a:p>
-          <a:p>
-            <a:r>
-              <a:rPr lang="en-US" dirty="0"/>
-              <a:t>If username is blank, display </a:t>
-            </a:r>
-            <a:r>
-              <a:rPr lang="mr-IN" dirty="0" smtClean="0"/>
-              <a:t>"</a:t>
-            </a:r>
-            <a:r>
-              <a:rPr lang="en-US" dirty="0" smtClean="0"/>
-              <a:t>Please </a:t>
-            </a:r>
-            <a:r>
-              <a:rPr lang="en-US" dirty="0"/>
-              <a:t>input your </a:t>
-            </a:r>
-            <a:r>
-              <a:rPr lang="en-US" dirty="0" smtClean="0"/>
-              <a:t>username</a:t>
-            </a:r>
-            <a:r>
-              <a:rPr lang="mr-IN" dirty="0" smtClean="0"/>
-              <a:t>"</a:t>
-            </a:r>
-            <a:r>
-              <a:rPr lang="en-US" dirty="0" smtClean="0"/>
-              <a:t>.</a:t>
-            </a:r>
-            <a:endParaRPr lang="en-US" dirty="0"/>
-          </a:p>
-          <a:p>
-            <a:r>
-              <a:rPr lang="en-US" dirty="0"/>
-              <a:t>If password is blank, display </a:t>
-            </a:r>
-            <a:r>
-              <a:rPr lang="mr-IN" dirty="0" smtClean="0"/>
-              <a:t>"</a:t>
-            </a:r>
-            <a:r>
-              <a:rPr lang="en-US" dirty="0" smtClean="0"/>
-              <a:t>Please </a:t>
-            </a:r>
-            <a:r>
-              <a:rPr lang="en-US" dirty="0"/>
-              <a:t>input your </a:t>
-            </a:r>
-            <a:r>
-              <a:rPr lang="en-US" dirty="0" smtClean="0"/>
-              <a:t>password</a:t>
-            </a:r>
-            <a:r>
-              <a:rPr lang="mr-IN" dirty="0" smtClean="0"/>
-              <a:t>"</a:t>
-            </a:r>
-            <a:r>
-              <a:rPr lang="en-US" dirty="0" smtClean="0"/>
-              <a:t>.</a:t>
-            </a:r>
-            <a:endParaRPr lang="en-US" dirty="0"/>
-          </a:p>
-          <a:p>
-            <a:r>
-              <a:rPr lang="en-US" dirty="0"/>
-              <a:t>If password is wrong, display </a:t>
-            </a:r>
-            <a:r>
-              <a:rPr lang="mr-IN" dirty="0" smtClean="0"/>
-              <a:t>"</a:t>
-            </a:r>
-            <a:r>
-              <a:rPr lang="en-US" dirty="0" smtClean="0"/>
-              <a:t>wrong password</a:t>
-            </a:r>
-            <a:r>
-              <a:rPr lang="mr-IN" dirty="0" smtClean="0"/>
-              <a:t>"</a:t>
-            </a:r>
-            <a:r>
-              <a:rPr lang="en-US" dirty="0" smtClean="0"/>
-              <a:t>.</a:t>
-            </a:r>
-            <a:endParaRPr lang="en-US" dirty="0"/>
-          </a:p>
-          <a:p>
-            <a:r>
-              <a:rPr lang="en-US" dirty="0"/>
-              <a:t>If password is correct, display </a:t>
-            </a:r>
-            <a:r>
-              <a:rPr lang="mr-IN" dirty="0" smtClean="0"/>
-              <a:t>"</a:t>
-            </a:r>
-            <a:r>
-              <a:rPr lang="en-US" dirty="0" smtClean="0"/>
-              <a:t> </a:t>
-            </a:r>
-            <a:r>
-              <a:rPr lang="en-US" dirty="0"/>
-              <a:t>welcome, username </a:t>
-            </a:r>
-            <a:r>
-              <a:rPr lang="mr-IN" dirty="0" smtClean="0"/>
-              <a:t>"</a:t>
-            </a:r>
-            <a:r>
-              <a:rPr lang="en-US" dirty="0" smtClean="0"/>
-              <a:t>.</a:t>
-            </a:r>
-            <a:endParaRPr lang="en-US" dirty="0"/>
-          </a:p>
-          <a:p>
-            <a:endParaRPr lang="zh-TW" altLang="en-US" dirty="0" smtClean="0">
+              <a:rPr lang="en-US" altLang="zh-TW" smtClean="0">
+                <a:ea typeface="新細明體" pitchFamily="18" charset="-120"/>
+              </a:rPr>
+              <a:t>Create a form by Dreamweaver to collect username and password for login</a:t>
+            </a:r>
+          </a:p>
+          <a:p>
+            <a:r>
+              <a:rPr lang="en-US" altLang="zh-TW" smtClean="0">
+                <a:ea typeface="新細明體" pitchFamily="18" charset="-120"/>
+              </a:rPr>
+              <a:t>Send the information to the php</a:t>
+            </a:r>
+          </a:p>
+          <a:p>
+            <a:r>
+              <a:rPr lang="en-US" altLang="zh-TW" smtClean="0">
+                <a:ea typeface="新細明體" pitchFamily="18" charset="-120"/>
+              </a:rPr>
+              <a:t>Create a php page</a:t>
+            </a:r>
+          </a:p>
+          <a:p>
+            <a:r>
+              <a:rPr lang="en-US" altLang="zh-TW" smtClean="0">
+                <a:ea typeface="新細明體" pitchFamily="18" charset="-120"/>
+              </a:rPr>
+              <a:t>Test the html page</a:t>
+            </a:r>
+          </a:p>
+          <a:p>
+            <a:r>
+              <a:rPr lang="en-US" altLang="zh-TW" smtClean="0">
+                <a:ea typeface="新細明體" pitchFamily="18" charset="-120"/>
+              </a:rPr>
+              <a:t>Result can be seen by the php page</a:t>
+            </a:r>
+          </a:p>
+          <a:p>
+            <a:r>
+              <a:rPr lang="en-US" altLang="zh-TW" smtClean="0">
+                <a:ea typeface="新細明體" pitchFamily="18" charset="-120"/>
+              </a:rPr>
+              <a:t>login.html</a:t>
+            </a:r>
+          </a:p>
+          <a:p>
+            <a:r>
+              <a:rPr lang="en-US" altLang="zh-TW" smtClean="0">
+                <a:ea typeface="新細明體" pitchFamily="18" charset="-120"/>
+              </a:rPr>
+              <a:t>login.php</a:t>
+            </a:r>
+            <a:endParaRPr lang="zh-TW" altLang="en-US" smtClean="0">
               <a:ea typeface="新細明體" pitchFamily="18" charset="-120"/>
             </a:endParaRPr>
           </a:p>
@@ -20291,7 +20192,7 @@
     </p:spTree>
     <p:extLst>
       <p:ext uri="{BB962C8B-B14F-4D97-AF65-F5344CB8AC3E}">
-        <p14:creationId xmlns:p14="http://schemas.microsoft.com/office/powerpoint/2010/main" val="1076833109"/>
+        <p14:creationId xmlns:p14="http://schemas.microsoft.com/office/powerpoint/2010/main" val="2127791752"/>
       </p:ext>
     </p:extLst>
   </p:cSld>
@@ -20330,6 +20231,233 @@
       </p:grpSpPr>
       <p:sp>
         <p:nvSpPr>
+          <p:cNvPr id="80898" name="Rectangle 1026"/>
+          <p:cNvSpPr>
+            <a:spLocks noGrp="1" noChangeArrowheads="1"/>
+          </p:cNvSpPr>
+          <p:nvPr>
+            <p:ph type="title"/>
+          </p:nvPr>
+        </p:nvSpPr>
+        <p:spPr/>
+        <p:txBody>
+          <a:bodyPr/>
+          <a:lstStyle/>
+          <a:p>
+            <a:pPr>
+              <a:defRPr/>
+            </a:pPr>
+            <a:r>
+              <a:rPr lang="en-US" altLang="zh-TW" dirty="0" smtClean="0">
+                <a:latin typeface="Times New Roman" pitchFamily="18" charset="0"/>
+              </a:rPr>
+              <a:t>Homework</a:t>
+            </a:r>
+          </a:p>
+        </p:txBody>
+      </p:sp>
+      <p:sp>
+        <p:nvSpPr>
+          <p:cNvPr id="48131" name="Rectangle 1027"/>
+          <p:cNvSpPr>
+            <a:spLocks noGrp="1" noChangeArrowheads="1"/>
+          </p:cNvSpPr>
+          <p:nvPr>
+            <p:ph idx="1"/>
+          </p:nvPr>
+        </p:nvSpPr>
+        <p:spPr/>
+        <p:txBody>
+          <a:bodyPr>
+            <a:normAutofit fontScale="92500" lnSpcReduction="10000"/>
+          </a:bodyPr>
+          <a:lstStyle/>
+          <a:p>
+            <a:r>
+              <a:rPr lang="en-US" altLang="zh-TW" dirty="0" smtClean="0">
+                <a:ea typeface="新細明體" pitchFamily="18" charset="-120"/>
+                <a:hlinkClick r:id="rId2"/>
+              </a:rPr>
+              <a:t>www.zaturday.com/homework/login.html</a:t>
+            </a:r>
+            <a:endParaRPr lang="en-US" altLang="zh-TW" dirty="0" smtClean="0">
+              <a:ea typeface="新細明體" pitchFamily="18" charset="-120"/>
+            </a:endParaRPr>
+          </a:p>
+          <a:p>
+            <a:endParaRPr lang="en-US" dirty="0" smtClean="0"/>
+          </a:p>
+          <a:p>
+            <a:pPr marL="0" indent="0">
+              <a:buNone/>
+            </a:pPr>
+            <a:r>
+              <a:rPr lang="en-US" dirty="0" smtClean="0"/>
+              <a:t>Lesson 23</a:t>
+            </a:r>
+            <a:endParaRPr lang="en-US" dirty="0"/>
+          </a:p>
+          <a:p>
+            <a:r>
+              <a:rPr lang="en-US" dirty="0"/>
+              <a:t>If username is blank, display </a:t>
+            </a:r>
+            <a:r>
+              <a:rPr lang="mr-IN" dirty="0" smtClean="0"/>
+              <a:t>"</a:t>
+            </a:r>
+            <a:r>
+              <a:rPr lang="en-US" dirty="0" smtClean="0"/>
+              <a:t>Please </a:t>
+            </a:r>
+            <a:r>
+              <a:rPr lang="en-US" dirty="0"/>
+              <a:t>input your </a:t>
+            </a:r>
+            <a:r>
+              <a:rPr lang="en-US" dirty="0" smtClean="0"/>
+              <a:t>username</a:t>
+            </a:r>
+            <a:r>
+              <a:rPr lang="mr-IN" dirty="0" smtClean="0"/>
+              <a:t>"</a:t>
+            </a:r>
+            <a:r>
+              <a:rPr lang="en-US" dirty="0" smtClean="0"/>
+              <a:t>.</a:t>
+            </a:r>
+            <a:endParaRPr lang="en-US" dirty="0"/>
+          </a:p>
+          <a:p>
+            <a:r>
+              <a:rPr lang="en-US" dirty="0"/>
+              <a:t>If password is blank, display </a:t>
+            </a:r>
+            <a:r>
+              <a:rPr lang="mr-IN" dirty="0" smtClean="0"/>
+              <a:t>"</a:t>
+            </a:r>
+            <a:r>
+              <a:rPr lang="en-US" dirty="0" smtClean="0"/>
+              <a:t>Please </a:t>
+            </a:r>
+            <a:r>
+              <a:rPr lang="en-US" dirty="0"/>
+              <a:t>input your </a:t>
+            </a:r>
+            <a:r>
+              <a:rPr lang="en-US" dirty="0" smtClean="0"/>
+              <a:t>password</a:t>
+            </a:r>
+            <a:r>
+              <a:rPr lang="mr-IN" dirty="0" smtClean="0"/>
+              <a:t>"</a:t>
+            </a:r>
+            <a:r>
+              <a:rPr lang="en-US" dirty="0" smtClean="0"/>
+              <a:t>.</a:t>
+            </a:r>
+            <a:endParaRPr lang="en-US" dirty="0"/>
+          </a:p>
+          <a:p>
+            <a:r>
+              <a:rPr lang="en-US" dirty="0"/>
+              <a:t>If password is wrong, display </a:t>
+            </a:r>
+            <a:r>
+              <a:rPr lang="mr-IN" dirty="0" smtClean="0"/>
+              <a:t>"</a:t>
+            </a:r>
+            <a:r>
+              <a:rPr lang="en-US" dirty="0" smtClean="0"/>
+              <a:t>wrong password</a:t>
+            </a:r>
+            <a:r>
+              <a:rPr lang="mr-IN" dirty="0" smtClean="0"/>
+              <a:t>"</a:t>
+            </a:r>
+            <a:r>
+              <a:rPr lang="en-US" dirty="0" smtClean="0"/>
+              <a:t>.</a:t>
+            </a:r>
+            <a:endParaRPr lang="en-US" dirty="0"/>
+          </a:p>
+          <a:p>
+            <a:r>
+              <a:rPr lang="en-US" dirty="0"/>
+              <a:t>If password is correct, display </a:t>
+            </a:r>
+            <a:r>
+              <a:rPr lang="mr-IN" dirty="0" smtClean="0"/>
+              <a:t>"</a:t>
+            </a:r>
+            <a:r>
+              <a:rPr lang="en-US" dirty="0" smtClean="0"/>
+              <a:t> </a:t>
+            </a:r>
+            <a:r>
+              <a:rPr lang="en-US" dirty="0"/>
+              <a:t>welcome, username </a:t>
+            </a:r>
+            <a:r>
+              <a:rPr lang="mr-IN" dirty="0" smtClean="0"/>
+              <a:t>"</a:t>
+            </a:r>
+            <a:r>
+              <a:rPr lang="en-US" dirty="0" smtClean="0"/>
+              <a:t>.</a:t>
+            </a:r>
+            <a:endParaRPr lang="en-US" dirty="0"/>
+          </a:p>
+          <a:p>
+            <a:endParaRPr lang="zh-TW" altLang="en-US" dirty="0" smtClean="0">
+              <a:ea typeface="新細明體" pitchFamily="18" charset="-120"/>
+            </a:endParaRPr>
+          </a:p>
+        </p:txBody>
+      </p:sp>
+    </p:spTree>
+    <p:extLst>
+      <p:ext uri="{BB962C8B-B14F-4D97-AF65-F5344CB8AC3E}">
+        <p14:creationId xmlns:p14="http://schemas.microsoft.com/office/powerpoint/2010/main" val="1076833109"/>
+      </p:ext>
+    </p:extLst>
+  </p:cSld>
+  <p:clrMapOvr>
+    <a:masterClrMapping/>
+  </p:clrMapOvr>
+  <p:transition>
+    <p:checker/>
+  </p:transition>
+  <p:timing>
+    <p:tnLst>
+      <p:par>
+        <p:cTn id="1" dur="indefinite" restart="never" nodeType="tmRoot"/>
+      </p:par>
+    </p:tnLst>
+  </p:timing>
+</p:sld>
+</file>
+
+<file path=ppt/slides/slide43.xml><?xml version="1.0" encoding="utf-8"?>
+<p:sld xmlns:a="http://schemas.openxmlformats.org/drawingml/2006/main" xmlns:r="http://schemas.openxmlformats.org/officeDocument/2006/relationships" xmlns:p="http://schemas.openxmlformats.org/presentationml/2006/main">
+  <p:cSld>
+    <p:spTree>
+      <p:nvGrpSpPr>
+        <p:cNvPr id="1" name=""/>
+        <p:cNvGrpSpPr/>
+        <p:nvPr/>
+      </p:nvGrpSpPr>
+      <p:grpSpPr>
+        <a:xfrm>
+          <a:off x="0" y="0"/>
+          <a:ext cx="0" cy="0"/>
+          <a:chOff x="0" y="0"/>
+          <a:chExt cx="0" cy="0"/>
+        </a:xfrm>
+      </p:grpSpPr>
+      <p:sp>
+        <p:nvSpPr>
           <p:cNvPr id="24578" name="Rectangle 2"/>
           <p:cNvSpPr>
             <a:spLocks noGrp="1" noChangeArrowheads="1"/>
@@ -20454,13 +20582,15 @@
               <a:rPr lang="en-US" altLang="zh-TW" dirty="0" smtClean="0">
                 <a:ea typeface="新細明體" pitchFamily="18" charset="-120"/>
               </a:rPr>
-              <a:t>Secure data by </a:t>
-            </a:r>
+              <a:t>Secure data by encryption</a:t>
+            </a:r>
+          </a:p>
+          <a:p>
             <a:r>
               <a:rPr lang="en-US" altLang="zh-TW" dirty="0" smtClean="0">
                 <a:ea typeface="新細明體" pitchFamily="18" charset="-120"/>
               </a:rPr>
-              <a:t>encryption</a:t>
+              <a:t>Cipher</a:t>
             </a:r>
           </a:p>
           <a:p>
@@ -20468,18 +20598,15 @@
               <a:rPr lang="en-US" altLang="zh-TW" dirty="0" smtClean="0">
                 <a:ea typeface="新細明體" pitchFamily="18" charset="-120"/>
               </a:rPr>
-              <a:t>Cipher</a:t>
-            </a:r>
-            <a:endParaRPr lang="en-US" altLang="zh-TW" dirty="0" smtClean="0">
-              <a:ea typeface="新細明體" pitchFamily="18" charset="-120"/>
-            </a:endParaRPr>
+              <a:t>MD5(32), sha1(40), sha256(64)</a:t>
+            </a:r>
           </a:p>
           <a:p>
             <a:r>
               <a:rPr lang="en-US" altLang="zh-TW" dirty="0" smtClean="0">
                 <a:ea typeface="新細明體" pitchFamily="18" charset="-120"/>
               </a:rPr>
-              <a:t>MD5(32), sha1(40), sha256(64)</a:t>
+              <a:t>HTTPS (SSL)</a:t>
             </a:r>
           </a:p>
           <a:p>
@@ -20487,7 +20614,7 @@
               <a:rPr lang="en-US" altLang="zh-TW" dirty="0" smtClean="0">
                 <a:ea typeface="新細明體" pitchFamily="18" charset="-120"/>
               </a:rPr>
-              <a:t>HTTPS (SSL)</a:t>
+              <a:t>Cert</a:t>
             </a:r>
           </a:p>
           <a:p>
@@ -20495,19 +20622,8 @@
               <a:rPr lang="en-US" altLang="zh-TW" dirty="0" smtClean="0">
                 <a:ea typeface="新細明體" pitchFamily="18" charset="-120"/>
               </a:rPr>
-              <a:t>Cert</a:t>
-            </a:r>
-          </a:p>
-          <a:p>
-            <a:r>
-              <a:rPr lang="en-US" altLang="zh-TW" dirty="0" smtClean="0">
-                <a:ea typeface="新細明體" pitchFamily="18" charset="-120"/>
-              </a:rPr>
               <a:t>RSA</a:t>
             </a:r>
-            <a:endParaRPr lang="en-US" altLang="zh-TW" dirty="0" smtClean="0">
-              <a:ea typeface="新細明體" pitchFamily="18" charset="-120"/>
-            </a:endParaRPr>
           </a:p>
         </p:txBody>
       </p:sp>
@@ -20550,6 +20666,133 @@
       </p:grpSpPr>
       <p:sp>
         <p:nvSpPr>
+          <p:cNvPr id="2" name="Title 1"/>
+          <p:cNvSpPr>
+            <a:spLocks noGrp="1"/>
+          </p:cNvSpPr>
+          <p:nvPr>
+            <p:ph type="title"/>
+          </p:nvPr>
+        </p:nvSpPr>
+        <p:spPr/>
+        <p:txBody>
+          <a:bodyPr/>
+          <a:lstStyle/>
+          <a:p>
+            <a:endParaRPr lang="zh-HK" altLang="en-US"/>
+          </a:p>
+        </p:txBody>
+      </p:sp>
+      <p:pic>
+        <p:nvPicPr>
+          <p:cNvPr id="4" name="Content Placeholder 3"/>
+          <p:cNvPicPr>
+            <a:picLocks noGrp="1" noChangeAspect="1"/>
+          </p:cNvPicPr>
+          <p:nvPr>
+            <p:ph idx="1"/>
+          </p:nvPr>
+        </p:nvPicPr>
+        <p:blipFill>
+          <a:blip r:embed="rId2"/>
+          <a:stretch>
+            <a:fillRect/>
+          </a:stretch>
+        </p:blipFill>
+        <p:spPr>
+          <a:xfrm>
+            <a:off x="-19123" y="-42862"/>
+            <a:ext cx="3990975" cy="4962525"/>
+          </a:xfrm>
+          <a:prstGeom prst="rect">
+            <a:avLst/>
+          </a:prstGeom>
+          <a:noFill/>
+          <a:ln>
+            <a:noFill/>
+          </a:ln>
+        </p:spPr>
+      </p:pic>
+      <p:pic>
+        <p:nvPicPr>
+          <p:cNvPr id="6" name="Picture 5"/>
+          <p:cNvPicPr>
+            <a:picLocks noChangeAspect="1"/>
+          </p:cNvPicPr>
+          <p:nvPr/>
+        </p:nvPicPr>
+        <p:blipFill>
+          <a:blip r:embed="rId3"/>
+          <a:stretch>
+            <a:fillRect/>
+          </a:stretch>
+        </p:blipFill>
+        <p:spPr>
+          <a:xfrm>
+            <a:off x="5153025" y="0"/>
+            <a:ext cx="3990975" cy="4962525"/>
+          </a:xfrm>
+          <a:prstGeom prst="rect">
+            <a:avLst/>
+          </a:prstGeom>
+        </p:spPr>
+      </p:pic>
+      <p:pic>
+        <p:nvPicPr>
+          <p:cNvPr id="5" name="Picture 4"/>
+          <p:cNvPicPr>
+            <a:picLocks noChangeAspect="1"/>
+          </p:cNvPicPr>
+          <p:nvPr/>
+        </p:nvPicPr>
+        <p:blipFill>
+          <a:blip r:embed="rId4"/>
+          <a:stretch>
+            <a:fillRect/>
+          </a:stretch>
+        </p:blipFill>
+        <p:spPr>
+          <a:xfrm>
+            <a:off x="3707904" y="1772816"/>
+            <a:ext cx="3990975" cy="4962525"/>
+          </a:xfrm>
+          <a:prstGeom prst="rect">
+            <a:avLst/>
+          </a:prstGeom>
+        </p:spPr>
+      </p:pic>
+    </p:spTree>
+    <p:extLst>
+      <p:ext uri="{BB962C8B-B14F-4D97-AF65-F5344CB8AC3E}">
+        <p14:creationId xmlns:p14="http://schemas.microsoft.com/office/powerpoint/2010/main" val="2121985430"/>
+      </p:ext>
+    </p:extLst>
+  </p:cSld>
+  <p:clrMapOvr>
+    <a:masterClrMapping/>
+  </p:clrMapOvr>
+</p:sld>
+</file>
+
+<file path=ppt/slides/slide7.xml><?xml version="1.0" encoding="utf-8"?>
+<p:sld xmlns:a="http://schemas.openxmlformats.org/drawingml/2006/main" xmlns:r="http://schemas.openxmlformats.org/officeDocument/2006/relationships" xmlns:p="http://schemas.openxmlformats.org/presentationml/2006/main">
+  <p:cSld>
+    <p:spTree>
+      <p:nvGrpSpPr>
+        <p:cNvPr id="1" name=""/>
+        <p:cNvGrpSpPr/>
+        <p:nvPr/>
+      </p:nvGrpSpPr>
+      <p:grpSpPr>
+        <a:xfrm>
+          <a:off x="0" y="0"/>
+          <a:ext cx="0" cy="0"/>
+          <a:chOff x="0" y="0"/>
+          <a:chExt cx="0" cy="0"/>
+        </a:xfrm>
+      </p:grpSpPr>
+      <p:sp>
+        <p:nvSpPr>
           <p:cNvPr id="9218" name="Rectangle 2050"/>
           <p:cNvSpPr>
             <a:spLocks noGrp="1" noChangeArrowheads="1"/>
@@ -20570,7 +20813,6 @@
               <a:rPr lang="en-US" altLang="zh-TW" dirty="0" smtClean="0"/>
               <a:t>Website example</a:t>
             </a:r>
-            <a:endParaRPr lang="en-US" altLang="zh-TW" dirty="0" smtClean="0"/>
           </a:p>
         </p:txBody>
       </p:sp>
@@ -20654,104 +20896,6 @@
 </p:sld>
 </file>
 
-<file path=ppt/slides/slide7.xml><?xml version="1.0" encoding="utf-8"?>
-<p:sld xmlns:a="http://schemas.openxmlformats.org/drawingml/2006/main" xmlns:r="http://schemas.openxmlformats.org/officeDocument/2006/relationships" xmlns:p="http://schemas.openxmlformats.org/presentationml/2006/main">
-  <p:cSld>
-    <p:spTree>
-      <p:nvGrpSpPr>
-        <p:cNvPr id="1" name=""/>
-        <p:cNvGrpSpPr/>
-        <p:nvPr/>
-      </p:nvGrpSpPr>
-      <p:grpSpPr>
-        <a:xfrm>
-          <a:off x="0" y="0"/>
-          <a:ext cx="0" cy="0"/>
-          <a:chOff x="0" y="0"/>
-          <a:chExt cx="0" cy="0"/>
-        </a:xfrm>
-      </p:grpSpPr>
-      <p:sp>
-        <p:nvSpPr>
-          <p:cNvPr id="2" name="Title 1"/>
-          <p:cNvSpPr>
-            <a:spLocks noGrp="1"/>
-          </p:cNvSpPr>
-          <p:nvPr>
-            <p:ph type="title"/>
-          </p:nvPr>
-        </p:nvSpPr>
-        <p:spPr/>
-        <p:txBody>
-          <a:bodyPr/>
-          <a:lstStyle/>
-          <a:p>
-            <a:r>
-              <a:rPr lang="en-US" dirty="0" smtClean="0"/>
-              <a:t>Encryption</a:t>
-            </a:r>
-            <a:endParaRPr lang="en-US" dirty="0"/>
-          </a:p>
-        </p:txBody>
-      </p:sp>
-      <p:sp>
-        <p:nvSpPr>
-          <p:cNvPr id="3" name="Content Placeholder 2"/>
-          <p:cNvSpPr>
-            <a:spLocks noGrp="1"/>
-          </p:cNvSpPr>
-          <p:nvPr>
-            <p:ph idx="1"/>
-          </p:nvPr>
-        </p:nvSpPr>
-        <p:spPr/>
-        <p:txBody>
-          <a:bodyPr/>
-          <a:lstStyle/>
-          <a:p>
-            <a:r>
-              <a:rPr lang="en-US" dirty="0"/>
-              <a:t>MD5 is considered cryptographically broken and is unsuitable for further use.</a:t>
-            </a:r>
-          </a:p>
-          <a:p>
-            <a:r>
-              <a:rPr lang="en-US" dirty="0"/>
-              <a:t>The SHA1 algorithm might not be secure enough for ongoing use. It is recommended not to use SHA1.</a:t>
-            </a:r>
-          </a:p>
-          <a:p>
-            <a:r>
-              <a:rPr lang="en-US" dirty="0"/>
-              <a:t>SHA224: SHA224 produces a 224-bit (28-byte) hash value, typically rendered as a hexadecimal number, 56 digits long.</a:t>
-            </a:r>
-          </a:p>
-          <a:p>
-            <a:r>
-              <a:rPr lang="en-US" dirty="0"/>
-              <a:t>SHA256: SHA256 produces a 256-bit (32-byte) hash value, typically rendered as a hexadecimal number, 64 digits long</a:t>
-            </a:r>
-            <a:r>
-              <a:rPr lang="en-US" dirty="0" smtClean="0"/>
-              <a:t>.</a:t>
-            </a:r>
-            <a:endParaRPr lang="en-US" dirty="0"/>
-          </a:p>
-        </p:txBody>
-      </p:sp>
-    </p:spTree>
-    <p:extLst>
-      <p:ext uri="{BB962C8B-B14F-4D97-AF65-F5344CB8AC3E}">
-        <p14:creationId xmlns:p14="http://schemas.microsoft.com/office/powerpoint/2010/main" val="57615496"/>
-      </p:ext>
-    </p:extLst>
-  </p:cSld>
-  <p:clrMapOvr>
-    <a:masterClrMapping/>
-  </p:clrMapOvr>
-</p:sld>
-</file>
-
 <file path=ppt/slides/slide8.xml><?xml version="1.0" encoding="utf-8"?>
 <p:sld xmlns:a="http://schemas.openxmlformats.org/drawingml/2006/main" xmlns:r="http://schemas.openxmlformats.org/officeDocument/2006/relationships" xmlns:p="http://schemas.openxmlformats.org/presentationml/2006/main">
   <p:cSld>
@@ -20808,32 +20952,39 @@
           <a:lstStyle/>
           <a:p>
             <a:r>
+              <a:rPr lang="en-US" dirty="0"/>
+              <a:t>MD5 is considered cryptographically broken and is unsuitable for further use.</a:t>
+            </a:r>
+          </a:p>
+          <a:p>
+            <a:r>
+              <a:rPr lang="en-US" dirty="0"/>
+              <a:t>The SHA1 algorithm might not be secure enough for ongoing use. It is recommended not to use SHA1.</a:t>
+            </a:r>
+          </a:p>
+          <a:p>
+            <a:r>
+              <a:rPr lang="en-US" dirty="0"/>
+              <a:t>SHA224: SHA224 produces a 224-bit (28-byte) hash value, typically rendered as a hexadecimal number, 56 digits long.</a:t>
+            </a:r>
+          </a:p>
+          <a:p>
+            <a:r>
+              <a:rPr lang="en-US" dirty="0"/>
+              <a:t>SHA256: SHA256 produces a 256-bit (32-byte) hash value, typically rendered as a hexadecimal number, 64 digits long</a:t>
+            </a:r>
+            <a:r>
               <a:rPr lang="en-US" dirty="0" smtClean="0"/>
-              <a:t>SHA384</a:t>
-            </a:r>
-            <a:r>
-              <a:rPr lang="en-US" dirty="0"/>
-              <a:t>: SHA384 produces a 384-bit (48-byte) hash value, typically rendered as a hexadecimal number, 96 digits long.</a:t>
-            </a:r>
-          </a:p>
-          <a:p>
-            <a:r>
-              <a:rPr lang="en-US" dirty="0"/>
-              <a:t>SHA512: SHA512 produces a 512-bit (64-byte) hash value, typically rendered as a hexadecimal number, 128 digits long.</a:t>
-            </a:r>
-          </a:p>
-          <a:p>
-            <a:r>
-              <a:rPr lang="en-US" dirty="0"/>
-              <a:t>RIPEMD160: RIPEMD160 produces a 160-bit (20-byte) hash value, typically rendered as a hexadecimal number, 40 digits long.</a:t>
-            </a:r>
+              <a:t>.</a:t>
+            </a:r>
+            <a:endParaRPr lang="en-US" dirty="0"/>
           </a:p>
         </p:txBody>
       </p:sp>
     </p:spTree>
     <p:extLst>
       <p:ext uri="{BB962C8B-B14F-4D97-AF65-F5344CB8AC3E}">
-        <p14:creationId xmlns:p14="http://schemas.microsoft.com/office/powerpoint/2010/main" val="1976000122"/>
+        <p14:creationId xmlns:p14="http://schemas.microsoft.com/office/powerpoint/2010/main" val="57615496"/>
       </p:ext>
     </p:extLst>
   </p:cSld>
@@ -20877,7 +21028,7 @@
           <a:p>
             <a:r>
               <a:rPr lang="en-US" dirty="0" smtClean="0"/>
-              <a:t>hash</a:t>
+              <a:t>Encryption</a:t>
             </a:r>
             <a:endParaRPr lang="en-US" dirty="0"/>
           </a:p>
@@ -20899,54 +21050,32 @@
           <a:lstStyle/>
           <a:p>
             <a:r>
-              <a:rPr lang="zh-TW" altLang="en-US" dirty="0"/>
-              <a:t>雜湊</a:t>
-            </a:r>
-            <a:r>
-              <a:rPr lang="en-US" altLang="zh-TW" dirty="0"/>
-              <a:t>(Hash)</a:t>
-            </a:r>
-            <a:r>
-              <a:rPr lang="zh-TW" altLang="en-US" dirty="0"/>
-              <a:t>演算法越來越多，</a:t>
-            </a:r>
-            <a:r>
-              <a:rPr lang="en-US" altLang="zh-TW" dirty="0"/>
-              <a:t>PHP </a:t>
-            </a:r>
-            <a:r>
-              <a:rPr lang="zh-TW" altLang="en-US" dirty="0"/>
-              <a:t>直接做了 </a:t>
-            </a:r>
-            <a:r>
-              <a:rPr lang="en-US" altLang="zh-TW" dirty="0">
-                <a:hlinkClick r:id="rId2"/>
-              </a:rPr>
-              <a:t>hash()</a:t>
-            </a:r>
-            <a:r>
-              <a:rPr lang="zh-TW" altLang="en-US" dirty="0"/>
-              <a:t> 來用，直接指定要用哪個雜湊演算法即可</a:t>
-            </a:r>
-            <a:r>
-              <a:rPr lang="zh-TW" altLang="en-US" dirty="0" smtClean="0"/>
-              <a:t>。</a:t>
-            </a:r>
-            <a:endParaRPr lang="en-US" altLang="zh-TW" dirty="0" smtClean="0"/>
-          </a:p>
-          <a:p>
-            <a:r>
-              <a:rPr lang="en-US" dirty="0" err="1" smtClean="0"/>
-              <a:t>hash.php</a:t>
-            </a:r>
-            <a:endParaRPr lang="en-US" dirty="0"/>
+              <a:rPr lang="en-US" dirty="0" smtClean="0"/>
+              <a:t>SHA384</a:t>
+            </a:r>
+            <a:r>
+              <a:rPr lang="en-US" dirty="0"/>
+              <a:t>: SHA384 produces a 384-bit (48-byte) hash value, typically rendered as a hexadecimal number, 96 digits long.</a:t>
+            </a:r>
+          </a:p>
+          <a:p>
+            <a:r>
+              <a:rPr lang="en-US" dirty="0"/>
+              <a:t>SHA512: SHA512 produces a 512-bit (64-byte) hash value, typically rendered as a hexadecimal number, 128 digits long.</a:t>
+            </a:r>
+          </a:p>
+          <a:p>
+            <a:r>
+              <a:rPr lang="en-US" dirty="0"/>
+              <a:t>RIPEMD160: RIPEMD160 produces a 160-bit (20-byte) hash value, typically rendered as a hexadecimal number, 40 digits long.</a:t>
+            </a:r>
           </a:p>
         </p:txBody>
       </p:sp>
     </p:spTree>
     <p:extLst>
       <p:ext uri="{BB962C8B-B14F-4D97-AF65-F5344CB8AC3E}">
-        <p14:creationId xmlns:p14="http://schemas.microsoft.com/office/powerpoint/2010/main" val="1946933246"/>
+        <p14:creationId xmlns:p14="http://schemas.microsoft.com/office/powerpoint/2010/main" val="1976000122"/>
       </p:ext>
     </p:extLst>
   </p:cSld>
